--- a/Minta/szinosszeallitasok.pptx
+++ b/Minta/szinosszeallitasok.pptx
@@ -8,8 +8,7 @@
     <p:sldId id="261" r:id="rId2"/>
     <p:sldId id="262" r:id="rId3"/>
     <p:sldId id="263" r:id="rId4"/>
-    <p:sldId id="259" r:id="rId5"/>
-    <p:sldId id="260" r:id="rId6"/>
+    <p:sldId id="264" r:id="rId5"/>
   </p:sldIdLst>
   <p:sldSz cx="12192000" cy="6858000"/>
   <p:notesSz cx="6858000" cy="9144000"/>
@@ -160,18 +159,75 @@
           <inkml:channelProperty channel="F" name="resolution" value="0" units="1/dev"/>
         </inkml:channelProperties>
       </inkml:inkSource>
-      <inkml:timestamp xml:id="ts0" timeString="2022-03-20T13:24:36.446"/>
+      <inkml:timestamp xml:id="ts0" timeString="2022-03-20T13:20:22.982"/>
     </inkml:context>
     <inkml:brush xml:id="br0">
       <inkml:brushProperty name="width" value="0.025" units="cm"/>
       <inkml:brushProperty name="height" value="0.025" units="cm"/>
+      <inkml:brushProperty name="color" value="#E71224"/>
     </inkml:brush>
   </inkml:definitions>
-  <inkml:trace contextRef="#ctx0" brushRef="#br0">1 1 24575,'1'6'0,"0"1"0,0 0 0,1 0 0,1-1 0,-1 1 0,1-1 0,0 0 0,0 1 0,0-1 0,1-1 0,5 7 0,51 60 0,-59-71 0,8 10 0,0 0 0,1-1 0,0-1 0,1 0 0,0 0 0,1-1 0,-1 0 0,1-1 0,1 0 0,-1-1 0,1-1 0,0 0 0,1-1 0,-1 0 0,1-1 0,0 0 0,-1-1 0,21 0 0,-18-2-111,48-5 356,-60 4-345,0 0 0,0 0 0,-1 0 0,1-1 0,-1 0 0,1 0 0,-1 0 0,0 0 1,1 0-1,-1-1 0,0 1 0,-1-1 0,1 0 0,3-4 0,-1 0-6726</inkml:trace>
+  <inkml:trace contextRef="#ctx0" brushRef="#br0">0 0 24575,'5'0'0,"1"0"-8191</inkml:trace>
 </inkml:ink>
 </file>
 
 <file path=ppt/ink/ink11.xml><?xml version="1.0" encoding="utf-8"?>
+<inkml:ink xmlns:inkml="http://www.w3.org/2003/InkML">
+  <inkml:definitions>
+    <inkml:context xml:id="ctx0">
+      <inkml:inkSource xml:id="inkSrc0">
+        <inkml:traceFormat>
+          <inkml:channel name="X" type="integer" min="-2.14748E9" max="2.14748E9" units="cm"/>
+          <inkml:channel name="Y" type="integer" min="-2.14748E9" max="2.14748E9" units="cm"/>
+          <inkml:channel name="F" type="integer" max="32767" units="dev"/>
+        </inkml:traceFormat>
+        <inkml:channelProperties>
+          <inkml:channelProperty channel="X" name="resolution" value="1000" units="1/cm"/>
+          <inkml:channelProperty channel="Y" name="resolution" value="1000" units="1/cm"/>
+          <inkml:channelProperty channel="F" name="resolution" value="0" units="1/dev"/>
+        </inkml:channelProperties>
+      </inkml:inkSource>
+      <inkml:timestamp xml:id="ts0" timeString="2022-03-20T13:20:23.664"/>
+    </inkml:context>
+    <inkml:brush xml:id="br0">
+      <inkml:brushProperty name="width" value="0.025" units="cm"/>
+      <inkml:brushProperty name="height" value="0.025" units="cm"/>
+      <inkml:brushProperty name="color" value="#E71224"/>
+    </inkml:brush>
+  </inkml:definitions>
+  <inkml:trace contextRef="#ctx0" brushRef="#br0">0 0 24575,'0'0'-8191</inkml:trace>
+</inkml:ink>
+</file>
+
+<file path=ppt/ink/ink12.xml><?xml version="1.0" encoding="utf-8"?>
+<inkml:ink xmlns:inkml="http://www.w3.org/2003/InkML">
+  <inkml:definitions>
+    <inkml:context xml:id="ctx0">
+      <inkml:inkSource xml:id="inkSrc0">
+        <inkml:traceFormat>
+          <inkml:channel name="X" type="integer" min="-2.14748E9" max="2.14748E9" units="cm"/>
+          <inkml:channel name="Y" type="integer" min="-2.14748E9" max="2.14748E9" units="cm"/>
+          <inkml:channel name="F" type="integer" max="32767" units="dev"/>
+        </inkml:traceFormat>
+        <inkml:channelProperties>
+          <inkml:channelProperty channel="X" name="resolution" value="1000" units="1/cm"/>
+          <inkml:channelProperty channel="Y" name="resolution" value="1000" units="1/cm"/>
+          <inkml:channelProperty channel="F" name="resolution" value="0" units="1/dev"/>
+        </inkml:channelProperties>
+      </inkml:inkSource>
+      <inkml:timestamp xml:id="ts0" timeString="2022-03-20T13:20:35.794"/>
+    </inkml:context>
+    <inkml:brush xml:id="br0">
+      <inkml:brushProperty name="width" value="0.025" units="cm"/>
+      <inkml:brushProperty name="height" value="0.025" units="cm"/>
+      <inkml:brushProperty name="color" value="#E71224"/>
+    </inkml:brush>
+  </inkml:definitions>
+  <inkml:trace contextRef="#ctx0" brushRef="#br0">0 11 24575,'0'-4'0,"0"-2"-8191</inkml:trace>
+</inkml:ink>
+</file>
+
+<file path=ppt/ink/ink13.xml><?xml version="1.0" encoding="utf-8"?>
 <inkml:ink xmlns:inkml="http://www.w3.org/2003/InkML">
   <inkml:definitions>
     <inkml:context xml:id="ctx0">
@@ -199,7 +255,7 @@
 </inkml:ink>
 </file>
 
-<file path=ppt/ink/ink12.xml><?xml version="1.0" encoding="utf-8"?>
+<file path=ppt/ink/ink14.xml><?xml version="1.0" encoding="utf-8"?>
 <inkml:ink xmlns:inkml="http://www.w3.org/2003/InkML">
   <inkml:definitions>
     <inkml:context xml:id="ctx0">
@@ -227,7 +283,7 @@
 </inkml:ink>
 </file>
 
-<file path=ppt/ink/ink13.xml><?xml version="1.0" encoding="utf-8"?>
+<file path=ppt/ink/ink15.xml><?xml version="1.0" encoding="utf-8"?>
 <inkml:ink xmlns:inkml="http://www.w3.org/2003/InkML">
   <inkml:definitions>
     <inkml:context xml:id="ctx0">
@@ -255,62 +311,6 @@
 </inkml:ink>
 </file>
 
-<file path=ppt/ink/ink14.xml><?xml version="1.0" encoding="utf-8"?>
-<inkml:ink xmlns:inkml="http://www.w3.org/2003/InkML">
-  <inkml:definitions>
-    <inkml:context xml:id="ctx0">
-      <inkml:inkSource xml:id="inkSrc0">
-        <inkml:traceFormat>
-          <inkml:channel name="X" type="integer" min="-2.14748E9" max="2.14748E9" units="cm"/>
-          <inkml:channel name="Y" type="integer" min="-2.14748E9" max="2.14748E9" units="cm"/>
-          <inkml:channel name="F" type="integer" max="32767" units="dev"/>
-        </inkml:traceFormat>
-        <inkml:channelProperties>
-          <inkml:channelProperty channel="X" name="resolution" value="1000" units="1/cm"/>
-          <inkml:channelProperty channel="Y" name="resolution" value="1000" units="1/cm"/>
-          <inkml:channelProperty channel="F" name="resolution" value="0" units="1/dev"/>
-        </inkml:channelProperties>
-      </inkml:inkSource>
-      <inkml:timestamp xml:id="ts0" timeString="2022-03-20T13:20:22.982"/>
-    </inkml:context>
-    <inkml:brush xml:id="br0">
-      <inkml:brushProperty name="width" value="0.025" units="cm"/>
-      <inkml:brushProperty name="height" value="0.025" units="cm"/>
-      <inkml:brushProperty name="color" value="#E71224"/>
-    </inkml:brush>
-  </inkml:definitions>
-  <inkml:trace contextRef="#ctx0" brushRef="#br0">0 0 24575,'5'0'0,"1"0"-8191</inkml:trace>
-</inkml:ink>
-</file>
-
-<file path=ppt/ink/ink15.xml><?xml version="1.0" encoding="utf-8"?>
-<inkml:ink xmlns:inkml="http://www.w3.org/2003/InkML">
-  <inkml:definitions>
-    <inkml:context xml:id="ctx0">
-      <inkml:inkSource xml:id="inkSrc0">
-        <inkml:traceFormat>
-          <inkml:channel name="X" type="integer" min="-2.14748E9" max="2.14748E9" units="cm"/>
-          <inkml:channel name="Y" type="integer" min="-2.14748E9" max="2.14748E9" units="cm"/>
-          <inkml:channel name="F" type="integer" max="32767" units="dev"/>
-        </inkml:traceFormat>
-        <inkml:channelProperties>
-          <inkml:channelProperty channel="X" name="resolution" value="1000" units="1/cm"/>
-          <inkml:channelProperty channel="Y" name="resolution" value="1000" units="1/cm"/>
-          <inkml:channelProperty channel="F" name="resolution" value="0" units="1/dev"/>
-        </inkml:channelProperties>
-      </inkml:inkSource>
-      <inkml:timestamp xml:id="ts0" timeString="2022-03-20T13:20:23.664"/>
-    </inkml:context>
-    <inkml:brush xml:id="br0">
-      <inkml:brushProperty name="width" value="0.025" units="cm"/>
-      <inkml:brushProperty name="height" value="0.025" units="cm"/>
-      <inkml:brushProperty name="color" value="#E71224"/>
-    </inkml:brush>
-  </inkml:definitions>
-  <inkml:trace contextRef="#ctx0" brushRef="#br0">0 0 24575,'0'0'-8191</inkml:trace>
-</inkml:ink>
-</file>
-
 <file path=ppt/ink/ink16.xml><?xml version="1.0" encoding="utf-8"?>
 <inkml:ink xmlns:inkml="http://www.w3.org/2003/InkML">
   <inkml:definitions>
@@ -327,7 +327,7 @@
           <inkml:channelProperty channel="F" name="resolution" value="0" units="1/dev"/>
         </inkml:channelProperties>
       </inkml:inkSource>
-      <inkml:timestamp xml:id="ts0" timeString="2022-03-20T13:20:35.794"/>
+      <inkml:timestamp xml:id="ts0" timeString="2022-03-20T13:20:05.416"/>
     </inkml:context>
     <inkml:brush xml:id="br0">
       <inkml:brushProperty name="width" value="0.025" units="cm"/>
@@ -335,7 +335,7 @@
       <inkml:brushProperty name="color" value="#E71224"/>
     </inkml:brush>
   </inkml:definitions>
-  <inkml:trace contextRef="#ctx0" brushRef="#br0">0 11 24575,'0'-4'0,"0"-2"-8191</inkml:trace>
+  <inkml:trace contextRef="#ctx0" brushRef="#br0">0 1 24575,'0'0'-8191</inkml:trace>
 </inkml:ink>
 </file>
 
@@ -355,14 +355,15 @@
           <inkml:channelProperty channel="F" name="resolution" value="0" units="1/dev"/>
         </inkml:channelProperties>
       </inkml:inkSource>
-      <inkml:timestamp xml:id="ts0" timeString="2022-03-20T13:24:29.009"/>
+      <inkml:timestamp xml:id="ts0" timeString="2022-03-20T13:20:06.176"/>
     </inkml:context>
     <inkml:brush xml:id="br0">
       <inkml:brushProperty name="width" value="0.025" units="cm"/>
       <inkml:brushProperty name="height" value="0.025" units="cm"/>
+      <inkml:brushProperty name="color" value="#E71224"/>
     </inkml:brush>
   </inkml:definitions>
-  <inkml:trace contextRef="#ctx0" brushRef="#br0">224 0 24575,'-1'73'0,"3"79"0,2-131 0,-3-14 0,1 0 0,-1 0 0,0 1 0,0-1 0,-1 10 0,0-17 0,0 1 0,0 0 0,0-1 0,0 1 0,-1 0 0,1-1 0,0 1 0,0 0 0,-1-1 0,1 1 0,0 0 0,-1-1 0,1 1 0,0-1 0,-1 1 0,1-1 0,-1 1 0,1-1 0,-1 1 0,1-1 0,-1 1 0,0-1 0,1 0 0,-2 1 0,1-1 0,-1 0 0,1 0 0,-1 0 0,1 0 0,-1 0 0,0 0 0,1 0 0,-1-1 0,1 1 0,-1 0 0,1-1 0,-1 0 0,1 1 0,0-1 0,-3-1 0,-11-5-136,0 0-1,-1 1 1,0 0-1,0 2 1,-1 0-1,1 1 1,-1 0-1,0 1 0,-25 1 1,31 1-6690</inkml:trace>
+  <inkml:trace contextRef="#ctx0" brushRef="#br0">0 1 24575,'0'0'-8191</inkml:trace>
 </inkml:ink>
 </file>
 
@@ -382,41 +383,15 @@
           <inkml:channelProperty channel="F" name="resolution" value="0" units="1/dev"/>
         </inkml:channelProperties>
       </inkml:inkSource>
-      <inkml:timestamp xml:id="ts0" timeString="2022-03-20T13:24:31.198"/>
+      <inkml:timestamp xml:id="ts0" timeString="2022-03-20T13:20:08.369"/>
     </inkml:context>
     <inkml:brush xml:id="br0">
       <inkml:brushProperty name="width" value="0.025" units="cm"/>
       <inkml:brushProperty name="height" value="0.025" units="cm"/>
+      <inkml:brushProperty name="color" value="#E71224"/>
     </inkml:brush>
   </inkml:definitions>
-  <inkml:trace contextRef="#ctx0" brushRef="#br0">452 214 24575,'-4'-2'0,"1"-1"0,-1 1 0,1 0 0,0-1 0,-1 0 0,1 0 0,1 0 0,-1 0 0,0 0 0,1 0 0,0-1 0,-4-6 0,-8-10 0,-8-2 0,0 0 0,-1 1 0,-26-19 0,40 34 0,-1 1 0,0 0 0,0 0 0,0 1 0,0 0 0,-1 0 0,1 1 0,-1 1 0,0 0 0,0 0 0,0 1 0,-11 0 0,6 1 0,9 0 0,0 0 0,0 0 0,0 1 0,0-1 0,0 2 0,-8 1 0,13-2 0,-1 0 0,0 1 0,1-1 0,-1 1 0,1 0 0,0-1 0,-1 1 0,1 0 0,0 0 0,0 1 0,0-1 0,1 0 0,-1 1 0,0-1 0,1 1 0,0-1 0,0 1 0,-2 4 0,-1 2-195,1 0 0,-1 0 0,2 0 0,-1 1 0,1-1 0,-1 20 0,3-18-6631</inkml:trace>
-</inkml:ink>
-</file>
-
-<file path=ppt/ink/ink19.xml><?xml version="1.0" encoding="utf-8"?>
-<inkml:ink xmlns:inkml="http://www.w3.org/2003/InkML">
-  <inkml:definitions>
-    <inkml:context xml:id="ctx0">
-      <inkml:inkSource xml:id="inkSrc0">
-        <inkml:traceFormat>
-          <inkml:channel name="X" type="integer" min="-2.14748E9" max="2.14748E9" units="cm"/>
-          <inkml:channel name="Y" type="integer" min="-2.14748E9" max="2.14748E9" units="cm"/>
-          <inkml:channel name="F" type="integer" max="32767" units="dev"/>
-        </inkml:traceFormat>
-        <inkml:channelProperties>
-          <inkml:channelProperty channel="X" name="resolution" value="1000" units="1/cm"/>
-          <inkml:channelProperty channel="Y" name="resolution" value="1000" units="1/cm"/>
-          <inkml:channelProperty channel="F" name="resolution" value="0" units="1/dev"/>
-        </inkml:channelProperties>
-      </inkml:inkSource>
-      <inkml:timestamp xml:id="ts0" timeString="2022-03-20T13:24:34.406"/>
-    </inkml:context>
-    <inkml:brush xml:id="br0">
-      <inkml:brushProperty name="width" value="0.025" units="cm"/>
-      <inkml:brushProperty name="height" value="0.025" units="cm"/>
-    </inkml:brush>
-  </inkml:definitions>
-  <inkml:trace contextRef="#ctx0" brushRef="#br0">0 240 24575,'1'-1'0,"0"1"0,0-1 0,0 0 0,-1 1 0,1-1 0,0 0 0,0 1 0,-1-1 0,1 0 0,-1 0 0,1 0 0,0 1 0,-1-1 0,0 0 0,1 0 0,-1 0 0,1 0 0,-1 0 0,0 0 0,0 0 0,0 0 0,1 0 0,-1 0 0,0 0 0,0 0 0,-1-2 0,3-33 0,-2 32 0,14-143 0,-14 146 0,0-1 0,0 1 0,1 0 0,-1-1 0,0 1 0,1 0 0,0 0 0,-1 0 0,1-1 0,-1 1 0,1 0 0,0 0 0,0 0 0,0 0 0,0 0 0,0 0 0,0 0 0,0 1 0,0-1 0,0 0 0,0 0 0,0 1 0,0-1 0,1 1 0,-1-1 0,0 1 0,0 0 0,1-1 0,-1 1 0,0 0 0,1 0 0,-1 0 0,0 0 0,1 0 0,-1 0 0,0 0 0,1 0 0,0 1 0,10 1 0,1 0 0,-1 0 0,16 7 0,-8-3 0,20 7-1365,-32-10-5461</inkml:trace>
+  <inkml:trace contextRef="#ctx0" brushRef="#br0">1 1 24575,'0'0'-8191</inkml:trace>
 </inkml:ink>
 </file>
 
@@ -448,279 +423,6 @@
 </inkml:ink>
 </file>
 
-<file path=ppt/ink/ink20.xml><?xml version="1.0" encoding="utf-8"?>
-<inkml:ink xmlns:inkml="http://www.w3.org/2003/InkML">
-  <inkml:definitions>
-    <inkml:context xml:id="ctx0">
-      <inkml:inkSource xml:id="inkSrc0">
-        <inkml:traceFormat>
-          <inkml:channel name="X" type="integer" min="-2.14748E9" max="2.14748E9" units="cm"/>
-          <inkml:channel name="Y" type="integer" min="-2.14748E9" max="2.14748E9" units="cm"/>
-          <inkml:channel name="F" type="integer" max="32767" units="dev"/>
-        </inkml:traceFormat>
-        <inkml:channelProperties>
-          <inkml:channelProperty channel="X" name="resolution" value="1000" units="1/cm"/>
-          <inkml:channelProperty channel="Y" name="resolution" value="1000" units="1/cm"/>
-          <inkml:channelProperty channel="F" name="resolution" value="0" units="1/dev"/>
-        </inkml:channelProperties>
-      </inkml:inkSource>
-      <inkml:timestamp xml:id="ts0" timeString="2022-03-20T13:24:36.446"/>
-    </inkml:context>
-    <inkml:brush xml:id="br0">
-      <inkml:brushProperty name="width" value="0.025" units="cm"/>
-      <inkml:brushProperty name="height" value="0.025" units="cm"/>
-    </inkml:brush>
-  </inkml:definitions>
-  <inkml:trace contextRef="#ctx0" brushRef="#br0">1 1 24575,'1'6'0,"0"1"0,0 0 0,1 0 0,1-1 0,-1 1 0,1-1 0,0 0 0,0 1 0,0-1 0,1-1 0,5 7 0,51 60 0,-59-71 0,8 10 0,0 0 0,1-1 0,0-1 0,1 0 0,0 0 0,1-1 0,-1 0 0,1-1 0,1 0 0,-1-1 0,1-1 0,0 0 0,1-1 0,-1 0 0,1-1 0,0 0 0,-1-1 0,21 0 0,-18-2-111,48-5 356,-60 4-345,0 0 0,0 0 0,-1 0 0,1-1 0,-1 0 0,1 0 0,-1 0 0,0 0 1,1 0-1,-1-1 0,0 1 0,-1-1 0,1 0 0,3-4 0,-1 0-6726</inkml:trace>
-</inkml:ink>
-</file>
-
-<file path=ppt/ink/ink21.xml><?xml version="1.0" encoding="utf-8"?>
-<inkml:ink xmlns:inkml="http://www.w3.org/2003/InkML">
-  <inkml:definitions>
-    <inkml:context xml:id="ctx0">
-      <inkml:inkSource xml:id="inkSrc0">
-        <inkml:traceFormat>
-          <inkml:channel name="X" type="integer" min="-2.14748E9" max="2.14748E9" units="cm"/>
-          <inkml:channel name="Y" type="integer" min="-2.14748E9" max="2.14748E9" units="cm"/>
-          <inkml:channel name="F" type="integer" max="32767" units="dev"/>
-        </inkml:traceFormat>
-        <inkml:channelProperties>
-          <inkml:channelProperty channel="X" name="resolution" value="1000" units="1/cm"/>
-          <inkml:channelProperty channel="Y" name="resolution" value="1000" units="1/cm"/>
-          <inkml:channelProperty channel="F" name="resolution" value="0" units="1/dev"/>
-        </inkml:channelProperties>
-      </inkml:inkSource>
-      <inkml:timestamp xml:id="ts0" timeString="2022-03-20T13:20:05.416"/>
-    </inkml:context>
-    <inkml:brush xml:id="br0">
-      <inkml:brushProperty name="width" value="0.025" units="cm"/>
-      <inkml:brushProperty name="height" value="0.025" units="cm"/>
-      <inkml:brushProperty name="color" value="#E71224"/>
-    </inkml:brush>
-  </inkml:definitions>
-  <inkml:trace contextRef="#ctx0" brushRef="#br0">0 1 24575,'0'0'-8191</inkml:trace>
-</inkml:ink>
-</file>
-
-<file path=ppt/ink/ink22.xml><?xml version="1.0" encoding="utf-8"?>
-<inkml:ink xmlns:inkml="http://www.w3.org/2003/InkML">
-  <inkml:definitions>
-    <inkml:context xml:id="ctx0">
-      <inkml:inkSource xml:id="inkSrc0">
-        <inkml:traceFormat>
-          <inkml:channel name="X" type="integer" min="-2.14748E9" max="2.14748E9" units="cm"/>
-          <inkml:channel name="Y" type="integer" min="-2.14748E9" max="2.14748E9" units="cm"/>
-          <inkml:channel name="F" type="integer" max="32767" units="dev"/>
-        </inkml:traceFormat>
-        <inkml:channelProperties>
-          <inkml:channelProperty channel="X" name="resolution" value="1000" units="1/cm"/>
-          <inkml:channelProperty channel="Y" name="resolution" value="1000" units="1/cm"/>
-          <inkml:channelProperty channel="F" name="resolution" value="0" units="1/dev"/>
-        </inkml:channelProperties>
-      </inkml:inkSource>
-      <inkml:timestamp xml:id="ts0" timeString="2022-03-20T13:20:06.176"/>
-    </inkml:context>
-    <inkml:brush xml:id="br0">
-      <inkml:brushProperty name="width" value="0.025" units="cm"/>
-      <inkml:brushProperty name="height" value="0.025" units="cm"/>
-      <inkml:brushProperty name="color" value="#E71224"/>
-    </inkml:brush>
-  </inkml:definitions>
-  <inkml:trace contextRef="#ctx0" brushRef="#br0">0 1 24575,'0'0'-8191</inkml:trace>
-</inkml:ink>
-</file>
-
-<file path=ppt/ink/ink23.xml><?xml version="1.0" encoding="utf-8"?>
-<inkml:ink xmlns:inkml="http://www.w3.org/2003/InkML">
-  <inkml:definitions>
-    <inkml:context xml:id="ctx0">
-      <inkml:inkSource xml:id="inkSrc0">
-        <inkml:traceFormat>
-          <inkml:channel name="X" type="integer" min="-2.14748E9" max="2.14748E9" units="cm"/>
-          <inkml:channel name="Y" type="integer" min="-2.14748E9" max="2.14748E9" units="cm"/>
-          <inkml:channel name="F" type="integer" max="32767" units="dev"/>
-        </inkml:traceFormat>
-        <inkml:channelProperties>
-          <inkml:channelProperty channel="X" name="resolution" value="1000" units="1/cm"/>
-          <inkml:channelProperty channel="Y" name="resolution" value="1000" units="1/cm"/>
-          <inkml:channelProperty channel="F" name="resolution" value="0" units="1/dev"/>
-        </inkml:channelProperties>
-      </inkml:inkSource>
-      <inkml:timestamp xml:id="ts0" timeString="2022-03-20T13:20:08.369"/>
-    </inkml:context>
-    <inkml:brush xml:id="br0">
-      <inkml:brushProperty name="width" value="0.025" units="cm"/>
-      <inkml:brushProperty name="height" value="0.025" units="cm"/>
-      <inkml:brushProperty name="color" value="#E71224"/>
-    </inkml:brush>
-  </inkml:definitions>
-  <inkml:trace contextRef="#ctx0" brushRef="#br0">1 1 24575,'0'0'-8191</inkml:trace>
-</inkml:ink>
-</file>
-
-<file path=ppt/ink/ink24.xml><?xml version="1.0" encoding="utf-8"?>
-<inkml:ink xmlns:inkml="http://www.w3.org/2003/InkML">
-  <inkml:definitions>
-    <inkml:context xml:id="ctx0">
-      <inkml:inkSource xml:id="inkSrc0">
-        <inkml:traceFormat>
-          <inkml:channel name="X" type="integer" min="-2.14748E9" max="2.14748E9" units="cm"/>
-          <inkml:channel name="Y" type="integer" min="-2.14748E9" max="2.14748E9" units="cm"/>
-          <inkml:channel name="F" type="integer" max="32767" units="dev"/>
-        </inkml:traceFormat>
-        <inkml:channelProperties>
-          <inkml:channelProperty channel="X" name="resolution" value="1000" units="1/cm"/>
-          <inkml:channelProperty channel="Y" name="resolution" value="1000" units="1/cm"/>
-          <inkml:channelProperty channel="F" name="resolution" value="0" units="1/dev"/>
-        </inkml:channelProperties>
-      </inkml:inkSource>
-      <inkml:timestamp xml:id="ts0" timeString="2022-03-20T13:24:29.009"/>
-    </inkml:context>
-    <inkml:brush xml:id="br0">
-      <inkml:brushProperty name="width" value="0.025" units="cm"/>
-      <inkml:brushProperty name="height" value="0.025" units="cm"/>
-    </inkml:brush>
-  </inkml:definitions>
-  <inkml:trace contextRef="#ctx0" brushRef="#br0">224 0 24575,'-1'73'0,"3"79"0,2-131 0,-3-14 0,1 0 0,-1 0 0,0 1 0,0-1 0,-1 10 0,0-17 0,0 1 0,0 0 0,0-1 0,0 1 0,-1 0 0,1-1 0,0 1 0,0 0 0,-1-1 0,1 1 0,0 0 0,-1-1 0,1 1 0,0-1 0,-1 1 0,1-1 0,-1 1 0,1-1 0,-1 1 0,1-1 0,-1 1 0,0-1 0,1 0 0,-2 1 0,1-1 0,-1 0 0,1 0 0,-1 0 0,1 0 0,-1 0 0,0 0 0,1 0 0,-1-1 0,1 1 0,-1 0 0,1-1 0,-1 0 0,1 1 0,0-1 0,-3-1 0,-11-5-136,0 0-1,-1 1 1,0 0-1,0 2 1,-1 0-1,1 1 1,-1 0-1,0 1 0,-25 1 1,31 1-6690</inkml:trace>
-</inkml:ink>
-</file>
-
-<file path=ppt/ink/ink25.xml><?xml version="1.0" encoding="utf-8"?>
-<inkml:ink xmlns:inkml="http://www.w3.org/2003/InkML">
-  <inkml:definitions>
-    <inkml:context xml:id="ctx0">
-      <inkml:inkSource xml:id="inkSrc0">
-        <inkml:traceFormat>
-          <inkml:channel name="X" type="integer" min="-2.14748E9" max="2.14748E9" units="cm"/>
-          <inkml:channel name="Y" type="integer" min="-2.14748E9" max="2.14748E9" units="cm"/>
-          <inkml:channel name="F" type="integer" max="32767" units="dev"/>
-        </inkml:traceFormat>
-        <inkml:channelProperties>
-          <inkml:channelProperty channel="X" name="resolution" value="1000" units="1/cm"/>
-          <inkml:channelProperty channel="Y" name="resolution" value="1000" units="1/cm"/>
-          <inkml:channelProperty channel="F" name="resolution" value="0" units="1/dev"/>
-        </inkml:channelProperties>
-      </inkml:inkSource>
-      <inkml:timestamp xml:id="ts0" timeString="2022-03-20T13:24:31.198"/>
-    </inkml:context>
-    <inkml:brush xml:id="br0">
-      <inkml:brushProperty name="width" value="0.025" units="cm"/>
-      <inkml:brushProperty name="height" value="0.025" units="cm"/>
-    </inkml:brush>
-  </inkml:definitions>
-  <inkml:trace contextRef="#ctx0" brushRef="#br0">452 214 24575,'-4'-2'0,"1"-1"0,-1 1 0,1 0 0,0-1 0,-1 0 0,1 0 0,1 0 0,-1 0 0,0 0 0,1 0 0,0-1 0,-4-6 0,-8-10 0,-8-2 0,0 0 0,-1 1 0,-26-19 0,40 34 0,-1 1 0,0 0 0,0 0 0,0 1 0,0 0 0,-1 0 0,1 1 0,-1 1 0,0 0 0,0 0 0,0 1 0,-11 0 0,6 1 0,9 0 0,0 0 0,0 0 0,0 1 0,0-1 0,0 2 0,-8 1 0,13-2 0,-1 0 0,0 1 0,1-1 0,-1 1 0,1 0 0,0-1 0,-1 1 0,1 0 0,0 0 0,0 1 0,0-1 0,1 0 0,-1 1 0,0-1 0,1 1 0,0-1 0,0 1 0,-2 4 0,-1 2-195,1 0 0,-1 0 0,2 0 0,-1 1 0,1-1 0,-1 20 0,3-18-6631</inkml:trace>
-</inkml:ink>
-</file>
-
-<file path=ppt/ink/ink26.xml><?xml version="1.0" encoding="utf-8"?>
-<inkml:ink xmlns:inkml="http://www.w3.org/2003/InkML">
-  <inkml:definitions>
-    <inkml:context xml:id="ctx0">
-      <inkml:inkSource xml:id="inkSrc0">
-        <inkml:traceFormat>
-          <inkml:channel name="X" type="integer" min="-2.14748E9" max="2.14748E9" units="cm"/>
-          <inkml:channel name="Y" type="integer" min="-2.14748E9" max="2.14748E9" units="cm"/>
-          <inkml:channel name="F" type="integer" max="32767" units="dev"/>
-        </inkml:traceFormat>
-        <inkml:channelProperties>
-          <inkml:channelProperty channel="X" name="resolution" value="1000" units="1/cm"/>
-          <inkml:channelProperty channel="Y" name="resolution" value="1000" units="1/cm"/>
-          <inkml:channelProperty channel="F" name="resolution" value="0" units="1/dev"/>
-        </inkml:channelProperties>
-      </inkml:inkSource>
-      <inkml:timestamp xml:id="ts0" timeString="2022-03-20T13:24:34.406"/>
-    </inkml:context>
-    <inkml:brush xml:id="br0">
-      <inkml:brushProperty name="width" value="0.025" units="cm"/>
-      <inkml:brushProperty name="height" value="0.025" units="cm"/>
-    </inkml:brush>
-  </inkml:definitions>
-  <inkml:trace contextRef="#ctx0" brushRef="#br0">0 240 24575,'1'-1'0,"0"1"0,0-1 0,0 0 0,-1 1 0,1-1 0,0 0 0,0 1 0,-1-1 0,1 0 0,-1 0 0,1 0 0,0 1 0,-1-1 0,0 0 0,1 0 0,-1 0 0,1 0 0,-1 0 0,0 0 0,0 0 0,0 0 0,1 0 0,-1 0 0,0 0 0,0 0 0,-1-2 0,3-33 0,-2 32 0,14-143 0,-14 146 0,0-1 0,0 1 0,1 0 0,-1-1 0,0 1 0,1 0 0,0 0 0,-1 0 0,1-1 0,-1 1 0,1 0 0,0 0 0,0 0 0,0 0 0,0 0 0,0 0 0,0 0 0,0 1 0,0-1 0,0 0 0,0 0 0,0 1 0,0-1 0,1 1 0,-1-1 0,0 1 0,0 0 0,1-1 0,-1 1 0,0 0 0,1 0 0,-1 0 0,0 0 0,1 0 0,-1 0 0,0 0 0,1 0 0,0 1 0,10 1 0,1 0 0,-1 0 0,16 7 0,-8-3 0,20 7-1365,-32-10-5461</inkml:trace>
-</inkml:ink>
-</file>
-
-<file path=ppt/ink/ink27.xml><?xml version="1.0" encoding="utf-8"?>
-<inkml:ink xmlns:inkml="http://www.w3.org/2003/InkML">
-  <inkml:definitions>
-    <inkml:context xml:id="ctx0">
-      <inkml:inkSource xml:id="inkSrc0">
-        <inkml:traceFormat>
-          <inkml:channel name="X" type="integer" min="-2.14748E9" max="2.14748E9" units="cm"/>
-          <inkml:channel name="Y" type="integer" min="-2.14748E9" max="2.14748E9" units="cm"/>
-          <inkml:channel name="F" type="integer" max="32767" units="dev"/>
-        </inkml:traceFormat>
-        <inkml:channelProperties>
-          <inkml:channelProperty channel="X" name="resolution" value="1000" units="1/cm"/>
-          <inkml:channelProperty channel="Y" name="resolution" value="1000" units="1/cm"/>
-          <inkml:channelProperty channel="F" name="resolution" value="0" units="1/dev"/>
-        </inkml:channelProperties>
-      </inkml:inkSource>
-      <inkml:timestamp xml:id="ts0" timeString="2022-03-20T13:24:36.446"/>
-    </inkml:context>
-    <inkml:brush xml:id="br0">
-      <inkml:brushProperty name="width" value="0.025" units="cm"/>
-      <inkml:brushProperty name="height" value="0.025" units="cm"/>
-    </inkml:brush>
-  </inkml:definitions>
-  <inkml:trace contextRef="#ctx0" brushRef="#br0">1 1 24575,'1'6'0,"0"1"0,0 0 0,1 0 0,1-1 0,-1 1 0,1-1 0,0 0 0,0 1 0,0-1 0,1-1 0,5 7 0,51 60 0,-59-71 0,8 10 0,0 0 0,1-1 0,0-1 0,1 0 0,0 0 0,1-1 0,-1 0 0,1-1 0,1 0 0,-1-1 0,1-1 0,0 0 0,1-1 0,-1 0 0,1-1 0,0 0 0,-1-1 0,21 0 0,-18-2-111,48-5 356,-60 4-345,0 0 0,0 0 0,-1 0 0,1-1 0,-1 0 0,1 0 0,-1 0 0,0 0 1,1 0-1,-1-1 0,0 1 0,-1-1 0,1 0 0,3-4 0,-1 0-6726</inkml:trace>
-</inkml:ink>
-</file>
-
-<file path=ppt/ink/ink28.xml><?xml version="1.0" encoding="utf-8"?>
-<inkml:ink xmlns:inkml="http://www.w3.org/2003/InkML">
-  <inkml:definitions>
-    <inkml:context xml:id="ctx0">
-      <inkml:inkSource xml:id="inkSrc0">
-        <inkml:traceFormat>
-          <inkml:channel name="X" type="integer" min="-2.14748E9" max="2.14748E9" units="cm"/>
-          <inkml:channel name="Y" type="integer" min="-2.14748E9" max="2.14748E9" units="cm"/>
-          <inkml:channel name="F" type="integer" max="32767" units="dev"/>
-        </inkml:traceFormat>
-        <inkml:channelProperties>
-          <inkml:channelProperty channel="X" name="resolution" value="1000" units="1/cm"/>
-          <inkml:channelProperty channel="Y" name="resolution" value="1000" units="1/cm"/>
-          <inkml:channelProperty channel="F" name="resolution" value="0" units="1/dev"/>
-        </inkml:channelProperties>
-      </inkml:inkSource>
-      <inkml:timestamp xml:id="ts0" timeString="2022-03-20T13:30:19.695"/>
-    </inkml:context>
-    <inkml:brush xml:id="br0">
-      <inkml:brushProperty name="width" value="0.025" units="cm"/>
-      <inkml:brushProperty name="height" value="0.025" units="cm"/>
-    </inkml:brush>
-  </inkml:definitions>
-  <inkml:trace contextRef="#ctx0" brushRef="#br0">224 0 24575,'-1'73'0,"3"79"0,2-131 0,-3-14 0,1 0 0,-1 0 0,0 1 0,0-1 0,-1 10 0,0-17 0,0 1 0,0 0 0,0-1 0,0 1 0,-1 0 0,1-1 0,0 1 0,0 0 0,-1-1 0,1 1 0,0 0 0,-1-1 0,1 1 0,0-1 0,-1 1 0,1-1 0,-1 1 0,1-1 0,-1 1 0,1-1 0,-1 1 0,0-1 0,1 0 0,-2 1 0,1-1 0,-1 0 0,1 0 0,-1 0 0,1 0 0,-1 0 0,0 0 0,1 0 0,-1-1 0,1 1 0,-1 0 0,1-1 0,-1 0 0,1 1 0,0-1 0,-3-1 0,-11-5-136,0 0-1,-1 1 1,0 0-1,0 2 1,-1 0-1,1 1 1,-1 0-1,0 1 0,-25 1 1,31 1-6690</inkml:trace>
-</inkml:ink>
-</file>
-
-<file path=ppt/ink/ink29.xml><?xml version="1.0" encoding="utf-8"?>
-<inkml:ink xmlns:inkml="http://www.w3.org/2003/InkML">
-  <inkml:definitions>
-    <inkml:context xml:id="ctx0">
-      <inkml:inkSource xml:id="inkSrc0">
-        <inkml:traceFormat>
-          <inkml:channel name="X" type="integer" min="-2.14748E9" max="2.14748E9" units="cm"/>
-          <inkml:channel name="Y" type="integer" min="-2.14748E9" max="2.14748E9" units="cm"/>
-          <inkml:channel name="F" type="integer" max="32767" units="dev"/>
-        </inkml:traceFormat>
-        <inkml:channelProperties>
-          <inkml:channelProperty channel="X" name="resolution" value="1000" units="1/cm"/>
-          <inkml:channelProperty channel="Y" name="resolution" value="1000" units="1/cm"/>
-          <inkml:channelProperty channel="F" name="resolution" value="0" units="1/dev"/>
-        </inkml:channelProperties>
-      </inkml:inkSource>
-      <inkml:timestamp xml:id="ts0" timeString="2022-03-20T13:30:19.696"/>
-    </inkml:context>
-    <inkml:brush xml:id="br0">
-      <inkml:brushProperty name="width" value="0.025" units="cm"/>
-      <inkml:brushProperty name="height" value="0.025" units="cm"/>
-    </inkml:brush>
-  </inkml:definitions>
-  <inkml:trace contextRef="#ctx0" brushRef="#br0">452 214 24575,'-4'-2'0,"1"-1"0,-1 1 0,1 0 0,0-1 0,-1 0 0,1 0 0,1 0 0,-1 0 0,0 0 0,1 0 0,0-1 0,-4-6 0,-8-10 0,-8-2 0,0 0 0,-1 1 0,-26-19 0,40 34 0,-1 1 0,0 0 0,0 0 0,0 1 0,0 0 0,-1 0 0,1 1 0,-1 1 0,0 0 0,0 0 0,0 1 0,-11 0 0,6 1 0,9 0 0,0 0 0,0 0 0,0 1 0,0-1 0,0 2 0,-8 1 0,13-2 0,-1 0 0,0 1 0,1-1 0,-1 1 0,1 0 0,0-1 0,-1 1 0,1 0 0,0 0 0,0 1 0,0-1 0,1 0 0,-1 1 0,0-1 0,1 1 0,0-1 0,0 1 0,-2 4 0,-1 2-195,1 0 0,-1 0 0,2 0 0,-1 1 0,1-1 0,-1 20 0,3-18-6631</inkml:trace>
-</inkml:ink>
-</file>
-
 <file path=ppt/ink/ink3.xml><?xml version="1.0" encoding="utf-8"?>
 <inkml:ink xmlns:inkml="http://www.w3.org/2003/InkML">
   <inkml:definitions>
@@ -746,168 +448,6 @@
     </inkml:brush>
   </inkml:definitions>
   <inkml:trace contextRef="#ctx0" brushRef="#br0">1 1 24575,'0'0'-8191</inkml:trace>
-</inkml:ink>
-</file>
-
-<file path=ppt/ink/ink30.xml><?xml version="1.0" encoding="utf-8"?>
-<inkml:ink xmlns:inkml="http://www.w3.org/2003/InkML">
-  <inkml:definitions>
-    <inkml:context xml:id="ctx0">
-      <inkml:inkSource xml:id="inkSrc0">
-        <inkml:traceFormat>
-          <inkml:channel name="X" type="integer" min="-2.14748E9" max="2.14748E9" units="cm"/>
-          <inkml:channel name="Y" type="integer" min="-2.14748E9" max="2.14748E9" units="cm"/>
-          <inkml:channel name="F" type="integer" max="32767" units="dev"/>
-        </inkml:traceFormat>
-        <inkml:channelProperties>
-          <inkml:channelProperty channel="X" name="resolution" value="1000" units="1/cm"/>
-          <inkml:channelProperty channel="Y" name="resolution" value="1000" units="1/cm"/>
-          <inkml:channelProperty channel="F" name="resolution" value="0" units="1/dev"/>
-        </inkml:channelProperties>
-      </inkml:inkSource>
-      <inkml:timestamp xml:id="ts0" timeString="2022-03-20T13:30:19.697"/>
-    </inkml:context>
-    <inkml:brush xml:id="br0">
-      <inkml:brushProperty name="width" value="0.025" units="cm"/>
-      <inkml:brushProperty name="height" value="0.025" units="cm"/>
-    </inkml:brush>
-  </inkml:definitions>
-  <inkml:trace contextRef="#ctx0" brushRef="#br0">0 240 24575,'1'-1'0,"0"1"0,0-1 0,0 0 0,-1 1 0,1-1 0,0 0 0,0 1 0,-1-1 0,1 0 0,-1 0 0,1 0 0,0 1 0,-1-1 0,0 0 0,1 0 0,-1 0 0,1 0 0,-1 0 0,0 0 0,0 0 0,0 0 0,1 0 0,-1 0 0,0 0 0,0 0 0,-1-2 0,3-33 0,-2 32 0,14-143 0,-14 146 0,0-1 0,0 1 0,1 0 0,-1-1 0,0 1 0,1 0 0,0 0 0,-1 0 0,1-1 0,-1 1 0,1 0 0,0 0 0,0 0 0,0 0 0,0 0 0,0 0 0,0 0 0,0 1 0,0-1 0,0 0 0,0 0 0,0 1 0,0-1 0,1 1 0,-1-1 0,0 1 0,0 0 0,1-1 0,-1 1 0,0 0 0,1 0 0,-1 0 0,0 0 0,1 0 0,-1 0 0,0 0 0,1 0 0,0 1 0,10 1 0,1 0 0,-1 0 0,16 7 0,-8-3 0,20 7-1365,-32-10-5461</inkml:trace>
-</inkml:ink>
-</file>
-
-<file path=ppt/ink/ink31.xml><?xml version="1.0" encoding="utf-8"?>
-<inkml:ink xmlns:inkml="http://www.w3.org/2003/InkML">
-  <inkml:definitions>
-    <inkml:context xml:id="ctx0">
-      <inkml:inkSource xml:id="inkSrc0">
-        <inkml:traceFormat>
-          <inkml:channel name="X" type="integer" min="-2.14748E9" max="2.14748E9" units="cm"/>
-          <inkml:channel name="Y" type="integer" min="-2.14748E9" max="2.14748E9" units="cm"/>
-          <inkml:channel name="F" type="integer" max="32767" units="dev"/>
-        </inkml:traceFormat>
-        <inkml:channelProperties>
-          <inkml:channelProperty channel="X" name="resolution" value="1000" units="1/cm"/>
-          <inkml:channelProperty channel="Y" name="resolution" value="1000" units="1/cm"/>
-          <inkml:channelProperty channel="F" name="resolution" value="0" units="1/dev"/>
-        </inkml:channelProperties>
-      </inkml:inkSource>
-      <inkml:timestamp xml:id="ts0" timeString="2022-03-20T13:30:19.698"/>
-    </inkml:context>
-    <inkml:brush xml:id="br0">
-      <inkml:brushProperty name="width" value="0.025" units="cm"/>
-      <inkml:brushProperty name="height" value="0.025" units="cm"/>
-    </inkml:brush>
-  </inkml:definitions>
-  <inkml:trace contextRef="#ctx0" brushRef="#br0">1 1 24575,'1'6'0,"0"1"0,0 0 0,1 0 0,1-1 0,-1 1 0,1-1 0,0 0 0,0 1 0,0-1 0,1-1 0,5 7 0,51 60 0,-59-71 0,8 10 0,0 0 0,1-1 0,0-1 0,1 0 0,0 0 0,1-1 0,-1 0 0,1-1 0,1 0 0,-1-1 0,1-1 0,0 0 0,1-1 0,-1 0 0,1-1 0,0 0 0,-1-1 0,21 0 0,-18-2-111,48-5 356,-60 4-345,0 0 0,0 0 0,-1 0 0,1-1 0,-1 0 0,1 0 0,-1 0 0,0 0 1,1 0-1,-1-1 0,0 1 0,-1-1 0,1 0 0,3-4 0,-1 0-6726</inkml:trace>
-</inkml:ink>
-</file>
-
-<file path=ppt/ink/ink32.xml><?xml version="1.0" encoding="utf-8"?>
-<inkml:ink xmlns:inkml="http://www.w3.org/2003/InkML">
-  <inkml:definitions>
-    <inkml:context xml:id="ctx0">
-      <inkml:inkSource xml:id="inkSrc0">
-        <inkml:traceFormat>
-          <inkml:channel name="X" type="integer" min="-2.14748E9" max="2.14748E9" units="cm"/>
-          <inkml:channel name="Y" type="integer" min="-2.14748E9" max="2.14748E9" units="cm"/>
-          <inkml:channel name="F" type="integer" max="32767" units="dev"/>
-        </inkml:traceFormat>
-        <inkml:channelProperties>
-          <inkml:channelProperty channel="X" name="resolution" value="1000" units="1/cm"/>
-          <inkml:channelProperty channel="Y" name="resolution" value="1000" units="1/cm"/>
-          <inkml:channelProperty channel="F" name="resolution" value="0" units="1/dev"/>
-        </inkml:channelProperties>
-      </inkml:inkSource>
-      <inkml:timestamp xml:id="ts0" timeString="2022-03-20T13:30:24.264"/>
-    </inkml:context>
-    <inkml:brush xml:id="br0">
-      <inkml:brushProperty name="width" value="0.025" units="cm"/>
-      <inkml:brushProperty name="height" value="0.025" units="cm"/>
-    </inkml:brush>
-  </inkml:definitions>
-  <inkml:trace contextRef="#ctx0" brushRef="#br0">224 0 24575,'-1'73'0,"3"79"0,2-131 0,-3-14 0,1 0 0,-1 0 0,0 1 0,0-1 0,-1 10 0,0-17 0,0 1 0,0 0 0,0-1 0,0 1 0,-1 0 0,1-1 0,0 1 0,0 0 0,-1-1 0,1 1 0,0 0 0,-1-1 0,1 1 0,0-1 0,-1 1 0,1-1 0,-1 1 0,1-1 0,-1 1 0,1-1 0,-1 1 0,0-1 0,1 0 0,-2 1 0,1-1 0,-1 0 0,1 0 0,-1 0 0,1 0 0,-1 0 0,0 0 0,1 0 0,-1-1 0,1 1 0,-1 0 0,1-1 0,-1 0 0,1 1 0,0-1 0,-3-1 0,-11-5-136,0 0-1,-1 1 1,0 0-1,0 2 1,-1 0-1,1 1 1,-1 0-1,0 1 0,-25 1 1,31 1-6690</inkml:trace>
-</inkml:ink>
-</file>
-
-<file path=ppt/ink/ink33.xml><?xml version="1.0" encoding="utf-8"?>
-<inkml:ink xmlns:inkml="http://www.w3.org/2003/InkML">
-  <inkml:definitions>
-    <inkml:context xml:id="ctx0">
-      <inkml:inkSource xml:id="inkSrc0">
-        <inkml:traceFormat>
-          <inkml:channel name="X" type="integer" min="-2.14748E9" max="2.14748E9" units="cm"/>
-          <inkml:channel name="Y" type="integer" min="-2.14748E9" max="2.14748E9" units="cm"/>
-          <inkml:channel name="F" type="integer" max="32767" units="dev"/>
-        </inkml:traceFormat>
-        <inkml:channelProperties>
-          <inkml:channelProperty channel="X" name="resolution" value="1000" units="1/cm"/>
-          <inkml:channelProperty channel="Y" name="resolution" value="1000" units="1/cm"/>
-          <inkml:channelProperty channel="F" name="resolution" value="0" units="1/dev"/>
-        </inkml:channelProperties>
-      </inkml:inkSource>
-      <inkml:timestamp xml:id="ts0" timeString="2022-03-20T13:30:24.265"/>
-    </inkml:context>
-    <inkml:brush xml:id="br0">
-      <inkml:brushProperty name="width" value="0.025" units="cm"/>
-      <inkml:brushProperty name="height" value="0.025" units="cm"/>
-    </inkml:brush>
-  </inkml:definitions>
-  <inkml:trace contextRef="#ctx0" brushRef="#br0">452 214 24575,'-4'-2'0,"1"-1"0,-1 1 0,1 0 0,0-1 0,-1 0 0,1 0 0,1 0 0,-1 0 0,0 0 0,1 0 0,0-1 0,-4-6 0,-8-10 0,-8-2 0,0 0 0,-1 1 0,-26-19 0,40 34 0,-1 1 0,0 0 0,0 0 0,0 1 0,0 0 0,-1 0 0,1 1 0,-1 1 0,0 0 0,0 0 0,0 1 0,-11 0 0,6 1 0,9 0 0,0 0 0,0 0 0,0 1 0,0-1 0,0 2 0,-8 1 0,13-2 0,-1 0 0,0 1 0,1-1 0,-1 1 0,1 0 0,0-1 0,-1 1 0,1 0 0,0 0 0,0 1 0,0-1 0,1 0 0,-1 1 0,0-1 0,1 1 0,0-1 0,0 1 0,-2 4 0,-1 2-195,1 0 0,-1 0 0,2 0 0,-1 1 0,1-1 0,-1 20 0,3-18-6631</inkml:trace>
-</inkml:ink>
-</file>
-
-<file path=ppt/ink/ink34.xml><?xml version="1.0" encoding="utf-8"?>
-<inkml:ink xmlns:inkml="http://www.w3.org/2003/InkML">
-  <inkml:definitions>
-    <inkml:context xml:id="ctx0">
-      <inkml:inkSource xml:id="inkSrc0">
-        <inkml:traceFormat>
-          <inkml:channel name="X" type="integer" min="-2.14748E9" max="2.14748E9" units="cm"/>
-          <inkml:channel name="Y" type="integer" min="-2.14748E9" max="2.14748E9" units="cm"/>
-          <inkml:channel name="F" type="integer" max="32767" units="dev"/>
-        </inkml:traceFormat>
-        <inkml:channelProperties>
-          <inkml:channelProperty channel="X" name="resolution" value="1000" units="1/cm"/>
-          <inkml:channelProperty channel="Y" name="resolution" value="1000" units="1/cm"/>
-          <inkml:channelProperty channel="F" name="resolution" value="0" units="1/dev"/>
-        </inkml:channelProperties>
-      </inkml:inkSource>
-      <inkml:timestamp xml:id="ts0" timeString="2022-03-20T13:30:24.266"/>
-    </inkml:context>
-    <inkml:brush xml:id="br0">
-      <inkml:brushProperty name="width" value="0.025" units="cm"/>
-      <inkml:brushProperty name="height" value="0.025" units="cm"/>
-    </inkml:brush>
-  </inkml:definitions>
-  <inkml:trace contextRef="#ctx0" brushRef="#br0">0 240 24575,'1'-1'0,"0"1"0,0-1 0,0 0 0,-1 1 0,1-1 0,0 0 0,0 1 0,-1-1 0,1 0 0,-1 0 0,1 0 0,0 1 0,-1-1 0,0 0 0,1 0 0,-1 0 0,1 0 0,-1 0 0,0 0 0,0 0 0,0 0 0,1 0 0,-1 0 0,0 0 0,0 0 0,-1-2 0,3-33 0,-2 32 0,14-143 0,-14 146 0,0-1 0,0 1 0,1 0 0,-1-1 0,0 1 0,1 0 0,0 0 0,-1 0 0,1-1 0,-1 1 0,1 0 0,0 0 0,0 0 0,0 0 0,0 0 0,0 0 0,0 0 0,0 1 0,0-1 0,0 0 0,0 0 0,0 1 0,0-1 0,1 1 0,-1-1 0,0 1 0,0 0 0,1-1 0,-1 1 0,0 0 0,1 0 0,-1 0 0,0 0 0,1 0 0,-1 0 0,0 0 0,1 0 0,0 1 0,10 1 0,1 0 0,-1 0 0,16 7 0,-8-3 0,20 7-1365,-32-10-5461</inkml:trace>
-</inkml:ink>
-</file>
-
-<file path=ppt/ink/ink35.xml><?xml version="1.0" encoding="utf-8"?>
-<inkml:ink xmlns:inkml="http://www.w3.org/2003/InkML">
-  <inkml:definitions>
-    <inkml:context xml:id="ctx0">
-      <inkml:inkSource xml:id="inkSrc0">
-        <inkml:traceFormat>
-          <inkml:channel name="X" type="integer" min="-2.14748E9" max="2.14748E9" units="cm"/>
-          <inkml:channel name="Y" type="integer" min="-2.14748E9" max="2.14748E9" units="cm"/>
-          <inkml:channel name="F" type="integer" max="32767" units="dev"/>
-        </inkml:traceFormat>
-        <inkml:channelProperties>
-          <inkml:channelProperty channel="X" name="resolution" value="1000" units="1/cm"/>
-          <inkml:channelProperty channel="Y" name="resolution" value="1000" units="1/cm"/>
-          <inkml:channelProperty channel="F" name="resolution" value="0" units="1/dev"/>
-        </inkml:channelProperties>
-      </inkml:inkSource>
-      <inkml:timestamp xml:id="ts0" timeString="2022-03-20T13:30:24.267"/>
-    </inkml:context>
-    <inkml:brush xml:id="br0">
-      <inkml:brushProperty name="width" value="0.025" units="cm"/>
-      <inkml:brushProperty name="height" value="0.025" units="cm"/>
-    </inkml:brush>
-  </inkml:definitions>
-  <inkml:trace contextRef="#ctx0" brushRef="#br0">1 1 24575,'1'6'0,"0"1"0,0 0 0,1 0 0,1-1 0,-1 1 0,1-1 0,0 0 0,0 1 0,0-1 0,1-1 0,5 7 0,51 60 0,-59-71 0,8 10 0,0 0 0,1-1 0,0-1 0,1 0 0,0 0 0,1-1 0,-1 0 0,1-1 0,1 0 0,-1-1 0,1-1 0,0 0 0,1-1 0,-1 0 0,1-1 0,0 0 0,-1-1 0,21 0 0,-18-2-111,48-5 356,-60 4-345,0 0 0,0 0 0,-1 0 0,1-1 0,-1 0 0,1 0 0,-1 0 0,0 0 1,1 0-1,-1-1 0,0 1 0,-1-1 0,1 0 0,3-4 0,-1 0-6726</inkml:trace>
 </inkml:ink>
 </file>
 
@@ -1011,14 +551,15 @@
           <inkml:channelProperty channel="F" name="resolution" value="0" units="1/dev"/>
         </inkml:channelProperties>
       </inkml:inkSource>
-      <inkml:timestamp xml:id="ts0" timeString="2022-03-20T13:24:29.009"/>
+      <inkml:timestamp xml:id="ts0" timeString="2022-03-20T13:20:05.416"/>
     </inkml:context>
     <inkml:brush xml:id="br0">
       <inkml:brushProperty name="width" value="0.025" units="cm"/>
       <inkml:brushProperty name="height" value="0.025" units="cm"/>
+      <inkml:brushProperty name="color" value="#E71224"/>
     </inkml:brush>
   </inkml:definitions>
-  <inkml:trace contextRef="#ctx0" brushRef="#br0">224 0 24575,'-1'73'0,"3"79"0,2-131 0,-3-14 0,1 0 0,-1 0 0,0 1 0,0-1 0,-1 10 0,0-17 0,0 1 0,0 0 0,0-1 0,0 1 0,-1 0 0,1-1 0,0 1 0,0 0 0,-1-1 0,1 1 0,0 0 0,-1-1 0,1 1 0,0-1 0,-1 1 0,1-1 0,-1 1 0,1-1 0,-1 1 0,1-1 0,-1 1 0,0-1 0,1 0 0,-2 1 0,1-1 0,-1 0 0,1 0 0,-1 0 0,1 0 0,-1 0 0,0 0 0,1 0 0,-1-1 0,1 1 0,-1 0 0,1-1 0,-1 0 0,1 1 0,0-1 0,-3-1 0,-11-5-136,0 0-1,-1 1 1,0 0-1,0 2 1,-1 0-1,1 1 1,-1 0-1,0 1 0,-25 1 1,31 1-6690</inkml:trace>
+  <inkml:trace contextRef="#ctx0" brushRef="#br0">0 1 24575,'0'0'-8191</inkml:trace>
 </inkml:ink>
 </file>
 
@@ -1038,14 +579,15 @@
           <inkml:channelProperty channel="F" name="resolution" value="0" units="1/dev"/>
         </inkml:channelProperties>
       </inkml:inkSource>
-      <inkml:timestamp xml:id="ts0" timeString="2022-03-20T13:24:31.198"/>
+      <inkml:timestamp xml:id="ts0" timeString="2022-03-20T13:20:06.176"/>
     </inkml:context>
     <inkml:brush xml:id="br0">
       <inkml:brushProperty name="width" value="0.025" units="cm"/>
       <inkml:brushProperty name="height" value="0.025" units="cm"/>
+      <inkml:brushProperty name="color" value="#E71224"/>
     </inkml:brush>
   </inkml:definitions>
-  <inkml:trace contextRef="#ctx0" brushRef="#br0">452 214 24575,'-4'-2'0,"1"-1"0,-1 1 0,1 0 0,0-1 0,-1 0 0,1 0 0,1 0 0,-1 0 0,0 0 0,1 0 0,0-1 0,-4-6 0,-8-10 0,-8-2 0,0 0 0,-1 1 0,-26-19 0,40 34 0,-1 1 0,0 0 0,0 0 0,0 1 0,0 0 0,-1 0 0,1 1 0,-1 1 0,0 0 0,0 0 0,0 1 0,-11 0 0,6 1 0,9 0 0,0 0 0,0 0 0,0 1 0,0-1 0,0 2 0,-8 1 0,13-2 0,-1 0 0,0 1 0,1-1 0,-1 1 0,1 0 0,0-1 0,-1 1 0,1 0 0,0 0 0,0 1 0,0-1 0,1 0 0,-1 1 0,0-1 0,1 1 0,0-1 0,0 1 0,-2 4 0,-1 2-195,1 0 0,-1 0 0,2 0 0,-1 1 0,1-1 0,-1 20 0,3-18-6631</inkml:trace>
+  <inkml:trace contextRef="#ctx0" brushRef="#br0">0 1 24575,'0'0'-8191</inkml:trace>
 </inkml:ink>
 </file>
 
@@ -1065,14 +607,15 @@
           <inkml:channelProperty channel="F" name="resolution" value="0" units="1/dev"/>
         </inkml:channelProperties>
       </inkml:inkSource>
-      <inkml:timestamp xml:id="ts0" timeString="2022-03-20T13:24:34.406"/>
+      <inkml:timestamp xml:id="ts0" timeString="2022-03-20T13:20:08.369"/>
     </inkml:context>
     <inkml:brush xml:id="br0">
       <inkml:brushProperty name="width" value="0.025" units="cm"/>
       <inkml:brushProperty name="height" value="0.025" units="cm"/>
+      <inkml:brushProperty name="color" value="#E71224"/>
     </inkml:brush>
   </inkml:definitions>
-  <inkml:trace contextRef="#ctx0" brushRef="#br0">0 240 24575,'1'-1'0,"0"1"0,0-1 0,0 0 0,-1 1 0,1-1 0,0 0 0,0 1 0,-1-1 0,1 0 0,-1 0 0,1 0 0,0 1 0,-1-1 0,0 0 0,1 0 0,-1 0 0,1 0 0,-1 0 0,0 0 0,0 0 0,0 0 0,1 0 0,-1 0 0,0 0 0,0 0 0,-1-2 0,3-33 0,-2 32 0,14-143 0,-14 146 0,0-1 0,0 1 0,1 0 0,-1-1 0,0 1 0,1 0 0,0 0 0,-1 0 0,1-1 0,-1 1 0,1 0 0,0 0 0,0 0 0,0 0 0,0 0 0,0 0 0,0 0 0,0 1 0,0-1 0,0 0 0,0 0 0,0 1 0,0-1 0,1 1 0,-1-1 0,0 1 0,0 0 0,1-1 0,-1 1 0,0 0 0,1 0 0,-1 0 0,0 0 0,1 0 0,-1 0 0,0 0 0,1 0 0,0 1 0,10 1 0,1 0 0,-1 0 0,16 7 0,-8-3 0,20 7-1365,-32-10-5461</inkml:trace>
+  <inkml:trace contextRef="#ctx0" brushRef="#br0">1 1 24575,'0'0'-8191</inkml:trace>
 </inkml:ink>
 </file>
 
@@ -1225,7 +768,7 @@
           <a:p>
             <a:fld id="{E65DE028-BE6F-42E2-948E-BA7064402EFA}" type="datetimeFigureOut">
               <a:rPr lang="en-US" smtClean="0"/>
-              <a:t>3/20/2022</a:t>
+              <a:t>4/2/2022</a:t>
             </a:fld>
             <a:endParaRPr lang="en-US"/>
           </a:p>
@@ -1425,7 +968,7 @@
           <a:p>
             <a:fld id="{E65DE028-BE6F-42E2-948E-BA7064402EFA}" type="datetimeFigureOut">
               <a:rPr lang="en-US" smtClean="0"/>
-              <a:t>3/20/2022</a:t>
+              <a:t>4/2/2022</a:t>
             </a:fld>
             <a:endParaRPr lang="en-US"/>
           </a:p>
@@ -1635,7 +1178,7 @@
           <a:p>
             <a:fld id="{E65DE028-BE6F-42E2-948E-BA7064402EFA}" type="datetimeFigureOut">
               <a:rPr lang="en-US" smtClean="0"/>
-              <a:t>3/20/2022</a:t>
+              <a:t>4/2/2022</a:t>
             </a:fld>
             <a:endParaRPr lang="en-US"/>
           </a:p>
@@ -1835,7 +1378,7 @@
           <a:p>
             <a:fld id="{E65DE028-BE6F-42E2-948E-BA7064402EFA}" type="datetimeFigureOut">
               <a:rPr lang="en-US" smtClean="0"/>
-              <a:t>3/20/2022</a:t>
+              <a:t>4/2/2022</a:t>
             </a:fld>
             <a:endParaRPr lang="en-US"/>
           </a:p>
@@ -2111,7 +1654,7 @@
           <a:p>
             <a:fld id="{E65DE028-BE6F-42E2-948E-BA7064402EFA}" type="datetimeFigureOut">
               <a:rPr lang="en-US" smtClean="0"/>
-              <a:t>3/20/2022</a:t>
+              <a:t>4/2/2022</a:t>
             </a:fld>
             <a:endParaRPr lang="en-US"/>
           </a:p>
@@ -2379,7 +1922,7 @@
           <a:p>
             <a:fld id="{E65DE028-BE6F-42E2-948E-BA7064402EFA}" type="datetimeFigureOut">
               <a:rPr lang="en-US" smtClean="0"/>
-              <a:t>3/20/2022</a:t>
+              <a:t>4/2/2022</a:t>
             </a:fld>
             <a:endParaRPr lang="en-US"/>
           </a:p>
@@ -2794,7 +2337,7 @@
           <a:p>
             <a:fld id="{E65DE028-BE6F-42E2-948E-BA7064402EFA}" type="datetimeFigureOut">
               <a:rPr lang="en-US" smtClean="0"/>
-              <a:t>3/20/2022</a:t>
+              <a:t>4/2/2022</a:t>
             </a:fld>
             <a:endParaRPr lang="en-US"/>
           </a:p>
@@ -2936,7 +2479,7 @@
           <a:p>
             <a:fld id="{E65DE028-BE6F-42E2-948E-BA7064402EFA}" type="datetimeFigureOut">
               <a:rPr lang="en-US" smtClean="0"/>
-              <a:t>3/20/2022</a:t>
+              <a:t>4/2/2022</a:t>
             </a:fld>
             <a:endParaRPr lang="en-US"/>
           </a:p>
@@ -3049,7 +2592,7 @@
           <a:p>
             <a:fld id="{E65DE028-BE6F-42E2-948E-BA7064402EFA}" type="datetimeFigureOut">
               <a:rPr lang="en-US" smtClean="0"/>
-              <a:t>3/20/2022</a:t>
+              <a:t>4/2/2022</a:t>
             </a:fld>
             <a:endParaRPr lang="en-US"/>
           </a:p>
@@ -3362,7 +2905,7 @@
           <a:p>
             <a:fld id="{E65DE028-BE6F-42E2-948E-BA7064402EFA}" type="datetimeFigureOut">
               <a:rPr lang="en-US" smtClean="0"/>
-              <a:t>3/20/2022</a:t>
+              <a:t>4/2/2022</a:t>
             </a:fld>
             <a:endParaRPr lang="en-US"/>
           </a:p>
@@ -3651,7 +3194,7 @@
           <a:p>
             <a:fld id="{E65DE028-BE6F-42E2-948E-BA7064402EFA}" type="datetimeFigureOut">
               <a:rPr lang="en-US" smtClean="0"/>
-              <a:t>3/20/2022</a:t>
+              <a:t>4/2/2022</a:t>
             </a:fld>
             <a:endParaRPr lang="en-US"/>
           </a:p>
@@ -3894,7 +3437,7 @@
           <a:p>
             <a:fld id="{E65DE028-BE6F-42E2-948E-BA7064402EFA}" type="datetimeFigureOut">
               <a:rPr lang="en-US" smtClean="0"/>
-              <a:t>3/20/2022</a:t>
+              <a:t>4/2/2022</a:t>
             </a:fld>
             <a:endParaRPr lang="en-US"/>
           </a:p>
@@ -4636,13 +4179,13 @@
           <p:nvPr>
             <p:extLst>
               <p:ext uri="{D42A27DB-BD31-4B8C-83A1-F6EECF244321}">
-                <p14:modId xmlns:p14="http://schemas.microsoft.com/office/powerpoint/2010/main" val="3734386040"/>
+                <p14:modId xmlns:p14="http://schemas.microsoft.com/office/powerpoint/2010/main" val="3812759017"/>
               </p:ext>
             </p:extLst>
           </p:nvPr>
         </p:nvGraphicFramePr>
         <p:xfrm>
-          <a:off x="251407" y="946530"/>
+          <a:off x="371373" y="998436"/>
           <a:ext cx="3771901" cy="2349075"/>
         </p:xfrm>
         <a:graphic>
@@ -4994,648 +4537,6 @@
                 <a:extLst>
                   <a:ext uri="{0D108BD9-81ED-4DB2-BD59-A6C34878D82A}">
                     <a16:rowId xmlns:a16="http://schemas.microsoft.com/office/drawing/2014/main" val="2944988936"/>
-                  </a:ext>
-                </a:extLst>
-              </a:tr>
-            </a:tbl>
-          </a:graphicData>
-        </a:graphic>
-      </p:graphicFrame>
-      <p:graphicFrame>
-        <p:nvGraphicFramePr>
-          <p:cNvPr id="3" name="Táblázat 7">
-            <a:extLst>
-              <a:ext uri="{FF2B5EF4-FFF2-40B4-BE49-F238E27FC236}">
-                <a16:creationId xmlns:a16="http://schemas.microsoft.com/office/drawing/2014/main" id="{AA3780FE-A12D-4978-8625-B5CECDA91DFF}"/>
-              </a:ext>
-            </a:extLst>
-          </p:cNvPr>
-          <p:cNvGraphicFramePr>
-            <a:graphicFrameLocks noGrp="1"/>
-          </p:cNvGraphicFramePr>
-          <p:nvPr>
-            <p:extLst>
-              <p:ext uri="{D42A27DB-BD31-4B8C-83A1-F6EECF244321}">
-                <p14:modId xmlns:p14="http://schemas.microsoft.com/office/powerpoint/2010/main" val="975298599"/>
-              </p:ext>
-            </p:extLst>
-          </p:nvPr>
-        </p:nvGraphicFramePr>
-        <p:xfrm>
-          <a:off x="4133699" y="927129"/>
-          <a:ext cx="7772300" cy="5593185"/>
-        </p:xfrm>
-        <a:graphic>
-          <a:graphicData uri="http://schemas.openxmlformats.org/drawingml/2006/table">
-            <a:tbl>
-              <a:tblPr firstRow="1" bandRow="1">
-                <a:tableStyleId>{5C22544A-7EE6-4342-B048-85BDC9FD1C3A}</a:tableStyleId>
-              </a:tblPr>
-              <a:tblGrid>
-                <a:gridCol w="1943075">
-                  <a:extLst>
-                    <a:ext uri="{9D8B030D-6E8A-4147-A177-3AD203B41FA5}">
-                      <a16:colId xmlns:a16="http://schemas.microsoft.com/office/drawing/2014/main" val="2598443847"/>
-                    </a:ext>
-                  </a:extLst>
-                </a:gridCol>
-                <a:gridCol w="1943075">
-                  <a:extLst>
-                    <a:ext uri="{9D8B030D-6E8A-4147-A177-3AD203B41FA5}">
-                      <a16:colId xmlns:a16="http://schemas.microsoft.com/office/drawing/2014/main" val="2935347366"/>
-                    </a:ext>
-                  </a:extLst>
-                </a:gridCol>
-                <a:gridCol w="1943075">
-                  <a:extLst>
-                    <a:ext uri="{9D8B030D-6E8A-4147-A177-3AD203B41FA5}">
-                      <a16:colId xmlns:a16="http://schemas.microsoft.com/office/drawing/2014/main" val="2368300544"/>
-                    </a:ext>
-                  </a:extLst>
-                </a:gridCol>
-                <a:gridCol w="1943075">
-                  <a:extLst>
-                    <a:ext uri="{9D8B030D-6E8A-4147-A177-3AD203B41FA5}">
-                      <a16:colId xmlns:a16="http://schemas.microsoft.com/office/drawing/2014/main" val="3644187451"/>
-                    </a:ext>
-                  </a:extLst>
-                </a:gridCol>
-              </a:tblGrid>
-              <a:tr h="381422">
-                <a:tc>
-                  <a:txBody>
-                    <a:bodyPr/>
-                    <a:lstStyle/>
-                    <a:p>
-                      <a:pPr algn="ctr"/>
-                      <a:r>
-                        <a:rPr lang="hu-HU" sz="1800" b="1" dirty="0">
-                          <a:solidFill>
-                            <a:schemeClr val="bg1">
-                              <a:lumMod val="95000"/>
-                            </a:schemeClr>
-                          </a:solidFill>
-                          <a:latin typeface="Consolas" panose="020B0609020204030204" pitchFamily="49" charset="0"/>
-                        </a:rPr>
-                        <a:t>Név</a:t>
-                      </a:r>
-                      <a:endParaRPr lang="en-US" sz="1800" b="1" dirty="0">
-                        <a:solidFill>
-                          <a:schemeClr val="bg1">
-                            <a:lumMod val="95000"/>
-                          </a:schemeClr>
-                        </a:solidFill>
-                        <a:latin typeface="Consolas" panose="020B0609020204030204" pitchFamily="49" charset="0"/>
-                      </a:endParaRPr>
-                    </a:p>
-                  </a:txBody>
-                  <a:tcPr>
-                    <a:lnL w="12700" cap="flat" cmpd="sng" algn="ctr">
-                      <a:solidFill>
-                        <a:schemeClr val="bg1">
-                          <a:lumMod val="95000"/>
-                        </a:schemeClr>
-                      </a:solidFill>
-                      <a:prstDash val="solid"/>
-                      <a:round/>
-                      <a:headEnd type="none" w="med" len="med"/>
-                      <a:tailEnd type="none" w="med" len="med"/>
-                    </a:lnL>
-                    <a:lnR w="12700" cap="flat" cmpd="sng" algn="ctr">
-                      <a:solidFill>
-                        <a:schemeClr val="bg1">
-                          <a:lumMod val="95000"/>
-                        </a:schemeClr>
-                      </a:solidFill>
-                      <a:prstDash val="solid"/>
-                      <a:round/>
-                      <a:headEnd type="none" w="med" len="med"/>
-                      <a:tailEnd type="none" w="med" len="med"/>
-                    </a:lnR>
-                    <a:lnT w="12700" cap="flat" cmpd="sng" algn="ctr">
-                      <a:solidFill>
-                        <a:schemeClr val="bg1">
-                          <a:lumMod val="95000"/>
-                        </a:schemeClr>
-                      </a:solidFill>
-                      <a:prstDash val="solid"/>
-                      <a:round/>
-                      <a:headEnd type="none" w="med" len="med"/>
-                      <a:tailEnd type="none" w="med" len="med"/>
-                    </a:lnT>
-                    <a:lnB w="12700" cap="flat" cmpd="sng" algn="ctr">
-                      <a:solidFill>
-                        <a:schemeClr val="bg1">
-                          <a:lumMod val="95000"/>
-                        </a:schemeClr>
-                      </a:solidFill>
-                      <a:prstDash val="solid"/>
-                      <a:round/>
-                      <a:headEnd type="none" w="med" len="med"/>
-                      <a:tailEnd type="none" w="med" len="med"/>
-                    </a:lnB>
-                    <a:solidFill>
-                      <a:schemeClr val="tx1">
-                        <a:lumMod val="65000"/>
-                        <a:lumOff val="35000"/>
-                      </a:schemeClr>
-                    </a:solidFill>
-                  </a:tcPr>
-                </a:tc>
-                <a:tc>
-                  <a:txBody>
-                    <a:bodyPr/>
-                    <a:lstStyle/>
-                    <a:p>
-                      <a:pPr algn="ctr"/>
-                      <a:r>
-                        <a:rPr lang="hu-HU" sz="1800" dirty="0">
-                          <a:solidFill>
-                            <a:schemeClr val="bg1">
-                              <a:lumMod val="95000"/>
-                            </a:schemeClr>
-                          </a:solidFill>
-                          <a:latin typeface="Consolas" panose="020B0609020204030204" pitchFamily="49" charset="0"/>
-                        </a:rPr>
-                        <a:t>Azonosító</a:t>
-                      </a:r>
-                      <a:endParaRPr lang="en-US" sz="1800" dirty="0">
-                        <a:solidFill>
-                          <a:schemeClr val="bg1">
-                            <a:lumMod val="95000"/>
-                          </a:schemeClr>
-                        </a:solidFill>
-                        <a:latin typeface="Consolas" panose="020B0609020204030204" pitchFamily="49" charset="0"/>
-                      </a:endParaRPr>
-                    </a:p>
-                  </a:txBody>
-                  <a:tcPr>
-                    <a:lnL w="12700" cap="flat" cmpd="sng" algn="ctr">
-                      <a:solidFill>
-                        <a:schemeClr val="bg1">
-                          <a:lumMod val="95000"/>
-                        </a:schemeClr>
-                      </a:solidFill>
-                      <a:prstDash val="solid"/>
-                      <a:round/>
-                      <a:headEnd type="none" w="med" len="med"/>
-                      <a:tailEnd type="none" w="med" len="med"/>
-                    </a:lnL>
-                    <a:lnR w="12700" cap="flat" cmpd="sng" algn="ctr">
-                      <a:solidFill>
-                        <a:schemeClr val="bg1">
-                          <a:lumMod val="95000"/>
-                        </a:schemeClr>
-                      </a:solidFill>
-                      <a:prstDash val="solid"/>
-                      <a:round/>
-                      <a:headEnd type="none" w="med" len="med"/>
-                      <a:tailEnd type="none" w="med" len="med"/>
-                    </a:lnR>
-                    <a:lnT w="12700" cap="flat" cmpd="sng" algn="ctr">
-                      <a:solidFill>
-                        <a:schemeClr val="bg1">
-                          <a:lumMod val="95000"/>
-                        </a:schemeClr>
-                      </a:solidFill>
-                      <a:prstDash val="solid"/>
-                      <a:round/>
-                      <a:headEnd type="none" w="med" len="med"/>
-                      <a:tailEnd type="none" w="med" len="med"/>
-                    </a:lnT>
-                    <a:lnB w="12700" cap="flat" cmpd="sng" algn="ctr">
-                      <a:solidFill>
-                        <a:schemeClr val="bg1">
-                          <a:lumMod val="95000"/>
-                        </a:schemeClr>
-                      </a:solidFill>
-                      <a:prstDash val="solid"/>
-                      <a:round/>
-                      <a:headEnd type="none" w="med" len="med"/>
-                      <a:tailEnd type="none" w="med" len="med"/>
-                    </a:lnB>
-                    <a:solidFill>
-                      <a:schemeClr val="tx1">
-                        <a:lumMod val="65000"/>
-                        <a:lumOff val="35000"/>
-                      </a:schemeClr>
-                    </a:solidFill>
-                  </a:tcPr>
-                </a:tc>
-                <a:tc>
-                  <a:txBody>
-                    <a:bodyPr/>
-                    <a:lstStyle/>
-                    <a:p>
-                      <a:pPr algn="ctr"/>
-                      <a:r>
-                        <a:rPr lang="hu-HU" sz="1800" dirty="0">
-                          <a:solidFill>
-                            <a:schemeClr val="bg1">
-                              <a:lumMod val="95000"/>
-                            </a:schemeClr>
-                          </a:solidFill>
-                          <a:latin typeface="Consolas" panose="020B0609020204030204" pitchFamily="49" charset="0"/>
-                        </a:rPr>
-                        <a:t>Vércsoport</a:t>
-                      </a:r>
-                      <a:endParaRPr lang="en-US" sz="1800" dirty="0">
-                        <a:solidFill>
-                          <a:schemeClr val="bg1">
-                            <a:lumMod val="95000"/>
-                          </a:schemeClr>
-                        </a:solidFill>
-                        <a:latin typeface="Consolas" panose="020B0609020204030204" pitchFamily="49" charset="0"/>
-                      </a:endParaRPr>
-                    </a:p>
-                  </a:txBody>
-                  <a:tcPr>
-                    <a:lnL w="12700" cap="flat" cmpd="sng" algn="ctr">
-                      <a:solidFill>
-                        <a:schemeClr val="bg1">
-                          <a:lumMod val="95000"/>
-                        </a:schemeClr>
-                      </a:solidFill>
-                      <a:prstDash val="solid"/>
-                      <a:round/>
-                      <a:headEnd type="none" w="med" len="med"/>
-                      <a:tailEnd type="none" w="med" len="med"/>
-                    </a:lnL>
-                    <a:lnR w="12700" cap="flat" cmpd="sng" algn="ctr">
-                      <a:solidFill>
-                        <a:schemeClr val="bg1">
-                          <a:lumMod val="95000"/>
-                        </a:schemeClr>
-                      </a:solidFill>
-                      <a:prstDash val="solid"/>
-                      <a:round/>
-                      <a:headEnd type="none" w="med" len="med"/>
-                      <a:tailEnd type="none" w="med" len="med"/>
-                    </a:lnR>
-                    <a:lnT w="12700" cap="flat" cmpd="sng" algn="ctr">
-                      <a:solidFill>
-                        <a:schemeClr val="bg1">
-                          <a:lumMod val="95000"/>
-                        </a:schemeClr>
-                      </a:solidFill>
-                      <a:prstDash val="solid"/>
-                      <a:round/>
-                      <a:headEnd type="none" w="med" len="med"/>
-                      <a:tailEnd type="none" w="med" len="med"/>
-                    </a:lnT>
-                    <a:lnB w="12700" cap="flat" cmpd="sng" algn="ctr">
-                      <a:solidFill>
-                        <a:schemeClr val="bg1">
-                          <a:lumMod val="95000"/>
-                        </a:schemeClr>
-                      </a:solidFill>
-                      <a:prstDash val="solid"/>
-                      <a:round/>
-                      <a:headEnd type="none" w="med" len="med"/>
-                      <a:tailEnd type="none" w="med" len="med"/>
-                    </a:lnB>
-                    <a:solidFill>
-                      <a:schemeClr val="tx1">
-                        <a:lumMod val="65000"/>
-                        <a:lumOff val="35000"/>
-                      </a:schemeClr>
-                    </a:solidFill>
-                  </a:tcPr>
-                </a:tc>
-                <a:tc>
-                  <a:txBody>
-                    <a:bodyPr/>
-                    <a:lstStyle/>
-                    <a:p>
-                      <a:pPr algn="ctr"/>
-                      <a:r>
-                        <a:rPr lang="hu-HU" sz="1800" dirty="0">
-                          <a:solidFill>
-                            <a:schemeClr val="bg1">
-                              <a:lumMod val="95000"/>
-                            </a:schemeClr>
-                          </a:solidFill>
-                          <a:latin typeface="Consolas" panose="020B0609020204030204" pitchFamily="49" charset="0"/>
-                        </a:rPr>
-                        <a:t>Mennyiség(ml)</a:t>
-                      </a:r>
-                      <a:endParaRPr lang="en-US" sz="1800" dirty="0">
-                        <a:solidFill>
-                          <a:schemeClr val="bg1">
-                            <a:lumMod val="95000"/>
-                          </a:schemeClr>
-                        </a:solidFill>
-                        <a:latin typeface="Consolas" panose="020B0609020204030204" pitchFamily="49" charset="0"/>
-                      </a:endParaRPr>
-                    </a:p>
-                  </a:txBody>
-                  <a:tcPr>
-                    <a:lnL w="12700" cap="flat" cmpd="sng" algn="ctr">
-                      <a:solidFill>
-                        <a:schemeClr val="bg1">
-                          <a:lumMod val="95000"/>
-                        </a:schemeClr>
-                      </a:solidFill>
-                      <a:prstDash val="solid"/>
-                      <a:round/>
-                      <a:headEnd type="none" w="med" len="med"/>
-                      <a:tailEnd type="none" w="med" len="med"/>
-                    </a:lnL>
-                    <a:lnR w="12700" cap="flat" cmpd="sng" algn="ctr">
-                      <a:solidFill>
-                        <a:schemeClr val="bg1">
-                          <a:lumMod val="95000"/>
-                        </a:schemeClr>
-                      </a:solidFill>
-                      <a:prstDash val="solid"/>
-                      <a:round/>
-                      <a:headEnd type="none" w="med" len="med"/>
-                      <a:tailEnd type="none" w="med" len="med"/>
-                    </a:lnR>
-                    <a:lnT w="12700" cap="flat" cmpd="sng" algn="ctr">
-                      <a:solidFill>
-                        <a:schemeClr val="bg1">
-                          <a:lumMod val="95000"/>
-                        </a:schemeClr>
-                      </a:solidFill>
-                      <a:prstDash val="solid"/>
-                      <a:round/>
-                      <a:headEnd type="none" w="med" len="med"/>
-                      <a:tailEnd type="none" w="med" len="med"/>
-                    </a:lnT>
-                    <a:lnB w="12700" cap="flat" cmpd="sng" algn="ctr">
-                      <a:solidFill>
-                        <a:schemeClr val="bg1">
-                          <a:lumMod val="95000"/>
-                        </a:schemeClr>
-                      </a:solidFill>
-                      <a:prstDash val="solid"/>
-                      <a:round/>
-                      <a:headEnd type="none" w="med" len="med"/>
-                      <a:tailEnd type="none" w="med" len="med"/>
-                    </a:lnB>
-                    <a:solidFill>
-                      <a:schemeClr val="tx1">
-                        <a:lumMod val="65000"/>
-                        <a:lumOff val="35000"/>
-                      </a:schemeClr>
-                    </a:solidFill>
-                  </a:tcPr>
-                </a:tc>
-                <a:extLst>
-                  <a:ext uri="{0D108BD9-81ED-4DB2-BD59-A6C34878D82A}">
-                    <a16:rowId xmlns:a16="http://schemas.microsoft.com/office/drawing/2014/main" val="2965694189"/>
-                  </a:ext>
-                </a:extLst>
-              </a:tr>
-              <a:tr h="5211763">
-                <a:tc>
-                  <a:txBody>
-                    <a:bodyPr/>
-                    <a:lstStyle/>
-                    <a:p>
-                      <a:endParaRPr lang="en-US" dirty="0"/>
-                    </a:p>
-                  </a:txBody>
-                  <a:tcPr>
-                    <a:lnL w="12700" cap="flat" cmpd="sng" algn="ctr">
-                      <a:solidFill>
-                        <a:schemeClr val="bg1">
-                          <a:lumMod val="95000"/>
-                        </a:schemeClr>
-                      </a:solidFill>
-                      <a:prstDash val="solid"/>
-                      <a:round/>
-                      <a:headEnd type="none" w="med" len="med"/>
-                      <a:tailEnd type="none" w="med" len="med"/>
-                    </a:lnL>
-                    <a:lnR w="12700" cap="flat" cmpd="sng" algn="ctr">
-                      <a:solidFill>
-                        <a:schemeClr val="bg1">
-                          <a:lumMod val="95000"/>
-                        </a:schemeClr>
-                      </a:solidFill>
-                      <a:prstDash val="solid"/>
-                      <a:round/>
-                      <a:headEnd type="none" w="med" len="med"/>
-                      <a:tailEnd type="none" w="med" len="med"/>
-                    </a:lnR>
-                    <a:lnT w="12700" cap="flat" cmpd="sng" algn="ctr">
-                      <a:solidFill>
-                        <a:schemeClr val="bg1">
-                          <a:lumMod val="95000"/>
-                        </a:schemeClr>
-                      </a:solidFill>
-                      <a:prstDash val="solid"/>
-                      <a:round/>
-                      <a:headEnd type="none" w="med" len="med"/>
-                      <a:tailEnd type="none" w="med" len="med"/>
-                    </a:lnT>
-                    <a:lnB w="12700" cap="flat" cmpd="sng" algn="ctr">
-                      <a:solidFill>
-                        <a:schemeClr val="bg1">
-                          <a:lumMod val="95000"/>
-                        </a:schemeClr>
-                      </a:solidFill>
-                      <a:prstDash val="solid"/>
-                      <a:round/>
-                      <a:headEnd type="none" w="med" len="med"/>
-                      <a:tailEnd type="none" w="med" len="med"/>
-                    </a:lnB>
-                    <a:solidFill>
-                      <a:schemeClr val="tx1">
-                        <a:lumMod val="65000"/>
-                        <a:lumOff val="35000"/>
-                      </a:schemeClr>
-                    </a:solidFill>
-                  </a:tcPr>
-                </a:tc>
-                <a:tc>
-                  <a:txBody>
-                    <a:bodyPr/>
-                    <a:lstStyle/>
-                    <a:p>
-                      <a:endParaRPr lang="en-US" dirty="0"/>
-                    </a:p>
-                  </a:txBody>
-                  <a:tcPr>
-                    <a:lnL w="12700" cap="flat" cmpd="sng" algn="ctr">
-                      <a:solidFill>
-                        <a:schemeClr val="bg1">
-                          <a:lumMod val="95000"/>
-                        </a:schemeClr>
-                      </a:solidFill>
-                      <a:prstDash val="solid"/>
-                      <a:round/>
-                      <a:headEnd type="none" w="med" len="med"/>
-                      <a:tailEnd type="none" w="med" len="med"/>
-                    </a:lnL>
-                    <a:lnR w="12700" cap="flat" cmpd="sng" algn="ctr">
-                      <a:solidFill>
-                        <a:schemeClr val="bg1">
-                          <a:lumMod val="95000"/>
-                        </a:schemeClr>
-                      </a:solidFill>
-                      <a:prstDash val="solid"/>
-                      <a:round/>
-                      <a:headEnd type="none" w="med" len="med"/>
-                      <a:tailEnd type="none" w="med" len="med"/>
-                    </a:lnR>
-                    <a:lnT w="12700" cap="flat" cmpd="sng" algn="ctr">
-                      <a:solidFill>
-                        <a:schemeClr val="bg1">
-                          <a:lumMod val="95000"/>
-                        </a:schemeClr>
-                      </a:solidFill>
-                      <a:prstDash val="solid"/>
-                      <a:round/>
-                      <a:headEnd type="none" w="med" len="med"/>
-                      <a:tailEnd type="none" w="med" len="med"/>
-                    </a:lnT>
-                    <a:lnB w="12700" cap="flat" cmpd="sng" algn="ctr">
-                      <a:solidFill>
-                        <a:schemeClr val="bg1">
-                          <a:lumMod val="95000"/>
-                        </a:schemeClr>
-                      </a:solidFill>
-                      <a:prstDash val="solid"/>
-                      <a:round/>
-                      <a:headEnd type="none" w="med" len="med"/>
-                      <a:tailEnd type="none" w="med" len="med"/>
-                    </a:lnB>
-                    <a:solidFill>
-                      <a:schemeClr val="tx1">
-                        <a:lumMod val="65000"/>
-                        <a:lumOff val="35000"/>
-                      </a:schemeClr>
-                    </a:solidFill>
-                  </a:tcPr>
-                </a:tc>
-                <a:tc>
-                  <a:txBody>
-                    <a:bodyPr/>
-                    <a:lstStyle/>
-                    <a:p>
-                      <a:endParaRPr lang="en-US" dirty="0"/>
-                    </a:p>
-                  </a:txBody>
-                  <a:tcPr>
-                    <a:lnL w="12700" cap="flat" cmpd="sng" algn="ctr">
-                      <a:solidFill>
-                        <a:schemeClr val="bg1">
-                          <a:lumMod val="95000"/>
-                        </a:schemeClr>
-                      </a:solidFill>
-                      <a:prstDash val="solid"/>
-                      <a:round/>
-                      <a:headEnd type="none" w="med" len="med"/>
-                      <a:tailEnd type="none" w="med" len="med"/>
-                    </a:lnL>
-                    <a:lnR w="12700" cap="flat" cmpd="sng" algn="ctr">
-                      <a:solidFill>
-                        <a:schemeClr val="bg1">
-                          <a:lumMod val="95000"/>
-                        </a:schemeClr>
-                      </a:solidFill>
-                      <a:prstDash val="solid"/>
-                      <a:round/>
-                      <a:headEnd type="none" w="med" len="med"/>
-                      <a:tailEnd type="none" w="med" len="med"/>
-                    </a:lnR>
-                    <a:lnT w="12700" cap="flat" cmpd="sng" algn="ctr">
-                      <a:solidFill>
-                        <a:schemeClr val="bg1">
-                          <a:lumMod val="95000"/>
-                        </a:schemeClr>
-                      </a:solidFill>
-                      <a:prstDash val="solid"/>
-                      <a:round/>
-                      <a:headEnd type="none" w="med" len="med"/>
-                      <a:tailEnd type="none" w="med" len="med"/>
-                    </a:lnT>
-                    <a:lnB w="12700" cap="flat" cmpd="sng" algn="ctr">
-                      <a:solidFill>
-                        <a:schemeClr val="bg1">
-                          <a:lumMod val="95000"/>
-                        </a:schemeClr>
-                      </a:solidFill>
-                      <a:prstDash val="solid"/>
-                      <a:round/>
-                      <a:headEnd type="none" w="med" len="med"/>
-                      <a:tailEnd type="none" w="med" len="med"/>
-                    </a:lnB>
-                    <a:solidFill>
-                      <a:schemeClr val="tx1">
-                        <a:lumMod val="65000"/>
-                        <a:lumOff val="35000"/>
-                      </a:schemeClr>
-                    </a:solidFill>
-                  </a:tcPr>
-                </a:tc>
-                <a:tc>
-                  <a:txBody>
-                    <a:bodyPr/>
-                    <a:lstStyle/>
-                    <a:p>
-                      <a:endParaRPr lang="en-US" dirty="0"/>
-                    </a:p>
-                  </a:txBody>
-                  <a:tcPr>
-                    <a:lnL w="12700" cap="flat" cmpd="sng" algn="ctr">
-                      <a:solidFill>
-                        <a:schemeClr val="bg1">
-                          <a:lumMod val="95000"/>
-                        </a:schemeClr>
-                      </a:solidFill>
-                      <a:prstDash val="solid"/>
-                      <a:round/>
-                      <a:headEnd type="none" w="med" len="med"/>
-                      <a:tailEnd type="none" w="med" len="med"/>
-                    </a:lnL>
-                    <a:lnR w="12700" cap="flat" cmpd="sng" algn="ctr">
-                      <a:solidFill>
-                        <a:schemeClr val="bg1">
-                          <a:lumMod val="95000"/>
-                        </a:schemeClr>
-                      </a:solidFill>
-                      <a:prstDash val="solid"/>
-                      <a:round/>
-                      <a:headEnd type="none" w="med" len="med"/>
-                      <a:tailEnd type="none" w="med" len="med"/>
-                    </a:lnR>
-                    <a:lnT w="12700" cap="flat" cmpd="sng" algn="ctr">
-                      <a:solidFill>
-                        <a:schemeClr val="bg1">
-                          <a:lumMod val="95000"/>
-                        </a:schemeClr>
-                      </a:solidFill>
-                      <a:prstDash val="solid"/>
-                      <a:round/>
-                      <a:headEnd type="none" w="med" len="med"/>
-                      <a:tailEnd type="none" w="med" len="med"/>
-                    </a:lnT>
-                    <a:lnB w="12700" cap="flat" cmpd="sng" algn="ctr">
-                      <a:solidFill>
-                        <a:schemeClr val="bg1">
-                          <a:lumMod val="95000"/>
-                        </a:schemeClr>
-                      </a:solidFill>
-                      <a:prstDash val="solid"/>
-                      <a:round/>
-                      <a:headEnd type="none" w="med" len="med"/>
-                      <a:tailEnd type="none" w="med" len="med"/>
-                    </a:lnB>
-                    <a:solidFill>
-                      <a:schemeClr val="tx1">
-                        <a:lumMod val="65000"/>
-                        <a:lumOff val="35000"/>
-                      </a:schemeClr>
-                    </a:solidFill>
-                  </a:tcPr>
-                </a:tc>
-                <a:extLst>
-                  <a:ext uri="{0D108BD9-81ED-4DB2-BD59-A6C34878D82A}">
-                    <a16:rowId xmlns:a16="http://schemas.microsoft.com/office/drawing/2014/main" val="3713266130"/>
                   </a:ext>
                 </a:extLst>
               </a:tr>
@@ -6126,283 +5027,796 @@
           </p:pic>
         </mc:Fallback>
       </mc:AlternateContent>
-      <p:sp>
-        <p:nvSpPr>
-          <p:cNvPr id="30" name="Téglalap 29">
+      <p:graphicFrame>
+        <p:nvGraphicFramePr>
+          <p:cNvPr id="25" name="Táblázat 7">
             <a:extLst>
               <a:ext uri="{FF2B5EF4-FFF2-40B4-BE49-F238E27FC236}">
-                <a16:creationId xmlns:a16="http://schemas.microsoft.com/office/drawing/2014/main" id="{235CA5E2-5BF5-4C6D-BF70-09150C11722E}"/>
+                <a16:creationId xmlns:a16="http://schemas.microsoft.com/office/drawing/2014/main" id="{618D82EC-90C5-430C-A403-A497A1318394}"/>
               </a:ext>
             </a:extLst>
           </p:cNvPr>
-          <p:cNvSpPr/>
-          <p:nvPr/>
-        </p:nvSpPr>
-        <p:spPr>
-          <a:xfrm>
-            <a:off x="3776960" y="6181193"/>
-            <a:ext cx="323496" cy="323850"/>
-          </a:xfrm>
-          <a:prstGeom prst="rect">
-            <a:avLst/>
-          </a:prstGeom>
-          <a:noFill/>
-          <a:ln>
-            <a:solidFill>
-              <a:srgbClr val="CAC7C2"/>
-            </a:solidFill>
-          </a:ln>
-        </p:spPr>
-        <p:style>
-          <a:lnRef idx="2">
-            <a:schemeClr val="accent1">
-              <a:shade val="50000"/>
-            </a:schemeClr>
-          </a:lnRef>
-          <a:fillRef idx="1">
-            <a:schemeClr val="accent1"/>
-          </a:fillRef>
-          <a:effectRef idx="0">
-            <a:schemeClr val="accent1"/>
-          </a:effectRef>
-          <a:fontRef idx="minor">
-            <a:schemeClr val="lt1"/>
-          </a:fontRef>
-        </p:style>
-        <p:txBody>
-          <a:bodyPr rtlCol="0" anchor="ctr"/>
-          <a:lstStyle/>
-          <a:p>
-            <a:pPr algn="ctr"/>
-            <a:endParaRPr lang="en-US"/>
-          </a:p>
-        </p:txBody>
-      </p:sp>
-      <p:grpSp>
-        <p:nvGrpSpPr>
-          <p:cNvPr id="54" name="Csoportba foglalás 53">
-            <a:extLst>
-              <a:ext uri="{FF2B5EF4-FFF2-40B4-BE49-F238E27FC236}">
-                <a16:creationId xmlns:a16="http://schemas.microsoft.com/office/drawing/2014/main" id="{41AE3B78-2949-4341-8406-35A6F3D6FDFB}"/>
-              </a:ext>
-            </a:extLst>
-          </p:cNvPr>
-          <p:cNvGrpSpPr/>
-          <p:nvPr/>
-        </p:nvGrpSpPr>
-        <p:grpSpPr>
-          <a:xfrm>
-            <a:off x="3805148" y="6253118"/>
-            <a:ext cx="218160" cy="200520"/>
-            <a:chOff x="3805148" y="6253118"/>
-            <a:chExt cx="218160" cy="200520"/>
-          </a:xfrm>
-        </p:grpSpPr>
-        <mc:AlternateContent xmlns:mc="http://schemas.openxmlformats.org/markup-compatibility/2006" xmlns:p14="http://schemas.microsoft.com/office/powerpoint/2010/main">
-          <mc:Choice Requires="p14">
-            <p:contentPart p14:bwMode="auto" r:id="rId11">
-              <p14:nvContentPartPr>
-                <p14:cNvPr id="48" name="Szabadkéz 47">
+          <p:cNvGraphicFramePr>
+            <a:graphicFrameLocks noGrp="1"/>
+          </p:cNvGraphicFramePr>
+          <p:nvPr>
+            <p:extLst>
+              <p:ext uri="{D42A27DB-BD31-4B8C-83A1-F6EECF244321}">
+                <p14:modId xmlns:p14="http://schemas.microsoft.com/office/powerpoint/2010/main" val="1287493857"/>
+              </p:ext>
+            </p:extLst>
+          </p:nvPr>
+        </p:nvGraphicFramePr>
+        <p:xfrm>
+          <a:off x="4568236" y="957922"/>
+          <a:ext cx="7114920" cy="5501955"/>
+        </p:xfrm>
+        <a:graphic>
+          <a:graphicData uri="http://schemas.openxmlformats.org/drawingml/2006/table">
+            <a:tbl>
+              <a:tblPr firstRow="1" bandRow="1">
+                <a:tableStyleId>{5C22544A-7EE6-4342-B048-85BDC9FD1C3A}</a:tableStyleId>
+              </a:tblPr>
+              <a:tblGrid>
+                <a:gridCol w="1422984">
                   <a:extLst>
-                    <a:ext uri="{FF2B5EF4-FFF2-40B4-BE49-F238E27FC236}">
-                      <a16:creationId xmlns:a16="http://schemas.microsoft.com/office/drawing/2014/main" id="{C39AF679-7D8C-476E-B42C-AB9C8C20CA2D}"/>
+                    <a:ext uri="{9D8B030D-6E8A-4147-A177-3AD203B41FA5}">
+                      <a16:colId xmlns:a16="http://schemas.microsoft.com/office/drawing/2014/main" val="2598443847"/>
                     </a:ext>
                   </a:extLst>
-                </p14:cNvPr>
-                <p14:cNvContentPartPr/>
-                <p14:nvPr/>
-              </p14:nvContentPartPr>
-              <p14:xfrm>
-                <a:off x="3938708" y="6253118"/>
-                <a:ext cx="84600" cy="113040"/>
-              </p14:xfrm>
-            </p:contentPart>
-          </mc:Choice>
-          <mc:Fallback xmlns="">
-            <p:pic>
-              <p:nvPicPr>
-                <p:cNvPr id="48" name="Szabadkéz 47">
+                </a:gridCol>
+                <a:gridCol w="1422984">
                   <a:extLst>
-                    <a:ext uri="{FF2B5EF4-FFF2-40B4-BE49-F238E27FC236}">
-                      <a16:creationId xmlns:a16="http://schemas.microsoft.com/office/drawing/2014/main" id="{C39AF679-7D8C-476E-B42C-AB9C8C20CA2D}"/>
+                    <a:ext uri="{9D8B030D-6E8A-4147-A177-3AD203B41FA5}">
+                      <a16:colId xmlns:a16="http://schemas.microsoft.com/office/drawing/2014/main" val="2935347366"/>
                     </a:ext>
                   </a:extLst>
-                </p:cNvPr>
-                <p:cNvPicPr/>
-                <p:nvPr/>
-              </p:nvPicPr>
-              <p:blipFill>
-                <a:blip r:embed="rId12"/>
-                <a:stretch>
-                  <a:fillRect/>
-                </a:stretch>
-              </p:blipFill>
-              <p:spPr>
-                <a:xfrm>
-                  <a:off x="3934388" y="6248798"/>
-                  <a:ext cx="93240" cy="121680"/>
-                </a:xfrm>
-                <a:prstGeom prst="rect">
-                  <a:avLst/>
-                </a:prstGeom>
-              </p:spPr>
-            </p:pic>
-          </mc:Fallback>
-        </mc:AlternateContent>
-        <mc:AlternateContent xmlns:mc="http://schemas.openxmlformats.org/markup-compatibility/2006" xmlns:p14="http://schemas.microsoft.com/office/powerpoint/2010/main">
-          <mc:Choice Requires="p14">
-            <p:contentPart p14:bwMode="auto" r:id="rId13">
-              <p14:nvContentPartPr>
-                <p14:cNvPr id="49" name="Szabadkéz 48">
+                </a:gridCol>
+                <a:gridCol w="1422984">
                   <a:extLst>
-                    <a:ext uri="{FF2B5EF4-FFF2-40B4-BE49-F238E27FC236}">
-                      <a16:creationId xmlns:a16="http://schemas.microsoft.com/office/drawing/2014/main" id="{0C6F808E-27C9-4A4A-ABDF-5EC6786E87BC}"/>
+                    <a:ext uri="{9D8B030D-6E8A-4147-A177-3AD203B41FA5}">
+                      <a16:colId xmlns:a16="http://schemas.microsoft.com/office/drawing/2014/main" val="2368300544"/>
                     </a:ext>
                   </a:extLst>
-                </p14:cNvPr>
-                <p14:cNvContentPartPr/>
-                <p14:nvPr/>
-              </p14:nvContentPartPr>
-              <p14:xfrm>
-                <a:off x="3842588" y="6276158"/>
-                <a:ext cx="162720" cy="77040"/>
-              </p14:xfrm>
-            </p:contentPart>
-          </mc:Choice>
-          <mc:Fallback xmlns="">
-            <p:pic>
-              <p:nvPicPr>
-                <p:cNvPr id="49" name="Szabadkéz 48">
+                </a:gridCol>
+                <a:gridCol w="1422984">
                   <a:extLst>
-                    <a:ext uri="{FF2B5EF4-FFF2-40B4-BE49-F238E27FC236}">
-                      <a16:creationId xmlns:a16="http://schemas.microsoft.com/office/drawing/2014/main" id="{0C6F808E-27C9-4A4A-ABDF-5EC6786E87BC}"/>
+                    <a:ext uri="{9D8B030D-6E8A-4147-A177-3AD203B41FA5}">
+                      <a16:colId xmlns:a16="http://schemas.microsoft.com/office/drawing/2014/main" val="3644187451"/>
                     </a:ext>
                   </a:extLst>
-                </p:cNvPr>
-                <p:cNvPicPr/>
-                <p:nvPr/>
-              </p:nvPicPr>
-              <p:blipFill>
-                <a:blip r:embed="rId14"/>
-                <a:stretch>
-                  <a:fillRect/>
-                </a:stretch>
-              </p:blipFill>
-              <p:spPr>
-                <a:xfrm>
-                  <a:off x="3838268" y="6271838"/>
-                  <a:ext cx="171360" cy="85680"/>
-                </a:xfrm>
-                <a:prstGeom prst="rect">
-                  <a:avLst/>
-                </a:prstGeom>
-              </p:spPr>
-            </p:pic>
-          </mc:Fallback>
-        </mc:AlternateContent>
-        <mc:AlternateContent xmlns:mc="http://schemas.openxmlformats.org/markup-compatibility/2006" xmlns:p14="http://schemas.microsoft.com/office/powerpoint/2010/main">
-          <mc:Choice Requires="p14">
-            <p:contentPart p14:bwMode="auto" r:id="rId15">
-              <p14:nvContentPartPr>
-                <p14:cNvPr id="51" name="Szabadkéz 50">
+                </a:gridCol>
+                <a:gridCol w="1422984">
                   <a:extLst>
-                    <a:ext uri="{FF2B5EF4-FFF2-40B4-BE49-F238E27FC236}">
-                      <a16:creationId xmlns:a16="http://schemas.microsoft.com/office/drawing/2014/main" id="{38D0672D-DC13-479D-B594-3B3C806DFDA7}"/>
+                    <a:ext uri="{9D8B030D-6E8A-4147-A177-3AD203B41FA5}">
+                      <a16:colId xmlns:a16="http://schemas.microsoft.com/office/drawing/2014/main" val="3366820785"/>
                     </a:ext>
                   </a:extLst>
-                </p14:cNvPr>
-                <p14:cNvContentPartPr/>
-                <p14:nvPr/>
-              </p14:nvContentPartPr>
-              <p14:xfrm>
-                <a:off x="3805148" y="6343118"/>
-                <a:ext cx="72000" cy="86400"/>
-              </p14:xfrm>
-            </p:contentPart>
-          </mc:Choice>
-          <mc:Fallback xmlns="">
-            <p:pic>
-              <p:nvPicPr>
-                <p:cNvPr id="51" name="Szabadkéz 50">
-                  <a:extLst>
-                    <a:ext uri="{FF2B5EF4-FFF2-40B4-BE49-F238E27FC236}">
-                      <a16:creationId xmlns:a16="http://schemas.microsoft.com/office/drawing/2014/main" id="{38D0672D-DC13-479D-B594-3B3C806DFDA7}"/>
-                    </a:ext>
-                  </a:extLst>
-                </p:cNvPr>
-                <p:cNvPicPr/>
-                <p:nvPr/>
-              </p:nvPicPr>
-              <p:blipFill>
-                <a:blip r:embed="rId16"/>
-                <a:stretch>
-                  <a:fillRect/>
-                </a:stretch>
-              </p:blipFill>
-              <p:spPr>
-                <a:xfrm>
-                  <a:off x="3800828" y="6338798"/>
-                  <a:ext cx="80640" cy="95040"/>
-                </a:xfrm>
-                <a:prstGeom prst="rect">
-                  <a:avLst/>
-                </a:prstGeom>
-              </p:spPr>
-            </p:pic>
-          </mc:Fallback>
-        </mc:AlternateContent>
-        <mc:AlternateContent xmlns:mc="http://schemas.openxmlformats.org/markup-compatibility/2006" xmlns:p14="http://schemas.microsoft.com/office/powerpoint/2010/main">
-          <mc:Choice Requires="p14">
-            <p:contentPart p14:bwMode="auto" r:id="rId17">
-              <p14:nvContentPartPr>
-                <p14:cNvPr id="53" name="Szabadkéz 52">
-                  <a:extLst>
-                    <a:ext uri="{FF2B5EF4-FFF2-40B4-BE49-F238E27FC236}">
-                      <a16:creationId xmlns:a16="http://schemas.microsoft.com/office/drawing/2014/main" id="{7A6F8F55-D5CB-491F-AF51-C343F0A5C745}"/>
-                    </a:ext>
-                  </a:extLst>
-                </p14:cNvPr>
-                <p14:cNvContentPartPr/>
-                <p14:nvPr/>
-              </p14:nvContentPartPr>
-              <p14:xfrm>
-                <a:off x="3819188" y="6352838"/>
-                <a:ext cx="173880" cy="100800"/>
-              </p14:xfrm>
-            </p:contentPart>
-          </mc:Choice>
-          <mc:Fallback xmlns="">
-            <p:pic>
-              <p:nvPicPr>
-                <p:cNvPr id="53" name="Szabadkéz 52">
-                  <a:extLst>
-                    <a:ext uri="{FF2B5EF4-FFF2-40B4-BE49-F238E27FC236}">
-                      <a16:creationId xmlns:a16="http://schemas.microsoft.com/office/drawing/2014/main" id="{7A6F8F55-D5CB-491F-AF51-C343F0A5C745}"/>
-                    </a:ext>
-                  </a:extLst>
-                </p:cNvPr>
-                <p:cNvPicPr/>
-                <p:nvPr/>
-              </p:nvPicPr>
-              <p:blipFill>
-                <a:blip r:embed="rId18"/>
-                <a:stretch>
-                  <a:fillRect/>
-                </a:stretch>
-              </p:blipFill>
-              <p:spPr>
-                <a:xfrm>
-                  <a:off x="3814868" y="6348518"/>
-                  <a:ext cx="182520" cy="109440"/>
-                </a:xfrm>
-                <a:prstGeom prst="rect">
-                  <a:avLst/>
-                </a:prstGeom>
-              </p:spPr>
-            </p:pic>
-          </mc:Fallback>
-        </mc:AlternateContent>
-      </p:grpSp>
+                </a:gridCol>
+              </a:tblGrid>
+              <a:tr h="643563">
+                <a:tc>
+                  <a:txBody>
+                    <a:bodyPr/>
+                    <a:lstStyle/>
+                    <a:p>
+                      <a:pPr algn="ctr"/>
+                      <a:r>
+                        <a:rPr lang="hu-HU" sz="1800" b="1" dirty="0">
+                          <a:solidFill>
+                            <a:schemeClr val="bg1">
+                              <a:lumMod val="95000"/>
+                            </a:schemeClr>
+                          </a:solidFill>
+                          <a:latin typeface="Consolas" panose="020B0609020204030204" pitchFamily="49" charset="0"/>
+                        </a:rPr>
+                        <a:t>Név</a:t>
+                      </a:r>
+                      <a:endParaRPr lang="en-US" sz="1800" b="1" dirty="0">
+                        <a:solidFill>
+                          <a:schemeClr val="bg1">
+                            <a:lumMod val="95000"/>
+                          </a:schemeClr>
+                        </a:solidFill>
+                        <a:latin typeface="Consolas" panose="020B0609020204030204" pitchFamily="49" charset="0"/>
+                      </a:endParaRPr>
+                    </a:p>
+                  </a:txBody>
+                  <a:tcPr>
+                    <a:lnL w="12700" cap="flat" cmpd="sng" algn="ctr">
+                      <a:solidFill>
+                        <a:schemeClr val="bg1">
+                          <a:lumMod val="95000"/>
+                        </a:schemeClr>
+                      </a:solidFill>
+                      <a:prstDash val="solid"/>
+                      <a:round/>
+                      <a:headEnd type="none" w="med" len="med"/>
+                      <a:tailEnd type="none" w="med" len="med"/>
+                    </a:lnL>
+                    <a:lnR w="12700" cap="flat" cmpd="sng" algn="ctr">
+                      <a:solidFill>
+                        <a:schemeClr val="bg1">
+                          <a:lumMod val="95000"/>
+                        </a:schemeClr>
+                      </a:solidFill>
+                      <a:prstDash val="solid"/>
+                      <a:round/>
+                      <a:headEnd type="none" w="med" len="med"/>
+                      <a:tailEnd type="none" w="med" len="med"/>
+                    </a:lnR>
+                    <a:lnT w="12700" cap="flat" cmpd="sng" algn="ctr">
+                      <a:solidFill>
+                        <a:schemeClr val="bg1">
+                          <a:lumMod val="95000"/>
+                        </a:schemeClr>
+                      </a:solidFill>
+                      <a:prstDash val="solid"/>
+                      <a:round/>
+                      <a:headEnd type="none" w="med" len="med"/>
+                      <a:tailEnd type="none" w="med" len="med"/>
+                    </a:lnT>
+                    <a:lnB w="12700" cap="flat" cmpd="sng" algn="ctr">
+                      <a:solidFill>
+                        <a:schemeClr val="bg1">
+                          <a:lumMod val="95000"/>
+                        </a:schemeClr>
+                      </a:solidFill>
+                      <a:prstDash val="solid"/>
+                      <a:round/>
+                      <a:headEnd type="none" w="med" len="med"/>
+                      <a:tailEnd type="none" w="med" len="med"/>
+                    </a:lnB>
+                    <a:solidFill>
+                      <a:schemeClr val="tx1">
+                        <a:lumMod val="65000"/>
+                        <a:lumOff val="35000"/>
+                      </a:schemeClr>
+                    </a:solidFill>
+                  </a:tcPr>
+                </a:tc>
+                <a:tc>
+                  <a:txBody>
+                    <a:bodyPr/>
+                    <a:lstStyle/>
+                    <a:p>
+                      <a:pPr algn="ctr"/>
+                      <a:r>
+                        <a:rPr lang="hu-HU" sz="1800" dirty="0">
+                          <a:solidFill>
+                            <a:schemeClr val="bg1">
+                              <a:lumMod val="95000"/>
+                            </a:schemeClr>
+                          </a:solidFill>
+                          <a:latin typeface="Consolas" panose="020B0609020204030204" pitchFamily="49" charset="0"/>
+                        </a:rPr>
+                        <a:t>Azonosító</a:t>
+                      </a:r>
+                      <a:endParaRPr lang="en-US" sz="1800" dirty="0">
+                        <a:solidFill>
+                          <a:schemeClr val="bg1">
+                            <a:lumMod val="95000"/>
+                          </a:schemeClr>
+                        </a:solidFill>
+                        <a:latin typeface="Consolas" panose="020B0609020204030204" pitchFamily="49" charset="0"/>
+                      </a:endParaRPr>
+                    </a:p>
+                  </a:txBody>
+                  <a:tcPr>
+                    <a:lnL w="12700" cap="flat" cmpd="sng" algn="ctr">
+                      <a:solidFill>
+                        <a:schemeClr val="bg1">
+                          <a:lumMod val="95000"/>
+                        </a:schemeClr>
+                      </a:solidFill>
+                      <a:prstDash val="solid"/>
+                      <a:round/>
+                      <a:headEnd type="none" w="med" len="med"/>
+                      <a:tailEnd type="none" w="med" len="med"/>
+                    </a:lnL>
+                    <a:lnR w="12700" cap="flat" cmpd="sng" algn="ctr">
+                      <a:solidFill>
+                        <a:schemeClr val="bg1">
+                          <a:lumMod val="95000"/>
+                        </a:schemeClr>
+                      </a:solidFill>
+                      <a:prstDash val="solid"/>
+                      <a:round/>
+                      <a:headEnd type="none" w="med" len="med"/>
+                      <a:tailEnd type="none" w="med" len="med"/>
+                    </a:lnR>
+                    <a:lnT w="12700" cap="flat" cmpd="sng" algn="ctr">
+                      <a:solidFill>
+                        <a:schemeClr val="bg1">
+                          <a:lumMod val="95000"/>
+                        </a:schemeClr>
+                      </a:solidFill>
+                      <a:prstDash val="solid"/>
+                      <a:round/>
+                      <a:headEnd type="none" w="med" len="med"/>
+                      <a:tailEnd type="none" w="med" len="med"/>
+                    </a:lnT>
+                    <a:lnB w="12700" cap="flat" cmpd="sng" algn="ctr">
+                      <a:solidFill>
+                        <a:schemeClr val="bg1">
+                          <a:lumMod val="95000"/>
+                        </a:schemeClr>
+                      </a:solidFill>
+                      <a:prstDash val="solid"/>
+                      <a:round/>
+                      <a:headEnd type="none" w="med" len="med"/>
+                      <a:tailEnd type="none" w="med" len="med"/>
+                    </a:lnB>
+                    <a:solidFill>
+                      <a:schemeClr val="tx1">
+                        <a:lumMod val="65000"/>
+                        <a:lumOff val="35000"/>
+                      </a:schemeClr>
+                    </a:solidFill>
+                  </a:tcPr>
+                </a:tc>
+                <a:tc>
+                  <a:txBody>
+                    <a:bodyPr/>
+                    <a:lstStyle/>
+                    <a:p>
+                      <a:pPr algn="ctr"/>
+                      <a:r>
+                        <a:rPr lang="hu-HU" sz="1800" dirty="0">
+                          <a:solidFill>
+                            <a:schemeClr val="bg1">
+                              <a:lumMod val="95000"/>
+                            </a:schemeClr>
+                          </a:solidFill>
+                          <a:latin typeface="Consolas" panose="020B0609020204030204" pitchFamily="49" charset="0"/>
+                        </a:rPr>
+                        <a:t>Vércsoport</a:t>
+                      </a:r>
+                      <a:endParaRPr lang="en-US" sz="1800" dirty="0">
+                        <a:solidFill>
+                          <a:schemeClr val="bg1">
+                            <a:lumMod val="95000"/>
+                          </a:schemeClr>
+                        </a:solidFill>
+                        <a:latin typeface="Consolas" panose="020B0609020204030204" pitchFamily="49" charset="0"/>
+                      </a:endParaRPr>
+                    </a:p>
+                  </a:txBody>
+                  <a:tcPr>
+                    <a:lnL w="12700" cap="flat" cmpd="sng" algn="ctr">
+                      <a:solidFill>
+                        <a:schemeClr val="bg1">
+                          <a:lumMod val="95000"/>
+                        </a:schemeClr>
+                      </a:solidFill>
+                      <a:prstDash val="solid"/>
+                      <a:round/>
+                      <a:headEnd type="none" w="med" len="med"/>
+                      <a:tailEnd type="none" w="med" len="med"/>
+                    </a:lnL>
+                    <a:lnR w="12700" cap="flat" cmpd="sng" algn="ctr">
+                      <a:solidFill>
+                        <a:schemeClr val="bg1">
+                          <a:lumMod val="95000"/>
+                        </a:schemeClr>
+                      </a:solidFill>
+                      <a:prstDash val="solid"/>
+                      <a:round/>
+                      <a:headEnd type="none" w="med" len="med"/>
+                      <a:tailEnd type="none" w="med" len="med"/>
+                    </a:lnR>
+                    <a:lnT w="12700" cap="flat" cmpd="sng" algn="ctr">
+                      <a:solidFill>
+                        <a:schemeClr val="bg1">
+                          <a:lumMod val="95000"/>
+                        </a:schemeClr>
+                      </a:solidFill>
+                      <a:prstDash val="solid"/>
+                      <a:round/>
+                      <a:headEnd type="none" w="med" len="med"/>
+                      <a:tailEnd type="none" w="med" len="med"/>
+                    </a:lnT>
+                    <a:lnB w="12700" cap="flat" cmpd="sng" algn="ctr">
+                      <a:solidFill>
+                        <a:schemeClr val="bg1">
+                          <a:lumMod val="95000"/>
+                        </a:schemeClr>
+                      </a:solidFill>
+                      <a:prstDash val="solid"/>
+                      <a:round/>
+                      <a:headEnd type="none" w="med" len="med"/>
+                      <a:tailEnd type="none" w="med" len="med"/>
+                    </a:lnB>
+                    <a:solidFill>
+                      <a:schemeClr val="tx1">
+                        <a:lumMod val="65000"/>
+                        <a:lumOff val="35000"/>
+                      </a:schemeClr>
+                    </a:solidFill>
+                  </a:tcPr>
+                </a:tc>
+                <a:tc>
+                  <a:txBody>
+                    <a:bodyPr/>
+                    <a:lstStyle/>
+                    <a:p>
+                      <a:pPr algn="ctr"/>
+                      <a:r>
+                        <a:rPr lang="hu-HU" sz="1800" dirty="0">
+                          <a:solidFill>
+                            <a:schemeClr val="bg1">
+                              <a:lumMod val="95000"/>
+                            </a:schemeClr>
+                          </a:solidFill>
+                          <a:latin typeface="Consolas" panose="020B0609020204030204" pitchFamily="49" charset="0"/>
+                        </a:rPr>
+                        <a:t>Mennyiség(ml)</a:t>
+                      </a:r>
+                      <a:endParaRPr lang="en-US" sz="1800" dirty="0">
+                        <a:solidFill>
+                          <a:schemeClr val="bg1">
+                            <a:lumMod val="95000"/>
+                          </a:schemeClr>
+                        </a:solidFill>
+                        <a:latin typeface="Consolas" panose="020B0609020204030204" pitchFamily="49" charset="0"/>
+                      </a:endParaRPr>
+                    </a:p>
+                  </a:txBody>
+                  <a:tcPr>
+                    <a:lnL w="12700" cap="flat" cmpd="sng" algn="ctr">
+                      <a:solidFill>
+                        <a:schemeClr val="bg1">
+                          <a:lumMod val="95000"/>
+                        </a:schemeClr>
+                      </a:solidFill>
+                      <a:prstDash val="solid"/>
+                      <a:round/>
+                      <a:headEnd type="none" w="med" len="med"/>
+                      <a:tailEnd type="none" w="med" len="med"/>
+                    </a:lnL>
+                    <a:lnR w="12700" cap="flat" cmpd="sng" algn="ctr">
+                      <a:solidFill>
+                        <a:schemeClr val="bg1">
+                          <a:lumMod val="95000"/>
+                        </a:schemeClr>
+                      </a:solidFill>
+                      <a:prstDash val="solid"/>
+                      <a:round/>
+                      <a:headEnd type="none" w="med" len="med"/>
+                      <a:tailEnd type="none" w="med" len="med"/>
+                    </a:lnR>
+                    <a:lnT w="12700" cap="flat" cmpd="sng" algn="ctr">
+                      <a:solidFill>
+                        <a:schemeClr val="bg1">
+                          <a:lumMod val="95000"/>
+                        </a:schemeClr>
+                      </a:solidFill>
+                      <a:prstDash val="solid"/>
+                      <a:round/>
+                      <a:headEnd type="none" w="med" len="med"/>
+                      <a:tailEnd type="none" w="med" len="med"/>
+                    </a:lnT>
+                    <a:lnB w="12700" cap="flat" cmpd="sng" algn="ctr">
+                      <a:solidFill>
+                        <a:schemeClr val="bg1">
+                          <a:lumMod val="95000"/>
+                        </a:schemeClr>
+                      </a:solidFill>
+                      <a:prstDash val="solid"/>
+                      <a:round/>
+                      <a:headEnd type="none" w="med" len="med"/>
+                      <a:tailEnd type="none" w="med" len="med"/>
+                    </a:lnB>
+                    <a:solidFill>
+                      <a:schemeClr val="tx1">
+                        <a:lumMod val="65000"/>
+                        <a:lumOff val="35000"/>
+                      </a:schemeClr>
+                    </a:solidFill>
+                  </a:tcPr>
+                </a:tc>
+                <a:tc>
+                  <a:txBody>
+                    <a:bodyPr/>
+                    <a:lstStyle/>
+                    <a:p>
+                      <a:pPr algn="ctr"/>
+                      <a:r>
+                        <a:rPr lang="hu-HU" sz="1800" dirty="0" err="1">
+                          <a:solidFill>
+                            <a:schemeClr val="bg1">
+                              <a:lumMod val="95000"/>
+                            </a:schemeClr>
+                          </a:solidFill>
+                          <a:latin typeface="Consolas" panose="020B0609020204030204" pitchFamily="49" charset="0"/>
+                        </a:rPr>
+                        <a:t>Korház_ID</a:t>
+                      </a:r>
+                      <a:endParaRPr lang="en-US" sz="1800" dirty="0">
+                        <a:solidFill>
+                          <a:schemeClr val="bg1">
+                            <a:lumMod val="95000"/>
+                          </a:schemeClr>
+                        </a:solidFill>
+                        <a:latin typeface="Consolas" panose="020B0609020204030204" pitchFamily="49" charset="0"/>
+                      </a:endParaRPr>
+                    </a:p>
+                  </a:txBody>
+                  <a:tcPr>
+                    <a:lnL w="12700" cap="flat" cmpd="sng" algn="ctr">
+                      <a:solidFill>
+                        <a:schemeClr val="bg1">
+                          <a:lumMod val="95000"/>
+                        </a:schemeClr>
+                      </a:solidFill>
+                      <a:prstDash val="solid"/>
+                      <a:round/>
+                      <a:headEnd type="none" w="med" len="med"/>
+                      <a:tailEnd type="none" w="med" len="med"/>
+                    </a:lnL>
+                    <a:lnR w="12700" cap="flat" cmpd="sng" algn="ctr">
+                      <a:solidFill>
+                        <a:schemeClr val="bg1">
+                          <a:lumMod val="95000"/>
+                        </a:schemeClr>
+                      </a:solidFill>
+                      <a:prstDash val="solid"/>
+                      <a:round/>
+                      <a:headEnd type="none" w="med" len="med"/>
+                      <a:tailEnd type="none" w="med" len="med"/>
+                    </a:lnR>
+                    <a:lnT w="12700" cap="flat" cmpd="sng" algn="ctr">
+                      <a:solidFill>
+                        <a:schemeClr val="bg1">
+                          <a:lumMod val="95000"/>
+                        </a:schemeClr>
+                      </a:solidFill>
+                      <a:prstDash val="solid"/>
+                      <a:round/>
+                      <a:headEnd type="none" w="med" len="med"/>
+                      <a:tailEnd type="none" w="med" len="med"/>
+                    </a:lnT>
+                    <a:lnB w="12700" cap="flat" cmpd="sng" algn="ctr">
+                      <a:solidFill>
+                        <a:schemeClr val="bg1">
+                          <a:lumMod val="95000"/>
+                        </a:schemeClr>
+                      </a:solidFill>
+                      <a:prstDash val="solid"/>
+                      <a:round/>
+                      <a:headEnd type="none" w="med" len="med"/>
+                      <a:tailEnd type="none" w="med" len="med"/>
+                    </a:lnB>
+                    <a:solidFill>
+                      <a:schemeClr val="tx1">
+                        <a:lumMod val="65000"/>
+                        <a:lumOff val="35000"/>
+                      </a:schemeClr>
+                    </a:solidFill>
+                  </a:tcPr>
+                </a:tc>
+                <a:extLst>
+                  <a:ext uri="{0D108BD9-81ED-4DB2-BD59-A6C34878D82A}">
+                    <a16:rowId xmlns:a16="http://schemas.microsoft.com/office/drawing/2014/main" val="2965694189"/>
+                  </a:ext>
+                </a:extLst>
+              </a:tr>
+              <a:tr h="4858392">
+                <a:tc>
+                  <a:txBody>
+                    <a:bodyPr/>
+                    <a:lstStyle/>
+                    <a:p>
+                      <a:endParaRPr lang="en-US" dirty="0"/>
+                    </a:p>
+                  </a:txBody>
+                  <a:tcPr>
+                    <a:lnL w="12700" cap="flat" cmpd="sng" algn="ctr">
+                      <a:solidFill>
+                        <a:schemeClr val="bg1">
+                          <a:lumMod val="95000"/>
+                        </a:schemeClr>
+                      </a:solidFill>
+                      <a:prstDash val="solid"/>
+                      <a:round/>
+                      <a:headEnd type="none" w="med" len="med"/>
+                      <a:tailEnd type="none" w="med" len="med"/>
+                    </a:lnL>
+                    <a:lnR w="12700" cap="flat" cmpd="sng" algn="ctr">
+                      <a:solidFill>
+                        <a:schemeClr val="bg1">
+                          <a:lumMod val="95000"/>
+                        </a:schemeClr>
+                      </a:solidFill>
+                      <a:prstDash val="solid"/>
+                      <a:round/>
+                      <a:headEnd type="none" w="med" len="med"/>
+                      <a:tailEnd type="none" w="med" len="med"/>
+                    </a:lnR>
+                    <a:lnT w="12700" cap="flat" cmpd="sng" algn="ctr">
+                      <a:solidFill>
+                        <a:schemeClr val="bg1">
+                          <a:lumMod val="95000"/>
+                        </a:schemeClr>
+                      </a:solidFill>
+                      <a:prstDash val="solid"/>
+                      <a:round/>
+                      <a:headEnd type="none" w="med" len="med"/>
+                      <a:tailEnd type="none" w="med" len="med"/>
+                    </a:lnT>
+                    <a:lnB w="12700" cap="flat" cmpd="sng" algn="ctr">
+                      <a:solidFill>
+                        <a:schemeClr val="bg1">
+                          <a:lumMod val="95000"/>
+                        </a:schemeClr>
+                      </a:solidFill>
+                      <a:prstDash val="solid"/>
+                      <a:round/>
+                      <a:headEnd type="none" w="med" len="med"/>
+                      <a:tailEnd type="none" w="med" len="med"/>
+                    </a:lnB>
+                    <a:solidFill>
+                      <a:schemeClr val="tx1">
+                        <a:lumMod val="65000"/>
+                        <a:lumOff val="35000"/>
+                      </a:schemeClr>
+                    </a:solidFill>
+                  </a:tcPr>
+                </a:tc>
+                <a:tc>
+                  <a:txBody>
+                    <a:bodyPr/>
+                    <a:lstStyle/>
+                    <a:p>
+                      <a:endParaRPr lang="en-US" dirty="0"/>
+                    </a:p>
+                  </a:txBody>
+                  <a:tcPr>
+                    <a:lnL w="12700" cap="flat" cmpd="sng" algn="ctr">
+                      <a:solidFill>
+                        <a:schemeClr val="bg1">
+                          <a:lumMod val="95000"/>
+                        </a:schemeClr>
+                      </a:solidFill>
+                      <a:prstDash val="solid"/>
+                      <a:round/>
+                      <a:headEnd type="none" w="med" len="med"/>
+                      <a:tailEnd type="none" w="med" len="med"/>
+                    </a:lnL>
+                    <a:lnR w="12700" cap="flat" cmpd="sng" algn="ctr">
+                      <a:solidFill>
+                        <a:schemeClr val="bg1">
+                          <a:lumMod val="95000"/>
+                        </a:schemeClr>
+                      </a:solidFill>
+                      <a:prstDash val="solid"/>
+                      <a:round/>
+                      <a:headEnd type="none" w="med" len="med"/>
+                      <a:tailEnd type="none" w="med" len="med"/>
+                    </a:lnR>
+                    <a:lnT w="12700" cap="flat" cmpd="sng" algn="ctr">
+                      <a:solidFill>
+                        <a:schemeClr val="bg1">
+                          <a:lumMod val="95000"/>
+                        </a:schemeClr>
+                      </a:solidFill>
+                      <a:prstDash val="solid"/>
+                      <a:round/>
+                      <a:headEnd type="none" w="med" len="med"/>
+                      <a:tailEnd type="none" w="med" len="med"/>
+                    </a:lnT>
+                    <a:lnB w="12700" cap="flat" cmpd="sng" algn="ctr">
+                      <a:solidFill>
+                        <a:schemeClr val="bg1">
+                          <a:lumMod val="95000"/>
+                        </a:schemeClr>
+                      </a:solidFill>
+                      <a:prstDash val="solid"/>
+                      <a:round/>
+                      <a:headEnd type="none" w="med" len="med"/>
+                      <a:tailEnd type="none" w="med" len="med"/>
+                    </a:lnB>
+                    <a:solidFill>
+                      <a:schemeClr val="tx1">
+                        <a:lumMod val="65000"/>
+                        <a:lumOff val="35000"/>
+                      </a:schemeClr>
+                    </a:solidFill>
+                  </a:tcPr>
+                </a:tc>
+                <a:tc>
+                  <a:txBody>
+                    <a:bodyPr/>
+                    <a:lstStyle/>
+                    <a:p>
+                      <a:endParaRPr lang="en-US" dirty="0"/>
+                    </a:p>
+                  </a:txBody>
+                  <a:tcPr>
+                    <a:lnL w="12700" cap="flat" cmpd="sng" algn="ctr">
+                      <a:solidFill>
+                        <a:schemeClr val="bg1">
+                          <a:lumMod val="95000"/>
+                        </a:schemeClr>
+                      </a:solidFill>
+                      <a:prstDash val="solid"/>
+                      <a:round/>
+                      <a:headEnd type="none" w="med" len="med"/>
+                      <a:tailEnd type="none" w="med" len="med"/>
+                    </a:lnL>
+                    <a:lnR w="12700" cap="flat" cmpd="sng" algn="ctr">
+                      <a:solidFill>
+                        <a:schemeClr val="bg1">
+                          <a:lumMod val="95000"/>
+                        </a:schemeClr>
+                      </a:solidFill>
+                      <a:prstDash val="solid"/>
+                      <a:round/>
+                      <a:headEnd type="none" w="med" len="med"/>
+                      <a:tailEnd type="none" w="med" len="med"/>
+                    </a:lnR>
+                    <a:lnT w="12700" cap="flat" cmpd="sng" algn="ctr">
+                      <a:solidFill>
+                        <a:schemeClr val="bg1">
+                          <a:lumMod val="95000"/>
+                        </a:schemeClr>
+                      </a:solidFill>
+                      <a:prstDash val="solid"/>
+                      <a:round/>
+                      <a:headEnd type="none" w="med" len="med"/>
+                      <a:tailEnd type="none" w="med" len="med"/>
+                    </a:lnT>
+                    <a:lnB w="12700" cap="flat" cmpd="sng" algn="ctr">
+                      <a:solidFill>
+                        <a:schemeClr val="bg1">
+                          <a:lumMod val="95000"/>
+                        </a:schemeClr>
+                      </a:solidFill>
+                      <a:prstDash val="solid"/>
+                      <a:round/>
+                      <a:headEnd type="none" w="med" len="med"/>
+                      <a:tailEnd type="none" w="med" len="med"/>
+                    </a:lnB>
+                    <a:solidFill>
+                      <a:schemeClr val="tx1">
+                        <a:lumMod val="65000"/>
+                        <a:lumOff val="35000"/>
+                      </a:schemeClr>
+                    </a:solidFill>
+                  </a:tcPr>
+                </a:tc>
+                <a:tc>
+                  <a:txBody>
+                    <a:bodyPr/>
+                    <a:lstStyle/>
+                    <a:p>
+                      <a:endParaRPr lang="en-US" dirty="0"/>
+                    </a:p>
+                  </a:txBody>
+                  <a:tcPr>
+                    <a:lnL w="12700" cap="flat" cmpd="sng" algn="ctr">
+                      <a:solidFill>
+                        <a:schemeClr val="bg1">
+                          <a:lumMod val="95000"/>
+                        </a:schemeClr>
+                      </a:solidFill>
+                      <a:prstDash val="solid"/>
+                      <a:round/>
+                      <a:headEnd type="none" w="med" len="med"/>
+                      <a:tailEnd type="none" w="med" len="med"/>
+                    </a:lnL>
+                    <a:lnR w="12700" cap="flat" cmpd="sng" algn="ctr">
+                      <a:solidFill>
+                        <a:schemeClr val="bg1">
+                          <a:lumMod val="95000"/>
+                        </a:schemeClr>
+                      </a:solidFill>
+                      <a:prstDash val="solid"/>
+                      <a:round/>
+                      <a:headEnd type="none" w="med" len="med"/>
+                      <a:tailEnd type="none" w="med" len="med"/>
+                    </a:lnR>
+                    <a:lnT w="12700" cap="flat" cmpd="sng" algn="ctr">
+                      <a:solidFill>
+                        <a:schemeClr val="bg1">
+                          <a:lumMod val="95000"/>
+                        </a:schemeClr>
+                      </a:solidFill>
+                      <a:prstDash val="solid"/>
+                      <a:round/>
+                      <a:headEnd type="none" w="med" len="med"/>
+                      <a:tailEnd type="none" w="med" len="med"/>
+                    </a:lnT>
+                    <a:lnB w="12700" cap="flat" cmpd="sng" algn="ctr">
+                      <a:solidFill>
+                        <a:schemeClr val="bg1">
+                          <a:lumMod val="95000"/>
+                        </a:schemeClr>
+                      </a:solidFill>
+                      <a:prstDash val="solid"/>
+                      <a:round/>
+                      <a:headEnd type="none" w="med" len="med"/>
+                      <a:tailEnd type="none" w="med" len="med"/>
+                    </a:lnB>
+                    <a:solidFill>
+                      <a:schemeClr val="tx1">
+                        <a:lumMod val="65000"/>
+                        <a:lumOff val="35000"/>
+                      </a:schemeClr>
+                    </a:solidFill>
+                  </a:tcPr>
+                </a:tc>
+                <a:tc>
+                  <a:txBody>
+                    <a:bodyPr/>
+                    <a:lstStyle/>
+                    <a:p>
+                      <a:endParaRPr lang="en-US" dirty="0"/>
+                    </a:p>
+                  </a:txBody>
+                  <a:tcPr>
+                    <a:lnL w="12700" cap="flat" cmpd="sng" algn="ctr">
+                      <a:solidFill>
+                        <a:schemeClr val="bg1">
+                          <a:lumMod val="95000"/>
+                        </a:schemeClr>
+                      </a:solidFill>
+                      <a:prstDash val="solid"/>
+                      <a:round/>
+                      <a:headEnd type="none" w="med" len="med"/>
+                      <a:tailEnd type="none" w="med" len="med"/>
+                    </a:lnL>
+                    <a:lnR w="12700" cap="flat" cmpd="sng" algn="ctr">
+                      <a:solidFill>
+                        <a:schemeClr val="bg1">
+                          <a:lumMod val="95000"/>
+                        </a:schemeClr>
+                      </a:solidFill>
+                      <a:prstDash val="solid"/>
+                      <a:round/>
+                      <a:headEnd type="none" w="med" len="med"/>
+                      <a:tailEnd type="none" w="med" len="med"/>
+                    </a:lnR>
+                    <a:lnT w="12700" cap="flat" cmpd="sng" algn="ctr">
+                      <a:solidFill>
+                        <a:schemeClr val="bg1">
+                          <a:lumMod val="95000"/>
+                        </a:schemeClr>
+                      </a:solidFill>
+                      <a:prstDash val="solid"/>
+                      <a:round/>
+                      <a:headEnd type="none" w="med" len="med"/>
+                      <a:tailEnd type="none" w="med" len="med"/>
+                    </a:lnT>
+                    <a:lnB w="12700" cap="flat" cmpd="sng" algn="ctr">
+                      <a:solidFill>
+                        <a:schemeClr val="bg1">
+                          <a:lumMod val="95000"/>
+                        </a:schemeClr>
+                      </a:solidFill>
+                      <a:prstDash val="solid"/>
+                      <a:round/>
+                      <a:headEnd type="none" w="med" len="med"/>
+                      <a:tailEnd type="none" w="med" len="med"/>
+                    </a:lnB>
+                    <a:solidFill>
+                      <a:schemeClr val="tx1">
+                        <a:lumMod val="65000"/>
+                        <a:lumOff val="35000"/>
+                      </a:schemeClr>
+                    </a:solidFill>
+                  </a:tcPr>
+                </a:tc>
+                <a:extLst>
+                  <a:ext uri="{0D108BD9-81ED-4DB2-BD59-A6C34878D82A}">
+                    <a16:rowId xmlns:a16="http://schemas.microsoft.com/office/drawing/2014/main" val="3713266130"/>
+                  </a:ext>
+                </a:extLst>
+              </a:tr>
+            </a:tbl>
+          </a:graphicData>
+        </a:graphic>
+      </p:graphicFrame>
     </p:spTree>
     <p:extLst>
       <p:ext uri="{BB962C8B-B14F-4D97-AF65-F5344CB8AC3E}">
@@ -6743,642 +6157,6 @@
           </a:p>
         </p:txBody>
       </p:sp>
-      <p:graphicFrame>
-        <p:nvGraphicFramePr>
-          <p:cNvPr id="3" name="Táblázat 7">
-            <a:extLst>
-              <a:ext uri="{FF2B5EF4-FFF2-40B4-BE49-F238E27FC236}">
-                <a16:creationId xmlns:a16="http://schemas.microsoft.com/office/drawing/2014/main" id="{AA3780FE-A12D-4978-8625-B5CECDA91DFF}"/>
-              </a:ext>
-            </a:extLst>
-          </p:cNvPr>
-          <p:cNvGraphicFramePr>
-            <a:graphicFrameLocks noGrp="1"/>
-          </p:cNvGraphicFramePr>
-          <p:nvPr/>
-        </p:nvGraphicFramePr>
-        <p:xfrm>
-          <a:off x="4133699" y="927129"/>
-          <a:ext cx="7772300" cy="5593185"/>
-        </p:xfrm>
-        <a:graphic>
-          <a:graphicData uri="http://schemas.openxmlformats.org/drawingml/2006/table">
-            <a:tbl>
-              <a:tblPr firstRow="1" bandRow="1">
-                <a:tableStyleId>{5C22544A-7EE6-4342-B048-85BDC9FD1C3A}</a:tableStyleId>
-              </a:tblPr>
-              <a:tblGrid>
-                <a:gridCol w="1943075">
-                  <a:extLst>
-                    <a:ext uri="{9D8B030D-6E8A-4147-A177-3AD203B41FA5}">
-                      <a16:colId xmlns:a16="http://schemas.microsoft.com/office/drawing/2014/main" val="2598443847"/>
-                    </a:ext>
-                  </a:extLst>
-                </a:gridCol>
-                <a:gridCol w="1943075">
-                  <a:extLst>
-                    <a:ext uri="{9D8B030D-6E8A-4147-A177-3AD203B41FA5}">
-                      <a16:colId xmlns:a16="http://schemas.microsoft.com/office/drawing/2014/main" val="2935347366"/>
-                    </a:ext>
-                  </a:extLst>
-                </a:gridCol>
-                <a:gridCol w="1943075">
-                  <a:extLst>
-                    <a:ext uri="{9D8B030D-6E8A-4147-A177-3AD203B41FA5}">
-                      <a16:colId xmlns:a16="http://schemas.microsoft.com/office/drawing/2014/main" val="2368300544"/>
-                    </a:ext>
-                  </a:extLst>
-                </a:gridCol>
-                <a:gridCol w="1943075">
-                  <a:extLst>
-                    <a:ext uri="{9D8B030D-6E8A-4147-A177-3AD203B41FA5}">
-                      <a16:colId xmlns:a16="http://schemas.microsoft.com/office/drawing/2014/main" val="3644187451"/>
-                    </a:ext>
-                  </a:extLst>
-                </a:gridCol>
-              </a:tblGrid>
-              <a:tr h="381422">
-                <a:tc>
-                  <a:txBody>
-                    <a:bodyPr/>
-                    <a:lstStyle/>
-                    <a:p>
-                      <a:pPr algn="ctr"/>
-                      <a:r>
-                        <a:rPr lang="hu-HU" sz="1800" b="1" dirty="0">
-                          <a:solidFill>
-                            <a:schemeClr val="bg1">
-                              <a:lumMod val="95000"/>
-                            </a:schemeClr>
-                          </a:solidFill>
-                          <a:latin typeface="Consolas" panose="020B0609020204030204" pitchFamily="49" charset="0"/>
-                        </a:rPr>
-                        <a:t>Név</a:t>
-                      </a:r>
-                      <a:endParaRPr lang="en-US" sz="1800" b="1" dirty="0">
-                        <a:solidFill>
-                          <a:schemeClr val="bg1">
-                            <a:lumMod val="95000"/>
-                          </a:schemeClr>
-                        </a:solidFill>
-                        <a:latin typeface="Consolas" panose="020B0609020204030204" pitchFamily="49" charset="0"/>
-                      </a:endParaRPr>
-                    </a:p>
-                  </a:txBody>
-                  <a:tcPr>
-                    <a:lnL w="12700" cap="flat" cmpd="sng" algn="ctr">
-                      <a:solidFill>
-                        <a:schemeClr val="bg1">
-                          <a:lumMod val="95000"/>
-                        </a:schemeClr>
-                      </a:solidFill>
-                      <a:prstDash val="solid"/>
-                      <a:round/>
-                      <a:headEnd type="none" w="med" len="med"/>
-                      <a:tailEnd type="none" w="med" len="med"/>
-                    </a:lnL>
-                    <a:lnR w="12700" cap="flat" cmpd="sng" algn="ctr">
-                      <a:solidFill>
-                        <a:schemeClr val="bg1">
-                          <a:lumMod val="95000"/>
-                        </a:schemeClr>
-                      </a:solidFill>
-                      <a:prstDash val="solid"/>
-                      <a:round/>
-                      <a:headEnd type="none" w="med" len="med"/>
-                      <a:tailEnd type="none" w="med" len="med"/>
-                    </a:lnR>
-                    <a:lnT w="12700" cap="flat" cmpd="sng" algn="ctr">
-                      <a:solidFill>
-                        <a:schemeClr val="bg1">
-                          <a:lumMod val="95000"/>
-                        </a:schemeClr>
-                      </a:solidFill>
-                      <a:prstDash val="solid"/>
-                      <a:round/>
-                      <a:headEnd type="none" w="med" len="med"/>
-                      <a:tailEnd type="none" w="med" len="med"/>
-                    </a:lnT>
-                    <a:lnB w="12700" cap="flat" cmpd="sng" algn="ctr">
-                      <a:solidFill>
-                        <a:schemeClr val="bg1">
-                          <a:lumMod val="95000"/>
-                        </a:schemeClr>
-                      </a:solidFill>
-                      <a:prstDash val="solid"/>
-                      <a:round/>
-                      <a:headEnd type="none" w="med" len="med"/>
-                      <a:tailEnd type="none" w="med" len="med"/>
-                    </a:lnB>
-                    <a:solidFill>
-                      <a:schemeClr val="tx1">
-                        <a:lumMod val="65000"/>
-                        <a:lumOff val="35000"/>
-                      </a:schemeClr>
-                    </a:solidFill>
-                  </a:tcPr>
-                </a:tc>
-                <a:tc>
-                  <a:txBody>
-                    <a:bodyPr/>
-                    <a:lstStyle/>
-                    <a:p>
-                      <a:pPr algn="ctr"/>
-                      <a:r>
-                        <a:rPr lang="hu-HU" sz="1800" dirty="0">
-                          <a:solidFill>
-                            <a:schemeClr val="bg1">
-                              <a:lumMod val="95000"/>
-                            </a:schemeClr>
-                          </a:solidFill>
-                          <a:latin typeface="Consolas" panose="020B0609020204030204" pitchFamily="49" charset="0"/>
-                        </a:rPr>
-                        <a:t>Azonosító</a:t>
-                      </a:r>
-                      <a:endParaRPr lang="en-US" sz="1800" dirty="0">
-                        <a:solidFill>
-                          <a:schemeClr val="bg1">
-                            <a:lumMod val="95000"/>
-                          </a:schemeClr>
-                        </a:solidFill>
-                        <a:latin typeface="Consolas" panose="020B0609020204030204" pitchFamily="49" charset="0"/>
-                      </a:endParaRPr>
-                    </a:p>
-                  </a:txBody>
-                  <a:tcPr>
-                    <a:lnL w="12700" cap="flat" cmpd="sng" algn="ctr">
-                      <a:solidFill>
-                        <a:schemeClr val="bg1">
-                          <a:lumMod val="95000"/>
-                        </a:schemeClr>
-                      </a:solidFill>
-                      <a:prstDash val="solid"/>
-                      <a:round/>
-                      <a:headEnd type="none" w="med" len="med"/>
-                      <a:tailEnd type="none" w="med" len="med"/>
-                    </a:lnL>
-                    <a:lnR w="12700" cap="flat" cmpd="sng" algn="ctr">
-                      <a:solidFill>
-                        <a:schemeClr val="bg1">
-                          <a:lumMod val="95000"/>
-                        </a:schemeClr>
-                      </a:solidFill>
-                      <a:prstDash val="solid"/>
-                      <a:round/>
-                      <a:headEnd type="none" w="med" len="med"/>
-                      <a:tailEnd type="none" w="med" len="med"/>
-                    </a:lnR>
-                    <a:lnT w="12700" cap="flat" cmpd="sng" algn="ctr">
-                      <a:solidFill>
-                        <a:schemeClr val="bg1">
-                          <a:lumMod val="95000"/>
-                        </a:schemeClr>
-                      </a:solidFill>
-                      <a:prstDash val="solid"/>
-                      <a:round/>
-                      <a:headEnd type="none" w="med" len="med"/>
-                      <a:tailEnd type="none" w="med" len="med"/>
-                    </a:lnT>
-                    <a:lnB w="12700" cap="flat" cmpd="sng" algn="ctr">
-                      <a:solidFill>
-                        <a:schemeClr val="bg1">
-                          <a:lumMod val="95000"/>
-                        </a:schemeClr>
-                      </a:solidFill>
-                      <a:prstDash val="solid"/>
-                      <a:round/>
-                      <a:headEnd type="none" w="med" len="med"/>
-                      <a:tailEnd type="none" w="med" len="med"/>
-                    </a:lnB>
-                    <a:solidFill>
-                      <a:schemeClr val="tx1">
-                        <a:lumMod val="65000"/>
-                        <a:lumOff val="35000"/>
-                      </a:schemeClr>
-                    </a:solidFill>
-                  </a:tcPr>
-                </a:tc>
-                <a:tc>
-                  <a:txBody>
-                    <a:bodyPr/>
-                    <a:lstStyle/>
-                    <a:p>
-                      <a:pPr algn="ctr"/>
-                      <a:r>
-                        <a:rPr lang="hu-HU" sz="1800" dirty="0">
-                          <a:solidFill>
-                            <a:schemeClr val="bg1">
-                              <a:lumMod val="95000"/>
-                            </a:schemeClr>
-                          </a:solidFill>
-                          <a:latin typeface="Consolas" panose="020B0609020204030204" pitchFamily="49" charset="0"/>
-                        </a:rPr>
-                        <a:t>Vércsoport</a:t>
-                      </a:r>
-                      <a:endParaRPr lang="en-US" sz="1800" dirty="0">
-                        <a:solidFill>
-                          <a:schemeClr val="bg1">
-                            <a:lumMod val="95000"/>
-                          </a:schemeClr>
-                        </a:solidFill>
-                        <a:latin typeface="Consolas" panose="020B0609020204030204" pitchFamily="49" charset="0"/>
-                      </a:endParaRPr>
-                    </a:p>
-                  </a:txBody>
-                  <a:tcPr>
-                    <a:lnL w="12700" cap="flat" cmpd="sng" algn="ctr">
-                      <a:solidFill>
-                        <a:schemeClr val="bg1">
-                          <a:lumMod val="95000"/>
-                        </a:schemeClr>
-                      </a:solidFill>
-                      <a:prstDash val="solid"/>
-                      <a:round/>
-                      <a:headEnd type="none" w="med" len="med"/>
-                      <a:tailEnd type="none" w="med" len="med"/>
-                    </a:lnL>
-                    <a:lnR w="12700" cap="flat" cmpd="sng" algn="ctr">
-                      <a:solidFill>
-                        <a:schemeClr val="bg1">
-                          <a:lumMod val="95000"/>
-                        </a:schemeClr>
-                      </a:solidFill>
-                      <a:prstDash val="solid"/>
-                      <a:round/>
-                      <a:headEnd type="none" w="med" len="med"/>
-                      <a:tailEnd type="none" w="med" len="med"/>
-                    </a:lnR>
-                    <a:lnT w="12700" cap="flat" cmpd="sng" algn="ctr">
-                      <a:solidFill>
-                        <a:schemeClr val="bg1">
-                          <a:lumMod val="95000"/>
-                        </a:schemeClr>
-                      </a:solidFill>
-                      <a:prstDash val="solid"/>
-                      <a:round/>
-                      <a:headEnd type="none" w="med" len="med"/>
-                      <a:tailEnd type="none" w="med" len="med"/>
-                    </a:lnT>
-                    <a:lnB w="12700" cap="flat" cmpd="sng" algn="ctr">
-                      <a:solidFill>
-                        <a:schemeClr val="bg1">
-                          <a:lumMod val="95000"/>
-                        </a:schemeClr>
-                      </a:solidFill>
-                      <a:prstDash val="solid"/>
-                      <a:round/>
-                      <a:headEnd type="none" w="med" len="med"/>
-                      <a:tailEnd type="none" w="med" len="med"/>
-                    </a:lnB>
-                    <a:solidFill>
-                      <a:schemeClr val="tx1">
-                        <a:lumMod val="65000"/>
-                        <a:lumOff val="35000"/>
-                      </a:schemeClr>
-                    </a:solidFill>
-                  </a:tcPr>
-                </a:tc>
-                <a:tc>
-                  <a:txBody>
-                    <a:bodyPr/>
-                    <a:lstStyle/>
-                    <a:p>
-                      <a:pPr algn="ctr"/>
-                      <a:r>
-                        <a:rPr lang="hu-HU" sz="1800" dirty="0">
-                          <a:solidFill>
-                            <a:schemeClr val="bg1">
-                              <a:lumMod val="95000"/>
-                            </a:schemeClr>
-                          </a:solidFill>
-                          <a:latin typeface="Consolas" panose="020B0609020204030204" pitchFamily="49" charset="0"/>
-                        </a:rPr>
-                        <a:t>Mennyiség(ml)</a:t>
-                      </a:r>
-                      <a:endParaRPr lang="en-US" sz="1800" dirty="0">
-                        <a:solidFill>
-                          <a:schemeClr val="bg1">
-                            <a:lumMod val="95000"/>
-                          </a:schemeClr>
-                        </a:solidFill>
-                        <a:latin typeface="Consolas" panose="020B0609020204030204" pitchFamily="49" charset="0"/>
-                      </a:endParaRPr>
-                    </a:p>
-                  </a:txBody>
-                  <a:tcPr>
-                    <a:lnL w="12700" cap="flat" cmpd="sng" algn="ctr">
-                      <a:solidFill>
-                        <a:schemeClr val="bg1">
-                          <a:lumMod val="95000"/>
-                        </a:schemeClr>
-                      </a:solidFill>
-                      <a:prstDash val="solid"/>
-                      <a:round/>
-                      <a:headEnd type="none" w="med" len="med"/>
-                      <a:tailEnd type="none" w="med" len="med"/>
-                    </a:lnL>
-                    <a:lnR w="12700" cap="flat" cmpd="sng" algn="ctr">
-                      <a:solidFill>
-                        <a:schemeClr val="bg1">
-                          <a:lumMod val="95000"/>
-                        </a:schemeClr>
-                      </a:solidFill>
-                      <a:prstDash val="solid"/>
-                      <a:round/>
-                      <a:headEnd type="none" w="med" len="med"/>
-                      <a:tailEnd type="none" w="med" len="med"/>
-                    </a:lnR>
-                    <a:lnT w="12700" cap="flat" cmpd="sng" algn="ctr">
-                      <a:solidFill>
-                        <a:schemeClr val="bg1">
-                          <a:lumMod val="95000"/>
-                        </a:schemeClr>
-                      </a:solidFill>
-                      <a:prstDash val="solid"/>
-                      <a:round/>
-                      <a:headEnd type="none" w="med" len="med"/>
-                      <a:tailEnd type="none" w="med" len="med"/>
-                    </a:lnT>
-                    <a:lnB w="12700" cap="flat" cmpd="sng" algn="ctr">
-                      <a:solidFill>
-                        <a:schemeClr val="bg1">
-                          <a:lumMod val="95000"/>
-                        </a:schemeClr>
-                      </a:solidFill>
-                      <a:prstDash val="solid"/>
-                      <a:round/>
-                      <a:headEnd type="none" w="med" len="med"/>
-                      <a:tailEnd type="none" w="med" len="med"/>
-                    </a:lnB>
-                    <a:solidFill>
-                      <a:schemeClr val="tx1">
-                        <a:lumMod val="65000"/>
-                        <a:lumOff val="35000"/>
-                      </a:schemeClr>
-                    </a:solidFill>
-                  </a:tcPr>
-                </a:tc>
-                <a:extLst>
-                  <a:ext uri="{0D108BD9-81ED-4DB2-BD59-A6C34878D82A}">
-                    <a16:rowId xmlns:a16="http://schemas.microsoft.com/office/drawing/2014/main" val="2965694189"/>
-                  </a:ext>
-                </a:extLst>
-              </a:tr>
-              <a:tr h="5211763">
-                <a:tc>
-                  <a:txBody>
-                    <a:bodyPr/>
-                    <a:lstStyle/>
-                    <a:p>
-                      <a:endParaRPr lang="en-US" dirty="0"/>
-                    </a:p>
-                  </a:txBody>
-                  <a:tcPr>
-                    <a:lnL w="12700" cap="flat" cmpd="sng" algn="ctr">
-                      <a:solidFill>
-                        <a:schemeClr val="bg1">
-                          <a:lumMod val="95000"/>
-                        </a:schemeClr>
-                      </a:solidFill>
-                      <a:prstDash val="solid"/>
-                      <a:round/>
-                      <a:headEnd type="none" w="med" len="med"/>
-                      <a:tailEnd type="none" w="med" len="med"/>
-                    </a:lnL>
-                    <a:lnR w="12700" cap="flat" cmpd="sng" algn="ctr">
-                      <a:solidFill>
-                        <a:schemeClr val="bg1">
-                          <a:lumMod val="95000"/>
-                        </a:schemeClr>
-                      </a:solidFill>
-                      <a:prstDash val="solid"/>
-                      <a:round/>
-                      <a:headEnd type="none" w="med" len="med"/>
-                      <a:tailEnd type="none" w="med" len="med"/>
-                    </a:lnR>
-                    <a:lnT w="12700" cap="flat" cmpd="sng" algn="ctr">
-                      <a:solidFill>
-                        <a:schemeClr val="bg1">
-                          <a:lumMod val="95000"/>
-                        </a:schemeClr>
-                      </a:solidFill>
-                      <a:prstDash val="solid"/>
-                      <a:round/>
-                      <a:headEnd type="none" w="med" len="med"/>
-                      <a:tailEnd type="none" w="med" len="med"/>
-                    </a:lnT>
-                    <a:lnB w="12700" cap="flat" cmpd="sng" algn="ctr">
-                      <a:solidFill>
-                        <a:schemeClr val="bg1">
-                          <a:lumMod val="95000"/>
-                        </a:schemeClr>
-                      </a:solidFill>
-                      <a:prstDash val="solid"/>
-                      <a:round/>
-                      <a:headEnd type="none" w="med" len="med"/>
-                      <a:tailEnd type="none" w="med" len="med"/>
-                    </a:lnB>
-                    <a:solidFill>
-                      <a:schemeClr val="tx1">
-                        <a:lumMod val="65000"/>
-                        <a:lumOff val="35000"/>
-                      </a:schemeClr>
-                    </a:solidFill>
-                  </a:tcPr>
-                </a:tc>
-                <a:tc>
-                  <a:txBody>
-                    <a:bodyPr/>
-                    <a:lstStyle/>
-                    <a:p>
-                      <a:endParaRPr lang="en-US" dirty="0"/>
-                    </a:p>
-                  </a:txBody>
-                  <a:tcPr>
-                    <a:lnL w="12700" cap="flat" cmpd="sng" algn="ctr">
-                      <a:solidFill>
-                        <a:schemeClr val="bg1">
-                          <a:lumMod val="95000"/>
-                        </a:schemeClr>
-                      </a:solidFill>
-                      <a:prstDash val="solid"/>
-                      <a:round/>
-                      <a:headEnd type="none" w="med" len="med"/>
-                      <a:tailEnd type="none" w="med" len="med"/>
-                    </a:lnL>
-                    <a:lnR w="12700" cap="flat" cmpd="sng" algn="ctr">
-                      <a:solidFill>
-                        <a:schemeClr val="bg1">
-                          <a:lumMod val="95000"/>
-                        </a:schemeClr>
-                      </a:solidFill>
-                      <a:prstDash val="solid"/>
-                      <a:round/>
-                      <a:headEnd type="none" w="med" len="med"/>
-                      <a:tailEnd type="none" w="med" len="med"/>
-                    </a:lnR>
-                    <a:lnT w="12700" cap="flat" cmpd="sng" algn="ctr">
-                      <a:solidFill>
-                        <a:schemeClr val="bg1">
-                          <a:lumMod val="95000"/>
-                        </a:schemeClr>
-                      </a:solidFill>
-                      <a:prstDash val="solid"/>
-                      <a:round/>
-                      <a:headEnd type="none" w="med" len="med"/>
-                      <a:tailEnd type="none" w="med" len="med"/>
-                    </a:lnT>
-                    <a:lnB w="12700" cap="flat" cmpd="sng" algn="ctr">
-                      <a:solidFill>
-                        <a:schemeClr val="bg1">
-                          <a:lumMod val="95000"/>
-                        </a:schemeClr>
-                      </a:solidFill>
-                      <a:prstDash val="solid"/>
-                      <a:round/>
-                      <a:headEnd type="none" w="med" len="med"/>
-                      <a:tailEnd type="none" w="med" len="med"/>
-                    </a:lnB>
-                    <a:solidFill>
-                      <a:schemeClr val="tx1">
-                        <a:lumMod val="65000"/>
-                        <a:lumOff val="35000"/>
-                      </a:schemeClr>
-                    </a:solidFill>
-                  </a:tcPr>
-                </a:tc>
-                <a:tc>
-                  <a:txBody>
-                    <a:bodyPr/>
-                    <a:lstStyle/>
-                    <a:p>
-                      <a:endParaRPr lang="en-US" dirty="0"/>
-                    </a:p>
-                  </a:txBody>
-                  <a:tcPr>
-                    <a:lnL w="12700" cap="flat" cmpd="sng" algn="ctr">
-                      <a:solidFill>
-                        <a:schemeClr val="bg1">
-                          <a:lumMod val="95000"/>
-                        </a:schemeClr>
-                      </a:solidFill>
-                      <a:prstDash val="solid"/>
-                      <a:round/>
-                      <a:headEnd type="none" w="med" len="med"/>
-                      <a:tailEnd type="none" w="med" len="med"/>
-                    </a:lnL>
-                    <a:lnR w="12700" cap="flat" cmpd="sng" algn="ctr">
-                      <a:solidFill>
-                        <a:schemeClr val="bg1">
-                          <a:lumMod val="95000"/>
-                        </a:schemeClr>
-                      </a:solidFill>
-                      <a:prstDash val="solid"/>
-                      <a:round/>
-                      <a:headEnd type="none" w="med" len="med"/>
-                      <a:tailEnd type="none" w="med" len="med"/>
-                    </a:lnR>
-                    <a:lnT w="12700" cap="flat" cmpd="sng" algn="ctr">
-                      <a:solidFill>
-                        <a:schemeClr val="bg1">
-                          <a:lumMod val="95000"/>
-                        </a:schemeClr>
-                      </a:solidFill>
-                      <a:prstDash val="solid"/>
-                      <a:round/>
-                      <a:headEnd type="none" w="med" len="med"/>
-                      <a:tailEnd type="none" w="med" len="med"/>
-                    </a:lnT>
-                    <a:lnB w="12700" cap="flat" cmpd="sng" algn="ctr">
-                      <a:solidFill>
-                        <a:schemeClr val="bg1">
-                          <a:lumMod val="95000"/>
-                        </a:schemeClr>
-                      </a:solidFill>
-                      <a:prstDash val="solid"/>
-                      <a:round/>
-                      <a:headEnd type="none" w="med" len="med"/>
-                      <a:tailEnd type="none" w="med" len="med"/>
-                    </a:lnB>
-                    <a:solidFill>
-                      <a:schemeClr val="tx1">
-                        <a:lumMod val="65000"/>
-                        <a:lumOff val="35000"/>
-                      </a:schemeClr>
-                    </a:solidFill>
-                  </a:tcPr>
-                </a:tc>
-                <a:tc>
-                  <a:txBody>
-                    <a:bodyPr/>
-                    <a:lstStyle/>
-                    <a:p>
-                      <a:endParaRPr lang="en-US" dirty="0"/>
-                    </a:p>
-                  </a:txBody>
-                  <a:tcPr>
-                    <a:lnL w="12700" cap="flat" cmpd="sng" algn="ctr">
-                      <a:solidFill>
-                        <a:schemeClr val="bg1">
-                          <a:lumMod val="95000"/>
-                        </a:schemeClr>
-                      </a:solidFill>
-                      <a:prstDash val="solid"/>
-                      <a:round/>
-                      <a:headEnd type="none" w="med" len="med"/>
-                      <a:tailEnd type="none" w="med" len="med"/>
-                    </a:lnL>
-                    <a:lnR w="12700" cap="flat" cmpd="sng" algn="ctr">
-                      <a:solidFill>
-                        <a:schemeClr val="bg1">
-                          <a:lumMod val="95000"/>
-                        </a:schemeClr>
-                      </a:solidFill>
-                      <a:prstDash val="solid"/>
-                      <a:round/>
-                      <a:headEnd type="none" w="med" len="med"/>
-                      <a:tailEnd type="none" w="med" len="med"/>
-                    </a:lnR>
-                    <a:lnT w="12700" cap="flat" cmpd="sng" algn="ctr">
-                      <a:solidFill>
-                        <a:schemeClr val="bg1">
-                          <a:lumMod val="95000"/>
-                        </a:schemeClr>
-                      </a:solidFill>
-                      <a:prstDash val="solid"/>
-                      <a:round/>
-                      <a:headEnd type="none" w="med" len="med"/>
-                      <a:tailEnd type="none" w="med" len="med"/>
-                    </a:lnT>
-                    <a:lnB w="12700" cap="flat" cmpd="sng" algn="ctr">
-                      <a:solidFill>
-                        <a:schemeClr val="bg1">
-                          <a:lumMod val="95000"/>
-                        </a:schemeClr>
-                      </a:solidFill>
-                      <a:prstDash val="solid"/>
-                      <a:round/>
-                      <a:headEnd type="none" w="med" len="med"/>
-                      <a:tailEnd type="none" w="med" len="med"/>
-                    </a:lnB>
-                    <a:solidFill>
-                      <a:schemeClr val="tx1">
-                        <a:lumMod val="65000"/>
-                        <a:lumOff val="35000"/>
-                      </a:schemeClr>
-                    </a:solidFill>
-                  </a:tcPr>
-                </a:tc>
-                <a:extLst>
-                  <a:ext uri="{0D108BD9-81ED-4DB2-BD59-A6C34878D82A}">
-                    <a16:rowId xmlns:a16="http://schemas.microsoft.com/office/drawing/2014/main" val="3713266130"/>
-                  </a:ext>
-                </a:extLst>
-              </a:tr>
-            </a:tbl>
-          </a:graphicData>
-        </a:graphic>
-      </p:graphicFrame>
       <p:sp>
         <p:nvSpPr>
           <p:cNvPr id="16" name="Téglalap 15">
@@ -7862,283 +6640,6 @@
           </p:pic>
         </mc:Fallback>
       </mc:AlternateContent>
-      <p:sp>
-        <p:nvSpPr>
-          <p:cNvPr id="30" name="Téglalap 29">
-            <a:extLst>
-              <a:ext uri="{FF2B5EF4-FFF2-40B4-BE49-F238E27FC236}">
-                <a16:creationId xmlns:a16="http://schemas.microsoft.com/office/drawing/2014/main" id="{235CA5E2-5BF5-4C6D-BF70-09150C11722E}"/>
-              </a:ext>
-            </a:extLst>
-          </p:cNvPr>
-          <p:cNvSpPr/>
-          <p:nvPr/>
-        </p:nvSpPr>
-        <p:spPr>
-          <a:xfrm>
-            <a:off x="3776960" y="6181193"/>
-            <a:ext cx="323496" cy="323850"/>
-          </a:xfrm>
-          <a:prstGeom prst="rect">
-            <a:avLst/>
-          </a:prstGeom>
-          <a:noFill/>
-          <a:ln>
-            <a:solidFill>
-              <a:srgbClr val="CAC7C2"/>
-            </a:solidFill>
-          </a:ln>
-        </p:spPr>
-        <p:style>
-          <a:lnRef idx="2">
-            <a:schemeClr val="accent1">
-              <a:shade val="50000"/>
-            </a:schemeClr>
-          </a:lnRef>
-          <a:fillRef idx="1">
-            <a:schemeClr val="accent1"/>
-          </a:fillRef>
-          <a:effectRef idx="0">
-            <a:schemeClr val="accent1"/>
-          </a:effectRef>
-          <a:fontRef idx="minor">
-            <a:schemeClr val="lt1"/>
-          </a:fontRef>
-        </p:style>
-        <p:txBody>
-          <a:bodyPr rtlCol="0" anchor="ctr"/>
-          <a:lstStyle/>
-          <a:p>
-            <a:pPr algn="ctr"/>
-            <a:endParaRPr lang="en-US"/>
-          </a:p>
-        </p:txBody>
-      </p:sp>
-      <p:grpSp>
-        <p:nvGrpSpPr>
-          <p:cNvPr id="54" name="Csoportba foglalás 53">
-            <a:extLst>
-              <a:ext uri="{FF2B5EF4-FFF2-40B4-BE49-F238E27FC236}">
-                <a16:creationId xmlns:a16="http://schemas.microsoft.com/office/drawing/2014/main" id="{41AE3B78-2949-4341-8406-35A6F3D6FDFB}"/>
-              </a:ext>
-            </a:extLst>
-          </p:cNvPr>
-          <p:cNvGrpSpPr/>
-          <p:nvPr/>
-        </p:nvGrpSpPr>
-        <p:grpSpPr>
-          <a:xfrm>
-            <a:off x="3805148" y="6253118"/>
-            <a:ext cx="218160" cy="200520"/>
-            <a:chOff x="3805148" y="6253118"/>
-            <a:chExt cx="218160" cy="200520"/>
-          </a:xfrm>
-        </p:grpSpPr>
-        <mc:AlternateContent xmlns:mc="http://schemas.openxmlformats.org/markup-compatibility/2006" xmlns:p14="http://schemas.microsoft.com/office/powerpoint/2010/main">
-          <mc:Choice Requires="p14">
-            <p:contentPart p14:bwMode="auto" r:id="rId11">
-              <p14:nvContentPartPr>
-                <p14:cNvPr id="48" name="Szabadkéz 47">
-                  <a:extLst>
-                    <a:ext uri="{FF2B5EF4-FFF2-40B4-BE49-F238E27FC236}">
-                      <a16:creationId xmlns:a16="http://schemas.microsoft.com/office/drawing/2014/main" id="{C39AF679-7D8C-476E-B42C-AB9C8C20CA2D}"/>
-                    </a:ext>
-                  </a:extLst>
-                </p14:cNvPr>
-                <p14:cNvContentPartPr/>
-                <p14:nvPr/>
-              </p14:nvContentPartPr>
-              <p14:xfrm>
-                <a:off x="3938708" y="6253118"/>
-                <a:ext cx="84600" cy="113040"/>
-              </p14:xfrm>
-            </p:contentPart>
-          </mc:Choice>
-          <mc:Fallback xmlns="">
-            <p:pic>
-              <p:nvPicPr>
-                <p:cNvPr id="48" name="Szabadkéz 47">
-                  <a:extLst>
-                    <a:ext uri="{FF2B5EF4-FFF2-40B4-BE49-F238E27FC236}">
-                      <a16:creationId xmlns:a16="http://schemas.microsoft.com/office/drawing/2014/main" id="{C39AF679-7D8C-476E-B42C-AB9C8C20CA2D}"/>
-                    </a:ext>
-                  </a:extLst>
-                </p:cNvPr>
-                <p:cNvPicPr/>
-                <p:nvPr/>
-              </p:nvPicPr>
-              <p:blipFill>
-                <a:blip r:embed="rId12"/>
-                <a:stretch>
-                  <a:fillRect/>
-                </a:stretch>
-              </p:blipFill>
-              <p:spPr>
-                <a:xfrm>
-                  <a:off x="3934388" y="6248798"/>
-                  <a:ext cx="93240" cy="121680"/>
-                </a:xfrm>
-                <a:prstGeom prst="rect">
-                  <a:avLst/>
-                </a:prstGeom>
-              </p:spPr>
-            </p:pic>
-          </mc:Fallback>
-        </mc:AlternateContent>
-        <mc:AlternateContent xmlns:mc="http://schemas.openxmlformats.org/markup-compatibility/2006" xmlns:p14="http://schemas.microsoft.com/office/powerpoint/2010/main">
-          <mc:Choice Requires="p14">
-            <p:contentPart p14:bwMode="auto" r:id="rId13">
-              <p14:nvContentPartPr>
-                <p14:cNvPr id="49" name="Szabadkéz 48">
-                  <a:extLst>
-                    <a:ext uri="{FF2B5EF4-FFF2-40B4-BE49-F238E27FC236}">
-                      <a16:creationId xmlns:a16="http://schemas.microsoft.com/office/drawing/2014/main" id="{0C6F808E-27C9-4A4A-ABDF-5EC6786E87BC}"/>
-                    </a:ext>
-                  </a:extLst>
-                </p14:cNvPr>
-                <p14:cNvContentPartPr/>
-                <p14:nvPr/>
-              </p14:nvContentPartPr>
-              <p14:xfrm>
-                <a:off x="3842588" y="6276158"/>
-                <a:ext cx="162720" cy="77040"/>
-              </p14:xfrm>
-            </p:contentPart>
-          </mc:Choice>
-          <mc:Fallback xmlns="">
-            <p:pic>
-              <p:nvPicPr>
-                <p:cNvPr id="49" name="Szabadkéz 48">
-                  <a:extLst>
-                    <a:ext uri="{FF2B5EF4-FFF2-40B4-BE49-F238E27FC236}">
-                      <a16:creationId xmlns:a16="http://schemas.microsoft.com/office/drawing/2014/main" id="{0C6F808E-27C9-4A4A-ABDF-5EC6786E87BC}"/>
-                    </a:ext>
-                  </a:extLst>
-                </p:cNvPr>
-                <p:cNvPicPr/>
-                <p:nvPr/>
-              </p:nvPicPr>
-              <p:blipFill>
-                <a:blip r:embed="rId14"/>
-                <a:stretch>
-                  <a:fillRect/>
-                </a:stretch>
-              </p:blipFill>
-              <p:spPr>
-                <a:xfrm>
-                  <a:off x="3838268" y="6271838"/>
-                  <a:ext cx="171360" cy="85680"/>
-                </a:xfrm>
-                <a:prstGeom prst="rect">
-                  <a:avLst/>
-                </a:prstGeom>
-              </p:spPr>
-            </p:pic>
-          </mc:Fallback>
-        </mc:AlternateContent>
-        <mc:AlternateContent xmlns:mc="http://schemas.openxmlformats.org/markup-compatibility/2006" xmlns:p14="http://schemas.microsoft.com/office/powerpoint/2010/main">
-          <mc:Choice Requires="p14">
-            <p:contentPart p14:bwMode="auto" r:id="rId15">
-              <p14:nvContentPartPr>
-                <p14:cNvPr id="51" name="Szabadkéz 50">
-                  <a:extLst>
-                    <a:ext uri="{FF2B5EF4-FFF2-40B4-BE49-F238E27FC236}">
-                      <a16:creationId xmlns:a16="http://schemas.microsoft.com/office/drawing/2014/main" id="{38D0672D-DC13-479D-B594-3B3C806DFDA7}"/>
-                    </a:ext>
-                  </a:extLst>
-                </p14:cNvPr>
-                <p14:cNvContentPartPr/>
-                <p14:nvPr/>
-              </p14:nvContentPartPr>
-              <p14:xfrm>
-                <a:off x="3805148" y="6343118"/>
-                <a:ext cx="72000" cy="86400"/>
-              </p14:xfrm>
-            </p:contentPart>
-          </mc:Choice>
-          <mc:Fallback xmlns="">
-            <p:pic>
-              <p:nvPicPr>
-                <p:cNvPr id="51" name="Szabadkéz 50">
-                  <a:extLst>
-                    <a:ext uri="{FF2B5EF4-FFF2-40B4-BE49-F238E27FC236}">
-                      <a16:creationId xmlns:a16="http://schemas.microsoft.com/office/drawing/2014/main" id="{38D0672D-DC13-479D-B594-3B3C806DFDA7}"/>
-                    </a:ext>
-                  </a:extLst>
-                </p:cNvPr>
-                <p:cNvPicPr/>
-                <p:nvPr/>
-              </p:nvPicPr>
-              <p:blipFill>
-                <a:blip r:embed="rId16"/>
-                <a:stretch>
-                  <a:fillRect/>
-                </a:stretch>
-              </p:blipFill>
-              <p:spPr>
-                <a:xfrm>
-                  <a:off x="3800828" y="6338798"/>
-                  <a:ext cx="80640" cy="95040"/>
-                </a:xfrm>
-                <a:prstGeom prst="rect">
-                  <a:avLst/>
-                </a:prstGeom>
-              </p:spPr>
-            </p:pic>
-          </mc:Fallback>
-        </mc:AlternateContent>
-        <mc:AlternateContent xmlns:mc="http://schemas.openxmlformats.org/markup-compatibility/2006" xmlns:p14="http://schemas.microsoft.com/office/powerpoint/2010/main">
-          <mc:Choice Requires="p14">
-            <p:contentPart p14:bwMode="auto" r:id="rId17">
-              <p14:nvContentPartPr>
-                <p14:cNvPr id="53" name="Szabadkéz 52">
-                  <a:extLst>
-                    <a:ext uri="{FF2B5EF4-FFF2-40B4-BE49-F238E27FC236}">
-                      <a16:creationId xmlns:a16="http://schemas.microsoft.com/office/drawing/2014/main" id="{7A6F8F55-D5CB-491F-AF51-C343F0A5C745}"/>
-                    </a:ext>
-                  </a:extLst>
-                </p14:cNvPr>
-                <p14:cNvContentPartPr/>
-                <p14:nvPr/>
-              </p14:nvContentPartPr>
-              <p14:xfrm>
-                <a:off x="3819188" y="6352838"/>
-                <a:ext cx="173880" cy="100800"/>
-              </p14:xfrm>
-            </p:contentPart>
-          </mc:Choice>
-          <mc:Fallback xmlns="">
-            <p:pic>
-              <p:nvPicPr>
-                <p:cNvPr id="53" name="Szabadkéz 52">
-                  <a:extLst>
-                    <a:ext uri="{FF2B5EF4-FFF2-40B4-BE49-F238E27FC236}">
-                      <a16:creationId xmlns:a16="http://schemas.microsoft.com/office/drawing/2014/main" id="{7A6F8F55-D5CB-491F-AF51-C343F0A5C745}"/>
-                    </a:ext>
-                  </a:extLst>
-                </p:cNvPr>
-                <p:cNvPicPr/>
-                <p:nvPr/>
-              </p:nvPicPr>
-              <p:blipFill>
-                <a:blip r:embed="rId18"/>
-                <a:stretch>
-                  <a:fillRect/>
-                </a:stretch>
-              </p:blipFill>
-              <p:spPr>
-                <a:xfrm>
-                  <a:off x="3814868" y="6348503"/>
-                  <a:ext cx="182520" cy="109471"/>
-                </a:xfrm>
-                <a:prstGeom prst="rect">
-                  <a:avLst/>
-                </a:prstGeom>
-              </p:spPr>
-            </p:pic>
-          </mc:Fallback>
-        </mc:AlternateContent>
-      </p:grpSp>
       <p:sp>
         <p:nvSpPr>
           <p:cNvPr id="27" name="Téglalap: lekerekített 26">
@@ -9087,6 +7588,796 @@
           </a:graphicData>
         </a:graphic>
       </p:graphicFrame>
+      <p:graphicFrame>
+        <p:nvGraphicFramePr>
+          <p:cNvPr id="33" name="Táblázat 7">
+            <a:extLst>
+              <a:ext uri="{FF2B5EF4-FFF2-40B4-BE49-F238E27FC236}">
+                <a16:creationId xmlns:a16="http://schemas.microsoft.com/office/drawing/2014/main" id="{B6AEC609-0949-4B1C-B66F-8ADF1397FBFD}"/>
+              </a:ext>
+            </a:extLst>
+          </p:cNvPr>
+          <p:cNvGraphicFramePr>
+            <a:graphicFrameLocks noGrp="1"/>
+          </p:cNvGraphicFramePr>
+          <p:nvPr>
+            <p:extLst>
+              <p:ext uri="{D42A27DB-BD31-4B8C-83A1-F6EECF244321}">
+                <p14:modId xmlns:p14="http://schemas.microsoft.com/office/powerpoint/2010/main" val="1164897393"/>
+              </p:ext>
+            </p:extLst>
+          </p:nvPr>
+        </p:nvGraphicFramePr>
+        <p:xfrm>
+          <a:off x="3994249" y="999122"/>
+          <a:ext cx="7765135" cy="5482879"/>
+        </p:xfrm>
+        <a:graphic>
+          <a:graphicData uri="http://schemas.openxmlformats.org/drawingml/2006/table">
+            <a:tbl>
+              <a:tblPr firstRow="1" bandRow="1">
+                <a:tableStyleId>{5C22544A-7EE6-4342-B048-85BDC9FD1C3A}</a:tableStyleId>
+              </a:tblPr>
+              <a:tblGrid>
+                <a:gridCol w="1553027">
+                  <a:extLst>
+                    <a:ext uri="{9D8B030D-6E8A-4147-A177-3AD203B41FA5}">
+                      <a16:colId xmlns:a16="http://schemas.microsoft.com/office/drawing/2014/main" val="2598443847"/>
+                    </a:ext>
+                  </a:extLst>
+                </a:gridCol>
+                <a:gridCol w="1553027">
+                  <a:extLst>
+                    <a:ext uri="{9D8B030D-6E8A-4147-A177-3AD203B41FA5}">
+                      <a16:colId xmlns:a16="http://schemas.microsoft.com/office/drawing/2014/main" val="2935347366"/>
+                    </a:ext>
+                  </a:extLst>
+                </a:gridCol>
+                <a:gridCol w="1553027">
+                  <a:extLst>
+                    <a:ext uri="{9D8B030D-6E8A-4147-A177-3AD203B41FA5}">
+                      <a16:colId xmlns:a16="http://schemas.microsoft.com/office/drawing/2014/main" val="2368300544"/>
+                    </a:ext>
+                  </a:extLst>
+                </a:gridCol>
+                <a:gridCol w="1553027">
+                  <a:extLst>
+                    <a:ext uri="{9D8B030D-6E8A-4147-A177-3AD203B41FA5}">
+                      <a16:colId xmlns:a16="http://schemas.microsoft.com/office/drawing/2014/main" val="3644187451"/>
+                    </a:ext>
+                  </a:extLst>
+                </a:gridCol>
+                <a:gridCol w="1553027">
+                  <a:extLst>
+                    <a:ext uri="{9D8B030D-6E8A-4147-A177-3AD203B41FA5}">
+                      <a16:colId xmlns:a16="http://schemas.microsoft.com/office/drawing/2014/main" val="3366820785"/>
+                    </a:ext>
+                  </a:extLst>
+                </a:gridCol>
+              </a:tblGrid>
+              <a:tr h="641332">
+                <a:tc>
+                  <a:txBody>
+                    <a:bodyPr/>
+                    <a:lstStyle/>
+                    <a:p>
+                      <a:pPr algn="ctr"/>
+                      <a:r>
+                        <a:rPr lang="hu-HU" sz="1800" b="1" dirty="0">
+                          <a:solidFill>
+                            <a:schemeClr val="bg1">
+                              <a:lumMod val="95000"/>
+                            </a:schemeClr>
+                          </a:solidFill>
+                          <a:latin typeface="Consolas" panose="020B0609020204030204" pitchFamily="49" charset="0"/>
+                        </a:rPr>
+                        <a:t>Név</a:t>
+                      </a:r>
+                      <a:endParaRPr lang="en-US" sz="1800" b="1" dirty="0">
+                        <a:solidFill>
+                          <a:schemeClr val="bg1">
+                            <a:lumMod val="95000"/>
+                          </a:schemeClr>
+                        </a:solidFill>
+                        <a:latin typeface="Consolas" panose="020B0609020204030204" pitchFamily="49" charset="0"/>
+                      </a:endParaRPr>
+                    </a:p>
+                  </a:txBody>
+                  <a:tcPr>
+                    <a:lnL w="12700" cap="flat" cmpd="sng" algn="ctr">
+                      <a:solidFill>
+                        <a:schemeClr val="bg1">
+                          <a:lumMod val="95000"/>
+                        </a:schemeClr>
+                      </a:solidFill>
+                      <a:prstDash val="solid"/>
+                      <a:round/>
+                      <a:headEnd type="none" w="med" len="med"/>
+                      <a:tailEnd type="none" w="med" len="med"/>
+                    </a:lnL>
+                    <a:lnR w="12700" cap="flat" cmpd="sng" algn="ctr">
+                      <a:solidFill>
+                        <a:schemeClr val="bg1">
+                          <a:lumMod val="95000"/>
+                        </a:schemeClr>
+                      </a:solidFill>
+                      <a:prstDash val="solid"/>
+                      <a:round/>
+                      <a:headEnd type="none" w="med" len="med"/>
+                      <a:tailEnd type="none" w="med" len="med"/>
+                    </a:lnR>
+                    <a:lnT w="12700" cap="flat" cmpd="sng" algn="ctr">
+                      <a:solidFill>
+                        <a:schemeClr val="bg1">
+                          <a:lumMod val="95000"/>
+                        </a:schemeClr>
+                      </a:solidFill>
+                      <a:prstDash val="solid"/>
+                      <a:round/>
+                      <a:headEnd type="none" w="med" len="med"/>
+                      <a:tailEnd type="none" w="med" len="med"/>
+                    </a:lnT>
+                    <a:lnB w="12700" cap="flat" cmpd="sng" algn="ctr">
+                      <a:solidFill>
+                        <a:schemeClr val="bg1">
+                          <a:lumMod val="95000"/>
+                        </a:schemeClr>
+                      </a:solidFill>
+                      <a:prstDash val="solid"/>
+                      <a:round/>
+                      <a:headEnd type="none" w="med" len="med"/>
+                      <a:tailEnd type="none" w="med" len="med"/>
+                    </a:lnB>
+                    <a:solidFill>
+                      <a:schemeClr val="tx1">
+                        <a:lumMod val="65000"/>
+                        <a:lumOff val="35000"/>
+                      </a:schemeClr>
+                    </a:solidFill>
+                  </a:tcPr>
+                </a:tc>
+                <a:tc>
+                  <a:txBody>
+                    <a:bodyPr/>
+                    <a:lstStyle/>
+                    <a:p>
+                      <a:pPr algn="ctr"/>
+                      <a:r>
+                        <a:rPr lang="hu-HU" sz="1800" dirty="0">
+                          <a:solidFill>
+                            <a:schemeClr val="bg1">
+                              <a:lumMod val="95000"/>
+                            </a:schemeClr>
+                          </a:solidFill>
+                          <a:latin typeface="Consolas" panose="020B0609020204030204" pitchFamily="49" charset="0"/>
+                        </a:rPr>
+                        <a:t>Azonosító</a:t>
+                      </a:r>
+                      <a:endParaRPr lang="en-US" sz="1800" dirty="0">
+                        <a:solidFill>
+                          <a:schemeClr val="bg1">
+                            <a:lumMod val="95000"/>
+                          </a:schemeClr>
+                        </a:solidFill>
+                        <a:latin typeface="Consolas" panose="020B0609020204030204" pitchFamily="49" charset="0"/>
+                      </a:endParaRPr>
+                    </a:p>
+                  </a:txBody>
+                  <a:tcPr>
+                    <a:lnL w="12700" cap="flat" cmpd="sng" algn="ctr">
+                      <a:solidFill>
+                        <a:schemeClr val="bg1">
+                          <a:lumMod val="95000"/>
+                        </a:schemeClr>
+                      </a:solidFill>
+                      <a:prstDash val="solid"/>
+                      <a:round/>
+                      <a:headEnd type="none" w="med" len="med"/>
+                      <a:tailEnd type="none" w="med" len="med"/>
+                    </a:lnL>
+                    <a:lnR w="12700" cap="flat" cmpd="sng" algn="ctr">
+                      <a:solidFill>
+                        <a:schemeClr val="bg1">
+                          <a:lumMod val="95000"/>
+                        </a:schemeClr>
+                      </a:solidFill>
+                      <a:prstDash val="solid"/>
+                      <a:round/>
+                      <a:headEnd type="none" w="med" len="med"/>
+                      <a:tailEnd type="none" w="med" len="med"/>
+                    </a:lnR>
+                    <a:lnT w="12700" cap="flat" cmpd="sng" algn="ctr">
+                      <a:solidFill>
+                        <a:schemeClr val="bg1">
+                          <a:lumMod val="95000"/>
+                        </a:schemeClr>
+                      </a:solidFill>
+                      <a:prstDash val="solid"/>
+                      <a:round/>
+                      <a:headEnd type="none" w="med" len="med"/>
+                      <a:tailEnd type="none" w="med" len="med"/>
+                    </a:lnT>
+                    <a:lnB w="12700" cap="flat" cmpd="sng" algn="ctr">
+                      <a:solidFill>
+                        <a:schemeClr val="bg1">
+                          <a:lumMod val="95000"/>
+                        </a:schemeClr>
+                      </a:solidFill>
+                      <a:prstDash val="solid"/>
+                      <a:round/>
+                      <a:headEnd type="none" w="med" len="med"/>
+                      <a:tailEnd type="none" w="med" len="med"/>
+                    </a:lnB>
+                    <a:solidFill>
+                      <a:schemeClr val="tx1">
+                        <a:lumMod val="65000"/>
+                        <a:lumOff val="35000"/>
+                      </a:schemeClr>
+                    </a:solidFill>
+                  </a:tcPr>
+                </a:tc>
+                <a:tc>
+                  <a:txBody>
+                    <a:bodyPr/>
+                    <a:lstStyle/>
+                    <a:p>
+                      <a:pPr algn="ctr"/>
+                      <a:r>
+                        <a:rPr lang="hu-HU" sz="1800" dirty="0">
+                          <a:solidFill>
+                            <a:schemeClr val="bg1">
+                              <a:lumMod val="95000"/>
+                            </a:schemeClr>
+                          </a:solidFill>
+                          <a:latin typeface="Consolas" panose="020B0609020204030204" pitchFamily="49" charset="0"/>
+                        </a:rPr>
+                        <a:t>Vércsoport</a:t>
+                      </a:r>
+                      <a:endParaRPr lang="en-US" sz="1800" dirty="0">
+                        <a:solidFill>
+                          <a:schemeClr val="bg1">
+                            <a:lumMod val="95000"/>
+                          </a:schemeClr>
+                        </a:solidFill>
+                        <a:latin typeface="Consolas" panose="020B0609020204030204" pitchFamily="49" charset="0"/>
+                      </a:endParaRPr>
+                    </a:p>
+                  </a:txBody>
+                  <a:tcPr>
+                    <a:lnL w="12700" cap="flat" cmpd="sng" algn="ctr">
+                      <a:solidFill>
+                        <a:schemeClr val="bg1">
+                          <a:lumMod val="95000"/>
+                        </a:schemeClr>
+                      </a:solidFill>
+                      <a:prstDash val="solid"/>
+                      <a:round/>
+                      <a:headEnd type="none" w="med" len="med"/>
+                      <a:tailEnd type="none" w="med" len="med"/>
+                    </a:lnL>
+                    <a:lnR w="12700" cap="flat" cmpd="sng" algn="ctr">
+                      <a:solidFill>
+                        <a:schemeClr val="bg1">
+                          <a:lumMod val="95000"/>
+                        </a:schemeClr>
+                      </a:solidFill>
+                      <a:prstDash val="solid"/>
+                      <a:round/>
+                      <a:headEnd type="none" w="med" len="med"/>
+                      <a:tailEnd type="none" w="med" len="med"/>
+                    </a:lnR>
+                    <a:lnT w="12700" cap="flat" cmpd="sng" algn="ctr">
+                      <a:solidFill>
+                        <a:schemeClr val="bg1">
+                          <a:lumMod val="95000"/>
+                        </a:schemeClr>
+                      </a:solidFill>
+                      <a:prstDash val="solid"/>
+                      <a:round/>
+                      <a:headEnd type="none" w="med" len="med"/>
+                      <a:tailEnd type="none" w="med" len="med"/>
+                    </a:lnT>
+                    <a:lnB w="12700" cap="flat" cmpd="sng" algn="ctr">
+                      <a:solidFill>
+                        <a:schemeClr val="bg1">
+                          <a:lumMod val="95000"/>
+                        </a:schemeClr>
+                      </a:solidFill>
+                      <a:prstDash val="solid"/>
+                      <a:round/>
+                      <a:headEnd type="none" w="med" len="med"/>
+                      <a:tailEnd type="none" w="med" len="med"/>
+                    </a:lnB>
+                    <a:solidFill>
+                      <a:schemeClr val="tx1">
+                        <a:lumMod val="65000"/>
+                        <a:lumOff val="35000"/>
+                      </a:schemeClr>
+                    </a:solidFill>
+                  </a:tcPr>
+                </a:tc>
+                <a:tc>
+                  <a:txBody>
+                    <a:bodyPr/>
+                    <a:lstStyle/>
+                    <a:p>
+                      <a:pPr algn="ctr"/>
+                      <a:r>
+                        <a:rPr lang="hu-HU" sz="1800" dirty="0">
+                          <a:solidFill>
+                            <a:schemeClr val="bg1">
+                              <a:lumMod val="95000"/>
+                            </a:schemeClr>
+                          </a:solidFill>
+                          <a:latin typeface="Consolas" panose="020B0609020204030204" pitchFamily="49" charset="0"/>
+                        </a:rPr>
+                        <a:t>Mennyiség(ml)</a:t>
+                      </a:r>
+                      <a:endParaRPr lang="en-US" sz="1800" dirty="0">
+                        <a:solidFill>
+                          <a:schemeClr val="bg1">
+                            <a:lumMod val="95000"/>
+                          </a:schemeClr>
+                        </a:solidFill>
+                        <a:latin typeface="Consolas" panose="020B0609020204030204" pitchFamily="49" charset="0"/>
+                      </a:endParaRPr>
+                    </a:p>
+                  </a:txBody>
+                  <a:tcPr>
+                    <a:lnL w="12700" cap="flat" cmpd="sng" algn="ctr">
+                      <a:solidFill>
+                        <a:schemeClr val="bg1">
+                          <a:lumMod val="95000"/>
+                        </a:schemeClr>
+                      </a:solidFill>
+                      <a:prstDash val="solid"/>
+                      <a:round/>
+                      <a:headEnd type="none" w="med" len="med"/>
+                      <a:tailEnd type="none" w="med" len="med"/>
+                    </a:lnL>
+                    <a:lnR w="12700" cap="flat" cmpd="sng" algn="ctr">
+                      <a:solidFill>
+                        <a:schemeClr val="bg1">
+                          <a:lumMod val="95000"/>
+                        </a:schemeClr>
+                      </a:solidFill>
+                      <a:prstDash val="solid"/>
+                      <a:round/>
+                      <a:headEnd type="none" w="med" len="med"/>
+                      <a:tailEnd type="none" w="med" len="med"/>
+                    </a:lnR>
+                    <a:lnT w="12700" cap="flat" cmpd="sng" algn="ctr">
+                      <a:solidFill>
+                        <a:schemeClr val="bg1">
+                          <a:lumMod val="95000"/>
+                        </a:schemeClr>
+                      </a:solidFill>
+                      <a:prstDash val="solid"/>
+                      <a:round/>
+                      <a:headEnd type="none" w="med" len="med"/>
+                      <a:tailEnd type="none" w="med" len="med"/>
+                    </a:lnT>
+                    <a:lnB w="12700" cap="flat" cmpd="sng" algn="ctr">
+                      <a:solidFill>
+                        <a:schemeClr val="bg1">
+                          <a:lumMod val="95000"/>
+                        </a:schemeClr>
+                      </a:solidFill>
+                      <a:prstDash val="solid"/>
+                      <a:round/>
+                      <a:headEnd type="none" w="med" len="med"/>
+                      <a:tailEnd type="none" w="med" len="med"/>
+                    </a:lnB>
+                    <a:solidFill>
+                      <a:schemeClr val="tx1">
+                        <a:lumMod val="65000"/>
+                        <a:lumOff val="35000"/>
+                      </a:schemeClr>
+                    </a:solidFill>
+                  </a:tcPr>
+                </a:tc>
+                <a:tc>
+                  <a:txBody>
+                    <a:bodyPr/>
+                    <a:lstStyle/>
+                    <a:p>
+                      <a:pPr algn="ctr"/>
+                      <a:r>
+                        <a:rPr lang="hu-HU" sz="1800" dirty="0" err="1">
+                          <a:solidFill>
+                            <a:schemeClr val="bg1">
+                              <a:lumMod val="95000"/>
+                            </a:schemeClr>
+                          </a:solidFill>
+                          <a:latin typeface="Consolas" panose="020B0609020204030204" pitchFamily="49" charset="0"/>
+                        </a:rPr>
+                        <a:t>Korház_ID</a:t>
+                      </a:r>
+                      <a:endParaRPr lang="en-US" sz="1800" dirty="0">
+                        <a:solidFill>
+                          <a:schemeClr val="bg1">
+                            <a:lumMod val="95000"/>
+                          </a:schemeClr>
+                        </a:solidFill>
+                        <a:latin typeface="Consolas" panose="020B0609020204030204" pitchFamily="49" charset="0"/>
+                      </a:endParaRPr>
+                    </a:p>
+                  </a:txBody>
+                  <a:tcPr>
+                    <a:lnL w="12700" cap="flat" cmpd="sng" algn="ctr">
+                      <a:solidFill>
+                        <a:schemeClr val="bg1">
+                          <a:lumMod val="95000"/>
+                        </a:schemeClr>
+                      </a:solidFill>
+                      <a:prstDash val="solid"/>
+                      <a:round/>
+                      <a:headEnd type="none" w="med" len="med"/>
+                      <a:tailEnd type="none" w="med" len="med"/>
+                    </a:lnL>
+                    <a:lnR w="12700" cap="flat" cmpd="sng" algn="ctr">
+                      <a:solidFill>
+                        <a:schemeClr val="bg1">
+                          <a:lumMod val="95000"/>
+                        </a:schemeClr>
+                      </a:solidFill>
+                      <a:prstDash val="solid"/>
+                      <a:round/>
+                      <a:headEnd type="none" w="med" len="med"/>
+                      <a:tailEnd type="none" w="med" len="med"/>
+                    </a:lnR>
+                    <a:lnT w="12700" cap="flat" cmpd="sng" algn="ctr">
+                      <a:solidFill>
+                        <a:schemeClr val="bg1">
+                          <a:lumMod val="95000"/>
+                        </a:schemeClr>
+                      </a:solidFill>
+                      <a:prstDash val="solid"/>
+                      <a:round/>
+                      <a:headEnd type="none" w="med" len="med"/>
+                      <a:tailEnd type="none" w="med" len="med"/>
+                    </a:lnT>
+                    <a:lnB w="12700" cap="flat" cmpd="sng" algn="ctr">
+                      <a:solidFill>
+                        <a:schemeClr val="bg1">
+                          <a:lumMod val="95000"/>
+                        </a:schemeClr>
+                      </a:solidFill>
+                      <a:prstDash val="solid"/>
+                      <a:round/>
+                      <a:headEnd type="none" w="med" len="med"/>
+                      <a:tailEnd type="none" w="med" len="med"/>
+                    </a:lnB>
+                    <a:solidFill>
+                      <a:schemeClr val="tx1">
+                        <a:lumMod val="65000"/>
+                        <a:lumOff val="35000"/>
+                      </a:schemeClr>
+                    </a:solidFill>
+                  </a:tcPr>
+                </a:tc>
+                <a:extLst>
+                  <a:ext uri="{0D108BD9-81ED-4DB2-BD59-A6C34878D82A}">
+                    <a16:rowId xmlns:a16="http://schemas.microsoft.com/office/drawing/2014/main" val="2965694189"/>
+                  </a:ext>
+                </a:extLst>
+              </a:tr>
+              <a:tr h="4841547">
+                <a:tc>
+                  <a:txBody>
+                    <a:bodyPr/>
+                    <a:lstStyle/>
+                    <a:p>
+                      <a:endParaRPr lang="en-US" dirty="0"/>
+                    </a:p>
+                  </a:txBody>
+                  <a:tcPr>
+                    <a:lnL w="12700" cap="flat" cmpd="sng" algn="ctr">
+                      <a:solidFill>
+                        <a:schemeClr val="bg1">
+                          <a:lumMod val="95000"/>
+                        </a:schemeClr>
+                      </a:solidFill>
+                      <a:prstDash val="solid"/>
+                      <a:round/>
+                      <a:headEnd type="none" w="med" len="med"/>
+                      <a:tailEnd type="none" w="med" len="med"/>
+                    </a:lnL>
+                    <a:lnR w="12700" cap="flat" cmpd="sng" algn="ctr">
+                      <a:solidFill>
+                        <a:schemeClr val="bg1">
+                          <a:lumMod val="95000"/>
+                        </a:schemeClr>
+                      </a:solidFill>
+                      <a:prstDash val="solid"/>
+                      <a:round/>
+                      <a:headEnd type="none" w="med" len="med"/>
+                      <a:tailEnd type="none" w="med" len="med"/>
+                    </a:lnR>
+                    <a:lnT w="12700" cap="flat" cmpd="sng" algn="ctr">
+                      <a:solidFill>
+                        <a:schemeClr val="bg1">
+                          <a:lumMod val="95000"/>
+                        </a:schemeClr>
+                      </a:solidFill>
+                      <a:prstDash val="solid"/>
+                      <a:round/>
+                      <a:headEnd type="none" w="med" len="med"/>
+                      <a:tailEnd type="none" w="med" len="med"/>
+                    </a:lnT>
+                    <a:lnB w="12700" cap="flat" cmpd="sng" algn="ctr">
+                      <a:solidFill>
+                        <a:schemeClr val="bg1">
+                          <a:lumMod val="95000"/>
+                        </a:schemeClr>
+                      </a:solidFill>
+                      <a:prstDash val="solid"/>
+                      <a:round/>
+                      <a:headEnd type="none" w="med" len="med"/>
+                      <a:tailEnd type="none" w="med" len="med"/>
+                    </a:lnB>
+                    <a:solidFill>
+                      <a:schemeClr val="tx1">
+                        <a:lumMod val="65000"/>
+                        <a:lumOff val="35000"/>
+                      </a:schemeClr>
+                    </a:solidFill>
+                  </a:tcPr>
+                </a:tc>
+                <a:tc>
+                  <a:txBody>
+                    <a:bodyPr/>
+                    <a:lstStyle/>
+                    <a:p>
+                      <a:endParaRPr lang="en-US" dirty="0"/>
+                    </a:p>
+                  </a:txBody>
+                  <a:tcPr>
+                    <a:lnL w="12700" cap="flat" cmpd="sng" algn="ctr">
+                      <a:solidFill>
+                        <a:schemeClr val="bg1">
+                          <a:lumMod val="95000"/>
+                        </a:schemeClr>
+                      </a:solidFill>
+                      <a:prstDash val="solid"/>
+                      <a:round/>
+                      <a:headEnd type="none" w="med" len="med"/>
+                      <a:tailEnd type="none" w="med" len="med"/>
+                    </a:lnL>
+                    <a:lnR w="12700" cap="flat" cmpd="sng" algn="ctr">
+                      <a:solidFill>
+                        <a:schemeClr val="bg1">
+                          <a:lumMod val="95000"/>
+                        </a:schemeClr>
+                      </a:solidFill>
+                      <a:prstDash val="solid"/>
+                      <a:round/>
+                      <a:headEnd type="none" w="med" len="med"/>
+                      <a:tailEnd type="none" w="med" len="med"/>
+                    </a:lnR>
+                    <a:lnT w="12700" cap="flat" cmpd="sng" algn="ctr">
+                      <a:solidFill>
+                        <a:schemeClr val="bg1">
+                          <a:lumMod val="95000"/>
+                        </a:schemeClr>
+                      </a:solidFill>
+                      <a:prstDash val="solid"/>
+                      <a:round/>
+                      <a:headEnd type="none" w="med" len="med"/>
+                      <a:tailEnd type="none" w="med" len="med"/>
+                    </a:lnT>
+                    <a:lnB w="12700" cap="flat" cmpd="sng" algn="ctr">
+                      <a:solidFill>
+                        <a:schemeClr val="bg1">
+                          <a:lumMod val="95000"/>
+                        </a:schemeClr>
+                      </a:solidFill>
+                      <a:prstDash val="solid"/>
+                      <a:round/>
+                      <a:headEnd type="none" w="med" len="med"/>
+                      <a:tailEnd type="none" w="med" len="med"/>
+                    </a:lnB>
+                    <a:solidFill>
+                      <a:schemeClr val="tx1">
+                        <a:lumMod val="65000"/>
+                        <a:lumOff val="35000"/>
+                      </a:schemeClr>
+                    </a:solidFill>
+                  </a:tcPr>
+                </a:tc>
+                <a:tc>
+                  <a:txBody>
+                    <a:bodyPr/>
+                    <a:lstStyle/>
+                    <a:p>
+                      <a:endParaRPr lang="en-US" dirty="0"/>
+                    </a:p>
+                  </a:txBody>
+                  <a:tcPr>
+                    <a:lnL w="12700" cap="flat" cmpd="sng" algn="ctr">
+                      <a:solidFill>
+                        <a:schemeClr val="bg1">
+                          <a:lumMod val="95000"/>
+                        </a:schemeClr>
+                      </a:solidFill>
+                      <a:prstDash val="solid"/>
+                      <a:round/>
+                      <a:headEnd type="none" w="med" len="med"/>
+                      <a:tailEnd type="none" w="med" len="med"/>
+                    </a:lnL>
+                    <a:lnR w="12700" cap="flat" cmpd="sng" algn="ctr">
+                      <a:solidFill>
+                        <a:schemeClr val="bg1">
+                          <a:lumMod val="95000"/>
+                        </a:schemeClr>
+                      </a:solidFill>
+                      <a:prstDash val="solid"/>
+                      <a:round/>
+                      <a:headEnd type="none" w="med" len="med"/>
+                      <a:tailEnd type="none" w="med" len="med"/>
+                    </a:lnR>
+                    <a:lnT w="12700" cap="flat" cmpd="sng" algn="ctr">
+                      <a:solidFill>
+                        <a:schemeClr val="bg1">
+                          <a:lumMod val="95000"/>
+                        </a:schemeClr>
+                      </a:solidFill>
+                      <a:prstDash val="solid"/>
+                      <a:round/>
+                      <a:headEnd type="none" w="med" len="med"/>
+                      <a:tailEnd type="none" w="med" len="med"/>
+                    </a:lnT>
+                    <a:lnB w="12700" cap="flat" cmpd="sng" algn="ctr">
+                      <a:solidFill>
+                        <a:schemeClr val="bg1">
+                          <a:lumMod val="95000"/>
+                        </a:schemeClr>
+                      </a:solidFill>
+                      <a:prstDash val="solid"/>
+                      <a:round/>
+                      <a:headEnd type="none" w="med" len="med"/>
+                      <a:tailEnd type="none" w="med" len="med"/>
+                    </a:lnB>
+                    <a:solidFill>
+                      <a:schemeClr val="tx1">
+                        <a:lumMod val="65000"/>
+                        <a:lumOff val="35000"/>
+                      </a:schemeClr>
+                    </a:solidFill>
+                  </a:tcPr>
+                </a:tc>
+                <a:tc>
+                  <a:txBody>
+                    <a:bodyPr/>
+                    <a:lstStyle/>
+                    <a:p>
+                      <a:endParaRPr lang="en-US" dirty="0"/>
+                    </a:p>
+                  </a:txBody>
+                  <a:tcPr>
+                    <a:lnL w="12700" cap="flat" cmpd="sng" algn="ctr">
+                      <a:solidFill>
+                        <a:schemeClr val="bg1">
+                          <a:lumMod val="95000"/>
+                        </a:schemeClr>
+                      </a:solidFill>
+                      <a:prstDash val="solid"/>
+                      <a:round/>
+                      <a:headEnd type="none" w="med" len="med"/>
+                      <a:tailEnd type="none" w="med" len="med"/>
+                    </a:lnL>
+                    <a:lnR w="12700" cap="flat" cmpd="sng" algn="ctr">
+                      <a:solidFill>
+                        <a:schemeClr val="bg1">
+                          <a:lumMod val="95000"/>
+                        </a:schemeClr>
+                      </a:solidFill>
+                      <a:prstDash val="solid"/>
+                      <a:round/>
+                      <a:headEnd type="none" w="med" len="med"/>
+                      <a:tailEnd type="none" w="med" len="med"/>
+                    </a:lnR>
+                    <a:lnT w="12700" cap="flat" cmpd="sng" algn="ctr">
+                      <a:solidFill>
+                        <a:schemeClr val="bg1">
+                          <a:lumMod val="95000"/>
+                        </a:schemeClr>
+                      </a:solidFill>
+                      <a:prstDash val="solid"/>
+                      <a:round/>
+                      <a:headEnd type="none" w="med" len="med"/>
+                      <a:tailEnd type="none" w="med" len="med"/>
+                    </a:lnT>
+                    <a:lnB w="12700" cap="flat" cmpd="sng" algn="ctr">
+                      <a:solidFill>
+                        <a:schemeClr val="bg1">
+                          <a:lumMod val="95000"/>
+                        </a:schemeClr>
+                      </a:solidFill>
+                      <a:prstDash val="solid"/>
+                      <a:round/>
+                      <a:headEnd type="none" w="med" len="med"/>
+                      <a:tailEnd type="none" w="med" len="med"/>
+                    </a:lnB>
+                    <a:solidFill>
+                      <a:schemeClr val="tx1">
+                        <a:lumMod val="65000"/>
+                        <a:lumOff val="35000"/>
+                      </a:schemeClr>
+                    </a:solidFill>
+                  </a:tcPr>
+                </a:tc>
+                <a:tc>
+                  <a:txBody>
+                    <a:bodyPr/>
+                    <a:lstStyle/>
+                    <a:p>
+                      <a:endParaRPr lang="en-US" dirty="0"/>
+                    </a:p>
+                  </a:txBody>
+                  <a:tcPr>
+                    <a:lnL w="12700" cap="flat" cmpd="sng" algn="ctr">
+                      <a:solidFill>
+                        <a:schemeClr val="bg1">
+                          <a:lumMod val="95000"/>
+                        </a:schemeClr>
+                      </a:solidFill>
+                      <a:prstDash val="solid"/>
+                      <a:round/>
+                      <a:headEnd type="none" w="med" len="med"/>
+                      <a:tailEnd type="none" w="med" len="med"/>
+                    </a:lnL>
+                    <a:lnR w="12700" cap="flat" cmpd="sng" algn="ctr">
+                      <a:solidFill>
+                        <a:schemeClr val="bg1">
+                          <a:lumMod val="95000"/>
+                        </a:schemeClr>
+                      </a:solidFill>
+                      <a:prstDash val="solid"/>
+                      <a:round/>
+                      <a:headEnd type="none" w="med" len="med"/>
+                      <a:tailEnd type="none" w="med" len="med"/>
+                    </a:lnR>
+                    <a:lnT w="12700" cap="flat" cmpd="sng" algn="ctr">
+                      <a:solidFill>
+                        <a:schemeClr val="bg1">
+                          <a:lumMod val="95000"/>
+                        </a:schemeClr>
+                      </a:solidFill>
+                      <a:prstDash val="solid"/>
+                      <a:round/>
+                      <a:headEnd type="none" w="med" len="med"/>
+                      <a:tailEnd type="none" w="med" len="med"/>
+                    </a:lnT>
+                    <a:lnB w="12700" cap="flat" cmpd="sng" algn="ctr">
+                      <a:solidFill>
+                        <a:schemeClr val="bg1">
+                          <a:lumMod val="95000"/>
+                        </a:schemeClr>
+                      </a:solidFill>
+                      <a:prstDash val="solid"/>
+                      <a:round/>
+                      <a:headEnd type="none" w="med" len="med"/>
+                      <a:tailEnd type="none" w="med" len="med"/>
+                    </a:lnB>
+                    <a:solidFill>
+                      <a:schemeClr val="tx1">
+                        <a:lumMod val="65000"/>
+                        <a:lumOff val="35000"/>
+                      </a:schemeClr>
+                    </a:solidFill>
+                  </a:tcPr>
+                </a:tc>
+                <a:extLst>
+                  <a:ext uri="{0D108BD9-81ED-4DB2-BD59-A6C34878D82A}">
+                    <a16:rowId xmlns:a16="http://schemas.microsoft.com/office/drawing/2014/main" val="3713266130"/>
+                  </a:ext>
+                </a:extLst>
+              </a:tr>
+            </a:tbl>
+          </a:graphicData>
+        </a:graphic>
+      </p:graphicFrame>
     </p:spTree>
     <p:extLst>
       <p:ext uri="{BB962C8B-B14F-4D97-AF65-F5344CB8AC3E}">
@@ -9439,11 +8730,17 @@
           <p:cNvGraphicFramePr>
             <a:graphicFrameLocks noGrp="1"/>
           </p:cNvGraphicFramePr>
-          <p:nvPr/>
+          <p:nvPr>
+            <p:extLst>
+              <p:ext uri="{D42A27DB-BD31-4B8C-83A1-F6EECF244321}">
+                <p14:modId xmlns:p14="http://schemas.microsoft.com/office/powerpoint/2010/main" val="1961320626"/>
+              </p:ext>
+            </p:extLst>
+          </p:nvPr>
         </p:nvGraphicFramePr>
         <p:xfrm>
-          <a:off x="4133699" y="927129"/>
-          <a:ext cx="7772300" cy="5593185"/>
+          <a:off x="3390840" y="1010183"/>
+          <a:ext cx="8301430" cy="5472177"/>
         </p:xfrm>
         <a:graphic>
           <a:graphicData uri="http://schemas.openxmlformats.org/drawingml/2006/table">
@@ -9452,36 +8749,43 @@
                 <a:tableStyleId>{5C22544A-7EE6-4342-B048-85BDC9FD1C3A}</a:tableStyleId>
               </a:tblPr>
               <a:tblGrid>
-                <a:gridCol w="1943075">
+                <a:gridCol w="1660286">
                   <a:extLst>
                     <a:ext uri="{9D8B030D-6E8A-4147-A177-3AD203B41FA5}">
                       <a16:colId xmlns:a16="http://schemas.microsoft.com/office/drawing/2014/main" val="2598443847"/>
                     </a:ext>
                   </a:extLst>
                 </a:gridCol>
-                <a:gridCol w="1943075">
+                <a:gridCol w="1660286">
                   <a:extLst>
                     <a:ext uri="{9D8B030D-6E8A-4147-A177-3AD203B41FA5}">
                       <a16:colId xmlns:a16="http://schemas.microsoft.com/office/drawing/2014/main" val="2935347366"/>
                     </a:ext>
                   </a:extLst>
                 </a:gridCol>
-                <a:gridCol w="1943075">
+                <a:gridCol w="1660286">
                   <a:extLst>
                     <a:ext uri="{9D8B030D-6E8A-4147-A177-3AD203B41FA5}">
                       <a16:colId xmlns:a16="http://schemas.microsoft.com/office/drawing/2014/main" val="2368300544"/>
                     </a:ext>
                   </a:extLst>
                 </a:gridCol>
-                <a:gridCol w="1943075">
+                <a:gridCol w="1660286">
                   <a:extLst>
                     <a:ext uri="{9D8B030D-6E8A-4147-A177-3AD203B41FA5}">
                       <a16:colId xmlns:a16="http://schemas.microsoft.com/office/drawing/2014/main" val="3644187451"/>
                     </a:ext>
                   </a:extLst>
                 </a:gridCol>
+                <a:gridCol w="1660286">
+                  <a:extLst>
+                    <a:ext uri="{9D8B030D-6E8A-4147-A177-3AD203B41FA5}">
+                      <a16:colId xmlns:a16="http://schemas.microsoft.com/office/drawing/2014/main" val="3366820785"/>
+                    </a:ext>
+                  </a:extLst>
+                </a:gridCol>
               </a:tblGrid>
-              <a:tr h="381422">
+              <a:tr h="596959">
                 <a:tc>
                   <a:txBody>
                     <a:bodyPr/>
@@ -9802,13 +9106,154 @@
                     </a:solidFill>
                   </a:tcPr>
                 </a:tc>
+                <a:tc>
+                  <a:txBody>
+                    <a:bodyPr/>
+                    <a:lstStyle/>
+                    <a:p>
+                      <a:pPr algn="ctr"/>
+                      <a:r>
+                        <a:rPr lang="hu-HU" sz="1800" dirty="0" err="1">
+                          <a:solidFill>
+                            <a:schemeClr val="bg1">
+                              <a:lumMod val="95000"/>
+                            </a:schemeClr>
+                          </a:solidFill>
+                          <a:latin typeface="Consolas" panose="020B0609020204030204" pitchFamily="49" charset="0"/>
+                        </a:rPr>
+                        <a:t>Korház_ID</a:t>
+                      </a:r>
+                      <a:endParaRPr lang="en-US" sz="1800" dirty="0">
+                        <a:solidFill>
+                          <a:schemeClr val="bg1">
+                            <a:lumMod val="95000"/>
+                          </a:schemeClr>
+                        </a:solidFill>
+                        <a:latin typeface="Consolas" panose="020B0609020204030204" pitchFamily="49" charset="0"/>
+                      </a:endParaRPr>
+                    </a:p>
+                  </a:txBody>
+                  <a:tcPr>
+                    <a:lnL w="12700" cap="flat" cmpd="sng" algn="ctr">
+                      <a:solidFill>
+                        <a:schemeClr val="bg1">
+                          <a:lumMod val="95000"/>
+                        </a:schemeClr>
+                      </a:solidFill>
+                      <a:prstDash val="solid"/>
+                      <a:round/>
+                      <a:headEnd type="none" w="med" len="med"/>
+                      <a:tailEnd type="none" w="med" len="med"/>
+                    </a:lnL>
+                    <a:lnR w="12700" cap="flat" cmpd="sng" algn="ctr">
+                      <a:solidFill>
+                        <a:schemeClr val="bg1">
+                          <a:lumMod val="95000"/>
+                        </a:schemeClr>
+                      </a:solidFill>
+                      <a:prstDash val="solid"/>
+                      <a:round/>
+                      <a:headEnd type="none" w="med" len="med"/>
+                      <a:tailEnd type="none" w="med" len="med"/>
+                    </a:lnR>
+                    <a:lnT w="12700" cap="flat" cmpd="sng" algn="ctr">
+                      <a:solidFill>
+                        <a:schemeClr val="bg1">
+                          <a:lumMod val="95000"/>
+                        </a:schemeClr>
+                      </a:solidFill>
+                      <a:prstDash val="solid"/>
+                      <a:round/>
+                      <a:headEnd type="none" w="med" len="med"/>
+                      <a:tailEnd type="none" w="med" len="med"/>
+                    </a:lnT>
+                    <a:lnB w="12700" cap="flat" cmpd="sng" algn="ctr">
+                      <a:solidFill>
+                        <a:schemeClr val="bg1">
+                          <a:lumMod val="95000"/>
+                        </a:schemeClr>
+                      </a:solidFill>
+                      <a:prstDash val="solid"/>
+                      <a:round/>
+                      <a:headEnd type="none" w="med" len="med"/>
+                      <a:tailEnd type="none" w="med" len="med"/>
+                    </a:lnB>
+                    <a:solidFill>
+                      <a:schemeClr val="tx1">
+                        <a:lumMod val="65000"/>
+                        <a:lumOff val="35000"/>
+                      </a:schemeClr>
+                    </a:solidFill>
+                  </a:tcPr>
+                </a:tc>
                 <a:extLst>
                   <a:ext uri="{0D108BD9-81ED-4DB2-BD59-A6C34878D82A}">
                     <a16:rowId xmlns:a16="http://schemas.microsoft.com/office/drawing/2014/main" val="2965694189"/>
                   </a:ext>
                 </a:extLst>
               </a:tr>
-              <a:tr h="5211763">
+              <a:tr h="4832097">
+                <a:tc>
+                  <a:txBody>
+                    <a:bodyPr/>
+                    <a:lstStyle/>
+                    <a:p>
+                      <a:endParaRPr lang="en-US" dirty="0"/>
+                    </a:p>
+                  </a:txBody>
+                  <a:tcPr>
+                    <a:lnL w="12700" cap="flat" cmpd="sng" algn="ctr">
+                      <a:solidFill>
+                        <a:schemeClr val="bg1">
+                          <a:lumMod val="95000"/>
+                        </a:schemeClr>
+                      </a:solidFill>
+                      <a:prstDash val="solid"/>
+                      <a:round/>
+                      <a:headEnd type="none" w="med" len="med"/>
+                      <a:tailEnd type="none" w="med" len="med"/>
+                    </a:lnL>
+                    <a:lnR w="12700" cap="flat" cmpd="sng" algn="ctr">
+                      <a:solidFill>
+                        <a:schemeClr val="bg1">
+                          <a:lumMod val="95000"/>
+                        </a:schemeClr>
+                      </a:solidFill>
+                      <a:prstDash val="solid"/>
+                      <a:round/>
+                      <a:headEnd type="none" w="med" len="med"/>
+                      <a:tailEnd type="none" w="med" len="med"/>
+                    </a:lnR>
+                    <a:lnT w="12700" cap="flat" cmpd="sng" algn="ctr">
+                      <a:solidFill>
+                        <a:schemeClr val="bg1">
+                          <a:lumMod val="95000"/>
+                        </a:schemeClr>
+                      </a:solidFill>
+                      <a:prstDash val="solid"/>
+                      <a:round/>
+                      <a:headEnd type="none" w="med" len="med"/>
+                      <a:tailEnd type="none" w="med" len="med"/>
+                    </a:lnT>
+                    <a:lnB w="12700" cap="flat" cmpd="sng" algn="ctr">
+                      <a:solidFill>
+                        <a:schemeClr val="bg1">
+                          <a:lumMod val="95000"/>
+                        </a:schemeClr>
+                      </a:solidFill>
+                      <a:prstDash val="solid"/>
+                      <a:round/>
+                      <a:headEnd type="none" w="med" len="med"/>
+                      <a:tailEnd type="none" w="med" len="med"/>
+                    </a:lnB>
+                    <a:solidFill>
+                      <a:schemeClr val="tx1">
+                        <a:lumMod val="65000"/>
+                        <a:lumOff val="35000"/>
+                      </a:schemeClr>
+                    </a:solidFill>
+                  </a:tcPr>
+                </a:tc>
                 <a:tc>
                   <a:txBody>
                     <a:bodyPr/>
@@ -10395,283 +9840,6 @@
       </mc:AlternateContent>
       <p:sp>
         <p:nvSpPr>
-          <p:cNvPr id="30" name="Téglalap 29">
-            <a:extLst>
-              <a:ext uri="{FF2B5EF4-FFF2-40B4-BE49-F238E27FC236}">
-                <a16:creationId xmlns:a16="http://schemas.microsoft.com/office/drawing/2014/main" id="{235CA5E2-5BF5-4C6D-BF70-09150C11722E}"/>
-              </a:ext>
-            </a:extLst>
-          </p:cNvPr>
-          <p:cNvSpPr/>
-          <p:nvPr/>
-        </p:nvSpPr>
-        <p:spPr>
-          <a:xfrm>
-            <a:off x="3776960" y="6181193"/>
-            <a:ext cx="323496" cy="323850"/>
-          </a:xfrm>
-          <a:prstGeom prst="rect">
-            <a:avLst/>
-          </a:prstGeom>
-          <a:noFill/>
-          <a:ln>
-            <a:solidFill>
-              <a:srgbClr val="CAC7C2"/>
-            </a:solidFill>
-          </a:ln>
-        </p:spPr>
-        <p:style>
-          <a:lnRef idx="2">
-            <a:schemeClr val="accent1">
-              <a:shade val="50000"/>
-            </a:schemeClr>
-          </a:lnRef>
-          <a:fillRef idx="1">
-            <a:schemeClr val="accent1"/>
-          </a:fillRef>
-          <a:effectRef idx="0">
-            <a:schemeClr val="accent1"/>
-          </a:effectRef>
-          <a:fontRef idx="minor">
-            <a:schemeClr val="lt1"/>
-          </a:fontRef>
-        </p:style>
-        <p:txBody>
-          <a:bodyPr rtlCol="0" anchor="ctr"/>
-          <a:lstStyle/>
-          <a:p>
-            <a:pPr algn="ctr"/>
-            <a:endParaRPr lang="en-US"/>
-          </a:p>
-        </p:txBody>
-      </p:sp>
-      <p:grpSp>
-        <p:nvGrpSpPr>
-          <p:cNvPr id="54" name="Csoportba foglalás 53">
-            <a:extLst>
-              <a:ext uri="{FF2B5EF4-FFF2-40B4-BE49-F238E27FC236}">
-                <a16:creationId xmlns:a16="http://schemas.microsoft.com/office/drawing/2014/main" id="{41AE3B78-2949-4341-8406-35A6F3D6FDFB}"/>
-              </a:ext>
-            </a:extLst>
-          </p:cNvPr>
-          <p:cNvGrpSpPr/>
-          <p:nvPr/>
-        </p:nvGrpSpPr>
-        <p:grpSpPr>
-          <a:xfrm>
-            <a:off x="3805148" y="6253118"/>
-            <a:ext cx="218160" cy="200520"/>
-            <a:chOff x="3805148" y="6253118"/>
-            <a:chExt cx="218160" cy="200520"/>
-          </a:xfrm>
-        </p:grpSpPr>
-        <mc:AlternateContent xmlns:mc="http://schemas.openxmlformats.org/markup-compatibility/2006" xmlns:p14="http://schemas.microsoft.com/office/powerpoint/2010/main">
-          <mc:Choice Requires="p14">
-            <p:contentPart p14:bwMode="auto" r:id="rId6">
-              <p14:nvContentPartPr>
-                <p14:cNvPr id="48" name="Szabadkéz 47">
-                  <a:extLst>
-                    <a:ext uri="{FF2B5EF4-FFF2-40B4-BE49-F238E27FC236}">
-                      <a16:creationId xmlns:a16="http://schemas.microsoft.com/office/drawing/2014/main" id="{C39AF679-7D8C-476E-B42C-AB9C8C20CA2D}"/>
-                    </a:ext>
-                  </a:extLst>
-                </p14:cNvPr>
-                <p14:cNvContentPartPr/>
-                <p14:nvPr/>
-              </p14:nvContentPartPr>
-              <p14:xfrm>
-                <a:off x="3938708" y="6253118"/>
-                <a:ext cx="84600" cy="113040"/>
-              </p14:xfrm>
-            </p:contentPart>
-          </mc:Choice>
-          <mc:Fallback xmlns="">
-            <p:pic>
-              <p:nvPicPr>
-                <p:cNvPr id="48" name="Szabadkéz 47">
-                  <a:extLst>
-                    <a:ext uri="{FF2B5EF4-FFF2-40B4-BE49-F238E27FC236}">
-                      <a16:creationId xmlns:a16="http://schemas.microsoft.com/office/drawing/2014/main" id="{C39AF679-7D8C-476E-B42C-AB9C8C20CA2D}"/>
-                    </a:ext>
-                  </a:extLst>
-                </p:cNvPr>
-                <p:cNvPicPr/>
-                <p:nvPr/>
-              </p:nvPicPr>
-              <p:blipFill>
-                <a:blip r:embed="rId7"/>
-                <a:stretch>
-                  <a:fillRect/>
-                </a:stretch>
-              </p:blipFill>
-              <p:spPr>
-                <a:xfrm>
-                  <a:off x="3934388" y="6248798"/>
-                  <a:ext cx="93240" cy="121680"/>
-                </a:xfrm>
-                <a:prstGeom prst="rect">
-                  <a:avLst/>
-                </a:prstGeom>
-              </p:spPr>
-            </p:pic>
-          </mc:Fallback>
-        </mc:AlternateContent>
-        <mc:AlternateContent xmlns:mc="http://schemas.openxmlformats.org/markup-compatibility/2006" xmlns:p14="http://schemas.microsoft.com/office/powerpoint/2010/main">
-          <mc:Choice Requires="p14">
-            <p:contentPart p14:bwMode="auto" r:id="rId8">
-              <p14:nvContentPartPr>
-                <p14:cNvPr id="49" name="Szabadkéz 48">
-                  <a:extLst>
-                    <a:ext uri="{FF2B5EF4-FFF2-40B4-BE49-F238E27FC236}">
-                      <a16:creationId xmlns:a16="http://schemas.microsoft.com/office/drawing/2014/main" id="{0C6F808E-27C9-4A4A-ABDF-5EC6786E87BC}"/>
-                    </a:ext>
-                  </a:extLst>
-                </p14:cNvPr>
-                <p14:cNvContentPartPr/>
-                <p14:nvPr/>
-              </p14:nvContentPartPr>
-              <p14:xfrm>
-                <a:off x="3842588" y="6276158"/>
-                <a:ext cx="162720" cy="77040"/>
-              </p14:xfrm>
-            </p:contentPart>
-          </mc:Choice>
-          <mc:Fallback xmlns="">
-            <p:pic>
-              <p:nvPicPr>
-                <p:cNvPr id="49" name="Szabadkéz 48">
-                  <a:extLst>
-                    <a:ext uri="{FF2B5EF4-FFF2-40B4-BE49-F238E27FC236}">
-                      <a16:creationId xmlns:a16="http://schemas.microsoft.com/office/drawing/2014/main" id="{0C6F808E-27C9-4A4A-ABDF-5EC6786E87BC}"/>
-                    </a:ext>
-                  </a:extLst>
-                </p:cNvPr>
-                <p:cNvPicPr/>
-                <p:nvPr/>
-              </p:nvPicPr>
-              <p:blipFill>
-                <a:blip r:embed="rId9"/>
-                <a:stretch>
-                  <a:fillRect/>
-                </a:stretch>
-              </p:blipFill>
-              <p:spPr>
-                <a:xfrm>
-                  <a:off x="3838268" y="6271838"/>
-                  <a:ext cx="171360" cy="85680"/>
-                </a:xfrm>
-                <a:prstGeom prst="rect">
-                  <a:avLst/>
-                </a:prstGeom>
-              </p:spPr>
-            </p:pic>
-          </mc:Fallback>
-        </mc:AlternateContent>
-        <mc:AlternateContent xmlns:mc="http://schemas.openxmlformats.org/markup-compatibility/2006" xmlns:p14="http://schemas.microsoft.com/office/powerpoint/2010/main">
-          <mc:Choice Requires="p14">
-            <p:contentPart p14:bwMode="auto" r:id="rId10">
-              <p14:nvContentPartPr>
-                <p14:cNvPr id="51" name="Szabadkéz 50">
-                  <a:extLst>
-                    <a:ext uri="{FF2B5EF4-FFF2-40B4-BE49-F238E27FC236}">
-                      <a16:creationId xmlns:a16="http://schemas.microsoft.com/office/drawing/2014/main" id="{38D0672D-DC13-479D-B594-3B3C806DFDA7}"/>
-                    </a:ext>
-                  </a:extLst>
-                </p14:cNvPr>
-                <p14:cNvContentPartPr/>
-                <p14:nvPr/>
-              </p14:nvContentPartPr>
-              <p14:xfrm>
-                <a:off x="3805148" y="6343118"/>
-                <a:ext cx="72000" cy="86400"/>
-              </p14:xfrm>
-            </p:contentPart>
-          </mc:Choice>
-          <mc:Fallback xmlns="">
-            <p:pic>
-              <p:nvPicPr>
-                <p:cNvPr id="51" name="Szabadkéz 50">
-                  <a:extLst>
-                    <a:ext uri="{FF2B5EF4-FFF2-40B4-BE49-F238E27FC236}">
-                      <a16:creationId xmlns:a16="http://schemas.microsoft.com/office/drawing/2014/main" id="{38D0672D-DC13-479D-B594-3B3C806DFDA7}"/>
-                    </a:ext>
-                  </a:extLst>
-                </p:cNvPr>
-                <p:cNvPicPr/>
-                <p:nvPr/>
-              </p:nvPicPr>
-              <p:blipFill>
-                <a:blip r:embed="rId11"/>
-                <a:stretch>
-                  <a:fillRect/>
-                </a:stretch>
-              </p:blipFill>
-              <p:spPr>
-                <a:xfrm>
-                  <a:off x="3800828" y="6338798"/>
-                  <a:ext cx="80640" cy="95040"/>
-                </a:xfrm>
-                <a:prstGeom prst="rect">
-                  <a:avLst/>
-                </a:prstGeom>
-              </p:spPr>
-            </p:pic>
-          </mc:Fallback>
-        </mc:AlternateContent>
-        <mc:AlternateContent xmlns:mc="http://schemas.openxmlformats.org/markup-compatibility/2006" xmlns:p14="http://schemas.microsoft.com/office/powerpoint/2010/main">
-          <mc:Choice Requires="p14">
-            <p:contentPart p14:bwMode="auto" r:id="rId12">
-              <p14:nvContentPartPr>
-                <p14:cNvPr id="53" name="Szabadkéz 52">
-                  <a:extLst>
-                    <a:ext uri="{FF2B5EF4-FFF2-40B4-BE49-F238E27FC236}">
-                      <a16:creationId xmlns:a16="http://schemas.microsoft.com/office/drawing/2014/main" id="{7A6F8F55-D5CB-491F-AF51-C343F0A5C745}"/>
-                    </a:ext>
-                  </a:extLst>
-                </p14:cNvPr>
-                <p14:cNvContentPartPr/>
-                <p14:nvPr/>
-              </p14:nvContentPartPr>
-              <p14:xfrm>
-                <a:off x="3819188" y="6352838"/>
-                <a:ext cx="173880" cy="100800"/>
-              </p14:xfrm>
-            </p:contentPart>
-          </mc:Choice>
-          <mc:Fallback xmlns="">
-            <p:pic>
-              <p:nvPicPr>
-                <p:cNvPr id="53" name="Szabadkéz 52">
-                  <a:extLst>
-                    <a:ext uri="{FF2B5EF4-FFF2-40B4-BE49-F238E27FC236}">
-                      <a16:creationId xmlns:a16="http://schemas.microsoft.com/office/drawing/2014/main" id="{7A6F8F55-D5CB-491F-AF51-C343F0A5C745}"/>
-                    </a:ext>
-                  </a:extLst>
-                </p:cNvPr>
-                <p:cNvPicPr/>
-                <p:nvPr/>
-              </p:nvPicPr>
-              <p:blipFill>
-                <a:blip r:embed="rId13"/>
-                <a:stretch>
-                  <a:fillRect/>
-                </a:stretch>
-              </p:blipFill>
-              <p:spPr>
-                <a:xfrm>
-                  <a:off x="3814868" y="6348503"/>
-                  <a:ext cx="182520" cy="109471"/>
-                </a:xfrm>
-                <a:prstGeom prst="rect">
-                  <a:avLst/>
-                </a:prstGeom>
-              </p:spPr>
-            </p:pic>
-          </mc:Fallback>
-        </mc:AlternateContent>
-      </p:grpSp>
-      <p:sp>
-        <p:nvSpPr>
           <p:cNvPr id="33" name="Téglalap: lekerekített 32">
             <a:extLst>
               <a:ext uri="{FF2B5EF4-FFF2-40B4-BE49-F238E27FC236}">
@@ -10988,9 +10156,8 @@
     <p:bg>
       <p:bgPr>
         <a:solidFill>
-          <a:schemeClr val="accent6">
-            <a:lumMod val="40000"/>
-            <a:lumOff val="60000"/>
+          <a:schemeClr val="bg1">
+            <a:lumMod val="95000"/>
           </a:schemeClr>
         </a:solidFill>
         <a:effectLst/>
@@ -11012,6 +10179,58 @@
       </p:grpSpPr>
       <p:sp>
         <p:nvSpPr>
+          <p:cNvPr id="2" name="Téglalap 1">
+            <a:extLst>
+              <a:ext uri="{FF2B5EF4-FFF2-40B4-BE49-F238E27FC236}">
+                <a16:creationId xmlns:a16="http://schemas.microsoft.com/office/drawing/2014/main" id="{1D4B0EED-B93F-4E73-9FC0-6FED5681A0E2}"/>
+              </a:ext>
+            </a:extLst>
+          </p:cNvPr>
+          <p:cNvSpPr/>
+          <p:nvPr/>
+        </p:nvSpPr>
+        <p:spPr>
+          <a:xfrm>
+            <a:off x="0" y="-63397"/>
+            <a:ext cx="12192000" cy="863497"/>
+          </a:xfrm>
+          <a:prstGeom prst="rect">
+            <a:avLst/>
+          </a:prstGeom>
+          <a:solidFill>
+            <a:srgbClr val="BD0D18"/>
+          </a:solidFill>
+          <a:ln w="28575">
+            <a:noFill/>
+          </a:ln>
+        </p:spPr>
+        <p:style>
+          <a:lnRef idx="2">
+            <a:schemeClr val="accent1">
+              <a:shade val="50000"/>
+            </a:schemeClr>
+          </a:lnRef>
+          <a:fillRef idx="1">
+            <a:schemeClr val="accent1"/>
+          </a:fillRef>
+          <a:effectRef idx="0">
+            <a:schemeClr val="accent1"/>
+          </a:effectRef>
+          <a:fontRef idx="minor">
+            <a:schemeClr val="lt1"/>
+          </a:fontRef>
+        </p:style>
+        <p:txBody>
+          <a:bodyPr rtlCol="0" anchor="ctr"/>
+          <a:lstStyle/>
+          <a:p>
+            <a:pPr algn="ctr"/>
+            <a:endParaRPr lang="en-US" dirty="0"/>
+          </a:p>
+        </p:txBody>
+      </p:sp>
+      <p:sp>
+        <p:nvSpPr>
           <p:cNvPr id="4" name="Téglalap: lekerekített 3">
             <a:extLst>
               <a:ext uri="{FF2B5EF4-FFF2-40B4-BE49-F238E27FC236}">
@@ -11024,14 +10243,1081 @@
         </p:nvSpPr>
         <p:spPr>
           <a:xfrm>
-            <a:off x="295073" y="135985"/>
+            <a:off x="295074" y="135985"/>
             <a:ext cx="1267028" cy="378365"/>
           </a:xfrm>
           <a:prstGeom prst="roundRect">
             <a:avLst/>
           </a:prstGeom>
           <a:solidFill>
-            <a:srgbClr val="CAC7C2"/>
+            <a:schemeClr val="tx1">
+              <a:lumMod val="95000"/>
+              <a:lumOff val="5000"/>
+            </a:schemeClr>
+          </a:solidFill>
+          <a:ln w="3175">
+            <a:solidFill>
+              <a:schemeClr val="tx1">
+                <a:alpha val="99000"/>
+              </a:schemeClr>
+            </a:solidFill>
+          </a:ln>
+        </p:spPr>
+        <p:style>
+          <a:lnRef idx="2">
+            <a:schemeClr val="accent1">
+              <a:shade val="50000"/>
+            </a:schemeClr>
+          </a:lnRef>
+          <a:fillRef idx="1">
+            <a:schemeClr val="accent1"/>
+          </a:fillRef>
+          <a:effectRef idx="0">
+            <a:schemeClr val="accent1"/>
+          </a:effectRef>
+          <a:fontRef idx="minor">
+            <a:schemeClr val="lt1"/>
+          </a:fontRef>
+        </p:style>
+        <p:txBody>
+          <a:bodyPr rtlCol="0" anchor="ctr"/>
+          <a:lstStyle/>
+          <a:p>
+            <a:pPr algn="ctr"/>
+            <a:endParaRPr lang="en-US">
+              <a:solidFill>
+                <a:srgbClr val="CAC7C2"/>
+              </a:solidFill>
+            </a:endParaRPr>
+          </a:p>
+        </p:txBody>
+      </p:sp>
+      <p:sp>
+        <p:nvSpPr>
+          <p:cNvPr id="5" name="Szövegdoboz 4">
+            <a:extLst>
+              <a:ext uri="{FF2B5EF4-FFF2-40B4-BE49-F238E27FC236}">
+                <a16:creationId xmlns:a16="http://schemas.microsoft.com/office/drawing/2014/main" id="{4BB8EC08-8C2F-4ABA-9E8A-75D7E81C9A71}"/>
+              </a:ext>
+            </a:extLst>
+          </p:cNvPr>
+          <p:cNvSpPr txBox="1"/>
+          <p:nvPr/>
+        </p:nvSpPr>
+        <p:spPr>
+          <a:xfrm>
+            <a:off x="482792" y="143972"/>
+            <a:ext cx="891590" cy="369332"/>
+          </a:xfrm>
+          <a:prstGeom prst="rect">
+            <a:avLst/>
+          </a:prstGeom>
+          <a:noFill/>
+        </p:spPr>
+        <p:txBody>
+          <a:bodyPr wrap="none" rtlCol="0">
+            <a:spAutoFit/>
+          </a:bodyPr>
+          <a:lstStyle/>
+          <a:p>
+            <a:pPr algn="ctr"/>
+            <a:r>
+              <a:rPr lang="hu-HU" dirty="0">
+                <a:solidFill>
+                  <a:schemeClr val="bg1"/>
+                </a:solidFill>
+                <a:latin typeface="Corbel" panose="020B0503020204020204" pitchFamily="34" charset="0"/>
+                <a:cs typeface="Calibri Light" panose="020F0302020204030204" pitchFamily="34" charset="0"/>
+              </a:rPr>
+              <a:t>Főoldal</a:t>
+            </a:r>
+            <a:endParaRPr lang="en-US" dirty="0">
+              <a:solidFill>
+                <a:schemeClr val="bg1"/>
+              </a:solidFill>
+              <a:latin typeface="Corbel" panose="020B0503020204020204" pitchFamily="34" charset="0"/>
+              <a:cs typeface="Calibri Light" panose="020F0302020204030204" pitchFamily="34" charset="0"/>
+            </a:endParaRPr>
+          </a:p>
+        </p:txBody>
+      </p:sp>
+      <p:sp>
+        <p:nvSpPr>
+          <p:cNvPr id="6" name="Téglalap: lekerekített 5">
+            <a:extLst>
+              <a:ext uri="{FF2B5EF4-FFF2-40B4-BE49-F238E27FC236}">
+                <a16:creationId xmlns:a16="http://schemas.microsoft.com/office/drawing/2014/main" id="{3FA26D5D-10B3-41E5-AD90-3795A2B29EA6}"/>
+              </a:ext>
+            </a:extLst>
+          </p:cNvPr>
+          <p:cNvSpPr/>
+          <p:nvPr/>
+        </p:nvSpPr>
+        <p:spPr>
+          <a:xfrm>
+            <a:off x="1761009" y="134939"/>
+            <a:ext cx="1267028" cy="378365"/>
+          </a:xfrm>
+          <a:prstGeom prst="roundRect">
+            <a:avLst/>
+          </a:prstGeom>
+          <a:solidFill>
+            <a:schemeClr val="tx1"/>
+          </a:solidFill>
+          <a:ln w="3175">
+            <a:solidFill>
+              <a:schemeClr val="tx1">
+                <a:alpha val="99000"/>
+              </a:schemeClr>
+            </a:solidFill>
+          </a:ln>
+        </p:spPr>
+        <p:style>
+          <a:lnRef idx="2">
+            <a:schemeClr val="accent1">
+              <a:shade val="50000"/>
+            </a:schemeClr>
+          </a:lnRef>
+          <a:fillRef idx="1">
+            <a:schemeClr val="accent1"/>
+          </a:fillRef>
+          <a:effectRef idx="0">
+            <a:schemeClr val="accent1"/>
+          </a:effectRef>
+          <a:fontRef idx="minor">
+            <a:schemeClr val="lt1"/>
+          </a:fontRef>
+        </p:style>
+        <p:txBody>
+          <a:bodyPr rtlCol="0" anchor="ctr"/>
+          <a:lstStyle/>
+          <a:p>
+            <a:pPr algn="ctr"/>
+            <a:r>
+              <a:rPr lang="hu-HU" dirty="0">
+                <a:solidFill>
+                  <a:schemeClr val="bg1"/>
+                </a:solidFill>
+                <a:latin typeface="Corbel" panose="020B0503020204020204" pitchFamily="34" charset="0"/>
+              </a:rPr>
+              <a:t>Kereső</a:t>
+            </a:r>
+            <a:endParaRPr lang="en-US" dirty="0">
+              <a:solidFill>
+                <a:schemeClr val="bg1"/>
+              </a:solidFill>
+              <a:latin typeface="Corbel" panose="020B0503020204020204" pitchFamily="34" charset="0"/>
+            </a:endParaRPr>
+          </a:p>
+        </p:txBody>
+      </p:sp>
+      <p:sp>
+        <p:nvSpPr>
+          <p:cNvPr id="7" name="Téglalap: lekerekített 6">
+            <a:extLst>
+              <a:ext uri="{FF2B5EF4-FFF2-40B4-BE49-F238E27FC236}">
+                <a16:creationId xmlns:a16="http://schemas.microsoft.com/office/drawing/2014/main" id="{1D2B0348-42C5-4CAC-ADE0-3D07B740285F}"/>
+              </a:ext>
+            </a:extLst>
+          </p:cNvPr>
+          <p:cNvSpPr/>
+          <p:nvPr/>
+        </p:nvSpPr>
+        <p:spPr>
+          <a:xfrm>
+            <a:off x="3226944" y="135985"/>
+            <a:ext cx="2192781" cy="378365"/>
+          </a:xfrm>
+          <a:prstGeom prst="roundRect">
+            <a:avLst/>
+          </a:prstGeom>
+          <a:solidFill>
+            <a:schemeClr val="tx1"/>
+          </a:solidFill>
+          <a:ln w="3175">
+            <a:noFill/>
+          </a:ln>
+        </p:spPr>
+        <p:style>
+          <a:lnRef idx="2">
+            <a:schemeClr val="accent1">
+              <a:shade val="50000"/>
+            </a:schemeClr>
+          </a:lnRef>
+          <a:fillRef idx="1">
+            <a:schemeClr val="accent1"/>
+          </a:fillRef>
+          <a:effectRef idx="0">
+            <a:schemeClr val="accent1"/>
+          </a:effectRef>
+          <a:fontRef idx="minor">
+            <a:schemeClr val="lt1"/>
+          </a:fontRef>
+        </p:style>
+        <p:txBody>
+          <a:bodyPr rtlCol="0" anchor="ctr"/>
+          <a:lstStyle/>
+          <a:p>
+            <a:pPr algn="ctr"/>
+            <a:r>
+              <a:rPr lang="hu-HU" sz="1600" dirty="0">
+                <a:solidFill>
+                  <a:schemeClr val="bg1"/>
+                </a:solidFill>
+                <a:latin typeface="Corbel" panose="020B0503020204020204" pitchFamily="34" charset="0"/>
+              </a:rPr>
+              <a:t>Adatok módosítása</a:t>
+            </a:r>
+            <a:endParaRPr lang="en-US" sz="1600" dirty="0">
+              <a:solidFill>
+                <a:schemeClr val="bg1"/>
+              </a:solidFill>
+              <a:latin typeface="Corbel" panose="020B0503020204020204" pitchFamily="34" charset="0"/>
+            </a:endParaRPr>
+          </a:p>
+        </p:txBody>
+      </p:sp>
+      <p:sp>
+        <p:nvSpPr>
+          <p:cNvPr id="16" name="Téglalap 15">
+            <a:extLst>
+              <a:ext uri="{FF2B5EF4-FFF2-40B4-BE49-F238E27FC236}">
+                <a16:creationId xmlns:a16="http://schemas.microsoft.com/office/drawing/2014/main" id="{314190A6-6BD7-4298-AB6D-D10DBAD7A3AA}"/>
+              </a:ext>
+            </a:extLst>
+          </p:cNvPr>
+          <p:cNvSpPr/>
+          <p:nvPr/>
+        </p:nvSpPr>
+        <p:spPr>
+          <a:xfrm>
+            <a:off x="0" y="704675"/>
+            <a:ext cx="133349" cy="6153325"/>
+          </a:xfrm>
+          <a:prstGeom prst="rect">
+            <a:avLst/>
+          </a:prstGeom>
+          <a:solidFill>
+            <a:srgbClr val="BD0D18"/>
+          </a:solidFill>
+          <a:ln>
+            <a:noFill/>
+          </a:ln>
+        </p:spPr>
+        <p:style>
+          <a:lnRef idx="2">
+            <a:schemeClr val="accent1">
+              <a:shade val="50000"/>
+            </a:schemeClr>
+          </a:lnRef>
+          <a:fillRef idx="1">
+            <a:schemeClr val="accent1"/>
+          </a:fillRef>
+          <a:effectRef idx="0">
+            <a:schemeClr val="accent1"/>
+          </a:effectRef>
+          <a:fontRef idx="minor">
+            <a:schemeClr val="lt1"/>
+          </a:fontRef>
+        </p:style>
+        <p:txBody>
+          <a:bodyPr rtlCol="0" anchor="ctr"/>
+          <a:lstStyle/>
+          <a:p>
+            <a:pPr algn="ctr"/>
+            <a:endParaRPr lang="en-US"/>
+          </a:p>
+        </p:txBody>
+      </p:sp>
+      <p:sp>
+        <p:nvSpPr>
+          <p:cNvPr id="17" name="Téglalap 16">
+            <a:extLst>
+              <a:ext uri="{FF2B5EF4-FFF2-40B4-BE49-F238E27FC236}">
+                <a16:creationId xmlns:a16="http://schemas.microsoft.com/office/drawing/2014/main" id="{40301329-4F36-46D4-8946-B36A3EB2EA09}"/>
+              </a:ext>
+            </a:extLst>
+          </p:cNvPr>
+          <p:cNvSpPr/>
+          <p:nvPr/>
+        </p:nvSpPr>
+        <p:spPr>
+          <a:xfrm>
+            <a:off x="12058449" y="708343"/>
+            <a:ext cx="133349" cy="6153325"/>
+          </a:xfrm>
+          <a:prstGeom prst="rect">
+            <a:avLst/>
+          </a:prstGeom>
+          <a:solidFill>
+            <a:srgbClr val="BD0D18"/>
+          </a:solidFill>
+          <a:ln>
+            <a:noFill/>
+          </a:ln>
+        </p:spPr>
+        <p:style>
+          <a:lnRef idx="2">
+            <a:schemeClr val="accent1">
+              <a:shade val="50000"/>
+            </a:schemeClr>
+          </a:lnRef>
+          <a:fillRef idx="1">
+            <a:schemeClr val="accent1"/>
+          </a:fillRef>
+          <a:effectRef idx="0">
+            <a:schemeClr val="accent1"/>
+          </a:effectRef>
+          <a:fontRef idx="minor">
+            <a:schemeClr val="lt1"/>
+          </a:fontRef>
+        </p:style>
+        <p:txBody>
+          <a:bodyPr rtlCol="0" anchor="ctr"/>
+          <a:lstStyle/>
+          <a:p>
+            <a:pPr algn="ctr"/>
+            <a:endParaRPr lang="en-US"/>
+          </a:p>
+        </p:txBody>
+      </p:sp>
+      <p:sp>
+        <p:nvSpPr>
+          <p:cNvPr id="18" name="Téglalap 17">
+            <a:extLst>
+              <a:ext uri="{FF2B5EF4-FFF2-40B4-BE49-F238E27FC236}">
+                <a16:creationId xmlns:a16="http://schemas.microsoft.com/office/drawing/2014/main" id="{CE1557B0-0A2A-49E5-8882-BEB7ED996FAF}"/>
+              </a:ext>
+            </a:extLst>
+          </p:cNvPr>
+          <p:cNvSpPr/>
+          <p:nvPr/>
+        </p:nvSpPr>
+        <p:spPr>
+          <a:xfrm>
+            <a:off x="0" y="6715125"/>
+            <a:ext cx="12191798" cy="142875"/>
+          </a:xfrm>
+          <a:prstGeom prst="rect">
+            <a:avLst/>
+          </a:prstGeom>
+          <a:solidFill>
+            <a:srgbClr val="C00000"/>
+          </a:solidFill>
+          <a:ln>
+            <a:noFill/>
+          </a:ln>
+        </p:spPr>
+        <p:style>
+          <a:lnRef idx="2">
+            <a:schemeClr val="accent1">
+              <a:shade val="50000"/>
+            </a:schemeClr>
+          </a:lnRef>
+          <a:fillRef idx="1">
+            <a:schemeClr val="accent1"/>
+          </a:fillRef>
+          <a:effectRef idx="0">
+            <a:schemeClr val="accent1"/>
+          </a:effectRef>
+          <a:fontRef idx="minor">
+            <a:schemeClr val="lt1"/>
+          </a:fontRef>
+        </p:style>
+        <p:txBody>
+          <a:bodyPr rtlCol="0" anchor="ctr"/>
+          <a:lstStyle/>
+          <a:p>
+            <a:pPr algn="ctr"/>
+            <a:endParaRPr lang="en-US"/>
+          </a:p>
+        </p:txBody>
+      </p:sp>
+      <p:grpSp>
+        <p:nvGrpSpPr>
+          <p:cNvPr id="21" name="Csoportba foglalás 20">
+            <a:extLst>
+              <a:ext uri="{FF2B5EF4-FFF2-40B4-BE49-F238E27FC236}">
+                <a16:creationId xmlns:a16="http://schemas.microsoft.com/office/drawing/2014/main" id="{89FB0E39-1E09-4702-B237-853511944CA5}"/>
+              </a:ext>
+            </a:extLst>
+          </p:cNvPr>
+          <p:cNvGrpSpPr/>
+          <p:nvPr/>
+        </p:nvGrpSpPr>
+        <p:grpSpPr>
+          <a:xfrm>
+            <a:off x="6133860" y="533100"/>
+            <a:ext cx="360" cy="360"/>
+            <a:chOff x="6133860" y="533100"/>
+            <a:chExt cx="360" cy="360"/>
+          </a:xfrm>
+        </p:grpSpPr>
+        <mc:AlternateContent xmlns:mc="http://schemas.openxmlformats.org/markup-compatibility/2006" xmlns:p14="http://schemas.microsoft.com/office/powerpoint/2010/main">
+          <mc:Choice Requires="p14">
+            <p:contentPart p14:bwMode="auto" r:id="rId2">
+              <p14:nvContentPartPr>
+                <p14:cNvPr id="19" name="Szabadkéz 18">
+                  <a:extLst>
+                    <a:ext uri="{FF2B5EF4-FFF2-40B4-BE49-F238E27FC236}">
+                      <a16:creationId xmlns:a16="http://schemas.microsoft.com/office/drawing/2014/main" id="{AF11586B-6D51-4B04-83E2-922685EB1E34}"/>
+                    </a:ext>
+                  </a:extLst>
+                </p14:cNvPr>
+                <p14:cNvContentPartPr/>
+                <p14:nvPr/>
+              </p14:nvContentPartPr>
+              <p14:xfrm>
+                <a:off x="6133860" y="533100"/>
+                <a:ext cx="360" cy="360"/>
+              </p14:xfrm>
+            </p:contentPart>
+          </mc:Choice>
+          <mc:Fallback xmlns="">
+            <p:pic>
+              <p:nvPicPr>
+                <p:cNvPr id="19" name="Szabadkéz 18">
+                  <a:extLst>
+                    <a:ext uri="{FF2B5EF4-FFF2-40B4-BE49-F238E27FC236}">
+                      <a16:creationId xmlns:a16="http://schemas.microsoft.com/office/drawing/2014/main" id="{AF11586B-6D51-4B04-83E2-922685EB1E34}"/>
+                    </a:ext>
+                  </a:extLst>
+                </p:cNvPr>
+                <p:cNvPicPr/>
+                <p:nvPr/>
+              </p:nvPicPr>
+              <p:blipFill>
+                <a:blip r:embed="rId3"/>
+                <a:stretch>
+                  <a:fillRect/>
+                </a:stretch>
+              </p:blipFill>
+              <p:spPr>
+                <a:xfrm>
+                  <a:off x="6129540" y="528780"/>
+                  <a:ext cx="9000" cy="9000"/>
+                </a:xfrm>
+                <a:prstGeom prst="rect">
+                  <a:avLst/>
+                </a:prstGeom>
+              </p:spPr>
+            </p:pic>
+          </mc:Fallback>
+        </mc:AlternateContent>
+        <mc:AlternateContent xmlns:mc="http://schemas.openxmlformats.org/markup-compatibility/2006" xmlns:p14="http://schemas.microsoft.com/office/powerpoint/2010/main">
+          <mc:Choice Requires="p14">
+            <p:contentPart p14:bwMode="auto" r:id="rId4">
+              <p14:nvContentPartPr>
+                <p14:cNvPr id="20" name="Szabadkéz 19">
+                  <a:extLst>
+                    <a:ext uri="{FF2B5EF4-FFF2-40B4-BE49-F238E27FC236}">
+                      <a16:creationId xmlns:a16="http://schemas.microsoft.com/office/drawing/2014/main" id="{EBC8D880-CC2D-4B0D-A5EE-1FB5382C3CF7}"/>
+                    </a:ext>
+                  </a:extLst>
+                </p14:cNvPr>
+                <p14:cNvContentPartPr/>
+                <p14:nvPr/>
+              </p14:nvContentPartPr>
+              <p14:xfrm>
+                <a:off x="6133860" y="533100"/>
+                <a:ext cx="360" cy="360"/>
+              </p14:xfrm>
+            </p:contentPart>
+          </mc:Choice>
+          <mc:Fallback xmlns="">
+            <p:pic>
+              <p:nvPicPr>
+                <p:cNvPr id="20" name="Szabadkéz 19">
+                  <a:extLst>
+                    <a:ext uri="{FF2B5EF4-FFF2-40B4-BE49-F238E27FC236}">
+                      <a16:creationId xmlns:a16="http://schemas.microsoft.com/office/drawing/2014/main" id="{EBC8D880-CC2D-4B0D-A5EE-1FB5382C3CF7}"/>
+                    </a:ext>
+                  </a:extLst>
+                </p:cNvPr>
+                <p:cNvPicPr/>
+                <p:nvPr/>
+              </p:nvPicPr>
+              <p:blipFill>
+                <a:blip r:embed="rId3"/>
+                <a:stretch>
+                  <a:fillRect/>
+                </a:stretch>
+              </p:blipFill>
+              <p:spPr>
+                <a:xfrm>
+                  <a:off x="6129540" y="528780"/>
+                  <a:ext cx="9000" cy="9000"/>
+                </a:xfrm>
+                <a:prstGeom prst="rect">
+                  <a:avLst/>
+                </a:prstGeom>
+              </p:spPr>
+            </p:pic>
+          </mc:Fallback>
+        </mc:AlternateContent>
+      </p:grpSp>
+      <mc:AlternateContent xmlns:mc="http://schemas.openxmlformats.org/markup-compatibility/2006" xmlns:p14="http://schemas.microsoft.com/office/powerpoint/2010/main">
+        <mc:Choice Requires="p14">
+          <p:contentPart p14:bwMode="auto" r:id="rId5">
+            <p14:nvContentPartPr>
+              <p14:cNvPr id="22" name="Szabadkéz 21">
+                <a:extLst>
+                  <a:ext uri="{FF2B5EF4-FFF2-40B4-BE49-F238E27FC236}">
+                    <a16:creationId xmlns:a16="http://schemas.microsoft.com/office/drawing/2014/main" id="{FED63D43-5ACE-48BB-800F-E06FB46D7575}"/>
+                  </a:ext>
+                </a:extLst>
+              </p14:cNvPr>
+              <p14:cNvContentPartPr/>
+              <p14:nvPr/>
+            </p14:nvContentPartPr>
+            <p14:xfrm>
+              <a:off x="6514740" y="289020"/>
+              <a:ext cx="360" cy="360"/>
+            </p14:xfrm>
+          </p:contentPart>
+        </mc:Choice>
+        <mc:Fallback xmlns="">
+          <p:pic>
+            <p:nvPicPr>
+              <p:cNvPr id="22" name="Szabadkéz 21">
+                <a:extLst>
+                  <a:ext uri="{FF2B5EF4-FFF2-40B4-BE49-F238E27FC236}">
+                    <a16:creationId xmlns:a16="http://schemas.microsoft.com/office/drawing/2014/main" id="{FED63D43-5ACE-48BB-800F-E06FB46D7575}"/>
+                  </a:ext>
+                </a:extLst>
+              </p:cNvPr>
+              <p:cNvPicPr/>
+              <p:nvPr/>
+            </p:nvPicPr>
+            <p:blipFill>
+              <a:blip r:embed="rId3"/>
+              <a:stretch>
+                <a:fillRect/>
+              </a:stretch>
+            </p:blipFill>
+            <p:spPr>
+              <a:xfrm>
+                <a:off x="6510420" y="284700"/>
+                <a:ext cx="9000" cy="9000"/>
+              </a:xfrm>
+              <a:prstGeom prst="rect">
+                <a:avLst/>
+              </a:prstGeom>
+            </p:spPr>
+          </p:pic>
+        </mc:Fallback>
+      </mc:AlternateContent>
+      <p:graphicFrame>
+        <p:nvGraphicFramePr>
+          <p:cNvPr id="27" name="Táblázat 7">
+            <a:extLst>
+              <a:ext uri="{FF2B5EF4-FFF2-40B4-BE49-F238E27FC236}">
+                <a16:creationId xmlns:a16="http://schemas.microsoft.com/office/drawing/2014/main" id="{1A6F0F4C-CEBC-44F8-A4D1-E306329249A3}"/>
+              </a:ext>
+            </a:extLst>
+          </p:cNvPr>
+          <p:cNvGraphicFramePr>
+            <a:graphicFrameLocks noGrp="1"/>
+          </p:cNvGraphicFramePr>
+          <p:nvPr>
+            <p:extLst>
+              <p:ext uri="{D42A27DB-BD31-4B8C-83A1-F6EECF244321}">
+                <p14:modId xmlns:p14="http://schemas.microsoft.com/office/powerpoint/2010/main" val="440775008"/>
+              </p:ext>
+            </p:extLst>
+          </p:nvPr>
+        </p:nvGraphicFramePr>
+        <p:xfrm>
+          <a:off x="3556172" y="997242"/>
+          <a:ext cx="8170878" cy="5138879"/>
+        </p:xfrm>
+        <a:graphic>
+          <a:graphicData uri="http://schemas.openxmlformats.org/drawingml/2006/table">
+            <a:tbl>
+              <a:tblPr firstRow="1" bandRow="1">
+                <a:tableStyleId>{5C22544A-7EE6-4342-B048-85BDC9FD1C3A}</a:tableStyleId>
+              </a:tblPr>
+              <a:tblGrid>
+                <a:gridCol w="2723626">
+                  <a:extLst>
+                    <a:ext uri="{9D8B030D-6E8A-4147-A177-3AD203B41FA5}">
+                      <a16:colId xmlns:a16="http://schemas.microsoft.com/office/drawing/2014/main" val="2598443847"/>
+                    </a:ext>
+                  </a:extLst>
+                </a:gridCol>
+                <a:gridCol w="2723626">
+                  <a:extLst>
+                    <a:ext uri="{9D8B030D-6E8A-4147-A177-3AD203B41FA5}">
+                      <a16:colId xmlns:a16="http://schemas.microsoft.com/office/drawing/2014/main" val="2935347366"/>
+                    </a:ext>
+                  </a:extLst>
+                </a:gridCol>
+                <a:gridCol w="2723626">
+                  <a:extLst>
+                    <a:ext uri="{9D8B030D-6E8A-4147-A177-3AD203B41FA5}">
+                      <a16:colId xmlns:a16="http://schemas.microsoft.com/office/drawing/2014/main" val="2368300544"/>
+                    </a:ext>
+                  </a:extLst>
+                </a:gridCol>
+              </a:tblGrid>
+              <a:tr h="673358">
+                <a:tc>
+                  <a:txBody>
+                    <a:bodyPr/>
+                    <a:lstStyle/>
+                    <a:p>
+                      <a:pPr algn="ctr"/>
+                      <a:r>
+                        <a:rPr lang="hu-HU" sz="1800" b="1" dirty="0">
+                          <a:solidFill>
+                            <a:schemeClr val="bg1">
+                              <a:lumMod val="95000"/>
+                            </a:schemeClr>
+                          </a:solidFill>
+                          <a:latin typeface="Consolas" panose="020B0609020204030204" pitchFamily="49" charset="0"/>
+                        </a:rPr>
+                        <a:t>Azonosító</a:t>
+                      </a:r>
+                      <a:endParaRPr lang="en-US" sz="1800" b="1" dirty="0">
+                        <a:solidFill>
+                          <a:schemeClr val="bg1">
+                            <a:lumMod val="95000"/>
+                          </a:schemeClr>
+                        </a:solidFill>
+                        <a:latin typeface="Consolas" panose="020B0609020204030204" pitchFamily="49" charset="0"/>
+                      </a:endParaRPr>
+                    </a:p>
+                  </a:txBody>
+                  <a:tcPr>
+                    <a:lnL w="12700" cap="flat" cmpd="sng" algn="ctr">
+                      <a:solidFill>
+                        <a:schemeClr val="bg1">
+                          <a:lumMod val="95000"/>
+                        </a:schemeClr>
+                      </a:solidFill>
+                      <a:prstDash val="solid"/>
+                      <a:round/>
+                      <a:headEnd type="none" w="med" len="med"/>
+                      <a:tailEnd type="none" w="med" len="med"/>
+                    </a:lnL>
+                    <a:lnR w="12700" cap="flat" cmpd="sng" algn="ctr">
+                      <a:solidFill>
+                        <a:schemeClr val="bg1">
+                          <a:lumMod val="95000"/>
+                        </a:schemeClr>
+                      </a:solidFill>
+                      <a:prstDash val="solid"/>
+                      <a:round/>
+                      <a:headEnd type="none" w="med" len="med"/>
+                      <a:tailEnd type="none" w="med" len="med"/>
+                    </a:lnR>
+                    <a:lnT w="12700" cap="flat" cmpd="sng" algn="ctr">
+                      <a:solidFill>
+                        <a:schemeClr val="bg1">
+                          <a:lumMod val="95000"/>
+                        </a:schemeClr>
+                      </a:solidFill>
+                      <a:prstDash val="solid"/>
+                      <a:round/>
+                      <a:headEnd type="none" w="med" len="med"/>
+                      <a:tailEnd type="none" w="med" len="med"/>
+                    </a:lnT>
+                    <a:lnB w="12700" cap="flat" cmpd="sng" algn="ctr">
+                      <a:solidFill>
+                        <a:schemeClr val="bg1">
+                          <a:lumMod val="95000"/>
+                        </a:schemeClr>
+                      </a:solidFill>
+                      <a:prstDash val="solid"/>
+                      <a:round/>
+                      <a:headEnd type="none" w="med" len="med"/>
+                      <a:tailEnd type="none" w="med" len="med"/>
+                    </a:lnB>
+                    <a:solidFill>
+                      <a:schemeClr val="tx1">
+                        <a:lumMod val="65000"/>
+                        <a:lumOff val="35000"/>
+                      </a:schemeClr>
+                    </a:solidFill>
+                  </a:tcPr>
+                </a:tc>
+                <a:tc>
+                  <a:txBody>
+                    <a:bodyPr/>
+                    <a:lstStyle/>
+                    <a:p>
+                      <a:pPr algn="ctr"/>
+                      <a:r>
+                        <a:rPr lang="hu-HU" sz="1800" dirty="0">
+                          <a:solidFill>
+                            <a:schemeClr val="bg1">
+                              <a:lumMod val="95000"/>
+                            </a:schemeClr>
+                          </a:solidFill>
+                          <a:latin typeface="Consolas" panose="020B0609020204030204" pitchFamily="49" charset="0"/>
+                        </a:rPr>
+                        <a:t>Korház</a:t>
+                      </a:r>
+                    </a:p>
+                  </a:txBody>
+                  <a:tcPr>
+                    <a:lnL w="12700" cap="flat" cmpd="sng" algn="ctr">
+                      <a:solidFill>
+                        <a:schemeClr val="bg1">
+                          <a:lumMod val="95000"/>
+                        </a:schemeClr>
+                      </a:solidFill>
+                      <a:prstDash val="solid"/>
+                      <a:round/>
+                      <a:headEnd type="none" w="med" len="med"/>
+                      <a:tailEnd type="none" w="med" len="med"/>
+                    </a:lnL>
+                    <a:lnR w="12700" cap="flat" cmpd="sng" algn="ctr">
+                      <a:solidFill>
+                        <a:schemeClr val="bg1">
+                          <a:lumMod val="95000"/>
+                        </a:schemeClr>
+                      </a:solidFill>
+                      <a:prstDash val="solid"/>
+                      <a:round/>
+                      <a:headEnd type="none" w="med" len="med"/>
+                      <a:tailEnd type="none" w="med" len="med"/>
+                    </a:lnR>
+                    <a:lnT w="12700" cap="flat" cmpd="sng" algn="ctr">
+                      <a:solidFill>
+                        <a:schemeClr val="bg1">
+                          <a:lumMod val="95000"/>
+                        </a:schemeClr>
+                      </a:solidFill>
+                      <a:prstDash val="solid"/>
+                      <a:round/>
+                      <a:headEnd type="none" w="med" len="med"/>
+                      <a:tailEnd type="none" w="med" len="med"/>
+                    </a:lnT>
+                    <a:lnB w="12700" cap="flat" cmpd="sng" algn="ctr">
+                      <a:solidFill>
+                        <a:schemeClr val="bg1">
+                          <a:lumMod val="95000"/>
+                        </a:schemeClr>
+                      </a:solidFill>
+                      <a:prstDash val="solid"/>
+                      <a:round/>
+                      <a:headEnd type="none" w="med" len="med"/>
+                      <a:tailEnd type="none" w="med" len="med"/>
+                    </a:lnB>
+                    <a:solidFill>
+                      <a:schemeClr val="tx1">
+                        <a:lumMod val="65000"/>
+                        <a:lumOff val="35000"/>
+                      </a:schemeClr>
+                    </a:solidFill>
+                  </a:tcPr>
+                </a:tc>
+                <a:tc>
+                  <a:txBody>
+                    <a:bodyPr/>
+                    <a:lstStyle/>
+                    <a:p>
+                      <a:pPr algn="ctr"/>
+                      <a:r>
+                        <a:rPr lang="hu-HU" sz="1800" dirty="0">
+                          <a:solidFill>
+                            <a:schemeClr val="bg1">
+                              <a:lumMod val="95000"/>
+                            </a:schemeClr>
+                          </a:solidFill>
+                          <a:latin typeface="Consolas" panose="020B0609020204030204" pitchFamily="49" charset="0"/>
+                        </a:rPr>
+                        <a:t>Nyitvatartás</a:t>
+                      </a:r>
+                      <a:endParaRPr lang="en-US" sz="1800" dirty="0">
+                        <a:solidFill>
+                          <a:schemeClr val="bg1">
+                            <a:lumMod val="95000"/>
+                          </a:schemeClr>
+                        </a:solidFill>
+                        <a:latin typeface="Consolas" panose="020B0609020204030204" pitchFamily="49" charset="0"/>
+                      </a:endParaRPr>
+                    </a:p>
+                  </a:txBody>
+                  <a:tcPr>
+                    <a:lnL w="12700" cap="flat" cmpd="sng" algn="ctr">
+                      <a:solidFill>
+                        <a:schemeClr val="bg1">
+                          <a:lumMod val="95000"/>
+                        </a:schemeClr>
+                      </a:solidFill>
+                      <a:prstDash val="solid"/>
+                      <a:round/>
+                      <a:headEnd type="none" w="med" len="med"/>
+                      <a:tailEnd type="none" w="med" len="med"/>
+                    </a:lnL>
+                    <a:lnR w="12700" cap="flat" cmpd="sng" algn="ctr">
+                      <a:solidFill>
+                        <a:schemeClr val="bg1">
+                          <a:lumMod val="95000"/>
+                        </a:schemeClr>
+                      </a:solidFill>
+                      <a:prstDash val="solid"/>
+                      <a:round/>
+                      <a:headEnd type="none" w="med" len="med"/>
+                      <a:tailEnd type="none" w="med" len="med"/>
+                    </a:lnR>
+                    <a:lnT w="12700" cap="flat" cmpd="sng" algn="ctr">
+                      <a:solidFill>
+                        <a:schemeClr val="bg1">
+                          <a:lumMod val="95000"/>
+                        </a:schemeClr>
+                      </a:solidFill>
+                      <a:prstDash val="solid"/>
+                      <a:round/>
+                      <a:headEnd type="none" w="med" len="med"/>
+                      <a:tailEnd type="none" w="med" len="med"/>
+                    </a:lnT>
+                    <a:lnB w="12700" cap="flat" cmpd="sng" algn="ctr">
+                      <a:solidFill>
+                        <a:schemeClr val="bg1">
+                          <a:lumMod val="95000"/>
+                        </a:schemeClr>
+                      </a:solidFill>
+                      <a:prstDash val="solid"/>
+                      <a:round/>
+                      <a:headEnd type="none" w="med" len="med"/>
+                      <a:tailEnd type="none" w="med" len="med"/>
+                    </a:lnB>
+                    <a:solidFill>
+                      <a:schemeClr val="tx1">
+                        <a:lumMod val="65000"/>
+                        <a:lumOff val="35000"/>
+                      </a:schemeClr>
+                    </a:solidFill>
+                  </a:tcPr>
+                </a:tc>
+                <a:extLst>
+                  <a:ext uri="{0D108BD9-81ED-4DB2-BD59-A6C34878D82A}">
+                    <a16:rowId xmlns:a16="http://schemas.microsoft.com/office/drawing/2014/main" val="2965694189"/>
+                  </a:ext>
+                </a:extLst>
+              </a:tr>
+              <a:tr h="4465521">
+                <a:tc>
+                  <a:txBody>
+                    <a:bodyPr/>
+                    <a:lstStyle/>
+                    <a:p>
+                      <a:endParaRPr lang="en-US" dirty="0"/>
+                    </a:p>
+                  </a:txBody>
+                  <a:tcPr>
+                    <a:lnL w="12700" cap="flat" cmpd="sng" algn="ctr">
+                      <a:solidFill>
+                        <a:schemeClr val="bg1">
+                          <a:lumMod val="95000"/>
+                        </a:schemeClr>
+                      </a:solidFill>
+                      <a:prstDash val="solid"/>
+                      <a:round/>
+                      <a:headEnd type="none" w="med" len="med"/>
+                      <a:tailEnd type="none" w="med" len="med"/>
+                    </a:lnL>
+                    <a:lnR w="12700" cap="flat" cmpd="sng" algn="ctr">
+                      <a:solidFill>
+                        <a:schemeClr val="bg1">
+                          <a:lumMod val="95000"/>
+                        </a:schemeClr>
+                      </a:solidFill>
+                      <a:prstDash val="solid"/>
+                      <a:round/>
+                      <a:headEnd type="none" w="med" len="med"/>
+                      <a:tailEnd type="none" w="med" len="med"/>
+                    </a:lnR>
+                    <a:lnT w="12700" cap="flat" cmpd="sng" algn="ctr">
+                      <a:solidFill>
+                        <a:schemeClr val="bg1">
+                          <a:lumMod val="95000"/>
+                        </a:schemeClr>
+                      </a:solidFill>
+                      <a:prstDash val="solid"/>
+                      <a:round/>
+                      <a:headEnd type="none" w="med" len="med"/>
+                      <a:tailEnd type="none" w="med" len="med"/>
+                    </a:lnT>
+                    <a:lnB w="12700" cap="flat" cmpd="sng" algn="ctr">
+                      <a:solidFill>
+                        <a:schemeClr val="bg1">
+                          <a:lumMod val="95000"/>
+                        </a:schemeClr>
+                      </a:solidFill>
+                      <a:prstDash val="solid"/>
+                      <a:round/>
+                      <a:headEnd type="none" w="med" len="med"/>
+                      <a:tailEnd type="none" w="med" len="med"/>
+                    </a:lnB>
+                    <a:solidFill>
+                      <a:schemeClr val="tx1">
+                        <a:lumMod val="65000"/>
+                        <a:lumOff val="35000"/>
+                      </a:schemeClr>
+                    </a:solidFill>
+                  </a:tcPr>
+                </a:tc>
+                <a:tc>
+                  <a:txBody>
+                    <a:bodyPr/>
+                    <a:lstStyle/>
+                    <a:p>
+                      <a:endParaRPr lang="en-US" dirty="0"/>
+                    </a:p>
+                  </a:txBody>
+                  <a:tcPr>
+                    <a:lnL w="12700" cap="flat" cmpd="sng" algn="ctr">
+                      <a:solidFill>
+                        <a:schemeClr val="bg1">
+                          <a:lumMod val="95000"/>
+                        </a:schemeClr>
+                      </a:solidFill>
+                      <a:prstDash val="solid"/>
+                      <a:round/>
+                      <a:headEnd type="none" w="med" len="med"/>
+                      <a:tailEnd type="none" w="med" len="med"/>
+                    </a:lnL>
+                    <a:lnR w="12700" cap="flat" cmpd="sng" algn="ctr">
+                      <a:solidFill>
+                        <a:schemeClr val="bg1">
+                          <a:lumMod val="95000"/>
+                        </a:schemeClr>
+                      </a:solidFill>
+                      <a:prstDash val="solid"/>
+                      <a:round/>
+                      <a:headEnd type="none" w="med" len="med"/>
+                      <a:tailEnd type="none" w="med" len="med"/>
+                    </a:lnR>
+                    <a:lnT w="12700" cap="flat" cmpd="sng" algn="ctr">
+                      <a:solidFill>
+                        <a:schemeClr val="bg1">
+                          <a:lumMod val="95000"/>
+                        </a:schemeClr>
+                      </a:solidFill>
+                      <a:prstDash val="solid"/>
+                      <a:round/>
+                      <a:headEnd type="none" w="med" len="med"/>
+                      <a:tailEnd type="none" w="med" len="med"/>
+                    </a:lnT>
+                    <a:lnB w="12700" cap="flat" cmpd="sng" algn="ctr">
+                      <a:solidFill>
+                        <a:schemeClr val="bg1">
+                          <a:lumMod val="95000"/>
+                        </a:schemeClr>
+                      </a:solidFill>
+                      <a:prstDash val="solid"/>
+                      <a:round/>
+                      <a:headEnd type="none" w="med" len="med"/>
+                      <a:tailEnd type="none" w="med" len="med"/>
+                    </a:lnB>
+                    <a:solidFill>
+                      <a:schemeClr val="tx1">
+                        <a:lumMod val="65000"/>
+                        <a:lumOff val="35000"/>
+                      </a:schemeClr>
+                    </a:solidFill>
+                  </a:tcPr>
+                </a:tc>
+                <a:tc>
+                  <a:txBody>
+                    <a:bodyPr/>
+                    <a:lstStyle/>
+                    <a:p>
+                      <a:endParaRPr lang="en-US" dirty="0"/>
+                    </a:p>
+                  </a:txBody>
+                  <a:tcPr>
+                    <a:lnL w="12700" cap="flat" cmpd="sng" algn="ctr">
+                      <a:solidFill>
+                        <a:schemeClr val="bg1">
+                          <a:lumMod val="95000"/>
+                        </a:schemeClr>
+                      </a:solidFill>
+                      <a:prstDash val="solid"/>
+                      <a:round/>
+                      <a:headEnd type="none" w="med" len="med"/>
+                      <a:tailEnd type="none" w="med" len="med"/>
+                    </a:lnL>
+                    <a:lnR w="12700" cap="flat" cmpd="sng" algn="ctr">
+                      <a:solidFill>
+                        <a:schemeClr val="bg1">
+                          <a:lumMod val="95000"/>
+                        </a:schemeClr>
+                      </a:solidFill>
+                      <a:prstDash val="solid"/>
+                      <a:round/>
+                      <a:headEnd type="none" w="med" len="med"/>
+                      <a:tailEnd type="none" w="med" len="med"/>
+                    </a:lnR>
+                    <a:lnT w="12700" cap="flat" cmpd="sng" algn="ctr">
+                      <a:solidFill>
+                        <a:schemeClr val="bg1">
+                          <a:lumMod val="95000"/>
+                        </a:schemeClr>
+                      </a:solidFill>
+                      <a:prstDash val="solid"/>
+                      <a:round/>
+                      <a:headEnd type="none" w="med" len="med"/>
+                      <a:tailEnd type="none" w="med" len="med"/>
+                    </a:lnT>
+                    <a:lnB w="12700" cap="flat" cmpd="sng" algn="ctr">
+                      <a:solidFill>
+                        <a:schemeClr val="bg1">
+                          <a:lumMod val="95000"/>
+                        </a:schemeClr>
+                      </a:solidFill>
+                      <a:prstDash val="solid"/>
+                      <a:round/>
+                      <a:headEnd type="none" w="med" len="med"/>
+                      <a:tailEnd type="none" w="med" len="med"/>
+                    </a:lnB>
+                    <a:solidFill>
+                      <a:schemeClr val="tx1">
+                        <a:lumMod val="65000"/>
+                        <a:lumOff val="35000"/>
+                      </a:schemeClr>
+                    </a:solidFill>
+                  </a:tcPr>
+                </a:tc>
+                <a:extLst>
+                  <a:ext uri="{0D108BD9-81ED-4DB2-BD59-A6C34878D82A}">
+                    <a16:rowId xmlns:a16="http://schemas.microsoft.com/office/drawing/2014/main" val="3713266130"/>
+                  </a:ext>
+                </a:extLst>
+              </a:tr>
+            </a:tbl>
+          </a:graphicData>
+        </a:graphic>
+      </p:graphicFrame>
+      <p:sp>
+        <p:nvSpPr>
+          <p:cNvPr id="23" name="Téglalap: lekerekített 22">
+            <a:extLst>
+              <a:ext uri="{FF2B5EF4-FFF2-40B4-BE49-F238E27FC236}">
+                <a16:creationId xmlns:a16="http://schemas.microsoft.com/office/drawing/2014/main" id="{70ED5300-9B4A-4BB6-9273-ABEDC433B150}"/>
+              </a:ext>
+            </a:extLst>
+          </p:cNvPr>
+          <p:cNvSpPr/>
+          <p:nvPr/>
+        </p:nvSpPr>
+        <p:spPr>
+          <a:xfrm>
+            <a:off x="295074" y="945716"/>
+            <a:ext cx="2929699" cy="635540"/>
+          </a:xfrm>
+          <a:prstGeom prst="roundRect">
+            <a:avLst/>
+          </a:prstGeom>
+          <a:solidFill>
+            <a:schemeClr val="tx1">
+              <a:lumMod val="65000"/>
+              <a:lumOff val="35000"/>
+            </a:schemeClr>
           </a:solidFill>
           <a:ln w="25400">
             <a:noFill/>
@@ -11057,67 +11343,34 @@
           <a:bodyPr rtlCol="0" anchor="ctr"/>
           <a:lstStyle/>
           <a:p>
-            <a:pPr algn="ctr"/>
-            <a:endParaRPr lang="en-US"/>
+            <a:r>
+              <a:rPr lang="hu-HU" sz="2400" dirty="0">
+                <a:solidFill>
+                  <a:schemeClr val="bg1">
+                    <a:lumMod val="95000"/>
+                  </a:schemeClr>
+                </a:solidFill>
+                <a:latin typeface="Consolas" panose="020B0609020204030204" pitchFamily="49" charset="0"/>
+              </a:rPr>
+              <a:t>Dátum módosítás</a:t>
+            </a:r>
+            <a:endParaRPr lang="en-US" sz="2400" dirty="0">
+              <a:solidFill>
+                <a:schemeClr val="bg1">
+                  <a:lumMod val="95000"/>
+                </a:schemeClr>
+              </a:solidFill>
+              <a:latin typeface="Consolas" panose="020B0609020204030204" pitchFamily="49" charset="0"/>
+            </a:endParaRPr>
           </a:p>
         </p:txBody>
       </p:sp>
       <p:sp>
         <p:nvSpPr>
-          <p:cNvPr id="5" name="Szövegdoboz 4">
+          <p:cNvPr id="24" name="Téglalap: lekerekített 23">
             <a:extLst>
               <a:ext uri="{FF2B5EF4-FFF2-40B4-BE49-F238E27FC236}">
-                <a16:creationId xmlns:a16="http://schemas.microsoft.com/office/drawing/2014/main" id="{4BB8EC08-8C2F-4ABA-9E8A-75D7E81C9A71}"/>
-              </a:ext>
-            </a:extLst>
-          </p:cNvPr>
-          <p:cNvSpPr txBox="1"/>
-          <p:nvPr/>
-        </p:nvSpPr>
-        <p:spPr>
-          <a:xfrm>
-            <a:off x="493981" y="135985"/>
-            <a:ext cx="869212" cy="369332"/>
-          </a:xfrm>
-          <a:prstGeom prst="rect">
-            <a:avLst/>
-          </a:prstGeom>
-          <a:noFill/>
-        </p:spPr>
-        <p:txBody>
-          <a:bodyPr wrap="none" rtlCol="0">
-            <a:spAutoFit/>
-          </a:bodyPr>
-          <a:lstStyle/>
-          <a:p>
-            <a:r>
-              <a:rPr lang="hu-HU" dirty="0">
-                <a:solidFill>
-                  <a:schemeClr val="tx1">
-                    <a:lumMod val="95000"/>
-                    <a:lumOff val="5000"/>
-                  </a:schemeClr>
-                </a:solidFill>
-              </a:rPr>
-              <a:t>Főoldal</a:t>
-            </a:r>
-            <a:endParaRPr lang="en-US" dirty="0">
-              <a:solidFill>
-                <a:schemeClr val="tx1">
-                  <a:lumMod val="95000"/>
-                  <a:lumOff val="5000"/>
-                </a:schemeClr>
-              </a:solidFill>
-            </a:endParaRPr>
-          </a:p>
-        </p:txBody>
-      </p:sp>
-      <p:sp>
-        <p:nvSpPr>
-          <p:cNvPr id="6" name="Téglalap: lekerekített 5">
-            <a:extLst>
-              <a:ext uri="{FF2B5EF4-FFF2-40B4-BE49-F238E27FC236}">
-                <a16:creationId xmlns:a16="http://schemas.microsoft.com/office/drawing/2014/main" id="{3FA26D5D-10B3-41E5-AD90-3795A2B29EA6}"/>
+                <a16:creationId xmlns:a16="http://schemas.microsoft.com/office/drawing/2014/main" id="{7DDD0EE9-5CC2-4D79-A44B-3A7D4B2DD4FA}"/>
               </a:ext>
             </a:extLst>
           </p:cNvPr>
@@ -11126,14 +11379,17 @@
         </p:nvSpPr>
         <p:spPr>
           <a:xfrm>
-            <a:off x="1761009" y="135985"/>
-            <a:ext cx="1267028" cy="378365"/>
+            <a:off x="295074" y="1737792"/>
+            <a:ext cx="2929699" cy="635540"/>
           </a:xfrm>
           <a:prstGeom prst="roundRect">
             <a:avLst/>
           </a:prstGeom>
           <a:solidFill>
-            <a:srgbClr val="CAC7C2"/>
+            <a:schemeClr val="tx1">
+              <a:lumMod val="65000"/>
+              <a:lumOff val="35000"/>
+            </a:schemeClr>
           </a:solidFill>
           <a:ln w="25400">
             <a:noFill/>
@@ -11159,2558 +11415,32 @@
           <a:bodyPr rtlCol="0" anchor="ctr"/>
           <a:lstStyle/>
           <a:p>
-            <a:pPr algn="ctr"/>
             <a:r>
-              <a:rPr lang="hu-HU" dirty="0">
+              <a:rPr lang="hu-HU" sz="2400" dirty="0">
                 <a:solidFill>
-                  <a:schemeClr val="tx1">
+                  <a:schemeClr val="bg1">
                     <a:lumMod val="95000"/>
-                    <a:lumOff val="5000"/>
                   </a:schemeClr>
                 </a:solidFill>
+                <a:latin typeface="Consolas" panose="020B0609020204030204" pitchFamily="49" charset="0"/>
               </a:rPr>
-              <a:t>Kereső</a:t>
+              <a:t>Korház váltás</a:t>
             </a:r>
-            <a:endParaRPr lang="en-US" dirty="0">
+            <a:endParaRPr lang="en-US" sz="2400" dirty="0">
               <a:solidFill>
-                <a:schemeClr val="tx1">
+                <a:schemeClr val="bg1">
                   <a:lumMod val="95000"/>
-                  <a:lumOff val="5000"/>
                 </a:schemeClr>
               </a:solidFill>
+              <a:latin typeface="Consolas" panose="020B0609020204030204" pitchFamily="49" charset="0"/>
             </a:endParaRPr>
           </a:p>
         </p:txBody>
       </p:sp>
-      <p:sp>
-        <p:nvSpPr>
-          <p:cNvPr id="7" name="Téglalap: lekerekített 6">
-            <a:extLst>
-              <a:ext uri="{FF2B5EF4-FFF2-40B4-BE49-F238E27FC236}">
-                <a16:creationId xmlns:a16="http://schemas.microsoft.com/office/drawing/2014/main" id="{1D2B0348-42C5-4CAC-ADE0-3D07B740285F}"/>
-              </a:ext>
-            </a:extLst>
-          </p:cNvPr>
-          <p:cNvSpPr/>
-          <p:nvPr/>
-        </p:nvSpPr>
-        <p:spPr>
-          <a:xfrm>
-            <a:off x="3226944" y="135985"/>
-            <a:ext cx="2183255" cy="378365"/>
-          </a:xfrm>
-          <a:prstGeom prst="roundRect">
-            <a:avLst/>
-          </a:prstGeom>
-          <a:solidFill>
-            <a:srgbClr val="CAC7C2"/>
-          </a:solidFill>
-          <a:ln w="25400">
-            <a:noFill/>
-          </a:ln>
-        </p:spPr>
-        <p:style>
-          <a:lnRef idx="2">
-            <a:schemeClr val="accent1">
-              <a:shade val="50000"/>
-            </a:schemeClr>
-          </a:lnRef>
-          <a:fillRef idx="1">
-            <a:schemeClr val="accent1"/>
-          </a:fillRef>
-          <a:effectRef idx="0">
-            <a:schemeClr val="accent1"/>
-          </a:effectRef>
-          <a:fontRef idx="minor">
-            <a:schemeClr val="lt1"/>
-          </a:fontRef>
-        </p:style>
-        <p:txBody>
-          <a:bodyPr rtlCol="0" anchor="ctr"/>
-          <a:lstStyle/>
-          <a:p>
-            <a:pPr algn="ctr"/>
-            <a:r>
-              <a:rPr lang="hu-HU" dirty="0">
-                <a:solidFill>
-                  <a:schemeClr val="tx1">
-                    <a:lumMod val="95000"/>
-                    <a:lumOff val="5000"/>
-                  </a:schemeClr>
-                </a:solidFill>
-              </a:rPr>
-              <a:t>Adatok</a:t>
-            </a:r>
-            <a:r>
-              <a:rPr lang="hu-HU" dirty="0">
-                <a:solidFill>
-                  <a:srgbClr val="4A515B"/>
-                </a:solidFill>
-              </a:rPr>
-              <a:t> </a:t>
-            </a:r>
-            <a:r>
-              <a:rPr lang="hu-HU" dirty="0">
-                <a:solidFill>
-                  <a:schemeClr val="tx1">
-                    <a:lumMod val="95000"/>
-                    <a:lumOff val="5000"/>
-                  </a:schemeClr>
-                </a:solidFill>
-              </a:rPr>
-              <a:t>módosítása</a:t>
-            </a:r>
-            <a:endParaRPr lang="en-US" dirty="0">
-              <a:solidFill>
-                <a:schemeClr val="tx1">
-                  <a:lumMod val="95000"/>
-                  <a:lumOff val="5000"/>
-                </a:schemeClr>
-              </a:solidFill>
-            </a:endParaRPr>
-          </a:p>
-        </p:txBody>
-      </p:sp>
-      <p:graphicFrame>
-        <p:nvGraphicFramePr>
-          <p:cNvPr id="8" name="Táblázat 8">
-            <a:extLst>
-              <a:ext uri="{FF2B5EF4-FFF2-40B4-BE49-F238E27FC236}">
-                <a16:creationId xmlns:a16="http://schemas.microsoft.com/office/drawing/2014/main" id="{E6D9C08C-1B35-4A85-BA52-5F7422548989}"/>
-              </a:ext>
-            </a:extLst>
-          </p:cNvPr>
-          <p:cNvGraphicFramePr>
-            <a:graphicFrameLocks noGrp="1"/>
-          </p:cNvGraphicFramePr>
-          <p:nvPr>
-            <p:extLst>
-              <p:ext uri="{D42A27DB-BD31-4B8C-83A1-F6EECF244321}">
-                <p14:modId xmlns:p14="http://schemas.microsoft.com/office/powerpoint/2010/main" val="2282261173"/>
-              </p:ext>
-            </p:extLst>
-          </p:nvPr>
-        </p:nvGraphicFramePr>
-        <p:xfrm>
-          <a:off x="343816" y="2169839"/>
-          <a:ext cx="1296922" cy="3504249"/>
-        </p:xfrm>
-        <a:graphic>
-          <a:graphicData uri="http://schemas.openxmlformats.org/drawingml/2006/table">
-            <a:tbl>
-              <a:tblPr firstRow="1" bandRow="1">
-                <a:tableStyleId>{5C22544A-7EE6-4342-B048-85BDC9FD1C3A}</a:tableStyleId>
-              </a:tblPr>
-              <a:tblGrid>
-                <a:gridCol w="674669">
-                  <a:extLst>
-                    <a:ext uri="{9D8B030D-6E8A-4147-A177-3AD203B41FA5}">
-                      <a16:colId xmlns:a16="http://schemas.microsoft.com/office/drawing/2014/main" val="4180460754"/>
-                    </a:ext>
-                  </a:extLst>
-                </a:gridCol>
-                <a:gridCol w="622253">
-                  <a:extLst>
-                    <a:ext uri="{9D8B030D-6E8A-4147-A177-3AD203B41FA5}">
-                      <a16:colId xmlns:a16="http://schemas.microsoft.com/office/drawing/2014/main" val="4019892239"/>
-                    </a:ext>
-                  </a:extLst>
-                </a:gridCol>
-              </a:tblGrid>
-              <a:tr h="389361">
-                <a:tc gridSpan="2">
-                  <a:txBody>
-                    <a:bodyPr/>
-                    <a:lstStyle/>
-                    <a:p>
-                      <a:pPr algn="ctr"/>
-                      <a:r>
-                        <a:rPr lang="hu-HU" dirty="0">
-                          <a:solidFill>
-                            <a:schemeClr val="tx1">
-                              <a:lumMod val="95000"/>
-                              <a:lumOff val="5000"/>
-                            </a:schemeClr>
-                          </a:solidFill>
-                        </a:rPr>
-                        <a:t>Vércsoport</a:t>
-                      </a:r>
-                      <a:endParaRPr lang="en-US" dirty="0">
-                        <a:solidFill>
-                          <a:schemeClr val="tx1">
-                            <a:lumMod val="95000"/>
-                            <a:lumOff val="5000"/>
-                          </a:schemeClr>
-                        </a:solidFill>
-                      </a:endParaRPr>
-                    </a:p>
-                  </a:txBody>
-                  <a:tcPr>
-                    <a:solidFill>
-                      <a:srgbClr val="CAC7C2"/>
-                    </a:solidFill>
-                  </a:tcPr>
-                </a:tc>
-                <a:tc hMerge="1">
-                  <a:txBody>
-                    <a:bodyPr/>
-                    <a:lstStyle/>
-                    <a:p>
-                      <a:endParaRPr lang="en-US" dirty="0"/>
-                    </a:p>
-                  </a:txBody>
-                  <a:tcPr>
-                    <a:noFill/>
-                  </a:tcPr>
-                </a:tc>
-                <a:extLst>
-                  <a:ext uri="{0D108BD9-81ED-4DB2-BD59-A6C34878D82A}">
-                    <a16:rowId xmlns:a16="http://schemas.microsoft.com/office/drawing/2014/main" val="3689152642"/>
-                  </a:ext>
-                </a:extLst>
-              </a:tr>
-              <a:tr h="389361">
-                <a:tc>
-                  <a:txBody>
-                    <a:bodyPr/>
-                    <a:lstStyle/>
-                    <a:p>
-                      <a:pPr algn="ctr"/>
-                      <a:r>
-                        <a:rPr lang="hu-HU" dirty="0">
-                          <a:solidFill>
-                            <a:schemeClr val="tx1">
-                              <a:lumMod val="95000"/>
-                              <a:lumOff val="5000"/>
-                            </a:schemeClr>
-                          </a:solidFill>
-                        </a:rPr>
-                        <a:t>+A</a:t>
-                      </a:r>
-                      <a:endParaRPr lang="en-US" dirty="0">
-                        <a:solidFill>
-                          <a:schemeClr val="tx1">
-                            <a:lumMod val="95000"/>
-                            <a:lumOff val="5000"/>
-                          </a:schemeClr>
-                        </a:solidFill>
-                      </a:endParaRPr>
-                    </a:p>
-                  </a:txBody>
-                  <a:tcPr>
-                    <a:solidFill>
-                      <a:srgbClr val="CAC7C2"/>
-                    </a:solidFill>
-                  </a:tcPr>
-                </a:tc>
-                <a:tc>
-                  <a:txBody>
-                    <a:bodyPr/>
-                    <a:lstStyle/>
-                    <a:p>
-                      <a:endParaRPr lang="en-US" dirty="0">
-                        <a:solidFill>
-                          <a:schemeClr val="tx1">
-                            <a:lumMod val="95000"/>
-                            <a:lumOff val="5000"/>
-                          </a:schemeClr>
-                        </a:solidFill>
-                      </a:endParaRPr>
-                    </a:p>
-                  </a:txBody>
-                  <a:tcPr>
-                    <a:solidFill>
-                      <a:srgbClr val="CAC7C2"/>
-                    </a:solidFill>
-                  </a:tcPr>
-                </a:tc>
-                <a:extLst>
-                  <a:ext uri="{0D108BD9-81ED-4DB2-BD59-A6C34878D82A}">
-                    <a16:rowId xmlns:a16="http://schemas.microsoft.com/office/drawing/2014/main" val="1349628443"/>
-                  </a:ext>
-                </a:extLst>
-              </a:tr>
-              <a:tr h="389361">
-                <a:tc>
-                  <a:txBody>
-                    <a:bodyPr/>
-                    <a:lstStyle/>
-                    <a:p>
-                      <a:pPr algn="ctr"/>
-                      <a:r>
-                        <a:rPr lang="hu-HU" dirty="0">
-                          <a:solidFill>
-                            <a:schemeClr val="tx1">
-                              <a:lumMod val="95000"/>
-                              <a:lumOff val="5000"/>
-                            </a:schemeClr>
-                          </a:solidFill>
-                        </a:rPr>
-                        <a:t>-A</a:t>
-                      </a:r>
-                      <a:endParaRPr lang="en-US" dirty="0">
-                        <a:solidFill>
-                          <a:schemeClr val="tx1">
-                            <a:lumMod val="95000"/>
-                            <a:lumOff val="5000"/>
-                          </a:schemeClr>
-                        </a:solidFill>
-                      </a:endParaRPr>
-                    </a:p>
-                  </a:txBody>
-                  <a:tcPr>
-                    <a:solidFill>
-                      <a:srgbClr val="CAC7C2"/>
-                    </a:solidFill>
-                  </a:tcPr>
-                </a:tc>
-                <a:tc>
-                  <a:txBody>
-                    <a:bodyPr/>
-                    <a:lstStyle/>
-                    <a:p>
-                      <a:endParaRPr lang="en-US" dirty="0">
-                        <a:solidFill>
-                          <a:schemeClr val="tx1">
-                            <a:lumMod val="95000"/>
-                            <a:lumOff val="5000"/>
-                          </a:schemeClr>
-                        </a:solidFill>
-                      </a:endParaRPr>
-                    </a:p>
-                  </a:txBody>
-                  <a:tcPr>
-                    <a:solidFill>
-                      <a:srgbClr val="CAC7C2"/>
-                    </a:solidFill>
-                  </a:tcPr>
-                </a:tc>
-                <a:extLst>
-                  <a:ext uri="{0D108BD9-81ED-4DB2-BD59-A6C34878D82A}">
-                    <a16:rowId xmlns:a16="http://schemas.microsoft.com/office/drawing/2014/main" val="770687947"/>
-                  </a:ext>
-                </a:extLst>
-              </a:tr>
-              <a:tr h="389361">
-                <a:tc>
-                  <a:txBody>
-                    <a:bodyPr/>
-                    <a:lstStyle/>
-                    <a:p>
-                      <a:pPr algn="ctr"/>
-                      <a:r>
-                        <a:rPr lang="hu-HU" dirty="0">
-                          <a:solidFill>
-                            <a:schemeClr val="tx1">
-                              <a:lumMod val="95000"/>
-                              <a:lumOff val="5000"/>
-                            </a:schemeClr>
-                          </a:solidFill>
-                        </a:rPr>
-                        <a:t>+B</a:t>
-                      </a:r>
-                      <a:endParaRPr lang="en-US" dirty="0">
-                        <a:solidFill>
-                          <a:schemeClr val="tx1">
-                            <a:lumMod val="95000"/>
-                            <a:lumOff val="5000"/>
-                          </a:schemeClr>
-                        </a:solidFill>
-                      </a:endParaRPr>
-                    </a:p>
-                  </a:txBody>
-                  <a:tcPr>
-                    <a:solidFill>
-                      <a:srgbClr val="CAC7C2"/>
-                    </a:solidFill>
-                  </a:tcPr>
-                </a:tc>
-                <a:tc>
-                  <a:txBody>
-                    <a:bodyPr/>
-                    <a:lstStyle/>
-                    <a:p>
-                      <a:endParaRPr lang="en-US" dirty="0">
-                        <a:solidFill>
-                          <a:schemeClr val="tx1">
-                            <a:lumMod val="95000"/>
-                            <a:lumOff val="5000"/>
-                          </a:schemeClr>
-                        </a:solidFill>
-                      </a:endParaRPr>
-                    </a:p>
-                  </a:txBody>
-                  <a:tcPr>
-                    <a:solidFill>
-                      <a:srgbClr val="CAC7C2"/>
-                    </a:solidFill>
-                  </a:tcPr>
-                </a:tc>
-                <a:extLst>
-                  <a:ext uri="{0D108BD9-81ED-4DB2-BD59-A6C34878D82A}">
-                    <a16:rowId xmlns:a16="http://schemas.microsoft.com/office/drawing/2014/main" val="2541124990"/>
-                  </a:ext>
-                </a:extLst>
-              </a:tr>
-              <a:tr h="389361">
-                <a:tc>
-                  <a:txBody>
-                    <a:bodyPr/>
-                    <a:lstStyle/>
-                    <a:p>
-                      <a:pPr algn="ctr"/>
-                      <a:r>
-                        <a:rPr lang="hu-HU" dirty="0">
-                          <a:solidFill>
-                            <a:schemeClr val="tx1">
-                              <a:lumMod val="95000"/>
-                              <a:lumOff val="5000"/>
-                            </a:schemeClr>
-                          </a:solidFill>
-                        </a:rPr>
-                        <a:t>-B</a:t>
-                      </a:r>
-                      <a:endParaRPr lang="en-US" dirty="0">
-                        <a:solidFill>
-                          <a:schemeClr val="tx1">
-                            <a:lumMod val="95000"/>
-                            <a:lumOff val="5000"/>
-                          </a:schemeClr>
-                        </a:solidFill>
-                      </a:endParaRPr>
-                    </a:p>
-                  </a:txBody>
-                  <a:tcPr>
-                    <a:solidFill>
-                      <a:srgbClr val="CAC7C2"/>
-                    </a:solidFill>
-                  </a:tcPr>
-                </a:tc>
-                <a:tc>
-                  <a:txBody>
-                    <a:bodyPr/>
-                    <a:lstStyle/>
-                    <a:p>
-                      <a:endParaRPr lang="en-US" dirty="0">
-                        <a:solidFill>
-                          <a:schemeClr val="tx1">
-                            <a:lumMod val="95000"/>
-                            <a:lumOff val="5000"/>
-                          </a:schemeClr>
-                        </a:solidFill>
-                      </a:endParaRPr>
-                    </a:p>
-                  </a:txBody>
-                  <a:tcPr>
-                    <a:solidFill>
-                      <a:srgbClr val="CAC7C2"/>
-                    </a:solidFill>
-                  </a:tcPr>
-                </a:tc>
-                <a:extLst>
-                  <a:ext uri="{0D108BD9-81ED-4DB2-BD59-A6C34878D82A}">
-                    <a16:rowId xmlns:a16="http://schemas.microsoft.com/office/drawing/2014/main" val="4195690778"/>
-                  </a:ext>
-                </a:extLst>
-              </a:tr>
-              <a:tr h="389361">
-                <a:tc>
-                  <a:txBody>
-                    <a:bodyPr/>
-                    <a:lstStyle/>
-                    <a:p>
-                      <a:pPr algn="ctr"/>
-                      <a:r>
-                        <a:rPr lang="hu-HU" dirty="0">
-                          <a:solidFill>
-                            <a:schemeClr val="tx1">
-                              <a:lumMod val="95000"/>
-                              <a:lumOff val="5000"/>
-                            </a:schemeClr>
-                          </a:solidFill>
-                        </a:rPr>
-                        <a:t>+AB</a:t>
-                      </a:r>
-                      <a:endParaRPr lang="en-US" dirty="0">
-                        <a:solidFill>
-                          <a:schemeClr val="tx1">
-                            <a:lumMod val="95000"/>
-                            <a:lumOff val="5000"/>
-                          </a:schemeClr>
-                        </a:solidFill>
-                      </a:endParaRPr>
-                    </a:p>
-                  </a:txBody>
-                  <a:tcPr>
-                    <a:solidFill>
-                      <a:srgbClr val="CAC7C2"/>
-                    </a:solidFill>
-                  </a:tcPr>
-                </a:tc>
-                <a:tc>
-                  <a:txBody>
-                    <a:bodyPr/>
-                    <a:lstStyle/>
-                    <a:p>
-                      <a:endParaRPr lang="en-US" dirty="0">
-                        <a:solidFill>
-                          <a:schemeClr val="tx1">
-                            <a:lumMod val="95000"/>
-                            <a:lumOff val="5000"/>
-                          </a:schemeClr>
-                        </a:solidFill>
-                      </a:endParaRPr>
-                    </a:p>
-                  </a:txBody>
-                  <a:tcPr>
-                    <a:solidFill>
-                      <a:srgbClr val="CAC7C2"/>
-                    </a:solidFill>
-                  </a:tcPr>
-                </a:tc>
-                <a:extLst>
-                  <a:ext uri="{0D108BD9-81ED-4DB2-BD59-A6C34878D82A}">
-                    <a16:rowId xmlns:a16="http://schemas.microsoft.com/office/drawing/2014/main" val="1196328856"/>
-                  </a:ext>
-                </a:extLst>
-              </a:tr>
-              <a:tr h="389361">
-                <a:tc>
-                  <a:txBody>
-                    <a:bodyPr/>
-                    <a:lstStyle/>
-                    <a:p>
-                      <a:pPr algn="ctr"/>
-                      <a:r>
-                        <a:rPr lang="hu-HU" dirty="0">
-                          <a:solidFill>
-                            <a:schemeClr val="tx1">
-                              <a:lumMod val="95000"/>
-                              <a:lumOff val="5000"/>
-                            </a:schemeClr>
-                          </a:solidFill>
-                        </a:rPr>
-                        <a:t>-AB</a:t>
-                      </a:r>
-                      <a:endParaRPr lang="en-US" dirty="0">
-                        <a:solidFill>
-                          <a:schemeClr val="tx1">
-                            <a:lumMod val="95000"/>
-                            <a:lumOff val="5000"/>
-                          </a:schemeClr>
-                        </a:solidFill>
-                      </a:endParaRPr>
-                    </a:p>
-                  </a:txBody>
-                  <a:tcPr>
-                    <a:solidFill>
-                      <a:srgbClr val="CAC7C2"/>
-                    </a:solidFill>
-                  </a:tcPr>
-                </a:tc>
-                <a:tc>
-                  <a:txBody>
-                    <a:bodyPr/>
-                    <a:lstStyle/>
-                    <a:p>
-                      <a:endParaRPr lang="en-US" dirty="0">
-                        <a:solidFill>
-                          <a:schemeClr val="tx1">
-                            <a:lumMod val="95000"/>
-                            <a:lumOff val="5000"/>
-                          </a:schemeClr>
-                        </a:solidFill>
-                      </a:endParaRPr>
-                    </a:p>
-                  </a:txBody>
-                  <a:tcPr>
-                    <a:solidFill>
-                      <a:srgbClr val="CAC7C2"/>
-                    </a:solidFill>
-                  </a:tcPr>
-                </a:tc>
-                <a:extLst>
-                  <a:ext uri="{0D108BD9-81ED-4DB2-BD59-A6C34878D82A}">
-                    <a16:rowId xmlns:a16="http://schemas.microsoft.com/office/drawing/2014/main" val="1974626940"/>
-                  </a:ext>
-                </a:extLst>
-              </a:tr>
-              <a:tr h="389361">
-                <a:tc>
-                  <a:txBody>
-                    <a:bodyPr/>
-                    <a:lstStyle/>
-                    <a:p>
-                      <a:pPr algn="ctr"/>
-                      <a:r>
-                        <a:rPr lang="hu-HU" dirty="0">
-                          <a:solidFill>
-                            <a:schemeClr val="tx1">
-                              <a:lumMod val="95000"/>
-                              <a:lumOff val="5000"/>
-                            </a:schemeClr>
-                          </a:solidFill>
-                        </a:rPr>
-                        <a:t>+0</a:t>
-                      </a:r>
-                      <a:endParaRPr lang="en-US" dirty="0">
-                        <a:solidFill>
-                          <a:schemeClr val="tx1">
-                            <a:lumMod val="95000"/>
-                            <a:lumOff val="5000"/>
-                          </a:schemeClr>
-                        </a:solidFill>
-                      </a:endParaRPr>
-                    </a:p>
-                  </a:txBody>
-                  <a:tcPr>
-                    <a:solidFill>
-                      <a:srgbClr val="CAC7C2"/>
-                    </a:solidFill>
-                  </a:tcPr>
-                </a:tc>
-                <a:tc>
-                  <a:txBody>
-                    <a:bodyPr/>
-                    <a:lstStyle/>
-                    <a:p>
-                      <a:endParaRPr lang="en-US" dirty="0">
-                        <a:solidFill>
-                          <a:schemeClr val="tx1">
-                            <a:lumMod val="95000"/>
-                            <a:lumOff val="5000"/>
-                          </a:schemeClr>
-                        </a:solidFill>
-                      </a:endParaRPr>
-                    </a:p>
-                  </a:txBody>
-                  <a:tcPr>
-                    <a:solidFill>
-                      <a:srgbClr val="CAC7C2"/>
-                    </a:solidFill>
-                  </a:tcPr>
-                </a:tc>
-                <a:extLst>
-                  <a:ext uri="{0D108BD9-81ED-4DB2-BD59-A6C34878D82A}">
-                    <a16:rowId xmlns:a16="http://schemas.microsoft.com/office/drawing/2014/main" val="3368592510"/>
-                  </a:ext>
-                </a:extLst>
-              </a:tr>
-              <a:tr h="389361">
-                <a:tc>
-                  <a:txBody>
-                    <a:bodyPr/>
-                    <a:lstStyle/>
-                    <a:p>
-                      <a:pPr algn="ctr"/>
-                      <a:r>
-                        <a:rPr lang="hu-HU" dirty="0">
-                          <a:solidFill>
-                            <a:schemeClr val="tx1">
-                              <a:lumMod val="95000"/>
-                              <a:lumOff val="5000"/>
-                            </a:schemeClr>
-                          </a:solidFill>
-                        </a:rPr>
-                        <a:t>-0</a:t>
-                      </a:r>
-                      <a:endParaRPr lang="en-US" dirty="0">
-                        <a:solidFill>
-                          <a:schemeClr val="tx1">
-                            <a:lumMod val="95000"/>
-                            <a:lumOff val="5000"/>
-                          </a:schemeClr>
-                        </a:solidFill>
-                      </a:endParaRPr>
-                    </a:p>
-                  </a:txBody>
-                  <a:tcPr>
-                    <a:solidFill>
-                      <a:srgbClr val="CAC7C2"/>
-                    </a:solidFill>
-                  </a:tcPr>
-                </a:tc>
-                <a:tc>
-                  <a:txBody>
-                    <a:bodyPr/>
-                    <a:lstStyle/>
-                    <a:p>
-                      <a:endParaRPr lang="en-US" dirty="0">
-                        <a:solidFill>
-                          <a:schemeClr val="tx1">
-                            <a:lumMod val="95000"/>
-                            <a:lumOff val="5000"/>
-                          </a:schemeClr>
-                        </a:solidFill>
-                      </a:endParaRPr>
-                    </a:p>
-                  </a:txBody>
-                  <a:tcPr>
-                    <a:solidFill>
-                      <a:srgbClr val="CAC7C2"/>
-                    </a:solidFill>
-                  </a:tcPr>
-                </a:tc>
-                <a:extLst>
-                  <a:ext uri="{0D108BD9-81ED-4DB2-BD59-A6C34878D82A}">
-                    <a16:rowId xmlns:a16="http://schemas.microsoft.com/office/drawing/2014/main" val="3058251045"/>
-                  </a:ext>
-                </a:extLst>
-              </a:tr>
-            </a:tbl>
-          </a:graphicData>
-        </a:graphic>
-      </p:graphicFrame>
-      <p:sp>
-        <p:nvSpPr>
-          <p:cNvPr id="13" name="Téglalap: lekerekített 12">
-            <a:extLst>
-              <a:ext uri="{FF2B5EF4-FFF2-40B4-BE49-F238E27FC236}">
-                <a16:creationId xmlns:a16="http://schemas.microsoft.com/office/drawing/2014/main" id="{18DC823B-4CD5-488A-8B8A-DA0C47EB6E20}"/>
-              </a:ext>
-            </a:extLst>
-          </p:cNvPr>
-          <p:cNvSpPr/>
-          <p:nvPr/>
-        </p:nvSpPr>
-        <p:spPr>
-          <a:xfrm>
-            <a:off x="290414" y="1265027"/>
-            <a:ext cx="3174445" cy="369332"/>
-          </a:xfrm>
-          <a:prstGeom prst="roundRect">
-            <a:avLst/>
-          </a:prstGeom>
-          <a:solidFill>
-            <a:srgbClr val="CAC7C2"/>
-          </a:solidFill>
-          <a:ln w="25400">
-            <a:noFill/>
-          </a:ln>
-        </p:spPr>
-        <p:style>
-          <a:lnRef idx="2">
-            <a:schemeClr val="accent1">
-              <a:shade val="50000"/>
-            </a:schemeClr>
-          </a:lnRef>
-          <a:fillRef idx="1">
-            <a:schemeClr val="accent1"/>
-          </a:fillRef>
-          <a:effectRef idx="0">
-            <a:schemeClr val="accent1"/>
-          </a:effectRef>
-          <a:fontRef idx="minor">
-            <a:schemeClr val="lt1"/>
-          </a:fontRef>
-        </p:style>
-        <p:txBody>
-          <a:bodyPr rtlCol="0" anchor="ctr"/>
-          <a:lstStyle/>
-          <a:p>
-            <a:pPr algn="ctr"/>
-            <a:endParaRPr lang="en-US"/>
-          </a:p>
-        </p:txBody>
-      </p:sp>
-      <p:sp>
-        <p:nvSpPr>
-          <p:cNvPr id="9" name="Szövegdoboz 8">
-            <a:extLst>
-              <a:ext uri="{FF2B5EF4-FFF2-40B4-BE49-F238E27FC236}">
-                <a16:creationId xmlns:a16="http://schemas.microsoft.com/office/drawing/2014/main" id="{7CDD9E99-0311-4D46-B107-D0B6A7C8AC3A}"/>
-              </a:ext>
-            </a:extLst>
-          </p:cNvPr>
-          <p:cNvSpPr txBox="1"/>
-          <p:nvPr/>
-        </p:nvSpPr>
-        <p:spPr>
-          <a:xfrm>
-            <a:off x="295073" y="1243185"/>
-            <a:ext cx="3287849" cy="369332"/>
-          </a:xfrm>
-          <a:prstGeom prst="rect">
-            <a:avLst/>
-          </a:prstGeom>
-          <a:noFill/>
-        </p:spPr>
-        <p:txBody>
-          <a:bodyPr wrap="square" rtlCol="0">
-            <a:spAutoFit/>
-          </a:bodyPr>
-          <a:lstStyle/>
-          <a:p>
-            <a:r>
-              <a:rPr lang="hu-HU" dirty="0">
-                <a:solidFill>
-                  <a:schemeClr val="tx1">
-                    <a:lumMod val="95000"/>
-                    <a:lumOff val="5000"/>
-                  </a:schemeClr>
-                </a:solidFill>
-              </a:rPr>
-              <a:t>Név/Azonosító:______________</a:t>
-            </a:r>
-            <a:endParaRPr lang="en-US" dirty="0">
-              <a:solidFill>
-                <a:schemeClr val="tx1">
-                  <a:lumMod val="95000"/>
-                  <a:lumOff val="5000"/>
-                </a:schemeClr>
-              </a:solidFill>
-            </a:endParaRPr>
-          </a:p>
-        </p:txBody>
-      </p:sp>
-      <p:graphicFrame>
-        <p:nvGraphicFramePr>
-          <p:cNvPr id="15" name="Táblázat 15">
-            <a:extLst>
-              <a:ext uri="{FF2B5EF4-FFF2-40B4-BE49-F238E27FC236}">
-                <a16:creationId xmlns:a16="http://schemas.microsoft.com/office/drawing/2014/main" id="{973F1419-B5A8-419A-AFA3-934D1EB0B318}"/>
-              </a:ext>
-            </a:extLst>
-          </p:cNvPr>
-          <p:cNvGraphicFramePr>
-            <a:graphicFrameLocks noGrp="1"/>
-          </p:cNvGraphicFramePr>
-          <p:nvPr>
-            <p:extLst>
-              <p:ext uri="{D42A27DB-BD31-4B8C-83A1-F6EECF244321}">
-                <p14:modId xmlns:p14="http://schemas.microsoft.com/office/powerpoint/2010/main" val="3209578805"/>
-              </p:ext>
-            </p:extLst>
-          </p:nvPr>
-        </p:nvGraphicFramePr>
-        <p:xfrm>
-          <a:off x="1843207" y="2160314"/>
-          <a:ext cx="1783778" cy="736600"/>
-        </p:xfrm>
-        <a:graphic>
-          <a:graphicData uri="http://schemas.openxmlformats.org/drawingml/2006/table">
-            <a:tbl>
-              <a:tblPr firstRow="1" bandRow="1">
-                <a:tableStyleId>{5C22544A-7EE6-4342-B048-85BDC9FD1C3A}</a:tableStyleId>
-              </a:tblPr>
-              <a:tblGrid>
-                <a:gridCol w="891889">
-                  <a:extLst>
-                    <a:ext uri="{9D8B030D-6E8A-4147-A177-3AD203B41FA5}">
-                      <a16:colId xmlns:a16="http://schemas.microsoft.com/office/drawing/2014/main" val="2819556351"/>
-                    </a:ext>
-                  </a:extLst>
-                </a:gridCol>
-                <a:gridCol w="891889">
-                  <a:extLst>
-                    <a:ext uri="{9D8B030D-6E8A-4147-A177-3AD203B41FA5}">
-                      <a16:colId xmlns:a16="http://schemas.microsoft.com/office/drawing/2014/main" val="1223631071"/>
-                    </a:ext>
-                  </a:extLst>
-                </a:gridCol>
-              </a:tblGrid>
-              <a:tr h="351666">
-                <a:tc gridSpan="2">
-                  <a:txBody>
-                    <a:bodyPr/>
-                    <a:lstStyle/>
-                    <a:p>
-                      <a:pPr algn="ctr"/>
-                      <a:r>
-                        <a:rPr lang="hu-HU" dirty="0">
-                          <a:solidFill>
-                            <a:schemeClr val="tx1">
-                              <a:lumMod val="95000"/>
-                              <a:lumOff val="5000"/>
-                            </a:schemeClr>
-                          </a:solidFill>
-                        </a:rPr>
-                        <a:t>Mennyiség</a:t>
-                      </a:r>
-                      <a:endParaRPr lang="en-US" dirty="0">
-                        <a:solidFill>
-                          <a:schemeClr val="tx1">
-                            <a:lumMod val="95000"/>
-                            <a:lumOff val="5000"/>
-                          </a:schemeClr>
-                        </a:solidFill>
-                      </a:endParaRPr>
-                    </a:p>
-                  </a:txBody>
-                  <a:tcPr>
-                    <a:solidFill>
-                      <a:srgbClr val="CAC7C2"/>
-                    </a:solidFill>
-                  </a:tcPr>
-                </a:tc>
-                <a:tc hMerge="1">
-                  <a:txBody>
-                    <a:bodyPr/>
-                    <a:lstStyle/>
-                    <a:p>
-                      <a:endParaRPr lang="en-US" dirty="0"/>
-                    </a:p>
-                  </a:txBody>
-                  <a:tcPr/>
-                </a:tc>
-                <a:extLst>
-                  <a:ext uri="{0D108BD9-81ED-4DB2-BD59-A6C34878D82A}">
-                    <a16:rowId xmlns:a16="http://schemas.microsoft.com/office/drawing/2014/main" val="3472378719"/>
-                  </a:ext>
-                </a:extLst>
-              </a:tr>
-              <a:tr h="370840">
-                <a:tc>
-                  <a:txBody>
-                    <a:bodyPr/>
-                    <a:lstStyle/>
-                    <a:p>
-                      <a:r>
-                        <a:rPr lang="hu-HU" dirty="0">
-                          <a:solidFill>
-                            <a:schemeClr val="tx1">
-                              <a:lumMod val="95000"/>
-                              <a:lumOff val="5000"/>
-                            </a:schemeClr>
-                          </a:solidFill>
-                        </a:rPr>
-                        <a:t>-</a:t>
-                      </a:r>
-                      <a:r>
-                        <a:rPr lang="hu-HU" dirty="0" err="1">
-                          <a:solidFill>
-                            <a:schemeClr val="tx1">
-                              <a:lumMod val="95000"/>
-                              <a:lumOff val="5000"/>
-                            </a:schemeClr>
-                          </a:solidFill>
-                        </a:rPr>
-                        <a:t>tól</a:t>
-                      </a:r>
-                      <a:endParaRPr lang="en-US" dirty="0">
-                        <a:solidFill>
-                          <a:schemeClr val="tx1">
-                            <a:lumMod val="95000"/>
-                            <a:lumOff val="5000"/>
-                          </a:schemeClr>
-                        </a:solidFill>
-                      </a:endParaRPr>
-                    </a:p>
-                  </a:txBody>
-                  <a:tcPr>
-                    <a:solidFill>
-                      <a:srgbClr val="CAC7C2"/>
-                    </a:solidFill>
-                  </a:tcPr>
-                </a:tc>
-                <a:tc>
-                  <a:txBody>
-                    <a:bodyPr/>
-                    <a:lstStyle/>
-                    <a:p>
-                      <a:r>
-                        <a:rPr lang="hu-HU" dirty="0">
-                          <a:solidFill>
-                            <a:schemeClr val="tx1">
-                              <a:lumMod val="95000"/>
-                              <a:lumOff val="5000"/>
-                            </a:schemeClr>
-                          </a:solidFill>
-                        </a:rPr>
-                        <a:t>-</a:t>
-                      </a:r>
-                      <a:r>
-                        <a:rPr lang="hu-HU" dirty="0" err="1">
-                          <a:solidFill>
-                            <a:schemeClr val="tx1">
-                              <a:lumMod val="95000"/>
-                              <a:lumOff val="5000"/>
-                            </a:schemeClr>
-                          </a:solidFill>
-                        </a:rPr>
-                        <a:t>ig</a:t>
-                      </a:r>
-                      <a:endParaRPr lang="en-US" dirty="0">
-                        <a:solidFill>
-                          <a:schemeClr val="tx1">
-                            <a:lumMod val="95000"/>
-                            <a:lumOff val="5000"/>
-                          </a:schemeClr>
-                        </a:solidFill>
-                      </a:endParaRPr>
-                    </a:p>
-                  </a:txBody>
-                  <a:tcPr>
-                    <a:solidFill>
-                      <a:srgbClr val="CAC7C2"/>
-                    </a:solidFill>
-                  </a:tcPr>
-                </a:tc>
-                <a:extLst>
-                  <a:ext uri="{0D108BD9-81ED-4DB2-BD59-A6C34878D82A}">
-                    <a16:rowId xmlns:a16="http://schemas.microsoft.com/office/drawing/2014/main" val="1465097003"/>
-                  </a:ext>
-                </a:extLst>
-              </a:tr>
-            </a:tbl>
-          </a:graphicData>
-        </a:graphic>
-      </p:graphicFrame>
-      <p:graphicFrame>
-        <p:nvGraphicFramePr>
-          <p:cNvPr id="18" name="Táblázat 18">
-            <a:extLst>
-              <a:ext uri="{FF2B5EF4-FFF2-40B4-BE49-F238E27FC236}">
-                <a16:creationId xmlns:a16="http://schemas.microsoft.com/office/drawing/2014/main" id="{C24809FB-2E53-479B-8E19-94C5F64066A7}"/>
-              </a:ext>
-            </a:extLst>
-          </p:cNvPr>
-          <p:cNvGraphicFramePr>
-            <a:graphicFrameLocks noGrp="1"/>
-          </p:cNvGraphicFramePr>
-          <p:nvPr>
-            <p:extLst>
-              <p:ext uri="{D42A27DB-BD31-4B8C-83A1-F6EECF244321}">
-                <p14:modId xmlns:p14="http://schemas.microsoft.com/office/powerpoint/2010/main" val="708981866"/>
-              </p:ext>
-            </p:extLst>
-          </p:nvPr>
-        </p:nvGraphicFramePr>
-        <p:xfrm>
-          <a:off x="3829455" y="1243185"/>
-          <a:ext cx="8172044" cy="4857166"/>
-        </p:xfrm>
-        <a:graphic>
-          <a:graphicData uri="http://schemas.openxmlformats.org/drawingml/2006/table">
-            <a:tbl>
-              <a:tblPr firstRow="1" bandRow="1">
-                <a:tableStyleId>{5C22544A-7EE6-4342-B048-85BDC9FD1C3A}</a:tableStyleId>
-              </a:tblPr>
-              <a:tblGrid>
-                <a:gridCol w="2043011">
-                  <a:extLst>
-                    <a:ext uri="{9D8B030D-6E8A-4147-A177-3AD203B41FA5}">
-                      <a16:colId xmlns:a16="http://schemas.microsoft.com/office/drawing/2014/main" val="3992867006"/>
-                    </a:ext>
-                  </a:extLst>
-                </a:gridCol>
-                <a:gridCol w="2043011">
-                  <a:extLst>
-                    <a:ext uri="{9D8B030D-6E8A-4147-A177-3AD203B41FA5}">
-                      <a16:colId xmlns:a16="http://schemas.microsoft.com/office/drawing/2014/main" val="2518501882"/>
-                    </a:ext>
-                  </a:extLst>
-                </a:gridCol>
-                <a:gridCol w="2043011">
-                  <a:extLst>
-                    <a:ext uri="{9D8B030D-6E8A-4147-A177-3AD203B41FA5}">
-                      <a16:colId xmlns:a16="http://schemas.microsoft.com/office/drawing/2014/main" val="1407021273"/>
-                    </a:ext>
-                  </a:extLst>
-                </a:gridCol>
-                <a:gridCol w="2043011">
-                  <a:extLst>
-                    <a:ext uri="{9D8B030D-6E8A-4147-A177-3AD203B41FA5}">
-                      <a16:colId xmlns:a16="http://schemas.microsoft.com/office/drawing/2014/main" val="3701620119"/>
-                    </a:ext>
-                  </a:extLst>
-                </a:gridCol>
-              </a:tblGrid>
-              <a:tr h="509415">
-                <a:tc>
-                  <a:txBody>
-                    <a:bodyPr/>
-                    <a:lstStyle/>
-                    <a:p>
-                      <a:pPr algn="ctr"/>
-                      <a:r>
-                        <a:rPr lang="hu-HU" dirty="0">
-                          <a:solidFill>
-                            <a:schemeClr val="tx1">
-                              <a:lumMod val="95000"/>
-                              <a:lumOff val="5000"/>
-                            </a:schemeClr>
-                          </a:solidFill>
-                        </a:rPr>
-                        <a:t>Név</a:t>
-                      </a:r>
-                      <a:endParaRPr lang="en-US" dirty="0">
-                        <a:solidFill>
-                          <a:schemeClr val="tx1">
-                            <a:lumMod val="95000"/>
-                            <a:lumOff val="5000"/>
-                          </a:schemeClr>
-                        </a:solidFill>
-                      </a:endParaRPr>
-                    </a:p>
-                  </a:txBody>
-                  <a:tcPr>
-                    <a:solidFill>
-                      <a:srgbClr val="CAC7C2"/>
-                    </a:solidFill>
-                  </a:tcPr>
-                </a:tc>
-                <a:tc>
-                  <a:txBody>
-                    <a:bodyPr/>
-                    <a:lstStyle/>
-                    <a:p>
-                      <a:pPr algn="ctr"/>
-                      <a:r>
-                        <a:rPr lang="hu-HU" dirty="0">
-                          <a:solidFill>
-                            <a:schemeClr val="tx1">
-                              <a:lumMod val="95000"/>
-                              <a:lumOff val="5000"/>
-                            </a:schemeClr>
-                          </a:solidFill>
-                        </a:rPr>
-                        <a:t>Azonosító</a:t>
-                      </a:r>
-                      <a:endParaRPr lang="en-US" dirty="0">
-                        <a:solidFill>
-                          <a:schemeClr val="tx1">
-                            <a:lumMod val="95000"/>
-                            <a:lumOff val="5000"/>
-                          </a:schemeClr>
-                        </a:solidFill>
-                      </a:endParaRPr>
-                    </a:p>
-                  </a:txBody>
-                  <a:tcPr>
-                    <a:solidFill>
-                      <a:srgbClr val="CAC7C2"/>
-                    </a:solidFill>
-                  </a:tcPr>
-                </a:tc>
-                <a:tc>
-                  <a:txBody>
-                    <a:bodyPr/>
-                    <a:lstStyle/>
-                    <a:p>
-                      <a:pPr algn="ctr"/>
-                      <a:r>
-                        <a:rPr lang="hu-HU" dirty="0">
-                          <a:solidFill>
-                            <a:schemeClr val="tx1">
-                              <a:lumMod val="95000"/>
-                              <a:lumOff val="5000"/>
-                            </a:schemeClr>
-                          </a:solidFill>
-                        </a:rPr>
-                        <a:t>Vércsoport</a:t>
-                      </a:r>
-                      <a:endParaRPr lang="en-US" dirty="0">
-                        <a:solidFill>
-                          <a:schemeClr val="tx1">
-                            <a:lumMod val="95000"/>
-                            <a:lumOff val="5000"/>
-                          </a:schemeClr>
-                        </a:solidFill>
-                      </a:endParaRPr>
-                    </a:p>
-                  </a:txBody>
-                  <a:tcPr>
-                    <a:solidFill>
-                      <a:srgbClr val="CAC7C2"/>
-                    </a:solidFill>
-                  </a:tcPr>
-                </a:tc>
-                <a:tc>
-                  <a:txBody>
-                    <a:bodyPr/>
-                    <a:lstStyle/>
-                    <a:p>
-                      <a:r>
-                        <a:rPr lang="hu-HU" dirty="0">
-                          <a:solidFill>
-                            <a:schemeClr val="tx1">
-                              <a:lumMod val="95000"/>
-                              <a:lumOff val="5000"/>
-                            </a:schemeClr>
-                          </a:solidFill>
-                        </a:rPr>
-                        <a:t>Mennyiség(ml)</a:t>
-                      </a:r>
-                      <a:endParaRPr lang="en-US" dirty="0">
-                        <a:solidFill>
-                          <a:schemeClr val="tx1">
-                            <a:lumMod val="95000"/>
-                            <a:lumOff val="5000"/>
-                          </a:schemeClr>
-                        </a:solidFill>
-                      </a:endParaRPr>
-                    </a:p>
-                  </a:txBody>
-                  <a:tcPr>
-                    <a:solidFill>
-                      <a:srgbClr val="CAC7C2"/>
-                    </a:solidFill>
-                  </a:tcPr>
-                </a:tc>
-                <a:extLst>
-                  <a:ext uri="{0D108BD9-81ED-4DB2-BD59-A6C34878D82A}">
-                    <a16:rowId xmlns:a16="http://schemas.microsoft.com/office/drawing/2014/main" val="2862538865"/>
-                  </a:ext>
-                </a:extLst>
-              </a:tr>
-              <a:tr h="4347751">
-                <a:tc>
-                  <a:txBody>
-                    <a:bodyPr/>
-                    <a:lstStyle/>
-                    <a:p>
-                      <a:endParaRPr lang="en-US" dirty="0"/>
-                    </a:p>
-                  </a:txBody>
-                  <a:tcPr>
-                    <a:solidFill>
-                      <a:srgbClr val="CAC7C2"/>
-                    </a:solidFill>
-                  </a:tcPr>
-                </a:tc>
-                <a:tc>
-                  <a:txBody>
-                    <a:bodyPr/>
-                    <a:lstStyle/>
-                    <a:p>
-                      <a:endParaRPr lang="en-US" dirty="0"/>
-                    </a:p>
-                  </a:txBody>
-                  <a:tcPr>
-                    <a:solidFill>
-                      <a:srgbClr val="CAC7C2"/>
-                    </a:solidFill>
-                  </a:tcPr>
-                </a:tc>
-                <a:tc>
-                  <a:txBody>
-                    <a:bodyPr/>
-                    <a:lstStyle/>
-                    <a:p>
-                      <a:endParaRPr lang="en-US" dirty="0"/>
-                    </a:p>
-                  </a:txBody>
-                  <a:tcPr>
-                    <a:solidFill>
-                      <a:srgbClr val="CAC7C2"/>
-                    </a:solidFill>
-                  </a:tcPr>
-                </a:tc>
-                <a:tc>
-                  <a:txBody>
-                    <a:bodyPr/>
-                    <a:lstStyle/>
-                    <a:p>
-                      <a:endParaRPr lang="en-US" dirty="0"/>
-                    </a:p>
-                  </a:txBody>
-                  <a:tcPr>
-                    <a:solidFill>
-                      <a:srgbClr val="CAC7C2"/>
-                    </a:solidFill>
-                  </a:tcPr>
-                </a:tc>
-                <a:extLst>
-                  <a:ext uri="{0D108BD9-81ED-4DB2-BD59-A6C34878D82A}">
-                    <a16:rowId xmlns:a16="http://schemas.microsoft.com/office/drawing/2014/main" val="3475373683"/>
-                  </a:ext>
-                </a:extLst>
-              </a:tr>
-            </a:tbl>
-          </a:graphicData>
-        </a:graphic>
-      </p:graphicFrame>
-      <p:sp>
-        <p:nvSpPr>
-          <p:cNvPr id="11" name="Téglalap 10">
-            <a:extLst>
-              <a:ext uri="{FF2B5EF4-FFF2-40B4-BE49-F238E27FC236}">
-                <a16:creationId xmlns:a16="http://schemas.microsoft.com/office/drawing/2014/main" id="{A9E00E3A-6F23-40BF-98C7-7C3F440D3D59}"/>
-              </a:ext>
-            </a:extLst>
-          </p:cNvPr>
-          <p:cNvSpPr/>
-          <p:nvPr/>
-        </p:nvSpPr>
-        <p:spPr>
-          <a:xfrm>
-            <a:off x="3427896" y="5770950"/>
-            <a:ext cx="323496" cy="323850"/>
-          </a:xfrm>
-          <a:prstGeom prst="rect">
-            <a:avLst/>
-          </a:prstGeom>
-          <a:noFill/>
-          <a:ln>
-            <a:solidFill>
-              <a:srgbClr val="CAC7C2"/>
-            </a:solidFill>
-          </a:ln>
-        </p:spPr>
-        <p:style>
-          <a:lnRef idx="2">
-            <a:schemeClr val="accent1">
-              <a:shade val="50000"/>
-            </a:schemeClr>
-          </a:lnRef>
-          <a:fillRef idx="1">
-            <a:schemeClr val="accent1"/>
-          </a:fillRef>
-          <a:effectRef idx="0">
-            <a:schemeClr val="accent1"/>
-          </a:effectRef>
-          <a:fontRef idx="minor">
-            <a:schemeClr val="lt1"/>
-          </a:fontRef>
-        </p:style>
-        <p:txBody>
-          <a:bodyPr rtlCol="0" anchor="ctr"/>
-          <a:lstStyle/>
-          <a:p>
-            <a:pPr algn="ctr"/>
-            <a:endParaRPr lang="en-US"/>
-          </a:p>
-        </p:txBody>
-      </p:sp>
-      <p:grpSp>
-        <p:nvGrpSpPr>
-          <p:cNvPr id="12" name="Csoportba foglalás 11">
-            <a:extLst>
-              <a:ext uri="{FF2B5EF4-FFF2-40B4-BE49-F238E27FC236}">
-                <a16:creationId xmlns:a16="http://schemas.microsoft.com/office/drawing/2014/main" id="{7D722161-BBD4-4198-A9C7-1088F7522020}"/>
-              </a:ext>
-            </a:extLst>
-          </p:cNvPr>
-          <p:cNvGrpSpPr/>
-          <p:nvPr/>
-        </p:nvGrpSpPr>
-        <p:grpSpPr>
-          <a:xfrm>
-            <a:off x="3485409" y="5833155"/>
-            <a:ext cx="218160" cy="200520"/>
-            <a:chOff x="3805148" y="6253118"/>
-            <a:chExt cx="218160" cy="200520"/>
-          </a:xfrm>
-        </p:grpSpPr>
-        <mc:AlternateContent xmlns:mc="http://schemas.openxmlformats.org/markup-compatibility/2006" xmlns:p14="http://schemas.microsoft.com/office/powerpoint/2010/main">
-          <mc:Choice Requires="p14">
-            <p:contentPart p14:bwMode="auto" r:id="rId2">
-              <p14:nvContentPartPr>
-                <p14:cNvPr id="14" name="Szabadkéz 13">
-                  <a:extLst>
-                    <a:ext uri="{FF2B5EF4-FFF2-40B4-BE49-F238E27FC236}">
-                      <a16:creationId xmlns:a16="http://schemas.microsoft.com/office/drawing/2014/main" id="{C67219F1-6EA9-4D0A-BE88-B808C86EA731}"/>
-                    </a:ext>
-                  </a:extLst>
-                </p14:cNvPr>
-                <p14:cNvContentPartPr/>
-                <p14:nvPr/>
-              </p14:nvContentPartPr>
-              <p14:xfrm>
-                <a:off x="3938708" y="6253118"/>
-                <a:ext cx="84600" cy="113040"/>
-              </p14:xfrm>
-            </p:contentPart>
-          </mc:Choice>
-          <mc:Fallback xmlns="">
-            <p:pic>
-              <p:nvPicPr>
-                <p:cNvPr id="14" name="Szabadkéz 13">
-                  <a:extLst>
-                    <a:ext uri="{FF2B5EF4-FFF2-40B4-BE49-F238E27FC236}">
-                      <a16:creationId xmlns:a16="http://schemas.microsoft.com/office/drawing/2014/main" id="{C67219F1-6EA9-4D0A-BE88-B808C86EA731}"/>
-                    </a:ext>
-                  </a:extLst>
-                </p:cNvPr>
-                <p:cNvPicPr/>
-                <p:nvPr/>
-              </p:nvPicPr>
-              <p:blipFill>
-                <a:blip r:embed="rId3"/>
-                <a:stretch>
-                  <a:fillRect/>
-                </a:stretch>
-              </p:blipFill>
-              <p:spPr>
-                <a:xfrm>
-                  <a:off x="3934388" y="6248798"/>
-                  <a:ext cx="93240" cy="121680"/>
-                </a:xfrm>
-                <a:prstGeom prst="rect">
-                  <a:avLst/>
-                </a:prstGeom>
-              </p:spPr>
-            </p:pic>
-          </mc:Fallback>
-        </mc:AlternateContent>
-        <mc:AlternateContent xmlns:mc="http://schemas.openxmlformats.org/markup-compatibility/2006" xmlns:p14="http://schemas.microsoft.com/office/powerpoint/2010/main">
-          <mc:Choice Requires="p14">
-            <p:contentPart p14:bwMode="auto" r:id="rId4">
-              <p14:nvContentPartPr>
-                <p14:cNvPr id="16" name="Szabadkéz 15">
-                  <a:extLst>
-                    <a:ext uri="{FF2B5EF4-FFF2-40B4-BE49-F238E27FC236}">
-                      <a16:creationId xmlns:a16="http://schemas.microsoft.com/office/drawing/2014/main" id="{0B732A7A-1EC9-40BE-B210-35683528B888}"/>
-                    </a:ext>
-                  </a:extLst>
-                </p14:cNvPr>
-                <p14:cNvContentPartPr/>
-                <p14:nvPr/>
-              </p14:nvContentPartPr>
-              <p14:xfrm>
-                <a:off x="3842588" y="6276158"/>
-                <a:ext cx="162720" cy="77040"/>
-              </p14:xfrm>
-            </p:contentPart>
-          </mc:Choice>
-          <mc:Fallback xmlns="">
-            <p:pic>
-              <p:nvPicPr>
-                <p:cNvPr id="16" name="Szabadkéz 15">
-                  <a:extLst>
-                    <a:ext uri="{FF2B5EF4-FFF2-40B4-BE49-F238E27FC236}">
-                      <a16:creationId xmlns:a16="http://schemas.microsoft.com/office/drawing/2014/main" id="{0B732A7A-1EC9-40BE-B210-35683528B888}"/>
-                    </a:ext>
-                  </a:extLst>
-                </p:cNvPr>
-                <p:cNvPicPr/>
-                <p:nvPr/>
-              </p:nvPicPr>
-              <p:blipFill>
-                <a:blip r:embed="rId5"/>
-                <a:stretch>
-                  <a:fillRect/>
-                </a:stretch>
-              </p:blipFill>
-              <p:spPr>
-                <a:xfrm>
-                  <a:off x="3838268" y="6271838"/>
-                  <a:ext cx="171360" cy="85680"/>
-                </a:xfrm>
-                <a:prstGeom prst="rect">
-                  <a:avLst/>
-                </a:prstGeom>
-              </p:spPr>
-            </p:pic>
-          </mc:Fallback>
-        </mc:AlternateContent>
-        <mc:AlternateContent xmlns:mc="http://schemas.openxmlformats.org/markup-compatibility/2006" xmlns:p14="http://schemas.microsoft.com/office/powerpoint/2010/main">
-          <mc:Choice Requires="p14">
-            <p:contentPart p14:bwMode="auto" r:id="rId6">
-              <p14:nvContentPartPr>
-                <p14:cNvPr id="17" name="Szabadkéz 16">
-                  <a:extLst>
-                    <a:ext uri="{FF2B5EF4-FFF2-40B4-BE49-F238E27FC236}">
-                      <a16:creationId xmlns:a16="http://schemas.microsoft.com/office/drawing/2014/main" id="{052A3C5A-FE11-4285-9E20-01766D26C497}"/>
-                    </a:ext>
-                  </a:extLst>
-                </p14:cNvPr>
-                <p14:cNvContentPartPr/>
-                <p14:nvPr/>
-              </p14:nvContentPartPr>
-              <p14:xfrm>
-                <a:off x="3805148" y="6343118"/>
-                <a:ext cx="72000" cy="86400"/>
-              </p14:xfrm>
-            </p:contentPart>
-          </mc:Choice>
-          <mc:Fallback xmlns="">
-            <p:pic>
-              <p:nvPicPr>
-                <p:cNvPr id="17" name="Szabadkéz 16">
-                  <a:extLst>
-                    <a:ext uri="{FF2B5EF4-FFF2-40B4-BE49-F238E27FC236}">
-                      <a16:creationId xmlns:a16="http://schemas.microsoft.com/office/drawing/2014/main" id="{052A3C5A-FE11-4285-9E20-01766D26C497}"/>
-                    </a:ext>
-                  </a:extLst>
-                </p:cNvPr>
-                <p:cNvPicPr/>
-                <p:nvPr/>
-              </p:nvPicPr>
-              <p:blipFill>
-                <a:blip r:embed="rId7"/>
-                <a:stretch>
-                  <a:fillRect/>
-                </a:stretch>
-              </p:blipFill>
-              <p:spPr>
-                <a:xfrm>
-                  <a:off x="3800828" y="6338798"/>
-                  <a:ext cx="80640" cy="95040"/>
-                </a:xfrm>
-                <a:prstGeom prst="rect">
-                  <a:avLst/>
-                </a:prstGeom>
-              </p:spPr>
-            </p:pic>
-          </mc:Fallback>
-        </mc:AlternateContent>
-        <mc:AlternateContent xmlns:mc="http://schemas.openxmlformats.org/markup-compatibility/2006" xmlns:p14="http://schemas.microsoft.com/office/powerpoint/2010/main">
-          <mc:Choice Requires="p14">
-            <p:contentPart p14:bwMode="auto" r:id="rId8">
-              <p14:nvContentPartPr>
-                <p14:cNvPr id="19" name="Szabadkéz 18">
-                  <a:extLst>
-                    <a:ext uri="{FF2B5EF4-FFF2-40B4-BE49-F238E27FC236}">
-                      <a16:creationId xmlns:a16="http://schemas.microsoft.com/office/drawing/2014/main" id="{1FCF701D-ADC5-4E13-8BD3-B2CCE05E51E8}"/>
-                    </a:ext>
-                  </a:extLst>
-                </p14:cNvPr>
-                <p14:cNvContentPartPr/>
-                <p14:nvPr/>
-              </p14:nvContentPartPr>
-              <p14:xfrm>
-                <a:off x="3819188" y="6352838"/>
-                <a:ext cx="173880" cy="100800"/>
-              </p14:xfrm>
-            </p:contentPart>
-          </mc:Choice>
-          <mc:Fallback xmlns="">
-            <p:pic>
-              <p:nvPicPr>
-                <p:cNvPr id="19" name="Szabadkéz 18">
-                  <a:extLst>
-                    <a:ext uri="{FF2B5EF4-FFF2-40B4-BE49-F238E27FC236}">
-                      <a16:creationId xmlns:a16="http://schemas.microsoft.com/office/drawing/2014/main" id="{1FCF701D-ADC5-4E13-8BD3-B2CCE05E51E8}"/>
-                    </a:ext>
-                  </a:extLst>
-                </p:cNvPr>
-                <p:cNvPicPr/>
-                <p:nvPr/>
-              </p:nvPicPr>
-              <p:blipFill>
-                <a:blip r:embed="rId9"/>
-                <a:stretch>
-                  <a:fillRect/>
-                </a:stretch>
-              </p:blipFill>
-              <p:spPr>
-                <a:xfrm>
-                  <a:off x="3814868" y="6348518"/>
-                  <a:ext cx="182520" cy="109440"/>
-                </a:xfrm>
-                <a:prstGeom prst="rect">
-                  <a:avLst/>
-                </a:prstGeom>
-              </p:spPr>
-            </p:pic>
-          </mc:Fallback>
-        </mc:AlternateContent>
-      </p:grpSp>
     </p:spTree>
     <p:extLst>
       <p:ext uri="{BB962C8B-B14F-4D97-AF65-F5344CB8AC3E}">
-        <p14:creationId xmlns:p14="http://schemas.microsoft.com/office/powerpoint/2010/main" val="964544848"/>
-      </p:ext>
-    </p:extLst>
-  </p:cSld>
-  <p:clrMapOvr>
-    <a:masterClrMapping/>
-  </p:clrMapOvr>
-</p:sld>
-</file>
-
-<file path=ppt/slides/slide5.xml><?xml version="1.0" encoding="utf-8"?>
-<p:sld xmlns:a="http://schemas.openxmlformats.org/drawingml/2006/main" xmlns:r="http://schemas.openxmlformats.org/officeDocument/2006/relationships" xmlns:p="http://schemas.openxmlformats.org/presentationml/2006/main">
-  <p:cSld>
-    <p:bg>
-      <p:bgPr>
-        <a:solidFill>
-          <a:schemeClr val="bg2">
-            <a:lumMod val="75000"/>
-          </a:schemeClr>
-        </a:solidFill>
-        <a:effectLst/>
-      </p:bgPr>
-    </p:bg>
-    <p:spTree>
-      <p:nvGrpSpPr>
-        <p:cNvPr id="1" name=""/>
-        <p:cNvGrpSpPr/>
-        <p:nvPr/>
-      </p:nvGrpSpPr>
-      <p:grpSpPr>
-        <a:xfrm>
-          <a:off x="0" y="0"/>
-          <a:ext cx="0" cy="0"/>
-          <a:chOff x="0" y="0"/>
-          <a:chExt cx="0" cy="0"/>
-        </a:xfrm>
-      </p:grpSpPr>
-      <p:sp>
-        <p:nvSpPr>
-          <p:cNvPr id="4" name="Téglalap: lekerekített 3">
-            <a:extLst>
-              <a:ext uri="{FF2B5EF4-FFF2-40B4-BE49-F238E27FC236}">
-                <a16:creationId xmlns:a16="http://schemas.microsoft.com/office/drawing/2014/main" id="{39182016-5379-4D63-A7C6-4ECA52EFB311}"/>
-              </a:ext>
-            </a:extLst>
-          </p:cNvPr>
-          <p:cNvSpPr/>
-          <p:nvPr/>
-        </p:nvSpPr>
-        <p:spPr>
-          <a:xfrm>
-            <a:off x="295073" y="135985"/>
-            <a:ext cx="1267028" cy="378365"/>
-          </a:xfrm>
-          <a:prstGeom prst="roundRect">
-            <a:avLst/>
-          </a:prstGeom>
-          <a:solidFill>
-            <a:srgbClr val="D9AE69"/>
-          </a:solidFill>
-          <a:ln w="25400">
-            <a:noFill/>
-          </a:ln>
-        </p:spPr>
-        <p:style>
-          <a:lnRef idx="2">
-            <a:schemeClr val="accent1">
-              <a:shade val="50000"/>
-            </a:schemeClr>
-          </a:lnRef>
-          <a:fillRef idx="1">
-            <a:schemeClr val="accent1"/>
-          </a:fillRef>
-          <a:effectRef idx="0">
-            <a:schemeClr val="accent1"/>
-          </a:effectRef>
-          <a:fontRef idx="minor">
-            <a:schemeClr val="lt1"/>
-          </a:fontRef>
-        </p:style>
-        <p:txBody>
-          <a:bodyPr rtlCol="0" anchor="ctr"/>
-          <a:lstStyle/>
-          <a:p>
-            <a:pPr algn="ctr"/>
-            <a:endParaRPr lang="en-US"/>
-          </a:p>
-        </p:txBody>
-      </p:sp>
-      <p:sp>
-        <p:nvSpPr>
-          <p:cNvPr id="5" name="Szövegdoboz 4">
-            <a:extLst>
-              <a:ext uri="{FF2B5EF4-FFF2-40B4-BE49-F238E27FC236}">
-                <a16:creationId xmlns:a16="http://schemas.microsoft.com/office/drawing/2014/main" id="{4BB8EC08-8C2F-4ABA-9E8A-75D7E81C9A71}"/>
-              </a:ext>
-            </a:extLst>
-          </p:cNvPr>
-          <p:cNvSpPr txBox="1"/>
-          <p:nvPr/>
-        </p:nvSpPr>
-        <p:spPr>
-          <a:xfrm>
-            <a:off x="493981" y="135985"/>
-            <a:ext cx="869212" cy="369332"/>
-          </a:xfrm>
-          <a:prstGeom prst="rect">
-            <a:avLst/>
-          </a:prstGeom>
-          <a:noFill/>
-        </p:spPr>
-        <p:txBody>
-          <a:bodyPr wrap="none" rtlCol="0">
-            <a:spAutoFit/>
-          </a:bodyPr>
-          <a:lstStyle/>
-          <a:p>
-            <a:r>
-              <a:rPr lang="hu-HU" dirty="0">
-                <a:solidFill>
-                  <a:srgbClr val="272320"/>
-                </a:solidFill>
-              </a:rPr>
-              <a:t>Főoldal</a:t>
-            </a:r>
-            <a:endParaRPr lang="en-US" dirty="0">
-              <a:solidFill>
-                <a:srgbClr val="272320"/>
-              </a:solidFill>
-            </a:endParaRPr>
-          </a:p>
-        </p:txBody>
-      </p:sp>
-      <p:sp>
-        <p:nvSpPr>
-          <p:cNvPr id="6" name="Téglalap: lekerekített 5">
-            <a:extLst>
-              <a:ext uri="{FF2B5EF4-FFF2-40B4-BE49-F238E27FC236}">
-                <a16:creationId xmlns:a16="http://schemas.microsoft.com/office/drawing/2014/main" id="{3FA26D5D-10B3-41E5-AD90-3795A2B29EA6}"/>
-              </a:ext>
-            </a:extLst>
-          </p:cNvPr>
-          <p:cNvSpPr/>
-          <p:nvPr/>
-        </p:nvSpPr>
-        <p:spPr>
-          <a:xfrm>
-            <a:off x="1761009" y="135985"/>
-            <a:ext cx="1267028" cy="378365"/>
-          </a:xfrm>
-          <a:prstGeom prst="roundRect">
-            <a:avLst/>
-          </a:prstGeom>
-          <a:solidFill>
-            <a:srgbClr val="D9AE69"/>
-          </a:solidFill>
-          <a:ln w="25400">
-            <a:noFill/>
-          </a:ln>
-        </p:spPr>
-        <p:style>
-          <a:lnRef idx="2">
-            <a:schemeClr val="accent1">
-              <a:shade val="50000"/>
-            </a:schemeClr>
-          </a:lnRef>
-          <a:fillRef idx="1">
-            <a:schemeClr val="accent1"/>
-          </a:fillRef>
-          <a:effectRef idx="0">
-            <a:schemeClr val="accent1"/>
-          </a:effectRef>
-          <a:fontRef idx="minor">
-            <a:schemeClr val="lt1"/>
-          </a:fontRef>
-        </p:style>
-        <p:txBody>
-          <a:bodyPr rtlCol="0" anchor="ctr"/>
-          <a:lstStyle/>
-          <a:p>
-            <a:pPr algn="ctr"/>
-            <a:r>
-              <a:rPr lang="hu-HU" dirty="0">
-                <a:solidFill>
-                  <a:srgbClr val="272320"/>
-                </a:solidFill>
-              </a:rPr>
-              <a:t>Kereső</a:t>
-            </a:r>
-            <a:endParaRPr lang="en-US" dirty="0">
-              <a:solidFill>
-                <a:srgbClr val="272320"/>
-              </a:solidFill>
-            </a:endParaRPr>
-          </a:p>
-        </p:txBody>
-      </p:sp>
-      <p:sp>
-        <p:nvSpPr>
-          <p:cNvPr id="7" name="Téglalap: lekerekített 6">
-            <a:extLst>
-              <a:ext uri="{FF2B5EF4-FFF2-40B4-BE49-F238E27FC236}">
-                <a16:creationId xmlns:a16="http://schemas.microsoft.com/office/drawing/2014/main" id="{1D2B0348-42C5-4CAC-ADE0-3D07B740285F}"/>
-              </a:ext>
-            </a:extLst>
-          </p:cNvPr>
-          <p:cNvSpPr/>
-          <p:nvPr/>
-        </p:nvSpPr>
-        <p:spPr>
-          <a:xfrm>
-            <a:off x="3226944" y="135985"/>
-            <a:ext cx="2183255" cy="378365"/>
-          </a:xfrm>
-          <a:prstGeom prst="roundRect">
-            <a:avLst/>
-          </a:prstGeom>
-          <a:solidFill>
-            <a:srgbClr val="D9AE69"/>
-          </a:solidFill>
-          <a:ln w="25400">
-            <a:noFill/>
-          </a:ln>
-        </p:spPr>
-        <p:style>
-          <a:lnRef idx="2">
-            <a:schemeClr val="accent1">
-              <a:shade val="50000"/>
-            </a:schemeClr>
-          </a:lnRef>
-          <a:fillRef idx="1">
-            <a:schemeClr val="accent1"/>
-          </a:fillRef>
-          <a:effectRef idx="0">
-            <a:schemeClr val="accent1"/>
-          </a:effectRef>
-          <a:fontRef idx="minor">
-            <a:schemeClr val="lt1"/>
-          </a:fontRef>
-        </p:style>
-        <p:txBody>
-          <a:bodyPr rtlCol="0" anchor="ctr"/>
-          <a:lstStyle/>
-          <a:p>
-            <a:pPr algn="ctr"/>
-            <a:r>
-              <a:rPr lang="hu-HU" dirty="0">
-                <a:solidFill>
-                  <a:srgbClr val="272320"/>
-                </a:solidFill>
-              </a:rPr>
-              <a:t>Adatok módosítása</a:t>
-            </a:r>
-            <a:endParaRPr lang="en-US" dirty="0">
-              <a:solidFill>
-                <a:srgbClr val="272320"/>
-              </a:solidFill>
-            </a:endParaRPr>
-          </a:p>
-        </p:txBody>
-      </p:sp>
-      <p:sp>
-        <p:nvSpPr>
-          <p:cNvPr id="16" name="Téglalap: lekerekített 15">
-            <a:extLst>
-              <a:ext uri="{FF2B5EF4-FFF2-40B4-BE49-F238E27FC236}">
-                <a16:creationId xmlns:a16="http://schemas.microsoft.com/office/drawing/2014/main" id="{4340C965-40EF-4382-B335-FC311427A6E6}"/>
-              </a:ext>
-            </a:extLst>
-          </p:cNvPr>
-          <p:cNvSpPr/>
-          <p:nvPr/>
-        </p:nvSpPr>
-        <p:spPr>
-          <a:xfrm>
-            <a:off x="456998" y="1993360"/>
-            <a:ext cx="2929699" cy="635540"/>
-          </a:xfrm>
-          <a:prstGeom prst="roundRect">
-            <a:avLst/>
-          </a:prstGeom>
-          <a:solidFill>
-            <a:srgbClr val="D9AE69"/>
-          </a:solidFill>
-          <a:ln w="25400">
-            <a:noFill/>
-          </a:ln>
-        </p:spPr>
-        <p:style>
-          <a:lnRef idx="2">
-            <a:schemeClr val="accent1">
-              <a:shade val="50000"/>
-            </a:schemeClr>
-          </a:lnRef>
-          <a:fillRef idx="1">
-            <a:schemeClr val="accent1"/>
-          </a:fillRef>
-          <a:effectRef idx="0">
-            <a:schemeClr val="accent1"/>
-          </a:effectRef>
-          <a:fontRef idx="minor">
-            <a:schemeClr val="lt1"/>
-          </a:fontRef>
-        </p:style>
-        <p:txBody>
-          <a:bodyPr rtlCol="0" anchor="ctr"/>
-          <a:lstStyle/>
-          <a:p>
-            <a:pPr algn="ctr"/>
-            <a:endParaRPr lang="en-US" dirty="0"/>
-          </a:p>
-        </p:txBody>
-      </p:sp>
-      <p:sp>
-        <p:nvSpPr>
-          <p:cNvPr id="17" name="Téglalap: lekerekített 16">
-            <a:extLst>
-              <a:ext uri="{FF2B5EF4-FFF2-40B4-BE49-F238E27FC236}">
-                <a16:creationId xmlns:a16="http://schemas.microsoft.com/office/drawing/2014/main" id="{273D806E-3D32-47C1-8F49-BC7C6D9B2621}"/>
-              </a:ext>
-            </a:extLst>
-          </p:cNvPr>
-          <p:cNvSpPr/>
-          <p:nvPr/>
-        </p:nvSpPr>
-        <p:spPr>
-          <a:xfrm>
-            <a:off x="447472" y="1109990"/>
-            <a:ext cx="2929699" cy="635540"/>
-          </a:xfrm>
-          <a:prstGeom prst="roundRect">
-            <a:avLst/>
-          </a:prstGeom>
-          <a:solidFill>
-            <a:srgbClr val="D9AE69"/>
-          </a:solidFill>
-          <a:ln w="25400">
-            <a:noFill/>
-          </a:ln>
-        </p:spPr>
-        <p:style>
-          <a:lnRef idx="2">
-            <a:schemeClr val="accent1">
-              <a:shade val="50000"/>
-            </a:schemeClr>
-          </a:lnRef>
-          <a:fillRef idx="1">
-            <a:schemeClr val="accent1"/>
-          </a:fillRef>
-          <a:effectRef idx="0">
-            <a:schemeClr val="accent1"/>
-          </a:effectRef>
-          <a:fontRef idx="minor">
-            <a:schemeClr val="lt1"/>
-          </a:fontRef>
-        </p:style>
-        <p:txBody>
-          <a:bodyPr rtlCol="0" anchor="ctr"/>
-          <a:lstStyle/>
-          <a:p>
-            <a:r>
-              <a:rPr lang="hu-HU" sz="2800" dirty="0">
-                <a:solidFill>
-                  <a:srgbClr val="272320"/>
-                </a:solidFill>
-              </a:rPr>
-              <a:t>Adat hozzáadása</a:t>
-            </a:r>
-            <a:endParaRPr lang="en-US" sz="2800" dirty="0">
-              <a:solidFill>
-                <a:srgbClr val="272320"/>
-              </a:solidFill>
-            </a:endParaRPr>
-          </a:p>
-        </p:txBody>
-      </p:sp>
-      <p:sp>
-        <p:nvSpPr>
-          <p:cNvPr id="19" name="Szövegdoboz 18">
-            <a:extLst>
-              <a:ext uri="{FF2B5EF4-FFF2-40B4-BE49-F238E27FC236}">
-                <a16:creationId xmlns:a16="http://schemas.microsoft.com/office/drawing/2014/main" id="{DB3466B2-8A61-4CA1-8A42-C406DFD170AF}"/>
-              </a:ext>
-            </a:extLst>
-          </p:cNvPr>
-          <p:cNvSpPr txBox="1"/>
-          <p:nvPr/>
-        </p:nvSpPr>
-        <p:spPr>
-          <a:xfrm>
-            <a:off x="456998" y="2059463"/>
-            <a:ext cx="2311082" cy="523220"/>
-          </a:xfrm>
-          <a:prstGeom prst="rect">
-            <a:avLst/>
-          </a:prstGeom>
-          <a:noFill/>
-        </p:spPr>
-        <p:txBody>
-          <a:bodyPr wrap="none" rtlCol="0">
-            <a:spAutoFit/>
-          </a:bodyPr>
-          <a:lstStyle/>
-          <a:p>
-            <a:r>
-              <a:rPr lang="hu-HU" sz="2800" dirty="0">
-                <a:solidFill>
-                  <a:srgbClr val="272320"/>
-                </a:solidFill>
-              </a:rPr>
-              <a:t>Adatok törlése</a:t>
-            </a:r>
-            <a:endParaRPr lang="en-US" sz="2800" dirty="0">
-              <a:solidFill>
-                <a:srgbClr val="272320"/>
-              </a:solidFill>
-            </a:endParaRPr>
-          </a:p>
-        </p:txBody>
-      </p:sp>
-      <p:sp>
-        <p:nvSpPr>
-          <p:cNvPr id="20" name="Téglalap: lekerekített 19">
-            <a:extLst>
-              <a:ext uri="{FF2B5EF4-FFF2-40B4-BE49-F238E27FC236}">
-                <a16:creationId xmlns:a16="http://schemas.microsoft.com/office/drawing/2014/main" id="{98226C1A-77D3-4473-8360-83B3102BDA77}"/>
-              </a:ext>
-            </a:extLst>
-          </p:cNvPr>
-          <p:cNvSpPr/>
-          <p:nvPr/>
-        </p:nvSpPr>
-        <p:spPr>
-          <a:xfrm>
-            <a:off x="447473" y="2876730"/>
-            <a:ext cx="2929699" cy="635540"/>
-          </a:xfrm>
-          <a:prstGeom prst="roundRect">
-            <a:avLst/>
-          </a:prstGeom>
-          <a:solidFill>
-            <a:srgbClr val="D9AE69"/>
-          </a:solidFill>
-          <a:ln w="25400">
-            <a:noFill/>
-          </a:ln>
-        </p:spPr>
-        <p:style>
-          <a:lnRef idx="2">
-            <a:schemeClr val="accent1">
-              <a:shade val="50000"/>
-            </a:schemeClr>
-          </a:lnRef>
-          <a:fillRef idx="1">
-            <a:schemeClr val="accent1"/>
-          </a:fillRef>
-          <a:effectRef idx="0">
-            <a:schemeClr val="accent1"/>
-          </a:effectRef>
-          <a:fontRef idx="minor">
-            <a:schemeClr val="lt1"/>
-          </a:fontRef>
-        </p:style>
-        <p:txBody>
-          <a:bodyPr rtlCol="0" anchor="ctr"/>
-          <a:lstStyle/>
-          <a:p>
-            <a:pPr algn="ctr"/>
-            <a:endParaRPr lang="en-US"/>
-          </a:p>
-        </p:txBody>
-      </p:sp>
-      <p:sp>
-        <p:nvSpPr>
-          <p:cNvPr id="21" name="Szövegdoboz 20">
-            <a:extLst>
-              <a:ext uri="{FF2B5EF4-FFF2-40B4-BE49-F238E27FC236}">
-                <a16:creationId xmlns:a16="http://schemas.microsoft.com/office/drawing/2014/main" id="{7F6A30B9-F1EB-47D9-B780-3EDA35A8015D}"/>
-              </a:ext>
-            </a:extLst>
-          </p:cNvPr>
-          <p:cNvSpPr txBox="1"/>
-          <p:nvPr/>
-        </p:nvSpPr>
-        <p:spPr>
-          <a:xfrm>
-            <a:off x="474018" y="2941605"/>
-            <a:ext cx="2978701" cy="523220"/>
-          </a:xfrm>
-          <a:prstGeom prst="rect">
-            <a:avLst/>
-          </a:prstGeom>
-          <a:noFill/>
-        </p:spPr>
-        <p:txBody>
-          <a:bodyPr wrap="none" rtlCol="0">
-            <a:spAutoFit/>
-          </a:bodyPr>
-          <a:lstStyle/>
-          <a:p>
-            <a:r>
-              <a:rPr lang="hu-HU" sz="2800" dirty="0">
-                <a:solidFill>
-                  <a:srgbClr val="272320"/>
-                </a:solidFill>
-              </a:rPr>
-              <a:t>Adatok módosítása</a:t>
-            </a:r>
-            <a:endParaRPr lang="en-US" sz="2800" dirty="0">
-              <a:solidFill>
-                <a:srgbClr val="272320"/>
-              </a:solidFill>
-            </a:endParaRPr>
-          </a:p>
-        </p:txBody>
-      </p:sp>
-      <p:graphicFrame>
-        <p:nvGraphicFramePr>
-          <p:cNvPr id="22" name="Táblázat 21">
-            <a:extLst>
-              <a:ext uri="{FF2B5EF4-FFF2-40B4-BE49-F238E27FC236}">
-                <a16:creationId xmlns:a16="http://schemas.microsoft.com/office/drawing/2014/main" id="{A9B7A5DE-225B-4DA4-BA31-AB932649E979}"/>
-              </a:ext>
-            </a:extLst>
-          </p:cNvPr>
-          <p:cNvGraphicFramePr>
-            <a:graphicFrameLocks noGrp="1"/>
-          </p:cNvGraphicFramePr>
-          <p:nvPr>
-            <p:extLst>
-              <p:ext uri="{D42A27DB-BD31-4B8C-83A1-F6EECF244321}">
-                <p14:modId xmlns:p14="http://schemas.microsoft.com/office/powerpoint/2010/main" val="3132277496"/>
-              </p:ext>
-            </p:extLst>
-          </p:nvPr>
-        </p:nvGraphicFramePr>
-        <p:xfrm>
-          <a:off x="3971925" y="866775"/>
-          <a:ext cx="7614607" cy="5662296"/>
-        </p:xfrm>
-        <a:graphic>
-          <a:graphicData uri="http://schemas.openxmlformats.org/drawingml/2006/table">
-            <a:tbl>
-              <a:tblPr firstRow="1" bandRow="1">
-                <a:tableStyleId>{5C22544A-7EE6-4342-B048-85BDC9FD1C3A}</a:tableStyleId>
-              </a:tblPr>
-              <a:tblGrid>
-                <a:gridCol w="1735370">
-                  <a:extLst>
-                    <a:ext uri="{9D8B030D-6E8A-4147-A177-3AD203B41FA5}">
-                      <a16:colId xmlns:a16="http://schemas.microsoft.com/office/drawing/2014/main" val="2895793715"/>
-                    </a:ext>
-                  </a:extLst>
-                </a:gridCol>
-                <a:gridCol w="1735370">
-                  <a:extLst>
-                    <a:ext uri="{9D8B030D-6E8A-4147-A177-3AD203B41FA5}">
-                      <a16:colId xmlns:a16="http://schemas.microsoft.com/office/drawing/2014/main" val="3489597023"/>
-                    </a:ext>
-                  </a:extLst>
-                </a:gridCol>
-                <a:gridCol w="1735370">
-                  <a:extLst>
-                    <a:ext uri="{9D8B030D-6E8A-4147-A177-3AD203B41FA5}">
-                      <a16:colId xmlns:a16="http://schemas.microsoft.com/office/drawing/2014/main" val="3813107546"/>
-                    </a:ext>
-                  </a:extLst>
-                </a:gridCol>
-                <a:gridCol w="1735370">
-                  <a:extLst>
-                    <a:ext uri="{9D8B030D-6E8A-4147-A177-3AD203B41FA5}">
-                      <a16:colId xmlns:a16="http://schemas.microsoft.com/office/drawing/2014/main" val="3321502561"/>
-                    </a:ext>
-                  </a:extLst>
-                </a:gridCol>
-                <a:gridCol w="673127">
-                  <a:extLst>
-                    <a:ext uri="{9D8B030D-6E8A-4147-A177-3AD203B41FA5}">
-                      <a16:colId xmlns:a16="http://schemas.microsoft.com/office/drawing/2014/main" val="1330780877"/>
-                    </a:ext>
-                  </a:extLst>
-                </a:gridCol>
-              </a:tblGrid>
-              <a:tr h="5662296">
-                <a:tc>
-                  <a:txBody>
-                    <a:bodyPr/>
-                    <a:lstStyle/>
-                    <a:p>
-                      <a:pPr algn="ctr"/>
-                      <a:r>
-                        <a:rPr lang="hu-HU" dirty="0">
-                          <a:solidFill>
-                            <a:srgbClr val="272320"/>
-                          </a:solidFill>
-                        </a:rPr>
-                        <a:t>Név</a:t>
-                      </a:r>
-                      <a:endParaRPr lang="en-US" dirty="0">
-                        <a:solidFill>
-                          <a:srgbClr val="272320"/>
-                        </a:solidFill>
-                      </a:endParaRPr>
-                    </a:p>
-                  </a:txBody>
-                  <a:tcPr>
-                    <a:solidFill>
-                      <a:srgbClr val="D9AE69"/>
-                    </a:solidFill>
-                  </a:tcPr>
-                </a:tc>
-                <a:tc>
-                  <a:txBody>
-                    <a:bodyPr/>
-                    <a:lstStyle/>
-                    <a:p>
-                      <a:pPr algn="ctr"/>
-                      <a:r>
-                        <a:rPr lang="hu-HU" dirty="0">
-                          <a:solidFill>
-                            <a:srgbClr val="272320"/>
-                          </a:solidFill>
-                        </a:rPr>
-                        <a:t>Azonosító</a:t>
-                      </a:r>
-                      <a:endParaRPr lang="en-US" dirty="0">
-                        <a:solidFill>
-                          <a:srgbClr val="272320"/>
-                        </a:solidFill>
-                      </a:endParaRPr>
-                    </a:p>
-                  </a:txBody>
-                  <a:tcPr>
-                    <a:solidFill>
-                      <a:srgbClr val="D9AE69"/>
-                    </a:solidFill>
-                  </a:tcPr>
-                </a:tc>
-                <a:tc>
-                  <a:txBody>
-                    <a:bodyPr/>
-                    <a:lstStyle/>
-                    <a:p>
-                      <a:pPr algn="ctr"/>
-                      <a:r>
-                        <a:rPr lang="hu-HU" dirty="0">
-                          <a:solidFill>
-                            <a:srgbClr val="272320"/>
-                          </a:solidFill>
-                        </a:rPr>
-                        <a:t>Vércsoport</a:t>
-                      </a:r>
-                      <a:endParaRPr lang="en-US" dirty="0">
-                        <a:solidFill>
-                          <a:srgbClr val="272320"/>
-                        </a:solidFill>
-                      </a:endParaRPr>
-                    </a:p>
-                  </a:txBody>
-                  <a:tcPr>
-                    <a:solidFill>
-                      <a:srgbClr val="D9AE69"/>
-                    </a:solidFill>
-                  </a:tcPr>
-                </a:tc>
-                <a:tc>
-                  <a:txBody>
-                    <a:bodyPr/>
-                    <a:lstStyle/>
-                    <a:p>
-                      <a:pPr algn="ctr"/>
-                      <a:r>
-                        <a:rPr lang="hu-HU" dirty="0">
-                          <a:solidFill>
-                            <a:srgbClr val="272320"/>
-                          </a:solidFill>
-                        </a:rPr>
-                        <a:t>Mennyiség(ml)</a:t>
-                      </a:r>
-                      <a:endParaRPr lang="en-US" dirty="0">
-                        <a:solidFill>
-                          <a:srgbClr val="272320"/>
-                        </a:solidFill>
-                      </a:endParaRPr>
-                    </a:p>
-                  </a:txBody>
-                  <a:tcPr>
-                    <a:solidFill>
-                      <a:srgbClr val="D9AE69"/>
-                    </a:solidFill>
-                  </a:tcPr>
-                </a:tc>
-                <a:tc>
-                  <a:txBody>
-                    <a:bodyPr/>
-                    <a:lstStyle/>
-                    <a:p>
-                      <a:pPr algn="ctr"/>
-                      <a:r>
-                        <a:rPr lang="hu-HU" sz="800" dirty="0">
-                          <a:solidFill>
-                            <a:schemeClr val="tx1"/>
-                          </a:solidFill>
-                        </a:rPr>
-                        <a:t>Kiválasztás</a:t>
-                      </a:r>
-                      <a:endParaRPr lang="en-US" sz="800" dirty="0">
-                        <a:solidFill>
-                          <a:schemeClr val="tx1"/>
-                        </a:solidFill>
-                      </a:endParaRPr>
-                    </a:p>
-                  </a:txBody>
-                  <a:tcPr>
-                    <a:solidFill>
-                      <a:srgbClr val="D9AE69"/>
-                    </a:solidFill>
-                  </a:tcPr>
-                </a:tc>
-                <a:extLst>
-                  <a:ext uri="{0D108BD9-81ED-4DB2-BD59-A6C34878D82A}">
-                    <a16:rowId xmlns:a16="http://schemas.microsoft.com/office/drawing/2014/main" val="2042489510"/>
-                  </a:ext>
-                </a:extLst>
-              </a:tr>
-            </a:tbl>
-          </a:graphicData>
-        </a:graphic>
-      </p:graphicFrame>
-      <p:sp>
-        <p:nvSpPr>
-          <p:cNvPr id="12" name="Téglalap 11">
-            <a:extLst>
-              <a:ext uri="{FF2B5EF4-FFF2-40B4-BE49-F238E27FC236}">
-                <a16:creationId xmlns:a16="http://schemas.microsoft.com/office/drawing/2014/main" id="{76F24861-6EAE-4D9E-B40E-F60A71946F21}"/>
-              </a:ext>
-            </a:extLst>
-          </p:cNvPr>
-          <p:cNvSpPr/>
-          <p:nvPr/>
-        </p:nvSpPr>
-        <p:spPr>
-          <a:xfrm>
-            <a:off x="3581576" y="6205221"/>
-            <a:ext cx="323496" cy="323850"/>
-          </a:xfrm>
-          <a:prstGeom prst="rect">
-            <a:avLst/>
-          </a:prstGeom>
-          <a:noFill/>
-          <a:ln>
-            <a:solidFill>
-              <a:srgbClr val="CAC7C2"/>
-            </a:solidFill>
-          </a:ln>
-        </p:spPr>
-        <p:style>
-          <a:lnRef idx="2">
-            <a:schemeClr val="accent1">
-              <a:shade val="50000"/>
-            </a:schemeClr>
-          </a:lnRef>
-          <a:fillRef idx="1">
-            <a:schemeClr val="accent1"/>
-          </a:fillRef>
-          <a:effectRef idx="0">
-            <a:schemeClr val="accent1"/>
-          </a:effectRef>
-          <a:fontRef idx="minor">
-            <a:schemeClr val="lt1"/>
-          </a:fontRef>
-        </p:style>
-        <p:txBody>
-          <a:bodyPr rtlCol="0" anchor="ctr"/>
-          <a:lstStyle/>
-          <a:p>
-            <a:pPr algn="ctr"/>
-            <a:endParaRPr lang="en-US"/>
-          </a:p>
-        </p:txBody>
-      </p:sp>
-      <p:grpSp>
-        <p:nvGrpSpPr>
-          <p:cNvPr id="13" name="Csoportba foglalás 12">
-            <a:extLst>
-              <a:ext uri="{FF2B5EF4-FFF2-40B4-BE49-F238E27FC236}">
-                <a16:creationId xmlns:a16="http://schemas.microsoft.com/office/drawing/2014/main" id="{0E279BE0-A1AC-46A3-AC6A-5648977A1AE2}"/>
-              </a:ext>
-            </a:extLst>
-          </p:cNvPr>
-          <p:cNvGrpSpPr/>
-          <p:nvPr/>
-        </p:nvGrpSpPr>
-        <p:grpSpPr>
-          <a:xfrm>
-            <a:off x="3633698" y="6261875"/>
-            <a:ext cx="218160" cy="200520"/>
-            <a:chOff x="3805148" y="6253118"/>
-            <a:chExt cx="218160" cy="200520"/>
-          </a:xfrm>
-        </p:grpSpPr>
-        <mc:AlternateContent xmlns:mc="http://schemas.openxmlformats.org/markup-compatibility/2006" xmlns:p14="http://schemas.microsoft.com/office/powerpoint/2010/main">
-          <mc:Choice Requires="p14">
-            <p:contentPart p14:bwMode="auto" r:id="rId2">
-              <p14:nvContentPartPr>
-                <p14:cNvPr id="14" name="Szabadkéz 13">
-                  <a:extLst>
-                    <a:ext uri="{FF2B5EF4-FFF2-40B4-BE49-F238E27FC236}">
-                      <a16:creationId xmlns:a16="http://schemas.microsoft.com/office/drawing/2014/main" id="{A94FB70D-E6BF-428E-B608-733EF337A06A}"/>
-                    </a:ext>
-                  </a:extLst>
-                </p14:cNvPr>
-                <p14:cNvContentPartPr/>
-                <p14:nvPr/>
-              </p14:nvContentPartPr>
-              <p14:xfrm>
-                <a:off x="3938708" y="6253118"/>
-                <a:ext cx="84600" cy="113040"/>
-              </p14:xfrm>
-            </p:contentPart>
-          </mc:Choice>
-          <mc:Fallback xmlns="">
-            <p:pic>
-              <p:nvPicPr>
-                <p:cNvPr id="14" name="Szabadkéz 13">
-                  <a:extLst>
-                    <a:ext uri="{FF2B5EF4-FFF2-40B4-BE49-F238E27FC236}">
-                      <a16:creationId xmlns:a16="http://schemas.microsoft.com/office/drawing/2014/main" id="{A94FB70D-E6BF-428E-B608-733EF337A06A}"/>
-                    </a:ext>
-                  </a:extLst>
-                </p:cNvPr>
-                <p:cNvPicPr/>
-                <p:nvPr/>
-              </p:nvPicPr>
-              <p:blipFill>
-                <a:blip r:embed="rId3"/>
-                <a:stretch>
-                  <a:fillRect/>
-                </a:stretch>
-              </p:blipFill>
-              <p:spPr>
-                <a:xfrm>
-                  <a:off x="3934388" y="6248798"/>
-                  <a:ext cx="93240" cy="121680"/>
-                </a:xfrm>
-                <a:prstGeom prst="rect">
-                  <a:avLst/>
-                </a:prstGeom>
-              </p:spPr>
-            </p:pic>
-          </mc:Fallback>
-        </mc:AlternateContent>
-        <mc:AlternateContent xmlns:mc="http://schemas.openxmlformats.org/markup-compatibility/2006" xmlns:p14="http://schemas.microsoft.com/office/powerpoint/2010/main">
-          <mc:Choice Requires="p14">
-            <p:contentPart p14:bwMode="auto" r:id="rId4">
-              <p14:nvContentPartPr>
-                <p14:cNvPr id="15" name="Szabadkéz 14">
-                  <a:extLst>
-                    <a:ext uri="{FF2B5EF4-FFF2-40B4-BE49-F238E27FC236}">
-                      <a16:creationId xmlns:a16="http://schemas.microsoft.com/office/drawing/2014/main" id="{B6EA3122-CC80-4A0D-B25B-4D475F7F4EE6}"/>
-                    </a:ext>
-                  </a:extLst>
-                </p14:cNvPr>
-                <p14:cNvContentPartPr/>
-                <p14:nvPr/>
-              </p14:nvContentPartPr>
-              <p14:xfrm>
-                <a:off x="3842588" y="6276158"/>
-                <a:ext cx="162720" cy="77040"/>
-              </p14:xfrm>
-            </p:contentPart>
-          </mc:Choice>
-          <mc:Fallback xmlns="">
-            <p:pic>
-              <p:nvPicPr>
-                <p:cNvPr id="15" name="Szabadkéz 14">
-                  <a:extLst>
-                    <a:ext uri="{FF2B5EF4-FFF2-40B4-BE49-F238E27FC236}">
-                      <a16:creationId xmlns:a16="http://schemas.microsoft.com/office/drawing/2014/main" id="{B6EA3122-CC80-4A0D-B25B-4D475F7F4EE6}"/>
-                    </a:ext>
-                  </a:extLst>
-                </p:cNvPr>
-                <p:cNvPicPr/>
-                <p:nvPr/>
-              </p:nvPicPr>
-              <p:blipFill>
-                <a:blip r:embed="rId5"/>
-                <a:stretch>
-                  <a:fillRect/>
-                </a:stretch>
-              </p:blipFill>
-              <p:spPr>
-                <a:xfrm>
-                  <a:off x="3838268" y="6271838"/>
-                  <a:ext cx="171360" cy="85680"/>
-                </a:xfrm>
-                <a:prstGeom prst="rect">
-                  <a:avLst/>
-                </a:prstGeom>
-              </p:spPr>
-            </p:pic>
-          </mc:Fallback>
-        </mc:AlternateContent>
-        <mc:AlternateContent xmlns:mc="http://schemas.openxmlformats.org/markup-compatibility/2006" xmlns:p14="http://schemas.microsoft.com/office/powerpoint/2010/main">
-          <mc:Choice Requires="p14">
-            <p:contentPart p14:bwMode="auto" r:id="rId6">
-              <p14:nvContentPartPr>
-                <p14:cNvPr id="18" name="Szabadkéz 17">
-                  <a:extLst>
-                    <a:ext uri="{FF2B5EF4-FFF2-40B4-BE49-F238E27FC236}">
-                      <a16:creationId xmlns:a16="http://schemas.microsoft.com/office/drawing/2014/main" id="{1F9D1BB7-3D8E-4F48-9D79-9D75A5474DAC}"/>
-                    </a:ext>
-                  </a:extLst>
-                </p14:cNvPr>
-                <p14:cNvContentPartPr/>
-                <p14:nvPr/>
-              </p14:nvContentPartPr>
-              <p14:xfrm>
-                <a:off x="3805148" y="6343118"/>
-                <a:ext cx="72000" cy="86400"/>
-              </p14:xfrm>
-            </p:contentPart>
-          </mc:Choice>
-          <mc:Fallback xmlns="">
-            <p:pic>
-              <p:nvPicPr>
-                <p:cNvPr id="18" name="Szabadkéz 17">
-                  <a:extLst>
-                    <a:ext uri="{FF2B5EF4-FFF2-40B4-BE49-F238E27FC236}">
-                      <a16:creationId xmlns:a16="http://schemas.microsoft.com/office/drawing/2014/main" id="{1F9D1BB7-3D8E-4F48-9D79-9D75A5474DAC}"/>
-                    </a:ext>
-                  </a:extLst>
-                </p:cNvPr>
-                <p:cNvPicPr/>
-                <p:nvPr/>
-              </p:nvPicPr>
-              <p:blipFill>
-                <a:blip r:embed="rId7"/>
-                <a:stretch>
-                  <a:fillRect/>
-                </a:stretch>
-              </p:blipFill>
-              <p:spPr>
-                <a:xfrm>
-                  <a:off x="3800828" y="6338798"/>
-                  <a:ext cx="80640" cy="95040"/>
-                </a:xfrm>
-                <a:prstGeom prst="rect">
-                  <a:avLst/>
-                </a:prstGeom>
-              </p:spPr>
-            </p:pic>
-          </mc:Fallback>
-        </mc:AlternateContent>
-        <mc:AlternateContent xmlns:mc="http://schemas.openxmlformats.org/markup-compatibility/2006" xmlns:p14="http://schemas.microsoft.com/office/powerpoint/2010/main">
-          <mc:Choice Requires="p14">
-            <p:contentPart p14:bwMode="auto" r:id="rId8">
-              <p14:nvContentPartPr>
-                <p14:cNvPr id="23" name="Szabadkéz 22">
-                  <a:extLst>
-                    <a:ext uri="{FF2B5EF4-FFF2-40B4-BE49-F238E27FC236}">
-                      <a16:creationId xmlns:a16="http://schemas.microsoft.com/office/drawing/2014/main" id="{0FB64761-509C-4AD6-AB5B-9EAEC67A5047}"/>
-                    </a:ext>
-                  </a:extLst>
-                </p14:cNvPr>
-                <p14:cNvContentPartPr/>
-                <p14:nvPr/>
-              </p14:nvContentPartPr>
-              <p14:xfrm>
-                <a:off x="3819188" y="6352838"/>
-                <a:ext cx="173880" cy="100800"/>
-              </p14:xfrm>
-            </p:contentPart>
-          </mc:Choice>
-          <mc:Fallback xmlns="">
-            <p:pic>
-              <p:nvPicPr>
-                <p:cNvPr id="23" name="Szabadkéz 22">
-                  <a:extLst>
-                    <a:ext uri="{FF2B5EF4-FFF2-40B4-BE49-F238E27FC236}">
-                      <a16:creationId xmlns:a16="http://schemas.microsoft.com/office/drawing/2014/main" id="{0FB64761-509C-4AD6-AB5B-9EAEC67A5047}"/>
-                    </a:ext>
-                  </a:extLst>
-                </p:cNvPr>
-                <p:cNvPicPr/>
-                <p:nvPr/>
-              </p:nvPicPr>
-              <p:blipFill>
-                <a:blip r:embed="rId9"/>
-                <a:stretch>
-                  <a:fillRect/>
-                </a:stretch>
-              </p:blipFill>
-              <p:spPr>
-                <a:xfrm>
-                  <a:off x="3814868" y="6348518"/>
-                  <a:ext cx="182520" cy="109440"/>
-                </a:xfrm>
-                <a:prstGeom prst="rect">
-                  <a:avLst/>
-                </a:prstGeom>
-              </p:spPr>
-            </p:pic>
-          </mc:Fallback>
-        </mc:AlternateContent>
-      </p:grpSp>
-    </p:spTree>
-    <p:extLst>
-      <p:ext uri="{BB962C8B-B14F-4D97-AF65-F5344CB8AC3E}">
-        <p14:creationId xmlns:p14="http://schemas.microsoft.com/office/powerpoint/2010/main" val="1267143403"/>
+        <p14:creationId xmlns:p14="http://schemas.microsoft.com/office/powerpoint/2010/main" val="2343647481"/>
       </p:ext>
     </p:extLst>
   </p:cSld>

--- a/Minta/szinosszeallitasok.pptx
+++ b/Minta/szinosszeallitasok.pptx
@@ -8,7 +8,8 @@
     <p:sldId id="261" r:id="rId2"/>
     <p:sldId id="262" r:id="rId3"/>
     <p:sldId id="263" r:id="rId4"/>
-    <p:sldId id="264" r:id="rId5"/>
+    <p:sldId id="259" r:id="rId5"/>
+    <p:sldId id="260" r:id="rId6"/>
   </p:sldIdLst>
   <p:sldSz cx="12192000" cy="6858000"/>
   <p:notesSz cx="6858000" cy="9144000"/>
@@ -159,6 +160,117 @@
           <inkml:channelProperty channel="F" name="resolution" value="0" units="1/dev"/>
         </inkml:channelProperties>
       </inkml:inkSource>
+      <inkml:timestamp xml:id="ts0" timeString="2022-03-20T13:24:36.446"/>
+    </inkml:context>
+    <inkml:brush xml:id="br0">
+      <inkml:brushProperty name="width" value="0.025" units="cm"/>
+      <inkml:brushProperty name="height" value="0.025" units="cm"/>
+    </inkml:brush>
+  </inkml:definitions>
+  <inkml:trace contextRef="#ctx0" brushRef="#br0">1 1 24575,'1'6'0,"0"1"0,0 0 0,1 0 0,1-1 0,-1 1 0,1-1 0,0 0 0,0 1 0,0-1 0,1-1 0,5 7 0,51 60 0,-59-71 0,8 10 0,0 0 0,1-1 0,0-1 0,1 0 0,0 0 0,1-1 0,-1 0 0,1-1 0,1 0 0,-1-1 0,1-1 0,0 0 0,1-1 0,-1 0 0,1-1 0,0 0 0,-1-1 0,21 0 0,-18-2-111,48-5 356,-60 4-345,0 0 0,0 0 0,-1 0 0,1-1 0,-1 0 0,1 0 0,-1 0 0,0 0 1,1 0-1,-1-1 0,0 1 0,-1-1 0,1 0 0,3-4 0,-1 0-6726</inkml:trace>
+</inkml:ink>
+</file>
+
+<file path=ppt/ink/ink11.xml><?xml version="1.0" encoding="utf-8"?>
+<inkml:ink xmlns:inkml="http://www.w3.org/2003/InkML">
+  <inkml:definitions>
+    <inkml:context xml:id="ctx0">
+      <inkml:inkSource xml:id="inkSrc0">
+        <inkml:traceFormat>
+          <inkml:channel name="X" type="integer" min="-2.14748E9" max="2.14748E9" units="cm"/>
+          <inkml:channel name="Y" type="integer" min="-2.14748E9" max="2.14748E9" units="cm"/>
+          <inkml:channel name="F" type="integer" max="32767" units="dev"/>
+        </inkml:traceFormat>
+        <inkml:channelProperties>
+          <inkml:channelProperty channel="X" name="resolution" value="1000" units="1/cm"/>
+          <inkml:channelProperty channel="Y" name="resolution" value="1000" units="1/cm"/>
+          <inkml:channelProperty channel="F" name="resolution" value="0" units="1/dev"/>
+        </inkml:channelProperties>
+      </inkml:inkSource>
+      <inkml:timestamp xml:id="ts0" timeString="2022-03-20T13:20:05.416"/>
+    </inkml:context>
+    <inkml:brush xml:id="br0">
+      <inkml:brushProperty name="width" value="0.025" units="cm"/>
+      <inkml:brushProperty name="height" value="0.025" units="cm"/>
+      <inkml:brushProperty name="color" value="#E71224"/>
+    </inkml:brush>
+  </inkml:definitions>
+  <inkml:trace contextRef="#ctx0" brushRef="#br0">0 1 24575,'0'0'-8191</inkml:trace>
+</inkml:ink>
+</file>
+
+<file path=ppt/ink/ink12.xml><?xml version="1.0" encoding="utf-8"?>
+<inkml:ink xmlns:inkml="http://www.w3.org/2003/InkML">
+  <inkml:definitions>
+    <inkml:context xml:id="ctx0">
+      <inkml:inkSource xml:id="inkSrc0">
+        <inkml:traceFormat>
+          <inkml:channel name="X" type="integer" min="-2.14748E9" max="2.14748E9" units="cm"/>
+          <inkml:channel name="Y" type="integer" min="-2.14748E9" max="2.14748E9" units="cm"/>
+          <inkml:channel name="F" type="integer" max="32767" units="dev"/>
+        </inkml:traceFormat>
+        <inkml:channelProperties>
+          <inkml:channelProperty channel="X" name="resolution" value="1000" units="1/cm"/>
+          <inkml:channelProperty channel="Y" name="resolution" value="1000" units="1/cm"/>
+          <inkml:channelProperty channel="F" name="resolution" value="0" units="1/dev"/>
+        </inkml:channelProperties>
+      </inkml:inkSource>
+      <inkml:timestamp xml:id="ts0" timeString="2022-03-20T13:20:06.176"/>
+    </inkml:context>
+    <inkml:brush xml:id="br0">
+      <inkml:brushProperty name="width" value="0.025" units="cm"/>
+      <inkml:brushProperty name="height" value="0.025" units="cm"/>
+      <inkml:brushProperty name="color" value="#E71224"/>
+    </inkml:brush>
+  </inkml:definitions>
+  <inkml:trace contextRef="#ctx0" brushRef="#br0">0 1 24575,'0'0'-8191</inkml:trace>
+</inkml:ink>
+</file>
+
+<file path=ppt/ink/ink13.xml><?xml version="1.0" encoding="utf-8"?>
+<inkml:ink xmlns:inkml="http://www.w3.org/2003/InkML">
+  <inkml:definitions>
+    <inkml:context xml:id="ctx0">
+      <inkml:inkSource xml:id="inkSrc0">
+        <inkml:traceFormat>
+          <inkml:channel name="X" type="integer" min="-2.14748E9" max="2.14748E9" units="cm"/>
+          <inkml:channel name="Y" type="integer" min="-2.14748E9" max="2.14748E9" units="cm"/>
+          <inkml:channel name="F" type="integer" max="32767" units="dev"/>
+        </inkml:traceFormat>
+        <inkml:channelProperties>
+          <inkml:channelProperty channel="X" name="resolution" value="1000" units="1/cm"/>
+          <inkml:channelProperty channel="Y" name="resolution" value="1000" units="1/cm"/>
+          <inkml:channelProperty channel="F" name="resolution" value="0" units="1/dev"/>
+        </inkml:channelProperties>
+      </inkml:inkSource>
+      <inkml:timestamp xml:id="ts0" timeString="2022-03-20T13:20:08.369"/>
+    </inkml:context>
+    <inkml:brush xml:id="br0">
+      <inkml:brushProperty name="width" value="0.025" units="cm"/>
+      <inkml:brushProperty name="height" value="0.025" units="cm"/>
+      <inkml:brushProperty name="color" value="#E71224"/>
+    </inkml:brush>
+  </inkml:definitions>
+  <inkml:trace contextRef="#ctx0" brushRef="#br0">1 1 24575,'0'0'-8191</inkml:trace>
+</inkml:ink>
+</file>
+
+<file path=ppt/ink/ink14.xml><?xml version="1.0" encoding="utf-8"?>
+<inkml:ink xmlns:inkml="http://www.w3.org/2003/InkML">
+  <inkml:definitions>
+    <inkml:context xml:id="ctx0">
+      <inkml:inkSource xml:id="inkSrc0">
+        <inkml:traceFormat>
+          <inkml:channel name="X" type="integer" min="-2.14748E9" max="2.14748E9" units="cm"/>
+          <inkml:channel name="Y" type="integer" min="-2.14748E9" max="2.14748E9" units="cm"/>
+          <inkml:channel name="F" type="integer" max="32767" units="dev"/>
+        </inkml:traceFormat>
+        <inkml:channelProperties>
+          <inkml:channelProperty channel="X" name="resolution" value="1000" units="1/cm"/>
+          <inkml:channelProperty channel="Y" name="resolution" value="1000" units="1/cm"/>
+          <inkml:channelProperty channel="F" name="resolution" value="0" units="1/dev"/>
+        </inkml:channelProperties>
+      </inkml:inkSource>
       <inkml:timestamp xml:id="ts0" timeString="2022-03-20T13:20:22.982"/>
     </inkml:context>
     <inkml:brush xml:id="br0">
@@ -171,7 +283,7 @@
 </inkml:ink>
 </file>
 
-<file path=ppt/ink/ink11.xml><?xml version="1.0" encoding="utf-8"?>
+<file path=ppt/ink/ink15.xml><?xml version="1.0" encoding="utf-8"?>
 <inkml:ink xmlns:inkml="http://www.w3.org/2003/InkML">
   <inkml:definitions>
     <inkml:context xml:id="ctx0">
@@ -199,7 +311,7 @@
 </inkml:ink>
 </file>
 
-<file path=ppt/ink/ink12.xml><?xml version="1.0" encoding="utf-8"?>
+<file path=ppt/ink/ink16.xml><?xml version="1.0" encoding="utf-8"?>
 <inkml:ink xmlns:inkml="http://www.w3.org/2003/InkML">
   <inkml:definitions>
     <inkml:context xml:id="ctx0">
@@ -227,118 +339,6 @@
 </inkml:ink>
 </file>
 
-<file path=ppt/ink/ink13.xml><?xml version="1.0" encoding="utf-8"?>
-<inkml:ink xmlns:inkml="http://www.w3.org/2003/InkML">
-  <inkml:definitions>
-    <inkml:context xml:id="ctx0">
-      <inkml:inkSource xml:id="inkSrc0">
-        <inkml:traceFormat>
-          <inkml:channel name="X" type="integer" min="-2.14748E9" max="2.14748E9" units="cm"/>
-          <inkml:channel name="Y" type="integer" min="-2.14748E9" max="2.14748E9" units="cm"/>
-          <inkml:channel name="F" type="integer" max="32767" units="dev"/>
-        </inkml:traceFormat>
-        <inkml:channelProperties>
-          <inkml:channelProperty channel="X" name="resolution" value="1000" units="1/cm"/>
-          <inkml:channelProperty channel="Y" name="resolution" value="1000" units="1/cm"/>
-          <inkml:channelProperty channel="F" name="resolution" value="0" units="1/dev"/>
-        </inkml:channelProperties>
-      </inkml:inkSource>
-      <inkml:timestamp xml:id="ts0" timeString="2022-03-20T13:20:05.416"/>
-    </inkml:context>
-    <inkml:brush xml:id="br0">
-      <inkml:brushProperty name="width" value="0.025" units="cm"/>
-      <inkml:brushProperty name="height" value="0.025" units="cm"/>
-      <inkml:brushProperty name="color" value="#E71224"/>
-    </inkml:brush>
-  </inkml:definitions>
-  <inkml:trace contextRef="#ctx0" brushRef="#br0">0 1 24575,'0'0'-8191</inkml:trace>
-</inkml:ink>
-</file>
-
-<file path=ppt/ink/ink14.xml><?xml version="1.0" encoding="utf-8"?>
-<inkml:ink xmlns:inkml="http://www.w3.org/2003/InkML">
-  <inkml:definitions>
-    <inkml:context xml:id="ctx0">
-      <inkml:inkSource xml:id="inkSrc0">
-        <inkml:traceFormat>
-          <inkml:channel name="X" type="integer" min="-2.14748E9" max="2.14748E9" units="cm"/>
-          <inkml:channel name="Y" type="integer" min="-2.14748E9" max="2.14748E9" units="cm"/>
-          <inkml:channel name="F" type="integer" max="32767" units="dev"/>
-        </inkml:traceFormat>
-        <inkml:channelProperties>
-          <inkml:channelProperty channel="X" name="resolution" value="1000" units="1/cm"/>
-          <inkml:channelProperty channel="Y" name="resolution" value="1000" units="1/cm"/>
-          <inkml:channelProperty channel="F" name="resolution" value="0" units="1/dev"/>
-        </inkml:channelProperties>
-      </inkml:inkSource>
-      <inkml:timestamp xml:id="ts0" timeString="2022-03-20T13:20:06.176"/>
-    </inkml:context>
-    <inkml:brush xml:id="br0">
-      <inkml:brushProperty name="width" value="0.025" units="cm"/>
-      <inkml:brushProperty name="height" value="0.025" units="cm"/>
-      <inkml:brushProperty name="color" value="#E71224"/>
-    </inkml:brush>
-  </inkml:definitions>
-  <inkml:trace contextRef="#ctx0" brushRef="#br0">0 1 24575,'0'0'-8191</inkml:trace>
-</inkml:ink>
-</file>
-
-<file path=ppt/ink/ink15.xml><?xml version="1.0" encoding="utf-8"?>
-<inkml:ink xmlns:inkml="http://www.w3.org/2003/InkML">
-  <inkml:definitions>
-    <inkml:context xml:id="ctx0">
-      <inkml:inkSource xml:id="inkSrc0">
-        <inkml:traceFormat>
-          <inkml:channel name="X" type="integer" min="-2.14748E9" max="2.14748E9" units="cm"/>
-          <inkml:channel name="Y" type="integer" min="-2.14748E9" max="2.14748E9" units="cm"/>
-          <inkml:channel name="F" type="integer" max="32767" units="dev"/>
-        </inkml:traceFormat>
-        <inkml:channelProperties>
-          <inkml:channelProperty channel="X" name="resolution" value="1000" units="1/cm"/>
-          <inkml:channelProperty channel="Y" name="resolution" value="1000" units="1/cm"/>
-          <inkml:channelProperty channel="F" name="resolution" value="0" units="1/dev"/>
-        </inkml:channelProperties>
-      </inkml:inkSource>
-      <inkml:timestamp xml:id="ts0" timeString="2022-03-20T13:20:08.369"/>
-    </inkml:context>
-    <inkml:brush xml:id="br0">
-      <inkml:brushProperty name="width" value="0.025" units="cm"/>
-      <inkml:brushProperty name="height" value="0.025" units="cm"/>
-      <inkml:brushProperty name="color" value="#E71224"/>
-    </inkml:brush>
-  </inkml:definitions>
-  <inkml:trace contextRef="#ctx0" brushRef="#br0">1 1 24575,'0'0'-8191</inkml:trace>
-</inkml:ink>
-</file>
-
-<file path=ppt/ink/ink16.xml><?xml version="1.0" encoding="utf-8"?>
-<inkml:ink xmlns:inkml="http://www.w3.org/2003/InkML">
-  <inkml:definitions>
-    <inkml:context xml:id="ctx0">
-      <inkml:inkSource xml:id="inkSrc0">
-        <inkml:traceFormat>
-          <inkml:channel name="X" type="integer" min="-2.14748E9" max="2.14748E9" units="cm"/>
-          <inkml:channel name="Y" type="integer" min="-2.14748E9" max="2.14748E9" units="cm"/>
-          <inkml:channel name="F" type="integer" max="32767" units="dev"/>
-        </inkml:traceFormat>
-        <inkml:channelProperties>
-          <inkml:channelProperty channel="X" name="resolution" value="1000" units="1/cm"/>
-          <inkml:channelProperty channel="Y" name="resolution" value="1000" units="1/cm"/>
-          <inkml:channelProperty channel="F" name="resolution" value="0" units="1/dev"/>
-        </inkml:channelProperties>
-      </inkml:inkSource>
-      <inkml:timestamp xml:id="ts0" timeString="2022-03-20T13:20:05.416"/>
-    </inkml:context>
-    <inkml:brush xml:id="br0">
-      <inkml:brushProperty name="width" value="0.025" units="cm"/>
-      <inkml:brushProperty name="height" value="0.025" units="cm"/>
-      <inkml:brushProperty name="color" value="#E71224"/>
-    </inkml:brush>
-  </inkml:definitions>
-  <inkml:trace contextRef="#ctx0" brushRef="#br0">0 1 24575,'0'0'-8191</inkml:trace>
-</inkml:ink>
-</file>
-
 <file path=ppt/ink/ink17.xml><?xml version="1.0" encoding="utf-8"?>
 <inkml:ink xmlns:inkml="http://www.w3.org/2003/InkML">
   <inkml:definitions>
@@ -355,15 +355,14 @@
           <inkml:channelProperty channel="F" name="resolution" value="0" units="1/dev"/>
         </inkml:channelProperties>
       </inkml:inkSource>
-      <inkml:timestamp xml:id="ts0" timeString="2022-03-20T13:20:06.176"/>
+      <inkml:timestamp xml:id="ts0" timeString="2022-03-20T13:24:29.009"/>
     </inkml:context>
     <inkml:brush xml:id="br0">
       <inkml:brushProperty name="width" value="0.025" units="cm"/>
       <inkml:brushProperty name="height" value="0.025" units="cm"/>
-      <inkml:brushProperty name="color" value="#E71224"/>
     </inkml:brush>
   </inkml:definitions>
-  <inkml:trace contextRef="#ctx0" brushRef="#br0">0 1 24575,'0'0'-8191</inkml:trace>
+  <inkml:trace contextRef="#ctx0" brushRef="#br0">224 0 24575,'-1'73'0,"3"79"0,2-131 0,-3-14 0,1 0 0,-1 0 0,0 1 0,0-1 0,-1 10 0,0-17 0,0 1 0,0 0 0,0-1 0,0 1 0,-1 0 0,1-1 0,0 1 0,0 0 0,-1-1 0,1 1 0,0 0 0,-1-1 0,1 1 0,0-1 0,-1 1 0,1-1 0,-1 1 0,1-1 0,-1 1 0,1-1 0,-1 1 0,0-1 0,1 0 0,-2 1 0,1-1 0,-1 0 0,1 0 0,-1 0 0,1 0 0,-1 0 0,0 0 0,1 0 0,-1-1 0,1 1 0,-1 0 0,1-1 0,-1 0 0,1 1 0,0-1 0,-3-1 0,-11-5-136,0 0-1,-1 1 1,0 0-1,0 2 1,-1 0-1,1 1 1,-1 0-1,0 1 0,-25 1 1,31 1-6690</inkml:trace>
 </inkml:ink>
 </file>
 
@@ -383,15 +382,41 @@
           <inkml:channelProperty channel="F" name="resolution" value="0" units="1/dev"/>
         </inkml:channelProperties>
       </inkml:inkSource>
-      <inkml:timestamp xml:id="ts0" timeString="2022-03-20T13:20:08.369"/>
+      <inkml:timestamp xml:id="ts0" timeString="2022-03-20T13:24:31.198"/>
     </inkml:context>
     <inkml:brush xml:id="br0">
       <inkml:brushProperty name="width" value="0.025" units="cm"/>
       <inkml:brushProperty name="height" value="0.025" units="cm"/>
-      <inkml:brushProperty name="color" value="#E71224"/>
     </inkml:brush>
   </inkml:definitions>
-  <inkml:trace contextRef="#ctx0" brushRef="#br0">1 1 24575,'0'0'-8191</inkml:trace>
+  <inkml:trace contextRef="#ctx0" brushRef="#br0">452 214 24575,'-4'-2'0,"1"-1"0,-1 1 0,1 0 0,0-1 0,-1 0 0,1 0 0,1 0 0,-1 0 0,0 0 0,1 0 0,0-1 0,-4-6 0,-8-10 0,-8-2 0,0 0 0,-1 1 0,-26-19 0,40 34 0,-1 1 0,0 0 0,0 0 0,0 1 0,0 0 0,-1 0 0,1 1 0,-1 1 0,0 0 0,0 0 0,0 1 0,-11 0 0,6 1 0,9 0 0,0 0 0,0 0 0,0 1 0,0-1 0,0 2 0,-8 1 0,13-2 0,-1 0 0,0 1 0,1-1 0,-1 1 0,1 0 0,0-1 0,-1 1 0,1 0 0,0 0 0,0 1 0,0-1 0,1 0 0,-1 1 0,0-1 0,1 1 0,0-1 0,0 1 0,-2 4 0,-1 2-195,1 0 0,-1 0 0,2 0 0,-1 1 0,1-1 0,-1 20 0,3-18-6631</inkml:trace>
+</inkml:ink>
+</file>
+
+<file path=ppt/ink/ink19.xml><?xml version="1.0" encoding="utf-8"?>
+<inkml:ink xmlns:inkml="http://www.w3.org/2003/InkML">
+  <inkml:definitions>
+    <inkml:context xml:id="ctx0">
+      <inkml:inkSource xml:id="inkSrc0">
+        <inkml:traceFormat>
+          <inkml:channel name="X" type="integer" min="-2.14748E9" max="2.14748E9" units="cm"/>
+          <inkml:channel name="Y" type="integer" min="-2.14748E9" max="2.14748E9" units="cm"/>
+          <inkml:channel name="F" type="integer" max="32767" units="dev"/>
+        </inkml:traceFormat>
+        <inkml:channelProperties>
+          <inkml:channelProperty channel="X" name="resolution" value="1000" units="1/cm"/>
+          <inkml:channelProperty channel="Y" name="resolution" value="1000" units="1/cm"/>
+          <inkml:channelProperty channel="F" name="resolution" value="0" units="1/dev"/>
+        </inkml:channelProperties>
+      </inkml:inkSource>
+      <inkml:timestamp xml:id="ts0" timeString="2022-03-20T13:24:34.406"/>
+    </inkml:context>
+    <inkml:brush xml:id="br0">
+      <inkml:brushProperty name="width" value="0.025" units="cm"/>
+      <inkml:brushProperty name="height" value="0.025" units="cm"/>
+    </inkml:brush>
+  </inkml:definitions>
+  <inkml:trace contextRef="#ctx0" brushRef="#br0">0 240 24575,'1'-1'0,"0"1"0,0-1 0,0 0 0,-1 1 0,1-1 0,0 0 0,0 1 0,-1-1 0,1 0 0,-1 0 0,1 0 0,0 1 0,-1-1 0,0 0 0,1 0 0,-1 0 0,1 0 0,-1 0 0,0 0 0,0 0 0,0 0 0,1 0 0,-1 0 0,0 0 0,0 0 0,-1-2 0,3-33 0,-2 32 0,14-143 0,-14 146 0,0-1 0,0 1 0,1 0 0,-1-1 0,0 1 0,1 0 0,0 0 0,-1 0 0,1-1 0,-1 1 0,1 0 0,0 0 0,0 0 0,0 0 0,0 0 0,0 0 0,0 0 0,0 1 0,0-1 0,0 0 0,0 0 0,0 1 0,0-1 0,1 1 0,-1-1 0,0 1 0,0 0 0,1-1 0,-1 1 0,0 0 0,1 0 0,-1 0 0,0 0 0,1 0 0,-1 0 0,0 0 0,1 0 0,0 1 0,10 1 0,1 0 0,-1 0 0,16 7 0,-8-3 0,20 7-1365,-32-10-5461</inkml:trace>
 </inkml:ink>
 </file>
 
@@ -423,6 +448,279 @@
 </inkml:ink>
 </file>
 
+<file path=ppt/ink/ink20.xml><?xml version="1.0" encoding="utf-8"?>
+<inkml:ink xmlns:inkml="http://www.w3.org/2003/InkML">
+  <inkml:definitions>
+    <inkml:context xml:id="ctx0">
+      <inkml:inkSource xml:id="inkSrc0">
+        <inkml:traceFormat>
+          <inkml:channel name="X" type="integer" min="-2.14748E9" max="2.14748E9" units="cm"/>
+          <inkml:channel name="Y" type="integer" min="-2.14748E9" max="2.14748E9" units="cm"/>
+          <inkml:channel name="F" type="integer" max="32767" units="dev"/>
+        </inkml:traceFormat>
+        <inkml:channelProperties>
+          <inkml:channelProperty channel="X" name="resolution" value="1000" units="1/cm"/>
+          <inkml:channelProperty channel="Y" name="resolution" value="1000" units="1/cm"/>
+          <inkml:channelProperty channel="F" name="resolution" value="0" units="1/dev"/>
+        </inkml:channelProperties>
+      </inkml:inkSource>
+      <inkml:timestamp xml:id="ts0" timeString="2022-03-20T13:24:36.446"/>
+    </inkml:context>
+    <inkml:brush xml:id="br0">
+      <inkml:brushProperty name="width" value="0.025" units="cm"/>
+      <inkml:brushProperty name="height" value="0.025" units="cm"/>
+    </inkml:brush>
+  </inkml:definitions>
+  <inkml:trace contextRef="#ctx0" brushRef="#br0">1 1 24575,'1'6'0,"0"1"0,0 0 0,1 0 0,1-1 0,-1 1 0,1-1 0,0 0 0,0 1 0,0-1 0,1-1 0,5 7 0,51 60 0,-59-71 0,8 10 0,0 0 0,1-1 0,0-1 0,1 0 0,0 0 0,1-1 0,-1 0 0,1-1 0,1 0 0,-1-1 0,1-1 0,0 0 0,1-1 0,-1 0 0,1-1 0,0 0 0,-1-1 0,21 0 0,-18-2-111,48-5 356,-60 4-345,0 0 0,0 0 0,-1 0 0,1-1 0,-1 0 0,1 0 0,-1 0 0,0 0 1,1 0-1,-1-1 0,0 1 0,-1-1 0,1 0 0,3-4 0,-1 0-6726</inkml:trace>
+</inkml:ink>
+</file>
+
+<file path=ppt/ink/ink21.xml><?xml version="1.0" encoding="utf-8"?>
+<inkml:ink xmlns:inkml="http://www.w3.org/2003/InkML">
+  <inkml:definitions>
+    <inkml:context xml:id="ctx0">
+      <inkml:inkSource xml:id="inkSrc0">
+        <inkml:traceFormat>
+          <inkml:channel name="X" type="integer" min="-2.14748E9" max="2.14748E9" units="cm"/>
+          <inkml:channel name="Y" type="integer" min="-2.14748E9" max="2.14748E9" units="cm"/>
+          <inkml:channel name="F" type="integer" max="32767" units="dev"/>
+        </inkml:traceFormat>
+        <inkml:channelProperties>
+          <inkml:channelProperty channel="X" name="resolution" value="1000" units="1/cm"/>
+          <inkml:channelProperty channel="Y" name="resolution" value="1000" units="1/cm"/>
+          <inkml:channelProperty channel="F" name="resolution" value="0" units="1/dev"/>
+        </inkml:channelProperties>
+      </inkml:inkSource>
+      <inkml:timestamp xml:id="ts0" timeString="2022-03-20T13:20:05.416"/>
+    </inkml:context>
+    <inkml:brush xml:id="br0">
+      <inkml:brushProperty name="width" value="0.025" units="cm"/>
+      <inkml:brushProperty name="height" value="0.025" units="cm"/>
+      <inkml:brushProperty name="color" value="#E71224"/>
+    </inkml:brush>
+  </inkml:definitions>
+  <inkml:trace contextRef="#ctx0" brushRef="#br0">0 1 24575,'0'0'-8191</inkml:trace>
+</inkml:ink>
+</file>
+
+<file path=ppt/ink/ink22.xml><?xml version="1.0" encoding="utf-8"?>
+<inkml:ink xmlns:inkml="http://www.w3.org/2003/InkML">
+  <inkml:definitions>
+    <inkml:context xml:id="ctx0">
+      <inkml:inkSource xml:id="inkSrc0">
+        <inkml:traceFormat>
+          <inkml:channel name="X" type="integer" min="-2.14748E9" max="2.14748E9" units="cm"/>
+          <inkml:channel name="Y" type="integer" min="-2.14748E9" max="2.14748E9" units="cm"/>
+          <inkml:channel name="F" type="integer" max="32767" units="dev"/>
+        </inkml:traceFormat>
+        <inkml:channelProperties>
+          <inkml:channelProperty channel="X" name="resolution" value="1000" units="1/cm"/>
+          <inkml:channelProperty channel="Y" name="resolution" value="1000" units="1/cm"/>
+          <inkml:channelProperty channel="F" name="resolution" value="0" units="1/dev"/>
+        </inkml:channelProperties>
+      </inkml:inkSource>
+      <inkml:timestamp xml:id="ts0" timeString="2022-03-20T13:20:06.176"/>
+    </inkml:context>
+    <inkml:brush xml:id="br0">
+      <inkml:brushProperty name="width" value="0.025" units="cm"/>
+      <inkml:brushProperty name="height" value="0.025" units="cm"/>
+      <inkml:brushProperty name="color" value="#E71224"/>
+    </inkml:brush>
+  </inkml:definitions>
+  <inkml:trace contextRef="#ctx0" brushRef="#br0">0 1 24575,'0'0'-8191</inkml:trace>
+</inkml:ink>
+</file>
+
+<file path=ppt/ink/ink23.xml><?xml version="1.0" encoding="utf-8"?>
+<inkml:ink xmlns:inkml="http://www.w3.org/2003/InkML">
+  <inkml:definitions>
+    <inkml:context xml:id="ctx0">
+      <inkml:inkSource xml:id="inkSrc0">
+        <inkml:traceFormat>
+          <inkml:channel name="X" type="integer" min="-2.14748E9" max="2.14748E9" units="cm"/>
+          <inkml:channel name="Y" type="integer" min="-2.14748E9" max="2.14748E9" units="cm"/>
+          <inkml:channel name="F" type="integer" max="32767" units="dev"/>
+        </inkml:traceFormat>
+        <inkml:channelProperties>
+          <inkml:channelProperty channel="X" name="resolution" value="1000" units="1/cm"/>
+          <inkml:channelProperty channel="Y" name="resolution" value="1000" units="1/cm"/>
+          <inkml:channelProperty channel="F" name="resolution" value="0" units="1/dev"/>
+        </inkml:channelProperties>
+      </inkml:inkSource>
+      <inkml:timestamp xml:id="ts0" timeString="2022-03-20T13:20:08.369"/>
+    </inkml:context>
+    <inkml:brush xml:id="br0">
+      <inkml:brushProperty name="width" value="0.025" units="cm"/>
+      <inkml:brushProperty name="height" value="0.025" units="cm"/>
+      <inkml:brushProperty name="color" value="#E71224"/>
+    </inkml:brush>
+  </inkml:definitions>
+  <inkml:trace contextRef="#ctx0" brushRef="#br0">1 1 24575,'0'0'-8191</inkml:trace>
+</inkml:ink>
+</file>
+
+<file path=ppt/ink/ink24.xml><?xml version="1.0" encoding="utf-8"?>
+<inkml:ink xmlns:inkml="http://www.w3.org/2003/InkML">
+  <inkml:definitions>
+    <inkml:context xml:id="ctx0">
+      <inkml:inkSource xml:id="inkSrc0">
+        <inkml:traceFormat>
+          <inkml:channel name="X" type="integer" min="-2.14748E9" max="2.14748E9" units="cm"/>
+          <inkml:channel name="Y" type="integer" min="-2.14748E9" max="2.14748E9" units="cm"/>
+          <inkml:channel name="F" type="integer" max="32767" units="dev"/>
+        </inkml:traceFormat>
+        <inkml:channelProperties>
+          <inkml:channelProperty channel="X" name="resolution" value="1000" units="1/cm"/>
+          <inkml:channelProperty channel="Y" name="resolution" value="1000" units="1/cm"/>
+          <inkml:channelProperty channel="F" name="resolution" value="0" units="1/dev"/>
+        </inkml:channelProperties>
+      </inkml:inkSource>
+      <inkml:timestamp xml:id="ts0" timeString="2022-03-20T13:24:29.009"/>
+    </inkml:context>
+    <inkml:brush xml:id="br0">
+      <inkml:brushProperty name="width" value="0.025" units="cm"/>
+      <inkml:brushProperty name="height" value="0.025" units="cm"/>
+    </inkml:brush>
+  </inkml:definitions>
+  <inkml:trace contextRef="#ctx0" brushRef="#br0">224 0 24575,'-1'73'0,"3"79"0,2-131 0,-3-14 0,1 0 0,-1 0 0,0 1 0,0-1 0,-1 10 0,0-17 0,0 1 0,0 0 0,0-1 0,0 1 0,-1 0 0,1-1 0,0 1 0,0 0 0,-1-1 0,1 1 0,0 0 0,-1-1 0,1 1 0,0-1 0,-1 1 0,1-1 0,-1 1 0,1-1 0,-1 1 0,1-1 0,-1 1 0,0-1 0,1 0 0,-2 1 0,1-1 0,-1 0 0,1 0 0,-1 0 0,1 0 0,-1 0 0,0 0 0,1 0 0,-1-1 0,1 1 0,-1 0 0,1-1 0,-1 0 0,1 1 0,0-1 0,-3-1 0,-11-5-136,0 0-1,-1 1 1,0 0-1,0 2 1,-1 0-1,1 1 1,-1 0-1,0 1 0,-25 1 1,31 1-6690</inkml:trace>
+</inkml:ink>
+</file>
+
+<file path=ppt/ink/ink25.xml><?xml version="1.0" encoding="utf-8"?>
+<inkml:ink xmlns:inkml="http://www.w3.org/2003/InkML">
+  <inkml:definitions>
+    <inkml:context xml:id="ctx0">
+      <inkml:inkSource xml:id="inkSrc0">
+        <inkml:traceFormat>
+          <inkml:channel name="X" type="integer" min="-2.14748E9" max="2.14748E9" units="cm"/>
+          <inkml:channel name="Y" type="integer" min="-2.14748E9" max="2.14748E9" units="cm"/>
+          <inkml:channel name="F" type="integer" max="32767" units="dev"/>
+        </inkml:traceFormat>
+        <inkml:channelProperties>
+          <inkml:channelProperty channel="X" name="resolution" value="1000" units="1/cm"/>
+          <inkml:channelProperty channel="Y" name="resolution" value="1000" units="1/cm"/>
+          <inkml:channelProperty channel="F" name="resolution" value="0" units="1/dev"/>
+        </inkml:channelProperties>
+      </inkml:inkSource>
+      <inkml:timestamp xml:id="ts0" timeString="2022-03-20T13:24:31.198"/>
+    </inkml:context>
+    <inkml:brush xml:id="br0">
+      <inkml:brushProperty name="width" value="0.025" units="cm"/>
+      <inkml:brushProperty name="height" value="0.025" units="cm"/>
+    </inkml:brush>
+  </inkml:definitions>
+  <inkml:trace contextRef="#ctx0" brushRef="#br0">452 214 24575,'-4'-2'0,"1"-1"0,-1 1 0,1 0 0,0-1 0,-1 0 0,1 0 0,1 0 0,-1 0 0,0 0 0,1 0 0,0-1 0,-4-6 0,-8-10 0,-8-2 0,0 0 0,-1 1 0,-26-19 0,40 34 0,-1 1 0,0 0 0,0 0 0,0 1 0,0 0 0,-1 0 0,1 1 0,-1 1 0,0 0 0,0 0 0,0 1 0,-11 0 0,6 1 0,9 0 0,0 0 0,0 0 0,0 1 0,0-1 0,0 2 0,-8 1 0,13-2 0,-1 0 0,0 1 0,1-1 0,-1 1 0,1 0 0,0-1 0,-1 1 0,1 0 0,0 0 0,0 1 0,0-1 0,1 0 0,-1 1 0,0-1 0,1 1 0,0-1 0,0 1 0,-2 4 0,-1 2-195,1 0 0,-1 0 0,2 0 0,-1 1 0,1-1 0,-1 20 0,3-18-6631</inkml:trace>
+</inkml:ink>
+</file>
+
+<file path=ppt/ink/ink26.xml><?xml version="1.0" encoding="utf-8"?>
+<inkml:ink xmlns:inkml="http://www.w3.org/2003/InkML">
+  <inkml:definitions>
+    <inkml:context xml:id="ctx0">
+      <inkml:inkSource xml:id="inkSrc0">
+        <inkml:traceFormat>
+          <inkml:channel name="X" type="integer" min="-2.14748E9" max="2.14748E9" units="cm"/>
+          <inkml:channel name="Y" type="integer" min="-2.14748E9" max="2.14748E9" units="cm"/>
+          <inkml:channel name="F" type="integer" max="32767" units="dev"/>
+        </inkml:traceFormat>
+        <inkml:channelProperties>
+          <inkml:channelProperty channel="X" name="resolution" value="1000" units="1/cm"/>
+          <inkml:channelProperty channel="Y" name="resolution" value="1000" units="1/cm"/>
+          <inkml:channelProperty channel="F" name="resolution" value="0" units="1/dev"/>
+        </inkml:channelProperties>
+      </inkml:inkSource>
+      <inkml:timestamp xml:id="ts0" timeString="2022-03-20T13:24:34.406"/>
+    </inkml:context>
+    <inkml:brush xml:id="br0">
+      <inkml:brushProperty name="width" value="0.025" units="cm"/>
+      <inkml:brushProperty name="height" value="0.025" units="cm"/>
+    </inkml:brush>
+  </inkml:definitions>
+  <inkml:trace contextRef="#ctx0" brushRef="#br0">0 240 24575,'1'-1'0,"0"1"0,0-1 0,0 0 0,-1 1 0,1-1 0,0 0 0,0 1 0,-1-1 0,1 0 0,-1 0 0,1 0 0,0 1 0,-1-1 0,0 0 0,1 0 0,-1 0 0,1 0 0,-1 0 0,0 0 0,0 0 0,0 0 0,1 0 0,-1 0 0,0 0 0,0 0 0,-1-2 0,3-33 0,-2 32 0,14-143 0,-14 146 0,0-1 0,0 1 0,1 0 0,-1-1 0,0 1 0,1 0 0,0 0 0,-1 0 0,1-1 0,-1 1 0,1 0 0,0 0 0,0 0 0,0 0 0,0 0 0,0 0 0,0 0 0,0 1 0,0-1 0,0 0 0,0 0 0,0 1 0,0-1 0,1 1 0,-1-1 0,0 1 0,0 0 0,1-1 0,-1 1 0,0 0 0,1 0 0,-1 0 0,0 0 0,1 0 0,-1 0 0,0 0 0,1 0 0,0 1 0,10 1 0,1 0 0,-1 0 0,16 7 0,-8-3 0,20 7-1365,-32-10-5461</inkml:trace>
+</inkml:ink>
+</file>
+
+<file path=ppt/ink/ink27.xml><?xml version="1.0" encoding="utf-8"?>
+<inkml:ink xmlns:inkml="http://www.w3.org/2003/InkML">
+  <inkml:definitions>
+    <inkml:context xml:id="ctx0">
+      <inkml:inkSource xml:id="inkSrc0">
+        <inkml:traceFormat>
+          <inkml:channel name="X" type="integer" min="-2.14748E9" max="2.14748E9" units="cm"/>
+          <inkml:channel name="Y" type="integer" min="-2.14748E9" max="2.14748E9" units="cm"/>
+          <inkml:channel name="F" type="integer" max="32767" units="dev"/>
+        </inkml:traceFormat>
+        <inkml:channelProperties>
+          <inkml:channelProperty channel="X" name="resolution" value="1000" units="1/cm"/>
+          <inkml:channelProperty channel="Y" name="resolution" value="1000" units="1/cm"/>
+          <inkml:channelProperty channel="F" name="resolution" value="0" units="1/dev"/>
+        </inkml:channelProperties>
+      </inkml:inkSource>
+      <inkml:timestamp xml:id="ts0" timeString="2022-03-20T13:24:36.446"/>
+    </inkml:context>
+    <inkml:brush xml:id="br0">
+      <inkml:brushProperty name="width" value="0.025" units="cm"/>
+      <inkml:brushProperty name="height" value="0.025" units="cm"/>
+    </inkml:brush>
+  </inkml:definitions>
+  <inkml:trace contextRef="#ctx0" brushRef="#br0">1 1 24575,'1'6'0,"0"1"0,0 0 0,1 0 0,1-1 0,-1 1 0,1-1 0,0 0 0,0 1 0,0-1 0,1-1 0,5 7 0,51 60 0,-59-71 0,8 10 0,0 0 0,1-1 0,0-1 0,1 0 0,0 0 0,1-1 0,-1 0 0,1-1 0,1 0 0,-1-1 0,1-1 0,0 0 0,1-1 0,-1 0 0,1-1 0,0 0 0,-1-1 0,21 0 0,-18-2-111,48-5 356,-60 4-345,0 0 0,0 0 0,-1 0 0,1-1 0,-1 0 0,1 0 0,-1 0 0,0 0 1,1 0-1,-1-1 0,0 1 0,-1-1 0,1 0 0,3-4 0,-1 0-6726</inkml:trace>
+</inkml:ink>
+</file>
+
+<file path=ppt/ink/ink28.xml><?xml version="1.0" encoding="utf-8"?>
+<inkml:ink xmlns:inkml="http://www.w3.org/2003/InkML">
+  <inkml:definitions>
+    <inkml:context xml:id="ctx0">
+      <inkml:inkSource xml:id="inkSrc0">
+        <inkml:traceFormat>
+          <inkml:channel name="X" type="integer" min="-2.14748E9" max="2.14748E9" units="cm"/>
+          <inkml:channel name="Y" type="integer" min="-2.14748E9" max="2.14748E9" units="cm"/>
+          <inkml:channel name="F" type="integer" max="32767" units="dev"/>
+        </inkml:traceFormat>
+        <inkml:channelProperties>
+          <inkml:channelProperty channel="X" name="resolution" value="1000" units="1/cm"/>
+          <inkml:channelProperty channel="Y" name="resolution" value="1000" units="1/cm"/>
+          <inkml:channelProperty channel="F" name="resolution" value="0" units="1/dev"/>
+        </inkml:channelProperties>
+      </inkml:inkSource>
+      <inkml:timestamp xml:id="ts0" timeString="2022-03-20T13:30:19.695"/>
+    </inkml:context>
+    <inkml:brush xml:id="br0">
+      <inkml:brushProperty name="width" value="0.025" units="cm"/>
+      <inkml:brushProperty name="height" value="0.025" units="cm"/>
+    </inkml:brush>
+  </inkml:definitions>
+  <inkml:trace contextRef="#ctx0" brushRef="#br0">224 0 24575,'-1'73'0,"3"79"0,2-131 0,-3-14 0,1 0 0,-1 0 0,0 1 0,0-1 0,-1 10 0,0-17 0,0 1 0,0 0 0,0-1 0,0 1 0,-1 0 0,1-1 0,0 1 0,0 0 0,-1-1 0,1 1 0,0 0 0,-1-1 0,1 1 0,0-1 0,-1 1 0,1-1 0,-1 1 0,1-1 0,-1 1 0,1-1 0,-1 1 0,0-1 0,1 0 0,-2 1 0,1-1 0,-1 0 0,1 0 0,-1 0 0,1 0 0,-1 0 0,0 0 0,1 0 0,-1-1 0,1 1 0,-1 0 0,1-1 0,-1 0 0,1 1 0,0-1 0,-3-1 0,-11-5-136,0 0-1,-1 1 1,0 0-1,0 2 1,-1 0-1,1 1 1,-1 0-1,0 1 0,-25 1 1,31 1-6690</inkml:trace>
+</inkml:ink>
+</file>
+
+<file path=ppt/ink/ink29.xml><?xml version="1.0" encoding="utf-8"?>
+<inkml:ink xmlns:inkml="http://www.w3.org/2003/InkML">
+  <inkml:definitions>
+    <inkml:context xml:id="ctx0">
+      <inkml:inkSource xml:id="inkSrc0">
+        <inkml:traceFormat>
+          <inkml:channel name="X" type="integer" min="-2.14748E9" max="2.14748E9" units="cm"/>
+          <inkml:channel name="Y" type="integer" min="-2.14748E9" max="2.14748E9" units="cm"/>
+          <inkml:channel name="F" type="integer" max="32767" units="dev"/>
+        </inkml:traceFormat>
+        <inkml:channelProperties>
+          <inkml:channelProperty channel="X" name="resolution" value="1000" units="1/cm"/>
+          <inkml:channelProperty channel="Y" name="resolution" value="1000" units="1/cm"/>
+          <inkml:channelProperty channel="F" name="resolution" value="0" units="1/dev"/>
+        </inkml:channelProperties>
+      </inkml:inkSource>
+      <inkml:timestamp xml:id="ts0" timeString="2022-03-20T13:30:19.696"/>
+    </inkml:context>
+    <inkml:brush xml:id="br0">
+      <inkml:brushProperty name="width" value="0.025" units="cm"/>
+      <inkml:brushProperty name="height" value="0.025" units="cm"/>
+    </inkml:brush>
+  </inkml:definitions>
+  <inkml:trace contextRef="#ctx0" brushRef="#br0">452 214 24575,'-4'-2'0,"1"-1"0,-1 1 0,1 0 0,0-1 0,-1 0 0,1 0 0,1 0 0,-1 0 0,0 0 0,1 0 0,0-1 0,-4-6 0,-8-10 0,-8-2 0,0 0 0,-1 1 0,-26-19 0,40 34 0,-1 1 0,0 0 0,0 0 0,0 1 0,0 0 0,-1 0 0,1 1 0,-1 1 0,0 0 0,0 0 0,0 1 0,-11 0 0,6 1 0,9 0 0,0 0 0,0 0 0,0 1 0,0-1 0,0 2 0,-8 1 0,13-2 0,-1 0 0,0 1 0,1-1 0,-1 1 0,1 0 0,0-1 0,-1 1 0,1 0 0,0 0 0,0 1 0,0-1 0,1 0 0,-1 1 0,0-1 0,1 1 0,0-1 0,0 1 0,-2 4 0,-1 2-195,1 0 0,-1 0 0,2 0 0,-1 1 0,1-1 0,-1 20 0,3-18-6631</inkml:trace>
+</inkml:ink>
+</file>
+
 <file path=ppt/ink/ink3.xml><?xml version="1.0" encoding="utf-8"?>
 <inkml:ink xmlns:inkml="http://www.w3.org/2003/InkML">
   <inkml:definitions>
@@ -448,6 +746,168 @@
     </inkml:brush>
   </inkml:definitions>
   <inkml:trace contextRef="#ctx0" brushRef="#br0">1 1 24575,'0'0'-8191</inkml:trace>
+</inkml:ink>
+</file>
+
+<file path=ppt/ink/ink30.xml><?xml version="1.0" encoding="utf-8"?>
+<inkml:ink xmlns:inkml="http://www.w3.org/2003/InkML">
+  <inkml:definitions>
+    <inkml:context xml:id="ctx0">
+      <inkml:inkSource xml:id="inkSrc0">
+        <inkml:traceFormat>
+          <inkml:channel name="X" type="integer" min="-2.14748E9" max="2.14748E9" units="cm"/>
+          <inkml:channel name="Y" type="integer" min="-2.14748E9" max="2.14748E9" units="cm"/>
+          <inkml:channel name="F" type="integer" max="32767" units="dev"/>
+        </inkml:traceFormat>
+        <inkml:channelProperties>
+          <inkml:channelProperty channel="X" name="resolution" value="1000" units="1/cm"/>
+          <inkml:channelProperty channel="Y" name="resolution" value="1000" units="1/cm"/>
+          <inkml:channelProperty channel="F" name="resolution" value="0" units="1/dev"/>
+        </inkml:channelProperties>
+      </inkml:inkSource>
+      <inkml:timestamp xml:id="ts0" timeString="2022-03-20T13:30:19.697"/>
+    </inkml:context>
+    <inkml:brush xml:id="br0">
+      <inkml:brushProperty name="width" value="0.025" units="cm"/>
+      <inkml:brushProperty name="height" value="0.025" units="cm"/>
+    </inkml:brush>
+  </inkml:definitions>
+  <inkml:trace contextRef="#ctx0" brushRef="#br0">0 240 24575,'1'-1'0,"0"1"0,0-1 0,0 0 0,-1 1 0,1-1 0,0 0 0,0 1 0,-1-1 0,1 0 0,-1 0 0,1 0 0,0 1 0,-1-1 0,0 0 0,1 0 0,-1 0 0,1 0 0,-1 0 0,0 0 0,0 0 0,0 0 0,1 0 0,-1 0 0,0 0 0,0 0 0,-1-2 0,3-33 0,-2 32 0,14-143 0,-14 146 0,0-1 0,0 1 0,1 0 0,-1-1 0,0 1 0,1 0 0,0 0 0,-1 0 0,1-1 0,-1 1 0,1 0 0,0 0 0,0 0 0,0 0 0,0 0 0,0 0 0,0 0 0,0 1 0,0-1 0,0 0 0,0 0 0,0 1 0,0-1 0,1 1 0,-1-1 0,0 1 0,0 0 0,1-1 0,-1 1 0,0 0 0,1 0 0,-1 0 0,0 0 0,1 0 0,-1 0 0,0 0 0,1 0 0,0 1 0,10 1 0,1 0 0,-1 0 0,16 7 0,-8-3 0,20 7-1365,-32-10-5461</inkml:trace>
+</inkml:ink>
+</file>
+
+<file path=ppt/ink/ink31.xml><?xml version="1.0" encoding="utf-8"?>
+<inkml:ink xmlns:inkml="http://www.w3.org/2003/InkML">
+  <inkml:definitions>
+    <inkml:context xml:id="ctx0">
+      <inkml:inkSource xml:id="inkSrc0">
+        <inkml:traceFormat>
+          <inkml:channel name="X" type="integer" min="-2.14748E9" max="2.14748E9" units="cm"/>
+          <inkml:channel name="Y" type="integer" min="-2.14748E9" max="2.14748E9" units="cm"/>
+          <inkml:channel name="F" type="integer" max="32767" units="dev"/>
+        </inkml:traceFormat>
+        <inkml:channelProperties>
+          <inkml:channelProperty channel="X" name="resolution" value="1000" units="1/cm"/>
+          <inkml:channelProperty channel="Y" name="resolution" value="1000" units="1/cm"/>
+          <inkml:channelProperty channel="F" name="resolution" value="0" units="1/dev"/>
+        </inkml:channelProperties>
+      </inkml:inkSource>
+      <inkml:timestamp xml:id="ts0" timeString="2022-03-20T13:30:19.698"/>
+    </inkml:context>
+    <inkml:brush xml:id="br0">
+      <inkml:brushProperty name="width" value="0.025" units="cm"/>
+      <inkml:brushProperty name="height" value="0.025" units="cm"/>
+    </inkml:brush>
+  </inkml:definitions>
+  <inkml:trace contextRef="#ctx0" brushRef="#br0">1 1 24575,'1'6'0,"0"1"0,0 0 0,1 0 0,1-1 0,-1 1 0,1-1 0,0 0 0,0 1 0,0-1 0,1-1 0,5 7 0,51 60 0,-59-71 0,8 10 0,0 0 0,1-1 0,0-1 0,1 0 0,0 0 0,1-1 0,-1 0 0,1-1 0,1 0 0,-1-1 0,1-1 0,0 0 0,1-1 0,-1 0 0,1-1 0,0 0 0,-1-1 0,21 0 0,-18-2-111,48-5 356,-60 4-345,0 0 0,0 0 0,-1 0 0,1-1 0,-1 0 0,1 0 0,-1 0 0,0 0 1,1 0-1,-1-1 0,0 1 0,-1-1 0,1 0 0,3-4 0,-1 0-6726</inkml:trace>
+</inkml:ink>
+</file>
+
+<file path=ppt/ink/ink32.xml><?xml version="1.0" encoding="utf-8"?>
+<inkml:ink xmlns:inkml="http://www.w3.org/2003/InkML">
+  <inkml:definitions>
+    <inkml:context xml:id="ctx0">
+      <inkml:inkSource xml:id="inkSrc0">
+        <inkml:traceFormat>
+          <inkml:channel name="X" type="integer" min="-2.14748E9" max="2.14748E9" units="cm"/>
+          <inkml:channel name="Y" type="integer" min="-2.14748E9" max="2.14748E9" units="cm"/>
+          <inkml:channel name="F" type="integer" max="32767" units="dev"/>
+        </inkml:traceFormat>
+        <inkml:channelProperties>
+          <inkml:channelProperty channel="X" name="resolution" value="1000" units="1/cm"/>
+          <inkml:channelProperty channel="Y" name="resolution" value="1000" units="1/cm"/>
+          <inkml:channelProperty channel="F" name="resolution" value="0" units="1/dev"/>
+        </inkml:channelProperties>
+      </inkml:inkSource>
+      <inkml:timestamp xml:id="ts0" timeString="2022-03-20T13:30:24.264"/>
+    </inkml:context>
+    <inkml:brush xml:id="br0">
+      <inkml:brushProperty name="width" value="0.025" units="cm"/>
+      <inkml:brushProperty name="height" value="0.025" units="cm"/>
+    </inkml:brush>
+  </inkml:definitions>
+  <inkml:trace contextRef="#ctx0" brushRef="#br0">224 0 24575,'-1'73'0,"3"79"0,2-131 0,-3-14 0,1 0 0,-1 0 0,0 1 0,0-1 0,-1 10 0,0-17 0,0 1 0,0 0 0,0-1 0,0 1 0,-1 0 0,1-1 0,0 1 0,0 0 0,-1-1 0,1 1 0,0 0 0,-1-1 0,1 1 0,0-1 0,-1 1 0,1-1 0,-1 1 0,1-1 0,-1 1 0,1-1 0,-1 1 0,0-1 0,1 0 0,-2 1 0,1-1 0,-1 0 0,1 0 0,-1 0 0,1 0 0,-1 0 0,0 0 0,1 0 0,-1-1 0,1 1 0,-1 0 0,1-1 0,-1 0 0,1 1 0,0-1 0,-3-1 0,-11-5-136,0 0-1,-1 1 1,0 0-1,0 2 1,-1 0-1,1 1 1,-1 0-1,0 1 0,-25 1 1,31 1-6690</inkml:trace>
+</inkml:ink>
+</file>
+
+<file path=ppt/ink/ink33.xml><?xml version="1.0" encoding="utf-8"?>
+<inkml:ink xmlns:inkml="http://www.w3.org/2003/InkML">
+  <inkml:definitions>
+    <inkml:context xml:id="ctx0">
+      <inkml:inkSource xml:id="inkSrc0">
+        <inkml:traceFormat>
+          <inkml:channel name="X" type="integer" min="-2.14748E9" max="2.14748E9" units="cm"/>
+          <inkml:channel name="Y" type="integer" min="-2.14748E9" max="2.14748E9" units="cm"/>
+          <inkml:channel name="F" type="integer" max="32767" units="dev"/>
+        </inkml:traceFormat>
+        <inkml:channelProperties>
+          <inkml:channelProperty channel="X" name="resolution" value="1000" units="1/cm"/>
+          <inkml:channelProperty channel="Y" name="resolution" value="1000" units="1/cm"/>
+          <inkml:channelProperty channel="F" name="resolution" value="0" units="1/dev"/>
+        </inkml:channelProperties>
+      </inkml:inkSource>
+      <inkml:timestamp xml:id="ts0" timeString="2022-03-20T13:30:24.265"/>
+    </inkml:context>
+    <inkml:brush xml:id="br0">
+      <inkml:brushProperty name="width" value="0.025" units="cm"/>
+      <inkml:brushProperty name="height" value="0.025" units="cm"/>
+    </inkml:brush>
+  </inkml:definitions>
+  <inkml:trace contextRef="#ctx0" brushRef="#br0">452 214 24575,'-4'-2'0,"1"-1"0,-1 1 0,1 0 0,0-1 0,-1 0 0,1 0 0,1 0 0,-1 0 0,0 0 0,1 0 0,0-1 0,-4-6 0,-8-10 0,-8-2 0,0 0 0,-1 1 0,-26-19 0,40 34 0,-1 1 0,0 0 0,0 0 0,0 1 0,0 0 0,-1 0 0,1 1 0,-1 1 0,0 0 0,0 0 0,0 1 0,-11 0 0,6 1 0,9 0 0,0 0 0,0 0 0,0 1 0,0-1 0,0 2 0,-8 1 0,13-2 0,-1 0 0,0 1 0,1-1 0,-1 1 0,1 0 0,0-1 0,-1 1 0,1 0 0,0 0 0,0 1 0,0-1 0,1 0 0,-1 1 0,0-1 0,1 1 0,0-1 0,0 1 0,-2 4 0,-1 2-195,1 0 0,-1 0 0,2 0 0,-1 1 0,1-1 0,-1 20 0,3-18-6631</inkml:trace>
+</inkml:ink>
+</file>
+
+<file path=ppt/ink/ink34.xml><?xml version="1.0" encoding="utf-8"?>
+<inkml:ink xmlns:inkml="http://www.w3.org/2003/InkML">
+  <inkml:definitions>
+    <inkml:context xml:id="ctx0">
+      <inkml:inkSource xml:id="inkSrc0">
+        <inkml:traceFormat>
+          <inkml:channel name="X" type="integer" min="-2.14748E9" max="2.14748E9" units="cm"/>
+          <inkml:channel name="Y" type="integer" min="-2.14748E9" max="2.14748E9" units="cm"/>
+          <inkml:channel name="F" type="integer" max="32767" units="dev"/>
+        </inkml:traceFormat>
+        <inkml:channelProperties>
+          <inkml:channelProperty channel="X" name="resolution" value="1000" units="1/cm"/>
+          <inkml:channelProperty channel="Y" name="resolution" value="1000" units="1/cm"/>
+          <inkml:channelProperty channel="F" name="resolution" value="0" units="1/dev"/>
+        </inkml:channelProperties>
+      </inkml:inkSource>
+      <inkml:timestamp xml:id="ts0" timeString="2022-03-20T13:30:24.266"/>
+    </inkml:context>
+    <inkml:brush xml:id="br0">
+      <inkml:brushProperty name="width" value="0.025" units="cm"/>
+      <inkml:brushProperty name="height" value="0.025" units="cm"/>
+    </inkml:brush>
+  </inkml:definitions>
+  <inkml:trace contextRef="#ctx0" brushRef="#br0">0 240 24575,'1'-1'0,"0"1"0,0-1 0,0 0 0,-1 1 0,1-1 0,0 0 0,0 1 0,-1-1 0,1 0 0,-1 0 0,1 0 0,0 1 0,-1-1 0,0 0 0,1 0 0,-1 0 0,1 0 0,-1 0 0,0 0 0,0 0 0,0 0 0,1 0 0,-1 0 0,0 0 0,0 0 0,-1-2 0,3-33 0,-2 32 0,14-143 0,-14 146 0,0-1 0,0 1 0,1 0 0,-1-1 0,0 1 0,1 0 0,0 0 0,-1 0 0,1-1 0,-1 1 0,1 0 0,0 0 0,0 0 0,0 0 0,0 0 0,0 0 0,0 0 0,0 1 0,0-1 0,0 0 0,0 0 0,0 1 0,0-1 0,1 1 0,-1-1 0,0 1 0,0 0 0,1-1 0,-1 1 0,0 0 0,1 0 0,-1 0 0,0 0 0,1 0 0,-1 0 0,0 0 0,1 0 0,0 1 0,10 1 0,1 0 0,-1 0 0,16 7 0,-8-3 0,20 7-1365,-32-10-5461</inkml:trace>
+</inkml:ink>
+</file>
+
+<file path=ppt/ink/ink35.xml><?xml version="1.0" encoding="utf-8"?>
+<inkml:ink xmlns:inkml="http://www.w3.org/2003/InkML">
+  <inkml:definitions>
+    <inkml:context xml:id="ctx0">
+      <inkml:inkSource xml:id="inkSrc0">
+        <inkml:traceFormat>
+          <inkml:channel name="X" type="integer" min="-2.14748E9" max="2.14748E9" units="cm"/>
+          <inkml:channel name="Y" type="integer" min="-2.14748E9" max="2.14748E9" units="cm"/>
+          <inkml:channel name="F" type="integer" max="32767" units="dev"/>
+        </inkml:traceFormat>
+        <inkml:channelProperties>
+          <inkml:channelProperty channel="X" name="resolution" value="1000" units="1/cm"/>
+          <inkml:channelProperty channel="Y" name="resolution" value="1000" units="1/cm"/>
+          <inkml:channelProperty channel="F" name="resolution" value="0" units="1/dev"/>
+        </inkml:channelProperties>
+      </inkml:inkSource>
+      <inkml:timestamp xml:id="ts0" timeString="2022-03-20T13:30:24.267"/>
+    </inkml:context>
+    <inkml:brush xml:id="br0">
+      <inkml:brushProperty name="width" value="0.025" units="cm"/>
+      <inkml:brushProperty name="height" value="0.025" units="cm"/>
+    </inkml:brush>
+  </inkml:definitions>
+  <inkml:trace contextRef="#ctx0" brushRef="#br0">1 1 24575,'1'6'0,"0"1"0,0 0 0,1 0 0,1-1 0,-1 1 0,1-1 0,0 0 0,0 1 0,0-1 0,1-1 0,5 7 0,51 60 0,-59-71 0,8 10 0,0 0 0,1-1 0,0-1 0,1 0 0,0 0 0,1-1 0,-1 0 0,1-1 0,1 0 0,-1-1 0,1-1 0,0 0 0,1-1 0,-1 0 0,1-1 0,0 0 0,-1-1 0,21 0 0,-18-2-111,48-5 356,-60 4-345,0 0 0,0 0 0,-1 0 0,1-1 0,-1 0 0,1 0 0,-1 0 0,0 0 1,1 0-1,-1-1 0,0 1 0,-1-1 0,1 0 0,3-4 0,-1 0-6726</inkml:trace>
 </inkml:ink>
 </file>
 
@@ -551,15 +1011,14 @@
           <inkml:channelProperty channel="F" name="resolution" value="0" units="1/dev"/>
         </inkml:channelProperties>
       </inkml:inkSource>
-      <inkml:timestamp xml:id="ts0" timeString="2022-03-20T13:20:05.416"/>
+      <inkml:timestamp xml:id="ts0" timeString="2022-03-20T13:24:29.009"/>
     </inkml:context>
     <inkml:brush xml:id="br0">
       <inkml:brushProperty name="width" value="0.025" units="cm"/>
       <inkml:brushProperty name="height" value="0.025" units="cm"/>
-      <inkml:brushProperty name="color" value="#E71224"/>
     </inkml:brush>
   </inkml:definitions>
-  <inkml:trace contextRef="#ctx0" brushRef="#br0">0 1 24575,'0'0'-8191</inkml:trace>
+  <inkml:trace contextRef="#ctx0" brushRef="#br0">224 0 24575,'-1'73'0,"3"79"0,2-131 0,-3-14 0,1 0 0,-1 0 0,0 1 0,0-1 0,-1 10 0,0-17 0,0 1 0,0 0 0,0-1 0,0 1 0,-1 0 0,1-1 0,0 1 0,0 0 0,-1-1 0,1 1 0,0 0 0,-1-1 0,1 1 0,0-1 0,-1 1 0,1-1 0,-1 1 0,1-1 0,-1 1 0,1-1 0,-1 1 0,0-1 0,1 0 0,-2 1 0,1-1 0,-1 0 0,1 0 0,-1 0 0,1 0 0,-1 0 0,0 0 0,1 0 0,-1-1 0,1 1 0,-1 0 0,1-1 0,-1 0 0,1 1 0,0-1 0,-3-1 0,-11-5-136,0 0-1,-1 1 1,0 0-1,0 2 1,-1 0-1,1 1 1,-1 0-1,0 1 0,-25 1 1,31 1-6690</inkml:trace>
 </inkml:ink>
 </file>
 
@@ -579,15 +1038,14 @@
           <inkml:channelProperty channel="F" name="resolution" value="0" units="1/dev"/>
         </inkml:channelProperties>
       </inkml:inkSource>
-      <inkml:timestamp xml:id="ts0" timeString="2022-03-20T13:20:06.176"/>
+      <inkml:timestamp xml:id="ts0" timeString="2022-03-20T13:24:31.198"/>
     </inkml:context>
     <inkml:brush xml:id="br0">
       <inkml:brushProperty name="width" value="0.025" units="cm"/>
       <inkml:brushProperty name="height" value="0.025" units="cm"/>
-      <inkml:brushProperty name="color" value="#E71224"/>
     </inkml:brush>
   </inkml:definitions>
-  <inkml:trace contextRef="#ctx0" brushRef="#br0">0 1 24575,'0'0'-8191</inkml:trace>
+  <inkml:trace contextRef="#ctx0" brushRef="#br0">452 214 24575,'-4'-2'0,"1"-1"0,-1 1 0,1 0 0,0-1 0,-1 0 0,1 0 0,1 0 0,-1 0 0,0 0 0,1 0 0,0-1 0,-4-6 0,-8-10 0,-8-2 0,0 0 0,-1 1 0,-26-19 0,40 34 0,-1 1 0,0 0 0,0 0 0,0 1 0,0 0 0,-1 0 0,1 1 0,-1 1 0,0 0 0,0 0 0,0 1 0,-11 0 0,6 1 0,9 0 0,0 0 0,0 0 0,0 1 0,0-1 0,0 2 0,-8 1 0,13-2 0,-1 0 0,0 1 0,1-1 0,-1 1 0,1 0 0,0-1 0,-1 1 0,1 0 0,0 0 0,0 1 0,0-1 0,1 0 0,-1 1 0,0-1 0,1 1 0,0-1 0,0 1 0,-2 4 0,-1 2-195,1 0 0,-1 0 0,2 0 0,-1 1 0,1-1 0,-1 20 0,3-18-6631</inkml:trace>
 </inkml:ink>
 </file>
 
@@ -607,15 +1065,14 @@
           <inkml:channelProperty channel="F" name="resolution" value="0" units="1/dev"/>
         </inkml:channelProperties>
       </inkml:inkSource>
-      <inkml:timestamp xml:id="ts0" timeString="2022-03-20T13:20:08.369"/>
+      <inkml:timestamp xml:id="ts0" timeString="2022-03-20T13:24:34.406"/>
     </inkml:context>
     <inkml:brush xml:id="br0">
       <inkml:brushProperty name="width" value="0.025" units="cm"/>
       <inkml:brushProperty name="height" value="0.025" units="cm"/>
-      <inkml:brushProperty name="color" value="#E71224"/>
     </inkml:brush>
   </inkml:definitions>
-  <inkml:trace contextRef="#ctx0" brushRef="#br0">1 1 24575,'0'0'-8191</inkml:trace>
+  <inkml:trace contextRef="#ctx0" brushRef="#br0">0 240 24575,'1'-1'0,"0"1"0,0-1 0,0 0 0,-1 1 0,1-1 0,0 0 0,0 1 0,-1-1 0,1 0 0,-1 0 0,1 0 0,0 1 0,-1-1 0,0 0 0,1 0 0,-1 0 0,1 0 0,-1 0 0,0 0 0,0 0 0,0 0 0,1 0 0,-1 0 0,0 0 0,0 0 0,-1-2 0,3-33 0,-2 32 0,14-143 0,-14 146 0,0-1 0,0 1 0,1 0 0,-1-1 0,0 1 0,1 0 0,0 0 0,-1 0 0,1-1 0,-1 1 0,1 0 0,0 0 0,0 0 0,0 0 0,0 0 0,0 0 0,0 0 0,0 1 0,0-1 0,0 0 0,0 0 0,0 1 0,0-1 0,1 1 0,-1-1 0,0 1 0,0 0 0,1-1 0,-1 1 0,0 0 0,1 0 0,-1 0 0,0 0 0,1 0 0,-1 0 0,0 0 0,1 0 0,0 1 0,10 1 0,1 0 0,-1 0 0,16 7 0,-8-3 0,20 7-1365,-32-10-5461</inkml:trace>
 </inkml:ink>
 </file>
 
@@ -768,7 +1225,7 @@
           <a:p>
             <a:fld id="{E65DE028-BE6F-42E2-948E-BA7064402EFA}" type="datetimeFigureOut">
               <a:rPr lang="en-US" smtClean="0"/>
-              <a:t>4/2/2022</a:t>
+              <a:t>3/20/2022</a:t>
             </a:fld>
             <a:endParaRPr lang="en-US"/>
           </a:p>
@@ -968,7 +1425,7 @@
           <a:p>
             <a:fld id="{E65DE028-BE6F-42E2-948E-BA7064402EFA}" type="datetimeFigureOut">
               <a:rPr lang="en-US" smtClean="0"/>
-              <a:t>4/2/2022</a:t>
+              <a:t>3/20/2022</a:t>
             </a:fld>
             <a:endParaRPr lang="en-US"/>
           </a:p>
@@ -1178,7 +1635,7 @@
           <a:p>
             <a:fld id="{E65DE028-BE6F-42E2-948E-BA7064402EFA}" type="datetimeFigureOut">
               <a:rPr lang="en-US" smtClean="0"/>
-              <a:t>4/2/2022</a:t>
+              <a:t>3/20/2022</a:t>
             </a:fld>
             <a:endParaRPr lang="en-US"/>
           </a:p>
@@ -1378,7 +1835,7 @@
           <a:p>
             <a:fld id="{E65DE028-BE6F-42E2-948E-BA7064402EFA}" type="datetimeFigureOut">
               <a:rPr lang="en-US" smtClean="0"/>
-              <a:t>4/2/2022</a:t>
+              <a:t>3/20/2022</a:t>
             </a:fld>
             <a:endParaRPr lang="en-US"/>
           </a:p>
@@ -1654,7 +2111,7 @@
           <a:p>
             <a:fld id="{E65DE028-BE6F-42E2-948E-BA7064402EFA}" type="datetimeFigureOut">
               <a:rPr lang="en-US" smtClean="0"/>
-              <a:t>4/2/2022</a:t>
+              <a:t>3/20/2022</a:t>
             </a:fld>
             <a:endParaRPr lang="en-US"/>
           </a:p>
@@ -1922,7 +2379,7 @@
           <a:p>
             <a:fld id="{E65DE028-BE6F-42E2-948E-BA7064402EFA}" type="datetimeFigureOut">
               <a:rPr lang="en-US" smtClean="0"/>
-              <a:t>4/2/2022</a:t>
+              <a:t>3/20/2022</a:t>
             </a:fld>
             <a:endParaRPr lang="en-US"/>
           </a:p>
@@ -2337,7 +2794,7 @@
           <a:p>
             <a:fld id="{E65DE028-BE6F-42E2-948E-BA7064402EFA}" type="datetimeFigureOut">
               <a:rPr lang="en-US" smtClean="0"/>
-              <a:t>4/2/2022</a:t>
+              <a:t>3/20/2022</a:t>
             </a:fld>
             <a:endParaRPr lang="en-US"/>
           </a:p>
@@ -2479,7 +2936,7 @@
           <a:p>
             <a:fld id="{E65DE028-BE6F-42E2-948E-BA7064402EFA}" type="datetimeFigureOut">
               <a:rPr lang="en-US" smtClean="0"/>
-              <a:t>4/2/2022</a:t>
+              <a:t>3/20/2022</a:t>
             </a:fld>
             <a:endParaRPr lang="en-US"/>
           </a:p>
@@ -2592,7 +3049,7 @@
           <a:p>
             <a:fld id="{E65DE028-BE6F-42E2-948E-BA7064402EFA}" type="datetimeFigureOut">
               <a:rPr lang="en-US" smtClean="0"/>
-              <a:t>4/2/2022</a:t>
+              <a:t>3/20/2022</a:t>
             </a:fld>
             <a:endParaRPr lang="en-US"/>
           </a:p>
@@ -2905,7 +3362,7 @@
           <a:p>
             <a:fld id="{E65DE028-BE6F-42E2-948E-BA7064402EFA}" type="datetimeFigureOut">
               <a:rPr lang="en-US" smtClean="0"/>
-              <a:t>4/2/2022</a:t>
+              <a:t>3/20/2022</a:t>
             </a:fld>
             <a:endParaRPr lang="en-US"/>
           </a:p>
@@ -3194,7 +3651,7 @@
           <a:p>
             <a:fld id="{E65DE028-BE6F-42E2-948E-BA7064402EFA}" type="datetimeFigureOut">
               <a:rPr lang="en-US" smtClean="0"/>
-              <a:t>4/2/2022</a:t>
+              <a:t>3/20/2022</a:t>
             </a:fld>
             <a:endParaRPr lang="en-US"/>
           </a:p>
@@ -3437,7 +3894,7 @@
           <a:p>
             <a:fld id="{E65DE028-BE6F-42E2-948E-BA7064402EFA}" type="datetimeFigureOut">
               <a:rPr lang="en-US" smtClean="0"/>
-              <a:t>4/2/2022</a:t>
+              <a:t>3/20/2022</a:t>
             </a:fld>
             <a:endParaRPr lang="en-US"/>
           </a:p>
@@ -4179,13 +4636,13 @@
           <p:nvPr>
             <p:extLst>
               <p:ext uri="{D42A27DB-BD31-4B8C-83A1-F6EECF244321}">
-                <p14:modId xmlns:p14="http://schemas.microsoft.com/office/powerpoint/2010/main" val="3812759017"/>
+                <p14:modId xmlns:p14="http://schemas.microsoft.com/office/powerpoint/2010/main" val="3734386040"/>
               </p:ext>
             </p:extLst>
           </p:nvPr>
         </p:nvGraphicFramePr>
         <p:xfrm>
-          <a:off x="371373" y="998436"/>
+          <a:off x="251407" y="946530"/>
           <a:ext cx="3771901" cy="2349075"/>
         </p:xfrm>
         <a:graphic>
@@ -4544,6 +5001,648 @@
           </a:graphicData>
         </a:graphic>
       </p:graphicFrame>
+      <p:graphicFrame>
+        <p:nvGraphicFramePr>
+          <p:cNvPr id="3" name="Táblázat 7">
+            <a:extLst>
+              <a:ext uri="{FF2B5EF4-FFF2-40B4-BE49-F238E27FC236}">
+                <a16:creationId xmlns:a16="http://schemas.microsoft.com/office/drawing/2014/main" id="{AA3780FE-A12D-4978-8625-B5CECDA91DFF}"/>
+              </a:ext>
+            </a:extLst>
+          </p:cNvPr>
+          <p:cNvGraphicFramePr>
+            <a:graphicFrameLocks noGrp="1"/>
+          </p:cNvGraphicFramePr>
+          <p:nvPr>
+            <p:extLst>
+              <p:ext uri="{D42A27DB-BD31-4B8C-83A1-F6EECF244321}">
+                <p14:modId xmlns:p14="http://schemas.microsoft.com/office/powerpoint/2010/main" val="975298599"/>
+              </p:ext>
+            </p:extLst>
+          </p:nvPr>
+        </p:nvGraphicFramePr>
+        <p:xfrm>
+          <a:off x="4133699" y="927129"/>
+          <a:ext cx="7772300" cy="5593185"/>
+        </p:xfrm>
+        <a:graphic>
+          <a:graphicData uri="http://schemas.openxmlformats.org/drawingml/2006/table">
+            <a:tbl>
+              <a:tblPr firstRow="1" bandRow="1">
+                <a:tableStyleId>{5C22544A-7EE6-4342-B048-85BDC9FD1C3A}</a:tableStyleId>
+              </a:tblPr>
+              <a:tblGrid>
+                <a:gridCol w="1943075">
+                  <a:extLst>
+                    <a:ext uri="{9D8B030D-6E8A-4147-A177-3AD203B41FA5}">
+                      <a16:colId xmlns:a16="http://schemas.microsoft.com/office/drawing/2014/main" val="2598443847"/>
+                    </a:ext>
+                  </a:extLst>
+                </a:gridCol>
+                <a:gridCol w="1943075">
+                  <a:extLst>
+                    <a:ext uri="{9D8B030D-6E8A-4147-A177-3AD203B41FA5}">
+                      <a16:colId xmlns:a16="http://schemas.microsoft.com/office/drawing/2014/main" val="2935347366"/>
+                    </a:ext>
+                  </a:extLst>
+                </a:gridCol>
+                <a:gridCol w="1943075">
+                  <a:extLst>
+                    <a:ext uri="{9D8B030D-6E8A-4147-A177-3AD203B41FA5}">
+                      <a16:colId xmlns:a16="http://schemas.microsoft.com/office/drawing/2014/main" val="2368300544"/>
+                    </a:ext>
+                  </a:extLst>
+                </a:gridCol>
+                <a:gridCol w="1943075">
+                  <a:extLst>
+                    <a:ext uri="{9D8B030D-6E8A-4147-A177-3AD203B41FA5}">
+                      <a16:colId xmlns:a16="http://schemas.microsoft.com/office/drawing/2014/main" val="3644187451"/>
+                    </a:ext>
+                  </a:extLst>
+                </a:gridCol>
+              </a:tblGrid>
+              <a:tr h="381422">
+                <a:tc>
+                  <a:txBody>
+                    <a:bodyPr/>
+                    <a:lstStyle/>
+                    <a:p>
+                      <a:pPr algn="ctr"/>
+                      <a:r>
+                        <a:rPr lang="hu-HU" sz="1800" b="1" dirty="0">
+                          <a:solidFill>
+                            <a:schemeClr val="bg1">
+                              <a:lumMod val="95000"/>
+                            </a:schemeClr>
+                          </a:solidFill>
+                          <a:latin typeface="Consolas" panose="020B0609020204030204" pitchFamily="49" charset="0"/>
+                        </a:rPr>
+                        <a:t>Név</a:t>
+                      </a:r>
+                      <a:endParaRPr lang="en-US" sz="1800" b="1" dirty="0">
+                        <a:solidFill>
+                          <a:schemeClr val="bg1">
+                            <a:lumMod val="95000"/>
+                          </a:schemeClr>
+                        </a:solidFill>
+                        <a:latin typeface="Consolas" panose="020B0609020204030204" pitchFamily="49" charset="0"/>
+                      </a:endParaRPr>
+                    </a:p>
+                  </a:txBody>
+                  <a:tcPr>
+                    <a:lnL w="12700" cap="flat" cmpd="sng" algn="ctr">
+                      <a:solidFill>
+                        <a:schemeClr val="bg1">
+                          <a:lumMod val="95000"/>
+                        </a:schemeClr>
+                      </a:solidFill>
+                      <a:prstDash val="solid"/>
+                      <a:round/>
+                      <a:headEnd type="none" w="med" len="med"/>
+                      <a:tailEnd type="none" w="med" len="med"/>
+                    </a:lnL>
+                    <a:lnR w="12700" cap="flat" cmpd="sng" algn="ctr">
+                      <a:solidFill>
+                        <a:schemeClr val="bg1">
+                          <a:lumMod val="95000"/>
+                        </a:schemeClr>
+                      </a:solidFill>
+                      <a:prstDash val="solid"/>
+                      <a:round/>
+                      <a:headEnd type="none" w="med" len="med"/>
+                      <a:tailEnd type="none" w="med" len="med"/>
+                    </a:lnR>
+                    <a:lnT w="12700" cap="flat" cmpd="sng" algn="ctr">
+                      <a:solidFill>
+                        <a:schemeClr val="bg1">
+                          <a:lumMod val="95000"/>
+                        </a:schemeClr>
+                      </a:solidFill>
+                      <a:prstDash val="solid"/>
+                      <a:round/>
+                      <a:headEnd type="none" w="med" len="med"/>
+                      <a:tailEnd type="none" w="med" len="med"/>
+                    </a:lnT>
+                    <a:lnB w="12700" cap="flat" cmpd="sng" algn="ctr">
+                      <a:solidFill>
+                        <a:schemeClr val="bg1">
+                          <a:lumMod val="95000"/>
+                        </a:schemeClr>
+                      </a:solidFill>
+                      <a:prstDash val="solid"/>
+                      <a:round/>
+                      <a:headEnd type="none" w="med" len="med"/>
+                      <a:tailEnd type="none" w="med" len="med"/>
+                    </a:lnB>
+                    <a:solidFill>
+                      <a:schemeClr val="tx1">
+                        <a:lumMod val="65000"/>
+                        <a:lumOff val="35000"/>
+                      </a:schemeClr>
+                    </a:solidFill>
+                  </a:tcPr>
+                </a:tc>
+                <a:tc>
+                  <a:txBody>
+                    <a:bodyPr/>
+                    <a:lstStyle/>
+                    <a:p>
+                      <a:pPr algn="ctr"/>
+                      <a:r>
+                        <a:rPr lang="hu-HU" sz="1800" dirty="0">
+                          <a:solidFill>
+                            <a:schemeClr val="bg1">
+                              <a:lumMod val="95000"/>
+                            </a:schemeClr>
+                          </a:solidFill>
+                          <a:latin typeface="Consolas" panose="020B0609020204030204" pitchFamily="49" charset="0"/>
+                        </a:rPr>
+                        <a:t>Azonosító</a:t>
+                      </a:r>
+                      <a:endParaRPr lang="en-US" sz="1800" dirty="0">
+                        <a:solidFill>
+                          <a:schemeClr val="bg1">
+                            <a:lumMod val="95000"/>
+                          </a:schemeClr>
+                        </a:solidFill>
+                        <a:latin typeface="Consolas" panose="020B0609020204030204" pitchFamily="49" charset="0"/>
+                      </a:endParaRPr>
+                    </a:p>
+                  </a:txBody>
+                  <a:tcPr>
+                    <a:lnL w="12700" cap="flat" cmpd="sng" algn="ctr">
+                      <a:solidFill>
+                        <a:schemeClr val="bg1">
+                          <a:lumMod val="95000"/>
+                        </a:schemeClr>
+                      </a:solidFill>
+                      <a:prstDash val="solid"/>
+                      <a:round/>
+                      <a:headEnd type="none" w="med" len="med"/>
+                      <a:tailEnd type="none" w="med" len="med"/>
+                    </a:lnL>
+                    <a:lnR w="12700" cap="flat" cmpd="sng" algn="ctr">
+                      <a:solidFill>
+                        <a:schemeClr val="bg1">
+                          <a:lumMod val="95000"/>
+                        </a:schemeClr>
+                      </a:solidFill>
+                      <a:prstDash val="solid"/>
+                      <a:round/>
+                      <a:headEnd type="none" w="med" len="med"/>
+                      <a:tailEnd type="none" w="med" len="med"/>
+                    </a:lnR>
+                    <a:lnT w="12700" cap="flat" cmpd="sng" algn="ctr">
+                      <a:solidFill>
+                        <a:schemeClr val="bg1">
+                          <a:lumMod val="95000"/>
+                        </a:schemeClr>
+                      </a:solidFill>
+                      <a:prstDash val="solid"/>
+                      <a:round/>
+                      <a:headEnd type="none" w="med" len="med"/>
+                      <a:tailEnd type="none" w="med" len="med"/>
+                    </a:lnT>
+                    <a:lnB w="12700" cap="flat" cmpd="sng" algn="ctr">
+                      <a:solidFill>
+                        <a:schemeClr val="bg1">
+                          <a:lumMod val="95000"/>
+                        </a:schemeClr>
+                      </a:solidFill>
+                      <a:prstDash val="solid"/>
+                      <a:round/>
+                      <a:headEnd type="none" w="med" len="med"/>
+                      <a:tailEnd type="none" w="med" len="med"/>
+                    </a:lnB>
+                    <a:solidFill>
+                      <a:schemeClr val="tx1">
+                        <a:lumMod val="65000"/>
+                        <a:lumOff val="35000"/>
+                      </a:schemeClr>
+                    </a:solidFill>
+                  </a:tcPr>
+                </a:tc>
+                <a:tc>
+                  <a:txBody>
+                    <a:bodyPr/>
+                    <a:lstStyle/>
+                    <a:p>
+                      <a:pPr algn="ctr"/>
+                      <a:r>
+                        <a:rPr lang="hu-HU" sz="1800" dirty="0">
+                          <a:solidFill>
+                            <a:schemeClr val="bg1">
+                              <a:lumMod val="95000"/>
+                            </a:schemeClr>
+                          </a:solidFill>
+                          <a:latin typeface="Consolas" panose="020B0609020204030204" pitchFamily="49" charset="0"/>
+                        </a:rPr>
+                        <a:t>Vércsoport</a:t>
+                      </a:r>
+                      <a:endParaRPr lang="en-US" sz="1800" dirty="0">
+                        <a:solidFill>
+                          <a:schemeClr val="bg1">
+                            <a:lumMod val="95000"/>
+                          </a:schemeClr>
+                        </a:solidFill>
+                        <a:latin typeface="Consolas" panose="020B0609020204030204" pitchFamily="49" charset="0"/>
+                      </a:endParaRPr>
+                    </a:p>
+                  </a:txBody>
+                  <a:tcPr>
+                    <a:lnL w="12700" cap="flat" cmpd="sng" algn="ctr">
+                      <a:solidFill>
+                        <a:schemeClr val="bg1">
+                          <a:lumMod val="95000"/>
+                        </a:schemeClr>
+                      </a:solidFill>
+                      <a:prstDash val="solid"/>
+                      <a:round/>
+                      <a:headEnd type="none" w="med" len="med"/>
+                      <a:tailEnd type="none" w="med" len="med"/>
+                    </a:lnL>
+                    <a:lnR w="12700" cap="flat" cmpd="sng" algn="ctr">
+                      <a:solidFill>
+                        <a:schemeClr val="bg1">
+                          <a:lumMod val="95000"/>
+                        </a:schemeClr>
+                      </a:solidFill>
+                      <a:prstDash val="solid"/>
+                      <a:round/>
+                      <a:headEnd type="none" w="med" len="med"/>
+                      <a:tailEnd type="none" w="med" len="med"/>
+                    </a:lnR>
+                    <a:lnT w="12700" cap="flat" cmpd="sng" algn="ctr">
+                      <a:solidFill>
+                        <a:schemeClr val="bg1">
+                          <a:lumMod val="95000"/>
+                        </a:schemeClr>
+                      </a:solidFill>
+                      <a:prstDash val="solid"/>
+                      <a:round/>
+                      <a:headEnd type="none" w="med" len="med"/>
+                      <a:tailEnd type="none" w="med" len="med"/>
+                    </a:lnT>
+                    <a:lnB w="12700" cap="flat" cmpd="sng" algn="ctr">
+                      <a:solidFill>
+                        <a:schemeClr val="bg1">
+                          <a:lumMod val="95000"/>
+                        </a:schemeClr>
+                      </a:solidFill>
+                      <a:prstDash val="solid"/>
+                      <a:round/>
+                      <a:headEnd type="none" w="med" len="med"/>
+                      <a:tailEnd type="none" w="med" len="med"/>
+                    </a:lnB>
+                    <a:solidFill>
+                      <a:schemeClr val="tx1">
+                        <a:lumMod val="65000"/>
+                        <a:lumOff val="35000"/>
+                      </a:schemeClr>
+                    </a:solidFill>
+                  </a:tcPr>
+                </a:tc>
+                <a:tc>
+                  <a:txBody>
+                    <a:bodyPr/>
+                    <a:lstStyle/>
+                    <a:p>
+                      <a:pPr algn="ctr"/>
+                      <a:r>
+                        <a:rPr lang="hu-HU" sz="1800" dirty="0">
+                          <a:solidFill>
+                            <a:schemeClr val="bg1">
+                              <a:lumMod val="95000"/>
+                            </a:schemeClr>
+                          </a:solidFill>
+                          <a:latin typeface="Consolas" panose="020B0609020204030204" pitchFamily="49" charset="0"/>
+                        </a:rPr>
+                        <a:t>Mennyiség(ml)</a:t>
+                      </a:r>
+                      <a:endParaRPr lang="en-US" sz="1800" dirty="0">
+                        <a:solidFill>
+                          <a:schemeClr val="bg1">
+                            <a:lumMod val="95000"/>
+                          </a:schemeClr>
+                        </a:solidFill>
+                        <a:latin typeface="Consolas" panose="020B0609020204030204" pitchFamily="49" charset="0"/>
+                      </a:endParaRPr>
+                    </a:p>
+                  </a:txBody>
+                  <a:tcPr>
+                    <a:lnL w="12700" cap="flat" cmpd="sng" algn="ctr">
+                      <a:solidFill>
+                        <a:schemeClr val="bg1">
+                          <a:lumMod val="95000"/>
+                        </a:schemeClr>
+                      </a:solidFill>
+                      <a:prstDash val="solid"/>
+                      <a:round/>
+                      <a:headEnd type="none" w="med" len="med"/>
+                      <a:tailEnd type="none" w="med" len="med"/>
+                    </a:lnL>
+                    <a:lnR w="12700" cap="flat" cmpd="sng" algn="ctr">
+                      <a:solidFill>
+                        <a:schemeClr val="bg1">
+                          <a:lumMod val="95000"/>
+                        </a:schemeClr>
+                      </a:solidFill>
+                      <a:prstDash val="solid"/>
+                      <a:round/>
+                      <a:headEnd type="none" w="med" len="med"/>
+                      <a:tailEnd type="none" w="med" len="med"/>
+                    </a:lnR>
+                    <a:lnT w="12700" cap="flat" cmpd="sng" algn="ctr">
+                      <a:solidFill>
+                        <a:schemeClr val="bg1">
+                          <a:lumMod val="95000"/>
+                        </a:schemeClr>
+                      </a:solidFill>
+                      <a:prstDash val="solid"/>
+                      <a:round/>
+                      <a:headEnd type="none" w="med" len="med"/>
+                      <a:tailEnd type="none" w="med" len="med"/>
+                    </a:lnT>
+                    <a:lnB w="12700" cap="flat" cmpd="sng" algn="ctr">
+                      <a:solidFill>
+                        <a:schemeClr val="bg1">
+                          <a:lumMod val="95000"/>
+                        </a:schemeClr>
+                      </a:solidFill>
+                      <a:prstDash val="solid"/>
+                      <a:round/>
+                      <a:headEnd type="none" w="med" len="med"/>
+                      <a:tailEnd type="none" w="med" len="med"/>
+                    </a:lnB>
+                    <a:solidFill>
+                      <a:schemeClr val="tx1">
+                        <a:lumMod val="65000"/>
+                        <a:lumOff val="35000"/>
+                      </a:schemeClr>
+                    </a:solidFill>
+                  </a:tcPr>
+                </a:tc>
+                <a:extLst>
+                  <a:ext uri="{0D108BD9-81ED-4DB2-BD59-A6C34878D82A}">
+                    <a16:rowId xmlns:a16="http://schemas.microsoft.com/office/drawing/2014/main" val="2965694189"/>
+                  </a:ext>
+                </a:extLst>
+              </a:tr>
+              <a:tr h="5211763">
+                <a:tc>
+                  <a:txBody>
+                    <a:bodyPr/>
+                    <a:lstStyle/>
+                    <a:p>
+                      <a:endParaRPr lang="en-US" dirty="0"/>
+                    </a:p>
+                  </a:txBody>
+                  <a:tcPr>
+                    <a:lnL w="12700" cap="flat" cmpd="sng" algn="ctr">
+                      <a:solidFill>
+                        <a:schemeClr val="bg1">
+                          <a:lumMod val="95000"/>
+                        </a:schemeClr>
+                      </a:solidFill>
+                      <a:prstDash val="solid"/>
+                      <a:round/>
+                      <a:headEnd type="none" w="med" len="med"/>
+                      <a:tailEnd type="none" w="med" len="med"/>
+                    </a:lnL>
+                    <a:lnR w="12700" cap="flat" cmpd="sng" algn="ctr">
+                      <a:solidFill>
+                        <a:schemeClr val="bg1">
+                          <a:lumMod val="95000"/>
+                        </a:schemeClr>
+                      </a:solidFill>
+                      <a:prstDash val="solid"/>
+                      <a:round/>
+                      <a:headEnd type="none" w="med" len="med"/>
+                      <a:tailEnd type="none" w="med" len="med"/>
+                    </a:lnR>
+                    <a:lnT w="12700" cap="flat" cmpd="sng" algn="ctr">
+                      <a:solidFill>
+                        <a:schemeClr val="bg1">
+                          <a:lumMod val="95000"/>
+                        </a:schemeClr>
+                      </a:solidFill>
+                      <a:prstDash val="solid"/>
+                      <a:round/>
+                      <a:headEnd type="none" w="med" len="med"/>
+                      <a:tailEnd type="none" w="med" len="med"/>
+                    </a:lnT>
+                    <a:lnB w="12700" cap="flat" cmpd="sng" algn="ctr">
+                      <a:solidFill>
+                        <a:schemeClr val="bg1">
+                          <a:lumMod val="95000"/>
+                        </a:schemeClr>
+                      </a:solidFill>
+                      <a:prstDash val="solid"/>
+                      <a:round/>
+                      <a:headEnd type="none" w="med" len="med"/>
+                      <a:tailEnd type="none" w="med" len="med"/>
+                    </a:lnB>
+                    <a:solidFill>
+                      <a:schemeClr val="tx1">
+                        <a:lumMod val="65000"/>
+                        <a:lumOff val="35000"/>
+                      </a:schemeClr>
+                    </a:solidFill>
+                  </a:tcPr>
+                </a:tc>
+                <a:tc>
+                  <a:txBody>
+                    <a:bodyPr/>
+                    <a:lstStyle/>
+                    <a:p>
+                      <a:endParaRPr lang="en-US" dirty="0"/>
+                    </a:p>
+                  </a:txBody>
+                  <a:tcPr>
+                    <a:lnL w="12700" cap="flat" cmpd="sng" algn="ctr">
+                      <a:solidFill>
+                        <a:schemeClr val="bg1">
+                          <a:lumMod val="95000"/>
+                        </a:schemeClr>
+                      </a:solidFill>
+                      <a:prstDash val="solid"/>
+                      <a:round/>
+                      <a:headEnd type="none" w="med" len="med"/>
+                      <a:tailEnd type="none" w="med" len="med"/>
+                    </a:lnL>
+                    <a:lnR w="12700" cap="flat" cmpd="sng" algn="ctr">
+                      <a:solidFill>
+                        <a:schemeClr val="bg1">
+                          <a:lumMod val="95000"/>
+                        </a:schemeClr>
+                      </a:solidFill>
+                      <a:prstDash val="solid"/>
+                      <a:round/>
+                      <a:headEnd type="none" w="med" len="med"/>
+                      <a:tailEnd type="none" w="med" len="med"/>
+                    </a:lnR>
+                    <a:lnT w="12700" cap="flat" cmpd="sng" algn="ctr">
+                      <a:solidFill>
+                        <a:schemeClr val="bg1">
+                          <a:lumMod val="95000"/>
+                        </a:schemeClr>
+                      </a:solidFill>
+                      <a:prstDash val="solid"/>
+                      <a:round/>
+                      <a:headEnd type="none" w="med" len="med"/>
+                      <a:tailEnd type="none" w="med" len="med"/>
+                    </a:lnT>
+                    <a:lnB w="12700" cap="flat" cmpd="sng" algn="ctr">
+                      <a:solidFill>
+                        <a:schemeClr val="bg1">
+                          <a:lumMod val="95000"/>
+                        </a:schemeClr>
+                      </a:solidFill>
+                      <a:prstDash val="solid"/>
+                      <a:round/>
+                      <a:headEnd type="none" w="med" len="med"/>
+                      <a:tailEnd type="none" w="med" len="med"/>
+                    </a:lnB>
+                    <a:solidFill>
+                      <a:schemeClr val="tx1">
+                        <a:lumMod val="65000"/>
+                        <a:lumOff val="35000"/>
+                      </a:schemeClr>
+                    </a:solidFill>
+                  </a:tcPr>
+                </a:tc>
+                <a:tc>
+                  <a:txBody>
+                    <a:bodyPr/>
+                    <a:lstStyle/>
+                    <a:p>
+                      <a:endParaRPr lang="en-US" dirty="0"/>
+                    </a:p>
+                  </a:txBody>
+                  <a:tcPr>
+                    <a:lnL w="12700" cap="flat" cmpd="sng" algn="ctr">
+                      <a:solidFill>
+                        <a:schemeClr val="bg1">
+                          <a:lumMod val="95000"/>
+                        </a:schemeClr>
+                      </a:solidFill>
+                      <a:prstDash val="solid"/>
+                      <a:round/>
+                      <a:headEnd type="none" w="med" len="med"/>
+                      <a:tailEnd type="none" w="med" len="med"/>
+                    </a:lnL>
+                    <a:lnR w="12700" cap="flat" cmpd="sng" algn="ctr">
+                      <a:solidFill>
+                        <a:schemeClr val="bg1">
+                          <a:lumMod val="95000"/>
+                        </a:schemeClr>
+                      </a:solidFill>
+                      <a:prstDash val="solid"/>
+                      <a:round/>
+                      <a:headEnd type="none" w="med" len="med"/>
+                      <a:tailEnd type="none" w="med" len="med"/>
+                    </a:lnR>
+                    <a:lnT w="12700" cap="flat" cmpd="sng" algn="ctr">
+                      <a:solidFill>
+                        <a:schemeClr val="bg1">
+                          <a:lumMod val="95000"/>
+                        </a:schemeClr>
+                      </a:solidFill>
+                      <a:prstDash val="solid"/>
+                      <a:round/>
+                      <a:headEnd type="none" w="med" len="med"/>
+                      <a:tailEnd type="none" w="med" len="med"/>
+                    </a:lnT>
+                    <a:lnB w="12700" cap="flat" cmpd="sng" algn="ctr">
+                      <a:solidFill>
+                        <a:schemeClr val="bg1">
+                          <a:lumMod val="95000"/>
+                        </a:schemeClr>
+                      </a:solidFill>
+                      <a:prstDash val="solid"/>
+                      <a:round/>
+                      <a:headEnd type="none" w="med" len="med"/>
+                      <a:tailEnd type="none" w="med" len="med"/>
+                    </a:lnB>
+                    <a:solidFill>
+                      <a:schemeClr val="tx1">
+                        <a:lumMod val="65000"/>
+                        <a:lumOff val="35000"/>
+                      </a:schemeClr>
+                    </a:solidFill>
+                  </a:tcPr>
+                </a:tc>
+                <a:tc>
+                  <a:txBody>
+                    <a:bodyPr/>
+                    <a:lstStyle/>
+                    <a:p>
+                      <a:endParaRPr lang="en-US" dirty="0"/>
+                    </a:p>
+                  </a:txBody>
+                  <a:tcPr>
+                    <a:lnL w="12700" cap="flat" cmpd="sng" algn="ctr">
+                      <a:solidFill>
+                        <a:schemeClr val="bg1">
+                          <a:lumMod val="95000"/>
+                        </a:schemeClr>
+                      </a:solidFill>
+                      <a:prstDash val="solid"/>
+                      <a:round/>
+                      <a:headEnd type="none" w="med" len="med"/>
+                      <a:tailEnd type="none" w="med" len="med"/>
+                    </a:lnL>
+                    <a:lnR w="12700" cap="flat" cmpd="sng" algn="ctr">
+                      <a:solidFill>
+                        <a:schemeClr val="bg1">
+                          <a:lumMod val="95000"/>
+                        </a:schemeClr>
+                      </a:solidFill>
+                      <a:prstDash val="solid"/>
+                      <a:round/>
+                      <a:headEnd type="none" w="med" len="med"/>
+                      <a:tailEnd type="none" w="med" len="med"/>
+                    </a:lnR>
+                    <a:lnT w="12700" cap="flat" cmpd="sng" algn="ctr">
+                      <a:solidFill>
+                        <a:schemeClr val="bg1">
+                          <a:lumMod val="95000"/>
+                        </a:schemeClr>
+                      </a:solidFill>
+                      <a:prstDash val="solid"/>
+                      <a:round/>
+                      <a:headEnd type="none" w="med" len="med"/>
+                      <a:tailEnd type="none" w="med" len="med"/>
+                    </a:lnT>
+                    <a:lnB w="12700" cap="flat" cmpd="sng" algn="ctr">
+                      <a:solidFill>
+                        <a:schemeClr val="bg1">
+                          <a:lumMod val="95000"/>
+                        </a:schemeClr>
+                      </a:solidFill>
+                      <a:prstDash val="solid"/>
+                      <a:round/>
+                      <a:headEnd type="none" w="med" len="med"/>
+                      <a:tailEnd type="none" w="med" len="med"/>
+                    </a:lnB>
+                    <a:solidFill>
+                      <a:schemeClr val="tx1">
+                        <a:lumMod val="65000"/>
+                        <a:lumOff val="35000"/>
+                      </a:schemeClr>
+                    </a:solidFill>
+                  </a:tcPr>
+                </a:tc>
+                <a:extLst>
+                  <a:ext uri="{0D108BD9-81ED-4DB2-BD59-A6C34878D82A}">
+                    <a16:rowId xmlns:a16="http://schemas.microsoft.com/office/drawing/2014/main" val="3713266130"/>
+                  </a:ext>
+                </a:extLst>
+              </a:tr>
+            </a:tbl>
+          </a:graphicData>
+        </a:graphic>
+      </p:graphicFrame>
       <p:sp>
         <p:nvSpPr>
           <p:cNvPr id="16" name="Téglalap 15">
@@ -5027,29 +6126,640 @@
           </p:pic>
         </mc:Fallback>
       </mc:AlternateContent>
+      <p:sp>
+        <p:nvSpPr>
+          <p:cNvPr id="30" name="Téglalap 29">
+            <a:extLst>
+              <a:ext uri="{FF2B5EF4-FFF2-40B4-BE49-F238E27FC236}">
+                <a16:creationId xmlns:a16="http://schemas.microsoft.com/office/drawing/2014/main" id="{235CA5E2-5BF5-4C6D-BF70-09150C11722E}"/>
+              </a:ext>
+            </a:extLst>
+          </p:cNvPr>
+          <p:cNvSpPr/>
+          <p:nvPr/>
+        </p:nvSpPr>
+        <p:spPr>
+          <a:xfrm>
+            <a:off x="3776960" y="6181193"/>
+            <a:ext cx="323496" cy="323850"/>
+          </a:xfrm>
+          <a:prstGeom prst="rect">
+            <a:avLst/>
+          </a:prstGeom>
+          <a:noFill/>
+          <a:ln>
+            <a:solidFill>
+              <a:srgbClr val="CAC7C2"/>
+            </a:solidFill>
+          </a:ln>
+        </p:spPr>
+        <p:style>
+          <a:lnRef idx="2">
+            <a:schemeClr val="accent1">
+              <a:shade val="50000"/>
+            </a:schemeClr>
+          </a:lnRef>
+          <a:fillRef idx="1">
+            <a:schemeClr val="accent1"/>
+          </a:fillRef>
+          <a:effectRef idx="0">
+            <a:schemeClr val="accent1"/>
+          </a:effectRef>
+          <a:fontRef idx="minor">
+            <a:schemeClr val="lt1"/>
+          </a:fontRef>
+        </p:style>
+        <p:txBody>
+          <a:bodyPr rtlCol="0" anchor="ctr"/>
+          <a:lstStyle/>
+          <a:p>
+            <a:pPr algn="ctr"/>
+            <a:endParaRPr lang="en-US"/>
+          </a:p>
+        </p:txBody>
+      </p:sp>
+      <p:grpSp>
+        <p:nvGrpSpPr>
+          <p:cNvPr id="54" name="Csoportba foglalás 53">
+            <a:extLst>
+              <a:ext uri="{FF2B5EF4-FFF2-40B4-BE49-F238E27FC236}">
+                <a16:creationId xmlns:a16="http://schemas.microsoft.com/office/drawing/2014/main" id="{41AE3B78-2949-4341-8406-35A6F3D6FDFB}"/>
+              </a:ext>
+            </a:extLst>
+          </p:cNvPr>
+          <p:cNvGrpSpPr/>
+          <p:nvPr/>
+        </p:nvGrpSpPr>
+        <p:grpSpPr>
+          <a:xfrm>
+            <a:off x="3805148" y="6253118"/>
+            <a:ext cx="218160" cy="200520"/>
+            <a:chOff x="3805148" y="6253118"/>
+            <a:chExt cx="218160" cy="200520"/>
+          </a:xfrm>
+        </p:grpSpPr>
+        <mc:AlternateContent xmlns:mc="http://schemas.openxmlformats.org/markup-compatibility/2006" xmlns:p14="http://schemas.microsoft.com/office/powerpoint/2010/main">
+          <mc:Choice Requires="p14">
+            <p:contentPart p14:bwMode="auto" r:id="rId11">
+              <p14:nvContentPartPr>
+                <p14:cNvPr id="48" name="Szabadkéz 47">
+                  <a:extLst>
+                    <a:ext uri="{FF2B5EF4-FFF2-40B4-BE49-F238E27FC236}">
+                      <a16:creationId xmlns:a16="http://schemas.microsoft.com/office/drawing/2014/main" id="{C39AF679-7D8C-476E-B42C-AB9C8C20CA2D}"/>
+                    </a:ext>
+                  </a:extLst>
+                </p14:cNvPr>
+                <p14:cNvContentPartPr/>
+                <p14:nvPr/>
+              </p14:nvContentPartPr>
+              <p14:xfrm>
+                <a:off x="3938708" y="6253118"/>
+                <a:ext cx="84600" cy="113040"/>
+              </p14:xfrm>
+            </p:contentPart>
+          </mc:Choice>
+          <mc:Fallback xmlns="">
+            <p:pic>
+              <p:nvPicPr>
+                <p:cNvPr id="48" name="Szabadkéz 47">
+                  <a:extLst>
+                    <a:ext uri="{FF2B5EF4-FFF2-40B4-BE49-F238E27FC236}">
+                      <a16:creationId xmlns:a16="http://schemas.microsoft.com/office/drawing/2014/main" id="{C39AF679-7D8C-476E-B42C-AB9C8C20CA2D}"/>
+                    </a:ext>
+                  </a:extLst>
+                </p:cNvPr>
+                <p:cNvPicPr/>
+                <p:nvPr/>
+              </p:nvPicPr>
+              <p:blipFill>
+                <a:blip r:embed="rId12"/>
+                <a:stretch>
+                  <a:fillRect/>
+                </a:stretch>
+              </p:blipFill>
+              <p:spPr>
+                <a:xfrm>
+                  <a:off x="3934388" y="6248798"/>
+                  <a:ext cx="93240" cy="121680"/>
+                </a:xfrm>
+                <a:prstGeom prst="rect">
+                  <a:avLst/>
+                </a:prstGeom>
+              </p:spPr>
+            </p:pic>
+          </mc:Fallback>
+        </mc:AlternateContent>
+        <mc:AlternateContent xmlns:mc="http://schemas.openxmlformats.org/markup-compatibility/2006" xmlns:p14="http://schemas.microsoft.com/office/powerpoint/2010/main">
+          <mc:Choice Requires="p14">
+            <p:contentPart p14:bwMode="auto" r:id="rId13">
+              <p14:nvContentPartPr>
+                <p14:cNvPr id="49" name="Szabadkéz 48">
+                  <a:extLst>
+                    <a:ext uri="{FF2B5EF4-FFF2-40B4-BE49-F238E27FC236}">
+                      <a16:creationId xmlns:a16="http://schemas.microsoft.com/office/drawing/2014/main" id="{0C6F808E-27C9-4A4A-ABDF-5EC6786E87BC}"/>
+                    </a:ext>
+                  </a:extLst>
+                </p14:cNvPr>
+                <p14:cNvContentPartPr/>
+                <p14:nvPr/>
+              </p14:nvContentPartPr>
+              <p14:xfrm>
+                <a:off x="3842588" y="6276158"/>
+                <a:ext cx="162720" cy="77040"/>
+              </p14:xfrm>
+            </p:contentPart>
+          </mc:Choice>
+          <mc:Fallback xmlns="">
+            <p:pic>
+              <p:nvPicPr>
+                <p:cNvPr id="49" name="Szabadkéz 48">
+                  <a:extLst>
+                    <a:ext uri="{FF2B5EF4-FFF2-40B4-BE49-F238E27FC236}">
+                      <a16:creationId xmlns:a16="http://schemas.microsoft.com/office/drawing/2014/main" id="{0C6F808E-27C9-4A4A-ABDF-5EC6786E87BC}"/>
+                    </a:ext>
+                  </a:extLst>
+                </p:cNvPr>
+                <p:cNvPicPr/>
+                <p:nvPr/>
+              </p:nvPicPr>
+              <p:blipFill>
+                <a:blip r:embed="rId14"/>
+                <a:stretch>
+                  <a:fillRect/>
+                </a:stretch>
+              </p:blipFill>
+              <p:spPr>
+                <a:xfrm>
+                  <a:off x="3838268" y="6271838"/>
+                  <a:ext cx="171360" cy="85680"/>
+                </a:xfrm>
+                <a:prstGeom prst="rect">
+                  <a:avLst/>
+                </a:prstGeom>
+              </p:spPr>
+            </p:pic>
+          </mc:Fallback>
+        </mc:AlternateContent>
+        <mc:AlternateContent xmlns:mc="http://schemas.openxmlformats.org/markup-compatibility/2006" xmlns:p14="http://schemas.microsoft.com/office/powerpoint/2010/main">
+          <mc:Choice Requires="p14">
+            <p:contentPart p14:bwMode="auto" r:id="rId15">
+              <p14:nvContentPartPr>
+                <p14:cNvPr id="51" name="Szabadkéz 50">
+                  <a:extLst>
+                    <a:ext uri="{FF2B5EF4-FFF2-40B4-BE49-F238E27FC236}">
+                      <a16:creationId xmlns:a16="http://schemas.microsoft.com/office/drawing/2014/main" id="{38D0672D-DC13-479D-B594-3B3C806DFDA7}"/>
+                    </a:ext>
+                  </a:extLst>
+                </p14:cNvPr>
+                <p14:cNvContentPartPr/>
+                <p14:nvPr/>
+              </p14:nvContentPartPr>
+              <p14:xfrm>
+                <a:off x="3805148" y="6343118"/>
+                <a:ext cx="72000" cy="86400"/>
+              </p14:xfrm>
+            </p:contentPart>
+          </mc:Choice>
+          <mc:Fallback xmlns="">
+            <p:pic>
+              <p:nvPicPr>
+                <p:cNvPr id="51" name="Szabadkéz 50">
+                  <a:extLst>
+                    <a:ext uri="{FF2B5EF4-FFF2-40B4-BE49-F238E27FC236}">
+                      <a16:creationId xmlns:a16="http://schemas.microsoft.com/office/drawing/2014/main" id="{38D0672D-DC13-479D-B594-3B3C806DFDA7}"/>
+                    </a:ext>
+                  </a:extLst>
+                </p:cNvPr>
+                <p:cNvPicPr/>
+                <p:nvPr/>
+              </p:nvPicPr>
+              <p:blipFill>
+                <a:blip r:embed="rId16"/>
+                <a:stretch>
+                  <a:fillRect/>
+                </a:stretch>
+              </p:blipFill>
+              <p:spPr>
+                <a:xfrm>
+                  <a:off x="3800828" y="6338798"/>
+                  <a:ext cx="80640" cy="95040"/>
+                </a:xfrm>
+                <a:prstGeom prst="rect">
+                  <a:avLst/>
+                </a:prstGeom>
+              </p:spPr>
+            </p:pic>
+          </mc:Fallback>
+        </mc:AlternateContent>
+        <mc:AlternateContent xmlns:mc="http://schemas.openxmlformats.org/markup-compatibility/2006" xmlns:p14="http://schemas.microsoft.com/office/powerpoint/2010/main">
+          <mc:Choice Requires="p14">
+            <p:contentPart p14:bwMode="auto" r:id="rId17">
+              <p14:nvContentPartPr>
+                <p14:cNvPr id="53" name="Szabadkéz 52">
+                  <a:extLst>
+                    <a:ext uri="{FF2B5EF4-FFF2-40B4-BE49-F238E27FC236}">
+                      <a16:creationId xmlns:a16="http://schemas.microsoft.com/office/drawing/2014/main" id="{7A6F8F55-D5CB-491F-AF51-C343F0A5C745}"/>
+                    </a:ext>
+                  </a:extLst>
+                </p14:cNvPr>
+                <p14:cNvContentPartPr/>
+                <p14:nvPr/>
+              </p14:nvContentPartPr>
+              <p14:xfrm>
+                <a:off x="3819188" y="6352838"/>
+                <a:ext cx="173880" cy="100800"/>
+              </p14:xfrm>
+            </p:contentPart>
+          </mc:Choice>
+          <mc:Fallback xmlns="">
+            <p:pic>
+              <p:nvPicPr>
+                <p:cNvPr id="53" name="Szabadkéz 52">
+                  <a:extLst>
+                    <a:ext uri="{FF2B5EF4-FFF2-40B4-BE49-F238E27FC236}">
+                      <a16:creationId xmlns:a16="http://schemas.microsoft.com/office/drawing/2014/main" id="{7A6F8F55-D5CB-491F-AF51-C343F0A5C745}"/>
+                    </a:ext>
+                  </a:extLst>
+                </p:cNvPr>
+                <p:cNvPicPr/>
+                <p:nvPr/>
+              </p:nvPicPr>
+              <p:blipFill>
+                <a:blip r:embed="rId18"/>
+                <a:stretch>
+                  <a:fillRect/>
+                </a:stretch>
+              </p:blipFill>
+              <p:spPr>
+                <a:xfrm>
+                  <a:off x="3814868" y="6348518"/>
+                  <a:ext cx="182520" cy="109440"/>
+                </a:xfrm>
+                <a:prstGeom prst="rect">
+                  <a:avLst/>
+                </a:prstGeom>
+              </p:spPr>
+            </p:pic>
+          </mc:Fallback>
+        </mc:AlternateContent>
+      </p:grpSp>
+    </p:spTree>
+    <p:extLst>
+      <p:ext uri="{BB962C8B-B14F-4D97-AF65-F5344CB8AC3E}">
+        <p14:creationId xmlns:p14="http://schemas.microsoft.com/office/powerpoint/2010/main" val="185717489"/>
+      </p:ext>
+    </p:extLst>
+  </p:cSld>
+  <p:clrMapOvr>
+    <a:masterClrMapping/>
+  </p:clrMapOvr>
+</p:sld>
+</file>
+
+<file path=ppt/slides/slide2.xml><?xml version="1.0" encoding="utf-8"?>
+<p:sld xmlns:a="http://schemas.openxmlformats.org/drawingml/2006/main" xmlns:r="http://schemas.openxmlformats.org/officeDocument/2006/relationships" xmlns:p="http://schemas.openxmlformats.org/presentationml/2006/main">
+  <p:cSld>
+    <p:bg>
+      <p:bgPr>
+        <a:solidFill>
+          <a:schemeClr val="bg1">
+            <a:lumMod val="95000"/>
+          </a:schemeClr>
+        </a:solidFill>
+        <a:effectLst/>
+      </p:bgPr>
+    </p:bg>
+    <p:spTree>
+      <p:nvGrpSpPr>
+        <p:cNvPr id="1" name=""/>
+        <p:cNvGrpSpPr/>
+        <p:nvPr/>
+      </p:nvGrpSpPr>
+      <p:grpSpPr>
+        <a:xfrm>
+          <a:off x="0" y="0"/>
+          <a:ext cx="0" cy="0"/>
+          <a:chOff x="0" y="0"/>
+          <a:chExt cx="0" cy="0"/>
+        </a:xfrm>
+      </p:grpSpPr>
+      <p:sp>
+        <p:nvSpPr>
+          <p:cNvPr id="2" name="Téglalap 1">
+            <a:extLst>
+              <a:ext uri="{FF2B5EF4-FFF2-40B4-BE49-F238E27FC236}">
+                <a16:creationId xmlns:a16="http://schemas.microsoft.com/office/drawing/2014/main" id="{1D4B0EED-B93F-4E73-9FC0-6FED5681A0E2}"/>
+              </a:ext>
+            </a:extLst>
+          </p:cNvPr>
+          <p:cNvSpPr/>
+          <p:nvPr/>
+        </p:nvSpPr>
+        <p:spPr>
+          <a:xfrm>
+            <a:off x="0" y="-63397"/>
+            <a:ext cx="12192000" cy="863497"/>
+          </a:xfrm>
+          <a:prstGeom prst="rect">
+            <a:avLst/>
+          </a:prstGeom>
+          <a:solidFill>
+            <a:srgbClr val="BD0D18"/>
+          </a:solidFill>
+          <a:ln w="28575">
+            <a:noFill/>
+          </a:ln>
+        </p:spPr>
+        <p:style>
+          <a:lnRef idx="2">
+            <a:schemeClr val="accent1">
+              <a:shade val="50000"/>
+            </a:schemeClr>
+          </a:lnRef>
+          <a:fillRef idx="1">
+            <a:schemeClr val="accent1"/>
+          </a:fillRef>
+          <a:effectRef idx="0">
+            <a:schemeClr val="accent1"/>
+          </a:effectRef>
+          <a:fontRef idx="minor">
+            <a:schemeClr val="lt1"/>
+          </a:fontRef>
+        </p:style>
+        <p:txBody>
+          <a:bodyPr rtlCol="0" anchor="ctr"/>
+          <a:lstStyle/>
+          <a:p>
+            <a:pPr algn="ctr"/>
+            <a:endParaRPr lang="en-US" dirty="0"/>
+          </a:p>
+        </p:txBody>
+      </p:sp>
+      <p:sp>
+        <p:nvSpPr>
+          <p:cNvPr id="4" name="Téglalap: lekerekített 3">
+            <a:extLst>
+              <a:ext uri="{FF2B5EF4-FFF2-40B4-BE49-F238E27FC236}">
+                <a16:creationId xmlns:a16="http://schemas.microsoft.com/office/drawing/2014/main" id="{39182016-5379-4D63-A7C6-4ECA52EFB311}"/>
+              </a:ext>
+            </a:extLst>
+          </p:cNvPr>
+          <p:cNvSpPr/>
+          <p:nvPr/>
+        </p:nvSpPr>
+        <p:spPr>
+          <a:xfrm>
+            <a:off x="295074" y="135985"/>
+            <a:ext cx="1267028" cy="378365"/>
+          </a:xfrm>
+          <a:prstGeom prst="roundRect">
+            <a:avLst/>
+          </a:prstGeom>
+          <a:solidFill>
+            <a:schemeClr val="tx1">
+              <a:lumMod val="95000"/>
+              <a:lumOff val="5000"/>
+            </a:schemeClr>
+          </a:solidFill>
+          <a:ln w="3175">
+            <a:solidFill>
+              <a:schemeClr val="tx1">
+                <a:alpha val="99000"/>
+              </a:schemeClr>
+            </a:solidFill>
+          </a:ln>
+        </p:spPr>
+        <p:style>
+          <a:lnRef idx="2">
+            <a:schemeClr val="accent1">
+              <a:shade val="50000"/>
+            </a:schemeClr>
+          </a:lnRef>
+          <a:fillRef idx="1">
+            <a:schemeClr val="accent1"/>
+          </a:fillRef>
+          <a:effectRef idx="0">
+            <a:schemeClr val="accent1"/>
+          </a:effectRef>
+          <a:fontRef idx="minor">
+            <a:schemeClr val="lt1"/>
+          </a:fontRef>
+        </p:style>
+        <p:txBody>
+          <a:bodyPr rtlCol="0" anchor="ctr"/>
+          <a:lstStyle/>
+          <a:p>
+            <a:pPr algn="ctr"/>
+            <a:endParaRPr lang="en-US">
+              <a:solidFill>
+                <a:srgbClr val="CAC7C2"/>
+              </a:solidFill>
+            </a:endParaRPr>
+          </a:p>
+        </p:txBody>
+      </p:sp>
+      <p:sp>
+        <p:nvSpPr>
+          <p:cNvPr id="5" name="Szövegdoboz 4">
+            <a:extLst>
+              <a:ext uri="{FF2B5EF4-FFF2-40B4-BE49-F238E27FC236}">
+                <a16:creationId xmlns:a16="http://schemas.microsoft.com/office/drawing/2014/main" id="{4BB8EC08-8C2F-4ABA-9E8A-75D7E81C9A71}"/>
+              </a:ext>
+            </a:extLst>
+          </p:cNvPr>
+          <p:cNvSpPr txBox="1"/>
+          <p:nvPr/>
+        </p:nvSpPr>
+        <p:spPr>
+          <a:xfrm>
+            <a:off x="482792" y="143972"/>
+            <a:ext cx="891590" cy="369332"/>
+          </a:xfrm>
+          <a:prstGeom prst="rect">
+            <a:avLst/>
+          </a:prstGeom>
+          <a:noFill/>
+        </p:spPr>
+        <p:txBody>
+          <a:bodyPr wrap="none" rtlCol="0">
+            <a:spAutoFit/>
+          </a:bodyPr>
+          <a:lstStyle/>
+          <a:p>
+            <a:pPr algn="ctr"/>
+            <a:r>
+              <a:rPr lang="hu-HU" dirty="0">
+                <a:solidFill>
+                  <a:schemeClr val="bg1"/>
+                </a:solidFill>
+                <a:latin typeface="Corbel" panose="020B0503020204020204" pitchFamily="34" charset="0"/>
+                <a:cs typeface="Calibri Light" panose="020F0302020204030204" pitchFamily="34" charset="0"/>
+              </a:rPr>
+              <a:t>Főoldal</a:t>
+            </a:r>
+            <a:endParaRPr lang="en-US" dirty="0">
+              <a:solidFill>
+                <a:schemeClr val="bg1"/>
+              </a:solidFill>
+              <a:latin typeface="Corbel" panose="020B0503020204020204" pitchFamily="34" charset="0"/>
+              <a:cs typeface="Calibri Light" panose="020F0302020204030204" pitchFamily="34" charset="0"/>
+            </a:endParaRPr>
+          </a:p>
+        </p:txBody>
+      </p:sp>
+      <p:sp>
+        <p:nvSpPr>
+          <p:cNvPr id="6" name="Téglalap: lekerekített 5">
+            <a:extLst>
+              <a:ext uri="{FF2B5EF4-FFF2-40B4-BE49-F238E27FC236}">
+                <a16:creationId xmlns:a16="http://schemas.microsoft.com/office/drawing/2014/main" id="{3FA26D5D-10B3-41E5-AD90-3795A2B29EA6}"/>
+              </a:ext>
+            </a:extLst>
+          </p:cNvPr>
+          <p:cNvSpPr/>
+          <p:nvPr/>
+        </p:nvSpPr>
+        <p:spPr>
+          <a:xfrm>
+            <a:off x="1761009" y="134939"/>
+            <a:ext cx="1267028" cy="378365"/>
+          </a:xfrm>
+          <a:prstGeom prst="roundRect">
+            <a:avLst/>
+          </a:prstGeom>
+          <a:solidFill>
+            <a:schemeClr val="tx1"/>
+          </a:solidFill>
+          <a:ln w="3175">
+            <a:solidFill>
+              <a:schemeClr val="tx1">
+                <a:alpha val="99000"/>
+              </a:schemeClr>
+            </a:solidFill>
+          </a:ln>
+        </p:spPr>
+        <p:style>
+          <a:lnRef idx="2">
+            <a:schemeClr val="accent1">
+              <a:shade val="50000"/>
+            </a:schemeClr>
+          </a:lnRef>
+          <a:fillRef idx="1">
+            <a:schemeClr val="accent1"/>
+          </a:fillRef>
+          <a:effectRef idx="0">
+            <a:schemeClr val="accent1"/>
+          </a:effectRef>
+          <a:fontRef idx="minor">
+            <a:schemeClr val="lt1"/>
+          </a:fontRef>
+        </p:style>
+        <p:txBody>
+          <a:bodyPr rtlCol="0" anchor="ctr"/>
+          <a:lstStyle/>
+          <a:p>
+            <a:pPr algn="ctr"/>
+            <a:r>
+              <a:rPr lang="hu-HU" dirty="0">
+                <a:solidFill>
+                  <a:schemeClr val="bg1"/>
+                </a:solidFill>
+                <a:latin typeface="Corbel" panose="020B0503020204020204" pitchFamily="34" charset="0"/>
+              </a:rPr>
+              <a:t>Kereső</a:t>
+            </a:r>
+            <a:endParaRPr lang="en-US" dirty="0">
+              <a:solidFill>
+                <a:schemeClr val="bg1"/>
+              </a:solidFill>
+              <a:latin typeface="Corbel" panose="020B0503020204020204" pitchFamily="34" charset="0"/>
+            </a:endParaRPr>
+          </a:p>
+        </p:txBody>
+      </p:sp>
+      <p:sp>
+        <p:nvSpPr>
+          <p:cNvPr id="7" name="Téglalap: lekerekített 6">
+            <a:extLst>
+              <a:ext uri="{FF2B5EF4-FFF2-40B4-BE49-F238E27FC236}">
+                <a16:creationId xmlns:a16="http://schemas.microsoft.com/office/drawing/2014/main" id="{1D2B0348-42C5-4CAC-ADE0-3D07B740285F}"/>
+              </a:ext>
+            </a:extLst>
+          </p:cNvPr>
+          <p:cNvSpPr/>
+          <p:nvPr/>
+        </p:nvSpPr>
+        <p:spPr>
+          <a:xfrm>
+            <a:off x="3226944" y="135985"/>
+            <a:ext cx="2192781" cy="378365"/>
+          </a:xfrm>
+          <a:prstGeom prst="roundRect">
+            <a:avLst/>
+          </a:prstGeom>
+          <a:solidFill>
+            <a:schemeClr val="tx1"/>
+          </a:solidFill>
+          <a:ln w="3175">
+            <a:noFill/>
+          </a:ln>
+        </p:spPr>
+        <p:style>
+          <a:lnRef idx="2">
+            <a:schemeClr val="accent1">
+              <a:shade val="50000"/>
+            </a:schemeClr>
+          </a:lnRef>
+          <a:fillRef idx="1">
+            <a:schemeClr val="accent1"/>
+          </a:fillRef>
+          <a:effectRef idx="0">
+            <a:schemeClr val="accent1"/>
+          </a:effectRef>
+          <a:fontRef idx="minor">
+            <a:schemeClr val="lt1"/>
+          </a:fontRef>
+        </p:style>
+        <p:txBody>
+          <a:bodyPr rtlCol="0" anchor="ctr"/>
+          <a:lstStyle/>
+          <a:p>
+            <a:pPr algn="ctr"/>
+            <a:r>
+              <a:rPr lang="hu-HU" sz="1600" dirty="0">
+                <a:solidFill>
+                  <a:schemeClr val="bg1"/>
+                </a:solidFill>
+                <a:latin typeface="Corbel" panose="020B0503020204020204" pitchFamily="34" charset="0"/>
+              </a:rPr>
+              <a:t>Adatok módosítása</a:t>
+            </a:r>
+            <a:endParaRPr lang="en-US" sz="1600" dirty="0">
+              <a:solidFill>
+                <a:schemeClr val="bg1"/>
+              </a:solidFill>
+              <a:latin typeface="Corbel" panose="020B0503020204020204" pitchFamily="34" charset="0"/>
+            </a:endParaRPr>
+          </a:p>
+        </p:txBody>
+      </p:sp>
       <p:graphicFrame>
         <p:nvGraphicFramePr>
-          <p:cNvPr id="25" name="Táblázat 7">
+          <p:cNvPr id="3" name="Táblázat 7">
             <a:extLst>
               <a:ext uri="{FF2B5EF4-FFF2-40B4-BE49-F238E27FC236}">
-                <a16:creationId xmlns:a16="http://schemas.microsoft.com/office/drawing/2014/main" id="{618D82EC-90C5-430C-A403-A497A1318394}"/>
+                <a16:creationId xmlns:a16="http://schemas.microsoft.com/office/drawing/2014/main" id="{AA3780FE-A12D-4978-8625-B5CECDA91DFF}"/>
               </a:ext>
             </a:extLst>
           </p:cNvPr>
           <p:cNvGraphicFramePr>
             <a:graphicFrameLocks noGrp="1"/>
           </p:cNvGraphicFramePr>
-          <p:nvPr>
-            <p:extLst>
-              <p:ext uri="{D42A27DB-BD31-4B8C-83A1-F6EECF244321}">
-                <p14:modId xmlns:p14="http://schemas.microsoft.com/office/powerpoint/2010/main" val="1287493857"/>
-              </p:ext>
-            </p:extLst>
-          </p:nvPr>
+          <p:nvPr/>
         </p:nvGraphicFramePr>
         <p:xfrm>
-          <a:off x="4568236" y="957922"/>
-          <a:ext cx="7114920" cy="5501955"/>
+          <a:off x="4133699" y="927129"/>
+          <a:ext cx="7772300" cy="5593185"/>
         </p:xfrm>
         <a:graphic>
           <a:graphicData uri="http://schemas.openxmlformats.org/drawingml/2006/table">
@@ -5058,43 +6768,36 @@
                 <a:tableStyleId>{5C22544A-7EE6-4342-B048-85BDC9FD1C3A}</a:tableStyleId>
               </a:tblPr>
               <a:tblGrid>
-                <a:gridCol w="1422984">
+                <a:gridCol w="1943075">
                   <a:extLst>
                     <a:ext uri="{9D8B030D-6E8A-4147-A177-3AD203B41FA5}">
                       <a16:colId xmlns:a16="http://schemas.microsoft.com/office/drawing/2014/main" val="2598443847"/>
                     </a:ext>
                   </a:extLst>
                 </a:gridCol>
-                <a:gridCol w="1422984">
+                <a:gridCol w="1943075">
                   <a:extLst>
                     <a:ext uri="{9D8B030D-6E8A-4147-A177-3AD203B41FA5}">
                       <a16:colId xmlns:a16="http://schemas.microsoft.com/office/drawing/2014/main" val="2935347366"/>
                     </a:ext>
                   </a:extLst>
                 </a:gridCol>
-                <a:gridCol w="1422984">
+                <a:gridCol w="1943075">
                   <a:extLst>
                     <a:ext uri="{9D8B030D-6E8A-4147-A177-3AD203B41FA5}">
                       <a16:colId xmlns:a16="http://schemas.microsoft.com/office/drawing/2014/main" val="2368300544"/>
                     </a:ext>
                   </a:extLst>
                 </a:gridCol>
-                <a:gridCol w="1422984">
+                <a:gridCol w="1943075">
                   <a:extLst>
                     <a:ext uri="{9D8B030D-6E8A-4147-A177-3AD203B41FA5}">
                       <a16:colId xmlns:a16="http://schemas.microsoft.com/office/drawing/2014/main" val="3644187451"/>
                     </a:ext>
                   </a:extLst>
                 </a:gridCol>
-                <a:gridCol w="1422984">
-                  <a:extLst>
-                    <a:ext uri="{9D8B030D-6E8A-4147-A177-3AD203B41FA5}">
-                      <a16:colId xmlns:a16="http://schemas.microsoft.com/office/drawing/2014/main" val="3366820785"/>
-                    </a:ext>
-                  </a:extLst>
-                </a:gridCol>
               </a:tblGrid>
-              <a:tr h="643563">
+              <a:tr h="381422">
                 <a:tc>
                   <a:txBody>
                     <a:bodyPr/>
@@ -5415,154 +7118,13 @@
                     </a:solidFill>
                   </a:tcPr>
                 </a:tc>
-                <a:tc>
-                  <a:txBody>
-                    <a:bodyPr/>
-                    <a:lstStyle/>
-                    <a:p>
-                      <a:pPr algn="ctr"/>
-                      <a:r>
-                        <a:rPr lang="hu-HU" sz="1800" dirty="0" err="1">
-                          <a:solidFill>
-                            <a:schemeClr val="bg1">
-                              <a:lumMod val="95000"/>
-                            </a:schemeClr>
-                          </a:solidFill>
-                          <a:latin typeface="Consolas" panose="020B0609020204030204" pitchFamily="49" charset="0"/>
-                        </a:rPr>
-                        <a:t>Korház_ID</a:t>
-                      </a:r>
-                      <a:endParaRPr lang="en-US" sz="1800" dirty="0">
-                        <a:solidFill>
-                          <a:schemeClr val="bg1">
-                            <a:lumMod val="95000"/>
-                          </a:schemeClr>
-                        </a:solidFill>
-                        <a:latin typeface="Consolas" panose="020B0609020204030204" pitchFamily="49" charset="0"/>
-                      </a:endParaRPr>
-                    </a:p>
-                  </a:txBody>
-                  <a:tcPr>
-                    <a:lnL w="12700" cap="flat" cmpd="sng" algn="ctr">
-                      <a:solidFill>
-                        <a:schemeClr val="bg1">
-                          <a:lumMod val="95000"/>
-                        </a:schemeClr>
-                      </a:solidFill>
-                      <a:prstDash val="solid"/>
-                      <a:round/>
-                      <a:headEnd type="none" w="med" len="med"/>
-                      <a:tailEnd type="none" w="med" len="med"/>
-                    </a:lnL>
-                    <a:lnR w="12700" cap="flat" cmpd="sng" algn="ctr">
-                      <a:solidFill>
-                        <a:schemeClr val="bg1">
-                          <a:lumMod val="95000"/>
-                        </a:schemeClr>
-                      </a:solidFill>
-                      <a:prstDash val="solid"/>
-                      <a:round/>
-                      <a:headEnd type="none" w="med" len="med"/>
-                      <a:tailEnd type="none" w="med" len="med"/>
-                    </a:lnR>
-                    <a:lnT w="12700" cap="flat" cmpd="sng" algn="ctr">
-                      <a:solidFill>
-                        <a:schemeClr val="bg1">
-                          <a:lumMod val="95000"/>
-                        </a:schemeClr>
-                      </a:solidFill>
-                      <a:prstDash val="solid"/>
-                      <a:round/>
-                      <a:headEnd type="none" w="med" len="med"/>
-                      <a:tailEnd type="none" w="med" len="med"/>
-                    </a:lnT>
-                    <a:lnB w="12700" cap="flat" cmpd="sng" algn="ctr">
-                      <a:solidFill>
-                        <a:schemeClr val="bg1">
-                          <a:lumMod val="95000"/>
-                        </a:schemeClr>
-                      </a:solidFill>
-                      <a:prstDash val="solid"/>
-                      <a:round/>
-                      <a:headEnd type="none" w="med" len="med"/>
-                      <a:tailEnd type="none" w="med" len="med"/>
-                    </a:lnB>
-                    <a:solidFill>
-                      <a:schemeClr val="tx1">
-                        <a:lumMod val="65000"/>
-                        <a:lumOff val="35000"/>
-                      </a:schemeClr>
-                    </a:solidFill>
-                  </a:tcPr>
-                </a:tc>
                 <a:extLst>
                   <a:ext uri="{0D108BD9-81ED-4DB2-BD59-A6C34878D82A}">
                     <a16:rowId xmlns:a16="http://schemas.microsoft.com/office/drawing/2014/main" val="2965694189"/>
                   </a:ext>
                 </a:extLst>
               </a:tr>
-              <a:tr h="4858392">
-                <a:tc>
-                  <a:txBody>
-                    <a:bodyPr/>
-                    <a:lstStyle/>
-                    <a:p>
-                      <a:endParaRPr lang="en-US" dirty="0"/>
-                    </a:p>
-                  </a:txBody>
-                  <a:tcPr>
-                    <a:lnL w="12700" cap="flat" cmpd="sng" algn="ctr">
-                      <a:solidFill>
-                        <a:schemeClr val="bg1">
-                          <a:lumMod val="95000"/>
-                        </a:schemeClr>
-                      </a:solidFill>
-                      <a:prstDash val="solid"/>
-                      <a:round/>
-                      <a:headEnd type="none" w="med" len="med"/>
-                      <a:tailEnd type="none" w="med" len="med"/>
-                    </a:lnL>
-                    <a:lnR w="12700" cap="flat" cmpd="sng" algn="ctr">
-                      <a:solidFill>
-                        <a:schemeClr val="bg1">
-                          <a:lumMod val="95000"/>
-                        </a:schemeClr>
-                      </a:solidFill>
-                      <a:prstDash val="solid"/>
-                      <a:round/>
-                      <a:headEnd type="none" w="med" len="med"/>
-                      <a:tailEnd type="none" w="med" len="med"/>
-                    </a:lnR>
-                    <a:lnT w="12700" cap="flat" cmpd="sng" algn="ctr">
-                      <a:solidFill>
-                        <a:schemeClr val="bg1">
-                          <a:lumMod val="95000"/>
-                        </a:schemeClr>
-                      </a:solidFill>
-                      <a:prstDash val="solid"/>
-                      <a:round/>
-                      <a:headEnd type="none" w="med" len="med"/>
-                      <a:tailEnd type="none" w="med" len="med"/>
-                    </a:lnT>
-                    <a:lnB w="12700" cap="flat" cmpd="sng" algn="ctr">
-                      <a:solidFill>
-                        <a:schemeClr val="bg1">
-                          <a:lumMod val="95000"/>
-                        </a:schemeClr>
-                      </a:solidFill>
-                      <a:prstDash val="solid"/>
-                      <a:round/>
-                      <a:headEnd type="none" w="med" len="med"/>
-                      <a:tailEnd type="none" w="med" len="med"/>
-                    </a:lnB>
-                    <a:solidFill>
-                      <a:schemeClr val="tx1">
-                        <a:lumMod val="65000"/>
-                        <a:lumOff val="35000"/>
-                      </a:schemeClr>
-                    </a:solidFill>
-                  </a:tcPr>
-                </a:tc>
+              <a:tr h="5211763">
                 <a:tc>
                   <a:txBody>
                     <a:bodyPr/>
@@ -5817,346 +7379,6 @@
           </a:graphicData>
         </a:graphic>
       </p:graphicFrame>
-    </p:spTree>
-    <p:extLst>
-      <p:ext uri="{BB962C8B-B14F-4D97-AF65-F5344CB8AC3E}">
-        <p14:creationId xmlns:p14="http://schemas.microsoft.com/office/powerpoint/2010/main" val="185717489"/>
-      </p:ext>
-    </p:extLst>
-  </p:cSld>
-  <p:clrMapOvr>
-    <a:masterClrMapping/>
-  </p:clrMapOvr>
-</p:sld>
-</file>
-
-<file path=ppt/slides/slide2.xml><?xml version="1.0" encoding="utf-8"?>
-<p:sld xmlns:a="http://schemas.openxmlformats.org/drawingml/2006/main" xmlns:r="http://schemas.openxmlformats.org/officeDocument/2006/relationships" xmlns:p="http://schemas.openxmlformats.org/presentationml/2006/main">
-  <p:cSld>
-    <p:bg>
-      <p:bgPr>
-        <a:solidFill>
-          <a:schemeClr val="bg1">
-            <a:lumMod val="95000"/>
-          </a:schemeClr>
-        </a:solidFill>
-        <a:effectLst/>
-      </p:bgPr>
-    </p:bg>
-    <p:spTree>
-      <p:nvGrpSpPr>
-        <p:cNvPr id="1" name=""/>
-        <p:cNvGrpSpPr/>
-        <p:nvPr/>
-      </p:nvGrpSpPr>
-      <p:grpSpPr>
-        <a:xfrm>
-          <a:off x="0" y="0"/>
-          <a:ext cx="0" cy="0"/>
-          <a:chOff x="0" y="0"/>
-          <a:chExt cx="0" cy="0"/>
-        </a:xfrm>
-      </p:grpSpPr>
-      <p:sp>
-        <p:nvSpPr>
-          <p:cNvPr id="2" name="Téglalap 1">
-            <a:extLst>
-              <a:ext uri="{FF2B5EF4-FFF2-40B4-BE49-F238E27FC236}">
-                <a16:creationId xmlns:a16="http://schemas.microsoft.com/office/drawing/2014/main" id="{1D4B0EED-B93F-4E73-9FC0-6FED5681A0E2}"/>
-              </a:ext>
-            </a:extLst>
-          </p:cNvPr>
-          <p:cNvSpPr/>
-          <p:nvPr/>
-        </p:nvSpPr>
-        <p:spPr>
-          <a:xfrm>
-            <a:off x="0" y="-63397"/>
-            <a:ext cx="12192000" cy="863497"/>
-          </a:xfrm>
-          <a:prstGeom prst="rect">
-            <a:avLst/>
-          </a:prstGeom>
-          <a:solidFill>
-            <a:srgbClr val="BD0D18"/>
-          </a:solidFill>
-          <a:ln w="28575">
-            <a:noFill/>
-          </a:ln>
-        </p:spPr>
-        <p:style>
-          <a:lnRef idx="2">
-            <a:schemeClr val="accent1">
-              <a:shade val="50000"/>
-            </a:schemeClr>
-          </a:lnRef>
-          <a:fillRef idx="1">
-            <a:schemeClr val="accent1"/>
-          </a:fillRef>
-          <a:effectRef idx="0">
-            <a:schemeClr val="accent1"/>
-          </a:effectRef>
-          <a:fontRef idx="minor">
-            <a:schemeClr val="lt1"/>
-          </a:fontRef>
-        </p:style>
-        <p:txBody>
-          <a:bodyPr rtlCol="0" anchor="ctr"/>
-          <a:lstStyle/>
-          <a:p>
-            <a:pPr algn="ctr"/>
-            <a:endParaRPr lang="en-US" dirty="0"/>
-          </a:p>
-        </p:txBody>
-      </p:sp>
-      <p:sp>
-        <p:nvSpPr>
-          <p:cNvPr id="4" name="Téglalap: lekerekített 3">
-            <a:extLst>
-              <a:ext uri="{FF2B5EF4-FFF2-40B4-BE49-F238E27FC236}">
-                <a16:creationId xmlns:a16="http://schemas.microsoft.com/office/drawing/2014/main" id="{39182016-5379-4D63-A7C6-4ECA52EFB311}"/>
-              </a:ext>
-            </a:extLst>
-          </p:cNvPr>
-          <p:cNvSpPr/>
-          <p:nvPr/>
-        </p:nvSpPr>
-        <p:spPr>
-          <a:xfrm>
-            <a:off x="295074" y="135985"/>
-            <a:ext cx="1267028" cy="378365"/>
-          </a:xfrm>
-          <a:prstGeom prst="roundRect">
-            <a:avLst/>
-          </a:prstGeom>
-          <a:solidFill>
-            <a:schemeClr val="tx1">
-              <a:lumMod val="95000"/>
-              <a:lumOff val="5000"/>
-            </a:schemeClr>
-          </a:solidFill>
-          <a:ln w="3175">
-            <a:solidFill>
-              <a:schemeClr val="tx1">
-                <a:alpha val="99000"/>
-              </a:schemeClr>
-            </a:solidFill>
-          </a:ln>
-        </p:spPr>
-        <p:style>
-          <a:lnRef idx="2">
-            <a:schemeClr val="accent1">
-              <a:shade val="50000"/>
-            </a:schemeClr>
-          </a:lnRef>
-          <a:fillRef idx="1">
-            <a:schemeClr val="accent1"/>
-          </a:fillRef>
-          <a:effectRef idx="0">
-            <a:schemeClr val="accent1"/>
-          </a:effectRef>
-          <a:fontRef idx="minor">
-            <a:schemeClr val="lt1"/>
-          </a:fontRef>
-        </p:style>
-        <p:txBody>
-          <a:bodyPr rtlCol="0" anchor="ctr"/>
-          <a:lstStyle/>
-          <a:p>
-            <a:pPr algn="ctr"/>
-            <a:endParaRPr lang="en-US">
-              <a:solidFill>
-                <a:srgbClr val="CAC7C2"/>
-              </a:solidFill>
-            </a:endParaRPr>
-          </a:p>
-        </p:txBody>
-      </p:sp>
-      <p:sp>
-        <p:nvSpPr>
-          <p:cNvPr id="5" name="Szövegdoboz 4">
-            <a:extLst>
-              <a:ext uri="{FF2B5EF4-FFF2-40B4-BE49-F238E27FC236}">
-                <a16:creationId xmlns:a16="http://schemas.microsoft.com/office/drawing/2014/main" id="{4BB8EC08-8C2F-4ABA-9E8A-75D7E81C9A71}"/>
-              </a:ext>
-            </a:extLst>
-          </p:cNvPr>
-          <p:cNvSpPr txBox="1"/>
-          <p:nvPr/>
-        </p:nvSpPr>
-        <p:spPr>
-          <a:xfrm>
-            <a:off x="482792" y="143972"/>
-            <a:ext cx="891590" cy="369332"/>
-          </a:xfrm>
-          <a:prstGeom prst="rect">
-            <a:avLst/>
-          </a:prstGeom>
-          <a:noFill/>
-        </p:spPr>
-        <p:txBody>
-          <a:bodyPr wrap="none" rtlCol="0">
-            <a:spAutoFit/>
-          </a:bodyPr>
-          <a:lstStyle/>
-          <a:p>
-            <a:pPr algn="ctr"/>
-            <a:r>
-              <a:rPr lang="hu-HU" dirty="0">
-                <a:solidFill>
-                  <a:schemeClr val="bg1"/>
-                </a:solidFill>
-                <a:latin typeface="Corbel" panose="020B0503020204020204" pitchFamily="34" charset="0"/>
-                <a:cs typeface="Calibri Light" panose="020F0302020204030204" pitchFamily="34" charset="0"/>
-              </a:rPr>
-              <a:t>Főoldal</a:t>
-            </a:r>
-            <a:endParaRPr lang="en-US" dirty="0">
-              <a:solidFill>
-                <a:schemeClr val="bg1"/>
-              </a:solidFill>
-              <a:latin typeface="Corbel" panose="020B0503020204020204" pitchFamily="34" charset="0"/>
-              <a:cs typeface="Calibri Light" panose="020F0302020204030204" pitchFamily="34" charset="0"/>
-            </a:endParaRPr>
-          </a:p>
-        </p:txBody>
-      </p:sp>
-      <p:sp>
-        <p:nvSpPr>
-          <p:cNvPr id="6" name="Téglalap: lekerekített 5">
-            <a:extLst>
-              <a:ext uri="{FF2B5EF4-FFF2-40B4-BE49-F238E27FC236}">
-                <a16:creationId xmlns:a16="http://schemas.microsoft.com/office/drawing/2014/main" id="{3FA26D5D-10B3-41E5-AD90-3795A2B29EA6}"/>
-              </a:ext>
-            </a:extLst>
-          </p:cNvPr>
-          <p:cNvSpPr/>
-          <p:nvPr/>
-        </p:nvSpPr>
-        <p:spPr>
-          <a:xfrm>
-            <a:off x="1761009" y="134939"/>
-            <a:ext cx="1267028" cy="378365"/>
-          </a:xfrm>
-          <a:prstGeom prst="roundRect">
-            <a:avLst/>
-          </a:prstGeom>
-          <a:solidFill>
-            <a:schemeClr val="tx1"/>
-          </a:solidFill>
-          <a:ln w="3175">
-            <a:solidFill>
-              <a:schemeClr val="tx1">
-                <a:alpha val="99000"/>
-              </a:schemeClr>
-            </a:solidFill>
-          </a:ln>
-        </p:spPr>
-        <p:style>
-          <a:lnRef idx="2">
-            <a:schemeClr val="accent1">
-              <a:shade val="50000"/>
-            </a:schemeClr>
-          </a:lnRef>
-          <a:fillRef idx="1">
-            <a:schemeClr val="accent1"/>
-          </a:fillRef>
-          <a:effectRef idx="0">
-            <a:schemeClr val="accent1"/>
-          </a:effectRef>
-          <a:fontRef idx="minor">
-            <a:schemeClr val="lt1"/>
-          </a:fontRef>
-        </p:style>
-        <p:txBody>
-          <a:bodyPr rtlCol="0" anchor="ctr"/>
-          <a:lstStyle/>
-          <a:p>
-            <a:pPr algn="ctr"/>
-            <a:r>
-              <a:rPr lang="hu-HU" dirty="0">
-                <a:solidFill>
-                  <a:schemeClr val="bg1"/>
-                </a:solidFill>
-                <a:latin typeface="Corbel" panose="020B0503020204020204" pitchFamily="34" charset="0"/>
-              </a:rPr>
-              <a:t>Kereső</a:t>
-            </a:r>
-            <a:endParaRPr lang="en-US" dirty="0">
-              <a:solidFill>
-                <a:schemeClr val="bg1"/>
-              </a:solidFill>
-              <a:latin typeface="Corbel" panose="020B0503020204020204" pitchFamily="34" charset="0"/>
-            </a:endParaRPr>
-          </a:p>
-        </p:txBody>
-      </p:sp>
-      <p:sp>
-        <p:nvSpPr>
-          <p:cNvPr id="7" name="Téglalap: lekerekített 6">
-            <a:extLst>
-              <a:ext uri="{FF2B5EF4-FFF2-40B4-BE49-F238E27FC236}">
-                <a16:creationId xmlns:a16="http://schemas.microsoft.com/office/drawing/2014/main" id="{1D2B0348-42C5-4CAC-ADE0-3D07B740285F}"/>
-              </a:ext>
-            </a:extLst>
-          </p:cNvPr>
-          <p:cNvSpPr/>
-          <p:nvPr/>
-        </p:nvSpPr>
-        <p:spPr>
-          <a:xfrm>
-            <a:off x="3226944" y="135985"/>
-            <a:ext cx="2192781" cy="378365"/>
-          </a:xfrm>
-          <a:prstGeom prst="roundRect">
-            <a:avLst/>
-          </a:prstGeom>
-          <a:solidFill>
-            <a:schemeClr val="tx1"/>
-          </a:solidFill>
-          <a:ln w="3175">
-            <a:noFill/>
-          </a:ln>
-        </p:spPr>
-        <p:style>
-          <a:lnRef idx="2">
-            <a:schemeClr val="accent1">
-              <a:shade val="50000"/>
-            </a:schemeClr>
-          </a:lnRef>
-          <a:fillRef idx="1">
-            <a:schemeClr val="accent1"/>
-          </a:fillRef>
-          <a:effectRef idx="0">
-            <a:schemeClr val="accent1"/>
-          </a:effectRef>
-          <a:fontRef idx="minor">
-            <a:schemeClr val="lt1"/>
-          </a:fontRef>
-        </p:style>
-        <p:txBody>
-          <a:bodyPr rtlCol="0" anchor="ctr"/>
-          <a:lstStyle/>
-          <a:p>
-            <a:pPr algn="ctr"/>
-            <a:r>
-              <a:rPr lang="hu-HU" sz="1600" dirty="0">
-                <a:solidFill>
-                  <a:schemeClr val="bg1"/>
-                </a:solidFill>
-                <a:latin typeface="Corbel" panose="020B0503020204020204" pitchFamily="34" charset="0"/>
-              </a:rPr>
-              <a:t>Adatok módosítása</a:t>
-            </a:r>
-            <a:endParaRPr lang="en-US" sz="1600" dirty="0">
-              <a:solidFill>
-                <a:schemeClr val="bg1"/>
-              </a:solidFill>
-              <a:latin typeface="Corbel" panose="020B0503020204020204" pitchFamily="34" charset="0"/>
-            </a:endParaRPr>
-          </a:p>
-        </p:txBody>
-      </p:sp>
       <p:sp>
         <p:nvSpPr>
           <p:cNvPr id="16" name="Téglalap 15">
@@ -6640,6 +7862,283 @@
           </p:pic>
         </mc:Fallback>
       </mc:AlternateContent>
+      <p:sp>
+        <p:nvSpPr>
+          <p:cNvPr id="30" name="Téglalap 29">
+            <a:extLst>
+              <a:ext uri="{FF2B5EF4-FFF2-40B4-BE49-F238E27FC236}">
+                <a16:creationId xmlns:a16="http://schemas.microsoft.com/office/drawing/2014/main" id="{235CA5E2-5BF5-4C6D-BF70-09150C11722E}"/>
+              </a:ext>
+            </a:extLst>
+          </p:cNvPr>
+          <p:cNvSpPr/>
+          <p:nvPr/>
+        </p:nvSpPr>
+        <p:spPr>
+          <a:xfrm>
+            <a:off x="3776960" y="6181193"/>
+            <a:ext cx="323496" cy="323850"/>
+          </a:xfrm>
+          <a:prstGeom prst="rect">
+            <a:avLst/>
+          </a:prstGeom>
+          <a:noFill/>
+          <a:ln>
+            <a:solidFill>
+              <a:srgbClr val="CAC7C2"/>
+            </a:solidFill>
+          </a:ln>
+        </p:spPr>
+        <p:style>
+          <a:lnRef idx="2">
+            <a:schemeClr val="accent1">
+              <a:shade val="50000"/>
+            </a:schemeClr>
+          </a:lnRef>
+          <a:fillRef idx="1">
+            <a:schemeClr val="accent1"/>
+          </a:fillRef>
+          <a:effectRef idx="0">
+            <a:schemeClr val="accent1"/>
+          </a:effectRef>
+          <a:fontRef idx="minor">
+            <a:schemeClr val="lt1"/>
+          </a:fontRef>
+        </p:style>
+        <p:txBody>
+          <a:bodyPr rtlCol="0" anchor="ctr"/>
+          <a:lstStyle/>
+          <a:p>
+            <a:pPr algn="ctr"/>
+            <a:endParaRPr lang="en-US"/>
+          </a:p>
+        </p:txBody>
+      </p:sp>
+      <p:grpSp>
+        <p:nvGrpSpPr>
+          <p:cNvPr id="54" name="Csoportba foglalás 53">
+            <a:extLst>
+              <a:ext uri="{FF2B5EF4-FFF2-40B4-BE49-F238E27FC236}">
+                <a16:creationId xmlns:a16="http://schemas.microsoft.com/office/drawing/2014/main" id="{41AE3B78-2949-4341-8406-35A6F3D6FDFB}"/>
+              </a:ext>
+            </a:extLst>
+          </p:cNvPr>
+          <p:cNvGrpSpPr/>
+          <p:nvPr/>
+        </p:nvGrpSpPr>
+        <p:grpSpPr>
+          <a:xfrm>
+            <a:off x="3805148" y="6253118"/>
+            <a:ext cx="218160" cy="200520"/>
+            <a:chOff x="3805148" y="6253118"/>
+            <a:chExt cx="218160" cy="200520"/>
+          </a:xfrm>
+        </p:grpSpPr>
+        <mc:AlternateContent xmlns:mc="http://schemas.openxmlformats.org/markup-compatibility/2006" xmlns:p14="http://schemas.microsoft.com/office/powerpoint/2010/main">
+          <mc:Choice Requires="p14">
+            <p:contentPart p14:bwMode="auto" r:id="rId11">
+              <p14:nvContentPartPr>
+                <p14:cNvPr id="48" name="Szabadkéz 47">
+                  <a:extLst>
+                    <a:ext uri="{FF2B5EF4-FFF2-40B4-BE49-F238E27FC236}">
+                      <a16:creationId xmlns:a16="http://schemas.microsoft.com/office/drawing/2014/main" id="{C39AF679-7D8C-476E-B42C-AB9C8C20CA2D}"/>
+                    </a:ext>
+                  </a:extLst>
+                </p14:cNvPr>
+                <p14:cNvContentPartPr/>
+                <p14:nvPr/>
+              </p14:nvContentPartPr>
+              <p14:xfrm>
+                <a:off x="3938708" y="6253118"/>
+                <a:ext cx="84600" cy="113040"/>
+              </p14:xfrm>
+            </p:contentPart>
+          </mc:Choice>
+          <mc:Fallback xmlns="">
+            <p:pic>
+              <p:nvPicPr>
+                <p:cNvPr id="48" name="Szabadkéz 47">
+                  <a:extLst>
+                    <a:ext uri="{FF2B5EF4-FFF2-40B4-BE49-F238E27FC236}">
+                      <a16:creationId xmlns:a16="http://schemas.microsoft.com/office/drawing/2014/main" id="{C39AF679-7D8C-476E-B42C-AB9C8C20CA2D}"/>
+                    </a:ext>
+                  </a:extLst>
+                </p:cNvPr>
+                <p:cNvPicPr/>
+                <p:nvPr/>
+              </p:nvPicPr>
+              <p:blipFill>
+                <a:blip r:embed="rId12"/>
+                <a:stretch>
+                  <a:fillRect/>
+                </a:stretch>
+              </p:blipFill>
+              <p:spPr>
+                <a:xfrm>
+                  <a:off x="3934388" y="6248798"/>
+                  <a:ext cx="93240" cy="121680"/>
+                </a:xfrm>
+                <a:prstGeom prst="rect">
+                  <a:avLst/>
+                </a:prstGeom>
+              </p:spPr>
+            </p:pic>
+          </mc:Fallback>
+        </mc:AlternateContent>
+        <mc:AlternateContent xmlns:mc="http://schemas.openxmlformats.org/markup-compatibility/2006" xmlns:p14="http://schemas.microsoft.com/office/powerpoint/2010/main">
+          <mc:Choice Requires="p14">
+            <p:contentPart p14:bwMode="auto" r:id="rId13">
+              <p14:nvContentPartPr>
+                <p14:cNvPr id="49" name="Szabadkéz 48">
+                  <a:extLst>
+                    <a:ext uri="{FF2B5EF4-FFF2-40B4-BE49-F238E27FC236}">
+                      <a16:creationId xmlns:a16="http://schemas.microsoft.com/office/drawing/2014/main" id="{0C6F808E-27C9-4A4A-ABDF-5EC6786E87BC}"/>
+                    </a:ext>
+                  </a:extLst>
+                </p14:cNvPr>
+                <p14:cNvContentPartPr/>
+                <p14:nvPr/>
+              </p14:nvContentPartPr>
+              <p14:xfrm>
+                <a:off x="3842588" y="6276158"/>
+                <a:ext cx="162720" cy="77040"/>
+              </p14:xfrm>
+            </p:contentPart>
+          </mc:Choice>
+          <mc:Fallback xmlns="">
+            <p:pic>
+              <p:nvPicPr>
+                <p:cNvPr id="49" name="Szabadkéz 48">
+                  <a:extLst>
+                    <a:ext uri="{FF2B5EF4-FFF2-40B4-BE49-F238E27FC236}">
+                      <a16:creationId xmlns:a16="http://schemas.microsoft.com/office/drawing/2014/main" id="{0C6F808E-27C9-4A4A-ABDF-5EC6786E87BC}"/>
+                    </a:ext>
+                  </a:extLst>
+                </p:cNvPr>
+                <p:cNvPicPr/>
+                <p:nvPr/>
+              </p:nvPicPr>
+              <p:blipFill>
+                <a:blip r:embed="rId14"/>
+                <a:stretch>
+                  <a:fillRect/>
+                </a:stretch>
+              </p:blipFill>
+              <p:spPr>
+                <a:xfrm>
+                  <a:off x="3838268" y="6271838"/>
+                  <a:ext cx="171360" cy="85680"/>
+                </a:xfrm>
+                <a:prstGeom prst="rect">
+                  <a:avLst/>
+                </a:prstGeom>
+              </p:spPr>
+            </p:pic>
+          </mc:Fallback>
+        </mc:AlternateContent>
+        <mc:AlternateContent xmlns:mc="http://schemas.openxmlformats.org/markup-compatibility/2006" xmlns:p14="http://schemas.microsoft.com/office/powerpoint/2010/main">
+          <mc:Choice Requires="p14">
+            <p:contentPart p14:bwMode="auto" r:id="rId15">
+              <p14:nvContentPartPr>
+                <p14:cNvPr id="51" name="Szabadkéz 50">
+                  <a:extLst>
+                    <a:ext uri="{FF2B5EF4-FFF2-40B4-BE49-F238E27FC236}">
+                      <a16:creationId xmlns:a16="http://schemas.microsoft.com/office/drawing/2014/main" id="{38D0672D-DC13-479D-B594-3B3C806DFDA7}"/>
+                    </a:ext>
+                  </a:extLst>
+                </p14:cNvPr>
+                <p14:cNvContentPartPr/>
+                <p14:nvPr/>
+              </p14:nvContentPartPr>
+              <p14:xfrm>
+                <a:off x="3805148" y="6343118"/>
+                <a:ext cx="72000" cy="86400"/>
+              </p14:xfrm>
+            </p:contentPart>
+          </mc:Choice>
+          <mc:Fallback xmlns="">
+            <p:pic>
+              <p:nvPicPr>
+                <p:cNvPr id="51" name="Szabadkéz 50">
+                  <a:extLst>
+                    <a:ext uri="{FF2B5EF4-FFF2-40B4-BE49-F238E27FC236}">
+                      <a16:creationId xmlns:a16="http://schemas.microsoft.com/office/drawing/2014/main" id="{38D0672D-DC13-479D-B594-3B3C806DFDA7}"/>
+                    </a:ext>
+                  </a:extLst>
+                </p:cNvPr>
+                <p:cNvPicPr/>
+                <p:nvPr/>
+              </p:nvPicPr>
+              <p:blipFill>
+                <a:blip r:embed="rId16"/>
+                <a:stretch>
+                  <a:fillRect/>
+                </a:stretch>
+              </p:blipFill>
+              <p:spPr>
+                <a:xfrm>
+                  <a:off x="3800828" y="6338798"/>
+                  <a:ext cx="80640" cy="95040"/>
+                </a:xfrm>
+                <a:prstGeom prst="rect">
+                  <a:avLst/>
+                </a:prstGeom>
+              </p:spPr>
+            </p:pic>
+          </mc:Fallback>
+        </mc:AlternateContent>
+        <mc:AlternateContent xmlns:mc="http://schemas.openxmlformats.org/markup-compatibility/2006" xmlns:p14="http://schemas.microsoft.com/office/powerpoint/2010/main">
+          <mc:Choice Requires="p14">
+            <p:contentPart p14:bwMode="auto" r:id="rId17">
+              <p14:nvContentPartPr>
+                <p14:cNvPr id="53" name="Szabadkéz 52">
+                  <a:extLst>
+                    <a:ext uri="{FF2B5EF4-FFF2-40B4-BE49-F238E27FC236}">
+                      <a16:creationId xmlns:a16="http://schemas.microsoft.com/office/drawing/2014/main" id="{7A6F8F55-D5CB-491F-AF51-C343F0A5C745}"/>
+                    </a:ext>
+                  </a:extLst>
+                </p14:cNvPr>
+                <p14:cNvContentPartPr/>
+                <p14:nvPr/>
+              </p14:nvContentPartPr>
+              <p14:xfrm>
+                <a:off x="3819188" y="6352838"/>
+                <a:ext cx="173880" cy="100800"/>
+              </p14:xfrm>
+            </p:contentPart>
+          </mc:Choice>
+          <mc:Fallback xmlns="">
+            <p:pic>
+              <p:nvPicPr>
+                <p:cNvPr id="53" name="Szabadkéz 52">
+                  <a:extLst>
+                    <a:ext uri="{FF2B5EF4-FFF2-40B4-BE49-F238E27FC236}">
+                      <a16:creationId xmlns:a16="http://schemas.microsoft.com/office/drawing/2014/main" id="{7A6F8F55-D5CB-491F-AF51-C343F0A5C745}"/>
+                    </a:ext>
+                  </a:extLst>
+                </p:cNvPr>
+                <p:cNvPicPr/>
+                <p:nvPr/>
+              </p:nvPicPr>
+              <p:blipFill>
+                <a:blip r:embed="rId18"/>
+                <a:stretch>
+                  <a:fillRect/>
+                </a:stretch>
+              </p:blipFill>
+              <p:spPr>
+                <a:xfrm>
+                  <a:off x="3814868" y="6348503"/>
+                  <a:ext cx="182520" cy="109471"/>
+                </a:xfrm>
+                <a:prstGeom prst="rect">
+                  <a:avLst/>
+                </a:prstGeom>
+              </p:spPr>
+            </p:pic>
+          </mc:Fallback>
+        </mc:AlternateContent>
+      </p:grpSp>
       <p:sp>
         <p:nvSpPr>
           <p:cNvPr id="27" name="Téglalap: lekerekített 26">
@@ -7588,29 +9087,363 @@
           </a:graphicData>
         </a:graphic>
       </p:graphicFrame>
+    </p:spTree>
+    <p:extLst>
+      <p:ext uri="{BB962C8B-B14F-4D97-AF65-F5344CB8AC3E}">
+        <p14:creationId xmlns:p14="http://schemas.microsoft.com/office/powerpoint/2010/main" val="3618741288"/>
+      </p:ext>
+    </p:extLst>
+  </p:cSld>
+  <p:clrMapOvr>
+    <a:masterClrMapping/>
+  </p:clrMapOvr>
+</p:sld>
+</file>
+
+<file path=ppt/slides/slide3.xml><?xml version="1.0" encoding="utf-8"?>
+<p:sld xmlns:a="http://schemas.openxmlformats.org/drawingml/2006/main" xmlns:r="http://schemas.openxmlformats.org/officeDocument/2006/relationships" xmlns:p="http://schemas.openxmlformats.org/presentationml/2006/main">
+  <p:cSld>
+    <p:bg>
+      <p:bgPr>
+        <a:solidFill>
+          <a:schemeClr val="bg1">
+            <a:lumMod val="95000"/>
+          </a:schemeClr>
+        </a:solidFill>
+        <a:effectLst/>
+      </p:bgPr>
+    </p:bg>
+    <p:spTree>
+      <p:nvGrpSpPr>
+        <p:cNvPr id="1" name=""/>
+        <p:cNvGrpSpPr/>
+        <p:nvPr/>
+      </p:nvGrpSpPr>
+      <p:grpSpPr>
+        <a:xfrm>
+          <a:off x="0" y="0"/>
+          <a:ext cx="0" cy="0"/>
+          <a:chOff x="0" y="0"/>
+          <a:chExt cx="0" cy="0"/>
+        </a:xfrm>
+      </p:grpSpPr>
+      <p:sp>
+        <p:nvSpPr>
+          <p:cNvPr id="2" name="Téglalap 1">
+            <a:extLst>
+              <a:ext uri="{FF2B5EF4-FFF2-40B4-BE49-F238E27FC236}">
+                <a16:creationId xmlns:a16="http://schemas.microsoft.com/office/drawing/2014/main" id="{1D4B0EED-B93F-4E73-9FC0-6FED5681A0E2}"/>
+              </a:ext>
+            </a:extLst>
+          </p:cNvPr>
+          <p:cNvSpPr/>
+          <p:nvPr/>
+        </p:nvSpPr>
+        <p:spPr>
+          <a:xfrm>
+            <a:off x="0" y="-63397"/>
+            <a:ext cx="12192000" cy="863497"/>
+          </a:xfrm>
+          <a:prstGeom prst="rect">
+            <a:avLst/>
+          </a:prstGeom>
+          <a:solidFill>
+            <a:srgbClr val="BD0D18"/>
+          </a:solidFill>
+          <a:ln w="28575">
+            <a:noFill/>
+          </a:ln>
+        </p:spPr>
+        <p:style>
+          <a:lnRef idx="2">
+            <a:schemeClr val="accent1">
+              <a:shade val="50000"/>
+            </a:schemeClr>
+          </a:lnRef>
+          <a:fillRef idx="1">
+            <a:schemeClr val="accent1"/>
+          </a:fillRef>
+          <a:effectRef idx="0">
+            <a:schemeClr val="accent1"/>
+          </a:effectRef>
+          <a:fontRef idx="minor">
+            <a:schemeClr val="lt1"/>
+          </a:fontRef>
+        </p:style>
+        <p:txBody>
+          <a:bodyPr rtlCol="0" anchor="ctr"/>
+          <a:lstStyle/>
+          <a:p>
+            <a:pPr algn="ctr"/>
+            <a:endParaRPr lang="en-US" dirty="0"/>
+          </a:p>
+        </p:txBody>
+      </p:sp>
+      <p:sp>
+        <p:nvSpPr>
+          <p:cNvPr id="4" name="Téglalap: lekerekített 3">
+            <a:extLst>
+              <a:ext uri="{FF2B5EF4-FFF2-40B4-BE49-F238E27FC236}">
+                <a16:creationId xmlns:a16="http://schemas.microsoft.com/office/drawing/2014/main" id="{39182016-5379-4D63-A7C6-4ECA52EFB311}"/>
+              </a:ext>
+            </a:extLst>
+          </p:cNvPr>
+          <p:cNvSpPr/>
+          <p:nvPr/>
+        </p:nvSpPr>
+        <p:spPr>
+          <a:xfrm>
+            <a:off x="295074" y="135985"/>
+            <a:ext cx="1267028" cy="378365"/>
+          </a:xfrm>
+          <a:prstGeom prst="roundRect">
+            <a:avLst/>
+          </a:prstGeom>
+          <a:solidFill>
+            <a:schemeClr val="tx1">
+              <a:lumMod val="95000"/>
+              <a:lumOff val="5000"/>
+            </a:schemeClr>
+          </a:solidFill>
+          <a:ln w="3175">
+            <a:solidFill>
+              <a:schemeClr val="tx1">
+                <a:alpha val="99000"/>
+              </a:schemeClr>
+            </a:solidFill>
+          </a:ln>
+        </p:spPr>
+        <p:style>
+          <a:lnRef idx="2">
+            <a:schemeClr val="accent1">
+              <a:shade val="50000"/>
+            </a:schemeClr>
+          </a:lnRef>
+          <a:fillRef idx="1">
+            <a:schemeClr val="accent1"/>
+          </a:fillRef>
+          <a:effectRef idx="0">
+            <a:schemeClr val="accent1"/>
+          </a:effectRef>
+          <a:fontRef idx="minor">
+            <a:schemeClr val="lt1"/>
+          </a:fontRef>
+        </p:style>
+        <p:txBody>
+          <a:bodyPr rtlCol="0" anchor="ctr"/>
+          <a:lstStyle/>
+          <a:p>
+            <a:pPr algn="ctr"/>
+            <a:endParaRPr lang="en-US">
+              <a:solidFill>
+                <a:srgbClr val="CAC7C2"/>
+              </a:solidFill>
+            </a:endParaRPr>
+          </a:p>
+        </p:txBody>
+      </p:sp>
+      <p:sp>
+        <p:nvSpPr>
+          <p:cNvPr id="5" name="Szövegdoboz 4">
+            <a:extLst>
+              <a:ext uri="{FF2B5EF4-FFF2-40B4-BE49-F238E27FC236}">
+                <a16:creationId xmlns:a16="http://schemas.microsoft.com/office/drawing/2014/main" id="{4BB8EC08-8C2F-4ABA-9E8A-75D7E81C9A71}"/>
+              </a:ext>
+            </a:extLst>
+          </p:cNvPr>
+          <p:cNvSpPr txBox="1"/>
+          <p:nvPr/>
+        </p:nvSpPr>
+        <p:spPr>
+          <a:xfrm>
+            <a:off x="482792" y="143972"/>
+            <a:ext cx="891590" cy="369332"/>
+          </a:xfrm>
+          <a:prstGeom prst="rect">
+            <a:avLst/>
+          </a:prstGeom>
+          <a:noFill/>
+        </p:spPr>
+        <p:txBody>
+          <a:bodyPr wrap="none" rtlCol="0">
+            <a:spAutoFit/>
+          </a:bodyPr>
+          <a:lstStyle/>
+          <a:p>
+            <a:pPr algn="ctr"/>
+            <a:r>
+              <a:rPr lang="hu-HU" dirty="0">
+                <a:solidFill>
+                  <a:schemeClr val="bg1"/>
+                </a:solidFill>
+                <a:latin typeface="Corbel" panose="020B0503020204020204" pitchFamily="34" charset="0"/>
+                <a:cs typeface="Calibri Light" panose="020F0302020204030204" pitchFamily="34" charset="0"/>
+              </a:rPr>
+              <a:t>Főoldal</a:t>
+            </a:r>
+            <a:endParaRPr lang="en-US" dirty="0">
+              <a:solidFill>
+                <a:schemeClr val="bg1"/>
+              </a:solidFill>
+              <a:latin typeface="Corbel" panose="020B0503020204020204" pitchFamily="34" charset="0"/>
+              <a:cs typeface="Calibri Light" panose="020F0302020204030204" pitchFamily="34" charset="0"/>
+            </a:endParaRPr>
+          </a:p>
+        </p:txBody>
+      </p:sp>
+      <p:sp>
+        <p:nvSpPr>
+          <p:cNvPr id="6" name="Téglalap: lekerekített 5">
+            <a:extLst>
+              <a:ext uri="{FF2B5EF4-FFF2-40B4-BE49-F238E27FC236}">
+                <a16:creationId xmlns:a16="http://schemas.microsoft.com/office/drawing/2014/main" id="{3FA26D5D-10B3-41E5-AD90-3795A2B29EA6}"/>
+              </a:ext>
+            </a:extLst>
+          </p:cNvPr>
+          <p:cNvSpPr/>
+          <p:nvPr/>
+        </p:nvSpPr>
+        <p:spPr>
+          <a:xfrm>
+            <a:off x="1761009" y="134939"/>
+            <a:ext cx="1267028" cy="378365"/>
+          </a:xfrm>
+          <a:prstGeom prst="roundRect">
+            <a:avLst/>
+          </a:prstGeom>
+          <a:solidFill>
+            <a:schemeClr val="tx1"/>
+          </a:solidFill>
+          <a:ln w="3175">
+            <a:solidFill>
+              <a:schemeClr val="tx1">
+                <a:alpha val="99000"/>
+              </a:schemeClr>
+            </a:solidFill>
+          </a:ln>
+        </p:spPr>
+        <p:style>
+          <a:lnRef idx="2">
+            <a:schemeClr val="accent1">
+              <a:shade val="50000"/>
+            </a:schemeClr>
+          </a:lnRef>
+          <a:fillRef idx="1">
+            <a:schemeClr val="accent1"/>
+          </a:fillRef>
+          <a:effectRef idx="0">
+            <a:schemeClr val="accent1"/>
+          </a:effectRef>
+          <a:fontRef idx="minor">
+            <a:schemeClr val="lt1"/>
+          </a:fontRef>
+        </p:style>
+        <p:txBody>
+          <a:bodyPr rtlCol="0" anchor="ctr"/>
+          <a:lstStyle/>
+          <a:p>
+            <a:pPr algn="ctr"/>
+            <a:r>
+              <a:rPr lang="hu-HU" dirty="0">
+                <a:solidFill>
+                  <a:schemeClr val="bg1"/>
+                </a:solidFill>
+                <a:latin typeface="Corbel" panose="020B0503020204020204" pitchFamily="34" charset="0"/>
+              </a:rPr>
+              <a:t>Kereső</a:t>
+            </a:r>
+            <a:endParaRPr lang="en-US" dirty="0">
+              <a:solidFill>
+                <a:schemeClr val="bg1"/>
+              </a:solidFill>
+              <a:latin typeface="Corbel" panose="020B0503020204020204" pitchFamily="34" charset="0"/>
+            </a:endParaRPr>
+          </a:p>
+        </p:txBody>
+      </p:sp>
+      <p:sp>
+        <p:nvSpPr>
+          <p:cNvPr id="7" name="Téglalap: lekerekített 6">
+            <a:extLst>
+              <a:ext uri="{FF2B5EF4-FFF2-40B4-BE49-F238E27FC236}">
+                <a16:creationId xmlns:a16="http://schemas.microsoft.com/office/drawing/2014/main" id="{1D2B0348-42C5-4CAC-ADE0-3D07B740285F}"/>
+              </a:ext>
+            </a:extLst>
+          </p:cNvPr>
+          <p:cNvSpPr/>
+          <p:nvPr/>
+        </p:nvSpPr>
+        <p:spPr>
+          <a:xfrm>
+            <a:off x="3226944" y="135985"/>
+            <a:ext cx="2192781" cy="378365"/>
+          </a:xfrm>
+          <a:prstGeom prst="roundRect">
+            <a:avLst/>
+          </a:prstGeom>
+          <a:solidFill>
+            <a:schemeClr val="tx1"/>
+          </a:solidFill>
+          <a:ln w="3175">
+            <a:noFill/>
+          </a:ln>
+        </p:spPr>
+        <p:style>
+          <a:lnRef idx="2">
+            <a:schemeClr val="accent1">
+              <a:shade val="50000"/>
+            </a:schemeClr>
+          </a:lnRef>
+          <a:fillRef idx="1">
+            <a:schemeClr val="accent1"/>
+          </a:fillRef>
+          <a:effectRef idx="0">
+            <a:schemeClr val="accent1"/>
+          </a:effectRef>
+          <a:fontRef idx="minor">
+            <a:schemeClr val="lt1"/>
+          </a:fontRef>
+        </p:style>
+        <p:txBody>
+          <a:bodyPr rtlCol="0" anchor="ctr"/>
+          <a:lstStyle/>
+          <a:p>
+            <a:pPr algn="ctr"/>
+            <a:r>
+              <a:rPr lang="hu-HU" sz="1600" dirty="0">
+                <a:solidFill>
+                  <a:schemeClr val="bg1"/>
+                </a:solidFill>
+                <a:latin typeface="Corbel" panose="020B0503020204020204" pitchFamily="34" charset="0"/>
+              </a:rPr>
+              <a:t>Adatok módosítása</a:t>
+            </a:r>
+            <a:endParaRPr lang="en-US" sz="1600" dirty="0">
+              <a:solidFill>
+                <a:schemeClr val="bg1"/>
+              </a:solidFill>
+              <a:latin typeface="Corbel" panose="020B0503020204020204" pitchFamily="34" charset="0"/>
+            </a:endParaRPr>
+          </a:p>
+        </p:txBody>
+      </p:sp>
       <p:graphicFrame>
         <p:nvGraphicFramePr>
-          <p:cNvPr id="33" name="Táblázat 7">
+          <p:cNvPr id="3" name="Táblázat 7">
             <a:extLst>
               <a:ext uri="{FF2B5EF4-FFF2-40B4-BE49-F238E27FC236}">
-                <a16:creationId xmlns:a16="http://schemas.microsoft.com/office/drawing/2014/main" id="{B6AEC609-0949-4B1C-B66F-8ADF1397FBFD}"/>
+                <a16:creationId xmlns:a16="http://schemas.microsoft.com/office/drawing/2014/main" id="{AA3780FE-A12D-4978-8625-B5CECDA91DFF}"/>
               </a:ext>
             </a:extLst>
           </p:cNvPr>
           <p:cNvGraphicFramePr>
             <a:graphicFrameLocks noGrp="1"/>
           </p:cNvGraphicFramePr>
-          <p:nvPr>
-            <p:extLst>
-              <p:ext uri="{D42A27DB-BD31-4B8C-83A1-F6EECF244321}">
-                <p14:modId xmlns:p14="http://schemas.microsoft.com/office/powerpoint/2010/main" val="1164897393"/>
-              </p:ext>
-            </p:extLst>
-          </p:nvPr>
+          <p:nvPr/>
         </p:nvGraphicFramePr>
         <p:xfrm>
-          <a:off x="3994249" y="999122"/>
-          <a:ext cx="7765135" cy="5482879"/>
+          <a:off x="4133699" y="927129"/>
+          <a:ext cx="7772300" cy="5593185"/>
         </p:xfrm>
         <a:graphic>
           <a:graphicData uri="http://schemas.openxmlformats.org/drawingml/2006/table">
@@ -7619,43 +9452,36 @@
                 <a:tableStyleId>{5C22544A-7EE6-4342-B048-85BDC9FD1C3A}</a:tableStyleId>
               </a:tblPr>
               <a:tblGrid>
-                <a:gridCol w="1553027">
+                <a:gridCol w="1943075">
                   <a:extLst>
                     <a:ext uri="{9D8B030D-6E8A-4147-A177-3AD203B41FA5}">
                       <a16:colId xmlns:a16="http://schemas.microsoft.com/office/drawing/2014/main" val="2598443847"/>
                     </a:ext>
                   </a:extLst>
                 </a:gridCol>
-                <a:gridCol w="1553027">
+                <a:gridCol w="1943075">
                   <a:extLst>
                     <a:ext uri="{9D8B030D-6E8A-4147-A177-3AD203B41FA5}">
                       <a16:colId xmlns:a16="http://schemas.microsoft.com/office/drawing/2014/main" val="2935347366"/>
                     </a:ext>
                   </a:extLst>
                 </a:gridCol>
-                <a:gridCol w="1553027">
+                <a:gridCol w="1943075">
                   <a:extLst>
                     <a:ext uri="{9D8B030D-6E8A-4147-A177-3AD203B41FA5}">
                       <a16:colId xmlns:a16="http://schemas.microsoft.com/office/drawing/2014/main" val="2368300544"/>
                     </a:ext>
                   </a:extLst>
                 </a:gridCol>
-                <a:gridCol w="1553027">
+                <a:gridCol w="1943075">
                   <a:extLst>
                     <a:ext uri="{9D8B030D-6E8A-4147-A177-3AD203B41FA5}">
                       <a16:colId xmlns:a16="http://schemas.microsoft.com/office/drawing/2014/main" val="3644187451"/>
                     </a:ext>
                   </a:extLst>
                 </a:gridCol>
-                <a:gridCol w="1553027">
-                  <a:extLst>
-                    <a:ext uri="{9D8B030D-6E8A-4147-A177-3AD203B41FA5}">
-                      <a16:colId xmlns:a16="http://schemas.microsoft.com/office/drawing/2014/main" val="3366820785"/>
-                    </a:ext>
-                  </a:extLst>
-                </a:gridCol>
               </a:tblGrid>
-              <a:tr h="641332">
+              <a:tr h="381422">
                 <a:tc>
                   <a:txBody>
                     <a:bodyPr/>
@@ -7976,1284 +9802,13 @@
                     </a:solidFill>
                   </a:tcPr>
                 </a:tc>
-                <a:tc>
-                  <a:txBody>
-                    <a:bodyPr/>
-                    <a:lstStyle/>
-                    <a:p>
-                      <a:pPr algn="ctr"/>
-                      <a:r>
-                        <a:rPr lang="hu-HU" sz="1800" dirty="0" err="1">
-                          <a:solidFill>
-                            <a:schemeClr val="bg1">
-                              <a:lumMod val="95000"/>
-                            </a:schemeClr>
-                          </a:solidFill>
-                          <a:latin typeface="Consolas" panose="020B0609020204030204" pitchFamily="49" charset="0"/>
-                        </a:rPr>
-                        <a:t>Korház_ID</a:t>
-                      </a:r>
-                      <a:endParaRPr lang="en-US" sz="1800" dirty="0">
-                        <a:solidFill>
-                          <a:schemeClr val="bg1">
-                            <a:lumMod val="95000"/>
-                          </a:schemeClr>
-                        </a:solidFill>
-                        <a:latin typeface="Consolas" panose="020B0609020204030204" pitchFamily="49" charset="0"/>
-                      </a:endParaRPr>
-                    </a:p>
-                  </a:txBody>
-                  <a:tcPr>
-                    <a:lnL w="12700" cap="flat" cmpd="sng" algn="ctr">
-                      <a:solidFill>
-                        <a:schemeClr val="bg1">
-                          <a:lumMod val="95000"/>
-                        </a:schemeClr>
-                      </a:solidFill>
-                      <a:prstDash val="solid"/>
-                      <a:round/>
-                      <a:headEnd type="none" w="med" len="med"/>
-                      <a:tailEnd type="none" w="med" len="med"/>
-                    </a:lnL>
-                    <a:lnR w="12700" cap="flat" cmpd="sng" algn="ctr">
-                      <a:solidFill>
-                        <a:schemeClr val="bg1">
-                          <a:lumMod val="95000"/>
-                        </a:schemeClr>
-                      </a:solidFill>
-                      <a:prstDash val="solid"/>
-                      <a:round/>
-                      <a:headEnd type="none" w="med" len="med"/>
-                      <a:tailEnd type="none" w="med" len="med"/>
-                    </a:lnR>
-                    <a:lnT w="12700" cap="flat" cmpd="sng" algn="ctr">
-                      <a:solidFill>
-                        <a:schemeClr val="bg1">
-                          <a:lumMod val="95000"/>
-                        </a:schemeClr>
-                      </a:solidFill>
-                      <a:prstDash val="solid"/>
-                      <a:round/>
-                      <a:headEnd type="none" w="med" len="med"/>
-                      <a:tailEnd type="none" w="med" len="med"/>
-                    </a:lnT>
-                    <a:lnB w="12700" cap="flat" cmpd="sng" algn="ctr">
-                      <a:solidFill>
-                        <a:schemeClr val="bg1">
-                          <a:lumMod val="95000"/>
-                        </a:schemeClr>
-                      </a:solidFill>
-                      <a:prstDash val="solid"/>
-                      <a:round/>
-                      <a:headEnd type="none" w="med" len="med"/>
-                      <a:tailEnd type="none" w="med" len="med"/>
-                    </a:lnB>
-                    <a:solidFill>
-                      <a:schemeClr val="tx1">
-                        <a:lumMod val="65000"/>
-                        <a:lumOff val="35000"/>
-                      </a:schemeClr>
-                    </a:solidFill>
-                  </a:tcPr>
-                </a:tc>
                 <a:extLst>
                   <a:ext uri="{0D108BD9-81ED-4DB2-BD59-A6C34878D82A}">
                     <a16:rowId xmlns:a16="http://schemas.microsoft.com/office/drawing/2014/main" val="2965694189"/>
                   </a:ext>
                 </a:extLst>
               </a:tr>
-              <a:tr h="4841547">
-                <a:tc>
-                  <a:txBody>
-                    <a:bodyPr/>
-                    <a:lstStyle/>
-                    <a:p>
-                      <a:endParaRPr lang="en-US" dirty="0"/>
-                    </a:p>
-                  </a:txBody>
-                  <a:tcPr>
-                    <a:lnL w="12700" cap="flat" cmpd="sng" algn="ctr">
-                      <a:solidFill>
-                        <a:schemeClr val="bg1">
-                          <a:lumMod val="95000"/>
-                        </a:schemeClr>
-                      </a:solidFill>
-                      <a:prstDash val="solid"/>
-                      <a:round/>
-                      <a:headEnd type="none" w="med" len="med"/>
-                      <a:tailEnd type="none" w="med" len="med"/>
-                    </a:lnL>
-                    <a:lnR w="12700" cap="flat" cmpd="sng" algn="ctr">
-                      <a:solidFill>
-                        <a:schemeClr val="bg1">
-                          <a:lumMod val="95000"/>
-                        </a:schemeClr>
-                      </a:solidFill>
-                      <a:prstDash val="solid"/>
-                      <a:round/>
-                      <a:headEnd type="none" w="med" len="med"/>
-                      <a:tailEnd type="none" w="med" len="med"/>
-                    </a:lnR>
-                    <a:lnT w="12700" cap="flat" cmpd="sng" algn="ctr">
-                      <a:solidFill>
-                        <a:schemeClr val="bg1">
-                          <a:lumMod val="95000"/>
-                        </a:schemeClr>
-                      </a:solidFill>
-                      <a:prstDash val="solid"/>
-                      <a:round/>
-                      <a:headEnd type="none" w="med" len="med"/>
-                      <a:tailEnd type="none" w="med" len="med"/>
-                    </a:lnT>
-                    <a:lnB w="12700" cap="flat" cmpd="sng" algn="ctr">
-                      <a:solidFill>
-                        <a:schemeClr val="bg1">
-                          <a:lumMod val="95000"/>
-                        </a:schemeClr>
-                      </a:solidFill>
-                      <a:prstDash val="solid"/>
-                      <a:round/>
-                      <a:headEnd type="none" w="med" len="med"/>
-                      <a:tailEnd type="none" w="med" len="med"/>
-                    </a:lnB>
-                    <a:solidFill>
-                      <a:schemeClr val="tx1">
-                        <a:lumMod val="65000"/>
-                        <a:lumOff val="35000"/>
-                      </a:schemeClr>
-                    </a:solidFill>
-                  </a:tcPr>
-                </a:tc>
-                <a:tc>
-                  <a:txBody>
-                    <a:bodyPr/>
-                    <a:lstStyle/>
-                    <a:p>
-                      <a:endParaRPr lang="en-US" dirty="0"/>
-                    </a:p>
-                  </a:txBody>
-                  <a:tcPr>
-                    <a:lnL w="12700" cap="flat" cmpd="sng" algn="ctr">
-                      <a:solidFill>
-                        <a:schemeClr val="bg1">
-                          <a:lumMod val="95000"/>
-                        </a:schemeClr>
-                      </a:solidFill>
-                      <a:prstDash val="solid"/>
-                      <a:round/>
-                      <a:headEnd type="none" w="med" len="med"/>
-                      <a:tailEnd type="none" w="med" len="med"/>
-                    </a:lnL>
-                    <a:lnR w="12700" cap="flat" cmpd="sng" algn="ctr">
-                      <a:solidFill>
-                        <a:schemeClr val="bg1">
-                          <a:lumMod val="95000"/>
-                        </a:schemeClr>
-                      </a:solidFill>
-                      <a:prstDash val="solid"/>
-                      <a:round/>
-                      <a:headEnd type="none" w="med" len="med"/>
-                      <a:tailEnd type="none" w="med" len="med"/>
-                    </a:lnR>
-                    <a:lnT w="12700" cap="flat" cmpd="sng" algn="ctr">
-                      <a:solidFill>
-                        <a:schemeClr val="bg1">
-                          <a:lumMod val="95000"/>
-                        </a:schemeClr>
-                      </a:solidFill>
-                      <a:prstDash val="solid"/>
-                      <a:round/>
-                      <a:headEnd type="none" w="med" len="med"/>
-                      <a:tailEnd type="none" w="med" len="med"/>
-                    </a:lnT>
-                    <a:lnB w="12700" cap="flat" cmpd="sng" algn="ctr">
-                      <a:solidFill>
-                        <a:schemeClr val="bg1">
-                          <a:lumMod val="95000"/>
-                        </a:schemeClr>
-                      </a:solidFill>
-                      <a:prstDash val="solid"/>
-                      <a:round/>
-                      <a:headEnd type="none" w="med" len="med"/>
-                      <a:tailEnd type="none" w="med" len="med"/>
-                    </a:lnB>
-                    <a:solidFill>
-                      <a:schemeClr val="tx1">
-                        <a:lumMod val="65000"/>
-                        <a:lumOff val="35000"/>
-                      </a:schemeClr>
-                    </a:solidFill>
-                  </a:tcPr>
-                </a:tc>
-                <a:tc>
-                  <a:txBody>
-                    <a:bodyPr/>
-                    <a:lstStyle/>
-                    <a:p>
-                      <a:endParaRPr lang="en-US" dirty="0"/>
-                    </a:p>
-                  </a:txBody>
-                  <a:tcPr>
-                    <a:lnL w="12700" cap="flat" cmpd="sng" algn="ctr">
-                      <a:solidFill>
-                        <a:schemeClr val="bg1">
-                          <a:lumMod val="95000"/>
-                        </a:schemeClr>
-                      </a:solidFill>
-                      <a:prstDash val="solid"/>
-                      <a:round/>
-                      <a:headEnd type="none" w="med" len="med"/>
-                      <a:tailEnd type="none" w="med" len="med"/>
-                    </a:lnL>
-                    <a:lnR w="12700" cap="flat" cmpd="sng" algn="ctr">
-                      <a:solidFill>
-                        <a:schemeClr val="bg1">
-                          <a:lumMod val="95000"/>
-                        </a:schemeClr>
-                      </a:solidFill>
-                      <a:prstDash val="solid"/>
-                      <a:round/>
-                      <a:headEnd type="none" w="med" len="med"/>
-                      <a:tailEnd type="none" w="med" len="med"/>
-                    </a:lnR>
-                    <a:lnT w="12700" cap="flat" cmpd="sng" algn="ctr">
-                      <a:solidFill>
-                        <a:schemeClr val="bg1">
-                          <a:lumMod val="95000"/>
-                        </a:schemeClr>
-                      </a:solidFill>
-                      <a:prstDash val="solid"/>
-                      <a:round/>
-                      <a:headEnd type="none" w="med" len="med"/>
-                      <a:tailEnd type="none" w="med" len="med"/>
-                    </a:lnT>
-                    <a:lnB w="12700" cap="flat" cmpd="sng" algn="ctr">
-                      <a:solidFill>
-                        <a:schemeClr val="bg1">
-                          <a:lumMod val="95000"/>
-                        </a:schemeClr>
-                      </a:solidFill>
-                      <a:prstDash val="solid"/>
-                      <a:round/>
-                      <a:headEnd type="none" w="med" len="med"/>
-                      <a:tailEnd type="none" w="med" len="med"/>
-                    </a:lnB>
-                    <a:solidFill>
-                      <a:schemeClr val="tx1">
-                        <a:lumMod val="65000"/>
-                        <a:lumOff val="35000"/>
-                      </a:schemeClr>
-                    </a:solidFill>
-                  </a:tcPr>
-                </a:tc>
-                <a:tc>
-                  <a:txBody>
-                    <a:bodyPr/>
-                    <a:lstStyle/>
-                    <a:p>
-                      <a:endParaRPr lang="en-US" dirty="0"/>
-                    </a:p>
-                  </a:txBody>
-                  <a:tcPr>
-                    <a:lnL w="12700" cap="flat" cmpd="sng" algn="ctr">
-                      <a:solidFill>
-                        <a:schemeClr val="bg1">
-                          <a:lumMod val="95000"/>
-                        </a:schemeClr>
-                      </a:solidFill>
-                      <a:prstDash val="solid"/>
-                      <a:round/>
-                      <a:headEnd type="none" w="med" len="med"/>
-                      <a:tailEnd type="none" w="med" len="med"/>
-                    </a:lnL>
-                    <a:lnR w="12700" cap="flat" cmpd="sng" algn="ctr">
-                      <a:solidFill>
-                        <a:schemeClr val="bg1">
-                          <a:lumMod val="95000"/>
-                        </a:schemeClr>
-                      </a:solidFill>
-                      <a:prstDash val="solid"/>
-                      <a:round/>
-                      <a:headEnd type="none" w="med" len="med"/>
-                      <a:tailEnd type="none" w="med" len="med"/>
-                    </a:lnR>
-                    <a:lnT w="12700" cap="flat" cmpd="sng" algn="ctr">
-                      <a:solidFill>
-                        <a:schemeClr val="bg1">
-                          <a:lumMod val="95000"/>
-                        </a:schemeClr>
-                      </a:solidFill>
-                      <a:prstDash val="solid"/>
-                      <a:round/>
-                      <a:headEnd type="none" w="med" len="med"/>
-                      <a:tailEnd type="none" w="med" len="med"/>
-                    </a:lnT>
-                    <a:lnB w="12700" cap="flat" cmpd="sng" algn="ctr">
-                      <a:solidFill>
-                        <a:schemeClr val="bg1">
-                          <a:lumMod val="95000"/>
-                        </a:schemeClr>
-                      </a:solidFill>
-                      <a:prstDash val="solid"/>
-                      <a:round/>
-                      <a:headEnd type="none" w="med" len="med"/>
-                      <a:tailEnd type="none" w="med" len="med"/>
-                    </a:lnB>
-                    <a:solidFill>
-                      <a:schemeClr val="tx1">
-                        <a:lumMod val="65000"/>
-                        <a:lumOff val="35000"/>
-                      </a:schemeClr>
-                    </a:solidFill>
-                  </a:tcPr>
-                </a:tc>
-                <a:tc>
-                  <a:txBody>
-                    <a:bodyPr/>
-                    <a:lstStyle/>
-                    <a:p>
-                      <a:endParaRPr lang="en-US" dirty="0"/>
-                    </a:p>
-                  </a:txBody>
-                  <a:tcPr>
-                    <a:lnL w="12700" cap="flat" cmpd="sng" algn="ctr">
-                      <a:solidFill>
-                        <a:schemeClr val="bg1">
-                          <a:lumMod val="95000"/>
-                        </a:schemeClr>
-                      </a:solidFill>
-                      <a:prstDash val="solid"/>
-                      <a:round/>
-                      <a:headEnd type="none" w="med" len="med"/>
-                      <a:tailEnd type="none" w="med" len="med"/>
-                    </a:lnL>
-                    <a:lnR w="12700" cap="flat" cmpd="sng" algn="ctr">
-                      <a:solidFill>
-                        <a:schemeClr val="bg1">
-                          <a:lumMod val="95000"/>
-                        </a:schemeClr>
-                      </a:solidFill>
-                      <a:prstDash val="solid"/>
-                      <a:round/>
-                      <a:headEnd type="none" w="med" len="med"/>
-                      <a:tailEnd type="none" w="med" len="med"/>
-                    </a:lnR>
-                    <a:lnT w="12700" cap="flat" cmpd="sng" algn="ctr">
-                      <a:solidFill>
-                        <a:schemeClr val="bg1">
-                          <a:lumMod val="95000"/>
-                        </a:schemeClr>
-                      </a:solidFill>
-                      <a:prstDash val="solid"/>
-                      <a:round/>
-                      <a:headEnd type="none" w="med" len="med"/>
-                      <a:tailEnd type="none" w="med" len="med"/>
-                    </a:lnT>
-                    <a:lnB w="12700" cap="flat" cmpd="sng" algn="ctr">
-                      <a:solidFill>
-                        <a:schemeClr val="bg1">
-                          <a:lumMod val="95000"/>
-                        </a:schemeClr>
-                      </a:solidFill>
-                      <a:prstDash val="solid"/>
-                      <a:round/>
-                      <a:headEnd type="none" w="med" len="med"/>
-                      <a:tailEnd type="none" w="med" len="med"/>
-                    </a:lnB>
-                    <a:solidFill>
-                      <a:schemeClr val="tx1">
-                        <a:lumMod val="65000"/>
-                        <a:lumOff val="35000"/>
-                      </a:schemeClr>
-                    </a:solidFill>
-                  </a:tcPr>
-                </a:tc>
-                <a:extLst>
-                  <a:ext uri="{0D108BD9-81ED-4DB2-BD59-A6C34878D82A}">
-                    <a16:rowId xmlns:a16="http://schemas.microsoft.com/office/drawing/2014/main" val="3713266130"/>
-                  </a:ext>
-                </a:extLst>
-              </a:tr>
-            </a:tbl>
-          </a:graphicData>
-        </a:graphic>
-      </p:graphicFrame>
-    </p:spTree>
-    <p:extLst>
-      <p:ext uri="{BB962C8B-B14F-4D97-AF65-F5344CB8AC3E}">
-        <p14:creationId xmlns:p14="http://schemas.microsoft.com/office/powerpoint/2010/main" val="3618741288"/>
-      </p:ext>
-    </p:extLst>
-  </p:cSld>
-  <p:clrMapOvr>
-    <a:masterClrMapping/>
-  </p:clrMapOvr>
-</p:sld>
-</file>
-
-<file path=ppt/slides/slide3.xml><?xml version="1.0" encoding="utf-8"?>
-<p:sld xmlns:a="http://schemas.openxmlformats.org/drawingml/2006/main" xmlns:r="http://schemas.openxmlformats.org/officeDocument/2006/relationships" xmlns:p="http://schemas.openxmlformats.org/presentationml/2006/main">
-  <p:cSld>
-    <p:bg>
-      <p:bgPr>
-        <a:solidFill>
-          <a:schemeClr val="bg1">
-            <a:lumMod val="95000"/>
-          </a:schemeClr>
-        </a:solidFill>
-        <a:effectLst/>
-      </p:bgPr>
-    </p:bg>
-    <p:spTree>
-      <p:nvGrpSpPr>
-        <p:cNvPr id="1" name=""/>
-        <p:cNvGrpSpPr/>
-        <p:nvPr/>
-      </p:nvGrpSpPr>
-      <p:grpSpPr>
-        <a:xfrm>
-          <a:off x="0" y="0"/>
-          <a:ext cx="0" cy="0"/>
-          <a:chOff x="0" y="0"/>
-          <a:chExt cx="0" cy="0"/>
-        </a:xfrm>
-      </p:grpSpPr>
-      <p:sp>
-        <p:nvSpPr>
-          <p:cNvPr id="2" name="Téglalap 1">
-            <a:extLst>
-              <a:ext uri="{FF2B5EF4-FFF2-40B4-BE49-F238E27FC236}">
-                <a16:creationId xmlns:a16="http://schemas.microsoft.com/office/drawing/2014/main" id="{1D4B0EED-B93F-4E73-9FC0-6FED5681A0E2}"/>
-              </a:ext>
-            </a:extLst>
-          </p:cNvPr>
-          <p:cNvSpPr/>
-          <p:nvPr/>
-        </p:nvSpPr>
-        <p:spPr>
-          <a:xfrm>
-            <a:off x="0" y="-63397"/>
-            <a:ext cx="12192000" cy="863497"/>
-          </a:xfrm>
-          <a:prstGeom prst="rect">
-            <a:avLst/>
-          </a:prstGeom>
-          <a:solidFill>
-            <a:srgbClr val="BD0D18"/>
-          </a:solidFill>
-          <a:ln w="28575">
-            <a:noFill/>
-          </a:ln>
-        </p:spPr>
-        <p:style>
-          <a:lnRef idx="2">
-            <a:schemeClr val="accent1">
-              <a:shade val="50000"/>
-            </a:schemeClr>
-          </a:lnRef>
-          <a:fillRef idx="1">
-            <a:schemeClr val="accent1"/>
-          </a:fillRef>
-          <a:effectRef idx="0">
-            <a:schemeClr val="accent1"/>
-          </a:effectRef>
-          <a:fontRef idx="minor">
-            <a:schemeClr val="lt1"/>
-          </a:fontRef>
-        </p:style>
-        <p:txBody>
-          <a:bodyPr rtlCol="0" anchor="ctr"/>
-          <a:lstStyle/>
-          <a:p>
-            <a:pPr algn="ctr"/>
-            <a:endParaRPr lang="en-US" dirty="0"/>
-          </a:p>
-        </p:txBody>
-      </p:sp>
-      <p:sp>
-        <p:nvSpPr>
-          <p:cNvPr id="4" name="Téglalap: lekerekített 3">
-            <a:extLst>
-              <a:ext uri="{FF2B5EF4-FFF2-40B4-BE49-F238E27FC236}">
-                <a16:creationId xmlns:a16="http://schemas.microsoft.com/office/drawing/2014/main" id="{39182016-5379-4D63-A7C6-4ECA52EFB311}"/>
-              </a:ext>
-            </a:extLst>
-          </p:cNvPr>
-          <p:cNvSpPr/>
-          <p:nvPr/>
-        </p:nvSpPr>
-        <p:spPr>
-          <a:xfrm>
-            <a:off x="295074" y="135985"/>
-            <a:ext cx="1267028" cy="378365"/>
-          </a:xfrm>
-          <a:prstGeom prst="roundRect">
-            <a:avLst/>
-          </a:prstGeom>
-          <a:solidFill>
-            <a:schemeClr val="tx1">
-              <a:lumMod val="95000"/>
-              <a:lumOff val="5000"/>
-            </a:schemeClr>
-          </a:solidFill>
-          <a:ln w="3175">
-            <a:solidFill>
-              <a:schemeClr val="tx1">
-                <a:alpha val="99000"/>
-              </a:schemeClr>
-            </a:solidFill>
-          </a:ln>
-        </p:spPr>
-        <p:style>
-          <a:lnRef idx="2">
-            <a:schemeClr val="accent1">
-              <a:shade val="50000"/>
-            </a:schemeClr>
-          </a:lnRef>
-          <a:fillRef idx="1">
-            <a:schemeClr val="accent1"/>
-          </a:fillRef>
-          <a:effectRef idx="0">
-            <a:schemeClr val="accent1"/>
-          </a:effectRef>
-          <a:fontRef idx="minor">
-            <a:schemeClr val="lt1"/>
-          </a:fontRef>
-        </p:style>
-        <p:txBody>
-          <a:bodyPr rtlCol="0" anchor="ctr"/>
-          <a:lstStyle/>
-          <a:p>
-            <a:pPr algn="ctr"/>
-            <a:endParaRPr lang="en-US">
-              <a:solidFill>
-                <a:srgbClr val="CAC7C2"/>
-              </a:solidFill>
-            </a:endParaRPr>
-          </a:p>
-        </p:txBody>
-      </p:sp>
-      <p:sp>
-        <p:nvSpPr>
-          <p:cNvPr id="5" name="Szövegdoboz 4">
-            <a:extLst>
-              <a:ext uri="{FF2B5EF4-FFF2-40B4-BE49-F238E27FC236}">
-                <a16:creationId xmlns:a16="http://schemas.microsoft.com/office/drawing/2014/main" id="{4BB8EC08-8C2F-4ABA-9E8A-75D7E81C9A71}"/>
-              </a:ext>
-            </a:extLst>
-          </p:cNvPr>
-          <p:cNvSpPr txBox="1"/>
-          <p:nvPr/>
-        </p:nvSpPr>
-        <p:spPr>
-          <a:xfrm>
-            <a:off x="482792" y="143972"/>
-            <a:ext cx="891590" cy="369332"/>
-          </a:xfrm>
-          <a:prstGeom prst="rect">
-            <a:avLst/>
-          </a:prstGeom>
-          <a:noFill/>
-        </p:spPr>
-        <p:txBody>
-          <a:bodyPr wrap="none" rtlCol="0">
-            <a:spAutoFit/>
-          </a:bodyPr>
-          <a:lstStyle/>
-          <a:p>
-            <a:pPr algn="ctr"/>
-            <a:r>
-              <a:rPr lang="hu-HU" dirty="0">
-                <a:solidFill>
-                  <a:schemeClr val="bg1"/>
-                </a:solidFill>
-                <a:latin typeface="Corbel" panose="020B0503020204020204" pitchFamily="34" charset="0"/>
-                <a:cs typeface="Calibri Light" panose="020F0302020204030204" pitchFamily="34" charset="0"/>
-              </a:rPr>
-              <a:t>Főoldal</a:t>
-            </a:r>
-            <a:endParaRPr lang="en-US" dirty="0">
-              <a:solidFill>
-                <a:schemeClr val="bg1"/>
-              </a:solidFill>
-              <a:latin typeface="Corbel" panose="020B0503020204020204" pitchFamily="34" charset="0"/>
-              <a:cs typeface="Calibri Light" panose="020F0302020204030204" pitchFamily="34" charset="0"/>
-            </a:endParaRPr>
-          </a:p>
-        </p:txBody>
-      </p:sp>
-      <p:sp>
-        <p:nvSpPr>
-          <p:cNvPr id="6" name="Téglalap: lekerekített 5">
-            <a:extLst>
-              <a:ext uri="{FF2B5EF4-FFF2-40B4-BE49-F238E27FC236}">
-                <a16:creationId xmlns:a16="http://schemas.microsoft.com/office/drawing/2014/main" id="{3FA26D5D-10B3-41E5-AD90-3795A2B29EA6}"/>
-              </a:ext>
-            </a:extLst>
-          </p:cNvPr>
-          <p:cNvSpPr/>
-          <p:nvPr/>
-        </p:nvSpPr>
-        <p:spPr>
-          <a:xfrm>
-            <a:off x="1761009" y="134939"/>
-            <a:ext cx="1267028" cy="378365"/>
-          </a:xfrm>
-          <a:prstGeom prst="roundRect">
-            <a:avLst/>
-          </a:prstGeom>
-          <a:solidFill>
-            <a:schemeClr val="tx1"/>
-          </a:solidFill>
-          <a:ln w="3175">
-            <a:solidFill>
-              <a:schemeClr val="tx1">
-                <a:alpha val="99000"/>
-              </a:schemeClr>
-            </a:solidFill>
-          </a:ln>
-        </p:spPr>
-        <p:style>
-          <a:lnRef idx="2">
-            <a:schemeClr val="accent1">
-              <a:shade val="50000"/>
-            </a:schemeClr>
-          </a:lnRef>
-          <a:fillRef idx="1">
-            <a:schemeClr val="accent1"/>
-          </a:fillRef>
-          <a:effectRef idx="0">
-            <a:schemeClr val="accent1"/>
-          </a:effectRef>
-          <a:fontRef idx="minor">
-            <a:schemeClr val="lt1"/>
-          </a:fontRef>
-        </p:style>
-        <p:txBody>
-          <a:bodyPr rtlCol="0" anchor="ctr"/>
-          <a:lstStyle/>
-          <a:p>
-            <a:pPr algn="ctr"/>
-            <a:r>
-              <a:rPr lang="hu-HU" dirty="0">
-                <a:solidFill>
-                  <a:schemeClr val="bg1"/>
-                </a:solidFill>
-                <a:latin typeface="Corbel" panose="020B0503020204020204" pitchFamily="34" charset="0"/>
-              </a:rPr>
-              <a:t>Kereső</a:t>
-            </a:r>
-            <a:endParaRPr lang="en-US" dirty="0">
-              <a:solidFill>
-                <a:schemeClr val="bg1"/>
-              </a:solidFill>
-              <a:latin typeface="Corbel" panose="020B0503020204020204" pitchFamily="34" charset="0"/>
-            </a:endParaRPr>
-          </a:p>
-        </p:txBody>
-      </p:sp>
-      <p:sp>
-        <p:nvSpPr>
-          <p:cNvPr id="7" name="Téglalap: lekerekített 6">
-            <a:extLst>
-              <a:ext uri="{FF2B5EF4-FFF2-40B4-BE49-F238E27FC236}">
-                <a16:creationId xmlns:a16="http://schemas.microsoft.com/office/drawing/2014/main" id="{1D2B0348-42C5-4CAC-ADE0-3D07B740285F}"/>
-              </a:ext>
-            </a:extLst>
-          </p:cNvPr>
-          <p:cNvSpPr/>
-          <p:nvPr/>
-        </p:nvSpPr>
-        <p:spPr>
-          <a:xfrm>
-            <a:off x="3226944" y="135985"/>
-            <a:ext cx="2192781" cy="378365"/>
-          </a:xfrm>
-          <a:prstGeom prst="roundRect">
-            <a:avLst/>
-          </a:prstGeom>
-          <a:solidFill>
-            <a:schemeClr val="tx1"/>
-          </a:solidFill>
-          <a:ln w="3175">
-            <a:noFill/>
-          </a:ln>
-        </p:spPr>
-        <p:style>
-          <a:lnRef idx="2">
-            <a:schemeClr val="accent1">
-              <a:shade val="50000"/>
-            </a:schemeClr>
-          </a:lnRef>
-          <a:fillRef idx="1">
-            <a:schemeClr val="accent1"/>
-          </a:fillRef>
-          <a:effectRef idx="0">
-            <a:schemeClr val="accent1"/>
-          </a:effectRef>
-          <a:fontRef idx="minor">
-            <a:schemeClr val="lt1"/>
-          </a:fontRef>
-        </p:style>
-        <p:txBody>
-          <a:bodyPr rtlCol="0" anchor="ctr"/>
-          <a:lstStyle/>
-          <a:p>
-            <a:pPr algn="ctr"/>
-            <a:r>
-              <a:rPr lang="hu-HU" sz="1600" dirty="0">
-                <a:solidFill>
-                  <a:schemeClr val="bg1"/>
-                </a:solidFill>
-                <a:latin typeface="Corbel" panose="020B0503020204020204" pitchFamily="34" charset="0"/>
-              </a:rPr>
-              <a:t>Adatok módosítása</a:t>
-            </a:r>
-            <a:endParaRPr lang="en-US" sz="1600" dirty="0">
-              <a:solidFill>
-                <a:schemeClr val="bg1"/>
-              </a:solidFill>
-              <a:latin typeface="Corbel" panose="020B0503020204020204" pitchFamily="34" charset="0"/>
-            </a:endParaRPr>
-          </a:p>
-        </p:txBody>
-      </p:sp>
-      <p:graphicFrame>
-        <p:nvGraphicFramePr>
-          <p:cNvPr id="3" name="Táblázat 7">
-            <a:extLst>
-              <a:ext uri="{FF2B5EF4-FFF2-40B4-BE49-F238E27FC236}">
-                <a16:creationId xmlns:a16="http://schemas.microsoft.com/office/drawing/2014/main" id="{AA3780FE-A12D-4978-8625-B5CECDA91DFF}"/>
-              </a:ext>
-            </a:extLst>
-          </p:cNvPr>
-          <p:cNvGraphicFramePr>
-            <a:graphicFrameLocks noGrp="1"/>
-          </p:cNvGraphicFramePr>
-          <p:nvPr>
-            <p:extLst>
-              <p:ext uri="{D42A27DB-BD31-4B8C-83A1-F6EECF244321}">
-                <p14:modId xmlns:p14="http://schemas.microsoft.com/office/powerpoint/2010/main" val="1961320626"/>
-              </p:ext>
-            </p:extLst>
-          </p:nvPr>
-        </p:nvGraphicFramePr>
-        <p:xfrm>
-          <a:off x="3390840" y="1010183"/>
-          <a:ext cx="8301430" cy="5472177"/>
-        </p:xfrm>
-        <a:graphic>
-          <a:graphicData uri="http://schemas.openxmlformats.org/drawingml/2006/table">
-            <a:tbl>
-              <a:tblPr firstRow="1" bandRow="1">
-                <a:tableStyleId>{5C22544A-7EE6-4342-B048-85BDC9FD1C3A}</a:tableStyleId>
-              </a:tblPr>
-              <a:tblGrid>
-                <a:gridCol w="1660286">
-                  <a:extLst>
-                    <a:ext uri="{9D8B030D-6E8A-4147-A177-3AD203B41FA5}">
-                      <a16:colId xmlns:a16="http://schemas.microsoft.com/office/drawing/2014/main" val="2598443847"/>
-                    </a:ext>
-                  </a:extLst>
-                </a:gridCol>
-                <a:gridCol w="1660286">
-                  <a:extLst>
-                    <a:ext uri="{9D8B030D-6E8A-4147-A177-3AD203B41FA5}">
-                      <a16:colId xmlns:a16="http://schemas.microsoft.com/office/drawing/2014/main" val="2935347366"/>
-                    </a:ext>
-                  </a:extLst>
-                </a:gridCol>
-                <a:gridCol w="1660286">
-                  <a:extLst>
-                    <a:ext uri="{9D8B030D-6E8A-4147-A177-3AD203B41FA5}">
-                      <a16:colId xmlns:a16="http://schemas.microsoft.com/office/drawing/2014/main" val="2368300544"/>
-                    </a:ext>
-                  </a:extLst>
-                </a:gridCol>
-                <a:gridCol w="1660286">
-                  <a:extLst>
-                    <a:ext uri="{9D8B030D-6E8A-4147-A177-3AD203B41FA5}">
-                      <a16:colId xmlns:a16="http://schemas.microsoft.com/office/drawing/2014/main" val="3644187451"/>
-                    </a:ext>
-                  </a:extLst>
-                </a:gridCol>
-                <a:gridCol w="1660286">
-                  <a:extLst>
-                    <a:ext uri="{9D8B030D-6E8A-4147-A177-3AD203B41FA5}">
-                      <a16:colId xmlns:a16="http://schemas.microsoft.com/office/drawing/2014/main" val="3366820785"/>
-                    </a:ext>
-                  </a:extLst>
-                </a:gridCol>
-              </a:tblGrid>
-              <a:tr h="596959">
-                <a:tc>
-                  <a:txBody>
-                    <a:bodyPr/>
-                    <a:lstStyle/>
-                    <a:p>
-                      <a:pPr algn="ctr"/>
-                      <a:r>
-                        <a:rPr lang="hu-HU" sz="1800" b="1" dirty="0">
-                          <a:solidFill>
-                            <a:schemeClr val="bg1">
-                              <a:lumMod val="95000"/>
-                            </a:schemeClr>
-                          </a:solidFill>
-                          <a:latin typeface="Consolas" panose="020B0609020204030204" pitchFamily="49" charset="0"/>
-                        </a:rPr>
-                        <a:t>Név</a:t>
-                      </a:r>
-                      <a:endParaRPr lang="en-US" sz="1800" b="1" dirty="0">
-                        <a:solidFill>
-                          <a:schemeClr val="bg1">
-                            <a:lumMod val="95000"/>
-                          </a:schemeClr>
-                        </a:solidFill>
-                        <a:latin typeface="Consolas" panose="020B0609020204030204" pitchFamily="49" charset="0"/>
-                      </a:endParaRPr>
-                    </a:p>
-                  </a:txBody>
-                  <a:tcPr>
-                    <a:lnL w="12700" cap="flat" cmpd="sng" algn="ctr">
-                      <a:solidFill>
-                        <a:schemeClr val="bg1">
-                          <a:lumMod val="95000"/>
-                        </a:schemeClr>
-                      </a:solidFill>
-                      <a:prstDash val="solid"/>
-                      <a:round/>
-                      <a:headEnd type="none" w="med" len="med"/>
-                      <a:tailEnd type="none" w="med" len="med"/>
-                    </a:lnL>
-                    <a:lnR w="12700" cap="flat" cmpd="sng" algn="ctr">
-                      <a:solidFill>
-                        <a:schemeClr val="bg1">
-                          <a:lumMod val="95000"/>
-                        </a:schemeClr>
-                      </a:solidFill>
-                      <a:prstDash val="solid"/>
-                      <a:round/>
-                      <a:headEnd type="none" w="med" len="med"/>
-                      <a:tailEnd type="none" w="med" len="med"/>
-                    </a:lnR>
-                    <a:lnT w="12700" cap="flat" cmpd="sng" algn="ctr">
-                      <a:solidFill>
-                        <a:schemeClr val="bg1">
-                          <a:lumMod val="95000"/>
-                        </a:schemeClr>
-                      </a:solidFill>
-                      <a:prstDash val="solid"/>
-                      <a:round/>
-                      <a:headEnd type="none" w="med" len="med"/>
-                      <a:tailEnd type="none" w="med" len="med"/>
-                    </a:lnT>
-                    <a:lnB w="12700" cap="flat" cmpd="sng" algn="ctr">
-                      <a:solidFill>
-                        <a:schemeClr val="bg1">
-                          <a:lumMod val="95000"/>
-                        </a:schemeClr>
-                      </a:solidFill>
-                      <a:prstDash val="solid"/>
-                      <a:round/>
-                      <a:headEnd type="none" w="med" len="med"/>
-                      <a:tailEnd type="none" w="med" len="med"/>
-                    </a:lnB>
-                    <a:solidFill>
-                      <a:schemeClr val="tx1">
-                        <a:lumMod val="65000"/>
-                        <a:lumOff val="35000"/>
-                      </a:schemeClr>
-                    </a:solidFill>
-                  </a:tcPr>
-                </a:tc>
-                <a:tc>
-                  <a:txBody>
-                    <a:bodyPr/>
-                    <a:lstStyle/>
-                    <a:p>
-                      <a:pPr algn="ctr"/>
-                      <a:r>
-                        <a:rPr lang="hu-HU" sz="1800" dirty="0">
-                          <a:solidFill>
-                            <a:schemeClr val="bg1">
-                              <a:lumMod val="95000"/>
-                            </a:schemeClr>
-                          </a:solidFill>
-                          <a:latin typeface="Consolas" panose="020B0609020204030204" pitchFamily="49" charset="0"/>
-                        </a:rPr>
-                        <a:t>Azonosító</a:t>
-                      </a:r>
-                      <a:endParaRPr lang="en-US" sz="1800" dirty="0">
-                        <a:solidFill>
-                          <a:schemeClr val="bg1">
-                            <a:lumMod val="95000"/>
-                          </a:schemeClr>
-                        </a:solidFill>
-                        <a:latin typeface="Consolas" panose="020B0609020204030204" pitchFamily="49" charset="0"/>
-                      </a:endParaRPr>
-                    </a:p>
-                  </a:txBody>
-                  <a:tcPr>
-                    <a:lnL w="12700" cap="flat" cmpd="sng" algn="ctr">
-                      <a:solidFill>
-                        <a:schemeClr val="bg1">
-                          <a:lumMod val="95000"/>
-                        </a:schemeClr>
-                      </a:solidFill>
-                      <a:prstDash val="solid"/>
-                      <a:round/>
-                      <a:headEnd type="none" w="med" len="med"/>
-                      <a:tailEnd type="none" w="med" len="med"/>
-                    </a:lnL>
-                    <a:lnR w="12700" cap="flat" cmpd="sng" algn="ctr">
-                      <a:solidFill>
-                        <a:schemeClr val="bg1">
-                          <a:lumMod val="95000"/>
-                        </a:schemeClr>
-                      </a:solidFill>
-                      <a:prstDash val="solid"/>
-                      <a:round/>
-                      <a:headEnd type="none" w="med" len="med"/>
-                      <a:tailEnd type="none" w="med" len="med"/>
-                    </a:lnR>
-                    <a:lnT w="12700" cap="flat" cmpd="sng" algn="ctr">
-                      <a:solidFill>
-                        <a:schemeClr val="bg1">
-                          <a:lumMod val="95000"/>
-                        </a:schemeClr>
-                      </a:solidFill>
-                      <a:prstDash val="solid"/>
-                      <a:round/>
-                      <a:headEnd type="none" w="med" len="med"/>
-                      <a:tailEnd type="none" w="med" len="med"/>
-                    </a:lnT>
-                    <a:lnB w="12700" cap="flat" cmpd="sng" algn="ctr">
-                      <a:solidFill>
-                        <a:schemeClr val="bg1">
-                          <a:lumMod val="95000"/>
-                        </a:schemeClr>
-                      </a:solidFill>
-                      <a:prstDash val="solid"/>
-                      <a:round/>
-                      <a:headEnd type="none" w="med" len="med"/>
-                      <a:tailEnd type="none" w="med" len="med"/>
-                    </a:lnB>
-                    <a:solidFill>
-                      <a:schemeClr val="tx1">
-                        <a:lumMod val="65000"/>
-                        <a:lumOff val="35000"/>
-                      </a:schemeClr>
-                    </a:solidFill>
-                  </a:tcPr>
-                </a:tc>
-                <a:tc>
-                  <a:txBody>
-                    <a:bodyPr/>
-                    <a:lstStyle/>
-                    <a:p>
-                      <a:pPr algn="ctr"/>
-                      <a:r>
-                        <a:rPr lang="hu-HU" sz="1800" dirty="0">
-                          <a:solidFill>
-                            <a:schemeClr val="bg1">
-                              <a:lumMod val="95000"/>
-                            </a:schemeClr>
-                          </a:solidFill>
-                          <a:latin typeface="Consolas" panose="020B0609020204030204" pitchFamily="49" charset="0"/>
-                        </a:rPr>
-                        <a:t>Vércsoport</a:t>
-                      </a:r>
-                      <a:endParaRPr lang="en-US" sz="1800" dirty="0">
-                        <a:solidFill>
-                          <a:schemeClr val="bg1">
-                            <a:lumMod val="95000"/>
-                          </a:schemeClr>
-                        </a:solidFill>
-                        <a:latin typeface="Consolas" panose="020B0609020204030204" pitchFamily="49" charset="0"/>
-                      </a:endParaRPr>
-                    </a:p>
-                  </a:txBody>
-                  <a:tcPr>
-                    <a:lnL w="12700" cap="flat" cmpd="sng" algn="ctr">
-                      <a:solidFill>
-                        <a:schemeClr val="bg1">
-                          <a:lumMod val="95000"/>
-                        </a:schemeClr>
-                      </a:solidFill>
-                      <a:prstDash val="solid"/>
-                      <a:round/>
-                      <a:headEnd type="none" w="med" len="med"/>
-                      <a:tailEnd type="none" w="med" len="med"/>
-                    </a:lnL>
-                    <a:lnR w="12700" cap="flat" cmpd="sng" algn="ctr">
-                      <a:solidFill>
-                        <a:schemeClr val="bg1">
-                          <a:lumMod val="95000"/>
-                        </a:schemeClr>
-                      </a:solidFill>
-                      <a:prstDash val="solid"/>
-                      <a:round/>
-                      <a:headEnd type="none" w="med" len="med"/>
-                      <a:tailEnd type="none" w="med" len="med"/>
-                    </a:lnR>
-                    <a:lnT w="12700" cap="flat" cmpd="sng" algn="ctr">
-                      <a:solidFill>
-                        <a:schemeClr val="bg1">
-                          <a:lumMod val="95000"/>
-                        </a:schemeClr>
-                      </a:solidFill>
-                      <a:prstDash val="solid"/>
-                      <a:round/>
-                      <a:headEnd type="none" w="med" len="med"/>
-                      <a:tailEnd type="none" w="med" len="med"/>
-                    </a:lnT>
-                    <a:lnB w="12700" cap="flat" cmpd="sng" algn="ctr">
-                      <a:solidFill>
-                        <a:schemeClr val="bg1">
-                          <a:lumMod val="95000"/>
-                        </a:schemeClr>
-                      </a:solidFill>
-                      <a:prstDash val="solid"/>
-                      <a:round/>
-                      <a:headEnd type="none" w="med" len="med"/>
-                      <a:tailEnd type="none" w="med" len="med"/>
-                    </a:lnB>
-                    <a:solidFill>
-                      <a:schemeClr val="tx1">
-                        <a:lumMod val="65000"/>
-                        <a:lumOff val="35000"/>
-                      </a:schemeClr>
-                    </a:solidFill>
-                  </a:tcPr>
-                </a:tc>
-                <a:tc>
-                  <a:txBody>
-                    <a:bodyPr/>
-                    <a:lstStyle/>
-                    <a:p>
-                      <a:pPr algn="ctr"/>
-                      <a:r>
-                        <a:rPr lang="hu-HU" sz="1800" dirty="0">
-                          <a:solidFill>
-                            <a:schemeClr val="bg1">
-                              <a:lumMod val="95000"/>
-                            </a:schemeClr>
-                          </a:solidFill>
-                          <a:latin typeface="Consolas" panose="020B0609020204030204" pitchFamily="49" charset="0"/>
-                        </a:rPr>
-                        <a:t>Mennyiség(ml)</a:t>
-                      </a:r>
-                      <a:endParaRPr lang="en-US" sz="1800" dirty="0">
-                        <a:solidFill>
-                          <a:schemeClr val="bg1">
-                            <a:lumMod val="95000"/>
-                          </a:schemeClr>
-                        </a:solidFill>
-                        <a:latin typeface="Consolas" panose="020B0609020204030204" pitchFamily="49" charset="0"/>
-                      </a:endParaRPr>
-                    </a:p>
-                  </a:txBody>
-                  <a:tcPr>
-                    <a:lnL w="12700" cap="flat" cmpd="sng" algn="ctr">
-                      <a:solidFill>
-                        <a:schemeClr val="bg1">
-                          <a:lumMod val="95000"/>
-                        </a:schemeClr>
-                      </a:solidFill>
-                      <a:prstDash val="solid"/>
-                      <a:round/>
-                      <a:headEnd type="none" w="med" len="med"/>
-                      <a:tailEnd type="none" w="med" len="med"/>
-                    </a:lnL>
-                    <a:lnR w="12700" cap="flat" cmpd="sng" algn="ctr">
-                      <a:solidFill>
-                        <a:schemeClr val="bg1">
-                          <a:lumMod val="95000"/>
-                        </a:schemeClr>
-                      </a:solidFill>
-                      <a:prstDash val="solid"/>
-                      <a:round/>
-                      <a:headEnd type="none" w="med" len="med"/>
-                      <a:tailEnd type="none" w="med" len="med"/>
-                    </a:lnR>
-                    <a:lnT w="12700" cap="flat" cmpd="sng" algn="ctr">
-                      <a:solidFill>
-                        <a:schemeClr val="bg1">
-                          <a:lumMod val="95000"/>
-                        </a:schemeClr>
-                      </a:solidFill>
-                      <a:prstDash val="solid"/>
-                      <a:round/>
-                      <a:headEnd type="none" w="med" len="med"/>
-                      <a:tailEnd type="none" w="med" len="med"/>
-                    </a:lnT>
-                    <a:lnB w="12700" cap="flat" cmpd="sng" algn="ctr">
-                      <a:solidFill>
-                        <a:schemeClr val="bg1">
-                          <a:lumMod val="95000"/>
-                        </a:schemeClr>
-                      </a:solidFill>
-                      <a:prstDash val="solid"/>
-                      <a:round/>
-                      <a:headEnd type="none" w="med" len="med"/>
-                      <a:tailEnd type="none" w="med" len="med"/>
-                    </a:lnB>
-                    <a:solidFill>
-                      <a:schemeClr val="tx1">
-                        <a:lumMod val="65000"/>
-                        <a:lumOff val="35000"/>
-                      </a:schemeClr>
-                    </a:solidFill>
-                  </a:tcPr>
-                </a:tc>
-                <a:tc>
-                  <a:txBody>
-                    <a:bodyPr/>
-                    <a:lstStyle/>
-                    <a:p>
-                      <a:pPr algn="ctr"/>
-                      <a:r>
-                        <a:rPr lang="hu-HU" sz="1800" dirty="0" err="1">
-                          <a:solidFill>
-                            <a:schemeClr val="bg1">
-                              <a:lumMod val="95000"/>
-                            </a:schemeClr>
-                          </a:solidFill>
-                          <a:latin typeface="Consolas" panose="020B0609020204030204" pitchFamily="49" charset="0"/>
-                        </a:rPr>
-                        <a:t>Korház_ID</a:t>
-                      </a:r>
-                      <a:endParaRPr lang="en-US" sz="1800" dirty="0">
-                        <a:solidFill>
-                          <a:schemeClr val="bg1">
-                            <a:lumMod val="95000"/>
-                          </a:schemeClr>
-                        </a:solidFill>
-                        <a:latin typeface="Consolas" panose="020B0609020204030204" pitchFamily="49" charset="0"/>
-                      </a:endParaRPr>
-                    </a:p>
-                  </a:txBody>
-                  <a:tcPr>
-                    <a:lnL w="12700" cap="flat" cmpd="sng" algn="ctr">
-                      <a:solidFill>
-                        <a:schemeClr val="bg1">
-                          <a:lumMod val="95000"/>
-                        </a:schemeClr>
-                      </a:solidFill>
-                      <a:prstDash val="solid"/>
-                      <a:round/>
-                      <a:headEnd type="none" w="med" len="med"/>
-                      <a:tailEnd type="none" w="med" len="med"/>
-                    </a:lnL>
-                    <a:lnR w="12700" cap="flat" cmpd="sng" algn="ctr">
-                      <a:solidFill>
-                        <a:schemeClr val="bg1">
-                          <a:lumMod val="95000"/>
-                        </a:schemeClr>
-                      </a:solidFill>
-                      <a:prstDash val="solid"/>
-                      <a:round/>
-                      <a:headEnd type="none" w="med" len="med"/>
-                      <a:tailEnd type="none" w="med" len="med"/>
-                    </a:lnR>
-                    <a:lnT w="12700" cap="flat" cmpd="sng" algn="ctr">
-                      <a:solidFill>
-                        <a:schemeClr val="bg1">
-                          <a:lumMod val="95000"/>
-                        </a:schemeClr>
-                      </a:solidFill>
-                      <a:prstDash val="solid"/>
-                      <a:round/>
-                      <a:headEnd type="none" w="med" len="med"/>
-                      <a:tailEnd type="none" w="med" len="med"/>
-                    </a:lnT>
-                    <a:lnB w="12700" cap="flat" cmpd="sng" algn="ctr">
-                      <a:solidFill>
-                        <a:schemeClr val="bg1">
-                          <a:lumMod val="95000"/>
-                        </a:schemeClr>
-                      </a:solidFill>
-                      <a:prstDash val="solid"/>
-                      <a:round/>
-                      <a:headEnd type="none" w="med" len="med"/>
-                      <a:tailEnd type="none" w="med" len="med"/>
-                    </a:lnB>
-                    <a:solidFill>
-                      <a:schemeClr val="tx1">
-                        <a:lumMod val="65000"/>
-                        <a:lumOff val="35000"/>
-                      </a:schemeClr>
-                    </a:solidFill>
-                  </a:tcPr>
-                </a:tc>
-                <a:extLst>
-                  <a:ext uri="{0D108BD9-81ED-4DB2-BD59-A6C34878D82A}">
-                    <a16:rowId xmlns:a16="http://schemas.microsoft.com/office/drawing/2014/main" val="2965694189"/>
-                  </a:ext>
-                </a:extLst>
-              </a:tr>
-              <a:tr h="4832097">
-                <a:tc>
-                  <a:txBody>
-                    <a:bodyPr/>
-                    <a:lstStyle/>
-                    <a:p>
-                      <a:endParaRPr lang="en-US" dirty="0"/>
-                    </a:p>
-                  </a:txBody>
-                  <a:tcPr>
-                    <a:lnL w="12700" cap="flat" cmpd="sng" algn="ctr">
-                      <a:solidFill>
-                        <a:schemeClr val="bg1">
-                          <a:lumMod val="95000"/>
-                        </a:schemeClr>
-                      </a:solidFill>
-                      <a:prstDash val="solid"/>
-                      <a:round/>
-                      <a:headEnd type="none" w="med" len="med"/>
-                      <a:tailEnd type="none" w="med" len="med"/>
-                    </a:lnL>
-                    <a:lnR w="12700" cap="flat" cmpd="sng" algn="ctr">
-                      <a:solidFill>
-                        <a:schemeClr val="bg1">
-                          <a:lumMod val="95000"/>
-                        </a:schemeClr>
-                      </a:solidFill>
-                      <a:prstDash val="solid"/>
-                      <a:round/>
-                      <a:headEnd type="none" w="med" len="med"/>
-                      <a:tailEnd type="none" w="med" len="med"/>
-                    </a:lnR>
-                    <a:lnT w="12700" cap="flat" cmpd="sng" algn="ctr">
-                      <a:solidFill>
-                        <a:schemeClr val="bg1">
-                          <a:lumMod val="95000"/>
-                        </a:schemeClr>
-                      </a:solidFill>
-                      <a:prstDash val="solid"/>
-                      <a:round/>
-                      <a:headEnd type="none" w="med" len="med"/>
-                      <a:tailEnd type="none" w="med" len="med"/>
-                    </a:lnT>
-                    <a:lnB w="12700" cap="flat" cmpd="sng" algn="ctr">
-                      <a:solidFill>
-                        <a:schemeClr val="bg1">
-                          <a:lumMod val="95000"/>
-                        </a:schemeClr>
-                      </a:solidFill>
-                      <a:prstDash val="solid"/>
-                      <a:round/>
-                      <a:headEnd type="none" w="med" len="med"/>
-                      <a:tailEnd type="none" w="med" len="med"/>
-                    </a:lnB>
-                    <a:solidFill>
-                      <a:schemeClr val="tx1">
-                        <a:lumMod val="65000"/>
-                        <a:lumOff val="35000"/>
-                      </a:schemeClr>
-                    </a:solidFill>
-                  </a:tcPr>
-                </a:tc>
+              <a:tr h="5211763">
                 <a:tc>
                   <a:txBody>
                     <a:bodyPr/>
@@ -9840,6 +10395,283 @@
       </mc:AlternateContent>
       <p:sp>
         <p:nvSpPr>
+          <p:cNvPr id="30" name="Téglalap 29">
+            <a:extLst>
+              <a:ext uri="{FF2B5EF4-FFF2-40B4-BE49-F238E27FC236}">
+                <a16:creationId xmlns:a16="http://schemas.microsoft.com/office/drawing/2014/main" id="{235CA5E2-5BF5-4C6D-BF70-09150C11722E}"/>
+              </a:ext>
+            </a:extLst>
+          </p:cNvPr>
+          <p:cNvSpPr/>
+          <p:nvPr/>
+        </p:nvSpPr>
+        <p:spPr>
+          <a:xfrm>
+            <a:off x="3776960" y="6181193"/>
+            <a:ext cx="323496" cy="323850"/>
+          </a:xfrm>
+          <a:prstGeom prst="rect">
+            <a:avLst/>
+          </a:prstGeom>
+          <a:noFill/>
+          <a:ln>
+            <a:solidFill>
+              <a:srgbClr val="CAC7C2"/>
+            </a:solidFill>
+          </a:ln>
+        </p:spPr>
+        <p:style>
+          <a:lnRef idx="2">
+            <a:schemeClr val="accent1">
+              <a:shade val="50000"/>
+            </a:schemeClr>
+          </a:lnRef>
+          <a:fillRef idx="1">
+            <a:schemeClr val="accent1"/>
+          </a:fillRef>
+          <a:effectRef idx="0">
+            <a:schemeClr val="accent1"/>
+          </a:effectRef>
+          <a:fontRef idx="minor">
+            <a:schemeClr val="lt1"/>
+          </a:fontRef>
+        </p:style>
+        <p:txBody>
+          <a:bodyPr rtlCol="0" anchor="ctr"/>
+          <a:lstStyle/>
+          <a:p>
+            <a:pPr algn="ctr"/>
+            <a:endParaRPr lang="en-US"/>
+          </a:p>
+        </p:txBody>
+      </p:sp>
+      <p:grpSp>
+        <p:nvGrpSpPr>
+          <p:cNvPr id="54" name="Csoportba foglalás 53">
+            <a:extLst>
+              <a:ext uri="{FF2B5EF4-FFF2-40B4-BE49-F238E27FC236}">
+                <a16:creationId xmlns:a16="http://schemas.microsoft.com/office/drawing/2014/main" id="{41AE3B78-2949-4341-8406-35A6F3D6FDFB}"/>
+              </a:ext>
+            </a:extLst>
+          </p:cNvPr>
+          <p:cNvGrpSpPr/>
+          <p:nvPr/>
+        </p:nvGrpSpPr>
+        <p:grpSpPr>
+          <a:xfrm>
+            <a:off x="3805148" y="6253118"/>
+            <a:ext cx="218160" cy="200520"/>
+            <a:chOff x="3805148" y="6253118"/>
+            <a:chExt cx="218160" cy="200520"/>
+          </a:xfrm>
+        </p:grpSpPr>
+        <mc:AlternateContent xmlns:mc="http://schemas.openxmlformats.org/markup-compatibility/2006" xmlns:p14="http://schemas.microsoft.com/office/powerpoint/2010/main">
+          <mc:Choice Requires="p14">
+            <p:contentPart p14:bwMode="auto" r:id="rId6">
+              <p14:nvContentPartPr>
+                <p14:cNvPr id="48" name="Szabadkéz 47">
+                  <a:extLst>
+                    <a:ext uri="{FF2B5EF4-FFF2-40B4-BE49-F238E27FC236}">
+                      <a16:creationId xmlns:a16="http://schemas.microsoft.com/office/drawing/2014/main" id="{C39AF679-7D8C-476E-B42C-AB9C8C20CA2D}"/>
+                    </a:ext>
+                  </a:extLst>
+                </p14:cNvPr>
+                <p14:cNvContentPartPr/>
+                <p14:nvPr/>
+              </p14:nvContentPartPr>
+              <p14:xfrm>
+                <a:off x="3938708" y="6253118"/>
+                <a:ext cx="84600" cy="113040"/>
+              </p14:xfrm>
+            </p:contentPart>
+          </mc:Choice>
+          <mc:Fallback xmlns="">
+            <p:pic>
+              <p:nvPicPr>
+                <p:cNvPr id="48" name="Szabadkéz 47">
+                  <a:extLst>
+                    <a:ext uri="{FF2B5EF4-FFF2-40B4-BE49-F238E27FC236}">
+                      <a16:creationId xmlns:a16="http://schemas.microsoft.com/office/drawing/2014/main" id="{C39AF679-7D8C-476E-B42C-AB9C8C20CA2D}"/>
+                    </a:ext>
+                  </a:extLst>
+                </p:cNvPr>
+                <p:cNvPicPr/>
+                <p:nvPr/>
+              </p:nvPicPr>
+              <p:blipFill>
+                <a:blip r:embed="rId7"/>
+                <a:stretch>
+                  <a:fillRect/>
+                </a:stretch>
+              </p:blipFill>
+              <p:spPr>
+                <a:xfrm>
+                  <a:off x="3934388" y="6248798"/>
+                  <a:ext cx="93240" cy="121680"/>
+                </a:xfrm>
+                <a:prstGeom prst="rect">
+                  <a:avLst/>
+                </a:prstGeom>
+              </p:spPr>
+            </p:pic>
+          </mc:Fallback>
+        </mc:AlternateContent>
+        <mc:AlternateContent xmlns:mc="http://schemas.openxmlformats.org/markup-compatibility/2006" xmlns:p14="http://schemas.microsoft.com/office/powerpoint/2010/main">
+          <mc:Choice Requires="p14">
+            <p:contentPart p14:bwMode="auto" r:id="rId8">
+              <p14:nvContentPartPr>
+                <p14:cNvPr id="49" name="Szabadkéz 48">
+                  <a:extLst>
+                    <a:ext uri="{FF2B5EF4-FFF2-40B4-BE49-F238E27FC236}">
+                      <a16:creationId xmlns:a16="http://schemas.microsoft.com/office/drawing/2014/main" id="{0C6F808E-27C9-4A4A-ABDF-5EC6786E87BC}"/>
+                    </a:ext>
+                  </a:extLst>
+                </p14:cNvPr>
+                <p14:cNvContentPartPr/>
+                <p14:nvPr/>
+              </p14:nvContentPartPr>
+              <p14:xfrm>
+                <a:off x="3842588" y="6276158"/>
+                <a:ext cx="162720" cy="77040"/>
+              </p14:xfrm>
+            </p:contentPart>
+          </mc:Choice>
+          <mc:Fallback xmlns="">
+            <p:pic>
+              <p:nvPicPr>
+                <p:cNvPr id="49" name="Szabadkéz 48">
+                  <a:extLst>
+                    <a:ext uri="{FF2B5EF4-FFF2-40B4-BE49-F238E27FC236}">
+                      <a16:creationId xmlns:a16="http://schemas.microsoft.com/office/drawing/2014/main" id="{0C6F808E-27C9-4A4A-ABDF-5EC6786E87BC}"/>
+                    </a:ext>
+                  </a:extLst>
+                </p:cNvPr>
+                <p:cNvPicPr/>
+                <p:nvPr/>
+              </p:nvPicPr>
+              <p:blipFill>
+                <a:blip r:embed="rId9"/>
+                <a:stretch>
+                  <a:fillRect/>
+                </a:stretch>
+              </p:blipFill>
+              <p:spPr>
+                <a:xfrm>
+                  <a:off x="3838268" y="6271838"/>
+                  <a:ext cx="171360" cy="85680"/>
+                </a:xfrm>
+                <a:prstGeom prst="rect">
+                  <a:avLst/>
+                </a:prstGeom>
+              </p:spPr>
+            </p:pic>
+          </mc:Fallback>
+        </mc:AlternateContent>
+        <mc:AlternateContent xmlns:mc="http://schemas.openxmlformats.org/markup-compatibility/2006" xmlns:p14="http://schemas.microsoft.com/office/powerpoint/2010/main">
+          <mc:Choice Requires="p14">
+            <p:contentPart p14:bwMode="auto" r:id="rId10">
+              <p14:nvContentPartPr>
+                <p14:cNvPr id="51" name="Szabadkéz 50">
+                  <a:extLst>
+                    <a:ext uri="{FF2B5EF4-FFF2-40B4-BE49-F238E27FC236}">
+                      <a16:creationId xmlns:a16="http://schemas.microsoft.com/office/drawing/2014/main" id="{38D0672D-DC13-479D-B594-3B3C806DFDA7}"/>
+                    </a:ext>
+                  </a:extLst>
+                </p14:cNvPr>
+                <p14:cNvContentPartPr/>
+                <p14:nvPr/>
+              </p14:nvContentPartPr>
+              <p14:xfrm>
+                <a:off x="3805148" y="6343118"/>
+                <a:ext cx="72000" cy="86400"/>
+              </p14:xfrm>
+            </p:contentPart>
+          </mc:Choice>
+          <mc:Fallback xmlns="">
+            <p:pic>
+              <p:nvPicPr>
+                <p:cNvPr id="51" name="Szabadkéz 50">
+                  <a:extLst>
+                    <a:ext uri="{FF2B5EF4-FFF2-40B4-BE49-F238E27FC236}">
+                      <a16:creationId xmlns:a16="http://schemas.microsoft.com/office/drawing/2014/main" id="{38D0672D-DC13-479D-B594-3B3C806DFDA7}"/>
+                    </a:ext>
+                  </a:extLst>
+                </p:cNvPr>
+                <p:cNvPicPr/>
+                <p:nvPr/>
+              </p:nvPicPr>
+              <p:blipFill>
+                <a:blip r:embed="rId11"/>
+                <a:stretch>
+                  <a:fillRect/>
+                </a:stretch>
+              </p:blipFill>
+              <p:spPr>
+                <a:xfrm>
+                  <a:off x="3800828" y="6338798"/>
+                  <a:ext cx="80640" cy="95040"/>
+                </a:xfrm>
+                <a:prstGeom prst="rect">
+                  <a:avLst/>
+                </a:prstGeom>
+              </p:spPr>
+            </p:pic>
+          </mc:Fallback>
+        </mc:AlternateContent>
+        <mc:AlternateContent xmlns:mc="http://schemas.openxmlformats.org/markup-compatibility/2006" xmlns:p14="http://schemas.microsoft.com/office/powerpoint/2010/main">
+          <mc:Choice Requires="p14">
+            <p:contentPart p14:bwMode="auto" r:id="rId12">
+              <p14:nvContentPartPr>
+                <p14:cNvPr id="53" name="Szabadkéz 52">
+                  <a:extLst>
+                    <a:ext uri="{FF2B5EF4-FFF2-40B4-BE49-F238E27FC236}">
+                      <a16:creationId xmlns:a16="http://schemas.microsoft.com/office/drawing/2014/main" id="{7A6F8F55-D5CB-491F-AF51-C343F0A5C745}"/>
+                    </a:ext>
+                  </a:extLst>
+                </p14:cNvPr>
+                <p14:cNvContentPartPr/>
+                <p14:nvPr/>
+              </p14:nvContentPartPr>
+              <p14:xfrm>
+                <a:off x="3819188" y="6352838"/>
+                <a:ext cx="173880" cy="100800"/>
+              </p14:xfrm>
+            </p:contentPart>
+          </mc:Choice>
+          <mc:Fallback xmlns="">
+            <p:pic>
+              <p:nvPicPr>
+                <p:cNvPr id="53" name="Szabadkéz 52">
+                  <a:extLst>
+                    <a:ext uri="{FF2B5EF4-FFF2-40B4-BE49-F238E27FC236}">
+                      <a16:creationId xmlns:a16="http://schemas.microsoft.com/office/drawing/2014/main" id="{7A6F8F55-D5CB-491F-AF51-C343F0A5C745}"/>
+                    </a:ext>
+                  </a:extLst>
+                </p:cNvPr>
+                <p:cNvPicPr/>
+                <p:nvPr/>
+              </p:nvPicPr>
+              <p:blipFill>
+                <a:blip r:embed="rId13"/>
+                <a:stretch>
+                  <a:fillRect/>
+                </a:stretch>
+              </p:blipFill>
+              <p:spPr>
+                <a:xfrm>
+                  <a:off x="3814868" y="6348503"/>
+                  <a:ext cx="182520" cy="109471"/>
+                </a:xfrm>
+                <a:prstGeom prst="rect">
+                  <a:avLst/>
+                </a:prstGeom>
+              </p:spPr>
+            </p:pic>
+          </mc:Fallback>
+        </mc:AlternateContent>
+      </p:grpSp>
+      <p:sp>
+        <p:nvSpPr>
           <p:cNvPr id="33" name="Téglalap: lekerekített 32">
             <a:extLst>
               <a:ext uri="{FF2B5EF4-FFF2-40B4-BE49-F238E27FC236}">
@@ -10156,8 +10988,9 @@
     <p:bg>
       <p:bgPr>
         <a:solidFill>
-          <a:schemeClr val="bg1">
-            <a:lumMod val="95000"/>
+          <a:schemeClr val="accent6">
+            <a:lumMod val="40000"/>
+            <a:lumOff val="60000"/>
           </a:schemeClr>
         </a:solidFill>
         <a:effectLst/>
@@ -10179,58 +11012,6 @@
       </p:grpSpPr>
       <p:sp>
         <p:nvSpPr>
-          <p:cNvPr id="2" name="Téglalap 1">
-            <a:extLst>
-              <a:ext uri="{FF2B5EF4-FFF2-40B4-BE49-F238E27FC236}">
-                <a16:creationId xmlns:a16="http://schemas.microsoft.com/office/drawing/2014/main" id="{1D4B0EED-B93F-4E73-9FC0-6FED5681A0E2}"/>
-              </a:ext>
-            </a:extLst>
-          </p:cNvPr>
-          <p:cNvSpPr/>
-          <p:nvPr/>
-        </p:nvSpPr>
-        <p:spPr>
-          <a:xfrm>
-            <a:off x="0" y="-63397"/>
-            <a:ext cx="12192000" cy="863497"/>
-          </a:xfrm>
-          <a:prstGeom prst="rect">
-            <a:avLst/>
-          </a:prstGeom>
-          <a:solidFill>
-            <a:srgbClr val="BD0D18"/>
-          </a:solidFill>
-          <a:ln w="28575">
-            <a:noFill/>
-          </a:ln>
-        </p:spPr>
-        <p:style>
-          <a:lnRef idx="2">
-            <a:schemeClr val="accent1">
-              <a:shade val="50000"/>
-            </a:schemeClr>
-          </a:lnRef>
-          <a:fillRef idx="1">
-            <a:schemeClr val="accent1"/>
-          </a:fillRef>
-          <a:effectRef idx="0">
-            <a:schemeClr val="accent1"/>
-          </a:effectRef>
-          <a:fontRef idx="minor">
-            <a:schemeClr val="lt1"/>
-          </a:fontRef>
-        </p:style>
-        <p:txBody>
-          <a:bodyPr rtlCol="0" anchor="ctr"/>
-          <a:lstStyle/>
-          <a:p>
-            <a:pPr algn="ctr"/>
-            <a:endParaRPr lang="en-US" dirty="0"/>
-          </a:p>
-        </p:txBody>
-      </p:sp>
-      <p:sp>
-        <p:nvSpPr>
           <p:cNvPr id="4" name="Téglalap: lekerekített 3">
             <a:extLst>
               <a:ext uri="{FF2B5EF4-FFF2-40B4-BE49-F238E27FC236}">
@@ -10243,1081 +11024,14 @@
         </p:nvSpPr>
         <p:spPr>
           <a:xfrm>
-            <a:off x="295074" y="135985"/>
+            <a:off x="295073" y="135985"/>
             <a:ext cx="1267028" cy="378365"/>
           </a:xfrm>
           <a:prstGeom prst="roundRect">
             <a:avLst/>
           </a:prstGeom>
           <a:solidFill>
-            <a:schemeClr val="tx1">
-              <a:lumMod val="95000"/>
-              <a:lumOff val="5000"/>
-            </a:schemeClr>
-          </a:solidFill>
-          <a:ln w="3175">
-            <a:solidFill>
-              <a:schemeClr val="tx1">
-                <a:alpha val="99000"/>
-              </a:schemeClr>
-            </a:solidFill>
-          </a:ln>
-        </p:spPr>
-        <p:style>
-          <a:lnRef idx="2">
-            <a:schemeClr val="accent1">
-              <a:shade val="50000"/>
-            </a:schemeClr>
-          </a:lnRef>
-          <a:fillRef idx="1">
-            <a:schemeClr val="accent1"/>
-          </a:fillRef>
-          <a:effectRef idx="0">
-            <a:schemeClr val="accent1"/>
-          </a:effectRef>
-          <a:fontRef idx="minor">
-            <a:schemeClr val="lt1"/>
-          </a:fontRef>
-        </p:style>
-        <p:txBody>
-          <a:bodyPr rtlCol="0" anchor="ctr"/>
-          <a:lstStyle/>
-          <a:p>
-            <a:pPr algn="ctr"/>
-            <a:endParaRPr lang="en-US">
-              <a:solidFill>
-                <a:srgbClr val="CAC7C2"/>
-              </a:solidFill>
-            </a:endParaRPr>
-          </a:p>
-        </p:txBody>
-      </p:sp>
-      <p:sp>
-        <p:nvSpPr>
-          <p:cNvPr id="5" name="Szövegdoboz 4">
-            <a:extLst>
-              <a:ext uri="{FF2B5EF4-FFF2-40B4-BE49-F238E27FC236}">
-                <a16:creationId xmlns:a16="http://schemas.microsoft.com/office/drawing/2014/main" id="{4BB8EC08-8C2F-4ABA-9E8A-75D7E81C9A71}"/>
-              </a:ext>
-            </a:extLst>
-          </p:cNvPr>
-          <p:cNvSpPr txBox="1"/>
-          <p:nvPr/>
-        </p:nvSpPr>
-        <p:spPr>
-          <a:xfrm>
-            <a:off x="482792" y="143972"/>
-            <a:ext cx="891590" cy="369332"/>
-          </a:xfrm>
-          <a:prstGeom prst="rect">
-            <a:avLst/>
-          </a:prstGeom>
-          <a:noFill/>
-        </p:spPr>
-        <p:txBody>
-          <a:bodyPr wrap="none" rtlCol="0">
-            <a:spAutoFit/>
-          </a:bodyPr>
-          <a:lstStyle/>
-          <a:p>
-            <a:pPr algn="ctr"/>
-            <a:r>
-              <a:rPr lang="hu-HU" dirty="0">
-                <a:solidFill>
-                  <a:schemeClr val="bg1"/>
-                </a:solidFill>
-                <a:latin typeface="Corbel" panose="020B0503020204020204" pitchFamily="34" charset="0"/>
-                <a:cs typeface="Calibri Light" panose="020F0302020204030204" pitchFamily="34" charset="0"/>
-              </a:rPr>
-              <a:t>Főoldal</a:t>
-            </a:r>
-            <a:endParaRPr lang="en-US" dirty="0">
-              <a:solidFill>
-                <a:schemeClr val="bg1"/>
-              </a:solidFill>
-              <a:latin typeface="Corbel" panose="020B0503020204020204" pitchFamily="34" charset="0"/>
-              <a:cs typeface="Calibri Light" panose="020F0302020204030204" pitchFamily="34" charset="0"/>
-            </a:endParaRPr>
-          </a:p>
-        </p:txBody>
-      </p:sp>
-      <p:sp>
-        <p:nvSpPr>
-          <p:cNvPr id="6" name="Téglalap: lekerekített 5">
-            <a:extLst>
-              <a:ext uri="{FF2B5EF4-FFF2-40B4-BE49-F238E27FC236}">
-                <a16:creationId xmlns:a16="http://schemas.microsoft.com/office/drawing/2014/main" id="{3FA26D5D-10B3-41E5-AD90-3795A2B29EA6}"/>
-              </a:ext>
-            </a:extLst>
-          </p:cNvPr>
-          <p:cNvSpPr/>
-          <p:nvPr/>
-        </p:nvSpPr>
-        <p:spPr>
-          <a:xfrm>
-            <a:off x="1761009" y="134939"/>
-            <a:ext cx="1267028" cy="378365"/>
-          </a:xfrm>
-          <a:prstGeom prst="roundRect">
-            <a:avLst/>
-          </a:prstGeom>
-          <a:solidFill>
-            <a:schemeClr val="tx1"/>
-          </a:solidFill>
-          <a:ln w="3175">
-            <a:solidFill>
-              <a:schemeClr val="tx1">
-                <a:alpha val="99000"/>
-              </a:schemeClr>
-            </a:solidFill>
-          </a:ln>
-        </p:spPr>
-        <p:style>
-          <a:lnRef idx="2">
-            <a:schemeClr val="accent1">
-              <a:shade val="50000"/>
-            </a:schemeClr>
-          </a:lnRef>
-          <a:fillRef idx="1">
-            <a:schemeClr val="accent1"/>
-          </a:fillRef>
-          <a:effectRef idx="0">
-            <a:schemeClr val="accent1"/>
-          </a:effectRef>
-          <a:fontRef idx="minor">
-            <a:schemeClr val="lt1"/>
-          </a:fontRef>
-        </p:style>
-        <p:txBody>
-          <a:bodyPr rtlCol="0" anchor="ctr"/>
-          <a:lstStyle/>
-          <a:p>
-            <a:pPr algn="ctr"/>
-            <a:r>
-              <a:rPr lang="hu-HU" dirty="0">
-                <a:solidFill>
-                  <a:schemeClr val="bg1"/>
-                </a:solidFill>
-                <a:latin typeface="Corbel" panose="020B0503020204020204" pitchFamily="34" charset="0"/>
-              </a:rPr>
-              <a:t>Kereső</a:t>
-            </a:r>
-            <a:endParaRPr lang="en-US" dirty="0">
-              <a:solidFill>
-                <a:schemeClr val="bg1"/>
-              </a:solidFill>
-              <a:latin typeface="Corbel" panose="020B0503020204020204" pitchFamily="34" charset="0"/>
-            </a:endParaRPr>
-          </a:p>
-        </p:txBody>
-      </p:sp>
-      <p:sp>
-        <p:nvSpPr>
-          <p:cNvPr id="7" name="Téglalap: lekerekített 6">
-            <a:extLst>
-              <a:ext uri="{FF2B5EF4-FFF2-40B4-BE49-F238E27FC236}">
-                <a16:creationId xmlns:a16="http://schemas.microsoft.com/office/drawing/2014/main" id="{1D2B0348-42C5-4CAC-ADE0-3D07B740285F}"/>
-              </a:ext>
-            </a:extLst>
-          </p:cNvPr>
-          <p:cNvSpPr/>
-          <p:nvPr/>
-        </p:nvSpPr>
-        <p:spPr>
-          <a:xfrm>
-            <a:off x="3226944" y="135985"/>
-            <a:ext cx="2192781" cy="378365"/>
-          </a:xfrm>
-          <a:prstGeom prst="roundRect">
-            <a:avLst/>
-          </a:prstGeom>
-          <a:solidFill>
-            <a:schemeClr val="tx1"/>
-          </a:solidFill>
-          <a:ln w="3175">
-            <a:noFill/>
-          </a:ln>
-        </p:spPr>
-        <p:style>
-          <a:lnRef idx="2">
-            <a:schemeClr val="accent1">
-              <a:shade val="50000"/>
-            </a:schemeClr>
-          </a:lnRef>
-          <a:fillRef idx="1">
-            <a:schemeClr val="accent1"/>
-          </a:fillRef>
-          <a:effectRef idx="0">
-            <a:schemeClr val="accent1"/>
-          </a:effectRef>
-          <a:fontRef idx="minor">
-            <a:schemeClr val="lt1"/>
-          </a:fontRef>
-        </p:style>
-        <p:txBody>
-          <a:bodyPr rtlCol="0" anchor="ctr"/>
-          <a:lstStyle/>
-          <a:p>
-            <a:pPr algn="ctr"/>
-            <a:r>
-              <a:rPr lang="hu-HU" sz="1600" dirty="0">
-                <a:solidFill>
-                  <a:schemeClr val="bg1"/>
-                </a:solidFill>
-                <a:latin typeface="Corbel" panose="020B0503020204020204" pitchFamily="34" charset="0"/>
-              </a:rPr>
-              <a:t>Adatok módosítása</a:t>
-            </a:r>
-            <a:endParaRPr lang="en-US" sz="1600" dirty="0">
-              <a:solidFill>
-                <a:schemeClr val="bg1"/>
-              </a:solidFill>
-              <a:latin typeface="Corbel" panose="020B0503020204020204" pitchFamily="34" charset="0"/>
-            </a:endParaRPr>
-          </a:p>
-        </p:txBody>
-      </p:sp>
-      <p:sp>
-        <p:nvSpPr>
-          <p:cNvPr id="16" name="Téglalap 15">
-            <a:extLst>
-              <a:ext uri="{FF2B5EF4-FFF2-40B4-BE49-F238E27FC236}">
-                <a16:creationId xmlns:a16="http://schemas.microsoft.com/office/drawing/2014/main" id="{314190A6-6BD7-4298-AB6D-D10DBAD7A3AA}"/>
-              </a:ext>
-            </a:extLst>
-          </p:cNvPr>
-          <p:cNvSpPr/>
-          <p:nvPr/>
-        </p:nvSpPr>
-        <p:spPr>
-          <a:xfrm>
-            <a:off x="0" y="704675"/>
-            <a:ext cx="133349" cy="6153325"/>
-          </a:xfrm>
-          <a:prstGeom prst="rect">
-            <a:avLst/>
-          </a:prstGeom>
-          <a:solidFill>
-            <a:srgbClr val="BD0D18"/>
-          </a:solidFill>
-          <a:ln>
-            <a:noFill/>
-          </a:ln>
-        </p:spPr>
-        <p:style>
-          <a:lnRef idx="2">
-            <a:schemeClr val="accent1">
-              <a:shade val="50000"/>
-            </a:schemeClr>
-          </a:lnRef>
-          <a:fillRef idx="1">
-            <a:schemeClr val="accent1"/>
-          </a:fillRef>
-          <a:effectRef idx="0">
-            <a:schemeClr val="accent1"/>
-          </a:effectRef>
-          <a:fontRef idx="minor">
-            <a:schemeClr val="lt1"/>
-          </a:fontRef>
-        </p:style>
-        <p:txBody>
-          <a:bodyPr rtlCol="0" anchor="ctr"/>
-          <a:lstStyle/>
-          <a:p>
-            <a:pPr algn="ctr"/>
-            <a:endParaRPr lang="en-US"/>
-          </a:p>
-        </p:txBody>
-      </p:sp>
-      <p:sp>
-        <p:nvSpPr>
-          <p:cNvPr id="17" name="Téglalap 16">
-            <a:extLst>
-              <a:ext uri="{FF2B5EF4-FFF2-40B4-BE49-F238E27FC236}">
-                <a16:creationId xmlns:a16="http://schemas.microsoft.com/office/drawing/2014/main" id="{40301329-4F36-46D4-8946-B36A3EB2EA09}"/>
-              </a:ext>
-            </a:extLst>
-          </p:cNvPr>
-          <p:cNvSpPr/>
-          <p:nvPr/>
-        </p:nvSpPr>
-        <p:spPr>
-          <a:xfrm>
-            <a:off x="12058449" y="708343"/>
-            <a:ext cx="133349" cy="6153325"/>
-          </a:xfrm>
-          <a:prstGeom prst="rect">
-            <a:avLst/>
-          </a:prstGeom>
-          <a:solidFill>
-            <a:srgbClr val="BD0D18"/>
-          </a:solidFill>
-          <a:ln>
-            <a:noFill/>
-          </a:ln>
-        </p:spPr>
-        <p:style>
-          <a:lnRef idx="2">
-            <a:schemeClr val="accent1">
-              <a:shade val="50000"/>
-            </a:schemeClr>
-          </a:lnRef>
-          <a:fillRef idx="1">
-            <a:schemeClr val="accent1"/>
-          </a:fillRef>
-          <a:effectRef idx="0">
-            <a:schemeClr val="accent1"/>
-          </a:effectRef>
-          <a:fontRef idx="minor">
-            <a:schemeClr val="lt1"/>
-          </a:fontRef>
-        </p:style>
-        <p:txBody>
-          <a:bodyPr rtlCol="0" anchor="ctr"/>
-          <a:lstStyle/>
-          <a:p>
-            <a:pPr algn="ctr"/>
-            <a:endParaRPr lang="en-US"/>
-          </a:p>
-        </p:txBody>
-      </p:sp>
-      <p:sp>
-        <p:nvSpPr>
-          <p:cNvPr id="18" name="Téglalap 17">
-            <a:extLst>
-              <a:ext uri="{FF2B5EF4-FFF2-40B4-BE49-F238E27FC236}">
-                <a16:creationId xmlns:a16="http://schemas.microsoft.com/office/drawing/2014/main" id="{CE1557B0-0A2A-49E5-8882-BEB7ED996FAF}"/>
-              </a:ext>
-            </a:extLst>
-          </p:cNvPr>
-          <p:cNvSpPr/>
-          <p:nvPr/>
-        </p:nvSpPr>
-        <p:spPr>
-          <a:xfrm>
-            <a:off x="0" y="6715125"/>
-            <a:ext cx="12191798" cy="142875"/>
-          </a:xfrm>
-          <a:prstGeom prst="rect">
-            <a:avLst/>
-          </a:prstGeom>
-          <a:solidFill>
-            <a:srgbClr val="C00000"/>
-          </a:solidFill>
-          <a:ln>
-            <a:noFill/>
-          </a:ln>
-        </p:spPr>
-        <p:style>
-          <a:lnRef idx="2">
-            <a:schemeClr val="accent1">
-              <a:shade val="50000"/>
-            </a:schemeClr>
-          </a:lnRef>
-          <a:fillRef idx="1">
-            <a:schemeClr val="accent1"/>
-          </a:fillRef>
-          <a:effectRef idx="0">
-            <a:schemeClr val="accent1"/>
-          </a:effectRef>
-          <a:fontRef idx="minor">
-            <a:schemeClr val="lt1"/>
-          </a:fontRef>
-        </p:style>
-        <p:txBody>
-          <a:bodyPr rtlCol="0" anchor="ctr"/>
-          <a:lstStyle/>
-          <a:p>
-            <a:pPr algn="ctr"/>
-            <a:endParaRPr lang="en-US"/>
-          </a:p>
-        </p:txBody>
-      </p:sp>
-      <p:grpSp>
-        <p:nvGrpSpPr>
-          <p:cNvPr id="21" name="Csoportba foglalás 20">
-            <a:extLst>
-              <a:ext uri="{FF2B5EF4-FFF2-40B4-BE49-F238E27FC236}">
-                <a16:creationId xmlns:a16="http://schemas.microsoft.com/office/drawing/2014/main" id="{89FB0E39-1E09-4702-B237-853511944CA5}"/>
-              </a:ext>
-            </a:extLst>
-          </p:cNvPr>
-          <p:cNvGrpSpPr/>
-          <p:nvPr/>
-        </p:nvGrpSpPr>
-        <p:grpSpPr>
-          <a:xfrm>
-            <a:off x="6133860" y="533100"/>
-            <a:ext cx="360" cy="360"/>
-            <a:chOff x="6133860" y="533100"/>
-            <a:chExt cx="360" cy="360"/>
-          </a:xfrm>
-        </p:grpSpPr>
-        <mc:AlternateContent xmlns:mc="http://schemas.openxmlformats.org/markup-compatibility/2006" xmlns:p14="http://schemas.microsoft.com/office/powerpoint/2010/main">
-          <mc:Choice Requires="p14">
-            <p:contentPart p14:bwMode="auto" r:id="rId2">
-              <p14:nvContentPartPr>
-                <p14:cNvPr id="19" name="Szabadkéz 18">
-                  <a:extLst>
-                    <a:ext uri="{FF2B5EF4-FFF2-40B4-BE49-F238E27FC236}">
-                      <a16:creationId xmlns:a16="http://schemas.microsoft.com/office/drawing/2014/main" id="{AF11586B-6D51-4B04-83E2-922685EB1E34}"/>
-                    </a:ext>
-                  </a:extLst>
-                </p14:cNvPr>
-                <p14:cNvContentPartPr/>
-                <p14:nvPr/>
-              </p14:nvContentPartPr>
-              <p14:xfrm>
-                <a:off x="6133860" y="533100"/>
-                <a:ext cx="360" cy="360"/>
-              </p14:xfrm>
-            </p:contentPart>
-          </mc:Choice>
-          <mc:Fallback xmlns="">
-            <p:pic>
-              <p:nvPicPr>
-                <p:cNvPr id="19" name="Szabadkéz 18">
-                  <a:extLst>
-                    <a:ext uri="{FF2B5EF4-FFF2-40B4-BE49-F238E27FC236}">
-                      <a16:creationId xmlns:a16="http://schemas.microsoft.com/office/drawing/2014/main" id="{AF11586B-6D51-4B04-83E2-922685EB1E34}"/>
-                    </a:ext>
-                  </a:extLst>
-                </p:cNvPr>
-                <p:cNvPicPr/>
-                <p:nvPr/>
-              </p:nvPicPr>
-              <p:blipFill>
-                <a:blip r:embed="rId3"/>
-                <a:stretch>
-                  <a:fillRect/>
-                </a:stretch>
-              </p:blipFill>
-              <p:spPr>
-                <a:xfrm>
-                  <a:off x="6129540" y="528780"/>
-                  <a:ext cx="9000" cy="9000"/>
-                </a:xfrm>
-                <a:prstGeom prst="rect">
-                  <a:avLst/>
-                </a:prstGeom>
-              </p:spPr>
-            </p:pic>
-          </mc:Fallback>
-        </mc:AlternateContent>
-        <mc:AlternateContent xmlns:mc="http://schemas.openxmlformats.org/markup-compatibility/2006" xmlns:p14="http://schemas.microsoft.com/office/powerpoint/2010/main">
-          <mc:Choice Requires="p14">
-            <p:contentPart p14:bwMode="auto" r:id="rId4">
-              <p14:nvContentPartPr>
-                <p14:cNvPr id="20" name="Szabadkéz 19">
-                  <a:extLst>
-                    <a:ext uri="{FF2B5EF4-FFF2-40B4-BE49-F238E27FC236}">
-                      <a16:creationId xmlns:a16="http://schemas.microsoft.com/office/drawing/2014/main" id="{EBC8D880-CC2D-4B0D-A5EE-1FB5382C3CF7}"/>
-                    </a:ext>
-                  </a:extLst>
-                </p14:cNvPr>
-                <p14:cNvContentPartPr/>
-                <p14:nvPr/>
-              </p14:nvContentPartPr>
-              <p14:xfrm>
-                <a:off x="6133860" y="533100"/>
-                <a:ext cx="360" cy="360"/>
-              </p14:xfrm>
-            </p:contentPart>
-          </mc:Choice>
-          <mc:Fallback xmlns="">
-            <p:pic>
-              <p:nvPicPr>
-                <p:cNvPr id="20" name="Szabadkéz 19">
-                  <a:extLst>
-                    <a:ext uri="{FF2B5EF4-FFF2-40B4-BE49-F238E27FC236}">
-                      <a16:creationId xmlns:a16="http://schemas.microsoft.com/office/drawing/2014/main" id="{EBC8D880-CC2D-4B0D-A5EE-1FB5382C3CF7}"/>
-                    </a:ext>
-                  </a:extLst>
-                </p:cNvPr>
-                <p:cNvPicPr/>
-                <p:nvPr/>
-              </p:nvPicPr>
-              <p:blipFill>
-                <a:blip r:embed="rId3"/>
-                <a:stretch>
-                  <a:fillRect/>
-                </a:stretch>
-              </p:blipFill>
-              <p:spPr>
-                <a:xfrm>
-                  <a:off x="6129540" y="528780"/>
-                  <a:ext cx="9000" cy="9000"/>
-                </a:xfrm>
-                <a:prstGeom prst="rect">
-                  <a:avLst/>
-                </a:prstGeom>
-              </p:spPr>
-            </p:pic>
-          </mc:Fallback>
-        </mc:AlternateContent>
-      </p:grpSp>
-      <mc:AlternateContent xmlns:mc="http://schemas.openxmlformats.org/markup-compatibility/2006" xmlns:p14="http://schemas.microsoft.com/office/powerpoint/2010/main">
-        <mc:Choice Requires="p14">
-          <p:contentPart p14:bwMode="auto" r:id="rId5">
-            <p14:nvContentPartPr>
-              <p14:cNvPr id="22" name="Szabadkéz 21">
-                <a:extLst>
-                  <a:ext uri="{FF2B5EF4-FFF2-40B4-BE49-F238E27FC236}">
-                    <a16:creationId xmlns:a16="http://schemas.microsoft.com/office/drawing/2014/main" id="{FED63D43-5ACE-48BB-800F-E06FB46D7575}"/>
-                  </a:ext>
-                </a:extLst>
-              </p14:cNvPr>
-              <p14:cNvContentPartPr/>
-              <p14:nvPr/>
-            </p14:nvContentPartPr>
-            <p14:xfrm>
-              <a:off x="6514740" y="289020"/>
-              <a:ext cx="360" cy="360"/>
-            </p14:xfrm>
-          </p:contentPart>
-        </mc:Choice>
-        <mc:Fallback xmlns="">
-          <p:pic>
-            <p:nvPicPr>
-              <p:cNvPr id="22" name="Szabadkéz 21">
-                <a:extLst>
-                  <a:ext uri="{FF2B5EF4-FFF2-40B4-BE49-F238E27FC236}">
-                    <a16:creationId xmlns:a16="http://schemas.microsoft.com/office/drawing/2014/main" id="{FED63D43-5ACE-48BB-800F-E06FB46D7575}"/>
-                  </a:ext>
-                </a:extLst>
-              </p:cNvPr>
-              <p:cNvPicPr/>
-              <p:nvPr/>
-            </p:nvPicPr>
-            <p:blipFill>
-              <a:blip r:embed="rId3"/>
-              <a:stretch>
-                <a:fillRect/>
-              </a:stretch>
-            </p:blipFill>
-            <p:spPr>
-              <a:xfrm>
-                <a:off x="6510420" y="284700"/>
-                <a:ext cx="9000" cy="9000"/>
-              </a:xfrm>
-              <a:prstGeom prst="rect">
-                <a:avLst/>
-              </a:prstGeom>
-            </p:spPr>
-          </p:pic>
-        </mc:Fallback>
-      </mc:AlternateContent>
-      <p:graphicFrame>
-        <p:nvGraphicFramePr>
-          <p:cNvPr id="27" name="Táblázat 7">
-            <a:extLst>
-              <a:ext uri="{FF2B5EF4-FFF2-40B4-BE49-F238E27FC236}">
-                <a16:creationId xmlns:a16="http://schemas.microsoft.com/office/drawing/2014/main" id="{1A6F0F4C-CEBC-44F8-A4D1-E306329249A3}"/>
-              </a:ext>
-            </a:extLst>
-          </p:cNvPr>
-          <p:cNvGraphicFramePr>
-            <a:graphicFrameLocks noGrp="1"/>
-          </p:cNvGraphicFramePr>
-          <p:nvPr>
-            <p:extLst>
-              <p:ext uri="{D42A27DB-BD31-4B8C-83A1-F6EECF244321}">
-                <p14:modId xmlns:p14="http://schemas.microsoft.com/office/powerpoint/2010/main" val="440775008"/>
-              </p:ext>
-            </p:extLst>
-          </p:nvPr>
-        </p:nvGraphicFramePr>
-        <p:xfrm>
-          <a:off x="3556172" y="997242"/>
-          <a:ext cx="8170878" cy="5138879"/>
-        </p:xfrm>
-        <a:graphic>
-          <a:graphicData uri="http://schemas.openxmlformats.org/drawingml/2006/table">
-            <a:tbl>
-              <a:tblPr firstRow="1" bandRow="1">
-                <a:tableStyleId>{5C22544A-7EE6-4342-B048-85BDC9FD1C3A}</a:tableStyleId>
-              </a:tblPr>
-              <a:tblGrid>
-                <a:gridCol w="2723626">
-                  <a:extLst>
-                    <a:ext uri="{9D8B030D-6E8A-4147-A177-3AD203B41FA5}">
-                      <a16:colId xmlns:a16="http://schemas.microsoft.com/office/drawing/2014/main" val="2598443847"/>
-                    </a:ext>
-                  </a:extLst>
-                </a:gridCol>
-                <a:gridCol w="2723626">
-                  <a:extLst>
-                    <a:ext uri="{9D8B030D-6E8A-4147-A177-3AD203B41FA5}">
-                      <a16:colId xmlns:a16="http://schemas.microsoft.com/office/drawing/2014/main" val="2935347366"/>
-                    </a:ext>
-                  </a:extLst>
-                </a:gridCol>
-                <a:gridCol w="2723626">
-                  <a:extLst>
-                    <a:ext uri="{9D8B030D-6E8A-4147-A177-3AD203B41FA5}">
-                      <a16:colId xmlns:a16="http://schemas.microsoft.com/office/drawing/2014/main" val="2368300544"/>
-                    </a:ext>
-                  </a:extLst>
-                </a:gridCol>
-              </a:tblGrid>
-              <a:tr h="673358">
-                <a:tc>
-                  <a:txBody>
-                    <a:bodyPr/>
-                    <a:lstStyle/>
-                    <a:p>
-                      <a:pPr algn="ctr"/>
-                      <a:r>
-                        <a:rPr lang="hu-HU" sz="1800" b="1" dirty="0">
-                          <a:solidFill>
-                            <a:schemeClr val="bg1">
-                              <a:lumMod val="95000"/>
-                            </a:schemeClr>
-                          </a:solidFill>
-                          <a:latin typeface="Consolas" panose="020B0609020204030204" pitchFamily="49" charset="0"/>
-                        </a:rPr>
-                        <a:t>Azonosító</a:t>
-                      </a:r>
-                      <a:endParaRPr lang="en-US" sz="1800" b="1" dirty="0">
-                        <a:solidFill>
-                          <a:schemeClr val="bg1">
-                            <a:lumMod val="95000"/>
-                          </a:schemeClr>
-                        </a:solidFill>
-                        <a:latin typeface="Consolas" panose="020B0609020204030204" pitchFamily="49" charset="0"/>
-                      </a:endParaRPr>
-                    </a:p>
-                  </a:txBody>
-                  <a:tcPr>
-                    <a:lnL w="12700" cap="flat" cmpd="sng" algn="ctr">
-                      <a:solidFill>
-                        <a:schemeClr val="bg1">
-                          <a:lumMod val="95000"/>
-                        </a:schemeClr>
-                      </a:solidFill>
-                      <a:prstDash val="solid"/>
-                      <a:round/>
-                      <a:headEnd type="none" w="med" len="med"/>
-                      <a:tailEnd type="none" w="med" len="med"/>
-                    </a:lnL>
-                    <a:lnR w="12700" cap="flat" cmpd="sng" algn="ctr">
-                      <a:solidFill>
-                        <a:schemeClr val="bg1">
-                          <a:lumMod val="95000"/>
-                        </a:schemeClr>
-                      </a:solidFill>
-                      <a:prstDash val="solid"/>
-                      <a:round/>
-                      <a:headEnd type="none" w="med" len="med"/>
-                      <a:tailEnd type="none" w="med" len="med"/>
-                    </a:lnR>
-                    <a:lnT w="12700" cap="flat" cmpd="sng" algn="ctr">
-                      <a:solidFill>
-                        <a:schemeClr val="bg1">
-                          <a:lumMod val="95000"/>
-                        </a:schemeClr>
-                      </a:solidFill>
-                      <a:prstDash val="solid"/>
-                      <a:round/>
-                      <a:headEnd type="none" w="med" len="med"/>
-                      <a:tailEnd type="none" w="med" len="med"/>
-                    </a:lnT>
-                    <a:lnB w="12700" cap="flat" cmpd="sng" algn="ctr">
-                      <a:solidFill>
-                        <a:schemeClr val="bg1">
-                          <a:lumMod val="95000"/>
-                        </a:schemeClr>
-                      </a:solidFill>
-                      <a:prstDash val="solid"/>
-                      <a:round/>
-                      <a:headEnd type="none" w="med" len="med"/>
-                      <a:tailEnd type="none" w="med" len="med"/>
-                    </a:lnB>
-                    <a:solidFill>
-                      <a:schemeClr val="tx1">
-                        <a:lumMod val="65000"/>
-                        <a:lumOff val="35000"/>
-                      </a:schemeClr>
-                    </a:solidFill>
-                  </a:tcPr>
-                </a:tc>
-                <a:tc>
-                  <a:txBody>
-                    <a:bodyPr/>
-                    <a:lstStyle/>
-                    <a:p>
-                      <a:pPr algn="ctr"/>
-                      <a:r>
-                        <a:rPr lang="hu-HU" sz="1800" dirty="0">
-                          <a:solidFill>
-                            <a:schemeClr val="bg1">
-                              <a:lumMod val="95000"/>
-                            </a:schemeClr>
-                          </a:solidFill>
-                          <a:latin typeface="Consolas" panose="020B0609020204030204" pitchFamily="49" charset="0"/>
-                        </a:rPr>
-                        <a:t>Korház</a:t>
-                      </a:r>
-                    </a:p>
-                  </a:txBody>
-                  <a:tcPr>
-                    <a:lnL w="12700" cap="flat" cmpd="sng" algn="ctr">
-                      <a:solidFill>
-                        <a:schemeClr val="bg1">
-                          <a:lumMod val="95000"/>
-                        </a:schemeClr>
-                      </a:solidFill>
-                      <a:prstDash val="solid"/>
-                      <a:round/>
-                      <a:headEnd type="none" w="med" len="med"/>
-                      <a:tailEnd type="none" w="med" len="med"/>
-                    </a:lnL>
-                    <a:lnR w="12700" cap="flat" cmpd="sng" algn="ctr">
-                      <a:solidFill>
-                        <a:schemeClr val="bg1">
-                          <a:lumMod val="95000"/>
-                        </a:schemeClr>
-                      </a:solidFill>
-                      <a:prstDash val="solid"/>
-                      <a:round/>
-                      <a:headEnd type="none" w="med" len="med"/>
-                      <a:tailEnd type="none" w="med" len="med"/>
-                    </a:lnR>
-                    <a:lnT w="12700" cap="flat" cmpd="sng" algn="ctr">
-                      <a:solidFill>
-                        <a:schemeClr val="bg1">
-                          <a:lumMod val="95000"/>
-                        </a:schemeClr>
-                      </a:solidFill>
-                      <a:prstDash val="solid"/>
-                      <a:round/>
-                      <a:headEnd type="none" w="med" len="med"/>
-                      <a:tailEnd type="none" w="med" len="med"/>
-                    </a:lnT>
-                    <a:lnB w="12700" cap="flat" cmpd="sng" algn="ctr">
-                      <a:solidFill>
-                        <a:schemeClr val="bg1">
-                          <a:lumMod val="95000"/>
-                        </a:schemeClr>
-                      </a:solidFill>
-                      <a:prstDash val="solid"/>
-                      <a:round/>
-                      <a:headEnd type="none" w="med" len="med"/>
-                      <a:tailEnd type="none" w="med" len="med"/>
-                    </a:lnB>
-                    <a:solidFill>
-                      <a:schemeClr val="tx1">
-                        <a:lumMod val="65000"/>
-                        <a:lumOff val="35000"/>
-                      </a:schemeClr>
-                    </a:solidFill>
-                  </a:tcPr>
-                </a:tc>
-                <a:tc>
-                  <a:txBody>
-                    <a:bodyPr/>
-                    <a:lstStyle/>
-                    <a:p>
-                      <a:pPr algn="ctr"/>
-                      <a:r>
-                        <a:rPr lang="hu-HU" sz="1800" dirty="0">
-                          <a:solidFill>
-                            <a:schemeClr val="bg1">
-                              <a:lumMod val="95000"/>
-                            </a:schemeClr>
-                          </a:solidFill>
-                          <a:latin typeface="Consolas" panose="020B0609020204030204" pitchFamily="49" charset="0"/>
-                        </a:rPr>
-                        <a:t>Nyitvatartás</a:t>
-                      </a:r>
-                      <a:endParaRPr lang="en-US" sz="1800" dirty="0">
-                        <a:solidFill>
-                          <a:schemeClr val="bg1">
-                            <a:lumMod val="95000"/>
-                          </a:schemeClr>
-                        </a:solidFill>
-                        <a:latin typeface="Consolas" panose="020B0609020204030204" pitchFamily="49" charset="0"/>
-                      </a:endParaRPr>
-                    </a:p>
-                  </a:txBody>
-                  <a:tcPr>
-                    <a:lnL w="12700" cap="flat" cmpd="sng" algn="ctr">
-                      <a:solidFill>
-                        <a:schemeClr val="bg1">
-                          <a:lumMod val="95000"/>
-                        </a:schemeClr>
-                      </a:solidFill>
-                      <a:prstDash val="solid"/>
-                      <a:round/>
-                      <a:headEnd type="none" w="med" len="med"/>
-                      <a:tailEnd type="none" w="med" len="med"/>
-                    </a:lnL>
-                    <a:lnR w="12700" cap="flat" cmpd="sng" algn="ctr">
-                      <a:solidFill>
-                        <a:schemeClr val="bg1">
-                          <a:lumMod val="95000"/>
-                        </a:schemeClr>
-                      </a:solidFill>
-                      <a:prstDash val="solid"/>
-                      <a:round/>
-                      <a:headEnd type="none" w="med" len="med"/>
-                      <a:tailEnd type="none" w="med" len="med"/>
-                    </a:lnR>
-                    <a:lnT w="12700" cap="flat" cmpd="sng" algn="ctr">
-                      <a:solidFill>
-                        <a:schemeClr val="bg1">
-                          <a:lumMod val="95000"/>
-                        </a:schemeClr>
-                      </a:solidFill>
-                      <a:prstDash val="solid"/>
-                      <a:round/>
-                      <a:headEnd type="none" w="med" len="med"/>
-                      <a:tailEnd type="none" w="med" len="med"/>
-                    </a:lnT>
-                    <a:lnB w="12700" cap="flat" cmpd="sng" algn="ctr">
-                      <a:solidFill>
-                        <a:schemeClr val="bg1">
-                          <a:lumMod val="95000"/>
-                        </a:schemeClr>
-                      </a:solidFill>
-                      <a:prstDash val="solid"/>
-                      <a:round/>
-                      <a:headEnd type="none" w="med" len="med"/>
-                      <a:tailEnd type="none" w="med" len="med"/>
-                    </a:lnB>
-                    <a:solidFill>
-                      <a:schemeClr val="tx1">
-                        <a:lumMod val="65000"/>
-                        <a:lumOff val="35000"/>
-                      </a:schemeClr>
-                    </a:solidFill>
-                  </a:tcPr>
-                </a:tc>
-                <a:extLst>
-                  <a:ext uri="{0D108BD9-81ED-4DB2-BD59-A6C34878D82A}">
-                    <a16:rowId xmlns:a16="http://schemas.microsoft.com/office/drawing/2014/main" val="2965694189"/>
-                  </a:ext>
-                </a:extLst>
-              </a:tr>
-              <a:tr h="4465521">
-                <a:tc>
-                  <a:txBody>
-                    <a:bodyPr/>
-                    <a:lstStyle/>
-                    <a:p>
-                      <a:endParaRPr lang="en-US" dirty="0"/>
-                    </a:p>
-                  </a:txBody>
-                  <a:tcPr>
-                    <a:lnL w="12700" cap="flat" cmpd="sng" algn="ctr">
-                      <a:solidFill>
-                        <a:schemeClr val="bg1">
-                          <a:lumMod val="95000"/>
-                        </a:schemeClr>
-                      </a:solidFill>
-                      <a:prstDash val="solid"/>
-                      <a:round/>
-                      <a:headEnd type="none" w="med" len="med"/>
-                      <a:tailEnd type="none" w="med" len="med"/>
-                    </a:lnL>
-                    <a:lnR w="12700" cap="flat" cmpd="sng" algn="ctr">
-                      <a:solidFill>
-                        <a:schemeClr val="bg1">
-                          <a:lumMod val="95000"/>
-                        </a:schemeClr>
-                      </a:solidFill>
-                      <a:prstDash val="solid"/>
-                      <a:round/>
-                      <a:headEnd type="none" w="med" len="med"/>
-                      <a:tailEnd type="none" w="med" len="med"/>
-                    </a:lnR>
-                    <a:lnT w="12700" cap="flat" cmpd="sng" algn="ctr">
-                      <a:solidFill>
-                        <a:schemeClr val="bg1">
-                          <a:lumMod val="95000"/>
-                        </a:schemeClr>
-                      </a:solidFill>
-                      <a:prstDash val="solid"/>
-                      <a:round/>
-                      <a:headEnd type="none" w="med" len="med"/>
-                      <a:tailEnd type="none" w="med" len="med"/>
-                    </a:lnT>
-                    <a:lnB w="12700" cap="flat" cmpd="sng" algn="ctr">
-                      <a:solidFill>
-                        <a:schemeClr val="bg1">
-                          <a:lumMod val="95000"/>
-                        </a:schemeClr>
-                      </a:solidFill>
-                      <a:prstDash val="solid"/>
-                      <a:round/>
-                      <a:headEnd type="none" w="med" len="med"/>
-                      <a:tailEnd type="none" w="med" len="med"/>
-                    </a:lnB>
-                    <a:solidFill>
-                      <a:schemeClr val="tx1">
-                        <a:lumMod val="65000"/>
-                        <a:lumOff val="35000"/>
-                      </a:schemeClr>
-                    </a:solidFill>
-                  </a:tcPr>
-                </a:tc>
-                <a:tc>
-                  <a:txBody>
-                    <a:bodyPr/>
-                    <a:lstStyle/>
-                    <a:p>
-                      <a:endParaRPr lang="en-US" dirty="0"/>
-                    </a:p>
-                  </a:txBody>
-                  <a:tcPr>
-                    <a:lnL w="12700" cap="flat" cmpd="sng" algn="ctr">
-                      <a:solidFill>
-                        <a:schemeClr val="bg1">
-                          <a:lumMod val="95000"/>
-                        </a:schemeClr>
-                      </a:solidFill>
-                      <a:prstDash val="solid"/>
-                      <a:round/>
-                      <a:headEnd type="none" w="med" len="med"/>
-                      <a:tailEnd type="none" w="med" len="med"/>
-                    </a:lnL>
-                    <a:lnR w="12700" cap="flat" cmpd="sng" algn="ctr">
-                      <a:solidFill>
-                        <a:schemeClr val="bg1">
-                          <a:lumMod val="95000"/>
-                        </a:schemeClr>
-                      </a:solidFill>
-                      <a:prstDash val="solid"/>
-                      <a:round/>
-                      <a:headEnd type="none" w="med" len="med"/>
-                      <a:tailEnd type="none" w="med" len="med"/>
-                    </a:lnR>
-                    <a:lnT w="12700" cap="flat" cmpd="sng" algn="ctr">
-                      <a:solidFill>
-                        <a:schemeClr val="bg1">
-                          <a:lumMod val="95000"/>
-                        </a:schemeClr>
-                      </a:solidFill>
-                      <a:prstDash val="solid"/>
-                      <a:round/>
-                      <a:headEnd type="none" w="med" len="med"/>
-                      <a:tailEnd type="none" w="med" len="med"/>
-                    </a:lnT>
-                    <a:lnB w="12700" cap="flat" cmpd="sng" algn="ctr">
-                      <a:solidFill>
-                        <a:schemeClr val="bg1">
-                          <a:lumMod val="95000"/>
-                        </a:schemeClr>
-                      </a:solidFill>
-                      <a:prstDash val="solid"/>
-                      <a:round/>
-                      <a:headEnd type="none" w="med" len="med"/>
-                      <a:tailEnd type="none" w="med" len="med"/>
-                    </a:lnB>
-                    <a:solidFill>
-                      <a:schemeClr val="tx1">
-                        <a:lumMod val="65000"/>
-                        <a:lumOff val="35000"/>
-                      </a:schemeClr>
-                    </a:solidFill>
-                  </a:tcPr>
-                </a:tc>
-                <a:tc>
-                  <a:txBody>
-                    <a:bodyPr/>
-                    <a:lstStyle/>
-                    <a:p>
-                      <a:endParaRPr lang="en-US" dirty="0"/>
-                    </a:p>
-                  </a:txBody>
-                  <a:tcPr>
-                    <a:lnL w="12700" cap="flat" cmpd="sng" algn="ctr">
-                      <a:solidFill>
-                        <a:schemeClr val="bg1">
-                          <a:lumMod val="95000"/>
-                        </a:schemeClr>
-                      </a:solidFill>
-                      <a:prstDash val="solid"/>
-                      <a:round/>
-                      <a:headEnd type="none" w="med" len="med"/>
-                      <a:tailEnd type="none" w="med" len="med"/>
-                    </a:lnL>
-                    <a:lnR w="12700" cap="flat" cmpd="sng" algn="ctr">
-                      <a:solidFill>
-                        <a:schemeClr val="bg1">
-                          <a:lumMod val="95000"/>
-                        </a:schemeClr>
-                      </a:solidFill>
-                      <a:prstDash val="solid"/>
-                      <a:round/>
-                      <a:headEnd type="none" w="med" len="med"/>
-                      <a:tailEnd type="none" w="med" len="med"/>
-                    </a:lnR>
-                    <a:lnT w="12700" cap="flat" cmpd="sng" algn="ctr">
-                      <a:solidFill>
-                        <a:schemeClr val="bg1">
-                          <a:lumMod val="95000"/>
-                        </a:schemeClr>
-                      </a:solidFill>
-                      <a:prstDash val="solid"/>
-                      <a:round/>
-                      <a:headEnd type="none" w="med" len="med"/>
-                      <a:tailEnd type="none" w="med" len="med"/>
-                    </a:lnT>
-                    <a:lnB w="12700" cap="flat" cmpd="sng" algn="ctr">
-                      <a:solidFill>
-                        <a:schemeClr val="bg1">
-                          <a:lumMod val="95000"/>
-                        </a:schemeClr>
-                      </a:solidFill>
-                      <a:prstDash val="solid"/>
-                      <a:round/>
-                      <a:headEnd type="none" w="med" len="med"/>
-                      <a:tailEnd type="none" w="med" len="med"/>
-                    </a:lnB>
-                    <a:solidFill>
-                      <a:schemeClr val="tx1">
-                        <a:lumMod val="65000"/>
-                        <a:lumOff val="35000"/>
-                      </a:schemeClr>
-                    </a:solidFill>
-                  </a:tcPr>
-                </a:tc>
-                <a:extLst>
-                  <a:ext uri="{0D108BD9-81ED-4DB2-BD59-A6C34878D82A}">
-                    <a16:rowId xmlns:a16="http://schemas.microsoft.com/office/drawing/2014/main" val="3713266130"/>
-                  </a:ext>
-                </a:extLst>
-              </a:tr>
-            </a:tbl>
-          </a:graphicData>
-        </a:graphic>
-      </p:graphicFrame>
-      <p:sp>
-        <p:nvSpPr>
-          <p:cNvPr id="23" name="Téglalap: lekerekített 22">
-            <a:extLst>
-              <a:ext uri="{FF2B5EF4-FFF2-40B4-BE49-F238E27FC236}">
-                <a16:creationId xmlns:a16="http://schemas.microsoft.com/office/drawing/2014/main" id="{70ED5300-9B4A-4BB6-9273-ABEDC433B150}"/>
-              </a:ext>
-            </a:extLst>
-          </p:cNvPr>
-          <p:cNvSpPr/>
-          <p:nvPr/>
-        </p:nvSpPr>
-        <p:spPr>
-          <a:xfrm>
-            <a:off x="295074" y="945716"/>
-            <a:ext cx="2929699" cy="635540"/>
-          </a:xfrm>
-          <a:prstGeom prst="roundRect">
-            <a:avLst/>
-          </a:prstGeom>
-          <a:solidFill>
-            <a:schemeClr val="tx1">
-              <a:lumMod val="65000"/>
-              <a:lumOff val="35000"/>
-            </a:schemeClr>
+            <a:srgbClr val="CAC7C2"/>
           </a:solidFill>
           <a:ln w="25400">
             <a:noFill/>
@@ -11343,34 +11057,67 @@
           <a:bodyPr rtlCol="0" anchor="ctr"/>
           <a:lstStyle/>
           <a:p>
-            <a:r>
-              <a:rPr lang="hu-HU" sz="2400" dirty="0">
-                <a:solidFill>
-                  <a:schemeClr val="bg1">
-                    <a:lumMod val="95000"/>
-                  </a:schemeClr>
-                </a:solidFill>
-                <a:latin typeface="Consolas" panose="020B0609020204030204" pitchFamily="49" charset="0"/>
-              </a:rPr>
-              <a:t>Dátum módosítás</a:t>
-            </a:r>
-            <a:endParaRPr lang="en-US" sz="2400" dirty="0">
-              <a:solidFill>
-                <a:schemeClr val="bg1">
-                  <a:lumMod val="95000"/>
-                </a:schemeClr>
-              </a:solidFill>
-              <a:latin typeface="Consolas" panose="020B0609020204030204" pitchFamily="49" charset="0"/>
-            </a:endParaRPr>
+            <a:pPr algn="ctr"/>
+            <a:endParaRPr lang="en-US"/>
           </a:p>
         </p:txBody>
       </p:sp>
       <p:sp>
         <p:nvSpPr>
-          <p:cNvPr id="24" name="Téglalap: lekerekített 23">
+          <p:cNvPr id="5" name="Szövegdoboz 4">
             <a:extLst>
               <a:ext uri="{FF2B5EF4-FFF2-40B4-BE49-F238E27FC236}">
-                <a16:creationId xmlns:a16="http://schemas.microsoft.com/office/drawing/2014/main" id="{7DDD0EE9-5CC2-4D79-A44B-3A7D4B2DD4FA}"/>
+                <a16:creationId xmlns:a16="http://schemas.microsoft.com/office/drawing/2014/main" id="{4BB8EC08-8C2F-4ABA-9E8A-75D7E81C9A71}"/>
+              </a:ext>
+            </a:extLst>
+          </p:cNvPr>
+          <p:cNvSpPr txBox="1"/>
+          <p:nvPr/>
+        </p:nvSpPr>
+        <p:spPr>
+          <a:xfrm>
+            <a:off x="493981" y="135985"/>
+            <a:ext cx="869212" cy="369332"/>
+          </a:xfrm>
+          <a:prstGeom prst="rect">
+            <a:avLst/>
+          </a:prstGeom>
+          <a:noFill/>
+        </p:spPr>
+        <p:txBody>
+          <a:bodyPr wrap="none" rtlCol="0">
+            <a:spAutoFit/>
+          </a:bodyPr>
+          <a:lstStyle/>
+          <a:p>
+            <a:r>
+              <a:rPr lang="hu-HU" dirty="0">
+                <a:solidFill>
+                  <a:schemeClr val="tx1">
+                    <a:lumMod val="95000"/>
+                    <a:lumOff val="5000"/>
+                  </a:schemeClr>
+                </a:solidFill>
+              </a:rPr>
+              <a:t>Főoldal</a:t>
+            </a:r>
+            <a:endParaRPr lang="en-US" dirty="0">
+              <a:solidFill>
+                <a:schemeClr val="tx1">
+                  <a:lumMod val="95000"/>
+                  <a:lumOff val="5000"/>
+                </a:schemeClr>
+              </a:solidFill>
+            </a:endParaRPr>
+          </a:p>
+        </p:txBody>
+      </p:sp>
+      <p:sp>
+        <p:nvSpPr>
+          <p:cNvPr id="6" name="Téglalap: lekerekített 5">
+            <a:extLst>
+              <a:ext uri="{FF2B5EF4-FFF2-40B4-BE49-F238E27FC236}">
+                <a16:creationId xmlns:a16="http://schemas.microsoft.com/office/drawing/2014/main" id="{3FA26D5D-10B3-41E5-AD90-3795A2B29EA6}"/>
               </a:ext>
             </a:extLst>
           </p:cNvPr>
@@ -11379,17 +11126,14 @@
         </p:nvSpPr>
         <p:spPr>
           <a:xfrm>
-            <a:off x="295074" y="1737792"/>
-            <a:ext cx="2929699" cy="635540"/>
+            <a:off x="1761009" y="135985"/>
+            <a:ext cx="1267028" cy="378365"/>
           </a:xfrm>
           <a:prstGeom prst="roundRect">
             <a:avLst/>
           </a:prstGeom>
           <a:solidFill>
-            <a:schemeClr val="tx1">
-              <a:lumMod val="65000"/>
-              <a:lumOff val="35000"/>
-            </a:schemeClr>
+            <a:srgbClr val="CAC7C2"/>
           </a:solidFill>
           <a:ln w="25400">
             <a:noFill/>
@@ -11415,32 +11159,2558 @@
           <a:bodyPr rtlCol="0" anchor="ctr"/>
           <a:lstStyle/>
           <a:p>
+            <a:pPr algn="ctr"/>
             <a:r>
-              <a:rPr lang="hu-HU" sz="2400" dirty="0">
+              <a:rPr lang="hu-HU" dirty="0">
                 <a:solidFill>
-                  <a:schemeClr val="bg1">
+                  <a:schemeClr val="tx1">
                     <a:lumMod val="95000"/>
+                    <a:lumOff val="5000"/>
                   </a:schemeClr>
                 </a:solidFill>
-                <a:latin typeface="Consolas" panose="020B0609020204030204" pitchFamily="49" charset="0"/>
               </a:rPr>
-              <a:t>Korház váltás</a:t>
+              <a:t>Kereső</a:t>
             </a:r>
-            <a:endParaRPr lang="en-US" sz="2400" dirty="0">
+            <a:endParaRPr lang="en-US" dirty="0">
               <a:solidFill>
-                <a:schemeClr val="bg1">
+                <a:schemeClr val="tx1">
                   <a:lumMod val="95000"/>
+                  <a:lumOff val="5000"/>
                 </a:schemeClr>
               </a:solidFill>
-              <a:latin typeface="Consolas" panose="020B0609020204030204" pitchFamily="49" charset="0"/>
             </a:endParaRPr>
           </a:p>
         </p:txBody>
       </p:sp>
+      <p:sp>
+        <p:nvSpPr>
+          <p:cNvPr id="7" name="Téglalap: lekerekített 6">
+            <a:extLst>
+              <a:ext uri="{FF2B5EF4-FFF2-40B4-BE49-F238E27FC236}">
+                <a16:creationId xmlns:a16="http://schemas.microsoft.com/office/drawing/2014/main" id="{1D2B0348-42C5-4CAC-ADE0-3D07B740285F}"/>
+              </a:ext>
+            </a:extLst>
+          </p:cNvPr>
+          <p:cNvSpPr/>
+          <p:nvPr/>
+        </p:nvSpPr>
+        <p:spPr>
+          <a:xfrm>
+            <a:off x="3226944" y="135985"/>
+            <a:ext cx="2183255" cy="378365"/>
+          </a:xfrm>
+          <a:prstGeom prst="roundRect">
+            <a:avLst/>
+          </a:prstGeom>
+          <a:solidFill>
+            <a:srgbClr val="CAC7C2"/>
+          </a:solidFill>
+          <a:ln w="25400">
+            <a:noFill/>
+          </a:ln>
+        </p:spPr>
+        <p:style>
+          <a:lnRef idx="2">
+            <a:schemeClr val="accent1">
+              <a:shade val="50000"/>
+            </a:schemeClr>
+          </a:lnRef>
+          <a:fillRef idx="1">
+            <a:schemeClr val="accent1"/>
+          </a:fillRef>
+          <a:effectRef idx="0">
+            <a:schemeClr val="accent1"/>
+          </a:effectRef>
+          <a:fontRef idx="minor">
+            <a:schemeClr val="lt1"/>
+          </a:fontRef>
+        </p:style>
+        <p:txBody>
+          <a:bodyPr rtlCol="0" anchor="ctr"/>
+          <a:lstStyle/>
+          <a:p>
+            <a:pPr algn="ctr"/>
+            <a:r>
+              <a:rPr lang="hu-HU" dirty="0">
+                <a:solidFill>
+                  <a:schemeClr val="tx1">
+                    <a:lumMod val="95000"/>
+                    <a:lumOff val="5000"/>
+                  </a:schemeClr>
+                </a:solidFill>
+              </a:rPr>
+              <a:t>Adatok</a:t>
+            </a:r>
+            <a:r>
+              <a:rPr lang="hu-HU" dirty="0">
+                <a:solidFill>
+                  <a:srgbClr val="4A515B"/>
+                </a:solidFill>
+              </a:rPr>
+              <a:t> </a:t>
+            </a:r>
+            <a:r>
+              <a:rPr lang="hu-HU" dirty="0">
+                <a:solidFill>
+                  <a:schemeClr val="tx1">
+                    <a:lumMod val="95000"/>
+                    <a:lumOff val="5000"/>
+                  </a:schemeClr>
+                </a:solidFill>
+              </a:rPr>
+              <a:t>módosítása</a:t>
+            </a:r>
+            <a:endParaRPr lang="en-US" dirty="0">
+              <a:solidFill>
+                <a:schemeClr val="tx1">
+                  <a:lumMod val="95000"/>
+                  <a:lumOff val="5000"/>
+                </a:schemeClr>
+              </a:solidFill>
+            </a:endParaRPr>
+          </a:p>
+        </p:txBody>
+      </p:sp>
+      <p:graphicFrame>
+        <p:nvGraphicFramePr>
+          <p:cNvPr id="8" name="Táblázat 8">
+            <a:extLst>
+              <a:ext uri="{FF2B5EF4-FFF2-40B4-BE49-F238E27FC236}">
+                <a16:creationId xmlns:a16="http://schemas.microsoft.com/office/drawing/2014/main" id="{E6D9C08C-1B35-4A85-BA52-5F7422548989}"/>
+              </a:ext>
+            </a:extLst>
+          </p:cNvPr>
+          <p:cNvGraphicFramePr>
+            <a:graphicFrameLocks noGrp="1"/>
+          </p:cNvGraphicFramePr>
+          <p:nvPr>
+            <p:extLst>
+              <p:ext uri="{D42A27DB-BD31-4B8C-83A1-F6EECF244321}">
+                <p14:modId xmlns:p14="http://schemas.microsoft.com/office/powerpoint/2010/main" val="2282261173"/>
+              </p:ext>
+            </p:extLst>
+          </p:nvPr>
+        </p:nvGraphicFramePr>
+        <p:xfrm>
+          <a:off x="343816" y="2169839"/>
+          <a:ext cx="1296922" cy="3504249"/>
+        </p:xfrm>
+        <a:graphic>
+          <a:graphicData uri="http://schemas.openxmlformats.org/drawingml/2006/table">
+            <a:tbl>
+              <a:tblPr firstRow="1" bandRow="1">
+                <a:tableStyleId>{5C22544A-7EE6-4342-B048-85BDC9FD1C3A}</a:tableStyleId>
+              </a:tblPr>
+              <a:tblGrid>
+                <a:gridCol w="674669">
+                  <a:extLst>
+                    <a:ext uri="{9D8B030D-6E8A-4147-A177-3AD203B41FA5}">
+                      <a16:colId xmlns:a16="http://schemas.microsoft.com/office/drawing/2014/main" val="4180460754"/>
+                    </a:ext>
+                  </a:extLst>
+                </a:gridCol>
+                <a:gridCol w="622253">
+                  <a:extLst>
+                    <a:ext uri="{9D8B030D-6E8A-4147-A177-3AD203B41FA5}">
+                      <a16:colId xmlns:a16="http://schemas.microsoft.com/office/drawing/2014/main" val="4019892239"/>
+                    </a:ext>
+                  </a:extLst>
+                </a:gridCol>
+              </a:tblGrid>
+              <a:tr h="389361">
+                <a:tc gridSpan="2">
+                  <a:txBody>
+                    <a:bodyPr/>
+                    <a:lstStyle/>
+                    <a:p>
+                      <a:pPr algn="ctr"/>
+                      <a:r>
+                        <a:rPr lang="hu-HU" dirty="0">
+                          <a:solidFill>
+                            <a:schemeClr val="tx1">
+                              <a:lumMod val="95000"/>
+                              <a:lumOff val="5000"/>
+                            </a:schemeClr>
+                          </a:solidFill>
+                        </a:rPr>
+                        <a:t>Vércsoport</a:t>
+                      </a:r>
+                      <a:endParaRPr lang="en-US" dirty="0">
+                        <a:solidFill>
+                          <a:schemeClr val="tx1">
+                            <a:lumMod val="95000"/>
+                            <a:lumOff val="5000"/>
+                          </a:schemeClr>
+                        </a:solidFill>
+                      </a:endParaRPr>
+                    </a:p>
+                  </a:txBody>
+                  <a:tcPr>
+                    <a:solidFill>
+                      <a:srgbClr val="CAC7C2"/>
+                    </a:solidFill>
+                  </a:tcPr>
+                </a:tc>
+                <a:tc hMerge="1">
+                  <a:txBody>
+                    <a:bodyPr/>
+                    <a:lstStyle/>
+                    <a:p>
+                      <a:endParaRPr lang="en-US" dirty="0"/>
+                    </a:p>
+                  </a:txBody>
+                  <a:tcPr>
+                    <a:noFill/>
+                  </a:tcPr>
+                </a:tc>
+                <a:extLst>
+                  <a:ext uri="{0D108BD9-81ED-4DB2-BD59-A6C34878D82A}">
+                    <a16:rowId xmlns:a16="http://schemas.microsoft.com/office/drawing/2014/main" val="3689152642"/>
+                  </a:ext>
+                </a:extLst>
+              </a:tr>
+              <a:tr h="389361">
+                <a:tc>
+                  <a:txBody>
+                    <a:bodyPr/>
+                    <a:lstStyle/>
+                    <a:p>
+                      <a:pPr algn="ctr"/>
+                      <a:r>
+                        <a:rPr lang="hu-HU" dirty="0">
+                          <a:solidFill>
+                            <a:schemeClr val="tx1">
+                              <a:lumMod val="95000"/>
+                              <a:lumOff val="5000"/>
+                            </a:schemeClr>
+                          </a:solidFill>
+                        </a:rPr>
+                        <a:t>+A</a:t>
+                      </a:r>
+                      <a:endParaRPr lang="en-US" dirty="0">
+                        <a:solidFill>
+                          <a:schemeClr val="tx1">
+                            <a:lumMod val="95000"/>
+                            <a:lumOff val="5000"/>
+                          </a:schemeClr>
+                        </a:solidFill>
+                      </a:endParaRPr>
+                    </a:p>
+                  </a:txBody>
+                  <a:tcPr>
+                    <a:solidFill>
+                      <a:srgbClr val="CAC7C2"/>
+                    </a:solidFill>
+                  </a:tcPr>
+                </a:tc>
+                <a:tc>
+                  <a:txBody>
+                    <a:bodyPr/>
+                    <a:lstStyle/>
+                    <a:p>
+                      <a:endParaRPr lang="en-US" dirty="0">
+                        <a:solidFill>
+                          <a:schemeClr val="tx1">
+                            <a:lumMod val="95000"/>
+                            <a:lumOff val="5000"/>
+                          </a:schemeClr>
+                        </a:solidFill>
+                      </a:endParaRPr>
+                    </a:p>
+                  </a:txBody>
+                  <a:tcPr>
+                    <a:solidFill>
+                      <a:srgbClr val="CAC7C2"/>
+                    </a:solidFill>
+                  </a:tcPr>
+                </a:tc>
+                <a:extLst>
+                  <a:ext uri="{0D108BD9-81ED-4DB2-BD59-A6C34878D82A}">
+                    <a16:rowId xmlns:a16="http://schemas.microsoft.com/office/drawing/2014/main" val="1349628443"/>
+                  </a:ext>
+                </a:extLst>
+              </a:tr>
+              <a:tr h="389361">
+                <a:tc>
+                  <a:txBody>
+                    <a:bodyPr/>
+                    <a:lstStyle/>
+                    <a:p>
+                      <a:pPr algn="ctr"/>
+                      <a:r>
+                        <a:rPr lang="hu-HU" dirty="0">
+                          <a:solidFill>
+                            <a:schemeClr val="tx1">
+                              <a:lumMod val="95000"/>
+                              <a:lumOff val="5000"/>
+                            </a:schemeClr>
+                          </a:solidFill>
+                        </a:rPr>
+                        <a:t>-A</a:t>
+                      </a:r>
+                      <a:endParaRPr lang="en-US" dirty="0">
+                        <a:solidFill>
+                          <a:schemeClr val="tx1">
+                            <a:lumMod val="95000"/>
+                            <a:lumOff val="5000"/>
+                          </a:schemeClr>
+                        </a:solidFill>
+                      </a:endParaRPr>
+                    </a:p>
+                  </a:txBody>
+                  <a:tcPr>
+                    <a:solidFill>
+                      <a:srgbClr val="CAC7C2"/>
+                    </a:solidFill>
+                  </a:tcPr>
+                </a:tc>
+                <a:tc>
+                  <a:txBody>
+                    <a:bodyPr/>
+                    <a:lstStyle/>
+                    <a:p>
+                      <a:endParaRPr lang="en-US" dirty="0">
+                        <a:solidFill>
+                          <a:schemeClr val="tx1">
+                            <a:lumMod val="95000"/>
+                            <a:lumOff val="5000"/>
+                          </a:schemeClr>
+                        </a:solidFill>
+                      </a:endParaRPr>
+                    </a:p>
+                  </a:txBody>
+                  <a:tcPr>
+                    <a:solidFill>
+                      <a:srgbClr val="CAC7C2"/>
+                    </a:solidFill>
+                  </a:tcPr>
+                </a:tc>
+                <a:extLst>
+                  <a:ext uri="{0D108BD9-81ED-4DB2-BD59-A6C34878D82A}">
+                    <a16:rowId xmlns:a16="http://schemas.microsoft.com/office/drawing/2014/main" val="770687947"/>
+                  </a:ext>
+                </a:extLst>
+              </a:tr>
+              <a:tr h="389361">
+                <a:tc>
+                  <a:txBody>
+                    <a:bodyPr/>
+                    <a:lstStyle/>
+                    <a:p>
+                      <a:pPr algn="ctr"/>
+                      <a:r>
+                        <a:rPr lang="hu-HU" dirty="0">
+                          <a:solidFill>
+                            <a:schemeClr val="tx1">
+                              <a:lumMod val="95000"/>
+                              <a:lumOff val="5000"/>
+                            </a:schemeClr>
+                          </a:solidFill>
+                        </a:rPr>
+                        <a:t>+B</a:t>
+                      </a:r>
+                      <a:endParaRPr lang="en-US" dirty="0">
+                        <a:solidFill>
+                          <a:schemeClr val="tx1">
+                            <a:lumMod val="95000"/>
+                            <a:lumOff val="5000"/>
+                          </a:schemeClr>
+                        </a:solidFill>
+                      </a:endParaRPr>
+                    </a:p>
+                  </a:txBody>
+                  <a:tcPr>
+                    <a:solidFill>
+                      <a:srgbClr val="CAC7C2"/>
+                    </a:solidFill>
+                  </a:tcPr>
+                </a:tc>
+                <a:tc>
+                  <a:txBody>
+                    <a:bodyPr/>
+                    <a:lstStyle/>
+                    <a:p>
+                      <a:endParaRPr lang="en-US" dirty="0">
+                        <a:solidFill>
+                          <a:schemeClr val="tx1">
+                            <a:lumMod val="95000"/>
+                            <a:lumOff val="5000"/>
+                          </a:schemeClr>
+                        </a:solidFill>
+                      </a:endParaRPr>
+                    </a:p>
+                  </a:txBody>
+                  <a:tcPr>
+                    <a:solidFill>
+                      <a:srgbClr val="CAC7C2"/>
+                    </a:solidFill>
+                  </a:tcPr>
+                </a:tc>
+                <a:extLst>
+                  <a:ext uri="{0D108BD9-81ED-4DB2-BD59-A6C34878D82A}">
+                    <a16:rowId xmlns:a16="http://schemas.microsoft.com/office/drawing/2014/main" val="2541124990"/>
+                  </a:ext>
+                </a:extLst>
+              </a:tr>
+              <a:tr h="389361">
+                <a:tc>
+                  <a:txBody>
+                    <a:bodyPr/>
+                    <a:lstStyle/>
+                    <a:p>
+                      <a:pPr algn="ctr"/>
+                      <a:r>
+                        <a:rPr lang="hu-HU" dirty="0">
+                          <a:solidFill>
+                            <a:schemeClr val="tx1">
+                              <a:lumMod val="95000"/>
+                              <a:lumOff val="5000"/>
+                            </a:schemeClr>
+                          </a:solidFill>
+                        </a:rPr>
+                        <a:t>-B</a:t>
+                      </a:r>
+                      <a:endParaRPr lang="en-US" dirty="0">
+                        <a:solidFill>
+                          <a:schemeClr val="tx1">
+                            <a:lumMod val="95000"/>
+                            <a:lumOff val="5000"/>
+                          </a:schemeClr>
+                        </a:solidFill>
+                      </a:endParaRPr>
+                    </a:p>
+                  </a:txBody>
+                  <a:tcPr>
+                    <a:solidFill>
+                      <a:srgbClr val="CAC7C2"/>
+                    </a:solidFill>
+                  </a:tcPr>
+                </a:tc>
+                <a:tc>
+                  <a:txBody>
+                    <a:bodyPr/>
+                    <a:lstStyle/>
+                    <a:p>
+                      <a:endParaRPr lang="en-US" dirty="0">
+                        <a:solidFill>
+                          <a:schemeClr val="tx1">
+                            <a:lumMod val="95000"/>
+                            <a:lumOff val="5000"/>
+                          </a:schemeClr>
+                        </a:solidFill>
+                      </a:endParaRPr>
+                    </a:p>
+                  </a:txBody>
+                  <a:tcPr>
+                    <a:solidFill>
+                      <a:srgbClr val="CAC7C2"/>
+                    </a:solidFill>
+                  </a:tcPr>
+                </a:tc>
+                <a:extLst>
+                  <a:ext uri="{0D108BD9-81ED-4DB2-BD59-A6C34878D82A}">
+                    <a16:rowId xmlns:a16="http://schemas.microsoft.com/office/drawing/2014/main" val="4195690778"/>
+                  </a:ext>
+                </a:extLst>
+              </a:tr>
+              <a:tr h="389361">
+                <a:tc>
+                  <a:txBody>
+                    <a:bodyPr/>
+                    <a:lstStyle/>
+                    <a:p>
+                      <a:pPr algn="ctr"/>
+                      <a:r>
+                        <a:rPr lang="hu-HU" dirty="0">
+                          <a:solidFill>
+                            <a:schemeClr val="tx1">
+                              <a:lumMod val="95000"/>
+                              <a:lumOff val="5000"/>
+                            </a:schemeClr>
+                          </a:solidFill>
+                        </a:rPr>
+                        <a:t>+AB</a:t>
+                      </a:r>
+                      <a:endParaRPr lang="en-US" dirty="0">
+                        <a:solidFill>
+                          <a:schemeClr val="tx1">
+                            <a:lumMod val="95000"/>
+                            <a:lumOff val="5000"/>
+                          </a:schemeClr>
+                        </a:solidFill>
+                      </a:endParaRPr>
+                    </a:p>
+                  </a:txBody>
+                  <a:tcPr>
+                    <a:solidFill>
+                      <a:srgbClr val="CAC7C2"/>
+                    </a:solidFill>
+                  </a:tcPr>
+                </a:tc>
+                <a:tc>
+                  <a:txBody>
+                    <a:bodyPr/>
+                    <a:lstStyle/>
+                    <a:p>
+                      <a:endParaRPr lang="en-US" dirty="0">
+                        <a:solidFill>
+                          <a:schemeClr val="tx1">
+                            <a:lumMod val="95000"/>
+                            <a:lumOff val="5000"/>
+                          </a:schemeClr>
+                        </a:solidFill>
+                      </a:endParaRPr>
+                    </a:p>
+                  </a:txBody>
+                  <a:tcPr>
+                    <a:solidFill>
+                      <a:srgbClr val="CAC7C2"/>
+                    </a:solidFill>
+                  </a:tcPr>
+                </a:tc>
+                <a:extLst>
+                  <a:ext uri="{0D108BD9-81ED-4DB2-BD59-A6C34878D82A}">
+                    <a16:rowId xmlns:a16="http://schemas.microsoft.com/office/drawing/2014/main" val="1196328856"/>
+                  </a:ext>
+                </a:extLst>
+              </a:tr>
+              <a:tr h="389361">
+                <a:tc>
+                  <a:txBody>
+                    <a:bodyPr/>
+                    <a:lstStyle/>
+                    <a:p>
+                      <a:pPr algn="ctr"/>
+                      <a:r>
+                        <a:rPr lang="hu-HU" dirty="0">
+                          <a:solidFill>
+                            <a:schemeClr val="tx1">
+                              <a:lumMod val="95000"/>
+                              <a:lumOff val="5000"/>
+                            </a:schemeClr>
+                          </a:solidFill>
+                        </a:rPr>
+                        <a:t>-AB</a:t>
+                      </a:r>
+                      <a:endParaRPr lang="en-US" dirty="0">
+                        <a:solidFill>
+                          <a:schemeClr val="tx1">
+                            <a:lumMod val="95000"/>
+                            <a:lumOff val="5000"/>
+                          </a:schemeClr>
+                        </a:solidFill>
+                      </a:endParaRPr>
+                    </a:p>
+                  </a:txBody>
+                  <a:tcPr>
+                    <a:solidFill>
+                      <a:srgbClr val="CAC7C2"/>
+                    </a:solidFill>
+                  </a:tcPr>
+                </a:tc>
+                <a:tc>
+                  <a:txBody>
+                    <a:bodyPr/>
+                    <a:lstStyle/>
+                    <a:p>
+                      <a:endParaRPr lang="en-US" dirty="0">
+                        <a:solidFill>
+                          <a:schemeClr val="tx1">
+                            <a:lumMod val="95000"/>
+                            <a:lumOff val="5000"/>
+                          </a:schemeClr>
+                        </a:solidFill>
+                      </a:endParaRPr>
+                    </a:p>
+                  </a:txBody>
+                  <a:tcPr>
+                    <a:solidFill>
+                      <a:srgbClr val="CAC7C2"/>
+                    </a:solidFill>
+                  </a:tcPr>
+                </a:tc>
+                <a:extLst>
+                  <a:ext uri="{0D108BD9-81ED-4DB2-BD59-A6C34878D82A}">
+                    <a16:rowId xmlns:a16="http://schemas.microsoft.com/office/drawing/2014/main" val="1974626940"/>
+                  </a:ext>
+                </a:extLst>
+              </a:tr>
+              <a:tr h="389361">
+                <a:tc>
+                  <a:txBody>
+                    <a:bodyPr/>
+                    <a:lstStyle/>
+                    <a:p>
+                      <a:pPr algn="ctr"/>
+                      <a:r>
+                        <a:rPr lang="hu-HU" dirty="0">
+                          <a:solidFill>
+                            <a:schemeClr val="tx1">
+                              <a:lumMod val="95000"/>
+                              <a:lumOff val="5000"/>
+                            </a:schemeClr>
+                          </a:solidFill>
+                        </a:rPr>
+                        <a:t>+0</a:t>
+                      </a:r>
+                      <a:endParaRPr lang="en-US" dirty="0">
+                        <a:solidFill>
+                          <a:schemeClr val="tx1">
+                            <a:lumMod val="95000"/>
+                            <a:lumOff val="5000"/>
+                          </a:schemeClr>
+                        </a:solidFill>
+                      </a:endParaRPr>
+                    </a:p>
+                  </a:txBody>
+                  <a:tcPr>
+                    <a:solidFill>
+                      <a:srgbClr val="CAC7C2"/>
+                    </a:solidFill>
+                  </a:tcPr>
+                </a:tc>
+                <a:tc>
+                  <a:txBody>
+                    <a:bodyPr/>
+                    <a:lstStyle/>
+                    <a:p>
+                      <a:endParaRPr lang="en-US" dirty="0">
+                        <a:solidFill>
+                          <a:schemeClr val="tx1">
+                            <a:lumMod val="95000"/>
+                            <a:lumOff val="5000"/>
+                          </a:schemeClr>
+                        </a:solidFill>
+                      </a:endParaRPr>
+                    </a:p>
+                  </a:txBody>
+                  <a:tcPr>
+                    <a:solidFill>
+                      <a:srgbClr val="CAC7C2"/>
+                    </a:solidFill>
+                  </a:tcPr>
+                </a:tc>
+                <a:extLst>
+                  <a:ext uri="{0D108BD9-81ED-4DB2-BD59-A6C34878D82A}">
+                    <a16:rowId xmlns:a16="http://schemas.microsoft.com/office/drawing/2014/main" val="3368592510"/>
+                  </a:ext>
+                </a:extLst>
+              </a:tr>
+              <a:tr h="389361">
+                <a:tc>
+                  <a:txBody>
+                    <a:bodyPr/>
+                    <a:lstStyle/>
+                    <a:p>
+                      <a:pPr algn="ctr"/>
+                      <a:r>
+                        <a:rPr lang="hu-HU" dirty="0">
+                          <a:solidFill>
+                            <a:schemeClr val="tx1">
+                              <a:lumMod val="95000"/>
+                              <a:lumOff val="5000"/>
+                            </a:schemeClr>
+                          </a:solidFill>
+                        </a:rPr>
+                        <a:t>-0</a:t>
+                      </a:r>
+                      <a:endParaRPr lang="en-US" dirty="0">
+                        <a:solidFill>
+                          <a:schemeClr val="tx1">
+                            <a:lumMod val="95000"/>
+                            <a:lumOff val="5000"/>
+                          </a:schemeClr>
+                        </a:solidFill>
+                      </a:endParaRPr>
+                    </a:p>
+                  </a:txBody>
+                  <a:tcPr>
+                    <a:solidFill>
+                      <a:srgbClr val="CAC7C2"/>
+                    </a:solidFill>
+                  </a:tcPr>
+                </a:tc>
+                <a:tc>
+                  <a:txBody>
+                    <a:bodyPr/>
+                    <a:lstStyle/>
+                    <a:p>
+                      <a:endParaRPr lang="en-US" dirty="0">
+                        <a:solidFill>
+                          <a:schemeClr val="tx1">
+                            <a:lumMod val="95000"/>
+                            <a:lumOff val="5000"/>
+                          </a:schemeClr>
+                        </a:solidFill>
+                      </a:endParaRPr>
+                    </a:p>
+                  </a:txBody>
+                  <a:tcPr>
+                    <a:solidFill>
+                      <a:srgbClr val="CAC7C2"/>
+                    </a:solidFill>
+                  </a:tcPr>
+                </a:tc>
+                <a:extLst>
+                  <a:ext uri="{0D108BD9-81ED-4DB2-BD59-A6C34878D82A}">
+                    <a16:rowId xmlns:a16="http://schemas.microsoft.com/office/drawing/2014/main" val="3058251045"/>
+                  </a:ext>
+                </a:extLst>
+              </a:tr>
+            </a:tbl>
+          </a:graphicData>
+        </a:graphic>
+      </p:graphicFrame>
+      <p:sp>
+        <p:nvSpPr>
+          <p:cNvPr id="13" name="Téglalap: lekerekített 12">
+            <a:extLst>
+              <a:ext uri="{FF2B5EF4-FFF2-40B4-BE49-F238E27FC236}">
+                <a16:creationId xmlns:a16="http://schemas.microsoft.com/office/drawing/2014/main" id="{18DC823B-4CD5-488A-8B8A-DA0C47EB6E20}"/>
+              </a:ext>
+            </a:extLst>
+          </p:cNvPr>
+          <p:cNvSpPr/>
+          <p:nvPr/>
+        </p:nvSpPr>
+        <p:spPr>
+          <a:xfrm>
+            <a:off x="290414" y="1265027"/>
+            <a:ext cx="3174445" cy="369332"/>
+          </a:xfrm>
+          <a:prstGeom prst="roundRect">
+            <a:avLst/>
+          </a:prstGeom>
+          <a:solidFill>
+            <a:srgbClr val="CAC7C2"/>
+          </a:solidFill>
+          <a:ln w="25400">
+            <a:noFill/>
+          </a:ln>
+        </p:spPr>
+        <p:style>
+          <a:lnRef idx="2">
+            <a:schemeClr val="accent1">
+              <a:shade val="50000"/>
+            </a:schemeClr>
+          </a:lnRef>
+          <a:fillRef idx="1">
+            <a:schemeClr val="accent1"/>
+          </a:fillRef>
+          <a:effectRef idx="0">
+            <a:schemeClr val="accent1"/>
+          </a:effectRef>
+          <a:fontRef idx="minor">
+            <a:schemeClr val="lt1"/>
+          </a:fontRef>
+        </p:style>
+        <p:txBody>
+          <a:bodyPr rtlCol="0" anchor="ctr"/>
+          <a:lstStyle/>
+          <a:p>
+            <a:pPr algn="ctr"/>
+            <a:endParaRPr lang="en-US"/>
+          </a:p>
+        </p:txBody>
+      </p:sp>
+      <p:sp>
+        <p:nvSpPr>
+          <p:cNvPr id="9" name="Szövegdoboz 8">
+            <a:extLst>
+              <a:ext uri="{FF2B5EF4-FFF2-40B4-BE49-F238E27FC236}">
+                <a16:creationId xmlns:a16="http://schemas.microsoft.com/office/drawing/2014/main" id="{7CDD9E99-0311-4D46-B107-D0B6A7C8AC3A}"/>
+              </a:ext>
+            </a:extLst>
+          </p:cNvPr>
+          <p:cNvSpPr txBox="1"/>
+          <p:nvPr/>
+        </p:nvSpPr>
+        <p:spPr>
+          <a:xfrm>
+            <a:off x="295073" y="1243185"/>
+            <a:ext cx="3287849" cy="369332"/>
+          </a:xfrm>
+          <a:prstGeom prst="rect">
+            <a:avLst/>
+          </a:prstGeom>
+          <a:noFill/>
+        </p:spPr>
+        <p:txBody>
+          <a:bodyPr wrap="square" rtlCol="0">
+            <a:spAutoFit/>
+          </a:bodyPr>
+          <a:lstStyle/>
+          <a:p>
+            <a:r>
+              <a:rPr lang="hu-HU" dirty="0">
+                <a:solidFill>
+                  <a:schemeClr val="tx1">
+                    <a:lumMod val="95000"/>
+                    <a:lumOff val="5000"/>
+                  </a:schemeClr>
+                </a:solidFill>
+              </a:rPr>
+              <a:t>Név/Azonosító:______________</a:t>
+            </a:r>
+            <a:endParaRPr lang="en-US" dirty="0">
+              <a:solidFill>
+                <a:schemeClr val="tx1">
+                  <a:lumMod val="95000"/>
+                  <a:lumOff val="5000"/>
+                </a:schemeClr>
+              </a:solidFill>
+            </a:endParaRPr>
+          </a:p>
+        </p:txBody>
+      </p:sp>
+      <p:graphicFrame>
+        <p:nvGraphicFramePr>
+          <p:cNvPr id="15" name="Táblázat 15">
+            <a:extLst>
+              <a:ext uri="{FF2B5EF4-FFF2-40B4-BE49-F238E27FC236}">
+                <a16:creationId xmlns:a16="http://schemas.microsoft.com/office/drawing/2014/main" id="{973F1419-B5A8-419A-AFA3-934D1EB0B318}"/>
+              </a:ext>
+            </a:extLst>
+          </p:cNvPr>
+          <p:cNvGraphicFramePr>
+            <a:graphicFrameLocks noGrp="1"/>
+          </p:cNvGraphicFramePr>
+          <p:nvPr>
+            <p:extLst>
+              <p:ext uri="{D42A27DB-BD31-4B8C-83A1-F6EECF244321}">
+                <p14:modId xmlns:p14="http://schemas.microsoft.com/office/powerpoint/2010/main" val="3209578805"/>
+              </p:ext>
+            </p:extLst>
+          </p:nvPr>
+        </p:nvGraphicFramePr>
+        <p:xfrm>
+          <a:off x="1843207" y="2160314"/>
+          <a:ext cx="1783778" cy="736600"/>
+        </p:xfrm>
+        <a:graphic>
+          <a:graphicData uri="http://schemas.openxmlformats.org/drawingml/2006/table">
+            <a:tbl>
+              <a:tblPr firstRow="1" bandRow="1">
+                <a:tableStyleId>{5C22544A-7EE6-4342-B048-85BDC9FD1C3A}</a:tableStyleId>
+              </a:tblPr>
+              <a:tblGrid>
+                <a:gridCol w="891889">
+                  <a:extLst>
+                    <a:ext uri="{9D8B030D-6E8A-4147-A177-3AD203B41FA5}">
+                      <a16:colId xmlns:a16="http://schemas.microsoft.com/office/drawing/2014/main" val="2819556351"/>
+                    </a:ext>
+                  </a:extLst>
+                </a:gridCol>
+                <a:gridCol w="891889">
+                  <a:extLst>
+                    <a:ext uri="{9D8B030D-6E8A-4147-A177-3AD203B41FA5}">
+                      <a16:colId xmlns:a16="http://schemas.microsoft.com/office/drawing/2014/main" val="1223631071"/>
+                    </a:ext>
+                  </a:extLst>
+                </a:gridCol>
+              </a:tblGrid>
+              <a:tr h="351666">
+                <a:tc gridSpan="2">
+                  <a:txBody>
+                    <a:bodyPr/>
+                    <a:lstStyle/>
+                    <a:p>
+                      <a:pPr algn="ctr"/>
+                      <a:r>
+                        <a:rPr lang="hu-HU" dirty="0">
+                          <a:solidFill>
+                            <a:schemeClr val="tx1">
+                              <a:lumMod val="95000"/>
+                              <a:lumOff val="5000"/>
+                            </a:schemeClr>
+                          </a:solidFill>
+                        </a:rPr>
+                        <a:t>Mennyiség</a:t>
+                      </a:r>
+                      <a:endParaRPr lang="en-US" dirty="0">
+                        <a:solidFill>
+                          <a:schemeClr val="tx1">
+                            <a:lumMod val="95000"/>
+                            <a:lumOff val="5000"/>
+                          </a:schemeClr>
+                        </a:solidFill>
+                      </a:endParaRPr>
+                    </a:p>
+                  </a:txBody>
+                  <a:tcPr>
+                    <a:solidFill>
+                      <a:srgbClr val="CAC7C2"/>
+                    </a:solidFill>
+                  </a:tcPr>
+                </a:tc>
+                <a:tc hMerge="1">
+                  <a:txBody>
+                    <a:bodyPr/>
+                    <a:lstStyle/>
+                    <a:p>
+                      <a:endParaRPr lang="en-US" dirty="0"/>
+                    </a:p>
+                  </a:txBody>
+                  <a:tcPr/>
+                </a:tc>
+                <a:extLst>
+                  <a:ext uri="{0D108BD9-81ED-4DB2-BD59-A6C34878D82A}">
+                    <a16:rowId xmlns:a16="http://schemas.microsoft.com/office/drawing/2014/main" val="3472378719"/>
+                  </a:ext>
+                </a:extLst>
+              </a:tr>
+              <a:tr h="370840">
+                <a:tc>
+                  <a:txBody>
+                    <a:bodyPr/>
+                    <a:lstStyle/>
+                    <a:p>
+                      <a:r>
+                        <a:rPr lang="hu-HU" dirty="0">
+                          <a:solidFill>
+                            <a:schemeClr val="tx1">
+                              <a:lumMod val="95000"/>
+                              <a:lumOff val="5000"/>
+                            </a:schemeClr>
+                          </a:solidFill>
+                        </a:rPr>
+                        <a:t>-</a:t>
+                      </a:r>
+                      <a:r>
+                        <a:rPr lang="hu-HU" dirty="0" err="1">
+                          <a:solidFill>
+                            <a:schemeClr val="tx1">
+                              <a:lumMod val="95000"/>
+                              <a:lumOff val="5000"/>
+                            </a:schemeClr>
+                          </a:solidFill>
+                        </a:rPr>
+                        <a:t>tól</a:t>
+                      </a:r>
+                      <a:endParaRPr lang="en-US" dirty="0">
+                        <a:solidFill>
+                          <a:schemeClr val="tx1">
+                            <a:lumMod val="95000"/>
+                            <a:lumOff val="5000"/>
+                          </a:schemeClr>
+                        </a:solidFill>
+                      </a:endParaRPr>
+                    </a:p>
+                  </a:txBody>
+                  <a:tcPr>
+                    <a:solidFill>
+                      <a:srgbClr val="CAC7C2"/>
+                    </a:solidFill>
+                  </a:tcPr>
+                </a:tc>
+                <a:tc>
+                  <a:txBody>
+                    <a:bodyPr/>
+                    <a:lstStyle/>
+                    <a:p>
+                      <a:r>
+                        <a:rPr lang="hu-HU" dirty="0">
+                          <a:solidFill>
+                            <a:schemeClr val="tx1">
+                              <a:lumMod val="95000"/>
+                              <a:lumOff val="5000"/>
+                            </a:schemeClr>
+                          </a:solidFill>
+                        </a:rPr>
+                        <a:t>-</a:t>
+                      </a:r>
+                      <a:r>
+                        <a:rPr lang="hu-HU" dirty="0" err="1">
+                          <a:solidFill>
+                            <a:schemeClr val="tx1">
+                              <a:lumMod val="95000"/>
+                              <a:lumOff val="5000"/>
+                            </a:schemeClr>
+                          </a:solidFill>
+                        </a:rPr>
+                        <a:t>ig</a:t>
+                      </a:r>
+                      <a:endParaRPr lang="en-US" dirty="0">
+                        <a:solidFill>
+                          <a:schemeClr val="tx1">
+                            <a:lumMod val="95000"/>
+                            <a:lumOff val="5000"/>
+                          </a:schemeClr>
+                        </a:solidFill>
+                      </a:endParaRPr>
+                    </a:p>
+                  </a:txBody>
+                  <a:tcPr>
+                    <a:solidFill>
+                      <a:srgbClr val="CAC7C2"/>
+                    </a:solidFill>
+                  </a:tcPr>
+                </a:tc>
+                <a:extLst>
+                  <a:ext uri="{0D108BD9-81ED-4DB2-BD59-A6C34878D82A}">
+                    <a16:rowId xmlns:a16="http://schemas.microsoft.com/office/drawing/2014/main" val="1465097003"/>
+                  </a:ext>
+                </a:extLst>
+              </a:tr>
+            </a:tbl>
+          </a:graphicData>
+        </a:graphic>
+      </p:graphicFrame>
+      <p:graphicFrame>
+        <p:nvGraphicFramePr>
+          <p:cNvPr id="18" name="Táblázat 18">
+            <a:extLst>
+              <a:ext uri="{FF2B5EF4-FFF2-40B4-BE49-F238E27FC236}">
+                <a16:creationId xmlns:a16="http://schemas.microsoft.com/office/drawing/2014/main" id="{C24809FB-2E53-479B-8E19-94C5F64066A7}"/>
+              </a:ext>
+            </a:extLst>
+          </p:cNvPr>
+          <p:cNvGraphicFramePr>
+            <a:graphicFrameLocks noGrp="1"/>
+          </p:cNvGraphicFramePr>
+          <p:nvPr>
+            <p:extLst>
+              <p:ext uri="{D42A27DB-BD31-4B8C-83A1-F6EECF244321}">
+                <p14:modId xmlns:p14="http://schemas.microsoft.com/office/powerpoint/2010/main" val="708981866"/>
+              </p:ext>
+            </p:extLst>
+          </p:nvPr>
+        </p:nvGraphicFramePr>
+        <p:xfrm>
+          <a:off x="3829455" y="1243185"/>
+          <a:ext cx="8172044" cy="4857166"/>
+        </p:xfrm>
+        <a:graphic>
+          <a:graphicData uri="http://schemas.openxmlformats.org/drawingml/2006/table">
+            <a:tbl>
+              <a:tblPr firstRow="1" bandRow="1">
+                <a:tableStyleId>{5C22544A-7EE6-4342-B048-85BDC9FD1C3A}</a:tableStyleId>
+              </a:tblPr>
+              <a:tblGrid>
+                <a:gridCol w="2043011">
+                  <a:extLst>
+                    <a:ext uri="{9D8B030D-6E8A-4147-A177-3AD203B41FA5}">
+                      <a16:colId xmlns:a16="http://schemas.microsoft.com/office/drawing/2014/main" val="3992867006"/>
+                    </a:ext>
+                  </a:extLst>
+                </a:gridCol>
+                <a:gridCol w="2043011">
+                  <a:extLst>
+                    <a:ext uri="{9D8B030D-6E8A-4147-A177-3AD203B41FA5}">
+                      <a16:colId xmlns:a16="http://schemas.microsoft.com/office/drawing/2014/main" val="2518501882"/>
+                    </a:ext>
+                  </a:extLst>
+                </a:gridCol>
+                <a:gridCol w="2043011">
+                  <a:extLst>
+                    <a:ext uri="{9D8B030D-6E8A-4147-A177-3AD203B41FA5}">
+                      <a16:colId xmlns:a16="http://schemas.microsoft.com/office/drawing/2014/main" val="1407021273"/>
+                    </a:ext>
+                  </a:extLst>
+                </a:gridCol>
+                <a:gridCol w="2043011">
+                  <a:extLst>
+                    <a:ext uri="{9D8B030D-6E8A-4147-A177-3AD203B41FA5}">
+                      <a16:colId xmlns:a16="http://schemas.microsoft.com/office/drawing/2014/main" val="3701620119"/>
+                    </a:ext>
+                  </a:extLst>
+                </a:gridCol>
+              </a:tblGrid>
+              <a:tr h="509415">
+                <a:tc>
+                  <a:txBody>
+                    <a:bodyPr/>
+                    <a:lstStyle/>
+                    <a:p>
+                      <a:pPr algn="ctr"/>
+                      <a:r>
+                        <a:rPr lang="hu-HU" dirty="0">
+                          <a:solidFill>
+                            <a:schemeClr val="tx1">
+                              <a:lumMod val="95000"/>
+                              <a:lumOff val="5000"/>
+                            </a:schemeClr>
+                          </a:solidFill>
+                        </a:rPr>
+                        <a:t>Név</a:t>
+                      </a:r>
+                      <a:endParaRPr lang="en-US" dirty="0">
+                        <a:solidFill>
+                          <a:schemeClr val="tx1">
+                            <a:lumMod val="95000"/>
+                            <a:lumOff val="5000"/>
+                          </a:schemeClr>
+                        </a:solidFill>
+                      </a:endParaRPr>
+                    </a:p>
+                  </a:txBody>
+                  <a:tcPr>
+                    <a:solidFill>
+                      <a:srgbClr val="CAC7C2"/>
+                    </a:solidFill>
+                  </a:tcPr>
+                </a:tc>
+                <a:tc>
+                  <a:txBody>
+                    <a:bodyPr/>
+                    <a:lstStyle/>
+                    <a:p>
+                      <a:pPr algn="ctr"/>
+                      <a:r>
+                        <a:rPr lang="hu-HU" dirty="0">
+                          <a:solidFill>
+                            <a:schemeClr val="tx1">
+                              <a:lumMod val="95000"/>
+                              <a:lumOff val="5000"/>
+                            </a:schemeClr>
+                          </a:solidFill>
+                        </a:rPr>
+                        <a:t>Azonosító</a:t>
+                      </a:r>
+                      <a:endParaRPr lang="en-US" dirty="0">
+                        <a:solidFill>
+                          <a:schemeClr val="tx1">
+                            <a:lumMod val="95000"/>
+                            <a:lumOff val="5000"/>
+                          </a:schemeClr>
+                        </a:solidFill>
+                      </a:endParaRPr>
+                    </a:p>
+                  </a:txBody>
+                  <a:tcPr>
+                    <a:solidFill>
+                      <a:srgbClr val="CAC7C2"/>
+                    </a:solidFill>
+                  </a:tcPr>
+                </a:tc>
+                <a:tc>
+                  <a:txBody>
+                    <a:bodyPr/>
+                    <a:lstStyle/>
+                    <a:p>
+                      <a:pPr algn="ctr"/>
+                      <a:r>
+                        <a:rPr lang="hu-HU" dirty="0">
+                          <a:solidFill>
+                            <a:schemeClr val="tx1">
+                              <a:lumMod val="95000"/>
+                              <a:lumOff val="5000"/>
+                            </a:schemeClr>
+                          </a:solidFill>
+                        </a:rPr>
+                        <a:t>Vércsoport</a:t>
+                      </a:r>
+                      <a:endParaRPr lang="en-US" dirty="0">
+                        <a:solidFill>
+                          <a:schemeClr val="tx1">
+                            <a:lumMod val="95000"/>
+                            <a:lumOff val="5000"/>
+                          </a:schemeClr>
+                        </a:solidFill>
+                      </a:endParaRPr>
+                    </a:p>
+                  </a:txBody>
+                  <a:tcPr>
+                    <a:solidFill>
+                      <a:srgbClr val="CAC7C2"/>
+                    </a:solidFill>
+                  </a:tcPr>
+                </a:tc>
+                <a:tc>
+                  <a:txBody>
+                    <a:bodyPr/>
+                    <a:lstStyle/>
+                    <a:p>
+                      <a:r>
+                        <a:rPr lang="hu-HU" dirty="0">
+                          <a:solidFill>
+                            <a:schemeClr val="tx1">
+                              <a:lumMod val="95000"/>
+                              <a:lumOff val="5000"/>
+                            </a:schemeClr>
+                          </a:solidFill>
+                        </a:rPr>
+                        <a:t>Mennyiség(ml)</a:t>
+                      </a:r>
+                      <a:endParaRPr lang="en-US" dirty="0">
+                        <a:solidFill>
+                          <a:schemeClr val="tx1">
+                            <a:lumMod val="95000"/>
+                            <a:lumOff val="5000"/>
+                          </a:schemeClr>
+                        </a:solidFill>
+                      </a:endParaRPr>
+                    </a:p>
+                  </a:txBody>
+                  <a:tcPr>
+                    <a:solidFill>
+                      <a:srgbClr val="CAC7C2"/>
+                    </a:solidFill>
+                  </a:tcPr>
+                </a:tc>
+                <a:extLst>
+                  <a:ext uri="{0D108BD9-81ED-4DB2-BD59-A6C34878D82A}">
+                    <a16:rowId xmlns:a16="http://schemas.microsoft.com/office/drawing/2014/main" val="2862538865"/>
+                  </a:ext>
+                </a:extLst>
+              </a:tr>
+              <a:tr h="4347751">
+                <a:tc>
+                  <a:txBody>
+                    <a:bodyPr/>
+                    <a:lstStyle/>
+                    <a:p>
+                      <a:endParaRPr lang="en-US" dirty="0"/>
+                    </a:p>
+                  </a:txBody>
+                  <a:tcPr>
+                    <a:solidFill>
+                      <a:srgbClr val="CAC7C2"/>
+                    </a:solidFill>
+                  </a:tcPr>
+                </a:tc>
+                <a:tc>
+                  <a:txBody>
+                    <a:bodyPr/>
+                    <a:lstStyle/>
+                    <a:p>
+                      <a:endParaRPr lang="en-US" dirty="0"/>
+                    </a:p>
+                  </a:txBody>
+                  <a:tcPr>
+                    <a:solidFill>
+                      <a:srgbClr val="CAC7C2"/>
+                    </a:solidFill>
+                  </a:tcPr>
+                </a:tc>
+                <a:tc>
+                  <a:txBody>
+                    <a:bodyPr/>
+                    <a:lstStyle/>
+                    <a:p>
+                      <a:endParaRPr lang="en-US" dirty="0"/>
+                    </a:p>
+                  </a:txBody>
+                  <a:tcPr>
+                    <a:solidFill>
+                      <a:srgbClr val="CAC7C2"/>
+                    </a:solidFill>
+                  </a:tcPr>
+                </a:tc>
+                <a:tc>
+                  <a:txBody>
+                    <a:bodyPr/>
+                    <a:lstStyle/>
+                    <a:p>
+                      <a:endParaRPr lang="en-US" dirty="0"/>
+                    </a:p>
+                  </a:txBody>
+                  <a:tcPr>
+                    <a:solidFill>
+                      <a:srgbClr val="CAC7C2"/>
+                    </a:solidFill>
+                  </a:tcPr>
+                </a:tc>
+                <a:extLst>
+                  <a:ext uri="{0D108BD9-81ED-4DB2-BD59-A6C34878D82A}">
+                    <a16:rowId xmlns:a16="http://schemas.microsoft.com/office/drawing/2014/main" val="3475373683"/>
+                  </a:ext>
+                </a:extLst>
+              </a:tr>
+            </a:tbl>
+          </a:graphicData>
+        </a:graphic>
+      </p:graphicFrame>
+      <p:sp>
+        <p:nvSpPr>
+          <p:cNvPr id="11" name="Téglalap 10">
+            <a:extLst>
+              <a:ext uri="{FF2B5EF4-FFF2-40B4-BE49-F238E27FC236}">
+                <a16:creationId xmlns:a16="http://schemas.microsoft.com/office/drawing/2014/main" id="{A9E00E3A-6F23-40BF-98C7-7C3F440D3D59}"/>
+              </a:ext>
+            </a:extLst>
+          </p:cNvPr>
+          <p:cNvSpPr/>
+          <p:nvPr/>
+        </p:nvSpPr>
+        <p:spPr>
+          <a:xfrm>
+            <a:off x="3427896" y="5770950"/>
+            <a:ext cx="323496" cy="323850"/>
+          </a:xfrm>
+          <a:prstGeom prst="rect">
+            <a:avLst/>
+          </a:prstGeom>
+          <a:noFill/>
+          <a:ln>
+            <a:solidFill>
+              <a:srgbClr val="CAC7C2"/>
+            </a:solidFill>
+          </a:ln>
+        </p:spPr>
+        <p:style>
+          <a:lnRef idx="2">
+            <a:schemeClr val="accent1">
+              <a:shade val="50000"/>
+            </a:schemeClr>
+          </a:lnRef>
+          <a:fillRef idx="1">
+            <a:schemeClr val="accent1"/>
+          </a:fillRef>
+          <a:effectRef idx="0">
+            <a:schemeClr val="accent1"/>
+          </a:effectRef>
+          <a:fontRef idx="minor">
+            <a:schemeClr val="lt1"/>
+          </a:fontRef>
+        </p:style>
+        <p:txBody>
+          <a:bodyPr rtlCol="0" anchor="ctr"/>
+          <a:lstStyle/>
+          <a:p>
+            <a:pPr algn="ctr"/>
+            <a:endParaRPr lang="en-US"/>
+          </a:p>
+        </p:txBody>
+      </p:sp>
+      <p:grpSp>
+        <p:nvGrpSpPr>
+          <p:cNvPr id="12" name="Csoportba foglalás 11">
+            <a:extLst>
+              <a:ext uri="{FF2B5EF4-FFF2-40B4-BE49-F238E27FC236}">
+                <a16:creationId xmlns:a16="http://schemas.microsoft.com/office/drawing/2014/main" id="{7D722161-BBD4-4198-A9C7-1088F7522020}"/>
+              </a:ext>
+            </a:extLst>
+          </p:cNvPr>
+          <p:cNvGrpSpPr/>
+          <p:nvPr/>
+        </p:nvGrpSpPr>
+        <p:grpSpPr>
+          <a:xfrm>
+            <a:off x="3485409" y="5833155"/>
+            <a:ext cx="218160" cy="200520"/>
+            <a:chOff x="3805148" y="6253118"/>
+            <a:chExt cx="218160" cy="200520"/>
+          </a:xfrm>
+        </p:grpSpPr>
+        <mc:AlternateContent xmlns:mc="http://schemas.openxmlformats.org/markup-compatibility/2006" xmlns:p14="http://schemas.microsoft.com/office/powerpoint/2010/main">
+          <mc:Choice Requires="p14">
+            <p:contentPart p14:bwMode="auto" r:id="rId2">
+              <p14:nvContentPartPr>
+                <p14:cNvPr id="14" name="Szabadkéz 13">
+                  <a:extLst>
+                    <a:ext uri="{FF2B5EF4-FFF2-40B4-BE49-F238E27FC236}">
+                      <a16:creationId xmlns:a16="http://schemas.microsoft.com/office/drawing/2014/main" id="{C67219F1-6EA9-4D0A-BE88-B808C86EA731}"/>
+                    </a:ext>
+                  </a:extLst>
+                </p14:cNvPr>
+                <p14:cNvContentPartPr/>
+                <p14:nvPr/>
+              </p14:nvContentPartPr>
+              <p14:xfrm>
+                <a:off x="3938708" y="6253118"/>
+                <a:ext cx="84600" cy="113040"/>
+              </p14:xfrm>
+            </p:contentPart>
+          </mc:Choice>
+          <mc:Fallback xmlns="">
+            <p:pic>
+              <p:nvPicPr>
+                <p:cNvPr id="14" name="Szabadkéz 13">
+                  <a:extLst>
+                    <a:ext uri="{FF2B5EF4-FFF2-40B4-BE49-F238E27FC236}">
+                      <a16:creationId xmlns:a16="http://schemas.microsoft.com/office/drawing/2014/main" id="{C67219F1-6EA9-4D0A-BE88-B808C86EA731}"/>
+                    </a:ext>
+                  </a:extLst>
+                </p:cNvPr>
+                <p:cNvPicPr/>
+                <p:nvPr/>
+              </p:nvPicPr>
+              <p:blipFill>
+                <a:blip r:embed="rId3"/>
+                <a:stretch>
+                  <a:fillRect/>
+                </a:stretch>
+              </p:blipFill>
+              <p:spPr>
+                <a:xfrm>
+                  <a:off x="3934388" y="6248798"/>
+                  <a:ext cx="93240" cy="121680"/>
+                </a:xfrm>
+                <a:prstGeom prst="rect">
+                  <a:avLst/>
+                </a:prstGeom>
+              </p:spPr>
+            </p:pic>
+          </mc:Fallback>
+        </mc:AlternateContent>
+        <mc:AlternateContent xmlns:mc="http://schemas.openxmlformats.org/markup-compatibility/2006" xmlns:p14="http://schemas.microsoft.com/office/powerpoint/2010/main">
+          <mc:Choice Requires="p14">
+            <p:contentPart p14:bwMode="auto" r:id="rId4">
+              <p14:nvContentPartPr>
+                <p14:cNvPr id="16" name="Szabadkéz 15">
+                  <a:extLst>
+                    <a:ext uri="{FF2B5EF4-FFF2-40B4-BE49-F238E27FC236}">
+                      <a16:creationId xmlns:a16="http://schemas.microsoft.com/office/drawing/2014/main" id="{0B732A7A-1EC9-40BE-B210-35683528B888}"/>
+                    </a:ext>
+                  </a:extLst>
+                </p14:cNvPr>
+                <p14:cNvContentPartPr/>
+                <p14:nvPr/>
+              </p14:nvContentPartPr>
+              <p14:xfrm>
+                <a:off x="3842588" y="6276158"/>
+                <a:ext cx="162720" cy="77040"/>
+              </p14:xfrm>
+            </p:contentPart>
+          </mc:Choice>
+          <mc:Fallback xmlns="">
+            <p:pic>
+              <p:nvPicPr>
+                <p:cNvPr id="16" name="Szabadkéz 15">
+                  <a:extLst>
+                    <a:ext uri="{FF2B5EF4-FFF2-40B4-BE49-F238E27FC236}">
+                      <a16:creationId xmlns:a16="http://schemas.microsoft.com/office/drawing/2014/main" id="{0B732A7A-1EC9-40BE-B210-35683528B888}"/>
+                    </a:ext>
+                  </a:extLst>
+                </p:cNvPr>
+                <p:cNvPicPr/>
+                <p:nvPr/>
+              </p:nvPicPr>
+              <p:blipFill>
+                <a:blip r:embed="rId5"/>
+                <a:stretch>
+                  <a:fillRect/>
+                </a:stretch>
+              </p:blipFill>
+              <p:spPr>
+                <a:xfrm>
+                  <a:off x="3838268" y="6271838"/>
+                  <a:ext cx="171360" cy="85680"/>
+                </a:xfrm>
+                <a:prstGeom prst="rect">
+                  <a:avLst/>
+                </a:prstGeom>
+              </p:spPr>
+            </p:pic>
+          </mc:Fallback>
+        </mc:AlternateContent>
+        <mc:AlternateContent xmlns:mc="http://schemas.openxmlformats.org/markup-compatibility/2006" xmlns:p14="http://schemas.microsoft.com/office/powerpoint/2010/main">
+          <mc:Choice Requires="p14">
+            <p:contentPart p14:bwMode="auto" r:id="rId6">
+              <p14:nvContentPartPr>
+                <p14:cNvPr id="17" name="Szabadkéz 16">
+                  <a:extLst>
+                    <a:ext uri="{FF2B5EF4-FFF2-40B4-BE49-F238E27FC236}">
+                      <a16:creationId xmlns:a16="http://schemas.microsoft.com/office/drawing/2014/main" id="{052A3C5A-FE11-4285-9E20-01766D26C497}"/>
+                    </a:ext>
+                  </a:extLst>
+                </p14:cNvPr>
+                <p14:cNvContentPartPr/>
+                <p14:nvPr/>
+              </p14:nvContentPartPr>
+              <p14:xfrm>
+                <a:off x="3805148" y="6343118"/>
+                <a:ext cx="72000" cy="86400"/>
+              </p14:xfrm>
+            </p:contentPart>
+          </mc:Choice>
+          <mc:Fallback xmlns="">
+            <p:pic>
+              <p:nvPicPr>
+                <p:cNvPr id="17" name="Szabadkéz 16">
+                  <a:extLst>
+                    <a:ext uri="{FF2B5EF4-FFF2-40B4-BE49-F238E27FC236}">
+                      <a16:creationId xmlns:a16="http://schemas.microsoft.com/office/drawing/2014/main" id="{052A3C5A-FE11-4285-9E20-01766D26C497}"/>
+                    </a:ext>
+                  </a:extLst>
+                </p:cNvPr>
+                <p:cNvPicPr/>
+                <p:nvPr/>
+              </p:nvPicPr>
+              <p:blipFill>
+                <a:blip r:embed="rId7"/>
+                <a:stretch>
+                  <a:fillRect/>
+                </a:stretch>
+              </p:blipFill>
+              <p:spPr>
+                <a:xfrm>
+                  <a:off x="3800828" y="6338798"/>
+                  <a:ext cx="80640" cy="95040"/>
+                </a:xfrm>
+                <a:prstGeom prst="rect">
+                  <a:avLst/>
+                </a:prstGeom>
+              </p:spPr>
+            </p:pic>
+          </mc:Fallback>
+        </mc:AlternateContent>
+        <mc:AlternateContent xmlns:mc="http://schemas.openxmlformats.org/markup-compatibility/2006" xmlns:p14="http://schemas.microsoft.com/office/powerpoint/2010/main">
+          <mc:Choice Requires="p14">
+            <p:contentPart p14:bwMode="auto" r:id="rId8">
+              <p14:nvContentPartPr>
+                <p14:cNvPr id="19" name="Szabadkéz 18">
+                  <a:extLst>
+                    <a:ext uri="{FF2B5EF4-FFF2-40B4-BE49-F238E27FC236}">
+                      <a16:creationId xmlns:a16="http://schemas.microsoft.com/office/drawing/2014/main" id="{1FCF701D-ADC5-4E13-8BD3-B2CCE05E51E8}"/>
+                    </a:ext>
+                  </a:extLst>
+                </p14:cNvPr>
+                <p14:cNvContentPartPr/>
+                <p14:nvPr/>
+              </p14:nvContentPartPr>
+              <p14:xfrm>
+                <a:off x="3819188" y="6352838"/>
+                <a:ext cx="173880" cy="100800"/>
+              </p14:xfrm>
+            </p:contentPart>
+          </mc:Choice>
+          <mc:Fallback xmlns="">
+            <p:pic>
+              <p:nvPicPr>
+                <p:cNvPr id="19" name="Szabadkéz 18">
+                  <a:extLst>
+                    <a:ext uri="{FF2B5EF4-FFF2-40B4-BE49-F238E27FC236}">
+                      <a16:creationId xmlns:a16="http://schemas.microsoft.com/office/drawing/2014/main" id="{1FCF701D-ADC5-4E13-8BD3-B2CCE05E51E8}"/>
+                    </a:ext>
+                  </a:extLst>
+                </p:cNvPr>
+                <p:cNvPicPr/>
+                <p:nvPr/>
+              </p:nvPicPr>
+              <p:blipFill>
+                <a:blip r:embed="rId9"/>
+                <a:stretch>
+                  <a:fillRect/>
+                </a:stretch>
+              </p:blipFill>
+              <p:spPr>
+                <a:xfrm>
+                  <a:off x="3814868" y="6348518"/>
+                  <a:ext cx="182520" cy="109440"/>
+                </a:xfrm>
+                <a:prstGeom prst="rect">
+                  <a:avLst/>
+                </a:prstGeom>
+              </p:spPr>
+            </p:pic>
+          </mc:Fallback>
+        </mc:AlternateContent>
+      </p:grpSp>
     </p:spTree>
     <p:extLst>
       <p:ext uri="{BB962C8B-B14F-4D97-AF65-F5344CB8AC3E}">
-        <p14:creationId xmlns:p14="http://schemas.microsoft.com/office/powerpoint/2010/main" val="2343647481"/>
+        <p14:creationId xmlns:p14="http://schemas.microsoft.com/office/powerpoint/2010/main" val="964544848"/>
+      </p:ext>
+    </p:extLst>
+  </p:cSld>
+  <p:clrMapOvr>
+    <a:masterClrMapping/>
+  </p:clrMapOvr>
+</p:sld>
+</file>
+
+<file path=ppt/slides/slide5.xml><?xml version="1.0" encoding="utf-8"?>
+<p:sld xmlns:a="http://schemas.openxmlformats.org/drawingml/2006/main" xmlns:r="http://schemas.openxmlformats.org/officeDocument/2006/relationships" xmlns:p="http://schemas.openxmlformats.org/presentationml/2006/main">
+  <p:cSld>
+    <p:bg>
+      <p:bgPr>
+        <a:solidFill>
+          <a:schemeClr val="bg2">
+            <a:lumMod val="75000"/>
+          </a:schemeClr>
+        </a:solidFill>
+        <a:effectLst/>
+      </p:bgPr>
+    </p:bg>
+    <p:spTree>
+      <p:nvGrpSpPr>
+        <p:cNvPr id="1" name=""/>
+        <p:cNvGrpSpPr/>
+        <p:nvPr/>
+      </p:nvGrpSpPr>
+      <p:grpSpPr>
+        <a:xfrm>
+          <a:off x="0" y="0"/>
+          <a:ext cx="0" cy="0"/>
+          <a:chOff x="0" y="0"/>
+          <a:chExt cx="0" cy="0"/>
+        </a:xfrm>
+      </p:grpSpPr>
+      <p:sp>
+        <p:nvSpPr>
+          <p:cNvPr id="4" name="Téglalap: lekerekített 3">
+            <a:extLst>
+              <a:ext uri="{FF2B5EF4-FFF2-40B4-BE49-F238E27FC236}">
+                <a16:creationId xmlns:a16="http://schemas.microsoft.com/office/drawing/2014/main" id="{39182016-5379-4D63-A7C6-4ECA52EFB311}"/>
+              </a:ext>
+            </a:extLst>
+          </p:cNvPr>
+          <p:cNvSpPr/>
+          <p:nvPr/>
+        </p:nvSpPr>
+        <p:spPr>
+          <a:xfrm>
+            <a:off x="295073" y="135985"/>
+            <a:ext cx="1267028" cy="378365"/>
+          </a:xfrm>
+          <a:prstGeom prst="roundRect">
+            <a:avLst/>
+          </a:prstGeom>
+          <a:solidFill>
+            <a:srgbClr val="D9AE69"/>
+          </a:solidFill>
+          <a:ln w="25400">
+            <a:noFill/>
+          </a:ln>
+        </p:spPr>
+        <p:style>
+          <a:lnRef idx="2">
+            <a:schemeClr val="accent1">
+              <a:shade val="50000"/>
+            </a:schemeClr>
+          </a:lnRef>
+          <a:fillRef idx="1">
+            <a:schemeClr val="accent1"/>
+          </a:fillRef>
+          <a:effectRef idx="0">
+            <a:schemeClr val="accent1"/>
+          </a:effectRef>
+          <a:fontRef idx="minor">
+            <a:schemeClr val="lt1"/>
+          </a:fontRef>
+        </p:style>
+        <p:txBody>
+          <a:bodyPr rtlCol="0" anchor="ctr"/>
+          <a:lstStyle/>
+          <a:p>
+            <a:pPr algn="ctr"/>
+            <a:endParaRPr lang="en-US"/>
+          </a:p>
+        </p:txBody>
+      </p:sp>
+      <p:sp>
+        <p:nvSpPr>
+          <p:cNvPr id="5" name="Szövegdoboz 4">
+            <a:extLst>
+              <a:ext uri="{FF2B5EF4-FFF2-40B4-BE49-F238E27FC236}">
+                <a16:creationId xmlns:a16="http://schemas.microsoft.com/office/drawing/2014/main" id="{4BB8EC08-8C2F-4ABA-9E8A-75D7E81C9A71}"/>
+              </a:ext>
+            </a:extLst>
+          </p:cNvPr>
+          <p:cNvSpPr txBox="1"/>
+          <p:nvPr/>
+        </p:nvSpPr>
+        <p:spPr>
+          <a:xfrm>
+            <a:off x="493981" y="135985"/>
+            <a:ext cx="869212" cy="369332"/>
+          </a:xfrm>
+          <a:prstGeom prst="rect">
+            <a:avLst/>
+          </a:prstGeom>
+          <a:noFill/>
+        </p:spPr>
+        <p:txBody>
+          <a:bodyPr wrap="none" rtlCol="0">
+            <a:spAutoFit/>
+          </a:bodyPr>
+          <a:lstStyle/>
+          <a:p>
+            <a:r>
+              <a:rPr lang="hu-HU" dirty="0">
+                <a:solidFill>
+                  <a:srgbClr val="272320"/>
+                </a:solidFill>
+              </a:rPr>
+              <a:t>Főoldal</a:t>
+            </a:r>
+            <a:endParaRPr lang="en-US" dirty="0">
+              <a:solidFill>
+                <a:srgbClr val="272320"/>
+              </a:solidFill>
+            </a:endParaRPr>
+          </a:p>
+        </p:txBody>
+      </p:sp>
+      <p:sp>
+        <p:nvSpPr>
+          <p:cNvPr id="6" name="Téglalap: lekerekített 5">
+            <a:extLst>
+              <a:ext uri="{FF2B5EF4-FFF2-40B4-BE49-F238E27FC236}">
+                <a16:creationId xmlns:a16="http://schemas.microsoft.com/office/drawing/2014/main" id="{3FA26D5D-10B3-41E5-AD90-3795A2B29EA6}"/>
+              </a:ext>
+            </a:extLst>
+          </p:cNvPr>
+          <p:cNvSpPr/>
+          <p:nvPr/>
+        </p:nvSpPr>
+        <p:spPr>
+          <a:xfrm>
+            <a:off x="1761009" y="135985"/>
+            <a:ext cx="1267028" cy="378365"/>
+          </a:xfrm>
+          <a:prstGeom prst="roundRect">
+            <a:avLst/>
+          </a:prstGeom>
+          <a:solidFill>
+            <a:srgbClr val="D9AE69"/>
+          </a:solidFill>
+          <a:ln w="25400">
+            <a:noFill/>
+          </a:ln>
+        </p:spPr>
+        <p:style>
+          <a:lnRef idx="2">
+            <a:schemeClr val="accent1">
+              <a:shade val="50000"/>
+            </a:schemeClr>
+          </a:lnRef>
+          <a:fillRef idx="1">
+            <a:schemeClr val="accent1"/>
+          </a:fillRef>
+          <a:effectRef idx="0">
+            <a:schemeClr val="accent1"/>
+          </a:effectRef>
+          <a:fontRef idx="minor">
+            <a:schemeClr val="lt1"/>
+          </a:fontRef>
+        </p:style>
+        <p:txBody>
+          <a:bodyPr rtlCol="0" anchor="ctr"/>
+          <a:lstStyle/>
+          <a:p>
+            <a:pPr algn="ctr"/>
+            <a:r>
+              <a:rPr lang="hu-HU" dirty="0">
+                <a:solidFill>
+                  <a:srgbClr val="272320"/>
+                </a:solidFill>
+              </a:rPr>
+              <a:t>Kereső</a:t>
+            </a:r>
+            <a:endParaRPr lang="en-US" dirty="0">
+              <a:solidFill>
+                <a:srgbClr val="272320"/>
+              </a:solidFill>
+            </a:endParaRPr>
+          </a:p>
+        </p:txBody>
+      </p:sp>
+      <p:sp>
+        <p:nvSpPr>
+          <p:cNvPr id="7" name="Téglalap: lekerekített 6">
+            <a:extLst>
+              <a:ext uri="{FF2B5EF4-FFF2-40B4-BE49-F238E27FC236}">
+                <a16:creationId xmlns:a16="http://schemas.microsoft.com/office/drawing/2014/main" id="{1D2B0348-42C5-4CAC-ADE0-3D07B740285F}"/>
+              </a:ext>
+            </a:extLst>
+          </p:cNvPr>
+          <p:cNvSpPr/>
+          <p:nvPr/>
+        </p:nvSpPr>
+        <p:spPr>
+          <a:xfrm>
+            <a:off x="3226944" y="135985"/>
+            <a:ext cx="2183255" cy="378365"/>
+          </a:xfrm>
+          <a:prstGeom prst="roundRect">
+            <a:avLst/>
+          </a:prstGeom>
+          <a:solidFill>
+            <a:srgbClr val="D9AE69"/>
+          </a:solidFill>
+          <a:ln w="25400">
+            <a:noFill/>
+          </a:ln>
+        </p:spPr>
+        <p:style>
+          <a:lnRef idx="2">
+            <a:schemeClr val="accent1">
+              <a:shade val="50000"/>
+            </a:schemeClr>
+          </a:lnRef>
+          <a:fillRef idx="1">
+            <a:schemeClr val="accent1"/>
+          </a:fillRef>
+          <a:effectRef idx="0">
+            <a:schemeClr val="accent1"/>
+          </a:effectRef>
+          <a:fontRef idx="minor">
+            <a:schemeClr val="lt1"/>
+          </a:fontRef>
+        </p:style>
+        <p:txBody>
+          <a:bodyPr rtlCol="0" anchor="ctr"/>
+          <a:lstStyle/>
+          <a:p>
+            <a:pPr algn="ctr"/>
+            <a:r>
+              <a:rPr lang="hu-HU" dirty="0">
+                <a:solidFill>
+                  <a:srgbClr val="272320"/>
+                </a:solidFill>
+              </a:rPr>
+              <a:t>Adatok módosítása</a:t>
+            </a:r>
+            <a:endParaRPr lang="en-US" dirty="0">
+              <a:solidFill>
+                <a:srgbClr val="272320"/>
+              </a:solidFill>
+            </a:endParaRPr>
+          </a:p>
+        </p:txBody>
+      </p:sp>
+      <p:sp>
+        <p:nvSpPr>
+          <p:cNvPr id="16" name="Téglalap: lekerekített 15">
+            <a:extLst>
+              <a:ext uri="{FF2B5EF4-FFF2-40B4-BE49-F238E27FC236}">
+                <a16:creationId xmlns:a16="http://schemas.microsoft.com/office/drawing/2014/main" id="{4340C965-40EF-4382-B335-FC311427A6E6}"/>
+              </a:ext>
+            </a:extLst>
+          </p:cNvPr>
+          <p:cNvSpPr/>
+          <p:nvPr/>
+        </p:nvSpPr>
+        <p:spPr>
+          <a:xfrm>
+            <a:off x="456998" y="1993360"/>
+            <a:ext cx="2929699" cy="635540"/>
+          </a:xfrm>
+          <a:prstGeom prst="roundRect">
+            <a:avLst/>
+          </a:prstGeom>
+          <a:solidFill>
+            <a:srgbClr val="D9AE69"/>
+          </a:solidFill>
+          <a:ln w="25400">
+            <a:noFill/>
+          </a:ln>
+        </p:spPr>
+        <p:style>
+          <a:lnRef idx="2">
+            <a:schemeClr val="accent1">
+              <a:shade val="50000"/>
+            </a:schemeClr>
+          </a:lnRef>
+          <a:fillRef idx="1">
+            <a:schemeClr val="accent1"/>
+          </a:fillRef>
+          <a:effectRef idx="0">
+            <a:schemeClr val="accent1"/>
+          </a:effectRef>
+          <a:fontRef idx="minor">
+            <a:schemeClr val="lt1"/>
+          </a:fontRef>
+        </p:style>
+        <p:txBody>
+          <a:bodyPr rtlCol="0" anchor="ctr"/>
+          <a:lstStyle/>
+          <a:p>
+            <a:pPr algn="ctr"/>
+            <a:endParaRPr lang="en-US" dirty="0"/>
+          </a:p>
+        </p:txBody>
+      </p:sp>
+      <p:sp>
+        <p:nvSpPr>
+          <p:cNvPr id="17" name="Téglalap: lekerekített 16">
+            <a:extLst>
+              <a:ext uri="{FF2B5EF4-FFF2-40B4-BE49-F238E27FC236}">
+                <a16:creationId xmlns:a16="http://schemas.microsoft.com/office/drawing/2014/main" id="{273D806E-3D32-47C1-8F49-BC7C6D9B2621}"/>
+              </a:ext>
+            </a:extLst>
+          </p:cNvPr>
+          <p:cNvSpPr/>
+          <p:nvPr/>
+        </p:nvSpPr>
+        <p:spPr>
+          <a:xfrm>
+            <a:off x="447472" y="1109990"/>
+            <a:ext cx="2929699" cy="635540"/>
+          </a:xfrm>
+          <a:prstGeom prst="roundRect">
+            <a:avLst/>
+          </a:prstGeom>
+          <a:solidFill>
+            <a:srgbClr val="D9AE69"/>
+          </a:solidFill>
+          <a:ln w="25400">
+            <a:noFill/>
+          </a:ln>
+        </p:spPr>
+        <p:style>
+          <a:lnRef idx="2">
+            <a:schemeClr val="accent1">
+              <a:shade val="50000"/>
+            </a:schemeClr>
+          </a:lnRef>
+          <a:fillRef idx="1">
+            <a:schemeClr val="accent1"/>
+          </a:fillRef>
+          <a:effectRef idx="0">
+            <a:schemeClr val="accent1"/>
+          </a:effectRef>
+          <a:fontRef idx="minor">
+            <a:schemeClr val="lt1"/>
+          </a:fontRef>
+        </p:style>
+        <p:txBody>
+          <a:bodyPr rtlCol="0" anchor="ctr"/>
+          <a:lstStyle/>
+          <a:p>
+            <a:r>
+              <a:rPr lang="hu-HU" sz="2800" dirty="0">
+                <a:solidFill>
+                  <a:srgbClr val="272320"/>
+                </a:solidFill>
+              </a:rPr>
+              <a:t>Adat hozzáadása</a:t>
+            </a:r>
+            <a:endParaRPr lang="en-US" sz="2800" dirty="0">
+              <a:solidFill>
+                <a:srgbClr val="272320"/>
+              </a:solidFill>
+            </a:endParaRPr>
+          </a:p>
+        </p:txBody>
+      </p:sp>
+      <p:sp>
+        <p:nvSpPr>
+          <p:cNvPr id="19" name="Szövegdoboz 18">
+            <a:extLst>
+              <a:ext uri="{FF2B5EF4-FFF2-40B4-BE49-F238E27FC236}">
+                <a16:creationId xmlns:a16="http://schemas.microsoft.com/office/drawing/2014/main" id="{DB3466B2-8A61-4CA1-8A42-C406DFD170AF}"/>
+              </a:ext>
+            </a:extLst>
+          </p:cNvPr>
+          <p:cNvSpPr txBox="1"/>
+          <p:nvPr/>
+        </p:nvSpPr>
+        <p:spPr>
+          <a:xfrm>
+            <a:off x="456998" y="2059463"/>
+            <a:ext cx="2311082" cy="523220"/>
+          </a:xfrm>
+          <a:prstGeom prst="rect">
+            <a:avLst/>
+          </a:prstGeom>
+          <a:noFill/>
+        </p:spPr>
+        <p:txBody>
+          <a:bodyPr wrap="none" rtlCol="0">
+            <a:spAutoFit/>
+          </a:bodyPr>
+          <a:lstStyle/>
+          <a:p>
+            <a:r>
+              <a:rPr lang="hu-HU" sz="2800" dirty="0">
+                <a:solidFill>
+                  <a:srgbClr val="272320"/>
+                </a:solidFill>
+              </a:rPr>
+              <a:t>Adatok törlése</a:t>
+            </a:r>
+            <a:endParaRPr lang="en-US" sz="2800" dirty="0">
+              <a:solidFill>
+                <a:srgbClr val="272320"/>
+              </a:solidFill>
+            </a:endParaRPr>
+          </a:p>
+        </p:txBody>
+      </p:sp>
+      <p:sp>
+        <p:nvSpPr>
+          <p:cNvPr id="20" name="Téglalap: lekerekített 19">
+            <a:extLst>
+              <a:ext uri="{FF2B5EF4-FFF2-40B4-BE49-F238E27FC236}">
+                <a16:creationId xmlns:a16="http://schemas.microsoft.com/office/drawing/2014/main" id="{98226C1A-77D3-4473-8360-83B3102BDA77}"/>
+              </a:ext>
+            </a:extLst>
+          </p:cNvPr>
+          <p:cNvSpPr/>
+          <p:nvPr/>
+        </p:nvSpPr>
+        <p:spPr>
+          <a:xfrm>
+            <a:off x="447473" y="2876730"/>
+            <a:ext cx="2929699" cy="635540"/>
+          </a:xfrm>
+          <a:prstGeom prst="roundRect">
+            <a:avLst/>
+          </a:prstGeom>
+          <a:solidFill>
+            <a:srgbClr val="D9AE69"/>
+          </a:solidFill>
+          <a:ln w="25400">
+            <a:noFill/>
+          </a:ln>
+        </p:spPr>
+        <p:style>
+          <a:lnRef idx="2">
+            <a:schemeClr val="accent1">
+              <a:shade val="50000"/>
+            </a:schemeClr>
+          </a:lnRef>
+          <a:fillRef idx="1">
+            <a:schemeClr val="accent1"/>
+          </a:fillRef>
+          <a:effectRef idx="0">
+            <a:schemeClr val="accent1"/>
+          </a:effectRef>
+          <a:fontRef idx="minor">
+            <a:schemeClr val="lt1"/>
+          </a:fontRef>
+        </p:style>
+        <p:txBody>
+          <a:bodyPr rtlCol="0" anchor="ctr"/>
+          <a:lstStyle/>
+          <a:p>
+            <a:pPr algn="ctr"/>
+            <a:endParaRPr lang="en-US"/>
+          </a:p>
+        </p:txBody>
+      </p:sp>
+      <p:sp>
+        <p:nvSpPr>
+          <p:cNvPr id="21" name="Szövegdoboz 20">
+            <a:extLst>
+              <a:ext uri="{FF2B5EF4-FFF2-40B4-BE49-F238E27FC236}">
+                <a16:creationId xmlns:a16="http://schemas.microsoft.com/office/drawing/2014/main" id="{7F6A30B9-F1EB-47D9-B780-3EDA35A8015D}"/>
+              </a:ext>
+            </a:extLst>
+          </p:cNvPr>
+          <p:cNvSpPr txBox="1"/>
+          <p:nvPr/>
+        </p:nvSpPr>
+        <p:spPr>
+          <a:xfrm>
+            <a:off x="474018" y="2941605"/>
+            <a:ext cx="2978701" cy="523220"/>
+          </a:xfrm>
+          <a:prstGeom prst="rect">
+            <a:avLst/>
+          </a:prstGeom>
+          <a:noFill/>
+        </p:spPr>
+        <p:txBody>
+          <a:bodyPr wrap="none" rtlCol="0">
+            <a:spAutoFit/>
+          </a:bodyPr>
+          <a:lstStyle/>
+          <a:p>
+            <a:r>
+              <a:rPr lang="hu-HU" sz="2800" dirty="0">
+                <a:solidFill>
+                  <a:srgbClr val="272320"/>
+                </a:solidFill>
+              </a:rPr>
+              <a:t>Adatok módosítása</a:t>
+            </a:r>
+            <a:endParaRPr lang="en-US" sz="2800" dirty="0">
+              <a:solidFill>
+                <a:srgbClr val="272320"/>
+              </a:solidFill>
+            </a:endParaRPr>
+          </a:p>
+        </p:txBody>
+      </p:sp>
+      <p:graphicFrame>
+        <p:nvGraphicFramePr>
+          <p:cNvPr id="22" name="Táblázat 21">
+            <a:extLst>
+              <a:ext uri="{FF2B5EF4-FFF2-40B4-BE49-F238E27FC236}">
+                <a16:creationId xmlns:a16="http://schemas.microsoft.com/office/drawing/2014/main" id="{A9B7A5DE-225B-4DA4-BA31-AB932649E979}"/>
+              </a:ext>
+            </a:extLst>
+          </p:cNvPr>
+          <p:cNvGraphicFramePr>
+            <a:graphicFrameLocks noGrp="1"/>
+          </p:cNvGraphicFramePr>
+          <p:nvPr>
+            <p:extLst>
+              <p:ext uri="{D42A27DB-BD31-4B8C-83A1-F6EECF244321}">
+                <p14:modId xmlns:p14="http://schemas.microsoft.com/office/powerpoint/2010/main" val="3132277496"/>
+              </p:ext>
+            </p:extLst>
+          </p:nvPr>
+        </p:nvGraphicFramePr>
+        <p:xfrm>
+          <a:off x="3971925" y="866775"/>
+          <a:ext cx="7614607" cy="5662296"/>
+        </p:xfrm>
+        <a:graphic>
+          <a:graphicData uri="http://schemas.openxmlformats.org/drawingml/2006/table">
+            <a:tbl>
+              <a:tblPr firstRow="1" bandRow="1">
+                <a:tableStyleId>{5C22544A-7EE6-4342-B048-85BDC9FD1C3A}</a:tableStyleId>
+              </a:tblPr>
+              <a:tblGrid>
+                <a:gridCol w="1735370">
+                  <a:extLst>
+                    <a:ext uri="{9D8B030D-6E8A-4147-A177-3AD203B41FA5}">
+                      <a16:colId xmlns:a16="http://schemas.microsoft.com/office/drawing/2014/main" val="2895793715"/>
+                    </a:ext>
+                  </a:extLst>
+                </a:gridCol>
+                <a:gridCol w="1735370">
+                  <a:extLst>
+                    <a:ext uri="{9D8B030D-6E8A-4147-A177-3AD203B41FA5}">
+                      <a16:colId xmlns:a16="http://schemas.microsoft.com/office/drawing/2014/main" val="3489597023"/>
+                    </a:ext>
+                  </a:extLst>
+                </a:gridCol>
+                <a:gridCol w="1735370">
+                  <a:extLst>
+                    <a:ext uri="{9D8B030D-6E8A-4147-A177-3AD203B41FA5}">
+                      <a16:colId xmlns:a16="http://schemas.microsoft.com/office/drawing/2014/main" val="3813107546"/>
+                    </a:ext>
+                  </a:extLst>
+                </a:gridCol>
+                <a:gridCol w="1735370">
+                  <a:extLst>
+                    <a:ext uri="{9D8B030D-6E8A-4147-A177-3AD203B41FA5}">
+                      <a16:colId xmlns:a16="http://schemas.microsoft.com/office/drawing/2014/main" val="3321502561"/>
+                    </a:ext>
+                  </a:extLst>
+                </a:gridCol>
+                <a:gridCol w="673127">
+                  <a:extLst>
+                    <a:ext uri="{9D8B030D-6E8A-4147-A177-3AD203B41FA5}">
+                      <a16:colId xmlns:a16="http://schemas.microsoft.com/office/drawing/2014/main" val="1330780877"/>
+                    </a:ext>
+                  </a:extLst>
+                </a:gridCol>
+              </a:tblGrid>
+              <a:tr h="5662296">
+                <a:tc>
+                  <a:txBody>
+                    <a:bodyPr/>
+                    <a:lstStyle/>
+                    <a:p>
+                      <a:pPr algn="ctr"/>
+                      <a:r>
+                        <a:rPr lang="hu-HU" dirty="0">
+                          <a:solidFill>
+                            <a:srgbClr val="272320"/>
+                          </a:solidFill>
+                        </a:rPr>
+                        <a:t>Név</a:t>
+                      </a:r>
+                      <a:endParaRPr lang="en-US" dirty="0">
+                        <a:solidFill>
+                          <a:srgbClr val="272320"/>
+                        </a:solidFill>
+                      </a:endParaRPr>
+                    </a:p>
+                  </a:txBody>
+                  <a:tcPr>
+                    <a:solidFill>
+                      <a:srgbClr val="D9AE69"/>
+                    </a:solidFill>
+                  </a:tcPr>
+                </a:tc>
+                <a:tc>
+                  <a:txBody>
+                    <a:bodyPr/>
+                    <a:lstStyle/>
+                    <a:p>
+                      <a:pPr algn="ctr"/>
+                      <a:r>
+                        <a:rPr lang="hu-HU" dirty="0">
+                          <a:solidFill>
+                            <a:srgbClr val="272320"/>
+                          </a:solidFill>
+                        </a:rPr>
+                        <a:t>Azonosító</a:t>
+                      </a:r>
+                      <a:endParaRPr lang="en-US" dirty="0">
+                        <a:solidFill>
+                          <a:srgbClr val="272320"/>
+                        </a:solidFill>
+                      </a:endParaRPr>
+                    </a:p>
+                  </a:txBody>
+                  <a:tcPr>
+                    <a:solidFill>
+                      <a:srgbClr val="D9AE69"/>
+                    </a:solidFill>
+                  </a:tcPr>
+                </a:tc>
+                <a:tc>
+                  <a:txBody>
+                    <a:bodyPr/>
+                    <a:lstStyle/>
+                    <a:p>
+                      <a:pPr algn="ctr"/>
+                      <a:r>
+                        <a:rPr lang="hu-HU" dirty="0">
+                          <a:solidFill>
+                            <a:srgbClr val="272320"/>
+                          </a:solidFill>
+                        </a:rPr>
+                        <a:t>Vércsoport</a:t>
+                      </a:r>
+                      <a:endParaRPr lang="en-US" dirty="0">
+                        <a:solidFill>
+                          <a:srgbClr val="272320"/>
+                        </a:solidFill>
+                      </a:endParaRPr>
+                    </a:p>
+                  </a:txBody>
+                  <a:tcPr>
+                    <a:solidFill>
+                      <a:srgbClr val="D9AE69"/>
+                    </a:solidFill>
+                  </a:tcPr>
+                </a:tc>
+                <a:tc>
+                  <a:txBody>
+                    <a:bodyPr/>
+                    <a:lstStyle/>
+                    <a:p>
+                      <a:pPr algn="ctr"/>
+                      <a:r>
+                        <a:rPr lang="hu-HU" dirty="0">
+                          <a:solidFill>
+                            <a:srgbClr val="272320"/>
+                          </a:solidFill>
+                        </a:rPr>
+                        <a:t>Mennyiség(ml)</a:t>
+                      </a:r>
+                      <a:endParaRPr lang="en-US" dirty="0">
+                        <a:solidFill>
+                          <a:srgbClr val="272320"/>
+                        </a:solidFill>
+                      </a:endParaRPr>
+                    </a:p>
+                  </a:txBody>
+                  <a:tcPr>
+                    <a:solidFill>
+                      <a:srgbClr val="D9AE69"/>
+                    </a:solidFill>
+                  </a:tcPr>
+                </a:tc>
+                <a:tc>
+                  <a:txBody>
+                    <a:bodyPr/>
+                    <a:lstStyle/>
+                    <a:p>
+                      <a:pPr algn="ctr"/>
+                      <a:r>
+                        <a:rPr lang="hu-HU" sz="800" dirty="0">
+                          <a:solidFill>
+                            <a:schemeClr val="tx1"/>
+                          </a:solidFill>
+                        </a:rPr>
+                        <a:t>Kiválasztás</a:t>
+                      </a:r>
+                      <a:endParaRPr lang="en-US" sz="800" dirty="0">
+                        <a:solidFill>
+                          <a:schemeClr val="tx1"/>
+                        </a:solidFill>
+                      </a:endParaRPr>
+                    </a:p>
+                  </a:txBody>
+                  <a:tcPr>
+                    <a:solidFill>
+                      <a:srgbClr val="D9AE69"/>
+                    </a:solidFill>
+                  </a:tcPr>
+                </a:tc>
+                <a:extLst>
+                  <a:ext uri="{0D108BD9-81ED-4DB2-BD59-A6C34878D82A}">
+                    <a16:rowId xmlns:a16="http://schemas.microsoft.com/office/drawing/2014/main" val="2042489510"/>
+                  </a:ext>
+                </a:extLst>
+              </a:tr>
+            </a:tbl>
+          </a:graphicData>
+        </a:graphic>
+      </p:graphicFrame>
+      <p:sp>
+        <p:nvSpPr>
+          <p:cNvPr id="12" name="Téglalap 11">
+            <a:extLst>
+              <a:ext uri="{FF2B5EF4-FFF2-40B4-BE49-F238E27FC236}">
+                <a16:creationId xmlns:a16="http://schemas.microsoft.com/office/drawing/2014/main" id="{76F24861-6EAE-4D9E-B40E-F60A71946F21}"/>
+              </a:ext>
+            </a:extLst>
+          </p:cNvPr>
+          <p:cNvSpPr/>
+          <p:nvPr/>
+        </p:nvSpPr>
+        <p:spPr>
+          <a:xfrm>
+            <a:off x="3581576" y="6205221"/>
+            <a:ext cx="323496" cy="323850"/>
+          </a:xfrm>
+          <a:prstGeom prst="rect">
+            <a:avLst/>
+          </a:prstGeom>
+          <a:noFill/>
+          <a:ln>
+            <a:solidFill>
+              <a:srgbClr val="CAC7C2"/>
+            </a:solidFill>
+          </a:ln>
+        </p:spPr>
+        <p:style>
+          <a:lnRef idx="2">
+            <a:schemeClr val="accent1">
+              <a:shade val="50000"/>
+            </a:schemeClr>
+          </a:lnRef>
+          <a:fillRef idx="1">
+            <a:schemeClr val="accent1"/>
+          </a:fillRef>
+          <a:effectRef idx="0">
+            <a:schemeClr val="accent1"/>
+          </a:effectRef>
+          <a:fontRef idx="minor">
+            <a:schemeClr val="lt1"/>
+          </a:fontRef>
+        </p:style>
+        <p:txBody>
+          <a:bodyPr rtlCol="0" anchor="ctr"/>
+          <a:lstStyle/>
+          <a:p>
+            <a:pPr algn="ctr"/>
+            <a:endParaRPr lang="en-US"/>
+          </a:p>
+        </p:txBody>
+      </p:sp>
+      <p:grpSp>
+        <p:nvGrpSpPr>
+          <p:cNvPr id="13" name="Csoportba foglalás 12">
+            <a:extLst>
+              <a:ext uri="{FF2B5EF4-FFF2-40B4-BE49-F238E27FC236}">
+                <a16:creationId xmlns:a16="http://schemas.microsoft.com/office/drawing/2014/main" id="{0E279BE0-A1AC-46A3-AC6A-5648977A1AE2}"/>
+              </a:ext>
+            </a:extLst>
+          </p:cNvPr>
+          <p:cNvGrpSpPr/>
+          <p:nvPr/>
+        </p:nvGrpSpPr>
+        <p:grpSpPr>
+          <a:xfrm>
+            <a:off x="3633698" y="6261875"/>
+            <a:ext cx="218160" cy="200520"/>
+            <a:chOff x="3805148" y="6253118"/>
+            <a:chExt cx="218160" cy="200520"/>
+          </a:xfrm>
+        </p:grpSpPr>
+        <mc:AlternateContent xmlns:mc="http://schemas.openxmlformats.org/markup-compatibility/2006" xmlns:p14="http://schemas.microsoft.com/office/powerpoint/2010/main">
+          <mc:Choice Requires="p14">
+            <p:contentPart p14:bwMode="auto" r:id="rId2">
+              <p14:nvContentPartPr>
+                <p14:cNvPr id="14" name="Szabadkéz 13">
+                  <a:extLst>
+                    <a:ext uri="{FF2B5EF4-FFF2-40B4-BE49-F238E27FC236}">
+                      <a16:creationId xmlns:a16="http://schemas.microsoft.com/office/drawing/2014/main" id="{A94FB70D-E6BF-428E-B608-733EF337A06A}"/>
+                    </a:ext>
+                  </a:extLst>
+                </p14:cNvPr>
+                <p14:cNvContentPartPr/>
+                <p14:nvPr/>
+              </p14:nvContentPartPr>
+              <p14:xfrm>
+                <a:off x="3938708" y="6253118"/>
+                <a:ext cx="84600" cy="113040"/>
+              </p14:xfrm>
+            </p:contentPart>
+          </mc:Choice>
+          <mc:Fallback xmlns="">
+            <p:pic>
+              <p:nvPicPr>
+                <p:cNvPr id="14" name="Szabadkéz 13">
+                  <a:extLst>
+                    <a:ext uri="{FF2B5EF4-FFF2-40B4-BE49-F238E27FC236}">
+                      <a16:creationId xmlns:a16="http://schemas.microsoft.com/office/drawing/2014/main" id="{A94FB70D-E6BF-428E-B608-733EF337A06A}"/>
+                    </a:ext>
+                  </a:extLst>
+                </p:cNvPr>
+                <p:cNvPicPr/>
+                <p:nvPr/>
+              </p:nvPicPr>
+              <p:blipFill>
+                <a:blip r:embed="rId3"/>
+                <a:stretch>
+                  <a:fillRect/>
+                </a:stretch>
+              </p:blipFill>
+              <p:spPr>
+                <a:xfrm>
+                  <a:off x="3934388" y="6248798"/>
+                  <a:ext cx="93240" cy="121680"/>
+                </a:xfrm>
+                <a:prstGeom prst="rect">
+                  <a:avLst/>
+                </a:prstGeom>
+              </p:spPr>
+            </p:pic>
+          </mc:Fallback>
+        </mc:AlternateContent>
+        <mc:AlternateContent xmlns:mc="http://schemas.openxmlformats.org/markup-compatibility/2006" xmlns:p14="http://schemas.microsoft.com/office/powerpoint/2010/main">
+          <mc:Choice Requires="p14">
+            <p:contentPart p14:bwMode="auto" r:id="rId4">
+              <p14:nvContentPartPr>
+                <p14:cNvPr id="15" name="Szabadkéz 14">
+                  <a:extLst>
+                    <a:ext uri="{FF2B5EF4-FFF2-40B4-BE49-F238E27FC236}">
+                      <a16:creationId xmlns:a16="http://schemas.microsoft.com/office/drawing/2014/main" id="{B6EA3122-CC80-4A0D-B25B-4D475F7F4EE6}"/>
+                    </a:ext>
+                  </a:extLst>
+                </p14:cNvPr>
+                <p14:cNvContentPartPr/>
+                <p14:nvPr/>
+              </p14:nvContentPartPr>
+              <p14:xfrm>
+                <a:off x="3842588" y="6276158"/>
+                <a:ext cx="162720" cy="77040"/>
+              </p14:xfrm>
+            </p:contentPart>
+          </mc:Choice>
+          <mc:Fallback xmlns="">
+            <p:pic>
+              <p:nvPicPr>
+                <p:cNvPr id="15" name="Szabadkéz 14">
+                  <a:extLst>
+                    <a:ext uri="{FF2B5EF4-FFF2-40B4-BE49-F238E27FC236}">
+                      <a16:creationId xmlns:a16="http://schemas.microsoft.com/office/drawing/2014/main" id="{B6EA3122-CC80-4A0D-B25B-4D475F7F4EE6}"/>
+                    </a:ext>
+                  </a:extLst>
+                </p:cNvPr>
+                <p:cNvPicPr/>
+                <p:nvPr/>
+              </p:nvPicPr>
+              <p:blipFill>
+                <a:blip r:embed="rId5"/>
+                <a:stretch>
+                  <a:fillRect/>
+                </a:stretch>
+              </p:blipFill>
+              <p:spPr>
+                <a:xfrm>
+                  <a:off x="3838268" y="6271838"/>
+                  <a:ext cx="171360" cy="85680"/>
+                </a:xfrm>
+                <a:prstGeom prst="rect">
+                  <a:avLst/>
+                </a:prstGeom>
+              </p:spPr>
+            </p:pic>
+          </mc:Fallback>
+        </mc:AlternateContent>
+        <mc:AlternateContent xmlns:mc="http://schemas.openxmlformats.org/markup-compatibility/2006" xmlns:p14="http://schemas.microsoft.com/office/powerpoint/2010/main">
+          <mc:Choice Requires="p14">
+            <p:contentPart p14:bwMode="auto" r:id="rId6">
+              <p14:nvContentPartPr>
+                <p14:cNvPr id="18" name="Szabadkéz 17">
+                  <a:extLst>
+                    <a:ext uri="{FF2B5EF4-FFF2-40B4-BE49-F238E27FC236}">
+                      <a16:creationId xmlns:a16="http://schemas.microsoft.com/office/drawing/2014/main" id="{1F9D1BB7-3D8E-4F48-9D79-9D75A5474DAC}"/>
+                    </a:ext>
+                  </a:extLst>
+                </p14:cNvPr>
+                <p14:cNvContentPartPr/>
+                <p14:nvPr/>
+              </p14:nvContentPartPr>
+              <p14:xfrm>
+                <a:off x="3805148" y="6343118"/>
+                <a:ext cx="72000" cy="86400"/>
+              </p14:xfrm>
+            </p:contentPart>
+          </mc:Choice>
+          <mc:Fallback xmlns="">
+            <p:pic>
+              <p:nvPicPr>
+                <p:cNvPr id="18" name="Szabadkéz 17">
+                  <a:extLst>
+                    <a:ext uri="{FF2B5EF4-FFF2-40B4-BE49-F238E27FC236}">
+                      <a16:creationId xmlns:a16="http://schemas.microsoft.com/office/drawing/2014/main" id="{1F9D1BB7-3D8E-4F48-9D79-9D75A5474DAC}"/>
+                    </a:ext>
+                  </a:extLst>
+                </p:cNvPr>
+                <p:cNvPicPr/>
+                <p:nvPr/>
+              </p:nvPicPr>
+              <p:blipFill>
+                <a:blip r:embed="rId7"/>
+                <a:stretch>
+                  <a:fillRect/>
+                </a:stretch>
+              </p:blipFill>
+              <p:spPr>
+                <a:xfrm>
+                  <a:off x="3800828" y="6338798"/>
+                  <a:ext cx="80640" cy="95040"/>
+                </a:xfrm>
+                <a:prstGeom prst="rect">
+                  <a:avLst/>
+                </a:prstGeom>
+              </p:spPr>
+            </p:pic>
+          </mc:Fallback>
+        </mc:AlternateContent>
+        <mc:AlternateContent xmlns:mc="http://schemas.openxmlformats.org/markup-compatibility/2006" xmlns:p14="http://schemas.microsoft.com/office/powerpoint/2010/main">
+          <mc:Choice Requires="p14">
+            <p:contentPart p14:bwMode="auto" r:id="rId8">
+              <p14:nvContentPartPr>
+                <p14:cNvPr id="23" name="Szabadkéz 22">
+                  <a:extLst>
+                    <a:ext uri="{FF2B5EF4-FFF2-40B4-BE49-F238E27FC236}">
+                      <a16:creationId xmlns:a16="http://schemas.microsoft.com/office/drawing/2014/main" id="{0FB64761-509C-4AD6-AB5B-9EAEC67A5047}"/>
+                    </a:ext>
+                  </a:extLst>
+                </p14:cNvPr>
+                <p14:cNvContentPartPr/>
+                <p14:nvPr/>
+              </p14:nvContentPartPr>
+              <p14:xfrm>
+                <a:off x="3819188" y="6352838"/>
+                <a:ext cx="173880" cy="100800"/>
+              </p14:xfrm>
+            </p:contentPart>
+          </mc:Choice>
+          <mc:Fallback xmlns="">
+            <p:pic>
+              <p:nvPicPr>
+                <p:cNvPr id="23" name="Szabadkéz 22">
+                  <a:extLst>
+                    <a:ext uri="{FF2B5EF4-FFF2-40B4-BE49-F238E27FC236}">
+                      <a16:creationId xmlns:a16="http://schemas.microsoft.com/office/drawing/2014/main" id="{0FB64761-509C-4AD6-AB5B-9EAEC67A5047}"/>
+                    </a:ext>
+                  </a:extLst>
+                </p:cNvPr>
+                <p:cNvPicPr/>
+                <p:nvPr/>
+              </p:nvPicPr>
+              <p:blipFill>
+                <a:blip r:embed="rId9"/>
+                <a:stretch>
+                  <a:fillRect/>
+                </a:stretch>
+              </p:blipFill>
+              <p:spPr>
+                <a:xfrm>
+                  <a:off x="3814868" y="6348518"/>
+                  <a:ext cx="182520" cy="109440"/>
+                </a:xfrm>
+                <a:prstGeom prst="rect">
+                  <a:avLst/>
+                </a:prstGeom>
+              </p:spPr>
+            </p:pic>
+          </mc:Fallback>
+        </mc:AlternateContent>
+      </p:grpSp>
+    </p:spTree>
+    <p:extLst>
+      <p:ext uri="{BB962C8B-B14F-4D97-AF65-F5344CB8AC3E}">
+        <p14:creationId xmlns:p14="http://schemas.microsoft.com/office/powerpoint/2010/main" val="1267143403"/>
       </p:ext>
     </p:extLst>
   </p:cSld>

--- a/Minta/szinosszeallitasok.pptx
+++ b/Minta/szinosszeallitasok.pptx
@@ -5886,7 +5886,7 @@
           <p:nvPr/>
         </p:nvPicPr>
         <p:blipFill>
-          <a:blip r:embed="rId11">
+          <a:blip r:embed="rId11" cstate="hqprint">
             <a:extLst>
               <a:ext uri="{28A0092B-C50C-407E-A947-70E740481C1C}">
                 <a14:useLocalDpi xmlns:a14="http://schemas.microsoft.com/office/drawing/2010/main" val="0"/>
@@ -5907,6 +5907,72 @@
           </a:prstGeom>
         </p:spPr>
       </p:pic>
+      <p:sp>
+        <p:nvSpPr>
+          <p:cNvPr id="27" name="Téglalap: lekerekített 6">
+            <a:extLst>
+              <a:ext uri="{FF2B5EF4-FFF2-40B4-BE49-F238E27FC236}">
+                <a16:creationId xmlns:a16="http://schemas.microsoft.com/office/drawing/2014/main" id="{1D2B0348-42C5-4CAC-ADE0-3D07B740285F}"/>
+              </a:ext>
+            </a:extLst>
+          </p:cNvPr>
+          <p:cNvSpPr/>
+          <p:nvPr/>
+        </p:nvSpPr>
+        <p:spPr>
+          <a:xfrm>
+            <a:off x="5618632" y="134938"/>
+            <a:ext cx="2192781" cy="378365"/>
+          </a:xfrm>
+          <a:prstGeom prst="roundRect">
+            <a:avLst/>
+          </a:prstGeom>
+          <a:solidFill>
+            <a:schemeClr val="tx1"/>
+          </a:solidFill>
+          <a:ln w="3175">
+            <a:noFill/>
+          </a:ln>
+        </p:spPr>
+        <p:style>
+          <a:lnRef idx="2">
+            <a:schemeClr val="accent1">
+              <a:shade val="50000"/>
+            </a:schemeClr>
+          </a:lnRef>
+          <a:fillRef idx="1">
+            <a:schemeClr val="accent1"/>
+          </a:fillRef>
+          <a:effectRef idx="0">
+            <a:schemeClr val="accent1"/>
+          </a:effectRef>
+          <a:fontRef idx="minor">
+            <a:schemeClr val="lt1"/>
+          </a:fontRef>
+        </p:style>
+        <p:txBody>
+          <a:bodyPr rtlCol="0" anchor="ctr"/>
+          <a:lstStyle/>
+          <a:p>
+            <a:pPr algn="ctr"/>
+            <a:r>
+              <a:rPr lang="hu-HU" sz="1600" dirty="0" smtClean="0">
+                <a:solidFill>
+                  <a:schemeClr val="bg1"/>
+                </a:solidFill>
+                <a:latin typeface="Corbel" panose="020B0503020204020204" pitchFamily="34" charset="0"/>
+              </a:rPr>
+              <a:t>Kórház adatok</a:t>
+            </a:r>
+            <a:endParaRPr lang="en-US" sz="1600" dirty="0">
+              <a:solidFill>
+                <a:schemeClr val="bg1"/>
+              </a:solidFill>
+              <a:latin typeface="Corbel" panose="020B0503020204020204" pitchFamily="34" charset="0"/>
+            </a:endParaRPr>
+          </a:p>
+        </p:txBody>
+      </p:sp>
     </p:spTree>
     <p:extLst>
       <p:ext uri="{BB962C8B-B14F-4D97-AF65-F5344CB8AC3E}">
@@ -8483,7 +8549,7 @@
           <p:nvPr/>
         </p:nvPicPr>
         <p:blipFill>
-          <a:blip r:embed="rId11">
+          <a:blip r:embed="rId11" cstate="hqprint">
             <a:extLst>
               <a:ext uri="{28A0092B-C50C-407E-A947-70E740481C1C}">
                 <a14:useLocalDpi xmlns:a14="http://schemas.microsoft.com/office/drawing/2010/main" val="0"/>
@@ -8504,6 +8570,72 @@
           </a:prstGeom>
         </p:spPr>
       </p:pic>
+      <p:sp>
+        <p:nvSpPr>
+          <p:cNvPr id="25" name="Téglalap: lekerekített 6">
+            <a:extLst>
+              <a:ext uri="{FF2B5EF4-FFF2-40B4-BE49-F238E27FC236}">
+                <a16:creationId xmlns:a16="http://schemas.microsoft.com/office/drawing/2014/main" id="{1D2B0348-42C5-4CAC-ADE0-3D07B740285F}"/>
+              </a:ext>
+            </a:extLst>
+          </p:cNvPr>
+          <p:cNvSpPr/>
+          <p:nvPr/>
+        </p:nvSpPr>
+        <p:spPr>
+          <a:xfrm>
+            <a:off x="5618632" y="134938"/>
+            <a:ext cx="2192781" cy="378365"/>
+          </a:xfrm>
+          <a:prstGeom prst="roundRect">
+            <a:avLst/>
+          </a:prstGeom>
+          <a:solidFill>
+            <a:schemeClr val="tx1"/>
+          </a:solidFill>
+          <a:ln w="3175">
+            <a:noFill/>
+          </a:ln>
+        </p:spPr>
+        <p:style>
+          <a:lnRef idx="2">
+            <a:schemeClr val="accent1">
+              <a:shade val="50000"/>
+            </a:schemeClr>
+          </a:lnRef>
+          <a:fillRef idx="1">
+            <a:schemeClr val="accent1"/>
+          </a:fillRef>
+          <a:effectRef idx="0">
+            <a:schemeClr val="accent1"/>
+          </a:effectRef>
+          <a:fontRef idx="minor">
+            <a:schemeClr val="lt1"/>
+          </a:fontRef>
+        </p:style>
+        <p:txBody>
+          <a:bodyPr rtlCol="0" anchor="ctr"/>
+          <a:lstStyle/>
+          <a:p>
+            <a:pPr algn="ctr"/>
+            <a:r>
+              <a:rPr lang="hu-HU" sz="1600" dirty="0" smtClean="0">
+                <a:solidFill>
+                  <a:schemeClr val="bg1"/>
+                </a:solidFill>
+                <a:latin typeface="Corbel" panose="020B0503020204020204" pitchFamily="34" charset="0"/>
+              </a:rPr>
+              <a:t>Kórház adatok</a:t>
+            </a:r>
+            <a:endParaRPr lang="en-US" sz="1600" dirty="0">
+              <a:solidFill>
+                <a:schemeClr val="bg1"/>
+              </a:solidFill>
+              <a:latin typeface="Corbel" panose="020B0503020204020204" pitchFamily="34" charset="0"/>
+            </a:endParaRPr>
+          </a:p>
+        </p:txBody>
+      </p:sp>
     </p:spTree>
     <p:extLst>
       <p:ext uri="{BB962C8B-B14F-4D97-AF65-F5344CB8AC3E}">
@@ -8592,6 +8724,10 @@
           <a:lstStyle/>
           <a:p>
             <a:pPr algn="ctr"/>
+            <a:r>
+              <a:rPr lang="hu-HU" dirty="0" smtClean="0"/>
+              <a:t>ó</a:t>
+            </a:r>
             <a:endParaRPr lang="en-US" dirty="0"/>
           </a:p>
         </p:txBody>
@@ -10415,7 +10551,7 @@
           <p:nvPr/>
         </p:nvPicPr>
         <p:blipFill>
-          <a:blip r:embed="rId6">
+          <a:blip r:embed="rId6" cstate="hqprint">
             <a:extLst>
               <a:ext uri="{28A0092B-C50C-407E-A947-70E740481C1C}">
                 <a14:useLocalDpi xmlns:a14="http://schemas.microsoft.com/office/drawing/2010/main" val="0"/>
@@ -11363,8 +11499,8 @@
           </a:graphicData>
         </a:graphic>
       </p:graphicFrame>
-      <mc:AlternateContent xmlns:mc="http://schemas.openxmlformats.org/markup-compatibility/2006">
-        <mc:Choice xmlns:p14="http://schemas.microsoft.com/office/powerpoint/2010/main" Requires="p14">
+      <mc:AlternateContent xmlns:mc="http://schemas.openxmlformats.org/markup-compatibility/2006" xmlns:p14="http://schemas.microsoft.com/office/powerpoint/2010/main">
+        <mc:Choice Requires="p14">
           <p:contentPart p14:bwMode="auto" r:id="rId7">
             <p14:nvContentPartPr>
               <p14:cNvPr id="8" name="Szabadkéz 7">
@@ -11383,7 +11519,7 @@
             </p14:xfrm>
           </p:contentPart>
         </mc:Choice>
-        <mc:Fallback>
+        <mc:Fallback xmlns="">
           <p:pic>
             <p:nvPicPr>
               <p:cNvPr id="8" name="Szabadkéz 7">
@@ -11414,8 +11550,8 @@
           </p:pic>
         </mc:Fallback>
       </mc:AlternateContent>
-      <mc:AlternateContent xmlns:mc="http://schemas.openxmlformats.org/markup-compatibility/2006">
-        <mc:Choice xmlns:p14="http://schemas.microsoft.com/office/powerpoint/2010/main" Requires="p14">
+      <mc:AlternateContent xmlns:mc="http://schemas.openxmlformats.org/markup-compatibility/2006" xmlns:p14="http://schemas.microsoft.com/office/powerpoint/2010/main">
+        <mc:Choice Requires="p14">
           <p:contentPart p14:bwMode="auto" r:id="rId9">
             <p14:nvContentPartPr>
               <p14:cNvPr id="9" name="Szabadkéz 8">
@@ -11434,7 +11570,7 @@
             </p14:xfrm>
           </p:contentPart>
         </mc:Choice>
-        <mc:Fallback>
+        <mc:Fallback xmlns="">
           <p:pic>
             <p:nvPicPr>
               <p:cNvPr id="9" name="Szabadkéz 8">
@@ -11465,6 +11601,72 @@
           </p:pic>
         </mc:Fallback>
       </mc:AlternateContent>
+      <p:sp>
+        <p:nvSpPr>
+          <p:cNvPr id="24" name="Téglalap: lekerekített 6">
+            <a:extLst>
+              <a:ext uri="{FF2B5EF4-FFF2-40B4-BE49-F238E27FC236}">
+                <a16:creationId xmlns:a16="http://schemas.microsoft.com/office/drawing/2014/main" id="{1D2B0348-42C5-4CAC-ADE0-3D07B740285F}"/>
+              </a:ext>
+            </a:extLst>
+          </p:cNvPr>
+          <p:cNvSpPr/>
+          <p:nvPr/>
+        </p:nvSpPr>
+        <p:spPr>
+          <a:xfrm>
+            <a:off x="5618632" y="134938"/>
+            <a:ext cx="2192781" cy="378365"/>
+          </a:xfrm>
+          <a:prstGeom prst="roundRect">
+            <a:avLst/>
+          </a:prstGeom>
+          <a:solidFill>
+            <a:schemeClr val="tx1"/>
+          </a:solidFill>
+          <a:ln w="3175">
+            <a:noFill/>
+          </a:ln>
+        </p:spPr>
+        <p:style>
+          <a:lnRef idx="2">
+            <a:schemeClr val="accent1">
+              <a:shade val="50000"/>
+            </a:schemeClr>
+          </a:lnRef>
+          <a:fillRef idx="1">
+            <a:schemeClr val="accent1"/>
+          </a:fillRef>
+          <a:effectRef idx="0">
+            <a:schemeClr val="accent1"/>
+          </a:effectRef>
+          <a:fontRef idx="minor">
+            <a:schemeClr val="lt1"/>
+          </a:fontRef>
+        </p:style>
+        <p:txBody>
+          <a:bodyPr rtlCol="0" anchor="ctr"/>
+          <a:lstStyle/>
+          <a:p>
+            <a:pPr algn="ctr"/>
+            <a:r>
+              <a:rPr lang="hu-HU" sz="1600" dirty="0" smtClean="0">
+                <a:solidFill>
+                  <a:schemeClr val="bg1"/>
+                </a:solidFill>
+                <a:latin typeface="Corbel" panose="020B0503020204020204" pitchFamily="34" charset="0"/>
+              </a:rPr>
+              <a:t>Kórház adatok</a:t>
+            </a:r>
+            <a:endParaRPr lang="en-US" sz="1600" dirty="0">
+              <a:solidFill>
+                <a:schemeClr val="bg1"/>
+              </a:solidFill>
+              <a:latin typeface="Corbel" panose="020B0503020204020204" pitchFamily="34" charset="0"/>
+            </a:endParaRPr>
+          </a:p>
+        </p:txBody>
+      </p:sp>
     </p:spTree>
     <p:extLst>
       <p:ext uri="{BB962C8B-B14F-4D97-AF65-F5344CB8AC3E}">
@@ -12788,7 +12990,7 @@
           <p:nvPr/>
         </p:nvPicPr>
         <p:blipFill>
-          <a:blip r:embed="rId6">
+          <a:blip r:embed="rId6" cstate="hqprint">
             <a:extLst>
               <a:ext uri="{28A0092B-C50C-407E-A947-70E740481C1C}">
                 <a14:useLocalDpi xmlns:a14="http://schemas.microsoft.com/office/drawing/2010/main" val="0"/>
@@ -12809,6 +13011,72 @@
           </a:prstGeom>
         </p:spPr>
       </p:pic>
+      <p:sp>
+        <p:nvSpPr>
+          <p:cNvPr id="26" name="Téglalap: lekerekített 6">
+            <a:extLst>
+              <a:ext uri="{FF2B5EF4-FFF2-40B4-BE49-F238E27FC236}">
+                <a16:creationId xmlns:a16="http://schemas.microsoft.com/office/drawing/2014/main" id="{1D2B0348-42C5-4CAC-ADE0-3D07B740285F}"/>
+              </a:ext>
+            </a:extLst>
+          </p:cNvPr>
+          <p:cNvSpPr/>
+          <p:nvPr/>
+        </p:nvSpPr>
+        <p:spPr>
+          <a:xfrm>
+            <a:off x="5618632" y="134938"/>
+            <a:ext cx="2192781" cy="378365"/>
+          </a:xfrm>
+          <a:prstGeom prst="roundRect">
+            <a:avLst/>
+          </a:prstGeom>
+          <a:solidFill>
+            <a:schemeClr val="tx1"/>
+          </a:solidFill>
+          <a:ln w="3175">
+            <a:noFill/>
+          </a:ln>
+        </p:spPr>
+        <p:style>
+          <a:lnRef idx="2">
+            <a:schemeClr val="accent1">
+              <a:shade val="50000"/>
+            </a:schemeClr>
+          </a:lnRef>
+          <a:fillRef idx="1">
+            <a:schemeClr val="accent1"/>
+          </a:fillRef>
+          <a:effectRef idx="0">
+            <a:schemeClr val="accent1"/>
+          </a:effectRef>
+          <a:fontRef idx="minor">
+            <a:schemeClr val="lt1"/>
+          </a:fontRef>
+        </p:style>
+        <p:txBody>
+          <a:bodyPr rtlCol="0" anchor="ctr"/>
+          <a:lstStyle/>
+          <a:p>
+            <a:pPr algn="ctr"/>
+            <a:r>
+              <a:rPr lang="hu-HU" sz="1600" dirty="0" smtClean="0">
+                <a:solidFill>
+                  <a:schemeClr val="bg1"/>
+                </a:solidFill>
+                <a:latin typeface="Corbel" panose="020B0503020204020204" pitchFamily="34" charset="0"/>
+              </a:rPr>
+              <a:t>Kórház adatok</a:t>
+            </a:r>
+            <a:endParaRPr lang="en-US" sz="1600" dirty="0">
+              <a:solidFill>
+                <a:schemeClr val="bg1"/>
+              </a:solidFill>
+              <a:latin typeface="Corbel" panose="020B0503020204020204" pitchFamily="34" charset="0"/>
+            </a:endParaRPr>
+          </a:p>
+        </p:txBody>
+      </p:sp>
     </p:spTree>
     <p:extLst>
       <p:ext uri="{BB962C8B-B14F-4D97-AF65-F5344CB8AC3E}">

--- a/Minta/szinosszeallitasok.pptx
+++ b/Minta/szinosszeallitasok.pptx
@@ -6,9 +6,7 @@
   </p:sldMasterIdLst>
   <p:sldIdLst>
     <p:sldId id="261" r:id="rId2"/>
-    <p:sldId id="262" r:id="rId3"/>
-    <p:sldId id="263" r:id="rId4"/>
-    <p:sldId id="264" r:id="rId5"/>
+    <p:sldId id="264" r:id="rId3"/>
   </p:sldIdLst>
   <p:sldSz cx="12192000" cy="6858000"/>
   <p:notesSz cx="6858000" cy="9144000"/>
@@ -159,146 +157,6 @@
           <inkml:channelProperty channel="F" name="resolution" value="0" units="1/dev"/>
         </inkml:channelProperties>
       </inkml:inkSource>
-      <inkml:timestamp xml:id="ts0" timeString="2022-03-20T13:20:22.982"/>
-    </inkml:context>
-    <inkml:brush xml:id="br0">
-      <inkml:brushProperty name="width" value="0.025" units="cm"/>
-      <inkml:brushProperty name="height" value="0.025" units="cm"/>
-      <inkml:brushProperty name="color" value="#E71224"/>
-    </inkml:brush>
-  </inkml:definitions>
-  <inkml:trace contextRef="#ctx0" brushRef="#br0">0 0 24575,'5'0'0,"1"0"-8191</inkml:trace>
-</inkml:ink>
-</file>
-
-<file path=ppt/ink/ink11.xml><?xml version="1.0" encoding="utf-8"?>
-<inkml:ink xmlns:inkml="http://www.w3.org/2003/InkML">
-  <inkml:definitions>
-    <inkml:context xml:id="ctx0">
-      <inkml:inkSource xml:id="inkSrc0">
-        <inkml:traceFormat>
-          <inkml:channel name="X" type="integer" min="-2.14748E9" max="2.14748E9" units="cm"/>
-          <inkml:channel name="Y" type="integer" min="-2.14748E9" max="2.14748E9" units="cm"/>
-          <inkml:channel name="F" type="integer" max="32767" units="dev"/>
-        </inkml:traceFormat>
-        <inkml:channelProperties>
-          <inkml:channelProperty channel="X" name="resolution" value="1000" units="1/cm"/>
-          <inkml:channelProperty channel="Y" name="resolution" value="1000" units="1/cm"/>
-          <inkml:channelProperty channel="F" name="resolution" value="0" units="1/dev"/>
-        </inkml:channelProperties>
-      </inkml:inkSource>
-      <inkml:timestamp xml:id="ts0" timeString="2022-03-20T13:20:23.664"/>
-    </inkml:context>
-    <inkml:brush xml:id="br0">
-      <inkml:brushProperty name="width" value="0.025" units="cm"/>
-      <inkml:brushProperty name="height" value="0.025" units="cm"/>
-      <inkml:brushProperty name="color" value="#E71224"/>
-    </inkml:brush>
-  </inkml:definitions>
-  <inkml:trace contextRef="#ctx0" brushRef="#br0">0 0 24575,'0'0'-8191</inkml:trace>
-</inkml:ink>
-</file>
-
-<file path=ppt/ink/ink12.xml><?xml version="1.0" encoding="utf-8"?>
-<inkml:ink xmlns:inkml="http://www.w3.org/2003/InkML">
-  <inkml:definitions>
-    <inkml:context xml:id="ctx0">
-      <inkml:inkSource xml:id="inkSrc0">
-        <inkml:traceFormat>
-          <inkml:channel name="X" type="integer" min="-2.14748E9" max="2.14748E9" units="cm"/>
-          <inkml:channel name="Y" type="integer" min="-2.14748E9" max="2.14748E9" units="cm"/>
-          <inkml:channel name="F" type="integer" max="32767" units="dev"/>
-        </inkml:traceFormat>
-        <inkml:channelProperties>
-          <inkml:channelProperty channel="X" name="resolution" value="1000" units="1/cm"/>
-          <inkml:channelProperty channel="Y" name="resolution" value="1000" units="1/cm"/>
-          <inkml:channelProperty channel="F" name="resolution" value="0" units="1/dev"/>
-        </inkml:channelProperties>
-      </inkml:inkSource>
-      <inkml:timestamp xml:id="ts0" timeString="2022-03-20T13:20:35.794"/>
-    </inkml:context>
-    <inkml:brush xml:id="br0">
-      <inkml:brushProperty name="width" value="0.025" units="cm"/>
-      <inkml:brushProperty name="height" value="0.025" units="cm"/>
-      <inkml:brushProperty name="color" value="#E71224"/>
-    </inkml:brush>
-  </inkml:definitions>
-  <inkml:trace contextRef="#ctx0" brushRef="#br0">0 11 24575,'0'-4'0,"0"-2"-8191</inkml:trace>
-</inkml:ink>
-</file>
-
-<file path=ppt/ink/ink13.xml><?xml version="1.0" encoding="utf-8"?>
-<inkml:ink xmlns:inkml="http://www.w3.org/2003/InkML">
-  <inkml:definitions>
-    <inkml:context xml:id="ctx0">
-      <inkml:inkSource xml:id="inkSrc0">
-        <inkml:traceFormat>
-          <inkml:channel name="X" type="integer" min="-2.14748E9" max="2.14748E9" units="cm"/>
-          <inkml:channel name="Y" type="integer" min="-2.14748E9" max="2.14748E9" units="cm"/>
-          <inkml:channel name="F" type="integer" max="32767" units="dev"/>
-        </inkml:traceFormat>
-        <inkml:channelProperties>
-          <inkml:channelProperty channel="X" name="resolution" value="1000" units="1/cm"/>
-          <inkml:channelProperty channel="Y" name="resolution" value="1000" units="1/cm"/>
-          <inkml:channelProperty channel="F" name="resolution" value="0" units="1/dev"/>
-        </inkml:channelProperties>
-      </inkml:inkSource>
-      <inkml:timestamp xml:id="ts0" timeString="2022-03-20T13:20:05.416"/>
-    </inkml:context>
-    <inkml:brush xml:id="br0">
-      <inkml:brushProperty name="width" value="0.025" units="cm"/>
-      <inkml:brushProperty name="height" value="0.025" units="cm"/>
-      <inkml:brushProperty name="color" value="#E71224"/>
-    </inkml:brush>
-  </inkml:definitions>
-  <inkml:trace contextRef="#ctx0" brushRef="#br0">0 1 24575,'0'0'-8191</inkml:trace>
-</inkml:ink>
-</file>
-
-<file path=ppt/ink/ink14.xml><?xml version="1.0" encoding="utf-8"?>
-<inkml:ink xmlns:inkml="http://www.w3.org/2003/InkML">
-  <inkml:definitions>
-    <inkml:context xml:id="ctx0">
-      <inkml:inkSource xml:id="inkSrc0">
-        <inkml:traceFormat>
-          <inkml:channel name="X" type="integer" min="-2.14748E9" max="2.14748E9" units="cm"/>
-          <inkml:channel name="Y" type="integer" min="-2.14748E9" max="2.14748E9" units="cm"/>
-          <inkml:channel name="F" type="integer" max="32767" units="dev"/>
-        </inkml:traceFormat>
-        <inkml:channelProperties>
-          <inkml:channelProperty channel="X" name="resolution" value="1000" units="1/cm"/>
-          <inkml:channelProperty channel="Y" name="resolution" value="1000" units="1/cm"/>
-          <inkml:channelProperty channel="F" name="resolution" value="0" units="1/dev"/>
-        </inkml:channelProperties>
-      </inkml:inkSource>
-      <inkml:timestamp xml:id="ts0" timeString="2022-03-20T13:20:06.176"/>
-    </inkml:context>
-    <inkml:brush xml:id="br0">
-      <inkml:brushProperty name="width" value="0.025" units="cm"/>
-      <inkml:brushProperty name="height" value="0.025" units="cm"/>
-      <inkml:brushProperty name="color" value="#E71224"/>
-    </inkml:brush>
-  </inkml:definitions>
-  <inkml:trace contextRef="#ctx0" brushRef="#br0">0 1 24575,'0'0'-8191</inkml:trace>
-</inkml:ink>
-</file>
-
-<file path=ppt/ink/ink15.xml><?xml version="1.0" encoding="utf-8"?>
-<inkml:ink xmlns:inkml="http://www.w3.org/2003/InkML">
-  <inkml:definitions>
-    <inkml:context xml:id="ctx0">
-      <inkml:inkSource xml:id="inkSrc0">
-        <inkml:traceFormat>
-          <inkml:channel name="X" type="integer" min="-2.14748E9" max="2.14748E9" units="cm"/>
-          <inkml:channel name="Y" type="integer" min="-2.14748E9" max="2.14748E9" units="cm"/>
-          <inkml:channel name="F" type="integer" max="32767" units="dev"/>
-        </inkml:traceFormat>
-        <inkml:channelProperties>
-          <inkml:channelProperty channel="X" name="resolution" value="1000" units="1/cm"/>
-          <inkml:channelProperty channel="Y" name="resolution" value="1000" units="1/cm"/>
-          <inkml:channelProperty channel="F" name="resolution" value="0" units="1/dev"/>
-        </inkml:channelProperties>
-      </inkml:inkSource>
       <inkml:timestamp xml:id="ts0" timeString="2022-03-20T13:20:08.369"/>
     </inkml:context>
     <inkml:brush xml:id="br0">
@@ -308,116 +166,6 @@
     </inkml:brush>
   </inkml:definitions>
   <inkml:trace contextRef="#ctx0" brushRef="#br0">1 1 24575,'0'0'-8191</inkml:trace>
-</inkml:ink>
-</file>
-
-<file path=ppt/ink/ink16.xml><?xml version="1.0" encoding="utf-8"?>
-<inkml:ink xmlns:inkml="http://www.w3.org/2003/InkML">
-  <inkml:definitions>
-    <inkml:context xml:id="ctx0">
-      <inkml:inkSource xml:id="inkSrc0">
-        <inkml:traceFormat>
-          <inkml:channel name="X" type="integer" min="-2.14748E9" max="2.14748E9" units="cm"/>
-          <inkml:channel name="Y" type="integer" min="-2.14748E9" max="2.14748E9" units="cm"/>
-          <inkml:channel name="F" type="integer" max="32767" units="dev"/>
-        </inkml:traceFormat>
-        <inkml:channelProperties>
-          <inkml:channelProperty channel="X" name="resolution" value="1000" units="1/cm"/>
-          <inkml:channelProperty channel="Y" name="resolution" value="1000" units="1/cm"/>
-          <inkml:channelProperty channel="F" name="resolution" value="0" units="1/dev"/>
-        </inkml:channelProperties>
-      </inkml:inkSource>
-      <inkml:timestamp xml:id="ts0" timeString="2022-04-03T18:06:31.586"/>
-    </inkml:context>
-    <inkml:brush xml:id="br0">
-      <inkml:brushProperty name="width" value="0.025" units="cm"/>
-      <inkml:brushProperty name="height" value="0.025" units="cm"/>
-    </inkml:brush>
-  </inkml:definitions>
-  <inkml:trace contextRef="#ctx0" brushRef="#br0">1 184 24575,'-1'30'0,"2"0"0,1-1 0,1 1 0,2-1 0,1 1 0,1-2 0,1 1 0,15 33 0,-7-21 0,-3 0 0,18 87 0,-30-120 0,0-6 0,-1 0 0,1 0 0,-1 1 0,1-1 0,0 0 0,-1 0 0,1 0 0,0 0 0,1 0 0,-1 0 0,0 0 0,0 0 0,1-1 0,-1 1 0,1 0 0,0-1 0,-1 1 0,1-1 0,0 0 0,0 0 0,3 2 0,-2-2 0,0 0 0,1 0 0,-1-1 0,0 1 0,1-1 0,-1 0 0,1 0 0,-1 0 0,0-1 0,1 1 0,-1-1 0,7-2 0,8-3 0,0-2 0,-1 0 0,0-1 0,17-13 0,-20 14 0,172-126 0,-34 36 0,-20 23 0,-78 42 0,-31 20 0,0-1 0,26-21 0,139-104 0,-50 45 0,-44 56-1365,-89 34-5461</inkml:trace>
-</inkml:ink>
-</file>
-
-<file path=ppt/ink/ink17.xml><?xml version="1.0" encoding="utf-8"?>
-<inkml:ink xmlns:inkml="http://www.w3.org/2003/InkML">
-  <inkml:definitions>
-    <inkml:context xml:id="ctx0">
-      <inkml:inkSource xml:id="inkSrc0">
-        <inkml:traceFormat>
-          <inkml:channel name="X" type="integer" min="-2.14748E9" max="2.14748E9" units="cm"/>
-          <inkml:channel name="Y" type="integer" min="-2.14748E9" max="2.14748E9" units="cm"/>
-          <inkml:channel name="F" type="integer" max="32767" units="dev"/>
-        </inkml:traceFormat>
-        <inkml:channelProperties>
-          <inkml:channelProperty channel="X" name="resolution" value="1000" units="1/cm"/>
-          <inkml:channelProperty channel="Y" name="resolution" value="1000" units="1/cm"/>
-          <inkml:channelProperty channel="F" name="resolution" value="0" units="1/dev"/>
-        </inkml:channelProperties>
-      </inkml:inkSource>
-      <inkml:timestamp xml:id="ts0" timeString="2022-04-03T18:06:32.407"/>
-    </inkml:context>
-    <inkml:brush xml:id="br0">
-      <inkml:brushProperty name="width" value="0.025" units="cm"/>
-      <inkml:brushProperty name="height" value="0.025" units="cm"/>
-    </inkml:brush>
-  </inkml:definitions>
-  <inkml:trace contextRef="#ctx0" brushRef="#br0">0 0 24575,'0'0'-8191</inkml:trace>
-</inkml:ink>
-</file>
-
-<file path=ppt/ink/ink18.xml><?xml version="1.0" encoding="utf-8"?>
-<inkml:ink xmlns:inkml="http://www.w3.org/2003/InkML">
-  <inkml:definitions>
-    <inkml:context xml:id="ctx0">
-      <inkml:inkSource xml:id="inkSrc0">
-        <inkml:traceFormat>
-          <inkml:channel name="X" type="integer" min="-2.14748E9" max="2.14748E9" units="cm"/>
-          <inkml:channel name="Y" type="integer" min="-2.14748E9" max="2.14748E9" units="cm"/>
-          <inkml:channel name="F" type="integer" max="32767" units="dev"/>
-        </inkml:traceFormat>
-        <inkml:channelProperties>
-          <inkml:channelProperty channel="X" name="resolution" value="1000" units="1/cm"/>
-          <inkml:channelProperty channel="Y" name="resolution" value="1000" units="1/cm"/>
-          <inkml:channelProperty channel="F" name="resolution" value="0" units="1/dev"/>
-        </inkml:channelProperties>
-      </inkml:inkSource>
-      <inkml:timestamp xml:id="ts0" timeString="2022-03-20T13:20:05.416"/>
-    </inkml:context>
-    <inkml:brush xml:id="br0">
-      <inkml:brushProperty name="width" value="0.025" units="cm"/>
-      <inkml:brushProperty name="height" value="0.025" units="cm"/>
-      <inkml:brushProperty name="color" value="#E71224"/>
-    </inkml:brush>
-  </inkml:definitions>
-  <inkml:trace contextRef="#ctx0" brushRef="#br0">0 1 24575,'0'0'-8191</inkml:trace>
-</inkml:ink>
-</file>
-
-<file path=ppt/ink/ink19.xml><?xml version="1.0" encoding="utf-8"?>
-<inkml:ink xmlns:inkml="http://www.w3.org/2003/InkML">
-  <inkml:definitions>
-    <inkml:context xml:id="ctx0">
-      <inkml:inkSource xml:id="inkSrc0">
-        <inkml:traceFormat>
-          <inkml:channel name="X" type="integer" min="-2.14748E9" max="2.14748E9" units="cm"/>
-          <inkml:channel name="Y" type="integer" min="-2.14748E9" max="2.14748E9" units="cm"/>
-          <inkml:channel name="F" type="integer" max="32767" units="dev"/>
-        </inkml:traceFormat>
-        <inkml:channelProperties>
-          <inkml:channelProperty channel="X" name="resolution" value="1000" units="1/cm"/>
-          <inkml:channelProperty channel="Y" name="resolution" value="1000" units="1/cm"/>
-          <inkml:channelProperty channel="F" name="resolution" value="0" units="1/dev"/>
-        </inkml:channelProperties>
-      </inkml:inkSource>
-      <inkml:timestamp xml:id="ts0" timeString="2022-03-20T13:20:06.176"/>
-    </inkml:context>
-    <inkml:brush xml:id="br0">
-      <inkml:brushProperty name="width" value="0.025" units="cm"/>
-      <inkml:brushProperty name="height" value="0.025" units="cm"/>
-      <inkml:brushProperty name="color" value="#E71224"/>
-    </inkml:brush>
-  </inkml:definitions>
-  <inkml:trace contextRef="#ctx0" brushRef="#br0">0 1 24575,'0'0'-8191</inkml:trace>
 </inkml:ink>
 </file>
 
@@ -446,34 +194,6 @@
     </inkml:brush>
   </inkml:definitions>
   <inkml:trace contextRef="#ctx0" brushRef="#br0">0 1 24575,'0'0'-8191</inkml:trace>
-</inkml:ink>
-</file>
-
-<file path=ppt/ink/ink20.xml><?xml version="1.0" encoding="utf-8"?>
-<inkml:ink xmlns:inkml="http://www.w3.org/2003/InkML">
-  <inkml:definitions>
-    <inkml:context xml:id="ctx0">
-      <inkml:inkSource xml:id="inkSrc0">
-        <inkml:traceFormat>
-          <inkml:channel name="X" type="integer" min="-2.14748E9" max="2.14748E9" units="cm"/>
-          <inkml:channel name="Y" type="integer" min="-2.14748E9" max="2.14748E9" units="cm"/>
-          <inkml:channel name="F" type="integer" max="32767" units="dev"/>
-        </inkml:traceFormat>
-        <inkml:channelProperties>
-          <inkml:channelProperty channel="X" name="resolution" value="1000" units="1/cm"/>
-          <inkml:channelProperty channel="Y" name="resolution" value="1000" units="1/cm"/>
-          <inkml:channelProperty channel="F" name="resolution" value="0" units="1/dev"/>
-        </inkml:channelProperties>
-      </inkml:inkSource>
-      <inkml:timestamp xml:id="ts0" timeString="2022-03-20T13:20:08.369"/>
-    </inkml:context>
-    <inkml:brush xml:id="br0">
-      <inkml:brushProperty name="width" value="0.025" units="cm"/>
-      <inkml:brushProperty name="height" value="0.025" units="cm"/>
-      <inkml:brushProperty name="color" value="#E71224"/>
-    </inkml:brush>
-  </inkml:definitions>
-  <inkml:trace contextRef="#ctx0" brushRef="#br0">1 1 24575,'0'0'-8191</inkml:trace>
 </inkml:ink>
 </file>
 
@@ -605,7 +325,7 @@
           <inkml:channelProperty channel="F" name="resolution" value="0" units="1/dev"/>
         </inkml:channelProperties>
       </inkml:inkSource>
-      <inkml:timestamp xml:id="ts0" timeString="2022-03-20T13:20:05.416"/>
+      <inkml:timestamp xml:id="ts0" timeString="2022-04-11T16:15:57.353"/>
     </inkml:context>
     <inkml:brush xml:id="br0">
       <inkml:brushProperty name="width" value="0.025" units="cm"/>
@@ -613,7 +333,7 @@
       <inkml:brushProperty name="color" value="#E71224"/>
     </inkml:brush>
   </inkml:definitions>
-  <inkml:trace contextRef="#ctx0" brushRef="#br0">0 1 24575,'0'0'-8191</inkml:trace>
+  <inkml:trace contextRef="#ctx0" brushRef="#br0">0 0 24575,'5'0'0,"1"0"-8191</inkml:trace>
 </inkml:ink>
 </file>
 
@@ -633,7 +353,7 @@
           <inkml:channelProperty channel="F" name="resolution" value="0" units="1/dev"/>
         </inkml:channelProperties>
       </inkml:inkSource>
-      <inkml:timestamp xml:id="ts0" timeString="2022-03-20T13:20:06.176"/>
+      <inkml:timestamp xml:id="ts0" timeString="2022-03-20T13:20:05.416"/>
     </inkml:context>
     <inkml:brush xml:id="br0">
       <inkml:brushProperty name="width" value="0.025" units="cm"/>
@@ -661,7 +381,7 @@
           <inkml:channelProperty channel="F" name="resolution" value="0" units="1/dev"/>
         </inkml:channelProperties>
       </inkml:inkSource>
-      <inkml:timestamp xml:id="ts0" timeString="2022-03-20T13:20:08.369"/>
+      <inkml:timestamp xml:id="ts0" timeString="2022-03-20T13:20:06.176"/>
     </inkml:context>
     <inkml:brush xml:id="br0">
       <inkml:brushProperty name="width" value="0.025" units="cm"/>
@@ -669,7 +389,7 @@
       <inkml:brushProperty name="color" value="#E71224"/>
     </inkml:brush>
   </inkml:definitions>
-  <inkml:trace contextRef="#ctx0" brushRef="#br0">1 1 24575,'0'0'-8191</inkml:trace>
+  <inkml:trace contextRef="#ctx0" brushRef="#br0">0 1 24575,'0'0'-8191</inkml:trace>
 </inkml:ink>
 </file>
 
@@ -822,7 +542,7 @@
           <a:p>
             <a:fld id="{E65DE028-BE6F-42E2-948E-BA7064402EFA}" type="datetimeFigureOut">
               <a:rPr lang="en-US" smtClean="0"/>
-              <a:t>4/3/2022</a:t>
+              <a:t>4/12/2022</a:t>
             </a:fld>
             <a:endParaRPr lang="en-US"/>
           </a:p>
@@ -1022,7 +742,7 @@
           <a:p>
             <a:fld id="{E65DE028-BE6F-42E2-948E-BA7064402EFA}" type="datetimeFigureOut">
               <a:rPr lang="en-US" smtClean="0"/>
-              <a:t>4/3/2022</a:t>
+              <a:t>4/12/2022</a:t>
             </a:fld>
             <a:endParaRPr lang="en-US"/>
           </a:p>
@@ -1232,7 +952,7 @@
           <a:p>
             <a:fld id="{E65DE028-BE6F-42E2-948E-BA7064402EFA}" type="datetimeFigureOut">
               <a:rPr lang="en-US" smtClean="0"/>
-              <a:t>4/3/2022</a:t>
+              <a:t>4/12/2022</a:t>
             </a:fld>
             <a:endParaRPr lang="en-US"/>
           </a:p>
@@ -1432,7 +1152,7 @@
           <a:p>
             <a:fld id="{E65DE028-BE6F-42E2-948E-BA7064402EFA}" type="datetimeFigureOut">
               <a:rPr lang="en-US" smtClean="0"/>
-              <a:t>4/3/2022</a:t>
+              <a:t>4/12/2022</a:t>
             </a:fld>
             <a:endParaRPr lang="en-US"/>
           </a:p>
@@ -1708,7 +1428,7 @@
           <a:p>
             <a:fld id="{E65DE028-BE6F-42E2-948E-BA7064402EFA}" type="datetimeFigureOut">
               <a:rPr lang="en-US" smtClean="0"/>
-              <a:t>4/3/2022</a:t>
+              <a:t>4/12/2022</a:t>
             </a:fld>
             <a:endParaRPr lang="en-US"/>
           </a:p>
@@ -1976,7 +1696,7 @@
           <a:p>
             <a:fld id="{E65DE028-BE6F-42E2-948E-BA7064402EFA}" type="datetimeFigureOut">
               <a:rPr lang="en-US" smtClean="0"/>
-              <a:t>4/3/2022</a:t>
+              <a:t>4/12/2022</a:t>
             </a:fld>
             <a:endParaRPr lang="en-US"/>
           </a:p>
@@ -2391,7 +2111,7 @@
           <a:p>
             <a:fld id="{E65DE028-BE6F-42E2-948E-BA7064402EFA}" type="datetimeFigureOut">
               <a:rPr lang="en-US" smtClean="0"/>
-              <a:t>4/3/2022</a:t>
+              <a:t>4/12/2022</a:t>
             </a:fld>
             <a:endParaRPr lang="en-US"/>
           </a:p>
@@ -2533,7 +2253,7 @@
           <a:p>
             <a:fld id="{E65DE028-BE6F-42E2-948E-BA7064402EFA}" type="datetimeFigureOut">
               <a:rPr lang="en-US" smtClean="0"/>
-              <a:t>4/3/2022</a:t>
+              <a:t>4/12/2022</a:t>
             </a:fld>
             <a:endParaRPr lang="en-US"/>
           </a:p>
@@ -2646,7 +2366,7 @@
           <a:p>
             <a:fld id="{E65DE028-BE6F-42E2-948E-BA7064402EFA}" type="datetimeFigureOut">
               <a:rPr lang="en-US" smtClean="0"/>
-              <a:t>4/3/2022</a:t>
+              <a:t>4/12/2022</a:t>
             </a:fld>
             <a:endParaRPr lang="en-US"/>
           </a:p>
@@ -2959,7 +2679,7 @@
           <a:p>
             <a:fld id="{E65DE028-BE6F-42E2-948E-BA7064402EFA}" type="datetimeFigureOut">
               <a:rPr lang="en-US" smtClean="0"/>
-              <a:t>4/3/2022</a:t>
+              <a:t>4/12/2022</a:t>
             </a:fld>
             <a:endParaRPr lang="en-US"/>
           </a:p>
@@ -3248,7 +2968,7 @@
           <a:p>
             <a:fld id="{E65DE028-BE6F-42E2-948E-BA7064402EFA}" type="datetimeFigureOut">
               <a:rPr lang="en-US" smtClean="0"/>
-              <a:t>4/3/2022</a:t>
+              <a:t>4/12/2022</a:t>
             </a:fld>
             <a:endParaRPr lang="en-US"/>
           </a:p>
@@ -3491,7 +3211,7 @@
           <a:p>
             <a:fld id="{E65DE028-BE6F-42E2-948E-BA7064402EFA}" type="datetimeFigureOut">
               <a:rPr lang="en-US" smtClean="0"/>
-              <a:t>4/3/2022</a:t>
+              <a:t>4/12/2022</a:t>
             </a:fld>
             <a:endParaRPr lang="en-US"/>
           </a:p>
@@ -3932,7 +3652,7 @@
         </p:nvSpPr>
         <p:spPr>
           <a:xfrm>
-            <a:off x="0" y="-63397"/>
+            <a:off x="8389" y="-46619"/>
             <a:ext cx="12192000" cy="863497"/>
           </a:xfrm>
           <a:prstGeom prst="rect">
@@ -4047,8 +3767,8 @@
         </p:nvSpPr>
         <p:spPr>
           <a:xfrm>
-            <a:off x="482792" y="143972"/>
-            <a:ext cx="891590" cy="369332"/>
+            <a:off x="464360" y="143972"/>
+            <a:ext cx="928459" cy="369332"/>
           </a:xfrm>
           <a:prstGeom prst="rect">
             <a:avLst/>
@@ -4070,7 +3790,7 @@
                 <a:latin typeface="Corbel" panose="020B0503020204020204" pitchFamily="34" charset="0"/>
                 <a:cs typeface="Calibri Light" panose="020F0302020204030204" pitchFamily="34" charset="0"/>
               </a:rPr>
-              <a:t>Főoldal</a:t>
+              <a:t>véradás</a:t>
             </a:r>
             <a:endParaRPr lang="en-US" dirty="0">
               <a:solidFill>
@@ -4082,522 +3802,6 @@
           </a:p>
         </p:txBody>
       </p:sp>
-      <p:sp>
-        <p:nvSpPr>
-          <p:cNvPr id="6" name="Téglalap: lekerekített 5">
-            <a:extLst>
-              <a:ext uri="{FF2B5EF4-FFF2-40B4-BE49-F238E27FC236}">
-                <a16:creationId xmlns:a16="http://schemas.microsoft.com/office/drawing/2014/main" id="{3FA26D5D-10B3-41E5-AD90-3795A2B29EA6}"/>
-              </a:ext>
-            </a:extLst>
-          </p:cNvPr>
-          <p:cNvSpPr/>
-          <p:nvPr/>
-        </p:nvSpPr>
-        <p:spPr>
-          <a:xfrm>
-            <a:off x="1761009" y="134939"/>
-            <a:ext cx="1267028" cy="378365"/>
-          </a:xfrm>
-          <a:prstGeom prst="roundRect">
-            <a:avLst/>
-          </a:prstGeom>
-          <a:solidFill>
-            <a:schemeClr val="tx1"/>
-          </a:solidFill>
-          <a:ln w="3175">
-            <a:solidFill>
-              <a:schemeClr val="tx1">
-                <a:alpha val="99000"/>
-              </a:schemeClr>
-            </a:solidFill>
-          </a:ln>
-        </p:spPr>
-        <p:style>
-          <a:lnRef idx="2">
-            <a:schemeClr val="accent1">
-              <a:shade val="50000"/>
-            </a:schemeClr>
-          </a:lnRef>
-          <a:fillRef idx="1">
-            <a:schemeClr val="accent1"/>
-          </a:fillRef>
-          <a:effectRef idx="0">
-            <a:schemeClr val="accent1"/>
-          </a:effectRef>
-          <a:fontRef idx="minor">
-            <a:schemeClr val="lt1"/>
-          </a:fontRef>
-        </p:style>
-        <p:txBody>
-          <a:bodyPr rtlCol="0" anchor="ctr"/>
-          <a:lstStyle/>
-          <a:p>
-            <a:pPr algn="ctr"/>
-            <a:r>
-              <a:rPr lang="hu-HU" dirty="0">
-                <a:solidFill>
-                  <a:schemeClr val="bg1"/>
-                </a:solidFill>
-                <a:latin typeface="Corbel" panose="020B0503020204020204" pitchFamily="34" charset="0"/>
-              </a:rPr>
-              <a:t>Kereső</a:t>
-            </a:r>
-            <a:endParaRPr lang="en-US" dirty="0">
-              <a:solidFill>
-                <a:schemeClr val="bg1"/>
-              </a:solidFill>
-              <a:latin typeface="Corbel" panose="020B0503020204020204" pitchFamily="34" charset="0"/>
-            </a:endParaRPr>
-          </a:p>
-        </p:txBody>
-      </p:sp>
-      <p:sp>
-        <p:nvSpPr>
-          <p:cNvPr id="7" name="Téglalap: lekerekített 6">
-            <a:extLst>
-              <a:ext uri="{FF2B5EF4-FFF2-40B4-BE49-F238E27FC236}">
-                <a16:creationId xmlns:a16="http://schemas.microsoft.com/office/drawing/2014/main" id="{1D2B0348-42C5-4CAC-ADE0-3D07B740285F}"/>
-              </a:ext>
-            </a:extLst>
-          </p:cNvPr>
-          <p:cNvSpPr/>
-          <p:nvPr/>
-        </p:nvSpPr>
-        <p:spPr>
-          <a:xfrm>
-            <a:off x="3226944" y="135985"/>
-            <a:ext cx="2192781" cy="378365"/>
-          </a:xfrm>
-          <a:prstGeom prst="roundRect">
-            <a:avLst/>
-          </a:prstGeom>
-          <a:solidFill>
-            <a:schemeClr val="tx1"/>
-          </a:solidFill>
-          <a:ln w="3175">
-            <a:noFill/>
-          </a:ln>
-        </p:spPr>
-        <p:style>
-          <a:lnRef idx="2">
-            <a:schemeClr val="accent1">
-              <a:shade val="50000"/>
-            </a:schemeClr>
-          </a:lnRef>
-          <a:fillRef idx="1">
-            <a:schemeClr val="accent1"/>
-          </a:fillRef>
-          <a:effectRef idx="0">
-            <a:schemeClr val="accent1"/>
-          </a:effectRef>
-          <a:fontRef idx="minor">
-            <a:schemeClr val="lt1"/>
-          </a:fontRef>
-        </p:style>
-        <p:txBody>
-          <a:bodyPr rtlCol="0" anchor="ctr"/>
-          <a:lstStyle/>
-          <a:p>
-            <a:pPr algn="ctr"/>
-            <a:r>
-              <a:rPr lang="hu-HU" sz="1600" dirty="0">
-                <a:solidFill>
-                  <a:schemeClr val="bg1"/>
-                </a:solidFill>
-                <a:latin typeface="Corbel" panose="020B0503020204020204" pitchFamily="34" charset="0"/>
-              </a:rPr>
-              <a:t>Adatok módosítása</a:t>
-            </a:r>
-            <a:endParaRPr lang="en-US" sz="1600" dirty="0">
-              <a:solidFill>
-                <a:schemeClr val="bg1"/>
-              </a:solidFill>
-              <a:latin typeface="Corbel" panose="020B0503020204020204" pitchFamily="34" charset="0"/>
-            </a:endParaRPr>
-          </a:p>
-        </p:txBody>
-      </p:sp>
-      <p:graphicFrame>
-        <p:nvGraphicFramePr>
-          <p:cNvPr id="10" name="Táblázat 10">
-            <a:extLst>
-              <a:ext uri="{FF2B5EF4-FFF2-40B4-BE49-F238E27FC236}">
-                <a16:creationId xmlns:a16="http://schemas.microsoft.com/office/drawing/2014/main" id="{211977C9-38BA-4815-AF45-A11264BA0AD7}"/>
-              </a:ext>
-            </a:extLst>
-          </p:cNvPr>
-          <p:cNvGraphicFramePr>
-            <a:graphicFrameLocks noGrp="1"/>
-          </p:cNvGraphicFramePr>
-          <p:nvPr>
-            <p:extLst>
-              <p:ext uri="{D42A27DB-BD31-4B8C-83A1-F6EECF244321}">
-                <p14:modId xmlns:p14="http://schemas.microsoft.com/office/powerpoint/2010/main" val="732345036"/>
-              </p:ext>
-            </p:extLst>
-          </p:nvPr>
-        </p:nvGraphicFramePr>
-        <p:xfrm>
-          <a:off x="251407" y="946530"/>
-          <a:ext cx="3771901" cy="2349075"/>
-        </p:xfrm>
-        <a:graphic>
-          <a:graphicData uri="http://schemas.openxmlformats.org/drawingml/2006/table">
-            <a:tbl>
-              <a:tblPr firstRow="1" bandRow="1">
-                <a:tableStyleId>{5C22544A-7EE6-4342-B048-85BDC9FD1C3A}</a:tableStyleId>
-              </a:tblPr>
-              <a:tblGrid>
-                <a:gridCol w="1863213">
-                  <a:extLst>
-                    <a:ext uri="{9D8B030D-6E8A-4147-A177-3AD203B41FA5}">
-                      <a16:colId xmlns:a16="http://schemas.microsoft.com/office/drawing/2014/main" val="1674264119"/>
-                    </a:ext>
-                  </a:extLst>
-                </a:gridCol>
-                <a:gridCol w="1908688">
-                  <a:extLst>
-                    <a:ext uri="{9D8B030D-6E8A-4147-A177-3AD203B41FA5}">
-                      <a16:colId xmlns:a16="http://schemas.microsoft.com/office/drawing/2014/main" val="251440785"/>
-                    </a:ext>
-                  </a:extLst>
-                </a:gridCol>
-              </a:tblGrid>
-              <a:tr h="2349075">
-                <a:tc>
-                  <a:txBody>
-                    <a:bodyPr/>
-                    <a:lstStyle/>
-                    <a:p>
-                      <a:r>
-                        <a:rPr lang="hu-HU" sz="1600" b="0" dirty="0">
-                          <a:solidFill>
-                            <a:schemeClr val="bg1">
-                              <a:lumMod val="95000"/>
-                            </a:schemeClr>
-                          </a:solidFill>
-                          <a:latin typeface="Consolas" panose="020B0609020204030204" pitchFamily="49" charset="0"/>
-                        </a:rPr>
-                        <a:t>Összes vér(ml):</a:t>
-                      </a:r>
-                    </a:p>
-                    <a:p>
-                      <a:r>
-                        <a:rPr lang="hu-HU" sz="1600" b="0" dirty="0">
-                          <a:solidFill>
-                            <a:schemeClr val="bg1">
-                              <a:lumMod val="95000"/>
-                            </a:schemeClr>
-                          </a:solidFill>
-                          <a:latin typeface="Consolas" panose="020B0609020204030204" pitchFamily="49" charset="0"/>
-                        </a:rPr>
-                        <a:t>+A-s vér(ml):</a:t>
-                      </a:r>
-                    </a:p>
-                    <a:p>
-                      <a:pPr marL="0" marR="0" lvl="0" indent="0" algn="l" defTabSz="914400" rtl="0" eaLnBrk="1" fontAlgn="auto" latinLnBrk="0" hangingPunct="1">
-                        <a:lnSpc>
-                          <a:spcPct val="100000"/>
-                        </a:lnSpc>
-                        <a:spcBef>
-                          <a:spcPts val="0"/>
-                        </a:spcBef>
-                        <a:spcAft>
-                          <a:spcPts val="0"/>
-                        </a:spcAft>
-                        <a:buClrTx/>
-                        <a:buSzTx/>
-                        <a:buFontTx/>
-                        <a:buNone/>
-                        <a:tabLst/>
-                        <a:defRPr/>
-                      </a:pPr>
-                      <a:r>
-                        <a:rPr lang="hu-HU" sz="1600" b="0" dirty="0">
-                          <a:solidFill>
-                            <a:schemeClr val="bg1">
-                              <a:lumMod val="95000"/>
-                            </a:schemeClr>
-                          </a:solidFill>
-                          <a:latin typeface="Consolas" panose="020B0609020204030204" pitchFamily="49" charset="0"/>
-                        </a:rPr>
-                        <a:t>-A-s vér(ml):</a:t>
-                      </a:r>
-                    </a:p>
-                    <a:p>
-                      <a:r>
-                        <a:rPr lang="hu-HU" sz="1600" b="0" dirty="0">
-                          <a:solidFill>
-                            <a:schemeClr val="bg1">
-                              <a:lumMod val="95000"/>
-                            </a:schemeClr>
-                          </a:solidFill>
-                          <a:latin typeface="Consolas" panose="020B0609020204030204" pitchFamily="49" charset="0"/>
-                        </a:rPr>
-                        <a:t>+B-s vér(ml):</a:t>
-                      </a:r>
-                    </a:p>
-                    <a:p>
-                      <a:pPr marL="0" marR="0" lvl="0" indent="0" algn="l" defTabSz="914400" rtl="0" eaLnBrk="1" fontAlgn="auto" latinLnBrk="0" hangingPunct="1">
-                        <a:lnSpc>
-                          <a:spcPct val="100000"/>
-                        </a:lnSpc>
-                        <a:spcBef>
-                          <a:spcPts val="0"/>
-                        </a:spcBef>
-                        <a:spcAft>
-                          <a:spcPts val="0"/>
-                        </a:spcAft>
-                        <a:buClrTx/>
-                        <a:buSzTx/>
-                        <a:buFontTx/>
-                        <a:buNone/>
-                        <a:tabLst/>
-                        <a:defRPr/>
-                      </a:pPr>
-                      <a:r>
-                        <a:rPr lang="hu-HU" sz="1600" b="0" dirty="0">
-                          <a:solidFill>
-                            <a:schemeClr val="bg1">
-                              <a:lumMod val="95000"/>
-                            </a:schemeClr>
-                          </a:solidFill>
-                          <a:latin typeface="Consolas" panose="020B0609020204030204" pitchFamily="49" charset="0"/>
-                        </a:rPr>
-                        <a:t>-B-s vér(ml):</a:t>
-                      </a:r>
-                    </a:p>
-                    <a:p>
-                      <a:r>
-                        <a:rPr lang="hu-HU" sz="1600" b="0" dirty="0">
-                          <a:solidFill>
-                            <a:schemeClr val="bg1">
-                              <a:lumMod val="95000"/>
-                            </a:schemeClr>
-                          </a:solidFill>
-                          <a:latin typeface="Consolas" panose="020B0609020204030204" pitchFamily="49" charset="0"/>
-                        </a:rPr>
-                        <a:t>+AB-s vér(ml):</a:t>
-                      </a:r>
-                    </a:p>
-                    <a:p>
-                      <a:pPr marL="0" marR="0" lvl="0" indent="0" algn="l" defTabSz="914400" rtl="0" eaLnBrk="1" fontAlgn="auto" latinLnBrk="0" hangingPunct="1">
-                        <a:lnSpc>
-                          <a:spcPct val="100000"/>
-                        </a:lnSpc>
-                        <a:spcBef>
-                          <a:spcPts val="0"/>
-                        </a:spcBef>
-                        <a:spcAft>
-                          <a:spcPts val="0"/>
-                        </a:spcAft>
-                        <a:buClrTx/>
-                        <a:buSzTx/>
-                        <a:buFontTx/>
-                        <a:buNone/>
-                        <a:tabLst/>
-                        <a:defRPr/>
-                      </a:pPr>
-                      <a:r>
-                        <a:rPr lang="hu-HU" sz="1600" b="0" dirty="0">
-                          <a:solidFill>
-                            <a:schemeClr val="bg1">
-                              <a:lumMod val="95000"/>
-                            </a:schemeClr>
-                          </a:solidFill>
-                          <a:latin typeface="Consolas" panose="020B0609020204030204" pitchFamily="49" charset="0"/>
-                        </a:rPr>
-                        <a:t>-AB-s vér(ml):</a:t>
-                      </a:r>
-                    </a:p>
-                    <a:p>
-                      <a:r>
-                        <a:rPr lang="hu-HU" sz="1600" b="0" dirty="0">
-                          <a:solidFill>
-                            <a:schemeClr val="bg1">
-                              <a:lumMod val="95000"/>
-                            </a:schemeClr>
-                          </a:solidFill>
-                          <a:latin typeface="Consolas" panose="020B0609020204030204" pitchFamily="49" charset="0"/>
-                        </a:rPr>
-                        <a:t>+0-s vér(ml):</a:t>
-                      </a:r>
-                    </a:p>
-                    <a:p>
-                      <a:pPr marL="0" marR="0" lvl="0" indent="0" algn="l" defTabSz="914400" rtl="0" eaLnBrk="1" fontAlgn="auto" latinLnBrk="0" hangingPunct="1">
-                        <a:lnSpc>
-                          <a:spcPct val="100000"/>
-                        </a:lnSpc>
-                        <a:spcBef>
-                          <a:spcPts val="0"/>
-                        </a:spcBef>
-                        <a:spcAft>
-                          <a:spcPts val="0"/>
-                        </a:spcAft>
-                        <a:buClrTx/>
-                        <a:buSzTx/>
-                        <a:buFontTx/>
-                        <a:buNone/>
-                        <a:tabLst/>
-                        <a:defRPr/>
-                      </a:pPr>
-                      <a:r>
-                        <a:rPr lang="hu-HU" sz="1600" b="0" dirty="0">
-                          <a:solidFill>
-                            <a:schemeClr val="bg1">
-                              <a:lumMod val="95000"/>
-                            </a:schemeClr>
-                          </a:solidFill>
-                          <a:latin typeface="Consolas" panose="020B0609020204030204" pitchFamily="49" charset="0"/>
-                        </a:rPr>
-                        <a:t>-0-s vér(ml):</a:t>
-                      </a:r>
-                      <a:endParaRPr lang="en-US" sz="1600" b="0" dirty="0">
-                        <a:solidFill>
-                          <a:schemeClr val="bg1">
-                            <a:lumMod val="95000"/>
-                          </a:schemeClr>
-                        </a:solidFill>
-                        <a:latin typeface="Consolas" panose="020B0609020204030204" pitchFamily="49" charset="0"/>
-                      </a:endParaRPr>
-                    </a:p>
-                  </a:txBody>
-                  <a:tcPr>
-                    <a:lnL w="12700" cap="flat" cmpd="sng" algn="ctr">
-                      <a:solidFill>
-                        <a:schemeClr val="bg1">
-                          <a:lumMod val="95000"/>
-                        </a:schemeClr>
-                      </a:solidFill>
-                      <a:prstDash val="solid"/>
-                      <a:round/>
-                      <a:headEnd type="none" w="med" len="med"/>
-                      <a:tailEnd type="none" w="med" len="med"/>
-                    </a:lnL>
-                    <a:lnR w="12700" cap="flat" cmpd="sng" algn="ctr">
-                      <a:solidFill>
-                        <a:schemeClr val="bg1">
-                          <a:lumMod val="95000"/>
-                        </a:schemeClr>
-                      </a:solidFill>
-                      <a:prstDash val="solid"/>
-                      <a:round/>
-                      <a:headEnd type="none" w="med" len="med"/>
-                      <a:tailEnd type="none" w="med" len="med"/>
-                    </a:lnR>
-                    <a:lnT w="12700" cap="flat" cmpd="sng" algn="ctr">
-                      <a:solidFill>
-                        <a:schemeClr val="bg1">
-                          <a:lumMod val="95000"/>
-                        </a:schemeClr>
-                      </a:solidFill>
-                      <a:prstDash val="solid"/>
-                      <a:round/>
-                      <a:headEnd type="none" w="med" len="med"/>
-                      <a:tailEnd type="none" w="med" len="med"/>
-                    </a:lnT>
-                    <a:lnB w="12700" cap="flat" cmpd="sng" algn="ctr">
-                      <a:solidFill>
-                        <a:schemeClr val="bg1">
-                          <a:lumMod val="95000"/>
-                        </a:schemeClr>
-                      </a:solidFill>
-                      <a:prstDash val="solid"/>
-                      <a:round/>
-                      <a:headEnd type="none" w="med" len="med"/>
-                      <a:tailEnd type="none" w="med" len="med"/>
-                    </a:lnB>
-                    <a:solidFill>
-                      <a:schemeClr val="tx1">
-                        <a:lumMod val="65000"/>
-                        <a:lumOff val="35000"/>
-                      </a:schemeClr>
-                    </a:solidFill>
-                  </a:tcPr>
-                </a:tc>
-                <a:tc>
-                  <a:txBody>
-                    <a:bodyPr/>
-                    <a:lstStyle/>
-                    <a:p>
-                      <a:endParaRPr lang="hu-HU" dirty="0">
-                        <a:solidFill>
-                          <a:srgbClr val="CAC7C2"/>
-                        </a:solidFill>
-                      </a:endParaRPr>
-                    </a:p>
-                    <a:p>
-                      <a:endParaRPr lang="en-US" dirty="0">
-                        <a:solidFill>
-                          <a:srgbClr val="CAC7C2"/>
-                        </a:solidFill>
-                      </a:endParaRPr>
-                    </a:p>
-                  </a:txBody>
-                  <a:tcPr>
-                    <a:lnL w="12700" cap="flat" cmpd="sng" algn="ctr">
-                      <a:solidFill>
-                        <a:schemeClr val="bg1">
-                          <a:lumMod val="95000"/>
-                        </a:schemeClr>
-                      </a:solidFill>
-                      <a:prstDash val="solid"/>
-                      <a:round/>
-                      <a:headEnd type="none" w="med" len="med"/>
-                      <a:tailEnd type="none" w="med" len="med"/>
-                    </a:lnL>
-                    <a:lnR w="12700" cap="flat" cmpd="sng" algn="ctr">
-                      <a:solidFill>
-                        <a:schemeClr val="bg1">
-                          <a:lumMod val="95000"/>
-                        </a:schemeClr>
-                      </a:solidFill>
-                      <a:prstDash val="solid"/>
-                      <a:round/>
-                      <a:headEnd type="none" w="med" len="med"/>
-                      <a:tailEnd type="none" w="med" len="med"/>
-                    </a:lnR>
-                    <a:lnT w="12700" cap="flat" cmpd="sng" algn="ctr">
-                      <a:solidFill>
-                        <a:schemeClr val="bg1">
-                          <a:lumMod val="95000"/>
-                        </a:schemeClr>
-                      </a:solidFill>
-                      <a:prstDash val="solid"/>
-                      <a:round/>
-                      <a:headEnd type="none" w="med" len="med"/>
-                      <a:tailEnd type="none" w="med" len="med"/>
-                    </a:lnT>
-                    <a:lnB w="12700" cap="flat" cmpd="sng" algn="ctr">
-                      <a:solidFill>
-                        <a:schemeClr val="bg1">
-                          <a:lumMod val="95000"/>
-                        </a:schemeClr>
-                      </a:solidFill>
-                      <a:prstDash val="solid"/>
-                      <a:round/>
-                      <a:headEnd type="none" w="med" len="med"/>
-                      <a:tailEnd type="none" w="med" len="med"/>
-                    </a:lnB>
-                    <a:solidFill>
-                      <a:schemeClr val="tx1">
-                        <a:lumMod val="65000"/>
-                        <a:lumOff val="35000"/>
-                      </a:schemeClr>
-                    </a:solidFill>
-                  </a:tcPr>
-                </a:tc>
-                <a:extLst>
-                  <a:ext uri="{0D108BD9-81ED-4DB2-BD59-A6C34878D82A}">
-                    <a16:rowId xmlns:a16="http://schemas.microsoft.com/office/drawing/2014/main" val="2944988936"/>
-                  </a:ext>
-                </a:extLst>
-              </a:tr>
-            </a:tbl>
-          </a:graphicData>
-        </a:graphic>
-      </p:graphicFrame>
       <p:sp>
         <p:nvSpPr>
           <p:cNvPr id="16" name="Téglalap 15">
@@ -4716,7 +3920,7 @@
         </p:nvSpPr>
         <p:spPr>
           <a:xfrm>
-            <a:off x="0" y="6715125"/>
+            <a:off x="-46784" y="6715125"/>
             <a:ext cx="12191798" cy="142875"/>
           </a:xfrm>
           <a:prstGeom prst="rect">
@@ -5096,14 +4300,14 @@
           <p:nvPr>
             <p:extLst>
               <p:ext uri="{D42A27DB-BD31-4B8C-83A1-F6EECF244321}">
-                <p14:modId xmlns:p14="http://schemas.microsoft.com/office/powerpoint/2010/main" val="3485296145"/>
+                <p14:modId xmlns:p14="http://schemas.microsoft.com/office/powerpoint/2010/main" val="650199791"/>
               </p:ext>
             </p:extLst>
           </p:nvPr>
         </p:nvGraphicFramePr>
         <p:xfrm>
-          <a:off x="4105053" y="946530"/>
-          <a:ext cx="7765370" cy="5539992"/>
+          <a:off x="2481372" y="999581"/>
+          <a:ext cx="7365096" cy="5314853"/>
         </p:xfrm>
         <a:graphic>
           <a:graphicData uri="http://schemas.openxmlformats.org/drawingml/2006/table">
@@ -5112,35 +4316,42 @@
                 <a:tableStyleId>{5C22544A-7EE6-4342-B048-85BDC9FD1C3A}</a:tableStyleId>
               </a:tblPr>
               <a:tblGrid>
-                <a:gridCol w="1553074">
+                <a:gridCol w="1227516">
                   <a:extLst>
                     <a:ext uri="{9D8B030D-6E8A-4147-A177-3AD203B41FA5}">
                       <a16:colId xmlns:a16="http://schemas.microsoft.com/office/drawing/2014/main" val="2598443847"/>
                     </a:ext>
                   </a:extLst>
                 </a:gridCol>
-                <a:gridCol w="1553074">
+                <a:gridCol w="1227516">
                   <a:extLst>
                     <a:ext uri="{9D8B030D-6E8A-4147-A177-3AD203B41FA5}">
                       <a16:colId xmlns:a16="http://schemas.microsoft.com/office/drawing/2014/main" val="2935347366"/>
                     </a:ext>
                   </a:extLst>
                 </a:gridCol>
-                <a:gridCol w="1553074">
+                <a:gridCol w="1227516">
+                  <a:extLst>
+                    <a:ext uri="{9D8B030D-6E8A-4147-A177-3AD203B41FA5}">
+                      <a16:colId xmlns:a16="http://schemas.microsoft.com/office/drawing/2014/main" val="1785165758"/>
+                    </a:ext>
+                  </a:extLst>
+                </a:gridCol>
+                <a:gridCol w="1227516">
                   <a:extLst>
                     <a:ext uri="{9D8B030D-6E8A-4147-A177-3AD203B41FA5}">
                       <a16:colId xmlns:a16="http://schemas.microsoft.com/office/drawing/2014/main" val="2368300544"/>
                     </a:ext>
                   </a:extLst>
                 </a:gridCol>
-                <a:gridCol w="1553074">
+                <a:gridCol w="1227516">
                   <a:extLst>
                     <a:ext uri="{9D8B030D-6E8A-4147-A177-3AD203B41FA5}">
                       <a16:colId xmlns:a16="http://schemas.microsoft.com/office/drawing/2014/main" val="3644187451"/>
                     </a:ext>
                   </a:extLst>
                 </a:gridCol>
-                <a:gridCol w="1553074">
+                <a:gridCol w="1227516">
                   <a:extLst>
                     <a:ext uri="{9D8B030D-6E8A-4147-A177-3AD203B41FA5}">
                       <a16:colId xmlns:a16="http://schemas.microsoft.com/office/drawing/2014/main" val="616371910"/>
@@ -5148,7 +4359,7 @@
                   </a:extLst>
                 </a:gridCol>
               </a:tblGrid>
-              <a:tr h="462820">
+              <a:tr h="449483">
                 <a:tc>
                   <a:txBody>
                     <a:bodyPr/>
@@ -5245,6 +4456,86 @@
                           <a:latin typeface="Consolas" panose="020B0609020204030204" pitchFamily="49" charset="0"/>
                         </a:rPr>
                         <a:t>Név</a:t>
+                      </a:r>
+                      <a:endParaRPr lang="en-US" sz="1800" dirty="0">
+                        <a:solidFill>
+                          <a:schemeClr val="bg1">
+                            <a:lumMod val="95000"/>
+                          </a:schemeClr>
+                        </a:solidFill>
+                        <a:latin typeface="Consolas" panose="020B0609020204030204" pitchFamily="49" charset="0"/>
+                      </a:endParaRPr>
+                    </a:p>
+                  </a:txBody>
+                  <a:tcPr>
+                    <a:lnL w="12700" cap="flat" cmpd="sng" algn="ctr">
+                      <a:solidFill>
+                        <a:schemeClr val="bg1">
+                          <a:lumMod val="95000"/>
+                        </a:schemeClr>
+                      </a:solidFill>
+                      <a:prstDash val="solid"/>
+                      <a:round/>
+                      <a:headEnd type="none" w="med" len="med"/>
+                      <a:tailEnd type="none" w="med" len="med"/>
+                    </a:lnL>
+                    <a:lnR w="12700" cap="flat" cmpd="sng" algn="ctr">
+                      <a:solidFill>
+                        <a:schemeClr val="bg1">
+                          <a:lumMod val="95000"/>
+                        </a:schemeClr>
+                      </a:solidFill>
+                      <a:prstDash val="solid"/>
+                      <a:round/>
+                      <a:headEnd type="none" w="med" len="med"/>
+                      <a:tailEnd type="none" w="med" len="med"/>
+                    </a:lnR>
+                    <a:lnT w="12700" cap="flat" cmpd="sng" algn="ctr">
+                      <a:solidFill>
+                        <a:schemeClr val="bg1">
+                          <a:lumMod val="95000"/>
+                        </a:schemeClr>
+                      </a:solidFill>
+                      <a:prstDash val="solid"/>
+                      <a:round/>
+                      <a:headEnd type="none" w="med" len="med"/>
+                      <a:tailEnd type="none" w="med" len="med"/>
+                    </a:lnT>
+                    <a:lnB w="12700" cap="flat" cmpd="sng" algn="ctr">
+                      <a:solidFill>
+                        <a:schemeClr val="bg1">
+                          <a:lumMod val="95000"/>
+                        </a:schemeClr>
+                      </a:solidFill>
+                      <a:prstDash val="solid"/>
+                      <a:round/>
+                      <a:headEnd type="none" w="med" len="med"/>
+                      <a:tailEnd type="none" w="med" len="med"/>
+                    </a:lnB>
+                    <a:solidFill>
+                      <a:schemeClr val="tx1">
+                        <a:lumMod val="65000"/>
+                        <a:lumOff val="35000"/>
+                      </a:schemeClr>
+                    </a:solidFill>
+                  </a:tcPr>
+                </a:tc>
+                <a:tc>
+                  <a:txBody>
+                    <a:bodyPr/>
+                    <a:lstStyle/>
+                    <a:p>
+                      <a:pPr algn="ctr"/>
+                      <a:r>
+                        <a:rPr lang="hu-HU" sz="1800" dirty="0">
+                          <a:solidFill>
+                            <a:schemeClr val="bg1">
+                              <a:lumMod val="95000"/>
+                            </a:schemeClr>
+                          </a:solidFill>
+                          <a:latin typeface="Consolas" panose="020B0609020204030204" pitchFamily="49" charset="0"/>
+                        </a:rPr>
+                        <a:t>Személyi</a:t>
                       </a:r>
                       <a:endParaRPr lang="en-US" sz="1800" dirty="0">
                         <a:solidFill>
@@ -5555,7 +4846,68 @@
                   </a:ext>
                 </a:extLst>
               </a:tr>
-              <a:tr h="5077172">
+              <a:tr h="4735733">
+                <a:tc>
+                  <a:txBody>
+                    <a:bodyPr/>
+                    <a:lstStyle/>
+                    <a:p>
+                      <a:endParaRPr lang="en-US" dirty="0"/>
+                    </a:p>
+                  </a:txBody>
+                  <a:tcPr>
+                    <a:lnL w="12700" cap="flat" cmpd="sng" algn="ctr">
+                      <a:solidFill>
+                        <a:schemeClr val="bg1">
+                          <a:lumMod val="95000"/>
+                        </a:schemeClr>
+                      </a:solidFill>
+                      <a:prstDash val="solid"/>
+                      <a:round/>
+                      <a:headEnd type="none" w="med" len="med"/>
+                      <a:tailEnd type="none" w="med" len="med"/>
+                    </a:lnL>
+                    <a:lnR w="12700" cap="flat" cmpd="sng" algn="ctr">
+                      <a:solidFill>
+                        <a:schemeClr val="bg1">
+                          <a:lumMod val="95000"/>
+                        </a:schemeClr>
+                      </a:solidFill>
+                      <a:prstDash val="solid"/>
+                      <a:round/>
+                      <a:headEnd type="none" w="med" len="med"/>
+                      <a:tailEnd type="none" w="med" len="med"/>
+                    </a:lnR>
+                    <a:lnT w="12700" cap="flat" cmpd="sng" algn="ctr">
+                      <a:solidFill>
+                        <a:schemeClr val="bg1">
+                          <a:lumMod val="95000"/>
+                        </a:schemeClr>
+                      </a:solidFill>
+                      <a:prstDash val="solid"/>
+                      <a:round/>
+                      <a:headEnd type="none" w="med" len="med"/>
+                      <a:tailEnd type="none" w="med" len="med"/>
+                    </a:lnT>
+                    <a:lnB w="12700" cap="flat" cmpd="sng" algn="ctr">
+                      <a:solidFill>
+                        <a:schemeClr val="bg1">
+                          <a:lumMod val="95000"/>
+                        </a:schemeClr>
+                      </a:solidFill>
+                      <a:prstDash val="solid"/>
+                      <a:round/>
+                      <a:headEnd type="none" w="med" len="med"/>
+                      <a:tailEnd type="none" w="med" len="med"/>
+                    </a:lnB>
+                    <a:solidFill>
+                      <a:schemeClr val="tx1">
+                        <a:lumMod val="65000"/>
+                        <a:lumOff val="35000"/>
+                      </a:schemeClr>
+                    </a:solidFill>
+                  </a:tcPr>
+                </a:tc>
                 <a:tc>
                   <a:txBody>
                     <a:bodyPr/>
@@ -5886,7 +5238,7 @@
           <p:nvPr/>
         </p:nvPicPr>
         <p:blipFill>
-          <a:blip r:embed="rId11" cstate="hqprint">
+          <a:blip r:embed="rId11">
             <a:extLst>
               <a:ext uri="{28A0092B-C50C-407E-A947-70E740481C1C}">
                 <a14:useLocalDpi xmlns:a14="http://schemas.microsoft.com/office/drawing/2010/main" val="0"/>
@@ -5909,10 +5261,10 @@
       </p:pic>
       <p:sp>
         <p:nvSpPr>
-          <p:cNvPr id="27" name="Téglalap: lekerekített 6">
+          <p:cNvPr id="27" name="Téglalap: lekerekített 26">
             <a:extLst>
               <a:ext uri="{FF2B5EF4-FFF2-40B4-BE49-F238E27FC236}">
-                <a16:creationId xmlns:a16="http://schemas.microsoft.com/office/drawing/2014/main" id="{1D2B0348-42C5-4CAC-ADE0-3D07B740285F}"/>
+                <a16:creationId xmlns:a16="http://schemas.microsoft.com/office/drawing/2014/main" id="{E2B0CE41-0839-4040-BA3F-6CF8E83F37AB}"/>
               </a:ext>
             </a:extLst>
           </p:cNvPr>
@@ -5921,180 +5273,18 @@
         </p:nvSpPr>
         <p:spPr>
           <a:xfrm>
-            <a:off x="5618632" y="134938"/>
-            <a:ext cx="2192781" cy="378365"/>
+            <a:off x="237400" y="5007514"/>
+            <a:ext cx="1933938" cy="237444"/>
           </a:xfrm>
           <a:prstGeom prst="roundRect">
             <a:avLst/>
           </a:prstGeom>
-          <a:solidFill>
-            <a:schemeClr val="tx1"/>
-          </a:solidFill>
-          <a:ln w="3175">
-            <a:noFill/>
-          </a:ln>
-        </p:spPr>
-        <p:style>
-          <a:lnRef idx="2">
-            <a:schemeClr val="accent1">
-              <a:shade val="50000"/>
-            </a:schemeClr>
-          </a:lnRef>
-          <a:fillRef idx="1">
-            <a:schemeClr val="accent1"/>
-          </a:fillRef>
-          <a:effectRef idx="0">
-            <a:schemeClr val="accent1"/>
-          </a:effectRef>
-          <a:fontRef idx="minor">
-            <a:schemeClr val="lt1"/>
-          </a:fontRef>
-        </p:style>
-        <p:txBody>
-          <a:bodyPr rtlCol="0" anchor="ctr"/>
-          <a:lstStyle/>
-          <a:p>
-            <a:pPr algn="ctr"/>
-            <a:r>
-              <a:rPr lang="hu-HU" sz="1600" dirty="0" smtClean="0">
-                <a:solidFill>
-                  <a:schemeClr val="bg1"/>
-                </a:solidFill>
-                <a:latin typeface="Corbel" panose="020B0503020204020204" pitchFamily="34" charset="0"/>
-              </a:rPr>
-              <a:t>Kórház adatok</a:t>
-            </a:r>
-            <a:endParaRPr lang="en-US" sz="1600" dirty="0">
-              <a:solidFill>
-                <a:schemeClr val="bg1"/>
-              </a:solidFill>
-              <a:latin typeface="Corbel" panose="020B0503020204020204" pitchFamily="34" charset="0"/>
-            </a:endParaRPr>
-          </a:p>
-        </p:txBody>
-      </p:sp>
-    </p:spTree>
-    <p:extLst>
-      <p:ext uri="{BB962C8B-B14F-4D97-AF65-F5344CB8AC3E}">
-        <p14:creationId xmlns:p14="http://schemas.microsoft.com/office/powerpoint/2010/main" val="185717489"/>
-      </p:ext>
-    </p:extLst>
-  </p:cSld>
-  <p:clrMapOvr>
-    <a:masterClrMapping/>
-  </p:clrMapOvr>
-</p:sld>
-</file>
-
-<file path=ppt/slides/slide2.xml><?xml version="1.0" encoding="utf-8"?>
-<p:sld xmlns:a="http://schemas.openxmlformats.org/drawingml/2006/main" xmlns:r="http://schemas.openxmlformats.org/officeDocument/2006/relationships" xmlns:p="http://schemas.openxmlformats.org/presentationml/2006/main">
-  <p:cSld>
-    <p:bg>
-      <p:bgPr>
-        <a:solidFill>
-          <a:schemeClr val="bg1">
-            <a:lumMod val="95000"/>
-          </a:schemeClr>
-        </a:solidFill>
-        <a:effectLst/>
-      </p:bgPr>
-    </p:bg>
-    <p:spTree>
-      <p:nvGrpSpPr>
-        <p:cNvPr id="1" name=""/>
-        <p:cNvGrpSpPr/>
-        <p:nvPr/>
-      </p:nvGrpSpPr>
-      <p:grpSpPr>
-        <a:xfrm>
-          <a:off x="0" y="0"/>
-          <a:ext cx="0" cy="0"/>
-          <a:chOff x="0" y="0"/>
-          <a:chExt cx="0" cy="0"/>
-        </a:xfrm>
-      </p:grpSpPr>
-      <p:sp>
-        <p:nvSpPr>
-          <p:cNvPr id="2" name="Téglalap 1">
-            <a:extLst>
-              <a:ext uri="{FF2B5EF4-FFF2-40B4-BE49-F238E27FC236}">
-                <a16:creationId xmlns:a16="http://schemas.microsoft.com/office/drawing/2014/main" id="{1D4B0EED-B93F-4E73-9FC0-6FED5681A0E2}"/>
-              </a:ext>
-            </a:extLst>
-          </p:cNvPr>
-          <p:cNvSpPr/>
-          <p:nvPr/>
-        </p:nvSpPr>
-        <p:spPr>
-          <a:xfrm>
-            <a:off x="0" y="-63397"/>
-            <a:ext cx="12192000" cy="863497"/>
-          </a:xfrm>
-          <a:prstGeom prst="rect">
-            <a:avLst/>
-          </a:prstGeom>
-          <a:solidFill>
-            <a:srgbClr val="BD0D18"/>
-          </a:solidFill>
-          <a:ln w="28575">
-            <a:noFill/>
-          </a:ln>
-        </p:spPr>
-        <p:style>
-          <a:lnRef idx="2">
-            <a:schemeClr val="accent1">
-              <a:shade val="50000"/>
-            </a:schemeClr>
-          </a:lnRef>
-          <a:fillRef idx="1">
-            <a:schemeClr val="accent1"/>
-          </a:fillRef>
-          <a:effectRef idx="0">
-            <a:schemeClr val="accent1"/>
-          </a:effectRef>
-          <a:fontRef idx="minor">
-            <a:schemeClr val="lt1"/>
-          </a:fontRef>
-        </p:style>
-        <p:txBody>
-          <a:bodyPr rtlCol="0" anchor="ctr"/>
-          <a:lstStyle/>
-          <a:p>
-            <a:pPr algn="ctr"/>
-            <a:endParaRPr lang="en-US" dirty="0"/>
-          </a:p>
-        </p:txBody>
-      </p:sp>
-      <p:sp>
-        <p:nvSpPr>
-          <p:cNvPr id="4" name="Téglalap: lekerekített 3">
-            <a:extLst>
-              <a:ext uri="{FF2B5EF4-FFF2-40B4-BE49-F238E27FC236}">
-                <a16:creationId xmlns:a16="http://schemas.microsoft.com/office/drawing/2014/main" id="{39182016-5379-4D63-A7C6-4ECA52EFB311}"/>
-              </a:ext>
-            </a:extLst>
-          </p:cNvPr>
-          <p:cNvSpPr/>
-          <p:nvPr/>
-        </p:nvSpPr>
-        <p:spPr>
-          <a:xfrm>
-            <a:off x="295074" y="135985"/>
-            <a:ext cx="1267028" cy="378365"/>
-          </a:xfrm>
-          <a:prstGeom prst="roundRect">
-            <a:avLst/>
-          </a:prstGeom>
-          <a:solidFill>
-            <a:schemeClr val="tx1">
-              <a:lumMod val="95000"/>
-              <a:lumOff val="5000"/>
-            </a:schemeClr>
-          </a:solidFill>
-          <a:ln w="3175">
+          <a:noFill/>
+          <a:ln w="25400">
             <a:solidFill>
               <a:schemeClr val="tx1">
-                <a:alpha val="99000"/>
+                <a:lumMod val="85000"/>
+                <a:lumOff val="15000"/>
               </a:schemeClr>
             </a:solidFill>
           </a:ln>
@@ -6119,70 +5309,30 @@
           <a:bodyPr rtlCol="0" anchor="ctr"/>
           <a:lstStyle/>
           <a:p>
-            <a:pPr algn="ctr"/>
-            <a:endParaRPr lang="en-US">
+            <a:r>
+              <a:rPr lang="hu-HU" sz="2400" dirty="0" err="1">
+                <a:solidFill>
+                  <a:srgbClr val="272320"/>
+                </a:solidFill>
+                <a:latin typeface="Consolas" panose="020B0609020204030204" pitchFamily="49" charset="0"/>
+              </a:rPr>
+              <a:t>nev</a:t>
+            </a:r>
+            <a:endParaRPr lang="en-US" sz="2400" dirty="0">
               <a:solidFill>
-                <a:srgbClr val="CAC7C2"/>
+                <a:srgbClr val="272320"/>
               </a:solidFill>
+              <a:latin typeface="Consolas" panose="020B0609020204030204" pitchFamily="49" charset="0"/>
             </a:endParaRPr>
           </a:p>
         </p:txBody>
       </p:sp>
       <p:sp>
         <p:nvSpPr>
-          <p:cNvPr id="5" name="Szövegdoboz 4">
+          <p:cNvPr id="29" name="Téglalap: lekerekített 28">
             <a:extLst>
               <a:ext uri="{FF2B5EF4-FFF2-40B4-BE49-F238E27FC236}">
-                <a16:creationId xmlns:a16="http://schemas.microsoft.com/office/drawing/2014/main" id="{4BB8EC08-8C2F-4ABA-9E8A-75D7E81C9A71}"/>
-              </a:ext>
-            </a:extLst>
-          </p:cNvPr>
-          <p:cNvSpPr txBox="1"/>
-          <p:nvPr/>
-        </p:nvSpPr>
-        <p:spPr>
-          <a:xfrm>
-            <a:off x="482792" y="143972"/>
-            <a:ext cx="891590" cy="369332"/>
-          </a:xfrm>
-          <a:prstGeom prst="rect">
-            <a:avLst/>
-          </a:prstGeom>
-          <a:noFill/>
-        </p:spPr>
-        <p:txBody>
-          <a:bodyPr wrap="none" rtlCol="0">
-            <a:spAutoFit/>
-          </a:bodyPr>
-          <a:lstStyle/>
-          <a:p>
-            <a:pPr algn="ctr"/>
-            <a:r>
-              <a:rPr lang="hu-HU" dirty="0">
-                <a:solidFill>
-                  <a:schemeClr val="bg1"/>
-                </a:solidFill>
-                <a:latin typeface="Corbel" panose="020B0503020204020204" pitchFamily="34" charset="0"/>
-                <a:cs typeface="Calibri Light" panose="020F0302020204030204" pitchFamily="34" charset="0"/>
-              </a:rPr>
-              <a:t>Főoldal</a:t>
-            </a:r>
-            <a:endParaRPr lang="en-US" dirty="0">
-              <a:solidFill>
-                <a:schemeClr val="bg1"/>
-              </a:solidFill>
-              <a:latin typeface="Corbel" panose="020B0503020204020204" pitchFamily="34" charset="0"/>
-              <a:cs typeface="Calibri Light" panose="020F0302020204030204" pitchFamily="34" charset="0"/>
-            </a:endParaRPr>
-          </a:p>
-        </p:txBody>
-      </p:sp>
-      <p:sp>
-        <p:nvSpPr>
-          <p:cNvPr id="6" name="Téglalap: lekerekített 5">
-            <a:extLst>
-              <a:ext uri="{FF2B5EF4-FFF2-40B4-BE49-F238E27FC236}">
-                <a16:creationId xmlns:a16="http://schemas.microsoft.com/office/drawing/2014/main" id="{3FA26D5D-10B3-41E5-AD90-3795A2B29EA6}"/>
+                <a16:creationId xmlns:a16="http://schemas.microsoft.com/office/drawing/2014/main" id="{82F14D10-06E7-43C3-A700-620A22A3D49E}"/>
               </a:ext>
             </a:extLst>
           </p:cNvPr>
@@ -6191,19 +5341,18 @@
         </p:nvSpPr>
         <p:spPr>
           <a:xfrm>
-            <a:off x="1761009" y="134939"/>
-            <a:ext cx="1267028" cy="378365"/>
+            <a:off x="231195" y="5401385"/>
+            <a:ext cx="1933938" cy="253804"/>
           </a:xfrm>
           <a:prstGeom prst="roundRect">
             <a:avLst/>
           </a:prstGeom>
-          <a:solidFill>
-            <a:schemeClr val="tx1"/>
-          </a:solidFill>
-          <a:ln w="3175">
+          <a:noFill/>
+          <a:ln w="25400">
             <a:solidFill>
               <a:schemeClr val="tx1">
-                <a:alpha val="99000"/>
+                <a:lumMod val="85000"/>
+                <a:lumOff val="15000"/>
               </a:schemeClr>
             </a:solidFill>
           </a:ln>
@@ -6228,31 +5377,30 @@
           <a:bodyPr rtlCol="0" anchor="ctr"/>
           <a:lstStyle/>
           <a:p>
-            <a:pPr algn="ctr"/>
             <a:r>
-              <a:rPr lang="hu-HU" dirty="0">
+              <a:rPr lang="hu-HU" sz="2400" dirty="0" err="1">
                 <a:solidFill>
-                  <a:schemeClr val="bg1"/>
+                  <a:srgbClr val="272320"/>
                 </a:solidFill>
-                <a:latin typeface="Corbel" panose="020B0503020204020204" pitchFamily="34" charset="0"/>
+                <a:latin typeface="Consolas" panose="020B0609020204030204" pitchFamily="49" charset="0"/>
               </a:rPr>
-              <a:t>Kereső</a:t>
+              <a:t>vercsoport</a:t>
             </a:r>
-            <a:endParaRPr lang="en-US" dirty="0">
+            <a:endParaRPr lang="en-US" sz="2400" dirty="0">
               <a:solidFill>
-                <a:schemeClr val="bg1"/>
+                <a:srgbClr val="272320"/>
               </a:solidFill>
-              <a:latin typeface="Corbel" panose="020B0503020204020204" pitchFamily="34" charset="0"/>
+              <a:latin typeface="Consolas" panose="020B0609020204030204" pitchFamily="49" charset="0"/>
             </a:endParaRPr>
           </a:p>
         </p:txBody>
       </p:sp>
       <p:sp>
         <p:nvSpPr>
-          <p:cNvPr id="7" name="Téglalap: lekerekített 6">
+          <p:cNvPr id="30" name="Téglalap: lekerekített 29">
             <a:extLst>
               <a:ext uri="{FF2B5EF4-FFF2-40B4-BE49-F238E27FC236}">
-                <a16:creationId xmlns:a16="http://schemas.microsoft.com/office/drawing/2014/main" id="{1D2B0348-42C5-4CAC-ADE0-3D07B740285F}"/>
+                <a16:creationId xmlns:a16="http://schemas.microsoft.com/office/drawing/2014/main" id="{22F9F577-F296-4E2A-94C7-D2FF33CC6912}"/>
               </a:ext>
             </a:extLst>
           </p:cNvPr>
@@ -6261,17 +5409,20 @@
         </p:nvSpPr>
         <p:spPr>
           <a:xfrm>
-            <a:off x="3226944" y="135985"/>
-            <a:ext cx="2192781" cy="378365"/>
+            <a:off x="248489" y="5800892"/>
+            <a:ext cx="1931779" cy="253084"/>
           </a:xfrm>
           <a:prstGeom prst="roundRect">
             <a:avLst/>
           </a:prstGeom>
-          <a:solidFill>
-            <a:schemeClr val="tx1"/>
-          </a:solidFill>
-          <a:ln w="3175">
-            <a:noFill/>
+          <a:noFill/>
+          <a:ln w="25400">
+            <a:solidFill>
+              <a:schemeClr val="tx1">
+                <a:lumMod val="85000"/>
+                <a:lumOff val="15000"/>
+              </a:schemeClr>
+            </a:solidFill>
           </a:ln>
         </p:spPr>
         <p:style>
@@ -6294,31 +5445,30 @@
           <a:bodyPr rtlCol="0" anchor="ctr"/>
           <a:lstStyle/>
           <a:p>
-            <a:pPr algn="ctr"/>
             <a:r>
-              <a:rPr lang="hu-HU" sz="1600" dirty="0">
+              <a:rPr lang="hu-HU" sz="2400" dirty="0" err="1">
                 <a:solidFill>
-                  <a:schemeClr val="bg1"/>
+                  <a:srgbClr val="272320"/>
                 </a:solidFill>
-                <a:latin typeface="Corbel" panose="020B0503020204020204" pitchFamily="34" charset="0"/>
+                <a:latin typeface="Consolas" panose="020B0609020204030204" pitchFamily="49" charset="0"/>
               </a:rPr>
-              <a:t>Adatok módosítása</a:t>
+              <a:t>mennyiseg</a:t>
             </a:r>
-            <a:endParaRPr lang="en-US" sz="1600" dirty="0">
+            <a:endParaRPr lang="en-US" sz="2400" dirty="0">
               <a:solidFill>
-                <a:schemeClr val="bg1"/>
+                <a:srgbClr val="272320"/>
               </a:solidFill>
-              <a:latin typeface="Corbel" panose="020B0503020204020204" pitchFamily="34" charset="0"/>
+              <a:latin typeface="Consolas" panose="020B0609020204030204" pitchFamily="49" charset="0"/>
             </a:endParaRPr>
           </a:p>
         </p:txBody>
       </p:sp>
       <p:sp>
         <p:nvSpPr>
-          <p:cNvPr id="16" name="Téglalap 15">
+          <p:cNvPr id="36" name="Téglalap: lekerekített 35">
             <a:extLst>
               <a:ext uri="{FF2B5EF4-FFF2-40B4-BE49-F238E27FC236}">
-                <a16:creationId xmlns:a16="http://schemas.microsoft.com/office/drawing/2014/main" id="{314190A6-6BD7-4298-AB6D-D10DBAD7A3AA}"/>
+                <a16:creationId xmlns:a16="http://schemas.microsoft.com/office/drawing/2014/main" id="{A63F3B33-8343-4239-9A8F-177EC9AB4DB0}"/>
               </a:ext>
             </a:extLst>
           </p:cNvPr>
@@ -6327,491 +5477,8 @@
         </p:nvSpPr>
         <p:spPr>
           <a:xfrm>
-            <a:off x="0" y="704675"/>
-            <a:ext cx="133349" cy="6153325"/>
-          </a:xfrm>
-          <a:prstGeom prst="rect">
-            <a:avLst/>
-          </a:prstGeom>
-          <a:solidFill>
-            <a:srgbClr val="BD0D18"/>
-          </a:solidFill>
-          <a:ln>
-            <a:noFill/>
-          </a:ln>
-        </p:spPr>
-        <p:style>
-          <a:lnRef idx="2">
-            <a:schemeClr val="accent1">
-              <a:shade val="50000"/>
-            </a:schemeClr>
-          </a:lnRef>
-          <a:fillRef idx="1">
-            <a:schemeClr val="accent1"/>
-          </a:fillRef>
-          <a:effectRef idx="0">
-            <a:schemeClr val="accent1"/>
-          </a:effectRef>
-          <a:fontRef idx="minor">
-            <a:schemeClr val="lt1"/>
-          </a:fontRef>
-        </p:style>
-        <p:txBody>
-          <a:bodyPr rtlCol="0" anchor="ctr"/>
-          <a:lstStyle/>
-          <a:p>
-            <a:pPr algn="ctr"/>
-            <a:endParaRPr lang="en-US"/>
-          </a:p>
-        </p:txBody>
-      </p:sp>
-      <p:sp>
-        <p:nvSpPr>
-          <p:cNvPr id="17" name="Téglalap 16">
-            <a:extLst>
-              <a:ext uri="{FF2B5EF4-FFF2-40B4-BE49-F238E27FC236}">
-                <a16:creationId xmlns:a16="http://schemas.microsoft.com/office/drawing/2014/main" id="{40301329-4F36-46D4-8946-B36A3EB2EA09}"/>
-              </a:ext>
-            </a:extLst>
-          </p:cNvPr>
-          <p:cNvSpPr/>
-          <p:nvPr/>
-        </p:nvSpPr>
-        <p:spPr>
-          <a:xfrm>
-            <a:off x="12058449" y="708343"/>
-            <a:ext cx="133349" cy="6153325"/>
-          </a:xfrm>
-          <a:prstGeom prst="rect">
-            <a:avLst/>
-          </a:prstGeom>
-          <a:solidFill>
-            <a:srgbClr val="BD0D18"/>
-          </a:solidFill>
-          <a:ln>
-            <a:noFill/>
-          </a:ln>
-        </p:spPr>
-        <p:style>
-          <a:lnRef idx="2">
-            <a:schemeClr val="accent1">
-              <a:shade val="50000"/>
-            </a:schemeClr>
-          </a:lnRef>
-          <a:fillRef idx="1">
-            <a:schemeClr val="accent1"/>
-          </a:fillRef>
-          <a:effectRef idx="0">
-            <a:schemeClr val="accent1"/>
-          </a:effectRef>
-          <a:fontRef idx="minor">
-            <a:schemeClr val="lt1"/>
-          </a:fontRef>
-        </p:style>
-        <p:txBody>
-          <a:bodyPr rtlCol="0" anchor="ctr"/>
-          <a:lstStyle/>
-          <a:p>
-            <a:pPr algn="ctr"/>
-            <a:endParaRPr lang="en-US"/>
-          </a:p>
-        </p:txBody>
-      </p:sp>
-      <p:sp>
-        <p:nvSpPr>
-          <p:cNvPr id="18" name="Téglalap 17">
-            <a:extLst>
-              <a:ext uri="{FF2B5EF4-FFF2-40B4-BE49-F238E27FC236}">
-                <a16:creationId xmlns:a16="http://schemas.microsoft.com/office/drawing/2014/main" id="{CE1557B0-0A2A-49E5-8882-BEB7ED996FAF}"/>
-              </a:ext>
-            </a:extLst>
-          </p:cNvPr>
-          <p:cNvSpPr/>
-          <p:nvPr/>
-        </p:nvSpPr>
-        <p:spPr>
-          <a:xfrm>
-            <a:off x="0" y="6715125"/>
-            <a:ext cx="12191798" cy="142875"/>
-          </a:xfrm>
-          <a:prstGeom prst="rect">
-            <a:avLst/>
-          </a:prstGeom>
-          <a:solidFill>
-            <a:srgbClr val="C00000"/>
-          </a:solidFill>
-          <a:ln>
-            <a:noFill/>
-          </a:ln>
-        </p:spPr>
-        <p:style>
-          <a:lnRef idx="2">
-            <a:schemeClr val="accent1">
-              <a:shade val="50000"/>
-            </a:schemeClr>
-          </a:lnRef>
-          <a:fillRef idx="1">
-            <a:schemeClr val="accent1"/>
-          </a:fillRef>
-          <a:effectRef idx="0">
-            <a:schemeClr val="accent1"/>
-          </a:effectRef>
-          <a:fontRef idx="minor">
-            <a:schemeClr val="lt1"/>
-          </a:fontRef>
-        </p:style>
-        <p:txBody>
-          <a:bodyPr rtlCol="0" anchor="ctr"/>
-          <a:lstStyle/>
-          <a:p>
-            <a:pPr algn="ctr"/>
-            <a:endParaRPr lang="en-US"/>
-          </a:p>
-        </p:txBody>
-      </p:sp>
-      <p:grpSp>
-        <p:nvGrpSpPr>
-          <p:cNvPr id="21" name="Csoportba foglalás 20">
-            <a:extLst>
-              <a:ext uri="{FF2B5EF4-FFF2-40B4-BE49-F238E27FC236}">
-                <a16:creationId xmlns:a16="http://schemas.microsoft.com/office/drawing/2014/main" id="{89FB0E39-1E09-4702-B237-853511944CA5}"/>
-              </a:ext>
-            </a:extLst>
-          </p:cNvPr>
-          <p:cNvGrpSpPr/>
-          <p:nvPr/>
-        </p:nvGrpSpPr>
-        <p:grpSpPr>
-          <a:xfrm>
-            <a:off x="6133860" y="533100"/>
-            <a:ext cx="360" cy="360"/>
-            <a:chOff x="6133860" y="533100"/>
-            <a:chExt cx="360" cy="360"/>
-          </a:xfrm>
-        </p:grpSpPr>
-        <mc:AlternateContent xmlns:mc="http://schemas.openxmlformats.org/markup-compatibility/2006" xmlns:p14="http://schemas.microsoft.com/office/powerpoint/2010/main">
-          <mc:Choice Requires="p14">
-            <p:contentPart p14:bwMode="auto" r:id="rId2">
-              <p14:nvContentPartPr>
-                <p14:cNvPr id="19" name="Szabadkéz 18">
-                  <a:extLst>
-                    <a:ext uri="{FF2B5EF4-FFF2-40B4-BE49-F238E27FC236}">
-                      <a16:creationId xmlns:a16="http://schemas.microsoft.com/office/drawing/2014/main" id="{AF11586B-6D51-4B04-83E2-922685EB1E34}"/>
-                    </a:ext>
-                  </a:extLst>
-                </p14:cNvPr>
-                <p14:cNvContentPartPr/>
-                <p14:nvPr/>
-              </p14:nvContentPartPr>
-              <p14:xfrm>
-                <a:off x="6133860" y="533100"/>
-                <a:ext cx="360" cy="360"/>
-              </p14:xfrm>
-            </p:contentPart>
-          </mc:Choice>
-          <mc:Fallback xmlns="">
-            <p:pic>
-              <p:nvPicPr>
-                <p:cNvPr id="19" name="Szabadkéz 18">
-                  <a:extLst>
-                    <a:ext uri="{FF2B5EF4-FFF2-40B4-BE49-F238E27FC236}">
-                      <a16:creationId xmlns:a16="http://schemas.microsoft.com/office/drawing/2014/main" id="{AF11586B-6D51-4B04-83E2-922685EB1E34}"/>
-                    </a:ext>
-                  </a:extLst>
-                </p:cNvPr>
-                <p:cNvPicPr/>
-                <p:nvPr/>
-              </p:nvPicPr>
-              <p:blipFill>
-                <a:blip r:embed="rId3"/>
-                <a:stretch>
-                  <a:fillRect/>
-                </a:stretch>
-              </p:blipFill>
-              <p:spPr>
-                <a:xfrm>
-                  <a:off x="6129540" y="528780"/>
-                  <a:ext cx="9000" cy="9000"/>
-                </a:xfrm>
-                <a:prstGeom prst="rect">
-                  <a:avLst/>
-                </a:prstGeom>
-              </p:spPr>
-            </p:pic>
-          </mc:Fallback>
-        </mc:AlternateContent>
-        <mc:AlternateContent xmlns:mc="http://schemas.openxmlformats.org/markup-compatibility/2006" xmlns:p14="http://schemas.microsoft.com/office/powerpoint/2010/main">
-          <mc:Choice Requires="p14">
-            <p:contentPart p14:bwMode="auto" r:id="rId4">
-              <p14:nvContentPartPr>
-                <p14:cNvPr id="20" name="Szabadkéz 19">
-                  <a:extLst>
-                    <a:ext uri="{FF2B5EF4-FFF2-40B4-BE49-F238E27FC236}">
-                      <a16:creationId xmlns:a16="http://schemas.microsoft.com/office/drawing/2014/main" id="{EBC8D880-CC2D-4B0D-A5EE-1FB5382C3CF7}"/>
-                    </a:ext>
-                  </a:extLst>
-                </p14:cNvPr>
-                <p14:cNvContentPartPr/>
-                <p14:nvPr/>
-              </p14:nvContentPartPr>
-              <p14:xfrm>
-                <a:off x="6133860" y="533100"/>
-                <a:ext cx="360" cy="360"/>
-              </p14:xfrm>
-            </p:contentPart>
-          </mc:Choice>
-          <mc:Fallback xmlns="">
-            <p:pic>
-              <p:nvPicPr>
-                <p:cNvPr id="20" name="Szabadkéz 19">
-                  <a:extLst>
-                    <a:ext uri="{FF2B5EF4-FFF2-40B4-BE49-F238E27FC236}">
-                      <a16:creationId xmlns:a16="http://schemas.microsoft.com/office/drawing/2014/main" id="{EBC8D880-CC2D-4B0D-A5EE-1FB5382C3CF7}"/>
-                    </a:ext>
-                  </a:extLst>
-                </p:cNvPr>
-                <p:cNvPicPr/>
-                <p:nvPr/>
-              </p:nvPicPr>
-              <p:blipFill>
-                <a:blip r:embed="rId3"/>
-                <a:stretch>
-                  <a:fillRect/>
-                </a:stretch>
-              </p:blipFill>
-              <p:spPr>
-                <a:xfrm>
-                  <a:off x="6129540" y="528780"/>
-                  <a:ext cx="9000" cy="9000"/>
-                </a:xfrm>
-                <a:prstGeom prst="rect">
-                  <a:avLst/>
-                </a:prstGeom>
-              </p:spPr>
-            </p:pic>
-          </mc:Fallback>
-        </mc:AlternateContent>
-      </p:grpSp>
-      <mc:AlternateContent xmlns:mc="http://schemas.openxmlformats.org/markup-compatibility/2006" xmlns:p14="http://schemas.microsoft.com/office/powerpoint/2010/main">
-        <mc:Choice Requires="p14">
-          <p:contentPart p14:bwMode="auto" r:id="rId5">
-            <p14:nvContentPartPr>
-              <p14:cNvPr id="22" name="Szabadkéz 21">
-                <a:extLst>
-                  <a:ext uri="{FF2B5EF4-FFF2-40B4-BE49-F238E27FC236}">
-                    <a16:creationId xmlns:a16="http://schemas.microsoft.com/office/drawing/2014/main" id="{FED63D43-5ACE-48BB-800F-E06FB46D7575}"/>
-                  </a:ext>
-                </a:extLst>
-              </p14:cNvPr>
-              <p14:cNvContentPartPr/>
-              <p14:nvPr/>
-            </p14:nvContentPartPr>
-            <p14:xfrm>
-              <a:off x="6514740" y="289020"/>
-              <a:ext cx="360" cy="360"/>
-            </p14:xfrm>
-          </p:contentPart>
-        </mc:Choice>
-        <mc:Fallback xmlns="">
-          <p:pic>
-            <p:nvPicPr>
-              <p:cNvPr id="22" name="Szabadkéz 21">
-                <a:extLst>
-                  <a:ext uri="{FF2B5EF4-FFF2-40B4-BE49-F238E27FC236}">
-                    <a16:creationId xmlns:a16="http://schemas.microsoft.com/office/drawing/2014/main" id="{FED63D43-5ACE-48BB-800F-E06FB46D7575}"/>
-                  </a:ext>
-                </a:extLst>
-              </p:cNvPr>
-              <p:cNvPicPr/>
-              <p:nvPr/>
-            </p:nvPicPr>
-            <p:blipFill>
-              <a:blip r:embed="rId3"/>
-              <a:stretch>
-                <a:fillRect/>
-              </a:stretch>
-            </p:blipFill>
-            <p:spPr>
-              <a:xfrm>
-                <a:off x="6510420" y="284700"/>
-                <a:ext cx="9000" cy="9000"/>
-              </a:xfrm>
-              <a:prstGeom prst="rect">
-                <a:avLst/>
-              </a:prstGeom>
-            </p:spPr>
-          </p:pic>
-        </mc:Fallback>
-      </mc:AlternateContent>
-      <mc:AlternateContent xmlns:mc="http://schemas.openxmlformats.org/markup-compatibility/2006" xmlns:p14="http://schemas.microsoft.com/office/powerpoint/2010/main">
-        <mc:Choice Requires="p14">
-          <p:contentPart p14:bwMode="auto" r:id="rId6">
-            <p14:nvContentPartPr>
-              <p14:cNvPr id="23" name="Szabadkéz 22">
-                <a:extLst>
-                  <a:ext uri="{FF2B5EF4-FFF2-40B4-BE49-F238E27FC236}">
-                    <a16:creationId xmlns:a16="http://schemas.microsoft.com/office/drawing/2014/main" id="{561A43DB-4DDE-4398-89A8-E7FB1517AFE5}"/>
-                  </a:ext>
-                </a:extLst>
-              </p14:cNvPr>
-              <p14:cNvContentPartPr/>
-              <p14:nvPr/>
-            </p14:nvContentPartPr>
-            <p14:xfrm>
-              <a:off x="1304775" y="1895310"/>
-              <a:ext cx="3960" cy="360"/>
-            </p14:xfrm>
-          </p:contentPart>
-        </mc:Choice>
-        <mc:Fallback xmlns="">
-          <p:pic>
-            <p:nvPicPr>
-              <p:cNvPr id="23" name="Szabadkéz 22">
-                <a:extLst>
-                  <a:ext uri="{FF2B5EF4-FFF2-40B4-BE49-F238E27FC236}">
-                    <a16:creationId xmlns:a16="http://schemas.microsoft.com/office/drawing/2014/main" id="{561A43DB-4DDE-4398-89A8-E7FB1517AFE5}"/>
-                  </a:ext>
-                </a:extLst>
-              </p:cNvPr>
-              <p:cNvPicPr/>
-              <p:nvPr/>
-            </p:nvPicPr>
-            <p:blipFill>
-              <a:blip r:embed="rId7"/>
-              <a:stretch>
-                <a:fillRect/>
-              </a:stretch>
-            </p:blipFill>
-            <p:spPr>
-              <a:xfrm>
-                <a:off x="1300815" y="1890990"/>
-                <a:ext cx="11880" cy="9000"/>
-              </a:xfrm>
-              <a:prstGeom prst="rect">
-                <a:avLst/>
-              </a:prstGeom>
-            </p:spPr>
-          </p:pic>
-        </mc:Fallback>
-      </mc:AlternateContent>
-      <mc:AlternateContent xmlns:mc="http://schemas.openxmlformats.org/markup-compatibility/2006" xmlns:p14="http://schemas.microsoft.com/office/powerpoint/2010/main">
-        <mc:Choice Requires="p14">
-          <p:contentPart p14:bwMode="auto" r:id="rId8">
-            <p14:nvContentPartPr>
-              <p14:cNvPr id="24" name="Szabadkéz 23">
-                <a:extLst>
-                  <a:ext uri="{FF2B5EF4-FFF2-40B4-BE49-F238E27FC236}">
-                    <a16:creationId xmlns:a16="http://schemas.microsoft.com/office/drawing/2014/main" id="{80DDE641-8FF5-4108-9008-5B92FCA9BE13}"/>
-                  </a:ext>
-                </a:extLst>
-              </p14:cNvPr>
-              <p14:cNvContentPartPr/>
-              <p14:nvPr/>
-            </p14:nvContentPartPr>
-            <p14:xfrm>
-              <a:off x="2390535" y="2038230"/>
-              <a:ext cx="360" cy="360"/>
-            </p14:xfrm>
-          </p:contentPart>
-        </mc:Choice>
-        <mc:Fallback xmlns="">
-          <p:pic>
-            <p:nvPicPr>
-              <p:cNvPr id="24" name="Szabadkéz 23">
-                <a:extLst>
-                  <a:ext uri="{FF2B5EF4-FFF2-40B4-BE49-F238E27FC236}">
-                    <a16:creationId xmlns:a16="http://schemas.microsoft.com/office/drawing/2014/main" id="{80DDE641-8FF5-4108-9008-5B92FCA9BE13}"/>
-                  </a:ext>
-                </a:extLst>
-              </p:cNvPr>
-              <p:cNvPicPr/>
-              <p:nvPr/>
-            </p:nvPicPr>
-            <p:blipFill>
-              <a:blip r:embed="rId3"/>
-              <a:stretch>
-                <a:fillRect/>
-              </a:stretch>
-            </p:blipFill>
-            <p:spPr>
-              <a:xfrm>
-                <a:off x="2386215" y="2033910"/>
-                <a:ext cx="9000" cy="9000"/>
-              </a:xfrm>
-              <a:prstGeom prst="rect">
-                <a:avLst/>
-              </a:prstGeom>
-            </p:spPr>
-          </p:pic>
-        </mc:Fallback>
-      </mc:AlternateContent>
-      <mc:AlternateContent xmlns:mc="http://schemas.openxmlformats.org/markup-compatibility/2006" xmlns:p14="http://schemas.microsoft.com/office/powerpoint/2010/main">
-        <mc:Choice Requires="p14">
-          <p:contentPart p14:bwMode="auto" r:id="rId9">
-            <p14:nvContentPartPr>
-              <p14:cNvPr id="28" name="Szabadkéz 27">
-                <a:extLst>
-                  <a:ext uri="{FF2B5EF4-FFF2-40B4-BE49-F238E27FC236}">
-                    <a16:creationId xmlns:a16="http://schemas.microsoft.com/office/drawing/2014/main" id="{B9E47C26-B89C-441D-A09F-4329E72EF25D}"/>
-                  </a:ext>
-                </a:extLst>
-              </p14:cNvPr>
-              <p14:cNvContentPartPr/>
-              <p14:nvPr/>
-            </p14:nvContentPartPr>
-            <p14:xfrm>
-              <a:off x="3647655" y="1529190"/>
-              <a:ext cx="360" cy="3960"/>
-            </p14:xfrm>
-          </p:contentPart>
-        </mc:Choice>
-        <mc:Fallback xmlns="">
-          <p:pic>
-            <p:nvPicPr>
-              <p:cNvPr id="28" name="Szabadkéz 27">
-                <a:extLst>
-                  <a:ext uri="{FF2B5EF4-FFF2-40B4-BE49-F238E27FC236}">
-                    <a16:creationId xmlns:a16="http://schemas.microsoft.com/office/drawing/2014/main" id="{B9E47C26-B89C-441D-A09F-4329E72EF25D}"/>
-                  </a:ext>
-                </a:extLst>
-              </p:cNvPr>
-              <p:cNvPicPr/>
-              <p:nvPr/>
-            </p:nvPicPr>
-            <p:blipFill>
-              <a:blip r:embed="rId10"/>
-              <a:stretch>
-                <a:fillRect/>
-              </a:stretch>
-            </p:blipFill>
-            <p:spPr>
-              <a:xfrm>
-                <a:off x="3643335" y="1524870"/>
-                <a:ext cx="9000" cy="12600"/>
-              </a:xfrm>
-              <a:prstGeom prst="rect">
-                <a:avLst/>
-              </a:prstGeom>
-            </p:spPr>
-          </p:pic>
-        </mc:Fallback>
-      </mc:AlternateContent>
-      <p:sp>
-        <p:nvSpPr>
-          <p:cNvPr id="27" name="Téglalap: lekerekített 26">
-            <a:extLst>
-              <a:ext uri="{FF2B5EF4-FFF2-40B4-BE49-F238E27FC236}">
-                <a16:creationId xmlns:a16="http://schemas.microsoft.com/office/drawing/2014/main" id="{CA582CD2-BD9E-4892-926B-0727874A393C}"/>
-              </a:ext>
-            </a:extLst>
-          </p:cNvPr>
-          <p:cNvSpPr/>
-          <p:nvPr/>
-        </p:nvSpPr>
-        <p:spPr>
-          <a:xfrm>
-            <a:off x="366398" y="1272838"/>
-            <a:ext cx="3174445" cy="369332"/>
+            <a:off x="524438" y="6218577"/>
+            <a:ext cx="1529817" cy="384226"/>
           </a:xfrm>
           <a:prstGeom prst="roundRect">
             <a:avLst/>
@@ -6847,66 +5514,198 @@
           <a:lstStyle/>
           <a:p>
             <a:pPr algn="ctr"/>
-            <a:endParaRPr lang="en-US"/>
+            <a:r>
+              <a:rPr lang="hu-HU" dirty="0"/>
+              <a:t>hozzáad</a:t>
+            </a:r>
+            <a:endParaRPr lang="en-US" dirty="0"/>
           </a:p>
         </p:txBody>
       </p:sp>
       <p:sp>
         <p:nvSpPr>
-          <p:cNvPr id="29" name="Szövegdoboz 28">
+          <p:cNvPr id="37" name="Téglalap: lekerekített 36">
             <a:extLst>
               <a:ext uri="{FF2B5EF4-FFF2-40B4-BE49-F238E27FC236}">
-                <a16:creationId xmlns:a16="http://schemas.microsoft.com/office/drawing/2014/main" id="{56E042B7-CC3B-44AF-A1D7-DFB10E0B6C11}"/>
+                <a16:creationId xmlns:a16="http://schemas.microsoft.com/office/drawing/2014/main" id="{8D06FFA9-B3A0-41D6-A9CE-3D25164A7862}"/>
               </a:ext>
             </a:extLst>
           </p:cNvPr>
-          <p:cNvSpPr txBox="1"/>
+          <p:cNvSpPr/>
           <p:nvPr/>
         </p:nvSpPr>
         <p:spPr>
           <a:xfrm>
-            <a:off x="366398" y="1266906"/>
-            <a:ext cx="3287849" cy="646331"/>
+            <a:off x="9904728" y="1002772"/>
+            <a:ext cx="2095461" cy="237444"/>
           </a:xfrm>
-          <a:prstGeom prst="rect">
+          <a:prstGeom prst="roundRect">
             <a:avLst/>
           </a:prstGeom>
           <a:noFill/>
+          <a:ln w="25400">
+            <a:solidFill>
+              <a:schemeClr val="tx1">
+                <a:lumMod val="85000"/>
+                <a:lumOff val="15000"/>
+              </a:schemeClr>
+            </a:solidFill>
+          </a:ln>
         </p:spPr>
+        <p:style>
+          <a:lnRef idx="2">
+            <a:schemeClr val="accent1">
+              <a:shade val="50000"/>
+            </a:schemeClr>
+          </a:lnRef>
+          <a:fillRef idx="1">
+            <a:schemeClr val="accent1"/>
+          </a:fillRef>
+          <a:effectRef idx="0">
+            <a:schemeClr val="accent1"/>
+          </a:effectRef>
+          <a:fontRef idx="minor">
+            <a:schemeClr val="lt1"/>
+          </a:fontRef>
+        </p:style>
         <p:txBody>
-          <a:bodyPr wrap="square" rtlCol="0">
-            <a:spAutoFit/>
-          </a:bodyPr>
+          <a:bodyPr rtlCol="0" anchor="ctr"/>
           <a:lstStyle/>
           <a:p>
             <a:r>
-              <a:rPr lang="hu-HU" dirty="0">
+              <a:rPr lang="hu-HU" sz="2400" dirty="0">
                 <a:solidFill>
-                  <a:schemeClr val="bg1">
-                    <a:lumMod val="95000"/>
-                  </a:schemeClr>
+                  <a:srgbClr val="272320"/>
                 </a:solidFill>
                 <a:latin typeface="Consolas" panose="020B0609020204030204" pitchFamily="49" charset="0"/>
               </a:rPr>
-              <a:t>Név/Azonosító:______________</a:t>
+              <a:t>kereső</a:t>
             </a:r>
-            <a:endParaRPr lang="en-US" dirty="0">
+            <a:endParaRPr lang="en-US" sz="2400" dirty="0">
               <a:solidFill>
-                <a:schemeClr val="bg1">
-                  <a:lumMod val="95000"/>
-                </a:schemeClr>
+                <a:srgbClr val="272320"/>
               </a:solidFill>
               <a:latin typeface="Consolas" panose="020B0609020204030204" pitchFamily="49" charset="0"/>
             </a:endParaRPr>
           </a:p>
         </p:txBody>
       </p:sp>
+      <p:sp>
+        <p:nvSpPr>
+          <p:cNvPr id="38" name="Téglalap: lekerekített 37">
+            <a:extLst>
+              <a:ext uri="{FF2B5EF4-FFF2-40B4-BE49-F238E27FC236}">
+                <a16:creationId xmlns:a16="http://schemas.microsoft.com/office/drawing/2014/main" id="{5B908A17-77C5-4810-9428-12D0F7362426}"/>
+              </a:ext>
+            </a:extLst>
+          </p:cNvPr>
+          <p:cNvSpPr/>
+          <p:nvPr/>
+        </p:nvSpPr>
+        <p:spPr>
+          <a:xfrm>
+            <a:off x="10193459" y="1372698"/>
+            <a:ext cx="1473901" cy="328021"/>
+          </a:xfrm>
+          <a:prstGeom prst="roundRect">
+            <a:avLst/>
+          </a:prstGeom>
+          <a:solidFill>
+            <a:schemeClr val="tx1">
+              <a:lumMod val="65000"/>
+              <a:lumOff val="35000"/>
+            </a:schemeClr>
+          </a:solidFill>
+          <a:ln w="25400">
+            <a:noFill/>
+          </a:ln>
+        </p:spPr>
+        <p:style>
+          <a:lnRef idx="2">
+            <a:schemeClr val="accent1">
+              <a:shade val="50000"/>
+            </a:schemeClr>
+          </a:lnRef>
+          <a:fillRef idx="1">
+            <a:schemeClr val="accent1"/>
+          </a:fillRef>
+          <a:effectRef idx="0">
+            <a:schemeClr val="accent1"/>
+          </a:effectRef>
+          <a:fontRef idx="minor">
+            <a:schemeClr val="lt1"/>
+          </a:fontRef>
+        </p:style>
+        <p:txBody>
+          <a:bodyPr rtlCol="0" anchor="ctr"/>
+          <a:lstStyle/>
+          <a:p>
+            <a:pPr algn="ctr"/>
+            <a:r>
+              <a:rPr lang="hu-HU" dirty="0"/>
+              <a:t>keres</a:t>
+            </a:r>
+            <a:endParaRPr lang="en-US" dirty="0"/>
+          </a:p>
+        </p:txBody>
+      </p:sp>
+      <mc:AlternateContent xmlns:mc="http://schemas.openxmlformats.org/markup-compatibility/2006" xmlns:p14="http://schemas.microsoft.com/office/powerpoint/2010/main">
+        <mc:Choice Requires="p14">
+          <p:contentPart p14:bwMode="auto" r:id="rId12">
+            <p14:nvContentPartPr>
+              <p14:cNvPr id="39" name="Szabadkéz 38">
+                <a:extLst>
+                  <a:ext uri="{FF2B5EF4-FFF2-40B4-BE49-F238E27FC236}">
+                    <a16:creationId xmlns:a16="http://schemas.microsoft.com/office/drawing/2014/main" id="{946B1BCD-8765-4A37-9722-EEFBD168D14A}"/>
+                  </a:ext>
+                </a:extLst>
+              </p14:cNvPr>
+              <p14:cNvContentPartPr/>
+              <p14:nvPr/>
+            </p14:nvContentPartPr>
+            <p14:xfrm>
+              <a:off x="1178454" y="2263838"/>
+              <a:ext cx="3960" cy="360"/>
+            </p14:xfrm>
+          </p:contentPart>
+        </mc:Choice>
+        <mc:Fallback xmlns="">
+          <p:pic>
+            <p:nvPicPr>
+              <p:cNvPr id="39" name="Szabadkéz 38">
+                <a:extLst>
+                  <a:ext uri="{FF2B5EF4-FFF2-40B4-BE49-F238E27FC236}">
+                    <a16:creationId xmlns:a16="http://schemas.microsoft.com/office/drawing/2014/main" id="{946B1BCD-8765-4A37-9722-EEFBD168D14A}"/>
+                  </a:ext>
+                </a:extLst>
+              </p:cNvPr>
+              <p:cNvPicPr/>
+              <p:nvPr/>
+            </p:nvPicPr>
+            <p:blipFill>
+              <a:blip r:embed="rId13"/>
+              <a:stretch>
+                <a:fillRect/>
+              </a:stretch>
+            </p:blipFill>
+            <p:spPr>
+              <a:xfrm>
+                <a:off x="1174494" y="2259518"/>
+                <a:ext cx="11880" cy="9000"/>
+              </a:xfrm>
+              <a:prstGeom prst="rect">
+                <a:avLst/>
+              </a:prstGeom>
+            </p:spPr>
+          </p:pic>
+        </mc:Fallback>
+      </mc:AlternateContent>
       <p:graphicFrame>
         <p:nvGraphicFramePr>
-          <p:cNvPr id="31" name="Táblázat 15">
+          <p:cNvPr id="40" name="Táblázat 8">
             <a:extLst>
               <a:ext uri="{FF2B5EF4-FFF2-40B4-BE49-F238E27FC236}">
-                <a16:creationId xmlns:a16="http://schemas.microsoft.com/office/drawing/2014/main" id="{86933752-E350-4CFC-9B88-C92C4EE06EF6}"/>
+                <a16:creationId xmlns:a16="http://schemas.microsoft.com/office/drawing/2014/main" id="{618E6C46-FF24-4B57-B085-CAA36774CE68}"/>
               </a:ext>
             </a:extLst>
           </p:cNvPr>
@@ -6916,215 +5715,13 @@
           <p:nvPr>
             <p:extLst>
               <p:ext uri="{D42A27DB-BD31-4B8C-83A1-F6EECF244321}">
-                <p14:modId xmlns:p14="http://schemas.microsoft.com/office/powerpoint/2010/main" val="269002121"/>
+                <p14:modId xmlns:p14="http://schemas.microsoft.com/office/powerpoint/2010/main" val="13064622"/>
               </p:ext>
             </p:extLst>
           </p:nvPr>
         </p:nvGraphicFramePr>
         <p:xfrm>
-          <a:off x="1993182" y="2162082"/>
-          <a:ext cx="1783778" cy="736600"/>
-        </p:xfrm>
-        <a:graphic>
-          <a:graphicData uri="http://schemas.openxmlformats.org/drawingml/2006/table">
-            <a:tbl>
-              <a:tblPr firstRow="1" bandRow="1">
-                <a:tableStyleId>{5C22544A-7EE6-4342-B048-85BDC9FD1C3A}</a:tableStyleId>
-              </a:tblPr>
-              <a:tblGrid>
-                <a:gridCol w="891889">
-                  <a:extLst>
-                    <a:ext uri="{9D8B030D-6E8A-4147-A177-3AD203B41FA5}">
-                      <a16:colId xmlns:a16="http://schemas.microsoft.com/office/drawing/2014/main" val="2819556351"/>
-                    </a:ext>
-                  </a:extLst>
-                </a:gridCol>
-                <a:gridCol w="891889">
-                  <a:extLst>
-                    <a:ext uri="{9D8B030D-6E8A-4147-A177-3AD203B41FA5}">
-                      <a16:colId xmlns:a16="http://schemas.microsoft.com/office/drawing/2014/main" val="1223631071"/>
-                    </a:ext>
-                  </a:extLst>
-                </a:gridCol>
-              </a:tblGrid>
-              <a:tr h="351666">
-                <a:tc gridSpan="2">
-                  <a:txBody>
-                    <a:bodyPr/>
-                    <a:lstStyle/>
-                    <a:p>
-                      <a:pPr algn="ctr"/>
-                      <a:r>
-                        <a:rPr lang="hu-HU" dirty="0">
-                          <a:solidFill>
-                            <a:schemeClr val="bg1">
-                              <a:lumMod val="95000"/>
-                            </a:schemeClr>
-                          </a:solidFill>
-                          <a:latin typeface="Consolas" panose="020B0609020204030204" pitchFamily="49" charset="0"/>
-                        </a:rPr>
-                        <a:t>Mennyiség</a:t>
-                      </a:r>
-                      <a:endParaRPr lang="en-US" dirty="0">
-                        <a:solidFill>
-                          <a:schemeClr val="bg1">
-                            <a:lumMod val="95000"/>
-                          </a:schemeClr>
-                        </a:solidFill>
-                        <a:latin typeface="Consolas" panose="020B0609020204030204" pitchFamily="49" charset="0"/>
-                      </a:endParaRPr>
-                    </a:p>
-                  </a:txBody>
-                  <a:tcPr>
-                    <a:solidFill>
-                      <a:schemeClr val="tx1">
-                        <a:lumMod val="65000"/>
-                        <a:lumOff val="35000"/>
-                      </a:schemeClr>
-                    </a:solidFill>
-                  </a:tcPr>
-                </a:tc>
-                <a:tc hMerge="1">
-                  <a:txBody>
-                    <a:bodyPr/>
-                    <a:lstStyle/>
-                    <a:p>
-                      <a:endParaRPr lang="en-US" dirty="0"/>
-                    </a:p>
-                  </a:txBody>
-                  <a:tcPr/>
-                </a:tc>
-                <a:extLst>
-                  <a:ext uri="{0D108BD9-81ED-4DB2-BD59-A6C34878D82A}">
-                    <a16:rowId xmlns:a16="http://schemas.microsoft.com/office/drawing/2014/main" val="3472378719"/>
-                  </a:ext>
-                </a:extLst>
-              </a:tr>
-              <a:tr h="370840">
-                <a:tc>
-                  <a:txBody>
-                    <a:bodyPr/>
-                    <a:lstStyle/>
-                    <a:p>
-                      <a:r>
-                        <a:rPr lang="hu-HU" dirty="0">
-                          <a:solidFill>
-                            <a:schemeClr val="bg1">
-                              <a:lumMod val="95000"/>
-                            </a:schemeClr>
-                          </a:solidFill>
-                          <a:latin typeface="Consolas" panose="020B0609020204030204" pitchFamily="49" charset="0"/>
-                        </a:rPr>
-                        <a:t>-</a:t>
-                      </a:r>
-                      <a:r>
-                        <a:rPr lang="hu-HU" dirty="0" err="1">
-                          <a:solidFill>
-                            <a:schemeClr val="bg1">
-                              <a:lumMod val="95000"/>
-                            </a:schemeClr>
-                          </a:solidFill>
-                          <a:latin typeface="Consolas" panose="020B0609020204030204" pitchFamily="49" charset="0"/>
-                        </a:rPr>
-                        <a:t>tól</a:t>
-                      </a:r>
-                      <a:endParaRPr lang="en-US" dirty="0">
-                        <a:solidFill>
-                          <a:schemeClr val="bg1">
-                            <a:lumMod val="95000"/>
-                          </a:schemeClr>
-                        </a:solidFill>
-                        <a:latin typeface="Consolas" panose="020B0609020204030204" pitchFamily="49" charset="0"/>
-                      </a:endParaRPr>
-                    </a:p>
-                  </a:txBody>
-                  <a:tcPr>
-                    <a:solidFill>
-                      <a:schemeClr val="tx1">
-                        <a:lumMod val="65000"/>
-                        <a:lumOff val="35000"/>
-                      </a:schemeClr>
-                    </a:solidFill>
-                  </a:tcPr>
-                </a:tc>
-                <a:tc>
-                  <a:txBody>
-                    <a:bodyPr/>
-                    <a:lstStyle/>
-                    <a:p>
-                      <a:r>
-                        <a:rPr lang="hu-HU" dirty="0">
-                          <a:solidFill>
-                            <a:schemeClr val="bg1">
-                              <a:lumMod val="95000"/>
-                            </a:schemeClr>
-                          </a:solidFill>
-                          <a:latin typeface="Consolas" panose="020B0609020204030204" pitchFamily="49" charset="0"/>
-                        </a:rPr>
-                        <a:t>-</a:t>
-                      </a:r>
-                      <a:r>
-                        <a:rPr lang="hu-HU" dirty="0" err="1">
-                          <a:solidFill>
-                            <a:schemeClr val="bg1">
-                              <a:lumMod val="95000"/>
-                            </a:schemeClr>
-                          </a:solidFill>
-                          <a:latin typeface="Consolas" panose="020B0609020204030204" pitchFamily="49" charset="0"/>
-                        </a:rPr>
-                        <a:t>ig</a:t>
-                      </a:r>
-                      <a:endParaRPr lang="en-US" dirty="0">
-                        <a:solidFill>
-                          <a:schemeClr val="bg1">
-                            <a:lumMod val="95000"/>
-                          </a:schemeClr>
-                        </a:solidFill>
-                        <a:latin typeface="Consolas" panose="020B0609020204030204" pitchFamily="49" charset="0"/>
-                      </a:endParaRPr>
-                    </a:p>
-                  </a:txBody>
-                  <a:tcPr>
-                    <a:solidFill>
-                      <a:schemeClr val="tx1">
-                        <a:lumMod val="65000"/>
-                        <a:lumOff val="35000"/>
-                      </a:schemeClr>
-                    </a:solidFill>
-                  </a:tcPr>
-                </a:tc>
-                <a:extLst>
-                  <a:ext uri="{0D108BD9-81ED-4DB2-BD59-A6C34878D82A}">
-                    <a16:rowId xmlns:a16="http://schemas.microsoft.com/office/drawing/2014/main" val="1465097003"/>
-                  </a:ext>
-                </a:extLst>
-              </a:tr>
-            </a:tbl>
-          </a:graphicData>
-        </a:graphic>
-      </p:graphicFrame>
-      <p:graphicFrame>
-        <p:nvGraphicFramePr>
-          <p:cNvPr id="32" name="Táblázat 8">
-            <a:extLst>
-              <a:ext uri="{FF2B5EF4-FFF2-40B4-BE49-F238E27FC236}">
-                <a16:creationId xmlns:a16="http://schemas.microsoft.com/office/drawing/2014/main" id="{E65AEBBE-164A-4D0F-B668-820D1CF57D90}"/>
-              </a:ext>
-            </a:extLst>
-          </p:cNvPr>
-          <p:cNvGraphicFramePr>
-            <a:graphicFrameLocks noGrp="1"/>
-          </p:cNvGraphicFramePr>
-          <p:nvPr>
-            <p:extLst>
-              <p:ext uri="{D42A27DB-BD31-4B8C-83A1-F6EECF244321}">
-                <p14:modId xmlns:p14="http://schemas.microsoft.com/office/powerpoint/2010/main" val="3882560378"/>
-              </p:ext>
-            </p:extLst>
-          </p:nvPr>
-        </p:nvGraphicFramePr>
-        <p:xfrm>
-          <a:off x="366398" y="2166377"/>
+          <a:off x="10149609" y="2829831"/>
           <a:ext cx="1476607" cy="3703498"/>
         </p:xfrm>
         <a:graphic>
@@ -7744,12 +6341,71 @@
           </a:graphicData>
         </a:graphic>
       </p:graphicFrame>
+      <p:sp>
+        <p:nvSpPr>
+          <p:cNvPr id="41" name="Téglalap: lekerekített 40">
+            <a:extLst>
+              <a:ext uri="{FF2B5EF4-FFF2-40B4-BE49-F238E27FC236}">
+                <a16:creationId xmlns:a16="http://schemas.microsoft.com/office/drawing/2014/main" id="{D4696D26-7F92-4075-962D-D6F4E18D5931}"/>
+              </a:ext>
+            </a:extLst>
+          </p:cNvPr>
+          <p:cNvSpPr/>
+          <p:nvPr/>
+        </p:nvSpPr>
+        <p:spPr>
+          <a:xfrm>
+            <a:off x="5336709" y="6289358"/>
+            <a:ext cx="1594302" cy="390671"/>
+          </a:xfrm>
+          <a:prstGeom prst="roundRect">
+            <a:avLst/>
+          </a:prstGeom>
+          <a:solidFill>
+            <a:schemeClr val="tx1">
+              <a:lumMod val="65000"/>
+              <a:lumOff val="35000"/>
+            </a:schemeClr>
+          </a:solidFill>
+          <a:ln w="25400">
+            <a:noFill/>
+          </a:ln>
+        </p:spPr>
+        <p:style>
+          <a:lnRef idx="2">
+            <a:schemeClr val="accent1">
+              <a:shade val="50000"/>
+            </a:schemeClr>
+          </a:lnRef>
+          <a:fillRef idx="1">
+            <a:schemeClr val="accent1"/>
+          </a:fillRef>
+          <a:effectRef idx="0">
+            <a:schemeClr val="accent1"/>
+          </a:effectRef>
+          <a:fontRef idx="minor">
+            <a:schemeClr val="lt1"/>
+          </a:fontRef>
+        </p:style>
+        <p:txBody>
+          <a:bodyPr rtlCol="0" anchor="ctr"/>
+          <a:lstStyle/>
+          <a:p>
+            <a:pPr algn="ctr"/>
+            <a:r>
+              <a:rPr lang="hu-HU" dirty="0"/>
+              <a:t>töröl</a:t>
+            </a:r>
+            <a:endParaRPr lang="en-US" dirty="0"/>
+          </a:p>
+        </p:txBody>
+      </p:sp>
       <p:graphicFrame>
         <p:nvGraphicFramePr>
-          <p:cNvPr id="33" name="Táblázat 7">
+          <p:cNvPr id="42" name="Táblázat 15">
             <a:extLst>
               <a:ext uri="{FF2B5EF4-FFF2-40B4-BE49-F238E27FC236}">
-                <a16:creationId xmlns:a16="http://schemas.microsoft.com/office/drawing/2014/main" id="{0F5286E0-FB4C-41A9-9C19-515A07A935A5}"/>
+                <a16:creationId xmlns:a16="http://schemas.microsoft.com/office/drawing/2014/main" id="{143F06B7-7EE2-48A0-A8BB-2EB2F34F669C}"/>
               </a:ext>
             </a:extLst>
           </p:cNvPr>
@@ -7759,14 +6415,14 @@
           <p:nvPr>
             <p:extLst>
               <p:ext uri="{D42A27DB-BD31-4B8C-83A1-F6EECF244321}">
-                <p14:modId xmlns:p14="http://schemas.microsoft.com/office/powerpoint/2010/main" val="3338780049"/>
+                <p14:modId xmlns:p14="http://schemas.microsoft.com/office/powerpoint/2010/main" val="2934275460"/>
               </p:ext>
             </p:extLst>
           </p:nvPr>
         </p:nvGraphicFramePr>
         <p:xfrm>
-          <a:off x="3773892" y="885877"/>
-          <a:ext cx="8202610" cy="5545978"/>
+          <a:off x="9996025" y="1911436"/>
+          <a:ext cx="1783778" cy="736600"/>
         </p:xfrm>
         <a:graphic>
           <a:graphicData uri="http://schemas.openxmlformats.org/drawingml/2006/table">
@@ -7775,43 +6431,904 @@
                 <a:tableStyleId>{5C22544A-7EE6-4342-B048-85BDC9FD1C3A}</a:tableStyleId>
               </a:tblPr>
               <a:tblGrid>
-                <a:gridCol w="1640522">
+                <a:gridCol w="891889">
+                  <a:extLst>
+                    <a:ext uri="{9D8B030D-6E8A-4147-A177-3AD203B41FA5}">
+                      <a16:colId xmlns:a16="http://schemas.microsoft.com/office/drawing/2014/main" val="2819556351"/>
+                    </a:ext>
+                  </a:extLst>
+                </a:gridCol>
+                <a:gridCol w="891889">
+                  <a:extLst>
+                    <a:ext uri="{9D8B030D-6E8A-4147-A177-3AD203B41FA5}">
+                      <a16:colId xmlns:a16="http://schemas.microsoft.com/office/drawing/2014/main" val="1223631071"/>
+                    </a:ext>
+                  </a:extLst>
+                </a:gridCol>
+              </a:tblGrid>
+              <a:tr h="351666">
+                <a:tc gridSpan="2">
+                  <a:txBody>
+                    <a:bodyPr/>
+                    <a:lstStyle/>
+                    <a:p>
+                      <a:pPr algn="ctr"/>
+                      <a:r>
+                        <a:rPr lang="hu-HU" dirty="0">
+                          <a:solidFill>
+                            <a:schemeClr val="bg1">
+                              <a:lumMod val="95000"/>
+                            </a:schemeClr>
+                          </a:solidFill>
+                          <a:latin typeface="Consolas" panose="020B0609020204030204" pitchFamily="49" charset="0"/>
+                        </a:rPr>
+                        <a:t>Mennyiség</a:t>
+                      </a:r>
+                      <a:endParaRPr lang="en-US" dirty="0">
+                        <a:solidFill>
+                          <a:schemeClr val="bg1">
+                            <a:lumMod val="95000"/>
+                          </a:schemeClr>
+                        </a:solidFill>
+                        <a:latin typeface="Consolas" panose="020B0609020204030204" pitchFamily="49" charset="0"/>
+                      </a:endParaRPr>
+                    </a:p>
+                  </a:txBody>
+                  <a:tcPr>
+                    <a:solidFill>
+                      <a:schemeClr val="tx1">
+                        <a:lumMod val="65000"/>
+                        <a:lumOff val="35000"/>
+                      </a:schemeClr>
+                    </a:solidFill>
+                  </a:tcPr>
+                </a:tc>
+                <a:tc hMerge="1">
+                  <a:txBody>
+                    <a:bodyPr/>
+                    <a:lstStyle/>
+                    <a:p>
+                      <a:endParaRPr lang="en-US" dirty="0"/>
+                    </a:p>
+                  </a:txBody>
+                  <a:tcPr/>
+                </a:tc>
+                <a:extLst>
+                  <a:ext uri="{0D108BD9-81ED-4DB2-BD59-A6C34878D82A}">
+                    <a16:rowId xmlns:a16="http://schemas.microsoft.com/office/drawing/2014/main" val="3472378719"/>
+                  </a:ext>
+                </a:extLst>
+              </a:tr>
+              <a:tr h="370840">
+                <a:tc>
+                  <a:txBody>
+                    <a:bodyPr/>
+                    <a:lstStyle/>
+                    <a:p>
+                      <a:r>
+                        <a:rPr lang="hu-HU" dirty="0">
+                          <a:solidFill>
+                            <a:schemeClr val="bg1">
+                              <a:lumMod val="95000"/>
+                            </a:schemeClr>
+                          </a:solidFill>
+                          <a:latin typeface="Consolas" panose="020B0609020204030204" pitchFamily="49" charset="0"/>
+                        </a:rPr>
+                        <a:t>-</a:t>
+                      </a:r>
+                      <a:r>
+                        <a:rPr lang="hu-HU" dirty="0" err="1">
+                          <a:solidFill>
+                            <a:schemeClr val="bg1">
+                              <a:lumMod val="95000"/>
+                            </a:schemeClr>
+                          </a:solidFill>
+                          <a:latin typeface="Consolas" panose="020B0609020204030204" pitchFamily="49" charset="0"/>
+                        </a:rPr>
+                        <a:t>tól</a:t>
+                      </a:r>
+                      <a:endParaRPr lang="en-US" dirty="0">
+                        <a:solidFill>
+                          <a:schemeClr val="bg1">
+                            <a:lumMod val="95000"/>
+                          </a:schemeClr>
+                        </a:solidFill>
+                        <a:latin typeface="Consolas" panose="020B0609020204030204" pitchFamily="49" charset="0"/>
+                      </a:endParaRPr>
+                    </a:p>
+                  </a:txBody>
+                  <a:tcPr>
+                    <a:solidFill>
+                      <a:schemeClr val="tx1">
+                        <a:lumMod val="65000"/>
+                        <a:lumOff val="35000"/>
+                      </a:schemeClr>
+                    </a:solidFill>
+                  </a:tcPr>
+                </a:tc>
+                <a:tc>
+                  <a:txBody>
+                    <a:bodyPr/>
+                    <a:lstStyle/>
+                    <a:p>
+                      <a:r>
+                        <a:rPr lang="hu-HU" dirty="0">
+                          <a:solidFill>
+                            <a:schemeClr val="bg1">
+                              <a:lumMod val="95000"/>
+                            </a:schemeClr>
+                          </a:solidFill>
+                          <a:latin typeface="Consolas" panose="020B0609020204030204" pitchFamily="49" charset="0"/>
+                        </a:rPr>
+                        <a:t>-</a:t>
+                      </a:r>
+                      <a:r>
+                        <a:rPr lang="hu-HU" dirty="0" err="1">
+                          <a:solidFill>
+                            <a:schemeClr val="bg1">
+                              <a:lumMod val="95000"/>
+                            </a:schemeClr>
+                          </a:solidFill>
+                          <a:latin typeface="Consolas" panose="020B0609020204030204" pitchFamily="49" charset="0"/>
+                        </a:rPr>
+                        <a:t>ig</a:t>
+                      </a:r>
+                      <a:endParaRPr lang="en-US" dirty="0">
+                        <a:solidFill>
+                          <a:schemeClr val="bg1">
+                            <a:lumMod val="95000"/>
+                          </a:schemeClr>
+                        </a:solidFill>
+                        <a:latin typeface="Consolas" panose="020B0609020204030204" pitchFamily="49" charset="0"/>
+                      </a:endParaRPr>
+                    </a:p>
+                  </a:txBody>
+                  <a:tcPr>
+                    <a:solidFill>
+                      <a:schemeClr val="tx1">
+                        <a:lumMod val="65000"/>
+                        <a:lumOff val="35000"/>
+                      </a:schemeClr>
+                    </a:solidFill>
+                  </a:tcPr>
+                </a:tc>
+                <a:extLst>
+                  <a:ext uri="{0D108BD9-81ED-4DB2-BD59-A6C34878D82A}">
+                    <a16:rowId xmlns:a16="http://schemas.microsoft.com/office/drawing/2014/main" val="1465097003"/>
+                  </a:ext>
+                </a:extLst>
+              </a:tr>
+            </a:tbl>
+          </a:graphicData>
+        </a:graphic>
+      </p:graphicFrame>
+      <p:graphicFrame>
+        <p:nvGraphicFramePr>
+          <p:cNvPr id="44" name="Táblázat 10">
+            <a:extLst>
+              <a:ext uri="{FF2B5EF4-FFF2-40B4-BE49-F238E27FC236}">
+                <a16:creationId xmlns:a16="http://schemas.microsoft.com/office/drawing/2014/main" id="{FB3BD2E4-348D-483B-AF85-FD0485DACCEA}"/>
+              </a:ext>
+            </a:extLst>
+          </p:cNvPr>
+          <p:cNvGraphicFramePr>
+            <a:graphicFrameLocks noGrp="1"/>
+          </p:cNvGraphicFramePr>
+          <p:nvPr>
+            <p:extLst>
+              <p:ext uri="{D42A27DB-BD31-4B8C-83A1-F6EECF244321}">
+                <p14:modId xmlns:p14="http://schemas.microsoft.com/office/powerpoint/2010/main" val="2075967553"/>
+              </p:ext>
+            </p:extLst>
+          </p:nvPr>
+        </p:nvGraphicFramePr>
+        <p:xfrm>
+          <a:off x="242109" y="995099"/>
+          <a:ext cx="2141419" cy="3945424"/>
+        </p:xfrm>
+        <a:graphic>
+          <a:graphicData uri="http://schemas.openxmlformats.org/drawingml/2006/table">
+            <a:tbl>
+              <a:tblPr firstRow="1" bandRow="1">
+                <a:tableStyleId>{5C22544A-7EE6-4342-B048-85BDC9FD1C3A}</a:tableStyleId>
+              </a:tblPr>
+              <a:tblGrid>
+                <a:gridCol w="1057801">
+                  <a:extLst>
+                    <a:ext uri="{9D8B030D-6E8A-4147-A177-3AD203B41FA5}">
+                      <a16:colId xmlns:a16="http://schemas.microsoft.com/office/drawing/2014/main" val="1674264119"/>
+                    </a:ext>
+                  </a:extLst>
+                </a:gridCol>
+                <a:gridCol w="1083618">
+                  <a:extLst>
+                    <a:ext uri="{9D8B030D-6E8A-4147-A177-3AD203B41FA5}">
+                      <a16:colId xmlns:a16="http://schemas.microsoft.com/office/drawing/2014/main" val="251440785"/>
+                    </a:ext>
+                  </a:extLst>
+                </a:gridCol>
+              </a:tblGrid>
+              <a:tr h="3945424">
+                <a:tc>
+                  <a:txBody>
+                    <a:bodyPr/>
+                    <a:lstStyle/>
+                    <a:p>
+                      <a:r>
+                        <a:rPr lang="hu-HU" sz="1400" b="0" dirty="0">
+                          <a:solidFill>
+                            <a:schemeClr val="bg1">
+                              <a:lumMod val="95000"/>
+                            </a:schemeClr>
+                          </a:solidFill>
+                          <a:latin typeface="Consolas" panose="020B0609020204030204" pitchFamily="49" charset="0"/>
+                        </a:rPr>
+                        <a:t>Összes vér(ml):</a:t>
+                      </a:r>
+                    </a:p>
+                    <a:p>
+                      <a:r>
+                        <a:rPr lang="hu-HU" sz="1400" b="0" dirty="0">
+                          <a:solidFill>
+                            <a:schemeClr val="bg1">
+                              <a:lumMod val="95000"/>
+                            </a:schemeClr>
+                          </a:solidFill>
+                          <a:latin typeface="Consolas" panose="020B0609020204030204" pitchFamily="49" charset="0"/>
+                        </a:rPr>
+                        <a:t>+A-s vér(ml):</a:t>
+                      </a:r>
+                    </a:p>
+                    <a:p>
+                      <a:pPr marL="0" marR="0" lvl="0" indent="0" algn="l" defTabSz="914400" rtl="0" eaLnBrk="1" fontAlgn="auto" latinLnBrk="0" hangingPunct="1">
+                        <a:lnSpc>
+                          <a:spcPct val="100000"/>
+                        </a:lnSpc>
+                        <a:spcBef>
+                          <a:spcPts val="0"/>
+                        </a:spcBef>
+                        <a:spcAft>
+                          <a:spcPts val="0"/>
+                        </a:spcAft>
+                        <a:buClrTx/>
+                        <a:buSzTx/>
+                        <a:buFontTx/>
+                        <a:buNone/>
+                        <a:tabLst/>
+                        <a:defRPr/>
+                      </a:pPr>
+                      <a:r>
+                        <a:rPr lang="hu-HU" sz="1400" b="0" dirty="0">
+                          <a:solidFill>
+                            <a:schemeClr val="bg1">
+                              <a:lumMod val="95000"/>
+                            </a:schemeClr>
+                          </a:solidFill>
+                          <a:latin typeface="Consolas" panose="020B0609020204030204" pitchFamily="49" charset="0"/>
+                        </a:rPr>
+                        <a:t>-A-s vér(ml):</a:t>
+                      </a:r>
+                    </a:p>
+                    <a:p>
+                      <a:r>
+                        <a:rPr lang="hu-HU" sz="1400" b="0" dirty="0">
+                          <a:solidFill>
+                            <a:schemeClr val="bg1">
+                              <a:lumMod val="95000"/>
+                            </a:schemeClr>
+                          </a:solidFill>
+                          <a:latin typeface="Consolas" panose="020B0609020204030204" pitchFamily="49" charset="0"/>
+                        </a:rPr>
+                        <a:t>+B-s vér(ml):</a:t>
+                      </a:r>
+                    </a:p>
+                    <a:p>
+                      <a:pPr marL="0" marR="0" lvl="0" indent="0" algn="l" defTabSz="914400" rtl="0" eaLnBrk="1" fontAlgn="auto" latinLnBrk="0" hangingPunct="1">
+                        <a:lnSpc>
+                          <a:spcPct val="100000"/>
+                        </a:lnSpc>
+                        <a:spcBef>
+                          <a:spcPts val="0"/>
+                        </a:spcBef>
+                        <a:spcAft>
+                          <a:spcPts val="0"/>
+                        </a:spcAft>
+                        <a:buClrTx/>
+                        <a:buSzTx/>
+                        <a:buFontTx/>
+                        <a:buNone/>
+                        <a:tabLst/>
+                        <a:defRPr/>
+                      </a:pPr>
+                      <a:r>
+                        <a:rPr lang="hu-HU" sz="1400" b="0" dirty="0">
+                          <a:solidFill>
+                            <a:schemeClr val="bg1">
+                              <a:lumMod val="95000"/>
+                            </a:schemeClr>
+                          </a:solidFill>
+                          <a:latin typeface="Consolas" panose="020B0609020204030204" pitchFamily="49" charset="0"/>
+                        </a:rPr>
+                        <a:t>-B-s vér(ml):</a:t>
+                      </a:r>
+                    </a:p>
+                    <a:p>
+                      <a:r>
+                        <a:rPr lang="hu-HU" sz="1400" b="0" dirty="0">
+                          <a:solidFill>
+                            <a:schemeClr val="bg1">
+                              <a:lumMod val="95000"/>
+                            </a:schemeClr>
+                          </a:solidFill>
+                          <a:latin typeface="Consolas" panose="020B0609020204030204" pitchFamily="49" charset="0"/>
+                        </a:rPr>
+                        <a:t>+AB-s vér(ml):</a:t>
+                      </a:r>
+                    </a:p>
+                    <a:p>
+                      <a:pPr marL="0" marR="0" lvl="0" indent="0" algn="l" defTabSz="914400" rtl="0" eaLnBrk="1" fontAlgn="auto" latinLnBrk="0" hangingPunct="1">
+                        <a:lnSpc>
+                          <a:spcPct val="100000"/>
+                        </a:lnSpc>
+                        <a:spcBef>
+                          <a:spcPts val="0"/>
+                        </a:spcBef>
+                        <a:spcAft>
+                          <a:spcPts val="0"/>
+                        </a:spcAft>
+                        <a:buClrTx/>
+                        <a:buSzTx/>
+                        <a:buFontTx/>
+                        <a:buNone/>
+                        <a:tabLst/>
+                        <a:defRPr/>
+                      </a:pPr>
+                      <a:r>
+                        <a:rPr lang="hu-HU" sz="1400" b="0" dirty="0">
+                          <a:solidFill>
+                            <a:schemeClr val="bg1">
+                              <a:lumMod val="95000"/>
+                            </a:schemeClr>
+                          </a:solidFill>
+                          <a:latin typeface="Consolas" panose="020B0609020204030204" pitchFamily="49" charset="0"/>
+                        </a:rPr>
+                        <a:t>-AB-s vér(ml):</a:t>
+                      </a:r>
+                    </a:p>
+                    <a:p>
+                      <a:r>
+                        <a:rPr lang="hu-HU" sz="1400" b="0" dirty="0">
+                          <a:solidFill>
+                            <a:schemeClr val="bg1">
+                              <a:lumMod val="95000"/>
+                            </a:schemeClr>
+                          </a:solidFill>
+                          <a:latin typeface="Consolas" panose="020B0609020204030204" pitchFamily="49" charset="0"/>
+                        </a:rPr>
+                        <a:t>+0-s vér(ml):</a:t>
+                      </a:r>
+                    </a:p>
+                    <a:p>
+                      <a:pPr marL="0" marR="0" lvl="0" indent="0" algn="l" defTabSz="914400" rtl="0" eaLnBrk="1" fontAlgn="auto" latinLnBrk="0" hangingPunct="1">
+                        <a:lnSpc>
+                          <a:spcPct val="100000"/>
+                        </a:lnSpc>
+                        <a:spcBef>
+                          <a:spcPts val="0"/>
+                        </a:spcBef>
+                        <a:spcAft>
+                          <a:spcPts val="0"/>
+                        </a:spcAft>
+                        <a:buClrTx/>
+                        <a:buSzTx/>
+                        <a:buFontTx/>
+                        <a:buNone/>
+                        <a:tabLst/>
+                        <a:defRPr/>
+                      </a:pPr>
+                      <a:r>
+                        <a:rPr lang="hu-HU" sz="1400" b="0" dirty="0">
+                          <a:solidFill>
+                            <a:schemeClr val="bg1">
+                              <a:lumMod val="95000"/>
+                            </a:schemeClr>
+                          </a:solidFill>
+                          <a:latin typeface="Consolas" panose="020B0609020204030204" pitchFamily="49" charset="0"/>
+                        </a:rPr>
+                        <a:t>-0-s vér(ml):</a:t>
+                      </a:r>
+                      <a:endParaRPr lang="en-US" sz="1400" b="0" dirty="0">
+                        <a:solidFill>
+                          <a:schemeClr val="bg1">
+                            <a:lumMod val="95000"/>
+                          </a:schemeClr>
+                        </a:solidFill>
+                        <a:latin typeface="Consolas" panose="020B0609020204030204" pitchFamily="49" charset="0"/>
+                      </a:endParaRPr>
+                    </a:p>
+                  </a:txBody>
+                  <a:tcPr>
+                    <a:lnL w="12700" cap="flat" cmpd="sng" algn="ctr">
+                      <a:solidFill>
+                        <a:schemeClr val="bg1">
+                          <a:lumMod val="95000"/>
+                        </a:schemeClr>
+                      </a:solidFill>
+                      <a:prstDash val="solid"/>
+                      <a:round/>
+                      <a:headEnd type="none" w="med" len="med"/>
+                      <a:tailEnd type="none" w="med" len="med"/>
+                    </a:lnL>
+                    <a:lnR w="12700" cap="flat" cmpd="sng" algn="ctr">
+                      <a:solidFill>
+                        <a:schemeClr val="bg1">
+                          <a:lumMod val="95000"/>
+                        </a:schemeClr>
+                      </a:solidFill>
+                      <a:prstDash val="solid"/>
+                      <a:round/>
+                      <a:headEnd type="none" w="med" len="med"/>
+                      <a:tailEnd type="none" w="med" len="med"/>
+                    </a:lnR>
+                    <a:lnT w="12700" cap="flat" cmpd="sng" algn="ctr">
+                      <a:solidFill>
+                        <a:schemeClr val="bg1">
+                          <a:lumMod val="95000"/>
+                        </a:schemeClr>
+                      </a:solidFill>
+                      <a:prstDash val="solid"/>
+                      <a:round/>
+                      <a:headEnd type="none" w="med" len="med"/>
+                      <a:tailEnd type="none" w="med" len="med"/>
+                    </a:lnT>
+                    <a:lnB w="12700" cap="flat" cmpd="sng" algn="ctr">
+                      <a:solidFill>
+                        <a:schemeClr val="bg1">
+                          <a:lumMod val="95000"/>
+                        </a:schemeClr>
+                      </a:solidFill>
+                      <a:prstDash val="solid"/>
+                      <a:round/>
+                      <a:headEnd type="none" w="med" len="med"/>
+                      <a:tailEnd type="none" w="med" len="med"/>
+                    </a:lnB>
+                    <a:solidFill>
+                      <a:schemeClr val="tx1">
+                        <a:lumMod val="65000"/>
+                        <a:lumOff val="35000"/>
+                      </a:schemeClr>
+                    </a:solidFill>
+                  </a:tcPr>
+                </a:tc>
+                <a:tc>
+                  <a:txBody>
+                    <a:bodyPr/>
+                    <a:lstStyle/>
+                    <a:p>
+                      <a:endParaRPr lang="hu-HU" dirty="0">
+                        <a:solidFill>
+                          <a:srgbClr val="CAC7C2"/>
+                        </a:solidFill>
+                      </a:endParaRPr>
+                    </a:p>
+                    <a:p>
+                      <a:endParaRPr lang="en-US" dirty="0">
+                        <a:solidFill>
+                          <a:srgbClr val="CAC7C2"/>
+                        </a:solidFill>
+                      </a:endParaRPr>
+                    </a:p>
+                  </a:txBody>
+                  <a:tcPr>
+                    <a:lnL w="12700" cap="flat" cmpd="sng" algn="ctr">
+                      <a:solidFill>
+                        <a:schemeClr val="bg1">
+                          <a:lumMod val="95000"/>
+                        </a:schemeClr>
+                      </a:solidFill>
+                      <a:prstDash val="solid"/>
+                      <a:round/>
+                      <a:headEnd type="none" w="med" len="med"/>
+                      <a:tailEnd type="none" w="med" len="med"/>
+                    </a:lnL>
+                    <a:lnR w="12700" cap="flat" cmpd="sng" algn="ctr">
+                      <a:solidFill>
+                        <a:schemeClr val="bg1">
+                          <a:lumMod val="95000"/>
+                        </a:schemeClr>
+                      </a:solidFill>
+                      <a:prstDash val="solid"/>
+                      <a:round/>
+                      <a:headEnd type="none" w="med" len="med"/>
+                      <a:tailEnd type="none" w="med" len="med"/>
+                    </a:lnR>
+                    <a:lnT w="12700" cap="flat" cmpd="sng" algn="ctr">
+                      <a:solidFill>
+                        <a:schemeClr val="bg1">
+                          <a:lumMod val="95000"/>
+                        </a:schemeClr>
+                      </a:solidFill>
+                      <a:prstDash val="solid"/>
+                      <a:round/>
+                      <a:headEnd type="none" w="med" len="med"/>
+                      <a:tailEnd type="none" w="med" len="med"/>
+                    </a:lnT>
+                    <a:lnB w="12700" cap="flat" cmpd="sng" algn="ctr">
+                      <a:solidFill>
+                        <a:schemeClr val="bg1">
+                          <a:lumMod val="95000"/>
+                        </a:schemeClr>
+                      </a:solidFill>
+                      <a:prstDash val="solid"/>
+                      <a:round/>
+                      <a:headEnd type="none" w="med" len="med"/>
+                      <a:tailEnd type="none" w="med" len="med"/>
+                    </a:lnB>
+                    <a:solidFill>
+                      <a:schemeClr val="tx1">
+                        <a:lumMod val="65000"/>
+                        <a:lumOff val="35000"/>
+                      </a:schemeClr>
+                    </a:solidFill>
+                  </a:tcPr>
+                </a:tc>
+                <a:extLst>
+                  <a:ext uri="{0D108BD9-81ED-4DB2-BD59-A6C34878D82A}">
+                    <a16:rowId xmlns:a16="http://schemas.microsoft.com/office/drawing/2014/main" val="2944988936"/>
+                  </a:ext>
+                </a:extLst>
+              </a:tr>
+            </a:tbl>
+          </a:graphicData>
+        </a:graphic>
+      </p:graphicFrame>
+      <p:sp>
+        <p:nvSpPr>
+          <p:cNvPr id="31" name="Téglalap: lekerekített 30">
+            <a:extLst>
+              <a:ext uri="{FF2B5EF4-FFF2-40B4-BE49-F238E27FC236}">
+                <a16:creationId xmlns:a16="http://schemas.microsoft.com/office/drawing/2014/main" id="{11E0A757-3770-431B-8A44-A2BCB42F2135}"/>
+              </a:ext>
+            </a:extLst>
+          </p:cNvPr>
+          <p:cNvSpPr/>
+          <p:nvPr/>
+        </p:nvSpPr>
+        <p:spPr>
+          <a:xfrm>
+            <a:off x="1731388" y="121925"/>
+            <a:ext cx="1414238" cy="378365"/>
+          </a:xfrm>
+          <a:prstGeom prst="roundRect">
+            <a:avLst/>
+          </a:prstGeom>
+          <a:solidFill>
+            <a:schemeClr val="tx1">
+              <a:lumMod val="95000"/>
+              <a:lumOff val="5000"/>
+            </a:schemeClr>
+          </a:solidFill>
+          <a:ln w="3175">
+            <a:solidFill>
+              <a:schemeClr val="tx1">
+                <a:alpha val="99000"/>
+              </a:schemeClr>
+            </a:solidFill>
+          </a:ln>
+        </p:spPr>
+        <p:style>
+          <a:lnRef idx="2">
+            <a:schemeClr val="accent1">
+              <a:shade val="50000"/>
+            </a:schemeClr>
+          </a:lnRef>
+          <a:fillRef idx="1">
+            <a:schemeClr val="accent1"/>
+          </a:fillRef>
+          <a:effectRef idx="0">
+            <a:schemeClr val="accent1"/>
+          </a:effectRef>
+          <a:fontRef idx="minor">
+            <a:schemeClr val="lt1"/>
+          </a:fontRef>
+        </p:style>
+        <p:txBody>
+          <a:bodyPr rtlCol="0" anchor="ctr"/>
+          <a:lstStyle/>
+          <a:p>
+            <a:pPr algn="ctr"/>
+            <a:r>
+              <a:rPr lang="hu-HU" dirty="0">
+                <a:solidFill>
+                  <a:schemeClr val="bg1">
+                    <a:lumMod val="95000"/>
+                  </a:schemeClr>
+                </a:solidFill>
+              </a:rPr>
+              <a:t>véradópont</a:t>
+            </a:r>
+            <a:endParaRPr lang="en-US" dirty="0">
+              <a:solidFill>
+                <a:schemeClr val="bg1">
+                  <a:lumMod val="95000"/>
+                </a:schemeClr>
+              </a:solidFill>
+            </a:endParaRPr>
+          </a:p>
+        </p:txBody>
+      </p:sp>
+    </p:spTree>
+    <p:extLst>
+      <p:ext uri="{BB962C8B-B14F-4D97-AF65-F5344CB8AC3E}">
+        <p14:creationId xmlns:p14="http://schemas.microsoft.com/office/powerpoint/2010/main" val="185717489"/>
+      </p:ext>
+    </p:extLst>
+  </p:cSld>
+  <p:clrMapOvr>
+    <a:masterClrMapping/>
+  </p:clrMapOvr>
+</p:sld>
+</file>
+
+<file path=ppt/slides/slide2.xml><?xml version="1.0" encoding="utf-8"?>
+<p:sld xmlns:a="http://schemas.openxmlformats.org/drawingml/2006/main" xmlns:r="http://schemas.openxmlformats.org/officeDocument/2006/relationships" xmlns:p="http://schemas.openxmlformats.org/presentationml/2006/main">
+  <p:cSld>
+    <p:bg>
+      <p:bgPr>
+        <a:solidFill>
+          <a:schemeClr val="bg1">
+            <a:lumMod val="95000"/>
+          </a:schemeClr>
+        </a:solidFill>
+        <a:effectLst/>
+      </p:bgPr>
+    </p:bg>
+    <p:spTree>
+      <p:nvGrpSpPr>
+        <p:cNvPr id="1" name=""/>
+        <p:cNvGrpSpPr/>
+        <p:nvPr/>
+      </p:nvGrpSpPr>
+      <p:grpSpPr>
+        <a:xfrm>
+          <a:off x="0" y="0"/>
+          <a:ext cx="0" cy="0"/>
+          <a:chOff x="0" y="0"/>
+          <a:chExt cx="0" cy="0"/>
+        </a:xfrm>
+      </p:grpSpPr>
+      <p:sp>
+        <p:nvSpPr>
+          <p:cNvPr id="2" name="Téglalap 1">
+            <a:extLst>
+              <a:ext uri="{FF2B5EF4-FFF2-40B4-BE49-F238E27FC236}">
+                <a16:creationId xmlns:a16="http://schemas.microsoft.com/office/drawing/2014/main" id="{1D4B0EED-B93F-4E73-9FC0-6FED5681A0E2}"/>
+              </a:ext>
+            </a:extLst>
+          </p:cNvPr>
+          <p:cNvSpPr/>
+          <p:nvPr/>
+        </p:nvSpPr>
+        <p:spPr>
+          <a:xfrm>
+            <a:off x="0" y="-63397"/>
+            <a:ext cx="12192000" cy="863497"/>
+          </a:xfrm>
+          <a:prstGeom prst="rect">
+            <a:avLst/>
+          </a:prstGeom>
+          <a:solidFill>
+            <a:srgbClr val="BD0D18"/>
+          </a:solidFill>
+          <a:ln w="28575">
+            <a:noFill/>
+          </a:ln>
+        </p:spPr>
+        <p:style>
+          <a:lnRef idx="2">
+            <a:schemeClr val="accent1">
+              <a:shade val="50000"/>
+            </a:schemeClr>
+          </a:lnRef>
+          <a:fillRef idx="1">
+            <a:schemeClr val="accent1"/>
+          </a:fillRef>
+          <a:effectRef idx="0">
+            <a:schemeClr val="accent1"/>
+          </a:effectRef>
+          <a:fontRef idx="minor">
+            <a:schemeClr val="lt1"/>
+          </a:fontRef>
+        </p:style>
+        <p:txBody>
+          <a:bodyPr rtlCol="0" anchor="ctr"/>
+          <a:lstStyle/>
+          <a:p>
+            <a:pPr algn="ctr"/>
+            <a:endParaRPr lang="en-US" dirty="0"/>
+          </a:p>
+        </p:txBody>
+      </p:sp>
+      <p:sp>
+        <p:nvSpPr>
+          <p:cNvPr id="4" name="Téglalap: lekerekített 3">
+            <a:extLst>
+              <a:ext uri="{FF2B5EF4-FFF2-40B4-BE49-F238E27FC236}">
+                <a16:creationId xmlns:a16="http://schemas.microsoft.com/office/drawing/2014/main" id="{39182016-5379-4D63-A7C6-4ECA52EFB311}"/>
+              </a:ext>
+            </a:extLst>
+          </p:cNvPr>
+          <p:cNvSpPr/>
+          <p:nvPr/>
+        </p:nvSpPr>
+        <p:spPr>
+          <a:xfrm>
+            <a:off x="295074" y="135985"/>
+            <a:ext cx="1267028" cy="378365"/>
+          </a:xfrm>
+          <a:prstGeom prst="roundRect">
+            <a:avLst/>
+          </a:prstGeom>
+          <a:solidFill>
+            <a:schemeClr val="tx1">
+              <a:lumMod val="95000"/>
+              <a:lumOff val="5000"/>
+            </a:schemeClr>
+          </a:solidFill>
+          <a:ln w="3175">
+            <a:solidFill>
+              <a:schemeClr val="tx1">
+                <a:alpha val="99000"/>
+              </a:schemeClr>
+            </a:solidFill>
+          </a:ln>
+        </p:spPr>
+        <p:style>
+          <a:lnRef idx="2">
+            <a:schemeClr val="accent1">
+              <a:shade val="50000"/>
+            </a:schemeClr>
+          </a:lnRef>
+          <a:fillRef idx="1">
+            <a:schemeClr val="accent1"/>
+          </a:fillRef>
+          <a:effectRef idx="0">
+            <a:schemeClr val="accent1"/>
+          </a:effectRef>
+          <a:fontRef idx="minor">
+            <a:schemeClr val="lt1"/>
+          </a:fontRef>
+        </p:style>
+        <p:txBody>
+          <a:bodyPr rtlCol="0" anchor="ctr"/>
+          <a:lstStyle/>
+          <a:p>
+            <a:pPr algn="ctr"/>
+            <a:endParaRPr lang="en-US">
+              <a:solidFill>
+                <a:srgbClr val="CAC7C2"/>
+              </a:solidFill>
+            </a:endParaRPr>
+          </a:p>
+        </p:txBody>
+      </p:sp>
+      <p:sp>
+        <p:nvSpPr>
+          <p:cNvPr id="5" name="Szövegdoboz 4">
+            <a:extLst>
+              <a:ext uri="{FF2B5EF4-FFF2-40B4-BE49-F238E27FC236}">
+                <a16:creationId xmlns:a16="http://schemas.microsoft.com/office/drawing/2014/main" id="{4BB8EC08-8C2F-4ABA-9E8A-75D7E81C9A71}"/>
+              </a:ext>
+            </a:extLst>
+          </p:cNvPr>
+          <p:cNvSpPr txBox="1"/>
+          <p:nvPr/>
+        </p:nvSpPr>
+        <p:spPr>
+          <a:xfrm>
+            <a:off x="464359" y="143972"/>
+            <a:ext cx="928459" cy="369332"/>
+          </a:xfrm>
+          <a:prstGeom prst="rect">
+            <a:avLst/>
+          </a:prstGeom>
+          <a:noFill/>
+        </p:spPr>
+        <p:txBody>
+          <a:bodyPr wrap="none" rtlCol="0">
+            <a:spAutoFit/>
+          </a:bodyPr>
+          <a:lstStyle/>
+          <a:p>
+            <a:pPr algn="ctr"/>
+            <a:r>
+              <a:rPr lang="hu-HU" dirty="0">
+                <a:solidFill>
+                  <a:schemeClr val="bg1"/>
+                </a:solidFill>
+                <a:latin typeface="Corbel" panose="020B0503020204020204" pitchFamily="34" charset="0"/>
+                <a:cs typeface="Calibri Light" panose="020F0302020204030204" pitchFamily="34" charset="0"/>
+              </a:rPr>
+              <a:t>véradás</a:t>
+            </a:r>
+            <a:endParaRPr lang="en-US" dirty="0">
+              <a:solidFill>
+                <a:schemeClr val="bg1"/>
+              </a:solidFill>
+              <a:latin typeface="Corbel" panose="020B0503020204020204" pitchFamily="34" charset="0"/>
+              <a:cs typeface="Calibri Light" panose="020F0302020204030204" pitchFamily="34" charset="0"/>
+            </a:endParaRPr>
+          </a:p>
+        </p:txBody>
+      </p:sp>
+      <p:graphicFrame>
+        <p:nvGraphicFramePr>
+          <p:cNvPr id="3" name="Táblázat 7">
+            <a:extLst>
+              <a:ext uri="{FF2B5EF4-FFF2-40B4-BE49-F238E27FC236}">
+                <a16:creationId xmlns:a16="http://schemas.microsoft.com/office/drawing/2014/main" id="{AA3780FE-A12D-4978-8625-B5CECDA91DFF}"/>
+              </a:ext>
+            </a:extLst>
+          </p:cNvPr>
+          <p:cNvGraphicFramePr>
+            <a:graphicFrameLocks noGrp="1"/>
+          </p:cNvGraphicFramePr>
+          <p:nvPr>
+            <p:extLst>
+              <p:ext uri="{D42A27DB-BD31-4B8C-83A1-F6EECF244321}">
+                <p14:modId xmlns:p14="http://schemas.microsoft.com/office/powerpoint/2010/main" val="3008487021"/>
+              </p:ext>
+            </p:extLst>
+          </p:nvPr>
+        </p:nvGraphicFramePr>
+        <p:xfrm>
+          <a:off x="5023757" y="915822"/>
+          <a:ext cx="6839770" cy="5657125"/>
+        </p:xfrm>
+        <a:graphic>
+          <a:graphicData uri="http://schemas.openxmlformats.org/drawingml/2006/table">
+            <a:tbl>
+              <a:tblPr firstRow="1" bandRow="1">
+                <a:tableStyleId>{5C22544A-7EE6-4342-B048-85BDC9FD1C3A}</a:tableStyleId>
+              </a:tblPr>
+              <a:tblGrid>
+                <a:gridCol w="1367954">
                   <a:extLst>
                     <a:ext uri="{9D8B030D-6E8A-4147-A177-3AD203B41FA5}">
                       <a16:colId xmlns:a16="http://schemas.microsoft.com/office/drawing/2014/main" val="2598443847"/>
                     </a:ext>
                   </a:extLst>
                 </a:gridCol>
-                <a:gridCol w="1640522">
+                <a:gridCol w="1367954">
                   <a:extLst>
                     <a:ext uri="{9D8B030D-6E8A-4147-A177-3AD203B41FA5}">
                       <a16:colId xmlns:a16="http://schemas.microsoft.com/office/drawing/2014/main" val="2935347366"/>
                     </a:ext>
                   </a:extLst>
                 </a:gridCol>
-                <a:gridCol w="1640522">
+                <a:gridCol w="1367954">
                   <a:extLst>
                     <a:ext uri="{9D8B030D-6E8A-4147-A177-3AD203B41FA5}">
                       <a16:colId xmlns:a16="http://schemas.microsoft.com/office/drawing/2014/main" val="2368300544"/>
                     </a:ext>
                   </a:extLst>
                 </a:gridCol>
-                <a:gridCol w="1640522">
+                <a:gridCol w="1367954">
                   <a:extLst>
                     <a:ext uri="{9D8B030D-6E8A-4147-A177-3AD203B41FA5}">
-                      <a16:colId xmlns:a16="http://schemas.microsoft.com/office/drawing/2014/main" val="3644187451"/>
+                      <a16:colId xmlns:a16="http://schemas.microsoft.com/office/drawing/2014/main" val="1255189319"/>
                     </a:ext>
                   </a:extLst>
                 </a:gridCol>
-                <a:gridCol w="1640522">
+                <a:gridCol w="1367954">
                   <a:extLst>
                     <a:ext uri="{9D8B030D-6E8A-4147-A177-3AD203B41FA5}">
-                      <a16:colId xmlns:a16="http://schemas.microsoft.com/office/drawing/2014/main" val="616371910"/>
+                      <a16:colId xmlns:a16="http://schemas.microsoft.com/office/drawing/2014/main" val="3495507214"/>
                     </a:ext>
                   </a:extLst>
                 </a:gridCol>
               </a:tblGrid>
-              <a:tr h="414417">
+              <a:tr h="498696">
                 <a:tc>
                   <a:txBody>
                     <a:bodyPr/>
@@ -7907,7 +7424,7 @@
                           </a:solidFill>
                           <a:latin typeface="Consolas" panose="020B0609020204030204" pitchFamily="49" charset="0"/>
                         </a:rPr>
-                        <a:t>Név</a:t>
+                        <a:t>Korház neve</a:t>
                       </a:r>
                       <a:endParaRPr lang="en-US" sz="1800" dirty="0">
                         <a:solidFill>
@@ -7987,7 +7504,7 @@
                           </a:solidFill>
                           <a:latin typeface="Consolas" panose="020B0609020204030204" pitchFamily="49" charset="0"/>
                         </a:rPr>
-                        <a:t>Vércsoport</a:t>
+                        <a:t>Nyitvatartás</a:t>
                       </a:r>
                       <a:endParaRPr lang="en-US" sz="1800" dirty="0">
                         <a:solidFill>
@@ -8059,7 +7576,7 @@
                     <a:p>
                       <a:pPr algn="ctr"/>
                       <a:r>
-                        <a:rPr lang="hu-HU" sz="1600" dirty="0">
+                        <a:rPr lang="hu-HU" sz="1800" dirty="0">
                           <a:solidFill>
                             <a:schemeClr val="bg1">
                               <a:lumMod val="95000"/>
@@ -8067,1090 +7584,7 @@
                           </a:solidFill>
                           <a:latin typeface="Consolas" panose="020B0609020204030204" pitchFamily="49" charset="0"/>
                         </a:rPr>
-                        <a:t>Mennyiség(ml)</a:t>
-                      </a:r>
-                      <a:endParaRPr lang="en-US" sz="1600" dirty="0">
-                        <a:solidFill>
-                          <a:schemeClr val="bg1">
-                            <a:lumMod val="95000"/>
-                          </a:schemeClr>
-                        </a:solidFill>
-                        <a:latin typeface="Consolas" panose="020B0609020204030204" pitchFamily="49" charset="0"/>
-                      </a:endParaRPr>
-                    </a:p>
-                  </a:txBody>
-                  <a:tcPr>
-                    <a:lnL w="12700" cap="flat" cmpd="sng" algn="ctr">
-                      <a:solidFill>
-                        <a:schemeClr val="bg1">
-                          <a:lumMod val="95000"/>
-                        </a:schemeClr>
-                      </a:solidFill>
-                      <a:prstDash val="solid"/>
-                      <a:round/>
-                      <a:headEnd type="none" w="med" len="med"/>
-                      <a:tailEnd type="none" w="med" len="med"/>
-                    </a:lnL>
-                    <a:lnR w="12700" cap="flat" cmpd="sng" algn="ctr">
-                      <a:solidFill>
-                        <a:schemeClr val="bg1">
-                          <a:lumMod val="95000"/>
-                        </a:schemeClr>
-                      </a:solidFill>
-                      <a:prstDash val="solid"/>
-                      <a:round/>
-                      <a:headEnd type="none" w="med" len="med"/>
-                      <a:tailEnd type="none" w="med" len="med"/>
-                    </a:lnR>
-                    <a:lnT w="12700" cap="flat" cmpd="sng" algn="ctr">
-                      <a:solidFill>
-                        <a:schemeClr val="bg1">
-                          <a:lumMod val="95000"/>
-                        </a:schemeClr>
-                      </a:solidFill>
-                      <a:prstDash val="solid"/>
-                      <a:round/>
-                      <a:headEnd type="none" w="med" len="med"/>
-                      <a:tailEnd type="none" w="med" len="med"/>
-                    </a:lnT>
-                    <a:lnB w="12700" cap="flat" cmpd="sng" algn="ctr">
-                      <a:solidFill>
-                        <a:schemeClr val="bg1">
-                          <a:lumMod val="95000"/>
-                        </a:schemeClr>
-                      </a:solidFill>
-                      <a:prstDash val="solid"/>
-                      <a:round/>
-                      <a:headEnd type="none" w="med" len="med"/>
-                      <a:tailEnd type="none" w="med" len="med"/>
-                    </a:lnB>
-                    <a:solidFill>
-                      <a:schemeClr val="tx1">
-                        <a:lumMod val="65000"/>
-                        <a:lumOff val="35000"/>
-                      </a:schemeClr>
-                    </a:solidFill>
-                  </a:tcPr>
-                </a:tc>
-                <a:tc>
-                  <a:txBody>
-                    <a:bodyPr/>
-                    <a:lstStyle/>
-                    <a:p>
-                      <a:pPr algn="ctr"/>
-                      <a:r>
-                        <a:rPr lang="hu-HU" sz="1600" dirty="0">
-                          <a:solidFill>
-                            <a:schemeClr val="bg1">
-                              <a:lumMod val="95000"/>
-                            </a:schemeClr>
-                          </a:solidFill>
-                          <a:latin typeface="Consolas" panose="020B0609020204030204" pitchFamily="49" charset="0"/>
-                        </a:rPr>
-                        <a:t>Korház</a:t>
-                      </a:r>
-                      <a:endParaRPr lang="en-US" sz="1800" dirty="0">
-                        <a:solidFill>
-                          <a:schemeClr val="bg1">
-                            <a:lumMod val="95000"/>
-                          </a:schemeClr>
-                        </a:solidFill>
-                        <a:latin typeface="Consolas" panose="020B0609020204030204" pitchFamily="49" charset="0"/>
-                      </a:endParaRPr>
-                    </a:p>
-                  </a:txBody>
-                  <a:tcPr>
-                    <a:lnL w="12700" cap="flat" cmpd="sng" algn="ctr">
-                      <a:solidFill>
-                        <a:schemeClr val="bg1">
-                          <a:lumMod val="95000"/>
-                        </a:schemeClr>
-                      </a:solidFill>
-                      <a:prstDash val="solid"/>
-                      <a:round/>
-                      <a:headEnd type="none" w="med" len="med"/>
-                      <a:tailEnd type="none" w="med" len="med"/>
-                    </a:lnL>
-                    <a:lnR w="12700" cap="flat" cmpd="sng" algn="ctr">
-                      <a:solidFill>
-                        <a:schemeClr val="bg1">
-                          <a:lumMod val="95000"/>
-                        </a:schemeClr>
-                      </a:solidFill>
-                      <a:prstDash val="solid"/>
-                      <a:round/>
-                      <a:headEnd type="none" w="med" len="med"/>
-                      <a:tailEnd type="none" w="med" len="med"/>
-                    </a:lnR>
-                    <a:lnT w="12700" cap="flat" cmpd="sng" algn="ctr">
-                      <a:solidFill>
-                        <a:schemeClr val="bg1">
-                          <a:lumMod val="95000"/>
-                        </a:schemeClr>
-                      </a:solidFill>
-                      <a:prstDash val="solid"/>
-                      <a:round/>
-                      <a:headEnd type="none" w="med" len="med"/>
-                      <a:tailEnd type="none" w="med" len="med"/>
-                    </a:lnT>
-                    <a:lnB w="12700" cap="flat" cmpd="sng" algn="ctr">
-                      <a:solidFill>
-                        <a:schemeClr val="bg1">
-                          <a:lumMod val="95000"/>
-                        </a:schemeClr>
-                      </a:solidFill>
-                      <a:prstDash val="solid"/>
-                      <a:round/>
-                      <a:headEnd type="none" w="med" len="med"/>
-                      <a:tailEnd type="none" w="med" len="med"/>
-                    </a:lnB>
-                    <a:solidFill>
-                      <a:schemeClr val="tx1">
-                        <a:lumMod val="65000"/>
-                        <a:lumOff val="35000"/>
-                      </a:schemeClr>
-                    </a:solidFill>
-                  </a:tcPr>
-                </a:tc>
-                <a:extLst>
-                  <a:ext uri="{0D108BD9-81ED-4DB2-BD59-A6C34878D82A}">
-                    <a16:rowId xmlns:a16="http://schemas.microsoft.com/office/drawing/2014/main" val="2965694189"/>
-                  </a:ext>
-                </a:extLst>
-              </a:tr>
-              <a:tr h="5131561">
-                <a:tc>
-                  <a:txBody>
-                    <a:bodyPr/>
-                    <a:lstStyle/>
-                    <a:p>
-                      <a:endParaRPr lang="en-US" dirty="0"/>
-                    </a:p>
-                  </a:txBody>
-                  <a:tcPr>
-                    <a:lnL w="12700" cap="flat" cmpd="sng" algn="ctr">
-                      <a:solidFill>
-                        <a:schemeClr val="bg1">
-                          <a:lumMod val="95000"/>
-                        </a:schemeClr>
-                      </a:solidFill>
-                      <a:prstDash val="solid"/>
-                      <a:round/>
-                      <a:headEnd type="none" w="med" len="med"/>
-                      <a:tailEnd type="none" w="med" len="med"/>
-                    </a:lnL>
-                    <a:lnR w="12700" cap="flat" cmpd="sng" algn="ctr">
-                      <a:solidFill>
-                        <a:schemeClr val="bg1">
-                          <a:lumMod val="95000"/>
-                        </a:schemeClr>
-                      </a:solidFill>
-                      <a:prstDash val="solid"/>
-                      <a:round/>
-                      <a:headEnd type="none" w="med" len="med"/>
-                      <a:tailEnd type="none" w="med" len="med"/>
-                    </a:lnR>
-                    <a:lnT w="12700" cap="flat" cmpd="sng" algn="ctr">
-                      <a:solidFill>
-                        <a:schemeClr val="bg1">
-                          <a:lumMod val="95000"/>
-                        </a:schemeClr>
-                      </a:solidFill>
-                      <a:prstDash val="solid"/>
-                      <a:round/>
-                      <a:headEnd type="none" w="med" len="med"/>
-                      <a:tailEnd type="none" w="med" len="med"/>
-                    </a:lnT>
-                    <a:lnB w="12700" cap="flat" cmpd="sng" algn="ctr">
-                      <a:solidFill>
-                        <a:schemeClr val="bg1">
-                          <a:lumMod val="95000"/>
-                        </a:schemeClr>
-                      </a:solidFill>
-                      <a:prstDash val="solid"/>
-                      <a:round/>
-                      <a:headEnd type="none" w="med" len="med"/>
-                      <a:tailEnd type="none" w="med" len="med"/>
-                    </a:lnB>
-                    <a:solidFill>
-                      <a:schemeClr val="tx1">
-                        <a:lumMod val="65000"/>
-                        <a:lumOff val="35000"/>
-                      </a:schemeClr>
-                    </a:solidFill>
-                  </a:tcPr>
-                </a:tc>
-                <a:tc>
-                  <a:txBody>
-                    <a:bodyPr/>
-                    <a:lstStyle/>
-                    <a:p>
-                      <a:endParaRPr lang="en-US" dirty="0"/>
-                    </a:p>
-                  </a:txBody>
-                  <a:tcPr>
-                    <a:lnL w="12700" cap="flat" cmpd="sng" algn="ctr">
-                      <a:solidFill>
-                        <a:schemeClr val="bg1">
-                          <a:lumMod val="95000"/>
-                        </a:schemeClr>
-                      </a:solidFill>
-                      <a:prstDash val="solid"/>
-                      <a:round/>
-                      <a:headEnd type="none" w="med" len="med"/>
-                      <a:tailEnd type="none" w="med" len="med"/>
-                    </a:lnL>
-                    <a:lnR w="12700" cap="flat" cmpd="sng" algn="ctr">
-                      <a:solidFill>
-                        <a:schemeClr val="bg1">
-                          <a:lumMod val="95000"/>
-                        </a:schemeClr>
-                      </a:solidFill>
-                      <a:prstDash val="solid"/>
-                      <a:round/>
-                      <a:headEnd type="none" w="med" len="med"/>
-                      <a:tailEnd type="none" w="med" len="med"/>
-                    </a:lnR>
-                    <a:lnT w="12700" cap="flat" cmpd="sng" algn="ctr">
-                      <a:solidFill>
-                        <a:schemeClr val="bg1">
-                          <a:lumMod val="95000"/>
-                        </a:schemeClr>
-                      </a:solidFill>
-                      <a:prstDash val="solid"/>
-                      <a:round/>
-                      <a:headEnd type="none" w="med" len="med"/>
-                      <a:tailEnd type="none" w="med" len="med"/>
-                    </a:lnT>
-                    <a:lnB w="12700" cap="flat" cmpd="sng" algn="ctr">
-                      <a:solidFill>
-                        <a:schemeClr val="bg1">
-                          <a:lumMod val="95000"/>
-                        </a:schemeClr>
-                      </a:solidFill>
-                      <a:prstDash val="solid"/>
-                      <a:round/>
-                      <a:headEnd type="none" w="med" len="med"/>
-                      <a:tailEnd type="none" w="med" len="med"/>
-                    </a:lnB>
-                    <a:solidFill>
-                      <a:schemeClr val="tx1">
-                        <a:lumMod val="65000"/>
-                        <a:lumOff val="35000"/>
-                      </a:schemeClr>
-                    </a:solidFill>
-                  </a:tcPr>
-                </a:tc>
-                <a:tc>
-                  <a:txBody>
-                    <a:bodyPr/>
-                    <a:lstStyle/>
-                    <a:p>
-                      <a:endParaRPr lang="en-US" dirty="0"/>
-                    </a:p>
-                  </a:txBody>
-                  <a:tcPr>
-                    <a:lnL w="12700" cap="flat" cmpd="sng" algn="ctr">
-                      <a:solidFill>
-                        <a:schemeClr val="bg1">
-                          <a:lumMod val="95000"/>
-                        </a:schemeClr>
-                      </a:solidFill>
-                      <a:prstDash val="solid"/>
-                      <a:round/>
-                      <a:headEnd type="none" w="med" len="med"/>
-                      <a:tailEnd type="none" w="med" len="med"/>
-                    </a:lnL>
-                    <a:lnR w="12700" cap="flat" cmpd="sng" algn="ctr">
-                      <a:solidFill>
-                        <a:schemeClr val="bg1">
-                          <a:lumMod val="95000"/>
-                        </a:schemeClr>
-                      </a:solidFill>
-                      <a:prstDash val="solid"/>
-                      <a:round/>
-                      <a:headEnd type="none" w="med" len="med"/>
-                      <a:tailEnd type="none" w="med" len="med"/>
-                    </a:lnR>
-                    <a:lnT w="12700" cap="flat" cmpd="sng" algn="ctr">
-                      <a:solidFill>
-                        <a:schemeClr val="bg1">
-                          <a:lumMod val="95000"/>
-                        </a:schemeClr>
-                      </a:solidFill>
-                      <a:prstDash val="solid"/>
-                      <a:round/>
-                      <a:headEnd type="none" w="med" len="med"/>
-                      <a:tailEnd type="none" w="med" len="med"/>
-                    </a:lnT>
-                    <a:lnB w="12700" cap="flat" cmpd="sng" algn="ctr">
-                      <a:solidFill>
-                        <a:schemeClr val="bg1">
-                          <a:lumMod val="95000"/>
-                        </a:schemeClr>
-                      </a:solidFill>
-                      <a:prstDash val="solid"/>
-                      <a:round/>
-                      <a:headEnd type="none" w="med" len="med"/>
-                      <a:tailEnd type="none" w="med" len="med"/>
-                    </a:lnB>
-                    <a:solidFill>
-                      <a:schemeClr val="tx1">
-                        <a:lumMod val="65000"/>
-                        <a:lumOff val="35000"/>
-                      </a:schemeClr>
-                    </a:solidFill>
-                  </a:tcPr>
-                </a:tc>
-                <a:tc>
-                  <a:txBody>
-                    <a:bodyPr/>
-                    <a:lstStyle/>
-                    <a:p>
-                      <a:endParaRPr lang="en-US" dirty="0"/>
-                    </a:p>
-                  </a:txBody>
-                  <a:tcPr>
-                    <a:lnL w="12700" cap="flat" cmpd="sng" algn="ctr">
-                      <a:solidFill>
-                        <a:schemeClr val="bg1">
-                          <a:lumMod val="95000"/>
-                        </a:schemeClr>
-                      </a:solidFill>
-                      <a:prstDash val="solid"/>
-                      <a:round/>
-                      <a:headEnd type="none" w="med" len="med"/>
-                      <a:tailEnd type="none" w="med" len="med"/>
-                    </a:lnL>
-                    <a:lnR w="12700" cap="flat" cmpd="sng" algn="ctr">
-                      <a:solidFill>
-                        <a:schemeClr val="bg1">
-                          <a:lumMod val="95000"/>
-                        </a:schemeClr>
-                      </a:solidFill>
-                      <a:prstDash val="solid"/>
-                      <a:round/>
-                      <a:headEnd type="none" w="med" len="med"/>
-                      <a:tailEnd type="none" w="med" len="med"/>
-                    </a:lnR>
-                    <a:lnT w="12700" cap="flat" cmpd="sng" algn="ctr">
-                      <a:solidFill>
-                        <a:schemeClr val="bg1">
-                          <a:lumMod val="95000"/>
-                        </a:schemeClr>
-                      </a:solidFill>
-                      <a:prstDash val="solid"/>
-                      <a:round/>
-                      <a:headEnd type="none" w="med" len="med"/>
-                      <a:tailEnd type="none" w="med" len="med"/>
-                    </a:lnT>
-                    <a:lnB w="12700" cap="flat" cmpd="sng" algn="ctr">
-                      <a:solidFill>
-                        <a:schemeClr val="bg1">
-                          <a:lumMod val="95000"/>
-                        </a:schemeClr>
-                      </a:solidFill>
-                      <a:prstDash val="solid"/>
-                      <a:round/>
-                      <a:headEnd type="none" w="med" len="med"/>
-                      <a:tailEnd type="none" w="med" len="med"/>
-                    </a:lnB>
-                    <a:solidFill>
-                      <a:schemeClr val="tx1">
-                        <a:lumMod val="65000"/>
-                        <a:lumOff val="35000"/>
-                      </a:schemeClr>
-                    </a:solidFill>
-                  </a:tcPr>
-                </a:tc>
-                <a:tc>
-                  <a:txBody>
-                    <a:bodyPr/>
-                    <a:lstStyle/>
-                    <a:p>
-                      <a:endParaRPr lang="en-US" dirty="0"/>
-                    </a:p>
-                  </a:txBody>
-                  <a:tcPr>
-                    <a:lnL w="12700" cap="flat" cmpd="sng" algn="ctr">
-                      <a:solidFill>
-                        <a:schemeClr val="bg1">
-                          <a:lumMod val="95000"/>
-                        </a:schemeClr>
-                      </a:solidFill>
-                      <a:prstDash val="solid"/>
-                      <a:round/>
-                      <a:headEnd type="none" w="med" len="med"/>
-                      <a:tailEnd type="none" w="med" len="med"/>
-                    </a:lnL>
-                    <a:lnR w="12700" cap="flat" cmpd="sng" algn="ctr">
-                      <a:solidFill>
-                        <a:schemeClr val="bg1">
-                          <a:lumMod val="95000"/>
-                        </a:schemeClr>
-                      </a:solidFill>
-                      <a:prstDash val="solid"/>
-                      <a:round/>
-                      <a:headEnd type="none" w="med" len="med"/>
-                      <a:tailEnd type="none" w="med" len="med"/>
-                    </a:lnR>
-                    <a:lnT w="12700" cap="flat" cmpd="sng" algn="ctr">
-                      <a:solidFill>
-                        <a:schemeClr val="bg1">
-                          <a:lumMod val="95000"/>
-                        </a:schemeClr>
-                      </a:solidFill>
-                      <a:prstDash val="solid"/>
-                      <a:round/>
-                      <a:headEnd type="none" w="med" len="med"/>
-                      <a:tailEnd type="none" w="med" len="med"/>
-                    </a:lnT>
-                    <a:lnB w="12700" cap="flat" cmpd="sng" algn="ctr">
-                      <a:solidFill>
-                        <a:schemeClr val="bg1">
-                          <a:lumMod val="95000"/>
-                        </a:schemeClr>
-                      </a:solidFill>
-                      <a:prstDash val="solid"/>
-                      <a:round/>
-                      <a:headEnd type="none" w="med" len="med"/>
-                      <a:tailEnd type="none" w="med" len="med"/>
-                    </a:lnB>
-                    <a:solidFill>
-                      <a:schemeClr val="tx1">
-                        <a:lumMod val="65000"/>
-                        <a:lumOff val="35000"/>
-                      </a:schemeClr>
-                    </a:solidFill>
-                  </a:tcPr>
-                </a:tc>
-                <a:extLst>
-                  <a:ext uri="{0D108BD9-81ED-4DB2-BD59-A6C34878D82A}">
-                    <a16:rowId xmlns:a16="http://schemas.microsoft.com/office/drawing/2014/main" val="3713266130"/>
-                  </a:ext>
-                </a:extLst>
-              </a:tr>
-            </a:tbl>
-          </a:graphicData>
-        </a:graphic>
-      </p:graphicFrame>
-      <p:pic>
-        <p:nvPicPr>
-          <p:cNvPr id="34" name="Tartalom helye 4">
-            <a:extLst>
-              <a:ext uri="{FF2B5EF4-FFF2-40B4-BE49-F238E27FC236}">
-                <a16:creationId xmlns:a16="http://schemas.microsoft.com/office/drawing/2014/main" id="{ADC048E5-6A2B-4021-8E3F-3AB6E4B2839B}"/>
-              </a:ext>
-            </a:extLst>
-          </p:cNvPr>
-          <p:cNvPicPr>
-            <a:picLocks noChangeAspect="1"/>
-          </p:cNvPicPr>
-          <p:nvPr/>
-        </p:nvPicPr>
-        <p:blipFill>
-          <a:blip r:embed="rId11" cstate="hqprint">
-            <a:extLst>
-              <a:ext uri="{28A0092B-C50C-407E-A947-70E740481C1C}">
-                <a14:useLocalDpi xmlns:a14="http://schemas.microsoft.com/office/drawing/2010/main" val="0"/>
-              </a:ext>
-            </a:extLst>
-          </a:blip>
-          <a:stretch>
-            <a:fillRect/>
-          </a:stretch>
-        </p:blipFill>
-        <p:spPr>
-          <a:xfrm>
-            <a:off x="11067070" y="-137834"/>
-            <a:ext cx="973029" cy="973029"/>
-          </a:xfrm>
-          <a:prstGeom prst="rect">
-            <a:avLst/>
-          </a:prstGeom>
-        </p:spPr>
-      </p:pic>
-      <p:sp>
-        <p:nvSpPr>
-          <p:cNvPr id="25" name="Téglalap: lekerekített 6">
-            <a:extLst>
-              <a:ext uri="{FF2B5EF4-FFF2-40B4-BE49-F238E27FC236}">
-                <a16:creationId xmlns:a16="http://schemas.microsoft.com/office/drawing/2014/main" id="{1D2B0348-42C5-4CAC-ADE0-3D07B740285F}"/>
-              </a:ext>
-            </a:extLst>
-          </p:cNvPr>
-          <p:cNvSpPr/>
-          <p:nvPr/>
-        </p:nvSpPr>
-        <p:spPr>
-          <a:xfrm>
-            <a:off x="5618632" y="134938"/>
-            <a:ext cx="2192781" cy="378365"/>
-          </a:xfrm>
-          <a:prstGeom prst="roundRect">
-            <a:avLst/>
-          </a:prstGeom>
-          <a:solidFill>
-            <a:schemeClr val="tx1"/>
-          </a:solidFill>
-          <a:ln w="3175">
-            <a:noFill/>
-          </a:ln>
-        </p:spPr>
-        <p:style>
-          <a:lnRef idx="2">
-            <a:schemeClr val="accent1">
-              <a:shade val="50000"/>
-            </a:schemeClr>
-          </a:lnRef>
-          <a:fillRef idx="1">
-            <a:schemeClr val="accent1"/>
-          </a:fillRef>
-          <a:effectRef idx="0">
-            <a:schemeClr val="accent1"/>
-          </a:effectRef>
-          <a:fontRef idx="minor">
-            <a:schemeClr val="lt1"/>
-          </a:fontRef>
-        </p:style>
-        <p:txBody>
-          <a:bodyPr rtlCol="0" anchor="ctr"/>
-          <a:lstStyle/>
-          <a:p>
-            <a:pPr algn="ctr"/>
-            <a:r>
-              <a:rPr lang="hu-HU" sz="1600" dirty="0" smtClean="0">
-                <a:solidFill>
-                  <a:schemeClr val="bg1"/>
-                </a:solidFill>
-                <a:latin typeface="Corbel" panose="020B0503020204020204" pitchFamily="34" charset="0"/>
-              </a:rPr>
-              <a:t>Kórház adatok</a:t>
-            </a:r>
-            <a:endParaRPr lang="en-US" sz="1600" dirty="0">
-              <a:solidFill>
-                <a:schemeClr val="bg1"/>
-              </a:solidFill>
-              <a:latin typeface="Corbel" panose="020B0503020204020204" pitchFamily="34" charset="0"/>
-            </a:endParaRPr>
-          </a:p>
-        </p:txBody>
-      </p:sp>
-    </p:spTree>
-    <p:extLst>
-      <p:ext uri="{BB962C8B-B14F-4D97-AF65-F5344CB8AC3E}">
-        <p14:creationId xmlns:p14="http://schemas.microsoft.com/office/powerpoint/2010/main" val="3618741288"/>
-      </p:ext>
-    </p:extLst>
-  </p:cSld>
-  <p:clrMapOvr>
-    <a:masterClrMapping/>
-  </p:clrMapOvr>
-</p:sld>
-</file>
-
-<file path=ppt/slides/slide3.xml><?xml version="1.0" encoding="utf-8"?>
-<p:sld xmlns:a="http://schemas.openxmlformats.org/drawingml/2006/main" xmlns:r="http://schemas.openxmlformats.org/officeDocument/2006/relationships" xmlns:p="http://schemas.openxmlformats.org/presentationml/2006/main">
-  <p:cSld>
-    <p:bg>
-      <p:bgPr>
-        <a:solidFill>
-          <a:schemeClr val="bg1">
-            <a:lumMod val="95000"/>
-          </a:schemeClr>
-        </a:solidFill>
-        <a:effectLst/>
-      </p:bgPr>
-    </p:bg>
-    <p:spTree>
-      <p:nvGrpSpPr>
-        <p:cNvPr id="1" name=""/>
-        <p:cNvGrpSpPr/>
-        <p:nvPr/>
-      </p:nvGrpSpPr>
-      <p:grpSpPr>
-        <a:xfrm>
-          <a:off x="0" y="0"/>
-          <a:ext cx="0" cy="0"/>
-          <a:chOff x="0" y="0"/>
-          <a:chExt cx="0" cy="0"/>
-        </a:xfrm>
-      </p:grpSpPr>
-      <p:sp>
-        <p:nvSpPr>
-          <p:cNvPr id="2" name="Téglalap 1">
-            <a:extLst>
-              <a:ext uri="{FF2B5EF4-FFF2-40B4-BE49-F238E27FC236}">
-                <a16:creationId xmlns:a16="http://schemas.microsoft.com/office/drawing/2014/main" id="{1D4B0EED-B93F-4E73-9FC0-6FED5681A0E2}"/>
-              </a:ext>
-            </a:extLst>
-          </p:cNvPr>
-          <p:cNvSpPr/>
-          <p:nvPr/>
-        </p:nvSpPr>
-        <p:spPr>
-          <a:xfrm>
-            <a:off x="0" y="-63397"/>
-            <a:ext cx="12192000" cy="863497"/>
-          </a:xfrm>
-          <a:prstGeom prst="rect">
-            <a:avLst/>
-          </a:prstGeom>
-          <a:solidFill>
-            <a:srgbClr val="BD0D18"/>
-          </a:solidFill>
-          <a:ln w="28575">
-            <a:noFill/>
-          </a:ln>
-        </p:spPr>
-        <p:style>
-          <a:lnRef idx="2">
-            <a:schemeClr val="accent1">
-              <a:shade val="50000"/>
-            </a:schemeClr>
-          </a:lnRef>
-          <a:fillRef idx="1">
-            <a:schemeClr val="accent1"/>
-          </a:fillRef>
-          <a:effectRef idx="0">
-            <a:schemeClr val="accent1"/>
-          </a:effectRef>
-          <a:fontRef idx="minor">
-            <a:schemeClr val="lt1"/>
-          </a:fontRef>
-        </p:style>
-        <p:txBody>
-          <a:bodyPr rtlCol="0" anchor="ctr"/>
-          <a:lstStyle/>
-          <a:p>
-            <a:pPr algn="ctr"/>
-            <a:r>
-              <a:rPr lang="hu-HU" dirty="0" smtClean="0"/>
-              <a:t>ó</a:t>
-            </a:r>
-            <a:endParaRPr lang="en-US" dirty="0"/>
-          </a:p>
-        </p:txBody>
-      </p:sp>
-      <p:sp>
-        <p:nvSpPr>
-          <p:cNvPr id="4" name="Téglalap: lekerekített 3">
-            <a:extLst>
-              <a:ext uri="{FF2B5EF4-FFF2-40B4-BE49-F238E27FC236}">
-                <a16:creationId xmlns:a16="http://schemas.microsoft.com/office/drawing/2014/main" id="{39182016-5379-4D63-A7C6-4ECA52EFB311}"/>
-              </a:ext>
-            </a:extLst>
-          </p:cNvPr>
-          <p:cNvSpPr/>
-          <p:nvPr/>
-        </p:nvSpPr>
-        <p:spPr>
-          <a:xfrm>
-            <a:off x="295074" y="135985"/>
-            <a:ext cx="1267028" cy="378365"/>
-          </a:xfrm>
-          <a:prstGeom prst="roundRect">
-            <a:avLst/>
-          </a:prstGeom>
-          <a:solidFill>
-            <a:schemeClr val="tx1">
-              <a:lumMod val="95000"/>
-              <a:lumOff val="5000"/>
-            </a:schemeClr>
-          </a:solidFill>
-          <a:ln w="3175">
-            <a:solidFill>
-              <a:schemeClr val="tx1">
-                <a:alpha val="99000"/>
-              </a:schemeClr>
-            </a:solidFill>
-          </a:ln>
-        </p:spPr>
-        <p:style>
-          <a:lnRef idx="2">
-            <a:schemeClr val="accent1">
-              <a:shade val="50000"/>
-            </a:schemeClr>
-          </a:lnRef>
-          <a:fillRef idx="1">
-            <a:schemeClr val="accent1"/>
-          </a:fillRef>
-          <a:effectRef idx="0">
-            <a:schemeClr val="accent1"/>
-          </a:effectRef>
-          <a:fontRef idx="minor">
-            <a:schemeClr val="lt1"/>
-          </a:fontRef>
-        </p:style>
-        <p:txBody>
-          <a:bodyPr rtlCol="0" anchor="ctr"/>
-          <a:lstStyle/>
-          <a:p>
-            <a:pPr algn="ctr"/>
-            <a:endParaRPr lang="en-US">
-              <a:solidFill>
-                <a:srgbClr val="CAC7C2"/>
-              </a:solidFill>
-            </a:endParaRPr>
-          </a:p>
-        </p:txBody>
-      </p:sp>
-      <p:sp>
-        <p:nvSpPr>
-          <p:cNvPr id="5" name="Szövegdoboz 4">
-            <a:extLst>
-              <a:ext uri="{FF2B5EF4-FFF2-40B4-BE49-F238E27FC236}">
-                <a16:creationId xmlns:a16="http://schemas.microsoft.com/office/drawing/2014/main" id="{4BB8EC08-8C2F-4ABA-9E8A-75D7E81C9A71}"/>
-              </a:ext>
-            </a:extLst>
-          </p:cNvPr>
-          <p:cNvSpPr txBox="1"/>
-          <p:nvPr/>
-        </p:nvSpPr>
-        <p:spPr>
-          <a:xfrm>
-            <a:off x="482792" y="143972"/>
-            <a:ext cx="891590" cy="369332"/>
-          </a:xfrm>
-          <a:prstGeom prst="rect">
-            <a:avLst/>
-          </a:prstGeom>
-          <a:noFill/>
-        </p:spPr>
-        <p:txBody>
-          <a:bodyPr wrap="none" rtlCol="0">
-            <a:spAutoFit/>
-          </a:bodyPr>
-          <a:lstStyle/>
-          <a:p>
-            <a:pPr algn="ctr"/>
-            <a:r>
-              <a:rPr lang="hu-HU" dirty="0">
-                <a:solidFill>
-                  <a:schemeClr val="bg1"/>
-                </a:solidFill>
-                <a:latin typeface="Corbel" panose="020B0503020204020204" pitchFamily="34" charset="0"/>
-                <a:cs typeface="Calibri Light" panose="020F0302020204030204" pitchFamily="34" charset="0"/>
-              </a:rPr>
-              <a:t>Főoldal</a:t>
-            </a:r>
-            <a:endParaRPr lang="en-US" dirty="0">
-              <a:solidFill>
-                <a:schemeClr val="bg1"/>
-              </a:solidFill>
-              <a:latin typeface="Corbel" panose="020B0503020204020204" pitchFamily="34" charset="0"/>
-              <a:cs typeface="Calibri Light" panose="020F0302020204030204" pitchFamily="34" charset="0"/>
-            </a:endParaRPr>
-          </a:p>
-        </p:txBody>
-      </p:sp>
-      <p:sp>
-        <p:nvSpPr>
-          <p:cNvPr id="6" name="Téglalap: lekerekített 5">
-            <a:extLst>
-              <a:ext uri="{FF2B5EF4-FFF2-40B4-BE49-F238E27FC236}">
-                <a16:creationId xmlns:a16="http://schemas.microsoft.com/office/drawing/2014/main" id="{3FA26D5D-10B3-41E5-AD90-3795A2B29EA6}"/>
-              </a:ext>
-            </a:extLst>
-          </p:cNvPr>
-          <p:cNvSpPr/>
-          <p:nvPr/>
-        </p:nvSpPr>
-        <p:spPr>
-          <a:xfrm>
-            <a:off x="1761009" y="134939"/>
-            <a:ext cx="1267028" cy="378365"/>
-          </a:xfrm>
-          <a:prstGeom prst="roundRect">
-            <a:avLst/>
-          </a:prstGeom>
-          <a:solidFill>
-            <a:schemeClr val="tx1"/>
-          </a:solidFill>
-          <a:ln w="3175">
-            <a:solidFill>
-              <a:schemeClr val="tx1">
-                <a:alpha val="99000"/>
-              </a:schemeClr>
-            </a:solidFill>
-          </a:ln>
-        </p:spPr>
-        <p:style>
-          <a:lnRef idx="2">
-            <a:schemeClr val="accent1">
-              <a:shade val="50000"/>
-            </a:schemeClr>
-          </a:lnRef>
-          <a:fillRef idx="1">
-            <a:schemeClr val="accent1"/>
-          </a:fillRef>
-          <a:effectRef idx="0">
-            <a:schemeClr val="accent1"/>
-          </a:effectRef>
-          <a:fontRef idx="minor">
-            <a:schemeClr val="lt1"/>
-          </a:fontRef>
-        </p:style>
-        <p:txBody>
-          <a:bodyPr rtlCol="0" anchor="ctr"/>
-          <a:lstStyle/>
-          <a:p>
-            <a:pPr algn="ctr"/>
-            <a:r>
-              <a:rPr lang="hu-HU" dirty="0">
-                <a:solidFill>
-                  <a:schemeClr val="bg1"/>
-                </a:solidFill>
-                <a:latin typeface="Corbel" panose="020B0503020204020204" pitchFamily="34" charset="0"/>
-              </a:rPr>
-              <a:t>Kereső</a:t>
-            </a:r>
-            <a:endParaRPr lang="en-US" dirty="0">
-              <a:solidFill>
-                <a:schemeClr val="bg1"/>
-              </a:solidFill>
-              <a:latin typeface="Corbel" panose="020B0503020204020204" pitchFamily="34" charset="0"/>
-            </a:endParaRPr>
-          </a:p>
-        </p:txBody>
-      </p:sp>
-      <p:sp>
-        <p:nvSpPr>
-          <p:cNvPr id="7" name="Téglalap: lekerekített 6">
-            <a:extLst>
-              <a:ext uri="{FF2B5EF4-FFF2-40B4-BE49-F238E27FC236}">
-                <a16:creationId xmlns:a16="http://schemas.microsoft.com/office/drawing/2014/main" id="{1D2B0348-42C5-4CAC-ADE0-3D07B740285F}"/>
-              </a:ext>
-            </a:extLst>
-          </p:cNvPr>
-          <p:cNvSpPr/>
-          <p:nvPr/>
-        </p:nvSpPr>
-        <p:spPr>
-          <a:xfrm>
-            <a:off x="3226944" y="135985"/>
-            <a:ext cx="2192781" cy="378365"/>
-          </a:xfrm>
-          <a:prstGeom prst="roundRect">
-            <a:avLst/>
-          </a:prstGeom>
-          <a:solidFill>
-            <a:schemeClr val="tx1"/>
-          </a:solidFill>
-          <a:ln w="3175">
-            <a:noFill/>
-          </a:ln>
-        </p:spPr>
-        <p:style>
-          <a:lnRef idx="2">
-            <a:schemeClr val="accent1">
-              <a:shade val="50000"/>
-            </a:schemeClr>
-          </a:lnRef>
-          <a:fillRef idx="1">
-            <a:schemeClr val="accent1"/>
-          </a:fillRef>
-          <a:effectRef idx="0">
-            <a:schemeClr val="accent1"/>
-          </a:effectRef>
-          <a:fontRef idx="minor">
-            <a:schemeClr val="lt1"/>
-          </a:fontRef>
-        </p:style>
-        <p:txBody>
-          <a:bodyPr rtlCol="0" anchor="ctr"/>
-          <a:lstStyle/>
-          <a:p>
-            <a:pPr algn="ctr"/>
-            <a:r>
-              <a:rPr lang="hu-HU" sz="1600" dirty="0">
-                <a:solidFill>
-                  <a:schemeClr val="bg1"/>
-                </a:solidFill>
-                <a:latin typeface="Corbel" panose="020B0503020204020204" pitchFamily="34" charset="0"/>
-              </a:rPr>
-              <a:t>Adatok módosítása</a:t>
-            </a:r>
-            <a:endParaRPr lang="en-US" sz="1600" dirty="0">
-              <a:solidFill>
-                <a:schemeClr val="bg1"/>
-              </a:solidFill>
-              <a:latin typeface="Corbel" panose="020B0503020204020204" pitchFamily="34" charset="0"/>
-            </a:endParaRPr>
-          </a:p>
-        </p:txBody>
-      </p:sp>
-      <p:graphicFrame>
-        <p:nvGraphicFramePr>
-          <p:cNvPr id="3" name="Táblázat 7">
-            <a:extLst>
-              <a:ext uri="{FF2B5EF4-FFF2-40B4-BE49-F238E27FC236}">
-                <a16:creationId xmlns:a16="http://schemas.microsoft.com/office/drawing/2014/main" id="{AA3780FE-A12D-4978-8625-B5CECDA91DFF}"/>
-              </a:ext>
-            </a:extLst>
-          </p:cNvPr>
-          <p:cNvGraphicFramePr>
-            <a:graphicFrameLocks noGrp="1"/>
-          </p:cNvGraphicFramePr>
-          <p:nvPr>
-            <p:extLst>
-              <p:ext uri="{D42A27DB-BD31-4B8C-83A1-F6EECF244321}">
-                <p14:modId xmlns:p14="http://schemas.microsoft.com/office/powerpoint/2010/main" val="1591347962"/>
-              </p:ext>
-            </p:extLst>
-          </p:nvPr>
-        </p:nvGraphicFramePr>
-        <p:xfrm>
-          <a:off x="3325853" y="866767"/>
-          <a:ext cx="8658084" cy="5726445"/>
-        </p:xfrm>
-        <a:graphic>
-          <a:graphicData uri="http://schemas.openxmlformats.org/drawingml/2006/table">
-            <a:tbl>
-              <a:tblPr firstRow="1" bandRow="1">
-                <a:tableStyleId>{5C22544A-7EE6-4342-B048-85BDC9FD1C3A}</a:tableStyleId>
-              </a:tblPr>
-              <a:tblGrid>
-                <a:gridCol w="1443014">
-                  <a:extLst>
-                    <a:ext uri="{9D8B030D-6E8A-4147-A177-3AD203B41FA5}">
-                      <a16:colId xmlns:a16="http://schemas.microsoft.com/office/drawing/2014/main" val="2598443847"/>
-                    </a:ext>
-                  </a:extLst>
-                </a:gridCol>
-                <a:gridCol w="1443014">
-                  <a:extLst>
-                    <a:ext uri="{9D8B030D-6E8A-4147-A177-3AD203B41FA5}">
-                      <a16:colId xmlns:a16="http://schemas.microsoft.com/office/drawing/2014/main" val="2935347366"/>
-                    </a:ext>
-                  </a:extLst>
-                </a:gridCol>
-                <a:gridCol w="1443014">
-                  <a:extLst>
-                    <a:ext uri="{9D8B030D-6E8A-4147-A177-3AD203B41FA5}">
-                      <a16:colId xmlns:a16="http://schemas.microsoft.com/office/drawing/2014/main" val="2368300544"/>
-                    </a:ext>
-                  </a:extLst>
-                </a:gridCol>
-                <a:gridCol w="1443014">
-                  <a:extLst>
-                    <a:ext uri="{9D8B030D-6E8A-4147-A177-3AD203B41FA5}">
-                      <a16:colId xmlns:a16="http://schemas.microsoft.com/office/drawing/2014/main" val="3644187451"/>
-                    </a:ext>
-                  </a:extLst>
-                </a:gridCol>
-                <a:gridCol w="1443014">
-                  <a:extLst>
-                    <a:ext uri="{9D8B030D-6E8A-4147-A177-3AD203B41FA5}">
-                      <a16:colId xmlns:a16="http://schemas.microsoft.com/office/drawing/2014/main" val="616371910"/>
-                    </a:ext>
-                  </a:extLst>
-                </a:gridCol>
-                <a:gridCol w="1443014">
-                  <a:extLst>
-                    <a:ext uri="{9D8B030D-6E8A-4147-A177-3AD203B41FA5}">
-                      <a16:colId xmlns:a16="http://schemas.microsoft.com/office/drawing/2014/main" val="4105414953"/>
-                    </a:ext>
-                  </a:extLst>
-                </a:gridCol>
-              </a:tblGrid>
-              <a:tr h="505503">
-                <a:tc>
-                  <a:txBody>
-                    <a:bodyPr/>
-                    <a:lstStyle/>
-                    <a:p>
-                      <a:pPr algn="ctr"/>
-                      <a:r>
-                        <a:rPr lang="hu-HU" sz="1600" b="1" dirty="0">
-                          <a:solidFill>
-                            <a:schemeClr val="bg1">
-                              <a:lumMod val="95000"/>
-                            </a:schemeClr>
-                          </a:solidFill>
-                          <a:latin typeface="Consolas" panose="020B0609020204030204" pitchFamily="49" charset="0"/>
-                        </a:rPr>
-                        <a:t>Azonosító</a:t>
-                      </a:r>
-                      <a:endParaRPr lang="en-US" sz="1800" b="1" dirty="0">
-                        <a:solidFill>
-                          <a:schemeClr val="bg1">
-                            <a:lumMod val="95000"/>
-                          </a:schemeClr>
-                        </a:solidFill>
-                        <a:latin typeface="Consolas" panose="020B0609020204030204" pitchFamily="49" charset="0"/>
-                      </a:endParaRPr>
-                    </a:p>
-                  </a:txBody>
-                  <a:tcPr>
-                    <a:lnL w="12700" cap="flat" cmpd="sng" algn="ctr">
-                      <a:solidFill>
-                        <a:schemeClr val="bg1">
-                          <a:lumMod val="95000"/>
-                        </a:schemeClr>
-                      </a:solidFill>
-                      <a:prstDash val="solid"/>
-                      <a:round/>
-                      <a:headEnd type="none" w="med" len="med"/>
-                      <a:tailEnd type="none" w="med" len="med"/>
-                    </a:lnL>
-                    <a:lnR w="12700" cap="flat" cmpd="sng" algn="ctr">
-                      <a:solidFill>
-                        <a:schemeClr val="bg1">
-                          <a:lumMod val="95000"/>
-                        </a:schemeClr>
-                      </a:solidFill>
-                      <a:prstDash val="solid"/>
-                      <a:round/>
-                      <a:headEnd type="none" w="med" len="med"/>
-                      <a:tailEnd type="none" w="med" len="med"/>
-                    </a:lnR>
-                    <a:lnT w="12700" cap="flat" cmpd="sng" algn="ctr">
-                      <a:solidFill>
-                        <a:schemeClr val="bg1">
-                          <a:lumMod val="95000"/>
-                        </a:schemeClr>
-                      </a:solidFill>
-                      <a:prstDash val="solid"/>
-                      <a:round/>
-                      <a:headEnd type="none" w="med" len="med"/>
-                      <a:tailEnd type="none" w="med" len="med"/>
-                    </a:lnT>
-                    <a:lnB w="12700" cap="flat" cmpd="sng" algn="ctr">
-                      <a:solidFill>
-                        <a:schemeClr val="bg1">
-                          <a:lumMod val="95000"/>
-                        </a:schemeClr>
-                      </a:solidFill>
-                      <a:prstDash val="solid"/>
-                      <a:round/>
-                      <a:headEnd type="none" w="med" len="med"/>
-                      <a:tailEnd type="none" w="med" len="med"/>
-                    </a:lnB>
-                    <a:solidFill>
-                      <a:schemeClr val="tx1">
-                        <a:lumMod val="65000"/>
-                        <a:lumOff val="35000"/>
-                      </a:schemeClr>
-                    </a:solidFill>
-                  </a:tcPr>
-                </a:tc>
-                <a:tc>
-                  <a:txBody>
-                    <a:bodyPr/>
-                    <a:lstStyle/>
-                    <a:p>
-                      <a:pPr algn="ctr"/>
-                      <a:r>
-                        <a:rPr lang="hu-HU" sz="1600" dirty="0">
-                          <a:solidFill>
-                            <a:schemeClr val="bg1">
-                              <a:lumMod val="95000"/>
-                            </a:schemeClr>
-                          </a:solidFill>
-                          <a:latin typeface="Consolas" panose="020B0609020204030204" pitchFamily="49" charset="0"/>
-                        </a:rPr>
-                        <a:t>Név</a:t>
+                        <a:t>juttatás</a:t>
                       </a:r>
                       <a:endParaRPr lang="en-US" sz="1800" dirty="0">
                         <a:solidFill>
@@ -9222,7 +7656,7 @@
                     <a:p>
                       <a:pPr algn="ctr"/>
                       <a:r>
-                        <a:rPr lang="hu-HU" sz="1600" dirty="0">
+                        <a:rPr lang="hu-HU" sz="1800" dirty="0">
                           <a:solidFill>
                             <a:schemeClr val="bg1">
                               <a:lumMod val="95000"/>
@@ -9230,237 +7664,8 @@
                           </a:solidFill>
                           <a:latin typeface="Consolas" panose="020B0609020204030204" pitchFamily="49" charset="0"/>
                         </a:rPr>
-                        <a:t>Vércsoport</a:t>
+                        <a:t>hely</a:t>
                       </a:r>
-                      <a:endParaRPr lang="en-US" sz="1800" dirty="0">
-                        <a:solidFill>
-                          <a:schemeClr val="bg1">
-                            <a:lumMod val="95000"/>
-                          </a:schemeClr>
-                        </a:solidFill>
-                        <a:latin typeface="Consolas" panose="020B0609020204030204" pitchFamily="49" charset="0"/>
-                      </a:endParaRPr>
-                    </a:p>
-                  </a:txBody>
-                  <a:tcPr>
-                    <a:lnL w="12700" cap="flat" cmpd="sng" algn="ctr">
-                      <a:solidFill>
-                        <a:schemeClr val="bg1">
-                          <a:lumMod val="95000"/>
-                        </a:schemeClr>
-                      </a:solidFill>
-                      <a:prstDash val="solid"/>
-                      <a:round/>
-                      <a:headEnd type="none" w="med" len="med"/>
-                      <a:tailEnd type="none" w="med" len="med"/>
-                    </a:lnL>
-                    <a:lnR w="12700" cap="flat" cmpd="sng" algn="ctr">
-                      <a:solidFill>
-                        <a:schemeClr val="bg1">
-                          <a:lumMod val="95000"/>
-                        </a:schemeClr>
-                      </a:solidFill>
-                      <a:prstDash val="solid"/>
-                      <a:round/>
-                      <a:headEnd type="none" w="med" len="med"/>
-                      <a:tailEnd type="none" w="med" len="med"/>
-                    </a:lnR>
-                    <a:lnT w="12700" cap="flat" cmpd="sng" algn="ctr">
-                      <a:solidFill>
-                        <a:schemeClr val="bg1">
-                          <a:lumMod val="95000"/>
-                        </a:schemeClr>
-                      </a:solidFill>
-                      <a:prstDash val="solid"/>
-                      <a:round/>
-                      <a:headEnd type="none" w="med" len="med"/>
-                      <a:tailEnd type="none" w="med" len="med"/>
-                    </a:lnT>
-                    <a:lnB w="12700" cap="flat" cmpd="sng" algn="ctr">
-                      <a:solidFill>
-                        <a:schemeClr val="bg1">
-                          <a:lumMod val="95000"/>
-                        </a:schemeClr>
-                      </a:solidFill>
-                      <a:prstDash val="solid"/>
-                      <a:round/>
-                      <a:headEnd type="none" w="med" len="med"/>
-                      <a:tailEnd type="none" w="med" len="med"/>
-                    </a:lnB>
-                    <a:solidFill>
-                      <a:schemeClr val="tx1">
-                        <a:lumMod val="65000"/>
-                        <a:lumOff val="35000"/>
-                      </a:schemeClr>
-                    </a:solidFill>
-                  </a:tcPr>
-                </a:tc>
-                <a:tc>
-                  <a:txBody>
-                    <a:bodyPr/>
-                    <a:lstStyle/>
-                    <a:p>
-                      <a:pPr algn="ctr"/>
-                      <a:r>
-                        <a:rPr lang="hu-HU" sz="1600" dirty="0">
-                          <a:solidFill>
-                            <a:schemeClr val="bg1">
-                              <a:lumMod val="95000"/>
-                            </a:schemeClr>
-                          </a:solidFill>
-                          <a:latin typeface="Consolas" panose="020B0609020204030204" pitchFamily="49" charset="0"/>
-                        </a:rPr>
-                        <a:t>Mennyiség(ml)</a:t>
-                      </a:r>
-                      <a:endParaRPr lang="en-US" sz="1600" dirty="0">
-                        <a:solidFill>
-                          <a:schemeClr val="bg1">
-                            <a:lumMod val="95000"/>
-                          </a:schemeClr>
-                        </a:solidFill>
-                        <a:latin typeface="Consolas" panose="020B0609020204030204" pitchFamily="49" charset="0"/>
-                      </a:endParaRPr>
-                    </a:p>
-                  </a:txBody>
-                  <a:tcPr>
-                    <a:lnL w="12700" cap="flat" cmpd="sng" algn="ctr">
-                      <a:solidFill>
-                        <a:schemeClr val="bg1">
-                          <a:lumMod val="95000"/>
-                        </a:schemeClr>
-                      </a:solidFill>
-                      <a:prstDash val="solid"/>
-                      <a:round/>
-                      <a:headEnd type="none" w="med" len="med"/>
-                      <a:tailEnd type="none" w="med" len="med"/>
-                    </a:lnL>
-                    <a:lnR w="12700" cap="flat" cmpd="sng" algn="ctr">
-                      <a:solidFill>
-                        <a:schemeClr val="bg1">
-                          <a:lumMod val="95000"/>
-                        </a:schemeClr>
-                      </a:solidFill>
-                      <a:prstDash val="solid"/>
-                      <a:round/>
-                      <a:headEnd type="none" w="med" len="med"/>
-                      <a:tailEnd type="none" w="med" len="med"/>
-                    </a:lnR>
-                    <a:lnT w="12700" cap="flat" cmpd="sng" algn="ctr">
-                      <a:solidFill>
-                        <a:schemeClr val="bg1">
-                          <a:lumMod val="95000"/>
-                        </a:schemeClr>
-                      </a:solidFill>
-                      <a:prstDash val="solid"/>
-                      <a:round/>
-                      <a:headEnd type="none" w="med" len="med"/>
-                      <a:tailEnd type="none" w="med" len="med"/>
-                    </a:lnT>
-                    <a:lnB w="12700" cap="flat" cmpd="sng" algn="ctr">
-                      <a:solidFill>
-                        <a:schemeClr val="bg1">
-                          <a:lumMod val="95000"/>
-                        </a:schemeClr>
-                      </a:solidFill>
-                      <a:prstDash val="solid"/>
-                      <a:round/>
-                      <a:headEnd type="none" w="med" len="med"/>
-                      <a:tailEnd type="none" w="med" len="med"/>
-                    </a:lnB>
-                    <a:solidFill>
-                      <a:schemeClr val="tx1">
-                        <a:lumMod val="65000"/>
-                        <a:lumOff val="35000"/>
-                      </a:schemeClr>
-                    </a:solidFill>
-                  </a:tcPr>
-                </a:tc>
-                <a:tc>
-                  <a:txBody>
-                    <a:bodyPr/>
-                    <a:lstStyle/>
-                    <a:p>
-                      <a:pPr algn="ctr"/>
-                      <a:r>
-                        <a:rPr lang="hu-HU" sz="1600" dirty="0">
-                          <a:solidFill>
-                            <a:schemeClr val="bg1">
-                              <a:lumMod val="95000"/>
-                            </a:schemeClr>
-                          </a:solidFill>
-                          <a:latin typeface="Consolas" panose="020B0609020204030204" pitchFamily="49" charset="0"/>
-                        </a:rPr>
-                        <a:t>Korház</a:t>
-                      </a:r>
-                      <a:endParaRPr lang="en-US" sz="1800" dirty="0">
-                        <a:solidFill>
-                          <a:schemeClr val="bg1">
-                            <a:lumMod val="95000"/>
-                          </a:schemeClr>
-                        </a:solidFill>
-                        <a:latin typeface="Consolas" panose="020B0609020204030204" pitchFamily="49" charset="0"/>
-                      </a:endParaRPr>
-                    </a:p>
-                  </a:txBody>
-                  <a:tcPr>
-                    <a:lnL w="12700" cap="flat" cmpd="sng" algn="ctr">
-                      <a:solidFill>
-                        <a:schemeClr val="bg1">
-                          <a:lumMod val="95000"/>
-                        </a:schemeClr>
-                      </a:solidFill>
-                      <a:prstDash val="solid"/>
-                      <a:round/>
-                      <a:headEnd type="none" w="med" len="med"/>
-                      <a:tailEnd type="none" w="med" len="med"/>
-                    </a:lnL>
-                    <a:lnR w="12700" cap="flat" cmpd="sng" algn="ctr">
-                      <a:solidFill>
-                        <a:schemeClr val="bg1">
-                          <a:lumMod val="95000"/>
-                        </a:schemeClr>
-                      </a:solidFill>
-                      <a:prstDash val="solid"/>
-                      <a:round/>
-                      <a:headEnd type="none" w="med" len="med"/>
-                      <a:tailEnd type="none" w="med" len="med"/>
-                    </a:lnR>
-                    <a:lnT w="12700" cap="flat" cmpd="sng" algn="ctr">
-                      <a:solidFill>
-                        <a:schemeClr val="bg1">
-                          <a:lumMod val="95000"/>
-                        </a:schemeClr>
-                      </a:solidFill>
-                      <a:prstDash val="solid"/>
-                      <a:round/>
-                      <a:headEnd type="none" w="med" len="med"/>
-                      <a:tailEnd type="none" w="med" len="med"/>
-                    </a:lnT>
-                    <a:lnB w="12700" cap="flat" cmpd="sng" algn="ctr">
-                      <a:solidFill>
-                        <a:schemeClr val="bg1">
-                          <a:lumMod val="95000"/>
-                        </a:schemeClr>
-                      </a:solidFill>
-                      <a:prstDash val="solid"/>
-                      <a:round/>
-                      <a:headEnd type="none" w="med" len="med"/>
-                      <a:tailEnd type="none" w="med" len="med"/>
-                    </a:lnB>
-                    <a:solidFill>
-                      <a:schemeClr val="tx1">
-                        <a:lumMod val="65000"/>
-                        <a:lumOff val="35000"/>
-                      </a:schemeClr>
-                    </a:solidFill>
-                  </a:tcPr>
-                </a:tc>
-                <a:tc>
-                  <a:txBody>
-                    <a:bodyPr/>
-                    <a:lstStyle/>
-                    <a:p>
-                      <a:pPr algn="ctr"/>
                       <a:endParaRPr lang="en-US" sz="1800" dirty="0">
                         <a:solidFill>
                           <a:schemeClr val="bg1">
@@ -9530,68 +7735,7 @@
                   </a:ext>
                 </a:extLst>
               </a:tr>
-              <a:tr h="5147325">
-                <a:tc>
-                  <a:txBody>
-                    <a:bodyPr/>
-                    <a:lstStyle/>
-                    <a:p>
-                      <a:endParaRPr lang="en-US" dirty="0"/>
-                    </a:p>
-                  </a:txBody>
-                  <a:tcPr>
-                    <a:lnL w="12700" cap="flat" cmpd="sng" algn="ctr">
-                      <a:solidFill>
-                        <a:schemeClr val="bg1">
-                          <a:lumMod val="95000"/>
-                        </a:schemeClr>
-                      </a:solidFill>
-                      <a:prstDash val="solid"/>
-                      <a:round/>
-                      <a:headEnd type="none" w="med" len="med"/>
-                      <a:tailEnd type="none" w="med" len="med"/>
-                    </a:lnL>
-                    <a:lnR w="12700" cap="flat" cmpd="sng" algn="ctr">
-                      <a:solidFill>
-                        <a:schemeClr val="bg1">
-                          <a:lumMod val="95000"/>
-                        </a:schemeClr>
-                      </a:solidFill>
-                      <a:prstDash val="solid"/>
-                      <a:round/>
-                      <a:headEnd type="none" w="med" len="med"/>
-                      <a:tailEnd type="none" w="med" len="med"/>
-                    </a:lnR>
-                    <a:lnT w="12700" cap="flat" cmpd="sng" algn="ctr">
-                      <a:solidFill>
-                        <a:schemeClr val="bg1">
-                          <a:lumMod val="95000"/>
-                        </a:schemeClr>
-                      </a:solidFill>
-                      <a:prstDash val="solid"/>
-                      <a:round/>
-                      <a:headEnd type="none" w="med" len="med"/>
-                      <a:tailEnd type="none" w="med" len="med"/>
-                    </a:lnT>
-                    <a:lnB w="12700" cap="flat" cmpd="sng" algn="ctr">
-                      <a:solidFill>
-                        <a:schemeClr val="bg1">
-                          <a:lumMod val="95000"/>
-                        </a:schemeClr>
-                      </a:solidFill>
-                      <a:prstDash val="solid"/>
-                      <a:round/>
-                      <a:headEnd type="none" w="med" len="med"/>
-                      <a:tailEnd type="none" w="med" len="med"/>
-                    </a:lnB>
-                    <a:solidFill>
-                      <a:schemeClr val="tx1">
-                        <a:lumMod val="65000"/>
-                        <a:lumOff val="35000"/>
-                      </a:schemeClr>
-                    </a:solidFill>
-                  </a:tcPr>
-                </a:tc>
+              <a:tr h="5078005">
                 <a:tc>
                   <a:txBody>
                     <a:bodyPr/>
@@ -10237,12 +8381,48 @@
           </p:pic>
         </mc:Fallback>
       </mc:AlternateContent>
+      <p:pic>
+        <p:nvPicPr>
+          <p:cNvPr id="25" name="Tartalom helye 4">
+            <a:extLst>
+              <a:ext uri="{FF2B5EF4-FFF2-40B4-BE49-F238E27FC236}">
+                <a16:creationId xmlns:a16="http://schemas.microsoft.com/office/drawing/2014/main" id="{3A0FB02A-9EE3-4964-9391-3B9D8431CCF3}"/>
+              </a:ext>
+            </a:extLst>
+          </p:cNvPr>
+          <p:cNvPicPr>
+            <a:picLocks noChangeAspect="1"/>
+          </p:cNvPicPr>
+          <p:nvPr/>
+        </p:nvPicPr>
+        <p:blipFill>
+          <a:blip r:embed="rId6">
+            <a:extLst>
+              <a:ext uri="{28A0092B-C50C-407E-A947-70E740481C1C}">
+                <a14:useLocalDpi xmlns:a14="http://schemas.microsoft.com/office/drawing/2010/main" val="0"/>
+              </a:ext>
+            </a:extLst>
+          </a:blip>
+          <a:stretch>
+            <a:fillRect/>
+          </a:stretch>
+        </p:blipFill>
+        <p:spPr>
+          <a:xfrm>
+            <a:off x="11067070" y="-137834"/>
+            <a:ext cx="973029" cy="973029"/>
+          </a:xfrm>
+          <a:prstGeom prst="rect">
+            <a:avLst/>
+          </a:prstGeom>
+        </p:spPr>
+      </p:pic>
       <p:sp>
         <p:nvSpPr>
-          <p:cNvPr id="33" name="Téglalap: lekerekített 32">
+          <p:cNvPr id="26" name="Téglalap: lekerekített 25">
             <a:extLst>
               <a:ext uri="{FF2B5EF4-FFF2-40B4-BE49-F238E27FC236}">
-                <a16:creationId xmlns:a16="http://schemas.microsoft.com/office/drawing/2014/main" id="{9E70D457-9B50-4CC6-9DD7-96CD98846152}"/>
+                <a16:creationId xmlns:a16="http://schemas.microsoft.com/office/drawing/2014/main" id="{EFD54652-8E41-49BC-A36E-D9E025913E96}"/>
               </a:ext>
             </a:extLst>
           </p:cNvPr>
@@ -10251,8 +8431,298 @@
         </p:nvSpPr>
         <p:spPr>
           <a:xfrm>
-            <a:off x="214907" y="1640015"/>
-            <a:ext cx="2929699" cy="635540"/>
+            <a:off x="2771196" y="1974583"/>
+            <a:ext cx="1933938" cy="237444"/>
+          </a:xfrm>
+          <a:prstGeom prst="roundRect">
+            <a:avLst/>
+          </a:prstGeom>
+          <a:noFill/>
+          <a:ln w="25400">
+            <a:solidFill>
+              <a:schemeClr val="tx1">
+                <a:lumMod val="85000"/>
+                <a:lumOff val="15000"/>
+              </a:schemeClr>
+            </a:solidFill>
+          </a:ln>
+        </p:spPr>
+        <p:style>
+          <a:lnRef idx="2">
+            <a:schemeClr val="accent1">
+              <a:shade val="50000"/>
+            </a:schemeClr>
+          </a:lnRef>
+          <a:fillRef idx="1">
+            <a:schemeClr val="accent1"/>
+          </a:fillRef>
+          <a:effectRef idx="0">
+            <a:schemeClr val="accent1"/>
+          </a:effectRef>
+          <a:fontRef idx="minor">
+            <a:schemeClr val="lt1"/>
+          </a:fontRef>
+        </p:style>
+        <p:txBody>
+          <a:bodyPr rtlCol="0" anchor="ctr"/>
+          <a:lstStyle/>
+          <a:p>
+            <a:r>
+              <a:rPr lang="hu-HU" sz="2400" dirty="0" err="1">
+                <a:solidFill>
+                  <a:srgbClr val="272320"/>
+                </a:solidFill>
+                <a:latin typeface="Consolas" panose="020B0609020204030204" pitchFamily="49" charset="0"/>
+              </a:rPr>
+              <a:t>Korhaz</a:t>
+            </a:r>
+            <a:r>
+              <a:rPr lang="hu-HU" sz="2400" dirty="0">
+                <a:solidFill>
+                  <a:srgbClr val="272320"/>
+                </a:solidFill>
+                <a:latin typeface="Consolas" panose="020B0609020204030204" pitchFamily="49" charset="0"/>
+              </a:rPr>
+              <a:t> </a:t>
+            </a:r>
+            <a:r>
+              <a:rPr lang="hu-HU" sz="2400" dirty="0" err="1">
+                <a:solidFill>
+                  <a:srgbClr val="272320"/>
+                </a:solidFill>
+                <a:latin typeface="Consolas" panose="020B0609020204030204" pitchFamily="49" charset="0"/>
+              </a:rPr>
+              <a:t>nev</a:t>
+            </a:r>
+            <a:endParaRPr lang="en-US" sz="2400" dirty="0">
+              <a:solidFill>
+                <a:srgbClr val="272320"/>
+              </a:solidFill>
+              <a:latin typeface="Consolas" panose="020B0609020204030204" pitchFamily="49" charset="0"/>
+            </a:endParaRPr>
+          </a:p>
+        </p:txBody>
+      </p:sp>
+      <p:sp>
+        <p:nvSpPr>
+          <p:cNvPr id="27" name="Téglalap: lekerekített 26">
+            <a:extLst>
+              <a:ext uri="{FF2B5EF4-FFF2-40B4-BE49-F238E27FC236}">
+                <a16:creationId xmlns:a16="http://schemas.microsoft.com/office/drawing/2014/main" id="{EEBD838F-4E3C-44C6-A47C-1B0E929045FE}"/>
+              </a:ext>
+            </a:extLst>
+          </p:cNvPr>
+          <p:cNvSpPr/>
+          <p:nvPr/>
+        </p:nvSpPr>
+        <p:spPr>
+          <a:xfrm>
+            <a:off x="2751538" y="2816763"/>
+            <a:ext cx="1933938" cy="237444"/>
+          </a:xfrm>
+          <a:prstGeom prst="roundRect">
+            <a:avLst/>
+          </a:prstGeom>
+          <a:noFill/>
+          <a:ln w="25400">
+            <a:solidFill>
+              <a:schemeClr val="tx1">
+                <a:lumMod val="85000"/>
+                <a:lumOff val="15000"/>
+              </a:schemeClr>
+            </a:solidFill>
+          </a:ln>
+        </p:spPr>
+        <p:style>
+          <a:lnRef idx="2">
+            <a:schemeClr val="accent1">
+              <a:shade val="50000"/>
+            </a:schemeClr>
+          </a:lnRef>
+          <a:fillRef idx="1">
+            <a:schemeClr val="accent1"/>
+          </a:fillRef>
+          <a:effectRef idx="0">
+            <a:schemeClr val="accent1"/>
+          </a:effectRef>
+          <a:fontRef idx="minor">
+            <a:schemeClr val="lt1"/>
+          </a:fontRef>
+        </p:style>
+        <p:txBody>
+          <a:bodyPr rtlCol="0" anchor="ctr"/>
+          <a:lstStyle/>
+          <a:p>
+            <a:r>
+              <a:rPr lang="hu-HU" sz="2400" dirty="0" err="1">
+                <a:solidFill>
+                  <a:srgbClr val="272320"/>
+                </a:solidFill>
+                <a:latin typeface="Consolas" panose="020B0609020204030204" pitchFamily="49" charset="0"/>
+              </a:rPr>
+              <a:t>nyitvatart</a:t>
+            </a:r>
+            <a:endParaRPr lang="en-US" sz="2400" dirty="0">
+              <a:solidFill>
+                <a:srgbClr val="272320"/>
+              </a:solidFill>
+              <a:latin typeface="Consolas" panose="020B0609020204030204" pitchFamily="49" charset="0"/>
+            </a:endParaRPr>
+          </a:p>
+        </p:txBody>
+      </p:sp>
+      <p:sp>
+        <p:nvSpPr>
+          <p:cNvPr id="28" name="Téglalap: lekerekített 27">
+            <a:extLst>
+              <a:ext uri="{FF2B5EF4-FFF2-40B4-BE49-F238E27FC236}">
+                <a16:creationId xmlns:a16="http://schemas.microsoft.com/office/drawing/2014/main" id="{E5DA69A1-8AA9-4EC6-AD63-69ADD9481D63}"/>
+              </a:ext>
+            </a:extLst>
+          </p:cNvPr>
+          <p:cNvSpPr/>
+          <p:nvPr/>
+        </p:nvSpPr>
+        <p:spPr>
+          <a:xfrm>
+            <a:off x="2771196" y="2392775"/>
+            <a:ext cx="1933938" cy="237444"/>
+          </a:xfrm>
+          <a:prstGeom prst="roundRect">
+            <a:avLst/>
+          </a:prstGeom>
+          <a:noFill/>
+          <a:ln w="25400">
+            <a:solidFill>
+              <a:schemeClr val="tx1">
+                <a:lumMod val="85000"/>
+                <a:lumOff val="15000"/>
+              </a:schemeClr>
+            </a:solidFill>
+          </a:ln>
+        </p:spPr>
+        <p:style>
+          <a:lnRef idx="2">
+            <a:schemeClr val="accent1">
+              <a:shade val="50000"/>
+            </a:schemeClr>
+          </a:lnRef>
+          <a:fillRef idx="1">
+            <a:schemeClr val="accent1"/>
+          </a:fillRef>
+          <a:effectRef idx="0">
+            <a:schemeClr val="accent1"/>
+          </a:effectRef>
+          <a:fontRef idx="minor">
+            <a:schemeClr val="lt1"/>
+          </a:fontRef>
+        </p:style>
+        <p:txBody>
+          <a:bodyPr rtlCol="0" anchor="ctr"/>
+          <a:lstStyle/>
+          <a:p>
+            <a:r>
+              <a:rPr lang="hu-HU" sz="2400" dirty="0" err="1">
+                <a:solidFill>
+                  <a:srgbClr val="272320"/>
+                </a:solidFill>
+                <a:latin typeface="Consolas" panose="020B0609020204030204" pitchFamily="49" charset="0"/>
+              </a:rPr>
+              <a:t>jutattas</a:t>
+            </a:r>
+            <a:endParaRPr lang="en-US" sz="2400" dirty="0">
+              <a:solidFill>
+                <a:srgbClr val="272320"/>
+              </a:solidFill>
+              <a:latin typeface="Consolas" panose="020B0609020204030204" pitchFamily="49" charset="0"/>
+            </a:endParaRPr>
+          </a:p>
+        </p:txBody>
+      </p:sp>
+      <p:sp>
+        <p:nvSpPr>
+          <p:cNvPr id="29" name="Téglalap: lekerekített 28">
+            <a:extLst>
+              <a:ext uri="{FF2B5EF4-FFF2-40B4-BE49-F238E27FC236}">
+                <a16:creationId xmlns:a16="http://schemas.microsoft.com/office/drawing/2014/main" id="{C8B09360-C774-445F-A0C1-0F64F0A97196}"/>
+              </a:ext>
+            </a:extLst>
+          </p:cNvPr>
+          <p:cNvSpPr/>
+          <p:nvPr/>
+        </p:nvSpPr>
+        <p:spPr>
+          <a:xfrm>
+            <a:off x="2762862" y="3191556"/>
+            <a:ext cx="1933938" cy="237444"/>
+          </a:xfrm>
+          <a:prstGeom prst="roundRect">
+            <a:avLst/>
+          </a:prstGeom>
+          <a:noFill/>
+          <a:ln w="25400">
+            <a:solidFill>
+              <a:schemeClr val="tx1">
+                <a:lumMod val="85000"/>
+                <a:lumOff val="15000"/>
+              </a:schemeClr>
+            </a:solidFill>
+          </a:ln>
+        </p:spPr>
+        <p:style>
+          <a:lnRef idx="2">
+            <a:schemeClr val="accent1">
+              <a:shade val="50000"/>
+            </a:schemeClr>
+          </a:lnRef>
+          <a:fillRef idx="1">
+            <a:schemeClr val="accent1"/>
+          </a:fillRef>
+          <a:effectRef idx="0">
+            <a:schemeClr val="accent1"/>
+          </a:effectRef>
+          <a:fontRef idx="minor">
+            <a:schemeClr val="lt1"/>
+          </a:fontRef>
+        </p:style>
+        <p:txBody>
+          <a:bodyPr rtlCol="0" anchor="ctr"/>
+          <a:lstStyle/>
+          <a:p>
+            <a:r>
+              <a:rPr lang="hu-HU" sz="2400" dirty="0">
+                <a:solidFill>
+                  <a:srgbClr val="272320"/>
+                </a:solidFill>
+                <a:latin typeface="Consolas" panose="020B0609020204030204" pitchFamily="49" charset="0"/>
+              </a:rPr>
+              <a:t>hely</a:t>
+            </a:r>
+            <a:endParaRPr lang="en-US" sz="2400" dirty="0">
+              <a:solidFill>
+                <a:srgbClr val="272320"/>
+              </a:solidFill>
+              <a:latin typeface="Consolas" panose="020B0609020204030204" pitchFamily="49" charset="0"/>
+            </a:endParaRPr>
+          </a:p>
+        </p:txBody>
+      </p:sp>
+      <p:sp>
+        <p:nvSpPr>
+          <p:cNvPr id="30" name="Téglalap: lekerekített 29">
+            <a:extLst>
+              <a:ext uri="{FF2B5EF4-FFF2-40B4-BE49-F238E27FC236}">
+                <a16:creationId xmlns:a16="http://schemas.microsoft.com/office/drawing/2014/main" id="{6E1C8D22-A24A-40C9-BD41-862DC94FC532}"/>
+              </a:ext>
+            </a:extLst>
+          </p:cNvPr>
+          <p:cNvSpPr/>
+          <p:nvPr/>
+        </p:nvSpPr>
+        <p:spPr>
+          <a:xfrm>
+            <a:off x="2953598" y="3565499"/>
+            <a:ext cx="1529817" cy="384226"/>
           </a:xfrm>
           <a:prstGeom prst="roundRect">
             <a:avLst/>
@@ -10288,22 +8758,20 @@
           <a:lstStyle/>
           <a:p>
             <a:pPr algn="ctr"/>
-            <a:endParaRPr lang="en-US" dirty="0">
-              <a:solidFill>
-                <a:schemeClr val="bg1">
-                  <a:lumMod val="95000"/>
-                </a:schemeClr>
-              </a:solidFill>
-            </a:endParaRPr>
+            <a:r>
+              <a:rPr lang="hu-HU" dirty="0"/>
+              <a:t>hozzáad</a:t>
+            </a:r>
+            <a:endParaRPr lang="en-US" dirty="0"/>
           </a:p>
         </p:txBody>
       </p:sp>
       <p:sp>
         <p:nvSpPr>
-          <p:cNvPr id="34" name="Téglalap: lekerekített 33">
+          <p:cNvPr id="32" name="Téglalap: lekerekített 31">
             <a:extLst>
               <a:ext uri="{FF2B5EF4-FFF2-40B4-BE49-F238E27FC236}">
-                <a16:creationId xmlns:a16="http://schemas.microsoft.com/office/drawing/2014/main" id="{2063A7C5-92F9-46EB-9EE9-A318C2EEB6D8}"/>
+                <a16:creationId xmlns:a16="http://schemas.microsoft.com/office/drawing/2014/main" id="{DA85F728-AE02-45E7-B3EF-71243F8B4CF6}"/>
               </a:ext>
             </a:extLst>
           </p:cNvPr>
@@ -10312,8 +8780,8 @@
         </p:nvSpPr>
         <p:spPr>
           <a:xfrm>
-            <a:off x="222455" y="906759"/>
-            <a:ext cx="2929699" cy="635540"/>
+            <a:off x="2941146" y="1421753"/>
+            <a:ext cx="1529817" cy="384226"/>
           </a:xfrm>
           <a:prstGeom prst="roundRect">
             <a:avLst/>
@@ -10348,84 +8816,21 @@
           <a:bodyPr rtlCol="0" anchor="ctr"/>
           <a:lstStyle/>
           <a:p>
+            <a:pPr algn="ctr"/>
             <a:r>
-              <a:rPr lang="hu-HU" sz="2400" dirty="0">
-                <a:solidFill>
-                  <a:schemeClr val="bg1">
-                    <a:lumMod val="95000"/>
-                  </a:schemeClr>
-                </a:solidFill>
-                <a:latin typeface="Consolas" panose="020B0609020204030204" pitchFamily="49" charset="0"/>
-              </a:rPr>
-              <a:t>Adat hozzáadása</a:t>
+              <a:rPr lang="hu-HU" dirty="0"/>
+              <a:t>keres</a:t>
             </a:r>
-            <a:endParaRPr lang="en-US" sz="2400" dirty="0">
-              <a:solidFill>
-                <a:schemeClr val="bg1">
-                  <a:lumMod val="95000"/>
-                </a:schemeClr>
-              </a:solidFill>
-              <a:latin typeface="Consolas" panose="020B0609020204030204" pitchFamily="49" charset="0"/>
-            </a:endParaRPr>
+            <a:endParaRPr lang="en-US" dirty="0"/>
           </a:p>
         </p:txBody>
       </p:sp>
       <p:sp>
         <p:nvSpPr>
-          <p:cNvPr id="35" name="Szövegdoboz 34">
+          <p:cNvPr id="33" name="Téglalap: lekerekített 32">
             <a:extLst>
               <a:ext uri="{FF2B5EF4-FFF2-40B4-BE49-F238E27FC236}">
-                <a16:creationId xmlns:a16="http://schemas.microsoft.com/office/drawing/2014/main" id="{6992FE84-D128-4EB2-8749-2FC8DF018877}"/>
-              </a:ext>
-            </a:extLst>
-          </p:cNvPr>
-          <p:cNvSpPr txBox="1"/>
-          <p:nvPr/>
-        </p:nvSpPr>
-        <p:spPr>
-          <a:xfrm>
-            <a:off x="280341" y="1726952"/>
-            <a:ext cx="2563522" cy="461665"/>
-          </a:xfrm>
-          <a:prstGeom prst="rect">
-            <a:avLst/>
-          </a:prstGeom>
-          <a:noFill/>
-        </p:spPr>
-        <p:txBody>
-          <a:bodyPr wrap="none" rtlCol="0">
-            <a:spAutoFit/>
-          </a:bodyPr>
-          <a:lstStyle/>
-          <a:p>
-            <a:r>
-              <a:rPr lang="hu-HU" sz="2400" dirty="0">
-                <a:solidFill>
-                  <a:schemeClr val="bg1">
-                    <a:lumMod val="95000"/>
-                  </a:schemeClr>
-                </a:solidFill>
-                <a:latin typeface="Consolas" panose="020B0609020204030204" pitchFamily="49" charset="0"/>
-              </a:rPr>
-              <a:t>Adatok törlése</a:t>
-            </a:r>
-            <a:endParaRPr lang="en-US" sz="2400" dirty="0">
-              <a:solidFill>
-                <a:schemeClr val="bg1">
-                  <a:lumMod val="95000"/>
-                </a:schemeClr>
-              </a:solidFill>
-              <a:latin typeface="Consolas" panose="020B0609020204030204" pitchFamily="49" charset="0"/>
-            </a:endParaRPr>
-          </a:p>
-        </p:txBody>
-      </p:sp>
-      <p:sp>
-        <p:nvSpPr>
-          <p:cNvPr id="36" name="Téglalap: lekerekített 35">
-            <a:extLst>
-              <a:ext uri="{FF2B5EF4-FFF2-40B4-BE49-F238E27FC236}">
-                <a16:creationId xmlns:a16="http://schemas.microsoft.com/office/drawing/2014/main" id="{F54EBBCD-FFA9-4291-9FAA-10DC9681F3F8}"/>
+                <a16:creationId xmlns:a16="http://schemas.microsoft.com/office/drawing/2014/main" id="{0A79A2D2-E0D9-406F-9372-958F10E7D239}"/>
               </a:ext>
             </a:extLst>
           </p:cNvPr>
@@ -10434,8 +8839,8 @@
         </p:nvSpPr>
         <p:spPr>
           <a:xfrm>
-            <a:off x="174028" y="2384345"/>
-            <a:ext cx="2929699" cy="635540"/>
+            <a:off x="3331994" y="6189520"/>
+            <a:ext cx="1594302" cy="390671"/>
           </a:xfrm>
           <a:prstGeom prst="roundRect">
             <a:avLst/>
@@ -10471,1142 +8876,20 @@
           <a:lstStyle/>
           <a:p>
             <a:pPr algn="ctr"/>
-            <a:endParaRPr lang="en-US"/>
+            <a:r>
+              <a:rPr lang="hu-HU" dirty="0"/>
+              <a:t>töröl</a:t>
+            </a:r>
+            <a:endParaRPr lang="en-US" dirty="0"/>
           </a:p>
         </p:txBody>
       </p:sp>
       <p:sp>
         <p:nvSpPr>
-          <p:cNvPr id="37" name="Szövegdoboz 36">
+          <p:cNvPr id="34" name="Téglalap: lekerekített 33">
             <a:extLst>
               <a:ext uri="{FF2B5EF4-FFF2-40B4-BE49-F238E27FC236}">
-                <a16:creationId xmlns:a16="http://schemas.microsoft.com/office/drawing/2014/main" id="{1A0466DA-B3A3-4D4B-9DA2-B962475D4139}"/>
-              </a:ext>
-            </a:extLst>
-          </p:cNvPr>
-          <p:cNvSpPr txBox="1"/>
-          <p:nvPr/>
-        </p:nvSpPr>
-        <p:spPr>
-          <a:xfrm>
-            <a:off x="222455" y="2453386"/>
-            <a:ext cx="2727029" cy="430887"/>
-          </a:xfrm>
-          <a:prstGeom prst="rect">
-            <a:avLst/>
-          </a:prstGeom>
-          <a:noFill/>
-        </p:spPr>
-        <p:txBody>
-          <a:bodyPr wrap="none" rtlCol="0">
-            <a:spAutoFit/>
-          </a:bodyPr>
-          <a:lstStyle/>
-          <a:p>
-            <a:r>
-              <a:rPr lang="hu-HU" sz="2000" dirty="0">
-                <a:solidFill>
-                  <a:schemeClr val="bg1">
-                    <a:lumMod val="95000"/>
-                  </a:schemeClr>
-                </a:solidFill>
-                <a:latin typeface="Consolas" panose="020B0609020204030204" pitchFamily="49" charset="0"/>
-              </a:rPr>
-              <a:t>Adatok </a:t>
-            </a:r>
-            <a:r>
-              <a:rPr lang="hu-HU" sz="2200" dirty="0">
-                <a:solidFill>
-                  <a:schemeClr val="bg1">
-                    <a:lumMod val="95000"/>
-                  </a:schemeClr>
-                </a:solidFill>
-                <a:latin typeface="Consolas" panose="020B0609020204030204" pitchFamily="49" charset="0"/>
-              </a:rPr>
-              <a:t>módosítása</a:t>
-            </a:r>
-            <a:endParaRPr lang="en-US" sz="2200" dirty="0">
-              <a:solidFill>
-                <a:schemeClr val="bg1">
-                  <a:lumMod val="95000"/>
-                </a:schemeClr>
-              </a:solidFill>
-              <a:latin typeface="Consolas" panose="020B0609020204030204" pitchFamily="49" charset="0"/>
-            </a:endParaRPr>
-          </a:p>
-        </p:txBody>
-      </p:sp>
-      <p:pic>
-        <p:nvPicPr>
-          <p:cNvPr id="26" name="Tartalom helye 4">
-            <a:extLst>
-              <a:ext uri="{FF2B5EF4-FFF2-40B4-BE49-F238E27FC236}">
-                <a16:creationId xmlns:a16="http://schemas.microsoft.com/office/drawing/2014/main" id="{ADD8714E-AF85-45C0-B7BE-67E6C61C8DC7}"/>
-              </a:ext>
-            </a:extLst>
-          </p:cNvPr>
-          <p:cNvPicPr>
-            <a:picLocks noChangeAspect="1"/>
-          </p:cNvPicPr>
-          <p:nvPr/>
-        </p:nvPicPr>
-        <p:blipFill>
-          <a:blip r:embed="rId6" cstate="hqprint">
-            <a:extLst>
-              <a:ext uri="{28A0092B-C50C-407E-A947-70E740481C1C}">
-                <a14:useLocalDpi xmlns:a14="http://schemas.microsoft.com/office/drawing/2010/main" val="0"/>
-              </a:ext>
-            </a:extLst>
-          </a:blip>
-          <a:stretch>
-            <a:fillRect/>
-          </a:stretch>
-        </p:blipFill>
-        <p:spPr>
-          <a:xfrm>
-            <a:off x="11067070" y="-137834"/>
-            <a:ext cx="973029" cy="973029"/>
-          </a:xfrm>
-          <a:prstGeom prst="rect">
-            <a:avLst/>
-          </a:prstGeom>
-        </p:spPr>
-      </p:pic>
-      <p:graphicFrame>
-        <p:nvGraphicFramePr>
-          <p:cNvPr id="23" name="Táblázat 7">
-            <a:extLst>
-              <a:ext uri="{FF2B5EF4-FFF2-40B4-BE49-F238E27FC236}">
-                <a16:creationId xmlns:a16="http://schemas.microsoft.com/office/drawing/2014/main" id="{E217F380-D97E-44F4-BE96-37168D9DCC04}"/>
-              </a:ext>
-            </a:extLst>
-          </p:cNvPr>
-          <p:cNvGraphicFramePr>
-            <a:graphicFrameLocks noGrp="1"/>
-          </p:cNvGraphicFramePr>
-          <p:nvPr>
-            <p:extLst>
-              <p:ext uri="{D42A27DB-BD31-4B8C-83A1-F6EECF244321}">
-                <p14:modId xmlns:p14="http://schemas.microsoft.com/office/powerpoint/2010/main" val="2198171533"/>
-              </p:ext>
-            </p:extLst>
-          </p:nvPr>
-        </p:nvGraphicFramePr>
-        <p:xfrm>
-          <a:off x="3325853" y="831672"/>
-          <a:ext cx="8658084" cy="5652828"/>
-        </p:xfrm>
-        <a:graphic>
-          <a:graphicData uri="http://schemas.openxmlformats.org/drawingml/2006/table">
-            <a:tbl>
-              <a:tblPr firstRow="1" bandRow="1">
-                <a:tableStyleId>{5C22544A-7EE6-4342-B048-85BDC9FD1C3A}</a:tableStyleId>
-              </a:tblPr>
-              <a:tblGrid>
-                <a:gridCol w="1443014">
-                  <a:extLst>
-                    <a:ext uri="{9D8B030D-6E8A-4147-A177-3AD203B41FA5}">
-                      <a16:colId xmlns:a16="http://schemas.microsoft.com/office/drawing/2014/main" val="2598443847"/>
-                    </a:ext>
-                  </a:extLst>
-                </a:gridCol>
-                <a:gridCol w="1443014">
-                  <a:extLst>
-                    <a:ext uri="{9D8B030D-6E8A-4147-A177-3AD203B41FA5}">
-                      <a16:colId xmlns:a16="http://schemas.microsoft.com/office/drawing/2014/main" val="2935347366"/>
-                    </a:ext>
-                  </a:extLst>
-                </a:gridCol>
-                <a:gridCol w="1623436">
-                  <a:extLst>
-                    <a:ext uri="{9D8B030D-6E8A-4147-A177-3AD203B41FA5}">
-                      <a16:colId xmlns:a16="http://schemas.microsoft.com/office/drawing/2014/main" val="2368300544"/>
-                    </a:ext>
-                  </a:extLst>
-                </a:gridCol>
-                <a:gridCol w="1870745">
-                  <a:extLst>
-                    <a:ext uri="{9D8B030D-6E8A-4147-A177-3AD203B41FA5}">
-                      <a16:colId xmlns:a16="http://schemas.microsoft.com/office/drawing/2014/main" val="3644187451"/>
-                    </a:ext>
-                  </a:extLst>
-                </a:gridCol>
-                <a:gridCol w="1602298">
-                  <a:extLst>
-                    <a:ext uri="{9D8B030D-6E8A-4147-A177-3AD203B41FA5}">
-                      <a16:colId xmlns:a16="http://schemas.microsoft.com/office/drawing/2014/main" val="616371910"/>
-                    </a:ext>
-                  </a:extLst>
-                </a:gridCol>
-                <a:gridCol w="675577">
-                  <a:extLst>
-                    <a:ext uri="{9D8B030D-6E8A-4147-A177-3AD203B41FA5}">
-                      <a16:colId xmlns:a16="http://schemas.microsoft.com/office/drawing/2014/main" val="4105414953"/>
-                    </a:ext>
-                  </a:extLst>
-                </a:gridCol>
-              </a:tblGrid>
-              <a:tr h="505503">
-                <a:tc>
-                  <a:txBody>
-                    <a:bodyPr/>
-                    <a:lstStyle/>
-                    <a:p>
-                      <a:pPr algn="ctr"/>
-                      <a:r>
-                        <a:rPr lang="hu-HU" sz="1600" b="1" dirty="0">
-                          <a:solidFill>
-                            <a:schemeClr val="bg1">
-                              <a:lumMod val="95000"/>
-                            </a:schemeClr>
-                          </a:solidFill>
-                          <a:latin typeface="Consolas" panose="020B0609020204030204" pitchFamily="49" charset="0"/>
-                        </a:rPr>
-                        <a:t>Azonosító</a:t>
-                      </a:r>
-                      <a:endParaRPr lang="en-US" sz="1800" b="1" dirty="0">
-                        <a:solidFill>
-                          <a:schemeClr val="bg1">
-                            <a:lumMod val="95000"/>
-                          </a:schemeClr>
-                        </a:solidFill>
-                        <a:latin typeface="Consolas" panose="020B0609020204030204" pitchFamily="49" charset="0"/>
-                      </a:endParaRPr>
-                    </a:p>
-                  </a:txBody>
-                  <a:tcPr>
-                    <a:lnL w="12700" cap="flat" cmpd="sng" algn="ctr">
-                      <a:solidFill>
-                        <a:schemeClr val="bg1">
-                          <a:lumMod val="95000"/>
-                        </a:schemeClr>
-                      </a:solidFill>
-                      <a:prstDash val="solid"/>
-                      <a:round/>
-                      <a:headEnd type="none" w="med" len="med"/>
-                      <a:tailEnd type="none" w="med" len="med"/>
-                    </a:lnL>
-                    <a:lnR w="12700" cap="flat" cmpd="sng" algn="ctr">
-                      <a:solidFill>
-                        <a:schemeClr val="bg1">
-                          <a:lumMod val="95000"/>
-                        </a:schemeClr>
-                      </a:solidFill>
-                      <a:prstDash val="solid"/>
-                      <a:round/>
-                      <a:headEnd type="none" w="med" len="med"/>
-                      <a:tailEnd type="none" w="med" len="med"/>
-                    </a:lnR>
-                    <a:lnT w="12700" cap="flat" cmpd="sng" algn="ctr">
-                      <a:solidFill>
-                        <a:schemeClr val="bg1">
-                          <a:lumMod val="95000"/>
-                        </a:schemeClr>
-                      </a:solidFill>
-                      <a:prstDash val="solid"/>
-                      <a:round/>
-                      <a:headEnd type="none" w="med" len="med"/>
-                      <a:tailEnd type="none" w="med" len="med"/>
-                    </a:lnT>
-                    <a:lnB w="12700" cap="flat" cmpd="sng" algn="ctr">
-                      <a:solidFill>
-                        <a:schemeClr val="bg1">
-                          <a:lumMod val="95000"/>
-                        </a:schemeClr>
-                      </a:solidFill>
-                      <a:prstDash val="solid"/>
-                      <a:round/>
-                      <a:headEnd type="none" w="med" len="med"/>
-                      <a:tailEnd type="none" w="med" len="med"/>
-                    </a:lnB>
-                    <a:solidFill>
-                      <a:schemeClr val="tx1">
-                        <a:lumMod val="65000"/>
-                        <a:lumOff val="35000"/>
-                      </a:schemeClr>
-                    </a:solidFill>
-                  </a:tcPr>
-                </a:tc>
-                <a:tc>
-                  <a:txBody>
-                    <a:bodyPr/>
-                    <a:lstStyle/>
-                    <a:p>
-                      <a:pPr algn="ctr"/>
-                      <a:r>
-                        <a:rPr lang="hu-HU" sz="1600" dirty="0">
-                          <a:solidFill>
-                            <a:schemeClr val="bg1">
-                              <a:lumMod val="95000"/>
-                            </a:schemeClr>
-                          </a:solidFill>
-                          <a:latin typeface="Consolas" panose="020B0609020204030204" pitchFamily="49" charset="0"/>
-                        </a:rPr>
-                        <a:t>Név</a:t>
-                      </a:r>
-                      <a:endParaRPr lang="en-US" sz="1800" dirty="0">
-                        <a:solidFill>
-                          <a:schemeClr val="bg1">
-                            <a:lumMod val="95000"/>
-                          </a:schemeClr>
-                        </a:solidFill>
-                        <a:latin typeface="Consolas" panose="020B0609020204030204" pitchFamily="49" charset="0"/>
-                      </a:endParaRPr>
-                    </a:p>
-                  </a:txBody>
-                  <a:tcPr>
-                    <a:lnL w="12700" cap="flat" cmpd="sng" algn="ctr">
-                      <a:solidFill>
-                        <a:schemeClr val="bg1">
-                          <a:lumMod val="95000"/>
-                        </a:schemeClr>
-                      </a:solidFill>
-                      <a:prstDash val="solid"/>
-                      <a:round/>
-                      <a:headEnd type="none" w="med" len="med"/>
-                      <a:tailEnd type="none" w="med" len="med"/>
-                    </a:lnL>
-                    <a:lnR w="12700" cap="flat" cmpd="sng" algn="ctr">
-                      <a:solidFill>
-                        <a:schemeClr val="bg1">
-                          <a:lumMod val="95000"/>
-                        </a:schemeClr>
-                      </a:solidFill>
-                      <a:prstDash val="solid"/>
-                      <a:round/>
-                      <a:headEnd type="none" w="med" len="med"/>
-                      <a:tailEnd type="none" w="med" len="med"/>
-                    </a:lnR>
-                    <a:lnT w="12700" cap="flat" cmpd="sng" algn="ctr">
-                      <a:solidFill>
-                        <a:schemeClr val="bg1">
-                          <a:lumMod val="95000"/>
-                        </a:schemeClr>
-                      </a:solidFill>
-                      <a:prstDash val="solid"/>
-                      <a:round/>
-                      <a:headEnd type="none" w="med" len="med"/>
-                      <a:tailEnd type="none" w="med" len="med"/>
-                    </a:lnT>
-                    <a:lnB w="12700" cap="flat" cmpd="sng" algn="ctr">
-                      <a:solidFill>
-                        <a:schemeClr val="bg1">
-                          <a:lumMod val="95000"/>
-                        </a:schemeClr>
-                      </a:solidFill>
-                      <a:prstDash val="solid"/>
-                      <a:round/>
-                      <a:headEnd type="none" w="med" len="med"/>
-                      <a:tailEnd type="none" w="med" len="med"/>
-                    </a:lnB>
-                    <a:solidFill>
-                      <a:schemeClr val="tx1">
-                        <a:lumMod val="65000"/>
-                        <a:lumOff val="35000"/>
-                      </a:schemeClr>
-                    </a:solidFill>
-                  </a:tcPr>
-                </a:tc>
-                <a:tc>
-                  <a:txBody>
-                    <a:bodyPr/>
-                    <a:lstStyle/>
-                    <a:p>
-                      <a:pPr algn="ctr"/>
-                      <a:r>
-                        <a:rPr lang="hu-HU" sz="1600" dirty="0">
-                          <a:solidFill>
-                            <a:schemeClr val="bg1">
-                              <a:lumMod val="95000"/>
-                            </a:schemeClr>
-                          </a:solidFill>
-                          <a:latin typeface="Consolas" panose="020B0609020204030204" pitchFamily="49" charset="0"/>
-                        </a:rPr>
-                        <a:t>Vércsoport</a:t>
-                      </a:r>
-                      <a:endParaRPr lang="en-US" sz="1800" dirty="0">
-                        <a:solidFill>
-                          <a:schemeClr val="bg1">
-                            <a:lumMod val="95000"/>
-                          </a:schemeClr>
-                        </a:solidFill>
-                        <a:latin typeface="Consolas" panose="020B0609020204030204" pitchFamily="49" charset="0"/>
-                      </a:endParaRPr>
-                    </a:p>
-                  </a:txBody>
-                  <a:tcPr>
-                    <a:lnL w="12700" cap="flat" cmpd="sng" algn="ctr">
-                      <a:solidFill>
-                        <a:schemeClr val="bg1">
-                          <a:lumMod val="95000"/>
-                        </a:schemeClr>
-                      </a:solidFill>
-                      <a:prstDash val="solid"/>
-                      <a:round/>
-                      <a:headEnd type="none" w="med" len="med"/>
-                      <a:tailEnd type="none" w="med" len="med"/>
-                    </a:lnL>
-                    <a:lnR w="12700" cap="flat" cmpd="sng" algn="ctr">
-                      <a:solidFill>
-                        <a:schemeClr val="bg1">
-                          <a:lumMod val="95000"/>
-                        </a:schemeClr>
-                      </a:solidFill>
-                      <a:prstDash val="solid"/>
-                      <a:round/>
-                      <a:headEnd type="none" w="med" len="med"/>
-                      <a:tailEnd type="none" w="med" len="med"/>
-                    </a:lnR>
-                    <a:lnT w="12700" cap="flat" cmpd="sng" algn="ctr">
-                      <a:solidFill>
-                        <a:schemeClr val="bg1">
-                          <a:lumMod val="95000"/>
-                        </a:schemeClr>
-                      </a:solidFill>
-                      <a:prstDash val="solid"/>
-                      <a:round/>
-                      <a:headEnd type="none" w="med" len="med"/>
-                      <a:tailEnd type="none" w="med" len="med"/>
-                    </a:lnT>
-                    <a:lnB w="12700" cap="flat" cmpd="sng" algn="ctr">
-                      <a:solidFill>
-                        <a:schemeClr val="bg1">
-                          <a:lumMod val="95000"/>
-                        </a:schemeClr>
-                      </a:solidFill>
-                      <a:prstDash val="solid"/>
-                      <a:round/>
-                      <a:headEnd type="none" w="med" len="med"/>
-                      <a:tailEnd type="none" w="med" len="med"/>
-                    </a:lnB>
-                    <a:solidFill>
-                      <a:schemeClr val="tx1">
-                        <a:lumMod val="65000"/>
-                        <a:lumOff val="35000"/>
-                      </a:schemeClr>
-                    </a:solidFill>
-                  </a:tcPr>
-                </a:tc>
-                <a:tc>
-                  <a:txBody>
-                    <a:bodyPr/>
-                    <a:lstStyle/>
-                    <a:p>
-                      <a:pPr algn="ctr"/>
-                      <a:r>
-                        <a:rPr lang="hu-HU" sz="1600" dirty="0">
-                          <a:solidFill>
-                            <a:schemeClr val="bg1">
-                              <a:lumMod val="95000"/>
-                            </a:schemeClr>
-                          </a:solidFill>
-                          <a:latin typeface="Consolas" panose="020B0609020204030204" pitchFamily="49" charset="0"/>
-                        </a:rPr>
-                        <a:t>Mennyiség(ml)</a:t>
-                      </a:r>
-                      <a:endParaRPr lang="en-US" sz="1600" dirty="0">
-                        <a:solidFill>
-                          <a:schemeClr val="bg1">
-                            <a:lumMod val="95000"/>
-                          </a:schemeClr>
-                        </a:solidFill>
-                        <a:latin typeface="Consolas" panose="020B0609020204030204" pitchFamily="49" charset="0"/>
-                      </a:endParaRPr>
-                    </a:p>
-                  </a:txBody>
-                  <a:tcPr>
-                    <a:lnL w="12700" cap="flat" cmpd="sng" algn="ctr">
-                      <a:solidFill>
-                        <a:schemeClr val="bg1">
-                          <a:lumMod val="95000"/>
-                        </a:schemeClr>
-                      </a:solidFill>
-                      <a:prstDash val="solid"/>
-                      <a:round/>
-                      <a:headEnd type="none" w="med" len="med"/>
-                      <a:tailEnd type="none" w="med" len="med"/>
-                    </a:lnL>
-                    <a:lnR w="12700" cap="flat" cmpd="sng" algn="ctr">
-                      <a:solidFill>
-                        <a:schemeClr val="bg1">
-                          <a:lumMod val="95000"/>
-                        </a:schemeClr>
-                      </a:solidFill>
-                      <a:prstDash val="solid"/>
-                      <a:round/>
-                      <a:headEnd type="none" w="med" len="med"/>
-                      <a:tailEnd type="none" w="med" len="med"/>
-                    </a:lnR>
-                    <a:lnT w="12700" cap="flat" cmpd="sng" algn="ctr">
-                      <a:solidFill>
-                        <a:schemeClr val="bg1">
-                          <a:lumMod val="95000"/>
-                        </a:schemeClr>
-                      </a:solidFill>
-                      <a:prstDash val="solid"/>
-                      <a:round/>
-                      <a:headEnd type="none" w="med" len="med"/>
-                      <a:tailEnd type="none" w="med" len="med"/>
-                    </a:lnT>
-                    <a:lnB w="12700" cap="flat" cmpd="sng" algn="ctr">
-                      <a:solidFill>
-                        <a:schemeClr val="bg1">
-                          <a:lumMod val="95000"/>
-                        </a:schemeClr>
-                      </a:solidFill>
-                      <a:prstDash val="solid"/>
-                      <a:round/>
-                      <a:headEnd type="none" w="med" len="med"/>
-                      <a:tailEnd type="none" w="med" len="med"/>
-                    </a:lnB>
-                    <a:solidFill>
-                      <a:schemeClr val="tx1">
-                        <a:lumMod val="65000"/>
-                        <a:lumOff val="35000"/>
-                      </a:schemeClr>
-                    </a:solidFill>
-                  </a:tcPr>
-                </a:tc>
-                <a:tc>
-                  <a:txBody>
-                    <a:bodyPr/>
-                    <a:lstStyle/>
-                    <a:p>
-                      <a:pPr algn="ctr"/>
-                      <a:r>
-                        <a:rPr lang="hu-HU" sz="1600" dirty="0">
-                          <a:solidFill>
-                            <a:schemeClr val="bg1">
-                              <a:lumMod val="95000"/>
-                            </a:schemeClr>
-                          </a:solidFill>
-                          <a:latin typeface="Consolas" panose="020B0609020204030204" pitchFamily="49" charset="0"/>
-                        </a:rPr>
-                        <a:t>Korház</a:t>
-                      </a:r>
-                      <a:endParaRPr lang="en-US" sz="1800" dirty="0">
-                        <a:solidFill>
-                          <a:schemeClr val="bg1">
-                            <a:lumMod val="95000"/>
-                          </a:schemeClr>
-                        </a:solidFill>
-                        <a:latin typeface="Consolas" panose="020B0609020204030204" pitchFamily="49" charset="0"/>
-                      </a:endParaRPr>
-                    </a:p>
-                  </a:txBody>
-                  <a:tcPr>
-                    <a:lnL w="12700" cap="flat" cmpd="sng" algn="ctr">
-                      <a:solidFill>
-                        <a:schemeClr val="bg1">
-                          <a:lumMod val="95000"/>
-                        </a:schemeClr>
-                      </a:solidFill>
-                      <a:prstDash val="solid"/>
-                      <a:round/>
-                      <a:headEnd type="none" w="med" len="med"/>
-                      <a:tailEnd type="none" w="med" len="med"/>
-                    </a:lnL>
-                    <a:lnR w="12700" cap="flat" cmpd="sng" algn="ctr">
-                      <a:solidFill>
-                        <a:schemeClr val="bg1">
-                          <a:lumMod val="95000"/>
-                        </a:schemeClr>
-                      </a:solidFill>
-                      <a:prstDash val="solid"/>
-                      <a:round/>
-                      <a:headEnd type="none" w="med" len="med"/>
-                      <a:tailEnd type="none" w="med" len="med"/>
-                    </a:lnR>
-                    <a:lnT w="12700" cap="flat" cmpd="sng" algn="ctr">
-                      <a:solidFill>
-                        <a:schemeClr val="bg1">
-                          <a:lumMod val="95000"/>
-                        </a:schemeClr>
-                      </a:solidFill>
-                      <a:prstDash val="solid"/>
-                      <a:round/>
-                      <a:headEnd type="none" w="med" len="med"/>
-                      <a:tailEnd type="none" w="med" len="med"/>
-                    </a:lnT>
-                    <a:lnB w="12700" cap="flat" cmpd="sng" algn="ctr">
-                      <a:solidFill>
-                        <a:schemeClr val="bg1">
-                          <a:lumMod val="95000"/>
-                        </a:schemeClr>
-                      </a:solidFill>
-                      <a:prstDash val="solid"/>
-                      <a:round/>
-                      <a:headEnd type="none" w="med" len="med"/>
-                      <a:tailEnd type="none" w="med" len="med"/>
-                    </a:lnB>
-                    <a:solidFill>
-                      <a:schemeClr val="tx1">
-                        <a:lumMod val="65000"/>
-                        <a:lumOff val="35000"/>
-                      </a:schemeClr>
-                    </a:solidFill>
-                  </a:tcPr>
-                </a:tc>
-                <a:tc>
-                  <a:txBody>
-                    <a:bodyPr/>
-                    <a:lstStyle/>
-                    <a:p>
-                      <a:pPr algn="ctr"/>
-                      <a:endParaRPr lang="en-US" sz="1800" dirty="0">
-                        <a:solidFill>
-                          <a:schemeClr val="bg1">
-                            <a:lumMod val="95000"/>
-                          </a:schemeClr>
-                        </a:solidFill>
-                        <a:latin typeface="Consolas" panose="020B0609020204030204" pitchFamily="49" charset="0"/>
-                      </a:endParaRPr>
-                    </a:p>
-                  </a:txBody>
-                  <a:tcPr>
-                    <a:lnL w="12700" cap="flat" cmpd="sng" algn="ctr">
-                      <a:solidFill>
-                        <a:schemeClr val="bg1">
-                          <a:lumMod val="95000"/>
-                        </a:schemeClr>
-                      </a:solidFill>
-                      <a:prstDash val="solid"/>
-                      <a:round/>
-                      <a:headEnd type="none" w="med" len="med"/>
-                      <a:tailEnd type="none" w="med" len="med"/>
-                    </a:lnL>
-                    <a:lnR w="12700" cap="flat" cmpd="sng" algn="ctr">
-                      <a:solidFill>
-                        <a:schemeClr val="bg1">
-                          <a:lumMod val="95000"/>
-                        </a:schemeClr>
-                      </a:solidFill>
-                      <a:prstDash val="solid"/>
-                      <a:round/>
-                      <a:headEnd type="none" w="med" len="med"/>
-                      <a:tailEnd type="none" w="med" len="med"/>
-                    </a:lnR>
-                    <a:lnT w="12700" cap="flat" cmpd="sng" algn="ctr">
-                      <a:solidFill>
-                        <a:schemeClr val="bg1">
-                          <a:lumMod val="95000"/>
-                        </a:schemeClr>
-                      </a:solidFill>
-                      <a:prstDash val="solid"/>
-                      <a:round/>
-                      <a:headEnd type="none" w="med" len="med"/>
-                      <a:tailEnd type="none" w="med" len="med"/>
-                    </a:lnT>
-                    <a:lnB w="12700" cap="flat" cmpd="sng" algn="ctr">
-                      <a:solidFill>
-                        <a:schemeClr val="bg1">
-                          <a:lumMod val="95000"/>
-                        </a:schemeClr>
-                      </a:solidFill>
-                      <a:prstDash val="solid"/>
-                      <a:round/>
-                      <a:headEnd type="none" w="med" len="med"/>
-                      <a:tailEnd type="none" w="med" len="med"/>
-                    </a:lnB>
-                    <a:solidFill>
-                      <a:schemeClr val="tx1">
-                        <a:lumMod val="65000"/>
-                        <a:lumOff val="35000"/>
-                      </a:schemeClr>
-                    </a:solidFill>
-                  </a:tcPr>
-                </a:tc>
-                <a:extLst>
-                  <a:ext uri="{0D108BD9-81ED-4DB2-BD59-A6C34878D82A}">
-                    <a16:rowId xmlns:a16="http://schemas.microsoft.com/office/drawing/2014/main" val="2965694189"/>
-                  </a:ext>
-                </a:extLst>
-              </a:tr>
-              <a:tr h="5147325">
-                <a:tc>
-                  <a:txBody>
-                    <a:bodyPr/>
-                    <a:lstStyle/>
-                    <a:p>
-                      <a:endParaRPr lang="en-US" dirty="0"/>
-                    </a:p>
-                  </a:txBody>
-                  <a:tcPr>
-                    <a:lnL w="12700" cap="flat" cmpd="sng" algn="ctr">
-                      <a:solidFill>
-                        <a:schemeClr val="bg1">
-                          <a:lumMod val="95000"/>
-                        </a:schemeClr>
-                      </a:solidFill>
-                      <a:prstDash val="solid"/>
-                      <a:round/>
-                      <a:headEnd type="none" w="med" len="med"/>
-                      <a:tailEnd type="none" w="med" len="med"/>
-                    </a:lnL>
-                    <a:lnR w="12700" cap="flat" cmpd="sng" algn="ctr">
-                      <a:solidFill>
-                        <a:schemeClr val="bg1">
-                          <a:lumMod val="95000"/>
-                        </a:schemeClr>
-                      </a:solidFill>
-                      <a:prstDash val="solid"/>
-                      <a:round/>
-                      <a:headEnd type="none" w="med" len="med"/>
-                      <a:tailEnd type="none" w="med" len="med"/>
-                    </a:lnR>
-                    <a:lnT w="12700" cap="flat" cmpd="sng" algn="ctr">
-                      <a:solidFill>
-                        <a:schemeClr val="bg1">
-                          <a:lumMod val="95000"/>
-                        </a:schemeClr>
-                      </a:solidFill>
-                      <a:prstDash val="solid"/>
-                      <a:round/>
-                      <a:headEnd type="none" w="med" len="med"/>
-                      <a:tailEnd type="none" w="med" len="med"/>
-                    </a:lnT>
-                    <a:lnB w="12700" cap="flat" cmpd="sng" algn="ctr">
-                      <a:solidFill>
-                        <a:schemeClr val="bg1">
-                          <a:lumMod val="95000"/>
-                        </a:schemeClr>
-                      </a:solidFill>
-                      <a:prstDash val="solid"/>
-                      <a:round/>
-                      <a:headEnd type="none" w="med" len="med"/>
-                      <a:tailEnd type="none" w="med" len="med"/>
-                    </a:lnB>
-                    <a:solidFill>
-                      <a:schemeClr val="tx1">
-                        <a:lumMod val="65000"/>
-                        <a:lumOff val="35000"/>
-                      </a:schemeClr>
-                    </a:solidFill>
-                  </a:tcPr>
-                </a:tc>
-                <a:tc>
-                  <a:txBody>
-                    <a:bodyPr/>
-                    <a:lstStyle/>
-                    <a:p>
-                      <a:endParaRPr lang="en-US" dirty="0"/>
-                    </a:p>
-                  </a:txBody>
-                  <a:tcPr>
-                    <a:lnL w="12700" cap="flat" cmpd="sng" algn="ctr">
-                      <a:solidFill>
-                        <a:schemeClr val="bg1">
-                          <a:lumMod val="95000"/>
-                        </a:schemeClr>
-                      </a:solidFill>
-                      <a:prstDash val="solid"/>
-                      <a:round/>
-                      <a:headEnd type="none" w="med" len="med"/>
-                      <a:tailEnd type="none" w="med" len="med"/>
-                    </a:lnL>
-                    <a:lnR w="12700" cap="flat" cmpd="sng" algn="ctr">
-                      <a:solidFill>
-                        <a:schemeClr val="bg1">
-                          <a:lumMod val="95000"/>
-                        </a:schemeClr>
-                      </a:solidFill>
-                      <a:prstDash val="solid"/>
-                      <a:round/>
-                      <a:headEnd type="none" w="med" len="med"/>
-                      <a:tailEnd type="none" w="med" len="med"/>
-                    </a:lnR>
-                    <a:lnT w="12700" cap="flat" cmpd="sng" algn="ctr">
-                      <a:solidFill>
-                        <a:schemeClr val="bg1">
-                          <a:lumMod val="95000"/>
-                        </a:schemeClr>
-                      </a:solidFill>
-                      <a:prstDash val="solid"/>
-                      <a:round/>
-                      <a:headEnd type="none" w="med" len="med"/>
-                      <a:tailEnd type="none" w="med" len="med"/>
-                    </a:lnT>
-                    <a:lnB w="12700" cap="flat" cmpd="sng" algn="ctr">
-                      <a:solidFill>
-                        <a:schemeClr val="bg1">
-                          <a:lumMod val="95000"/>
-                        </a:schemeClr>
-                      </a:solidFill>
-                      <a:prstDash val="solid"/>
-                      <a:round/>
-                      <a:headEnd type="none" w="med" len="med"/>
-                      <a:tailEnd type="none" w="med" len="med"/>
-                    </a:lnB>
-                    <a:solidFill>
-                      <a:schemeClr val="tx1">
-                        <a:lumMod val="65000"/>
-                        <a:lumOff val="35000"/>
-                      </a:schemeClr>
-                    </a:solidFill>
-                  </a:tcPr>
-                </a:tc>
-                <a:tc>
-                  <a:txBody>
-                    <a:bodyPr/>
-                    <a:lstStyle/>
-                    <a:p>
-                      <a:endParaRPr lang="en-US" dirty="0"/>
-                    </a:p>
-                  </a:txBody>
-                  <a:tcPr>
-                    <a:lnL w="12700" cap="flat" cmpd="sng" algn="ctr">
-                      <a:solidFill>
-                        <a:schemeClr val="bg1">
-                          <a:lumMod val="95000"/>
-                        </a:schemeClr>
-                      </a:solidFill>
-                      <a:prstDash val="solid"/>
-                      <a:round/>
-                      <a:headEnd type="none" w="med" len="med"/>
-                      <a:tailEnd type="none" w="med" len="med"/>
-                    </a:lnL>
-                    <a:lnR w="12700" cap="flat" cmpd="sng" algn="ctr">
-                      <a:solidFill>
-                        <a:schemeClr val="bg1">
-                          <a:lumMod val="95000"/>
-                        </a:schemeClr>
-                      </a:solidFill>
-                      <a:prstDash val="solid"/>
-                      <a:round/>
-                      <a:headEnd type="none" w="med" len="med"/>
-                      <a:tailEnd type="none" w="med" len="med"/>
-                    </a:lnR>
-                    <a:lnT w="12700" cap="flat" cmpd="sng" algn="ctr">
-                      <a:solidFill>
-                        <a:schemeClr val="bg1">
-                          <a:lumMod val="95000"/>
-                        </a:schemeClr>
-                      </a:solidFill>
-                      <a:prstDash val="solid"/>
-                      <a:round/>
-                      <a:headEnd type="none" w="med" len="med"/>
-                      <a:tailEnd type="none" w="med" len="med"/>
-                    </a:lnT>
-                    <a:lnB w="12700" cap="flat" cmpd="sng" algn="ctr">
-                      <a:solidFill>
-                        <a:schemeClr val="bg1">
-                          <a:lumMod val="95000"/>
-                        </a:schemeClr>
-                      </a:solidFill>
-                      <a:prstDash val="solid"/>
-                      <a:round/>
-                      <a:headEnd type="none" w="med" len="med"/>
-                      <a:tailEnd type="none" w="med" len="med"/>
-                    </a:lnB>
-                    <a:solidFill>
-                      <a:schemeClr val="tx1">
-                        <a:lumMod val="65000"/>
-                        <a:lumOff val="35000"/>
-                      </a:schemeClr>
-                    </a:solidFill>
-                  </a:tcPr>
-                </a:tc>
-                <a:tc>
-                  <a:txBody>
-                    <a:bodyPr/>
-                    <a:lstStyle/>
-                    <a:p>
-                      <a:endParaRPr lang="en-US" dirty="0"/>
-                    </a:p>
-                  </a:txBody>
-                  <a:tcPr>
-                    <a:lnL w="12700" cap="flat" cmpd="sng" algn="ctr">
-                      <a:solidFill>
-                        <a:schemeClr val="bg1">
-                          <a:lumMod val="95000"/>
-                        </a:schemeClr>
-                      </a:solidFill>
-                      <a:prstDash val="solid"/>
-                      <a:round/>
-                      <a:headEnd type="none" w="med" len="med"/>
-                      <a:tailEnd type="none" w="med" len="med"/>
-                    </a:lnL>
-                    <a:lnR w="12700" cap="flat" cmpd="sng" algn="ctr">
-                      <a:solidFill>
-                        <a:schemeClr val="bg1">
-                          <a:lumMod val="95000"/>
-                        </a:schemeClr>
-                      </a:solidFill>
-                      <a:prstDash val="solid"/>
-                      <a:round/>
-                      <a:headEnd type="none" w="med" len="med"/>
-                      <a:tailEnd type="none" w="med" len="med"/>
-                    </a:lnR>
-                    <a:lnT w="12700" cap="flat" cmpd="sng" algn="ctr">
-                      <a:solidFill>
-                        <a:schemeClr val="bg1">
-                          <a:lumMod val="95000"/>
-                        </a:schemeClr>
-                      </a:solidFill>
-                      <a:prstDash val="solid"/>
-                      <a:round/>
-                      <a:headEnd type="none" w="med" len="med"/>
-                      <a:tailEnd type="none" w="med" len="med"/>
-                    </a:lnT>
-                    <a:lnB w="12700" cap="flat" cmpd="sng" algn="ctr">
-                      <a:solidFill>
-                        <a:schemeClr val="bg1">
-                          <a:lumMod val="95000"/>
-                        </a:schemeClr>
-                      </a:solidFill>
-                      <a:prstDash val="solid"/>
-                      <a:round/>
-                      <a:headEnd type="none" w="med" len="med"/>
-                      <a:tailEnd type="none" w="med" len="med"/>
-                    </a:lnB>
-                    <a:solidFill>
-                      <a:schemeClr val="tx1">
-                        <a:lumMod val="65000"/>
-                        <a:lumOff val="35000"/>
-                      </a:schemeClr>
-                    </a:solidFill>
-                  </a:tcPr>
-                </a:tc>
-                <a:tc>
-                  <a:txBody>
-                    <a:bodyPr/>
-                    <a:lstStyle/>
-                    <a:p>
-                      <a:endParaRPr lang="en-US" dirty="0"/>
-                    </a:p>
-                  </a:txBody>
-                  <a:tcPr>
-                    <a:lnL w="12700" cap="flat" cmpd="sng" algn="ctr">
-                      <a:solidFill>
-                        <a:schemeClr val="bg1">
-                          <a:lumMod val="95000"/>
-                        </a:schemeClr>
-                      </a:solidFill>
-                      <a:prstDash val="solid"/>
-                      <a:round/>
-                      <a:headEnd type="none" w="med" len="med"/>
-                      <a:tailEnd type="none" w="med" len="med"/>
-                    </a:lnL>
-                    <a:lnR w="12700" cap="flat" cmpd="sng" algn="ctr">
-                      <a:solidFill>
-                        <a:schemeClr val="bg1">
-                          <a:lumMod val="95000"/>
-                        </a:schemeClr>
-                      </a:solidFill>
-                      <a:prstDash val="solid"/>
-                      <a:round/>
-                      <a:headEnd type="none" w="med" len="med"/>
-                      <a:tailEnd type="none" w="med" len="med"/>
-                    </a:lnR>
-                    <a:lnT w="12700" cap="flat" cmpd="sng" algn="ctr">
-                      <a:solidFill>
-                        <a:schemeClr val="bg1">
-                          <a:lumMod val="95000"/>
-                        </a:schemeClr>
-                      </a:solidFill>
-                      <a:prstDash val="solid"/>
-                      <a:round/>
-                      <a:headEnd type="none" w="med" len="med"/>
-                      <a:tailEnd type="none" w="med" len="med"/>
-                    </a:lnT>
-                    <a:lnB w="12700" cap="flat" cmpd="sng" algn="ctr">
-                      <a:solidFill>
-                        <a:schemeClr val="bg1">
-                          <a:lumMod val="95000"/>
-                        </a:schemeClr>
-                      </a:solidFill>
-                      <a:prstDash val="solid"/>
-                      <a:round/>
-                      <a:headEnd type="none" w="med" len="med"/>
-                      <a:tailEnd type="none" w="med" len="med"/>
-                    </a:lnB>
-                    <a:solidFill>
-                      <a:schemeClr val="tx1">
-                        <a:lumMod val="65000"/>
-                        <a:lumOff val="35000"/>
-                      </a:schemeClr>
-                    </a:solidFill>
-                  </a:tcPr>
-                </a:tc>
-                <a:tc>
-                  <a:txBody>
-                    <a:bodyPr/>
-                    <a:lstStyle/>
-                    <a:p>
-                      <a:endParaRPr lang="en-US" dirty="0"/>
-                    </a:p>
-                  </a:txBody>
-                  <a:tcPr>
-                    <a:lnL w="12700" cap="flat" cmpd="sng" algn="ctr">
-                      <a:solidFill>
-                        <a:schemeClr val="bg1">
-                          <a:lumMod val="95000"/>
-                        </a:schemeClr>
-                      </a:solidFill>
-                      <a:prstDash val="solid"/>
-                      <a:round/>
-                      <a:headEnd type="none" w="med" len="med"/>
-                      <a:tailEnd type="none" w="med" len="med"/>
-                    </a:lnL>
-                    <a:lnR w="12700" cap="flat" cmpd="sng" algn="ctr">
-                      <a:solidFill>
-                        <a:schemeClr val="bg1">
-                          <a:lumMod val="95000"/>
-                        </a:schemeClr>
-                      </a:solidFill>
-                      <a:prstDash val="solid"/>
-                      <a:round/>
-                      <a:headEnd type="none" w="med" len="med"/>
-                      <a:tailEnd type="none" w="med" len="med"/>
-                    </a:lnR>
-                    <a:lnT w="12700" cap="flat" cmpd="sng" algn="ctr">
-                      <a:solidFill>
-                        <a:schemeClr val="bg1">
-                          <a:lumMod val="95000"/>
-                        </a:schemeClr>
-                      </a:solidFill>
-                      <a:prstDash val="solid"/>
-                      <a:round/>
-                      <a:headEnd type="none" w="med" len="med"/>
-                      <a:tailEnd type="none" w="med" len="med"/>
-                    </a:lnT>
-                    <a:lnB w="12700" cap="flat" cmpd="sng" algn="ctr">
-                      <a:solidFill>
-                        <a:schemeClr val="bg1">
-                          <a:lumMod val="95000"/>
-                        </a:schemeClr>
-                      </a:solidFill>
-                      <a:prstDash val="solid"/>
-                      <a:round/>
-                      <a:headEnd type="none" w="med" len="med"/>
-                      <a:tailEnd type="none" w="med" len="med"/>
-                    </a:lnB>
-                    <a:solidFill>
-                      <a:schemeClr val="tx1">
-                        <a:lumMod val="65000"/>
-                        <a:lumOff val="35000"/>
-                      </a:schemeClr>
-                    </a:solidFill>
-                  </a:tcPr>
-                </a:tc>
-                <a:extLst>
-                  <a:ext uri="{0D108BD9-81ED-4DB2-BD59-A6C34878D82A}">
-                    <a16:rowId xmlns:a16="http://schemas.microsoft.com/office/drawing/2014/main" val="3713266130"/>
-                  </a:ext>
-                </a:extLst>
-              </a:tr>
-            </a:tbl>
-          </a:graphicData>
-        </a:graphic>
-      </p:graphicFrame>
-      <mc:AlternateContent xmlns:mc="http://schemas.openxmlformats.org/markup-compatibility/2006" xmlns:p14="http://schemas.microsoft.com/office/powerpoint/2010/main">
-        <mc:Choice Requires="p14">
-          <p:contentPart p14:bwMode="auto" r:id="rId7">
-            <p14:nvContentPartPr>
-              <p14:cNvPr id="8" name="Szabadkéz 7">
-                <a:extLst>
-                  <a:ext uri="{FF2B5EF4-FFF2-40B4-BE49-F238E27FC236}">
-                    <a16:creationId xmlns:a16="http://schemas.microsoft.com/office/drawing/2014/main" id="{4F0F6AB5-C88D-4F9D-B647-E8503631142E}"/>
-                  </a:ext>
-                </a:extLst>
-              </p14:cNvPr>
-              <p14:cNvContentPartPr/>
-              <p14:nvPr/>
-            </p14:nvContentPartPr>
-            <p14:xfrm>
-              <a:off x="11400160" y="915100"/>
-              <a:ext cx="489240" cy="267840"/>
-            </p14:xfrm>
-          </p:contentPart>
-        </mc:Choice>
-        <mc:Fallback xmlns="">
-          <p:pic>
-            <p:nvPicPr>
-              <p:cNvPr id="8" name="Szabadkéz 7">
-                <a:extLst>
-                  <a:ext uri="{FF2B5EF4-FFF2-40B4-BE49-F238E27FC236}">
-                    <a16:creationId xmlns:a16="http://schemas.microsoft.com/office/drawing/2014/main" id="{4F0F6AB5-C88D-4F9D-B647-E8503631142E}"/>
-                  </a:ext>
-                </a:extLst>
-              </p:cNvPr>
-              <p:cNvPicPr/>
-              <p:nvPr/>
-            </p:nvPicPr>
-            <p:blipFill>
-              <a:blip r:embed="rId8"/>
-              <a:stretch>
-                <a:fillRect/>
-              </a:stretch>
-            </p:blipFill>
-            <p:spPr>
-              <a:xfrm>
-                <a:off x="11395840" y="910780"/>
-                <a:ext cx="497880" cy="276480"/>
-              </a:xfrm>
-              <a:prstGeom prst="rect">
-                <a:avLst/>
-              </a:prstGeom>
-            </p:spPr>
-          </p:pic>
-        </mc:Fallback>
-      </mc:AlternateContent>
-      <mc:AlternateContent xmlns:mc="http://schemas.openxmlformats.org/markup-compatibility/2006" xmlns:p14="http://schemas.microsoft.com/office/powerpoint/2010/main">
-        <mc:Choice Requires="p14">
-          <p:contentPart p14:bwMode="auto" r:id="rId9">
-            <p14:nvContentPartPr>
-              <p14:cNvPr id="9" name="Szabadkéz 8">
-                <a:extLst>
-                  <a:ext uri="{FF2B5EF4-FFF2-40B4-BE49-F238E27FC236}">
-                    <a16:creationId xmlns:a16="http://schemas.microsoft.com/office/drawing/2014/main" id="{C1498437-A89A-4D10-A1B0-412777E299F2}"/>
-                  </a:ext>
-                </a:extLst>
-              </p14:cNvPr>
-              <p14:cNvContentPartPr/>
-              <p14:nvPr/>
-            </p14:nvContentPartPr>
-            <p14:xfrm>
-              <a:off x="1954480" y="4563340"/>
-              <a:ext cx="360" cy="360"/>
-            </p14:xfrm>
-          </p:contentPart>
-        </mc:Choice>
-        <mc:Fallback xmlns="">
-          <p:pic>
-            <p:nvPicPr>
-              <p:cNvPr id="9" name="Szabadkéz 8">
-                <a:extLst>
-                  <a:ext uri="{FF2B5EF4-FFF2-40B4-BE49-F238E27FC236}">
-                    <a16:creationId xmlns:a16="http://schemas.microsoft.com/office/drawing/2014/main" id="{C1498437-A89A-4D10-A1B0-412777E299F2}"/>
-                  </a:ext>
-                </a:extLst>
-              </p:cNvPr>
-              <p:cNvPicPr/>
-              <p:nvPr/>
-            </p:nvPicPr>
-            <p:blipFill>
-              <a:blip r:embed="rId10"/>
-              <a:stretch>
-                <a:fillRect/>
-              </a:stretch>
-            </p:blipFill>
-            <p:spPr>
-              <a:xfrm>
-                <a:off x="1950160" y="4559020"/>
-                <a:ext cx="9000" cy="9000"/>
-              </a:xfrm>
-              <a:prstGeom prst="rect">
-                <a:avLst/>
-              </a:prstGeom>
-            </p:spPr>
-          </p:pic>
-        </mc:Fallback>
-      </mc:AlternateContent>
-      <p:sp>
-        <p:nvSpPr>
-          <p:cNvPr id="24" name="Téglalap: lekerekített 6">
-            <a:extLst>
-              <a:ext uri="{FF2B5EF4-FFF2-40B4-BE49-F238E27FC236}">
-                <a16:creationId xmlns:a16="http://schemas.microsoft.com/office/drawing/2014/main" id="{1D2B0348-42C5-4CAC-ADE0-3D07B740285F}"/>
+                <a16:creationId xmlns:a16="http://schemas.microsoft.com/office/drawing/2014/main" id="{D1AE3606-F191-4137-B015-3A6B6B19207B}"/>
               </a:ext>
             </a:extLst>
           </p:cNvPr>
@@ -11615,17 +8898,20 @@
         </p:nvSpPr>
         <p:spPr>
           <a:xfrm>
-            <a:off x="5618632" y="134938"/>
-            <a:ext cx="2192781" cy="378365"/>
+            <a:off x="2739086" y="1088261"/>
+            <a:ext cx="1946390" cy="237444"/>
           </a:xfrm>
           <a:prstGeom prst="roundRect">
             <a:avLst/>
           </a:prstGeom>
-          <a:solidFill>
-            <a:schemeClr val="tx1"/>
-          </a:solidFill>
-          <a:ln w="3175">
-            <a:noFill/>
+          <a:noFill/>
+          <a:ln w="25400">
+            <a:solidFill>
+              <a:schemeClr val="tx1">
+                <a:lumMod val="85000"/>
+                <a:lumOff val="15000"/>
+              </a:schemeClr>
+            </a:solidFill>
           </a:ln>
         </p:spPr>
         <p:style>
@@ -11648,71 +8934,1141 @@
           <a:bodyPr rtlCol="0" anchor="ctr"/>
           <a:lstStyle/>
           <a:p>
-            <a:pPr algn="ctr"/>
             <a:r>
-              <a:rPr lang="hu-HU" sz="1600" dirty="0" smtClean="0">
+              <a:rPr lang="hu-HU" sz="2400" dirty="0" err="1">
                 <a:solidFill>
-                  <a:schemeClr val="bg1"/>
+                  <a:srgbClr val="272320"/>
                 </a:solidFill>
-                <a:latin typeface="Corbel" panose="020B0503020204020204" pitchFamily="34" charset="0"/>
+                <a:latin typeface="Consolas" panose="020B0609020204030204" pitchFamily="49" charset="0"/>
               </a:rPr>
-              <a:t>Kórház adatok</a:t>
+              <a:t>Kereső_név</a:t>
             </a:r>
-            <a:endParaRPr lang="en-US" sz="1600" dirty="0">
+            <a:endParaRPr lang="en-US" sz="2400" dirty="0">
               <a:solidFill>
-                <a:schemeClr val="bg1"/>
+                <a:srgbClr val="272320"/>
               </a:solidFill>
-              <a:latin typeface="Corbel" panose="020B0503020204020204" pitchFamily="34" charset="0"/>
+              <a:latin typeface="Consolas" panose="020B0609020204030204" pitchFamily="49" charset="0"/>
             </a:endParaRPr>
           </a:p>
         </p:txBody>
       </p:sp>
-    </p:spTree>
-    <p:extLst>
-      <p:ext uri="{BB962C8B-B14F-4D97-AF65-F5344CB8AC3E}">
-        <p14:creationId xmlns:p14="http://schemas.microsoft.com/office/powerpoint/2010/main" val="664637944"/>
-      </p:ext>
-    </p:extLst>
-  </p:cSld>
-  <p:clrMapOvr>
-    <a:masterClrMapping/>
-  </p:clrMapOvr>
-</p:sld>
-</file>
-
-<file path=ppt/slides/slide4.xml><?xml version="1.0" encoding="utf-8"?>
-<p:sld xmlns:a="http://schemas.openxmlformats.org/drawingml/2006/main" xmlns:r="http://schemas.openxmlformats.org/officeDocument/2006/relationships" xmlns:p="http://schemas.openxmlformats.org/presentationml/2006/main">
-  <p:cSld>
-    <p:bg>
-      <p:bgPr>
-        <a:solidFill>
-          <a:schemeClr val="bg1">
-            <a:lumMod val="95000"/>
-          </a:schemeClr>
-        </a:solidFill>
-        <a:effectLst/>
-      </p:bgPr>
-    </p:bg>
-    <p:spTree>
-      <p:nvGrpSpPr>
-        <p:cNvPr id="1" name=""/>
-        <p:cNvGrpSpPr/>
-        <p:nvPr/>
-      </p:nvGrpSpPr>
-      <p:grpSpPr>
-        <a:xfrm>
-          <a:off x="0" y="0"/>
-          <a:ext cx="0" cy="0"/>
-          <a:chOff x="0" y="0"/>
-          <a:chExt cx="0" cy="0"/>
-        </a:xfrm>
-      </p:grpSpPr>
+      <p:graphicFrame>
+        <p:nvGraphicFramePr>
+          <p:cNvPr id="36" name="Táblázat 15">
+            <a:extLst>
+              <a:ext uri="{FF2B5EF4-FFF2-40B4-BE49-F238E27FC236}">
+                <a16:creationId xmlns:a16="http://schemas.microsoft.com/office/drawing/2014/main" id="{270207E9-8724-41A9-8B07-175C732C0E28}"/>
+              </a:ext>
+            </a:extLst>
+          </p:cNvPr>
+          <p:cNvGraphicFramePr>
+            <a:graphicFrameLocks noGrp="1"/>
+          </p:cNvGraphicFramePr>
+          <p:nvPr>
+            <p:extLst>
+              <p:ext uri="{D42A27DB-BD31-4B8C-83A1-F6EECF244321}">
+                <p14:modId xmlns:p14="http://schemas.microsoft.com/office/powerpoint/2010/main" val="1747460565"/>
+              </p:ext>
+            </p:extLst>
+          </p:nvPr>
+        </p:nvGraphicFramePr>
+        <p:xfrm>
+          <a:off x="2826617" y="4203079"/>
+          <a:ext cx="1783778" cy="736600"/>
+        </p:xfrm>
+        <a:graphic>
+          <a:graphicData uri="http://schemas.openxmlformats.org/drawingml/2006/table">
+            <a:tbl>
+              <a:tblPr firstRow="1" bandRow="1">
+                <a:tableStyleId>{5C22544A-7EE6-4342-B048-85BDC9FD1C3A}</a:tableStyleId>
+              </a:tblPr>
+              <a:tblGrid>
+                <a:gridCol w="891889">
+                  <a:extLst>
+                    <a:ext uri="{9D8B030D-6E8A-4147-A177-3AD203B41FA5}">
+                      <a16:colId xmlns:a16="http://schemas.microsoft.com/office/drawing/2014/main" val="2819556351"/>
+                    </a:ext>
+                  </a:extLst>
+                </a:gridCol>
+                <a:gridCol w="891889">
+                  <a:extLst>
+                    <a:ext uri="{9D8B030D-6E8A-4147-A177-3AD203B41FA5}">
+                      <a16:colId xmlns:a16="http://schemas.microsoft.com/office/drawing/2014/main" val="1223631071"/>
+                    </a:ext>
+                  </a:extLst>
+                </a:gridCol>
+              </a:tblGrid>
+              <a:tr h="354541">
+                <a:tc gridSpan="2">
+                  <a:txBody>
+                    <a:bodyPr/>
+                    <a:lstStyle/>
+                    <a:p>
+                      <a:pPr algn="ctr"/>
+                      <a:r>
+                        <a:rPr lang="hu-HU" dirty="0" err="1">
+                          <a:solidFill>
+                            <a:schemeClr val="bg1">
+                              <a:lumMod val="95000"/>
+                            </a:schemeClr>
+                          </a:solidFill>
+                          <a:latin typeface="Consolas" panose="020B0609020204030204" pitchFamily="49" charset="0"/>
+                        </a:rPr>
+                        <a:t>nyitvatartás</a:t>
+                      </a:r>
+                      <a:endParaRPr lang="en-US" dirty="0">
+                        <a:solidFill>
+                          <a:schemeClr val="bg1">
+                            <a:lumMod val="95000"/>
+                          </a:schemeClr>
+                        </a:solidFill>
+                        <a:latin typeface="Consolas" panose="020B0609020204030204" pitchFamily="49" charset="0"/>
+                      </a:endParaRPr>
+                    </a:p>
+                  </a:txBody>
+                  <a:tcPr>
+                    <a:solidFill>
+                      <a:schemeClr val="tx1">
+                        <a:lumMod val="65000"/>
+                        <a:lumOff val="35000"/>
+                      </a:schemeClr>
+                    </a:solidFill>
+                  </a:tcPr>
+                </a:tc>
+                <a:tc hMerge="1">
+                  <a:txBody>
+                    <a:bodyPr/>
+                    <a:lstStyle/>
+                    <a:p>
+                      <a:endParaRPr lang="en-US" dirty="0"/>
+                    </a:p>
+                  </a:txBody>
+                  <a:tcPr/>
+                </a:tc>
+                <a:extLst>
+                  <a:ext uri="{0D108BD9-81ED-4DB2-BD59-A6C34878D82A}">
+                    <a16:rowId xmlns:a16="http://schemas.microsoft.com/office/drawing/2014/main" val="3472378719"/>
+                  </a:ext>
+                </a:extLst>
+              </a:tr>
+              <a:tr h="370840">
+                <a:tc>
+                  <a:txBody>
+                    <a:bodyPr/>
+                    <a:lstStyle/>
+                    <a:p>
+                      <a:r>
+                        <a:rPr lang="hu-HU" dirty="0">
+                          <a:solidFill>
+                            <a:schemeClr val="bg1">
+                              <a:lumMod val="95000"/>
+                            </a:schemeClr>
+                          </a:solidFill>
+                          <a:latin typeface="Consolas" panose="020B0609020204030204" pitchFamily="49" charset="0"/>
+                        </a:rPr>
+                        <a:t>-</a:t>
+                      </a:r>
+                      <a:r>
+                        <a:rPr lang="hu-HU" dirty="0" err="1">
+                          <a:solidFill>
+                            <a:schemeClr val="bg1">
+                              <a:lumMod val="95000"/>
+                            </a:schemeClr>
+                          </a:solidFill>
+                          <a:latin typeface="Consolas" panose="020B0609020204030204" pitchFamily="49" charset="0"/>
+                        </a:rPr>
+                        <a:t>tól</a:t>
+                      </a:r>
+                      <a:endParaRPr lang="en-US" dirty="0">
+                        <a:solidFill>
+                          <a:schemeClr val="bg1">
+                            <a:lumMod val="95000"/>
+                          </a:schemeClr>
+                        </a:solidFill>
+                        <a:latin typeface="Consolas" panose="020B0609020204030204" pitchFamily="49" charset="0"/>
+                      </a:endParaRPr>
+                    </a:p>
+                  </a:txBody>
+                  <a:tcPr>
+                    <a:solidFill>
+                      <a:schemeClr val="tx1">
+                        <a:lumMod val="65000"/>
+                        <a:lumOff val="35000"/>
+                      </a:schemeClr>
+                    </a:solidFill>
+                  </a:tcPr>
+                </a:tc>
+                <a:tc>
+                  <a:txBody>
+                    <a:bodyPr/>
+                    <a:lstStyle/>
+                    <a:p>
+                      <a:r>
+                        <a:rPr lang="hu-HU" dirty="0">
+                          <a:solidFill>
+                            <a:schemeClr val="bg1">
+                              <a:lumMod val="95000"/>
+                            </a:schemeClr>
+                          </a:solidFill>
+                          <a:latin typeface="Consolas" panose="020B0609020204030204" pitchFamily="49" charset="0"/>
+                        </a:rPr>
+                        <a:t>-</a:t>
+                      </a:r>
+                      <a:r>
+                        <a:rPr lang="hu-HU" dirty="0" err="1">
+                          <a:solidFill>
+                            <a:schemeClr val="bg1">
+                              <a:lumMod val="95000"/>
+                            </a:schemeClr>
+                          </a:solidFill>
+                          <a:latin typeface="Consolas" panose="020B0609020204030204" pitchFamily="49" charset="0"/>
+                        </a:rPr>
+                        <a:t>ig</a:t>
+                      </a:r>
+                      <a:endParaRPr lang="en-US" dirty="0">
+                        <a:solidFill>
+                          <a:schemeClr val="bg1">
+                            <a:lumMod val="95000"/>
+                          </a:schemeClr>
+                        </a:solidFill>
+                        <a:latin typeface="Consolas" panose="020B0609020204030204" pitchFamily="49" charset="0"/>
+                      </a:endParaRPr>
+                    </a:p>
+                  </a:txBody>
+                  <a:tcPr>
+                    <a:solidFill>
+                      <a:schemeClr val="tx1">
+                        <a:lumMod val="65000"/>
+                        <a:lumOff val="35000"/>
+                      </a:schemeClr>
+                    </a:solidFill>
+                  </a:tcPr>
+                </a:tc>
+                <a:extLst>
+                  <a:ext uri="{0D108BD9-81ED-4DB2-BD59-A6C34878D82A}">
+                    <a16:rowId xmlns:a16="http://schemas.microsoft.com/office/drawing/2014/main" val="1465097003"/>
+                  </a:ext>
+                </a:extLst>
+              </a:tr>
+            </a:tbl>
+          </a:graphicData>
+        </a:graphic>
+      </p:graphicFrame>
+      <p:graphicFrame>
+        <p:nvGraphicFramePr>
+          <p:cNvPr id="37" name="Táblázat 8">
+            <a:extLst>
+              <a:ext uri="{FF2B5EF4-FFF2-40B4-BE49-F238E27FC236}">
+                <a16:creationId xmlns:a16="http://schemas.microsoft.com/office/drawing/2014/main" id="{FBC17244-E002-48CC-83F2-D8CCAB4C0323}"/>
+              </a:ext>
+            </a:extLst>
+          </p:cNvPr>
+          <p:cNvGraphicFramePr>
+            <a:graphicFrameLocks noGrp="1"/>
+          </p:cNvGraphicFramePr>
+          <p:nvPr>
+            <p:extLst>
+              <p:ext uri="{D42A27DB-BD31-4B8C-83A1-F6EECF244321}">
+                <p14:modId xmlns:p14="http://schemas.microsoft.com/office/powerpoint/2010/main" val="2107716304"/>
+              </p:ext>
+            </p:extLst>
+          </p:nvPr>
+        </p:nvGraphicFramePr>
+        <p:xfrm>
+          <a:off x="232349" y="913514"/>
+          <a:ext cx="2423180" cy="5281564"/>
+        </p:xfrm>
+        <a:graphic>
+          <a:graphicData uri="http://schemas.openxmlformats.org/drawingml/2006/table">
+            <a:tbl>
+              <a:tblPr firstRow="1" bandRow="1">
+                <a:tableStyleId>{5C22544A-7EE6-4342-B048-85BDC9FD1C3A}</a:tableStyleId>
+              </a:tblPr>
+              <a:tblGrid>
+                <a:gridCol w="1260556">
+                  <a:extLst>
+                    <a:ext uri="{9D8B030D-6E8A-4147-A177-3AD203B41FA5}">
+                      <a16:colId xmlns:a16="http://schemas.microsoft.com/office/drawing/2014/main" val="4180460754"/>
+                    </a:ext>
+                  </a:extLst>
+                </a:gridCol>
+                <a:gridCol w="1162624">
+                  <a:extLst>
+                    <a:ext uri="{9D8B030D-6E8A-4147-A177-3AD203B41FA5}">
+                      <a16:colId xmlns:a16="http://schemas.microsoft.com/office/drawing/2014/main" val="4019892239"/>
+                    </a:ext>
+                  </a:extLst>
+                </a:gridCol>
+              </a:tblGrid>
+              <a:tr h="587644">
+                <a:tc gridSpan="2">
+                  <a:txBody>
+                    <a:bodyPr/>
+                    <a:lstStyle/>
+                    <a:p>
+                      <a:pPr algn="ctr"/>
+                      <a:r>
+                        <a:rPr lang="hu-HU" dirty="0">
+                          <a:solidFill>
+                            <a:schemeClr val="bg1">
+                              <a:lumMod val="95000"/>
+                            </a:schemeClr>
+                          </a:solidFill>
+                          <a:latin typeface="Consolas" panose="020B0609020204030204" pitchFamily="49" charset="0"/>
+                        </a:rPr>
+                        <a:t>Amit egyszerűbb</a:t>
+                      </a:r>
+                      <a:endParaRPr lang="en-US" dirty="0">
+                        <a:solidFill>
+                          <a:schemeClr val="bg1">
+                            <a:lumMod val="95000"/>
+                          </a:schemeClr>
+                        </a:solidFill>
+                        <a:latin typeface="Consolas" panose="020B0609020204030204" pitchFamily="49" charset="0"/>
+                      </a:endParaRPr>
+                    </a:p>
+                  </a:txBody>
+                  <a:tcPr>
+                    <a:solidFill>
+                      <a:schemeClr val="tx1">
+                        <a:lumMod val="65000"/>
+                        <a:lumOff val="35000"/>
+                      </a:schemeClr>
+                    </a:solidFill>
+                  </a:tcPr>
+                </a:tc>
+                <a:tc hMerge="1">
+                  <a:txBody>
+                    <a:bodyPr/>
+                    <a:lstStyle/>
+                    <a:p>
+                      <a:endParaRPr lang="en-US" dirty="0"/>
+                    </a:p>
+                  </a:txBody>
+                  <a:tcPr>
+                    <a:noFill/>
+                  </a:tcPr>
+                </a:tc>
+                <a:extLst>
+                  <a:ext uri="{0D108BD9-81ED-4DB2-BD59-A6C34878D82A}">
+                    <a16:rowId xmlns:a16="http://schemas.microsoft.com/office/drawing/2014/main" val="3689152642"/>
+                  </a:ext>
+                </a:extLst>
+              </a:tr>
+              <a:tr h="358234">
+                <a:tc>
+                  <a:txBody>
+                    <a:bodyPr/>
+                    <a:lstStyle/>
+                    <a:p>
+                      <a:pPr algn="ctr"/>
+                      <a:r>
+                        <a:rPr lang="hu-HU" sz="1400" dirty="0">
+                          <a:solidFill>
+                            <a:schemeClr val="bg1">
+                              <a:lumMod val="95000"/>
+                            </a:schemeClr>
+                          </a:solidFill>
+                          <a:latin typeface="Consolas" panose="020B0609020204030204" pitchFamily="49" charset="0"/>
+                        </a:rPr>
+                        <a:t>Debrecen</a:t>
+                      </a:r>
+                      <a:endParaRPr lang="en-US" sz="1200" dirty="0">
+                        <a:solidFill>
+                          <a:schemeClr val="bg1">
+                            <a:lumMod val="95000"/>
+                          </a:schemeClr>
+                        </a:solidFill>
+                        <a:latin typeface="Consolas" panose="020B0609020204030204" pitchFamily="49" charset="0"/>
+                      </a:endParaRPr>
+                    </a:p>
+                  </a:txBody>
+                  <a:tcPr>
+                    <a:solidFill>
+                      <a:schemeClr val="tx1">
+                        <a:lumMod val="65000"/>
+                        <a:lumOff val="35000"/>
+                      </a:schemeClr>
+                    </a:solidFill>
+                  </a:tcPr>
+                </a:tc>
+                <a:tc>
+                  <a:txBody>
+                    <a:bodyPr/>
+                    <a:lstStyle/>
+                    <a:p>
+                      <a:endParaRPr lang="en-US" dirty="0">
+                        <a:solidFill>
+                          <a:schemeClr val="bg1">
+                            <a:lumMod val="95000"/>
+                          </a:schemeClr>
+                        </a:solidFill>
+                        <a:latin typeface="Consolas" panose="020B0609020204030204" pitchFamily="49" charset="0"/>
+                      </a:endParaRPr>
+                    </a:p>
+                  </a:txBody>
+                  <a:tcPr>
+                    <a:solidFill>
+                      <a:schemeClr val="tx1">
+                        <a:lumMod val="65000"/>
+                        <a:lumOff val="35000"/>
+                      </a:schemeClr>
+                    </a:solidFill>
+                  </a:tcPr>
+                </a:tc>
+                <a:extLst>
+                  <a:ext uri="{0D108BD9-81ED-4DB2-BD59-A6C34878D82A}">
+                    <a16:rowId xmlns:a16="http://schemas.microsoft.com/office/drawing/2014/main" val="1349628443"/>
+                  </a:ext>
+                </a:extLst>
+              </a:tr>
+              <a:tr h="358234">
+                <a:tc>
+                  <a:txBody>
+                    <a:bodyPr/>
+                    <a:lstStyle/>
+                    <a:p>
+                      <a:pPr algn="ctr"/>
+                      <a:r>
+                        <a:rPr lang="hu-HU" sz="1400" dirty="0">
+                          <a:solidFill>
+                            <a:schemeClr val="bg1">
+                              <a:lumMod val="95000"/>
+                            </a:schemeClr>
+                          </a:solidFill>
+                          <a:latin typeface="Consolas" panose="020B0609020204030204" pitchFamily="49" charset="0"/>
+                        </a:rPr>
+                        <a:t>Budapest</a:t>
+                      </a:r>
+                      <a:endParaRPr lang="en-US" sz="1400" dirty="0">
+                        <a:solidFill>
+                          <a:schemeClr val="bg1">
+                            <a:lumMod val="95000"/>
+                          </a:schemeClr>
+                        </a:solidFill>
+                        <a:latin typeface="Consolas" panose="020B0609020204030204" pitchFamily="49" charset="0"/>
+                      </a:endParaRPr>
+                    </a:p>
+                  </a:txBody>
+                  <a:tcPr>
+                    <a:solidFill>
+                      <a:schemeClr val="tx1">
+                        <a:lumMod val="65000"/>
+                        <a:lumOff val="35000"/>
+                      </a:schemeClr>
+                    </a:solidFill>
+                  </a:tcPr>
+                </a:tc>
+                <a:tc>
+                  <a:txBody>
+                    <a:bodyPr/>
+                    <a:lstStyle/>
+                    <a:p>
+                      <a:endParaRPr lang="en-US" dirty="0">
+                        <a:solidFill>
+                          <a:schemeClr val="bg1">
+                            <a:lumMod val="95000"/>
+                          </a:schemeClr>
+                        </a:solidFill>
+                        <a:latin typeface="Consolas" panose="020B0609020204030204" pitchFamily="49" charset="0"/>
+                      </a:endParaRPr>
+                    </a:p>
+                  </a:txBody>
+                  <a:tcPr>
+                    <a:solidFill>
+                      <a:schemeClr val="tx1">
+                        <a:lumMod val="65000"/>
+                        <a:lumOff val="35000"/>
+                      </a:schemeClr>
+                    </a:solidFill>
+                  </a:tcPr>
+                </a:tc>
+                <a:extLst>
+                  <a:ext uri="{0D108BD9-81ED-4DB2-BD59-A6C34878D82A}">
+                    <a16:rowId xmlns:a16="http://schemas.microsoft.com/office/drawing/2014/main" val="770687947"/>
+                  </a:ext>
+                </a:extLst>
+              </a:tr>
+              <a:tr h="358234">
+                <a:tc>
+                  <a:txBody>
+                    <a:bodyPr/>
+                    <a:lstStyle/>
+                    <a:p>
+                      <a:pPr algn="ctr"/>
+                      <a:r>
+                        <a:rPr lang="hu-HU" sz="1400" dirty="0">
+                          <a:solidFill>
+                            <a:schemeClr val="bg1">
+                              <a:lumMod val="95000"/>
+                            </a:schemeClr>
+                          </a:solidFill>
+                          <a:latin typeface="Consolas" panose="020B0609020204030204" pitchFamily="49" charset="0"/>
+                        </a:rPr>
+                        <a:t>Miskolc</a:t>
+                      </a:r>
+                      <a:endParaRPr lang="en-US" sz="1400" dirty="0">
+                        <a:solidFill>
+                          <a:schemeClr val="bg1">
+                            <a:lumMod val="95000"/>
+                          </a:schemeClr>
+                        </a:solidFill>
+                        <a:latin typeface="Consolas" panose="020B0609020204030204" pitchFamily="49" charset="0"/>
+                      </a:endParaRPr>
+                    </a:p>
+                  </a:txBody>
+                  <a:tcPr>
+                    <a:solidFill>
+                      <a:schemeClr val="tx1">
+                        <a:lumMod val="65000"/>
+                        <a:lumOff val="35000"/>
+                      </a:schemeClr>
+                    </a:solidFill>
+                  </a:tcPr>
+                </a:tc>
+                <a:tc>
+                  <a:txBody>
+                    <a:bodyPr/>
+                    <a:lstStyle/>
+                    <a:p>
+                      <a:endParaRPr lang="en-US" dirty="0">
+                        <a:solidFill>
+                          <a:schemeClr val="bg1">
+                            <a:lumMod val="95000"/>
+                          </a:schemeClr>
+                        </a:solidFill>
+                        <a:latin typeface="Consolas" panose="020B0609020204030204" pitchFamily="49" charset="0"/>
+                      </a:endParaRPr>
+                    </a:p>
+                  </a:txBody>
+                  <a:tcPr>
+                    <a:solidFill>
+                      <a:schemeClr val="tx1">
+                        <a:lumMod val="65000"/>
+                        <a:lumOff val="35000"/>
+                      </a:schemeClr>
+                    </a:solidFill>
+                  </a:tcPr>
+                </a:tc>
+                <a:extLst>
+                  <a:ext uri="{0D108BD9-81ED-4DB2-BD59-A6C34878D82A}">
+                    <a16:rowId xmlns:a16="http://schemas.microsoft.com/office/drawing/2014/main" val="2541124990"/>
+                  </a:ext>
+                </a:extLst>
+              </a:tr>
+              <a:tr h="358234">
+                <a:tc>
+                  <a:txBody>
+                    <a:bodyPr/>
+                    <a:lstStyle/>
+                    <a:p>
+                      <a:pPr algn="ctr"/>
+                      <a:r>
+                        <a:rPr lang="hu-HU" sz="1400" dirty="0">
+                          <a:solidFill>
+                            <a:schemeClr val="bg1">
+                              <a:lumMod val="95000"/>
+                            </a:schemeClr>
+                          </a:solidFill>
+                          <a:latin typeface="Consolas" panose="020B0609020204030204" pitchFamily="49" charset="0"/>
+                        </a:rPr>
+                        <a:t>Győr</a:t>
+                      </a:r>
+                      <a:endParaRPr lang="en-US" dirty="0">
+                        <a:solidFill>
+                          <a:schemeClr val="bg1">
+                            <a:lumMod val="95000"/>
+                          </a:schemeClr>
+                        </a:solidFill>
+                        <a:latin typeface="Consolas" panose="020B0609020204030204" pitchFamily="49" charset="0"/>
+                      </a:endParaRPr>
+                    </a:p>
+                  </a:txBody>
+                  <a:tcPr>
+                    <a:solidFill>
+                      <a:schemeClr val="tx1">
+                        <a:lumMod val="65000"/>
+                        <a:lumOff val="35000"/>
+                      </a:schemeClr>
+                    </a:solidFill>
+                  </a:tcPr>
+                </a:tc>
+                <a:tc>
+                  <a:txBody>
+                    <a:bodyPr/>
+                    <a:lstStyle/>
+                    <a:p>
+                      <a:endParaRPr lang="en-US" dirty="0">
+                        <a:solidFill>
+                          <a:schemeClr val="bg1">
+                            <a:lumMod val="95000"/>
+                          </a:schemeClr>
+                        </a:solidFill>
+                        <a:latin typeface="Consolas" panose="020B0609020204030204" pitchFamily="49" charset="0"/>
+                      </a:endParaRPr>
+                    </a:p>
+                  </a:txBody>
+                  <a:tcPr>
+                    <a:solidFill>
+                      <a:schemeClr val="tx1">
+                        <a:lumMod val="65000"/>
+                        <a:lumOff val="35000"/>
+                      </a:schemeClr>
+                    </a:solidFill>
+                  </a:tcPr>
+                </a:tc>
+                <a:extLst>
+                  <a:ext uri="{0D108BD9-81ED-4DB2-BD59-A6C34878D82A}">
+                    <a16:rowId xmlns:a16="http://schemas.microsoft.com/office/drawing/2014/main" val="4195690778"/>
+                  </a:ext>
+                </a:extLst>
+              </a:tr>
+              <a:tr h="366885">
+                <a:tc>
+                  <a:txBody>
+                    <a:bodyPr/>
+                    <a:lstStyle/>
+                    <a:p>
+                      <a:pPr algn="ctr"/>
+                      <a:r>
+                        <a:rPr lang="hu-HU" sz="1400" dirty="0">
+                          <a:solidFill>
+                            <a:schemeClr val="bg1">
+                              <a:lumMod val="95000"/>
+                            </a:schemeClr>
+                          </a:solidFill>
+                          <a:latin typeface="Consolas" panose="020B0609020204030204" pitchFamily="49" charset="0"/>
+                        </a:rPr>
+                        <a:t>Nyíregyháza</a:t>
+                      </a:r>
+                      <a:endParaRPr lang="en-US" sz="1400" dirty="0">
+                        <a:solidFill>
+                          <a:schemeClr val="bg1">
+                            <a:lumMod val="95000"/>
+                          </a:schemeClr>
+                        </a:solidFill>
+                        <a:latin typeface="Consolas" panose="020B0609020204030204" pitchFamily="49" charset="0"/>
+                      </a:endParaRPr>
+                    </a:p>
+                  </a:txBody>
+                  <a:tcPr>
+                    <a:solidFill>
+                      <a:schemeClr val="tx1">
+                        <a:lumMod val="65000"/>
+                        <a:lumOff val="35000"/>
+                      </a:schemeClr>
+                    </a:solidFill>
+                  </a:tcPr>
+                </a:tc>
+                <a:tc>
+                  <a:txBody>
+                    <a:bodyPr/>
+                    <a:lstStyle/>
+                    <a:p>
+                      <a:endParaRPr lang="en-US" dirty="0">
+                        <a:solidFill>
+                          <a:schemeClr val="bg1">
+                            <a:lumMod val="95000"/>
+                          </a:schemeClr>
+                        </a:solidFill>
+                        <a:latin typeface="Consolas" panose="020B0609020204030204" pitchFamily="49" charset="0"/>
+                      </a:endParaRPr>
+                    </a:p>
+                  </a:txBody>
+                  <a:tcPr>
+                    <a:solidFill>
+                      <a:schemeClr val="tx1">
+                        <a:lumMod val="65000"/>
+                        <a:lumOff val="35000"/>
+                      </a:schemeClr>
+                    </a:solidFill>
+                  </a:tcPr>
+                </a:tc>
+                <a:extLst>
+                  <a:ext uri="{0D108BD9-81ED-4DB2-BD59-A6C34878D82A}">
+                    <a16:rowId xmlns:a16="http://schemas.microsoft.com/office/drawing/2014/main" val="1196328856"/>
+                  </a:ext>
+                </a:extLst>
+              </a:tr>
+              <a:tr h="358234">
+                <a:tc>
+                  <a:txBody>
+                    <a:bodyPr/>
+                    <a:lstStyle/>
+                    <a:p>
+                      <a:pPr algn="ctr"/>
+                      <a:r>
+                        <a:rPr lang="hu-HU" sz="1400" dirty="0">
+                          <a:solidFill>
+                            <a:schemeClr val="bg1">
+                              <a:lumMod val="95000"/>
+                            </a:schemeClr>
+                          </a:solidFill>
+                          <a:latin typeface="Consolas" panose="020B0609020204030204" pitchFamily="49" charset="0"/>
+                        </a:rPr>
+                        <a:t>Pécs</a:t>
+                      </a:r>
+                      <a:endParaRPr lang="en-US" dirty="0">
+                        <a:solidFill>
+                          <a:schemeClr val="bg1">
+                            <a:lumMod val="95000"/>
+                          </a:schemeClr>
+                        </a:solidFill>
+                        <a:latin typeface="Consolas" panose="020B0609020204030204" pitchFamily="49" charset="0"/>
+                      </a:endParaRPr>
+                    </a:p>
+                  </a:txBody>
+                  <a:tcPr>
+                    <a:solidFill>
+                      <a:schemeClr val="tx1">
+                        <a:lumMod val="65000"/>
+                        <a:lumOff val="35000"/>
+                      </a:schemeClr>
+                    </a:solidFill>
+                  </a:tcPr>
+                </a:tc>
+                <a:tc>
+                  <a:txBody>
+                    <a:bodyPr/>
+                    <a:lstStyle/>
+                    <a:p>
+                      <a:endParaRPr lang="en-US" dirty="0">
+                        <a:solidFill>
+                          <a:schemeClr val="bg1">
+                            <a:lumMod val="95000"/>
+                          </a:schemeClr>
+                        </a:solidFill>
+                        <a:latin typeface="Consolas" panose="020B0609020204030204" pitchFamily="49" charset="0"/>
+                      </a:endParaRPr>
+                    </a:p>
+                  </a:txBody>
+                  <a:tcPr>
+                    <a:solidFill>
+                      <a:schemeClr val="tx1">
+                        <a:lumMod val="65000"/>
+                        <a:lumOff val="35000"/>
+                      </a:schemeClr>
+                    </a:solidFill>
+                  </a:tcPr>
+                </a:tc>
+                <a:extLst>
+                  <a:ext uri="{0D108BD9-81ED-4DB2-BD59-A6C34878D82A}">
+                    <a16:rowId xmlns:a16="http://schemas.microsoft.com/office/drawing/2014/main" val="1974626940"/>
+                  </a:ext>
+                </a:extLst>
+              </a:tr>
+              <a:tr h="358234">
+                <a:tc>
+                  <a:txBody>
+                    <a:bodyPr/>
+                    <a:lstStyle/>
+                    <a:p>
+                      <a:pPr algn="ctr"/>
+                      <a:r>
+                        <a:rPr lang="hu-HU" sz="1400" dirty="0">
+                          <a:solidFill>
+                            <a:schemeClr val="bg1">
+                              <a:lumMod val="95000"/>
+                            </a:schemeClr>
+                          </a:solidFill>
+                          <a:latin typeface="Consolas" panose="020B0609020204030204" pitchFamily="49" charset="0"/>
+                        </a:rPr>
+                        <a:t>Szolnok</a:t>
+                      </a:r>
+                      <a:endParaRPr lang="en-US" dirty="0">
+                        <a:solidFill>
+                          <a:schemeClr val="bg1">
+                            <a:lumMod val="95000"/>
+                          </a:schemeClr>
+                        </a:solidFill>
+                        <a:latin typeface="Consolas" panose="020B0609020204030204" pitchFamily="49" charset="0"/>
+                      </a:endParaRPr>
+                    </a:p>
+                  </a:txBody>
+                  <a:tcPr>
+                    <a:solidFill>
+                      <a:schemeClr val="tx1">
+                        <a:lumMod val="65000"/>
+                        <a:lumOff val="35000"/>
+                      </a:schemeClr>
+                    </a:solidFill>
+                  </a:tcPr>
+                </a:tc>
+                <a:tc>
+                  <a:txBody>
+                    <a:bodyPr/>
+                    <a:lstStyle/>
+                    <a:p>
+                      <a:endParaRPr lang="en-US" dirty="0">
+                        <a:solidFill>
+                          <a:schemeClr val="bg1">
+                            <a:lumMod val="95000"/>
+                          </a:schemeClr>
+                        </a:solidFill>
+                        <a:latin typeface="Consolas" panose="020B0609020204030204" pitchFamily="49" charset="0"/>
+                      </a:endParaRPr>
+                    </a:p>
+                  </a:txBody>
+                  <a:tcPr>
+                    <a:solidFill>
+                      <a:schemeClr val="tx1">
+                        <a:lumMod val="65000"/>
+                        <a:lumOff val="35000"/>
+                      </a:schemeClr>
+                    </a:solidFill>
+                  </a:tcPr>
+                </a:tc>
+                <a:extLst>
+                  <a:ext uri="{0D108BD9-81ED-4DB2-BD59-A6C34878D82A}">
+                    <a16:rowId xmlns:a16="http://schemas.microsoft.com/office/drawing/2014/main" val="3368592510"/>
+                  </a:ext>
+                </a:extLst>
+              </a:tr>
+              <a:tr h="358234">
+                <a:tc>
+                  <a:txBody>
+                    <a:bodyPr/>
+                    <a:lstStyle/>
+                    <a:p>
+                      <a:pPr algn="ctr"/>
+                      <a:r>
+                        <a:rPr lang="hu-HU" sz="1400" dirty="0">
+                          <a:solidFill>
+                            <a:schemeClr val="bg1">
+                              <a:lumMod val="95000"/>
+                            </a:schemeClr>
+                          </a:solidFill>
+                          <a:latin typeface="Consolas" panose="020B0609020204030204" pitchFamily="49" charset="0"/>
+                        </a:rPr>
+                        <a:t>Szeged</a:t>
+                      </a:r>
+                      <a:endParaRPr lang="en-US" dirty="0">
+                        <a:solidFill>
+                          <a:schemeClr val="bg1">
+                            <a:lumMod val="95000"/>
+                          </a:schemeClr>
+                        </a:solidFill>
+                        <a:latin typeface="Consolas" panose="020B0609020204030204" pitchFamily="49" charset="0"/>
+                      </a:endParaRPr>
+                    </a:p>
+                  </a:txBody>
+                  <a:tcPr>
+                    <a:solidFill>
+                      <a:schemeClr val="tx1">
+                        <a:lumMod val="65000"/>
+                        <a:lumOff val="35000"/>
+                      </a:schemeClr>
+                    </a:solidFill>
+                  </a:tcPr>
+                </a:tc>
+                <a:tc>
+                  <a:txBody>
+                    <a:bodyPr/>
+                    <a:lstStyle/>
+                    <a:p>
+                      <a:endParaRPr lang="en-US" dirty="0">
+                        <a:solidFill>
+                          <a:schemeClr val="bg1">
+                            <a:lumMod val="95000"/>
+                          </a:schemeClr>
+                        </a:solidFill>
+                        <a:latin typeface="Consolas" panose="020B0609020204030204" pitchFamily="49" charset="0"/>
+                      </a:endParaRPr>
+                    </a:p>
+                  </a:txBody>
+                  <a:tcPr>
+                    <a:solidFill>
+                      <a:schemeClr val="tx1">
+                        <a:lumMod val="65000"/>
+                        <a:lumOff val="35000"/>
+                      </a:schemeClr>
+                    </a:solidFill>
+                  </a:tcPr>
+                </a:tc>
+                <a:extLst>
+                  <a:ext uri="{0D108BD9-81ED-4DB2-BD59-A6C34878D82A}">
+                    <a16:rowId xmlns:a16="http://schemas.microsoft.com/office/drawing/2014/main" val="3058251045"/>
+                  </a:ext>
+                </a:extLst>
+              </a:tr>
+              <a:tr h="358234">
+                <a:tc>
+                  <a:txBody>
+                    <a:bodyPr/>
+                    <a:lstStyle/>
+                    <a:p>
+                      <a:pPr algn="ctr"/>
+                      <a:r>
+                        <a:rPr lang="hu-HU" sz="1400" dirty="0">
+                          <a:solidFill>
+                            <a:schemeClr val="bg1">
+                              <a:lumMod val="95000"/>
+                            </a:schemeClr>
+                          </a:solidFill>
+                          <a:latin typeface="Consolas" panose="020B0609020204030204" pitchFamily="49" charset="0"/>
+                        </a:rPr>
+                        <a:t>Újfehértó</a:t>
+                      </a:r>
+                      <a:endParaRPr lang="en-US" dirty="0">
+                        <a:solidFill>
+                          <a:schemeClr val="bg1">
+                            <a:lumMod val="95000"/>
+                          </a:schemeClr>
+                        </a:solidFill>
+                        <a:latin typeface="Consolas" panose="020B0609020204030204" pitchFamily="49" charset="0"/>
+                      </a:endParaRPr>
+                    </a:p>
+                  </a:txBody>
+                  <a:tcPr>
+                    <a:solidFill>
+                      <a:schemeClr val="tx1">
+                        <a:lumMod val="65000"/>
+                        <a:lumOff val="35000"/>
+                      </a:schemeClr>
+                    </a:solidFill>
+                  </a:tcPr>
+                </a:tc>
+                <a:tc>
+                  <a:txBody>
+                    <a:bodyPr/>
+                    <a:lstStyle/>
+                    <a:p>
+                      <a:endParaRPr lang="en-US" dirty="0">
+                        <a:solidFill>
+                          <a:schemeClr val="bg1">
+                            <a:lumMod val="95000"/>
+                          </a:schemeClr>
+                        </a:solidFill>
+                        <a:latin typeface="Consolas" panose="020B0609020204030204" pitchFamily="49" charset="0"/>
+                      </a:endParaRPr>
+                    </a:p>
+                  </a:txBody>
+                  <a:tcPr>
+                    <a:solidFill>
+                      <a:schemeClr val="tx1">
+                        <a:lumMod val="65000"/>
+                        <a:lumOff val="35000"/>
+                      </a:schemeClr>
+                    </a:solidFill>
+                  </a:tcPr>
+                </a:tc>
+                <a:extLst>
+                  <a:ext uri="{0D108BD9-81ED-4DB2-BD59-A6C34878D82A}">
+                    <a16:rowId xmlns:a16="http://schemas.microsoft.com/office/drawing/2014/main" val="3229652465"/>
+                  </a:ext>
+                </a:extLst>
+              </a:tr>
+              <a:tr h="358234">
+                <a:tc>
+                  <a:txBody>
+                    <a:bodyPr/>
+                    <a:lstStyle/>
+                    <a:p>
+                      <a:pPr algn="ctr"/>
+                      <a:r>
+                        <a:rPr lang="hu-HU" sz="1400" dirty="0">
+                          <a:solidFill>
+                            <a:schemeClr val="bg1">
+                              <a:lumMod val="95000"/>
+                            </a:schemeClr>
+                          </a:solidFill>
+                          <a:latin typeface="Consolas" panose="020B0609020204030204" pitchFamily="49" charset="0"/>
+                        </a:rPr>
+                        <a:t>Kiskunhalas</a:t>
+                      </a:r>
+                      <a:endParaRPr lang="en-US" sz="1400" dirty="0">
+                        <a:solidFill>
+                          <a:schemeClr val="bg1">
+                            <a:lumMod val="95000"/>
+                          </a:schemeClr>
+                        </a:solidFill>
+                        <a:latin typeface="Consolas" panose="020B0609020204030204" pitchFamily="49" charset="0"/>
+                      </a:endParaRPr>
+                    </a:p>
+                  </a:txBody>
+                  <a:tcPr>
+                    <a:solidFill>
+                      <a:schemeClr val="tx1">
+                        <a:lumMod val="65000"/>
+                        <a:lumOff val="35000"/>
+                      </a:schemeClr>
+                    </a:solidFill>
+                  </a:tcPr>
+                </a:tc>
+                <a:tc>
+                  <a:txBody>
+                    <a:bodyPr/>
+                    <a:lstStyle/>
+                    <a:p>
+                      <a:endParaRPr lang="en-US" dirty="0">
+                        <a:solidFill>
+                          <a:schemeClr val="bg1">
+                            <a:lumMod val="95000"/>
+                          </a:schemeClr>
+                        </a:solidFill>
+                        <a:latin typeface="Consolas" panose="020B0609020204030204" pitchFamily="49" charset="0"/>
+                      </a:endParaRPr>
+                    </a:p>
+                  </a:txBody>
+                  <a:tcPr>
+                    <a:solidFill>
+                      <a:schemeClr val="tx1">
+                        <a:lumMod val="65000"/>
+                        <a:lumOff val="35000"/>
+                      </a:schemeClr>
+                    </a:solidFill>
+                  </a:tcPr>
+                </a:tc>
+                <a:extLst>
+                  <a:ext uri="{0D108BD9-81ED-4DB2-BD59-A6C34878D82A}">
+                    <a16:rowId xmlns:a16="http://schemas.microsoft.com/office/drawing/2014/main" val="235450100"/>
+                  </a:ext>
+                </a:extLst>
+              </a:tr>
+              <a:tr h="358234">
+                <a:tc>
+                  <a:txBody>
+                    <a:bodyPr/>
+                    <a:lstStyle/>
+                    <a:p>
+                      <a:pPr algn="ctr"/>
+                      <a:r>
+                        <a:rPr lang="hu-HU" sz="1400" dirty="0">
+                          <a:solidFill>
+                            <a:schemeClr val="bg1">
+                              <a:lumMod val="95000"/>
+                            </a:schemeClr>
+                          </a:solidFill>
+                          <a:latin typeface="Consolas" panose="020B0609020204030204" pitchFamily="49" charset="0"/>
+                        </a:rPr>
+                        <a:t>Siófok</a:t>
+                      </a:r>
+                      <a:endParaRPr lang="en-US" sz="1400" dirty="0">
+                        <a:solidFill>
+                          <a:schemeClr val="bg1">
+                            <a:lumMod val="95000"/>
+                          </a:schemeClr>
+                        </a:solidFill>
+                        <a:latin typeface="Consolas" panose="020B0609020204030204" pitchFamily="49" charset="0"/>
+                      </a:endParaRPr>
+                    </a:p>
+                  </a:txBody>
+                  <a:tcPr>
+                    <a:solidFill>
+                      <a:schemeClr val="tx1">
+                        <a:lumMod val="65000"/>
+                        <a:lumOff val="35000"/>
+                      </a:schemeClr>
+                    </a:solidFill>
+                  </a:tcPr>
+                </a:tc>
+                <a:tc>
+                  <a:txBody>
+                    <a:bodyPr/>
+                    <a:lstStyle/>
+                    <a:p>
+                      <a:endParaRPr lang="en-US" dirty="0">
+                        <a:solidFill>
+                          <a:schemeClr val="bg1">
+                            <a:lumMod val="95000"/>
+                          </a:schemeClr>
+                        </a:solidFill>
+                        <a:latin typeface="Consolas" panose="020B0609020204030204" pitchFamily="49" charset="0"/>
+                      </a:endParaRPr>
+                    </a:p>
+                  </a:txBody>
+                  <a:tcPr>
+                    <a:solidFill>
+                      <a:schemeClr val="tx1">
+                        <a:lumMod val="65000"/>
+                        <a:lumOff val="35000"/>
+                      </a:schemeClr>
+                    </a:solidFill>
+                  </a:tcPr>
+                </a:tc>
+                <a:extLst>
+                  <a:ext uri="{0D108BD9-81ED-4DB2-BD59-A6C34878D82A}">
+                    <a16:rowId xmlns:a16="http://schemas.microsoft.com/office/drawing/2014/main" val="2102786754"/>
+                  </a:ext>
+                </a:extLst>
+              </a:tr>
+              <a:tr h="358234">
+                <a:tc>
+                  <a:txBody>
+                    <a:bodyPr/>
+                    <a:lstStyle/>
+                    <a:p>
+                      <a:pPr algn="ctr"/>
+                      <a:r>
+                        <a:rPr lang="hu-HU" sz="1400" dirty="0">
+                          <a:solidFill>
+                            <a:schemeClr val="bg1">
+                              <a:lumMod val="95000"/>
+                            </a:schemeClr>
+                          </a:solidFill>
+                          <a:latin typeface="Consolas" panose="020B0609020204030204" pitchFamily="49" charset="0"/>
+                        </a:rPr>
+                        <a:t>Záhony</a:t>
+                      </a:r>
+                      <a:endParaRPr lang="en-US" sz="1400" dirty="0">
+                        <a:solidFill>
+                          <a:schemeClr val="bg1">
+                            <a:lumMod val="95000"/>
+                          </a:schemeClr>
+                        </a:solidFill>
+                        <a:latin typeface="Consolas" panose="020B0609020204030204" pitchFamily="49" charset="0"/>
+                      </a:endParaRPr>
+                    </a:p>
+                  </a:txBody>
+                  <a:tcPr>
+                    <a:solidFill>
+                      <a:schemeClr val="tx1">
+                        <a:lumMod val="65000"/>
+                        <a:lumOff val="35000"/>
+                      </a:schemeClr>
+                    </a:solidFill>
+                  </a:tcPr>
+                </a:tc>
+                <a:tc>
+                  <a:txBody>
+                    <a:bodyPr/>
+                    <a:lstStyle/>
+                    <a:p>
+                      <a:endParaRPr lang="en-US" dirty="0">
+                        <a:solidFill>
+                          <a:schemeClr val="bg1">
+                            <a:lumMod val="95000"/>
+                          </a:schemeClr>
+                        </a:solidFill>
+                        <a:latin typeface="Consolas" panose="020B0609020204030204" pitchFamily="49" charset="0"/>
+                      </a:endParaRPr>
+                    </a:p>
+                  </a:txBody>
+                  <a:tcPr>
+                    <a:solidFill>
+                      <a:schemeClr val="tx1">
+                        <a:lumMod val="65000"/>
+                        <a:lumOff val="35000"/>
+                      </a:schemeClr>
+                    </a:solidFill>
+                  </a:tcPr>
+                </a:tc>
+                <a:extLst>
+                  <a:ext uri="{0D108BD9-81ED-4DB2-BD59-A6C34878D82A}">
+                    <a16:rowId xmlns:a16="http://schemas.microsoft.com/office/drawing/2014/main" val="218361730"/>
+                  </a:ext>
+                </a:extLst>
+              </a:tr>
+            </a:tbl>
+          </a:graphicData>
+        </a:graphic>
+      </p:graphicFrame>
       <p:sp>
         <p:nvSpPr>
-          <p:cNvPr id="2" name="Téglalap 1">
+          <p:cNvPr id="35" name="Téglalap: lekerekített 34">
             <a:extLst>
               <a:ext uri="{FF2B5EF4-FFF2-40B4-BE49-F238E27FC236}">
-                <a16:creationId xmlns:a16="http://schemas.microsoft.com/office/drawing/2014/main" id="{1D4B0EED-B93F-4E73-9FC0-6FED5681A0E2}"/>
+                <a16:creationId xmlns:a16="http://schemas.microsoft.com/office/drawing/2014/main" id="{FC1FB1C4-A3CE-4A9E-9AE5-21B72ABF9855}"/>
               </a:ext>
             </a:extLst>
           </p:cNvPr>
@@ -11721,60 +10077,8 @@
         </p:nvSpPr>
         <p:spPr>
           <a:xfrm>
-            <a:off x="0" y="-63397"/>
-            <a:ext cx="12192000" cy="863497"/>
-          </a:xfrm>
-          <a:prstGeom prst="rect">
-            <a:avLst/>
-          </a:prstGeom>
-          <a:solidFill>
-            <a:srgbClr val="BD0D18"/>
-          </a:solidFill>
-          <a:ln w="28575">
-            <a:noFill/>
-          </a:ln>
-        </p:spPr>
-        <p:style>
-          <a:lnRef idx="2">
-            <a:schemeClr val="accent1">
-              <a:shade val="50000"/>
-            </a:schemeClr>
-          </a:lnRef>
-          <a:fillRef idx="1">
-            <a:schemeClr val="accent1"/>
-          </a:fillRef>
-          <a:effectRef idx="0">
-            <a:schemeClr val="accent1"/>
-          </a:effectRef>
-          <a:fontRef idx="minor">
-            <a:schemeClr val="lt1"/>
-          </a:fontRef>
-        </p:style>
-        <p:txBody>
-          <a:bodyPr rtlCol="0" anchor="ctr"/>
-          <a:lstStyle/>
-          <a:p>
-            <a:pPr algn="ctr"/>
-            <a:endParaRPr lang="en-US" dirty="0"/>
-          </a:p>
-        </p:txBody>
-      </p:sp>
-      <p:sp>
-        <p:nvSpPr>
-          <p:cNvPr id="4" name="Téglalap: lekerekített 3">
-            <a:extLst>
-              <a:ext uri="{FF2B5EF4-FFF2-40B4-BE49-F238E27FC236}">
-                <a16:creationId xmlns:a16="http://schemas.microsoft.com/office/drawing/2014/main" id="{39182016-5379-4D63-A7C6-4ECA52EFB311}"/>
-              </a:ext>
-            </a:extLst>
-          </p:cNvPr>
-          <p:cNvSpPr/>
-          <p:nvPr/>
-        </p:nvSpPr>
-        <p:spPr>
-          <a:xfrm>
-            <a:off x="295074" y="135985"/>
-            <a:ext cx="1267028" cy="378365"/>
+            <a:off x="1731388" y="121925"/>
+            <a:ext cx="1414238" cy="378365"/>
           </a:xfrm>
           <a:prstGeom prst="roundRect">
             <a:avLst/>
@@ -11814,1265 +10118,22 @@
           <a:lstStyle/>
           <a:p>
             <a:pPr algn="ctr"/>
-            <a:endParaRPr lang="en-US">
-              <a:solidFill>
-                <a:srgbClr val="CAC7C2"/>
-              </a:solidFill>
-            </a:endParaRPr>
-          </a:p>
-        </p:txBody>
-      </p:sp>
-      <p:sp>
-        <p:nvSpPr>
-          <p:cNvPr id="5" name="Szövegdoboz 4">
-            <a:extLst>
-              <a:ext uri="{FF2B5EF4-FFF2-40B4-BE49-F238E27FC236}">
-                <a16:creationId xmlns:a16="http://schemas.microsoft.com/office/drawing/2014/main" id="{4BB8EC08-8C2F-4ABA-9E8A-75D7E81C9A71}"/>
-              </a:ext>
-            </a:extLst>
-          </p:cNvPr>
-          <p:cNvSpPr txBox="1"/>
-          <p:nvPr/>
-        </p:nvSpPr>
-        <p:spPr>
-          <a:xfrm>
-            <a:off x="482792" y="143972"/>
-            <a:ext cx="891590" cy="369332"/>
-          </a:xfrm>
-          <a:prstGeom prst="rect">
-            <a:avLst/>
-          </a:prstGeom>
-          <a:noFill/>
-        </p:spPr>
-        <p:txBody>
-          <a:bodyPr wrap="none" rtlCol="0">
-            <a:spAutoFit/>
-          </a:bodyPr>
-          <a:lstStyle/>
-          <a:p>
-            <a:pPr algn="ctr"/>
             <a:r>
               <a:rPr lang="hu-HU" dirty="0">
-                <a:solidFill>
-                  <a:schemeClr val="bg1"/>
-                </a:solidFill>
-                <a:latin typeface="Corbel" panose="020B0503020204020204" pitchFamily="34" charset="0"/>
-                <a:cs typeface="Calibri Light" panose="020F0302020204030204" pitchFamily="34" charset="0"/>
-              </a:rPr>
-              <a:t>Főoldal</a:t>
-            </a:r>
-            <a:endParaRPr lang="en-US" dirty="0">
-              <a:solidFill>
-                <a:schemeClr val="bg1"/>
-              </a:solidFill>
-              <a:latin typeface="Corbel" panose="020B0503020204020204" pitchFamily="34" charset="0"/>
-              <a:cs typeface="Calibri Light" panose="020F0302020204030204" pitchFamily="34" charset="0"/>
-            </a:endParaRPr>
-          </a:p>
-        </p:txBody>
-      </p:sp>
-      <p:sp>
-        <p:nvSpPr>
-          <p:cNvPr id="6" name="Téglalap: lekerekített 5">
-            <a:extLst>
-              <a:ext uri="{FF2B5EF4-FFF2-40B4-BE49-F238E27FC236}">
-                <a16:creationId xmlns:a16="http://schemas.microsoft.com/office/drawing/2014/main" id="{3FA26D5D-10B3-41E5-AD90-3795A2B29EA6}"/>
-              </a:ext>
-            </a:extLst>
-          </p:cNvPr>
-          <p:cNvSpPr/>
-          <p:nvPr/>
-        </p:nvSpPr>
-        <p:spPr>
-          <a:xfrm>
-            <a:off x="1761009" y="134939"/>
-            <a:ext cx="1267028" cy="378365"/>
-          </a:xfrm>
-          <a:prstGeom prst="roundRect">
-            <a:avLst/>
-          </a:prstGeom>
-          <a:solidFill>
-            <a:schemeClr val="tx1"/>
-          </a:solidFill>
-          <a:ln w="3175">
-            <a:solidFill>
-              <a:schemeClr val="tx1">
-                <a:alpha val="99000"/>
-              </a:schemeClr>
-            </a:solidFill>
-          </a:ln>
-        </p:spPr>
-        <p:style>
-          <a:lnRef idx="2">
-            <a:schemeClr val="accent1">
-              <a:shade val="50000"/>
-            </a:schemeClr>
-          </a:lnRef>
-          <a:fillRef idx="1">
-            <a:schemeClr val="accent1"/>
-          </a:fillRef>
-          <a:effectRef idx="0">
-            <a:schemeClr val="accent1"/>
-          </a:effectRef>
-          <a:fontRef idx="minor">
-            <a:schemeClr val="lt1"/>
-          </a:fontRef>
-        </p:style>
-        <p:txBody>
-          <a:bodyPr rtlCol="0" anchor="ctr"/>
-          <a:lstStyle/>
-          <a:p>
-            <a:pPr algn="ctr"/>
-            <a:r>
-              <a:rPr lang="hu-HU" dirty="0">
-                <a:solidFill>
-                  <a:schemeClr val="bg1"/>
-                </a:solidFill>
-                <a:latin typeface="Corbel" panose="020B0503020204020204" pitchFamily="34" charset="0"/>
-              </a:rPr>
-              <a:t>Kereső</a:t>
-            </a:r>
-            <a:endParaRPr lang="en-US" dirty="0">
-              <a:solidFill>
-                <a:schemeClr val="bg1"/>
-              </a:solidFill>
-              <a:latin typeface="Corbel" panose="020B0503020204020204" pitchFamily="34" charset="0"/>
-            </a:endParaRPr>
-          </a:p>
-        </p:txBody>
-      </p:sp>
-      <p:sp>
-        <p:nvSpPr>
-          <p:cNvPr id="7" name="Téglalap: lekerekített 6">
-            <a:extLst>
-              <a:ext uri="{FF2B5EF4-FFF2-40B4-BE49-F238E27FC236}">
-                <a16:creationId xmlns:a16="http://schemas.microsoft.com/office/drawing/2014/main" id="{1D2B0348-42C5-4CAC-ADE0-3D07B740285F}"/>
-              </a:ext>
-            </a:extLst>
-          </p:cNvPr>
-          <p:cNvSpPr/>
-          <p:nvPr/>
-        </p:nvSpPr>
-        <p:spPr>
-          <a:xfrm>
-            <a:off x="3226944" y="135985"/>
-            <a:ext cx="2192781" cy="378365"/>
-          </a:xfrm>
-          <a:prstGeom prst="roundRect">
-            <a:avLst/>
-          </a:prstGeom>
-          <a:solidFill>
-            <a:schemeClr val="tx1"/>
-          </a:solidFill>
-          <a:ln w="3175">
-            <a:noFill/>
-          </a:ln>
-        </p:spPr>
-        <p:style>
-          <a:lnRef idx="2">
-            <a:schemeClr val="accent1">
-              <a:shade val="50000"/>
-            </a:schemeClr>
-          </a:lnRef>
-          <a:fillRef idx="1">
-            <a:schemeClr val="accent1"/>
-          </a:fillRef>
-          <a:effectRef idx="0">
-            <a:schemeClr val="accent1"/>
-          </a:effectRef>
-          <a:fontRef idx="minor">
-            <a:schemeClr val="lt1"/>
-          </a:fontRef>
-        </p:style>
-        <p:txBody>
-          <a:bodyPr rtlCol="0" anchor="ctr"/>
-          <a:lstStyle/>
-          <a:p>
-            <a:pPr algn="ctr"/>
-            <a:r>
-              <a:rPr lang="hu-HU" sz="1600" dirty="0">
-                <a:solidFill>
-                  <a:schemeClr val="bg1"/>
-                </a:solidFill>
-                <a:latin typeface="Corbel" panose="020B0503020204020204" pitchFamily="34" charset="0"/>
-              </a:rPr>
-              <a:t>Adatok módosítása</a:t>
-            </a:r>
-            <a:endParaRPr lang="en-US" sz="1600" dirty="0">
-              <a:solidFill>
-                <a:schemeClr val="bg1"/>
-              </a:solidFill>
-              <a:latin typeface="Corbel" panose="020B0503020204020204" pitchFamily="34" charset="0"/>
-            </a:endParaRPr>
-          </a:p>
-        </p:txBody>
-      </p:sp>
-      <p:graphicFrame>
-        <p:nvGraphicFramePr>
-          <p:cNvPr id="3" name="Táblázat 7">
-            <a:extLst>
-              <a:ext uri="{FF2B5EF4-FFF2-40B4-BE49-F238E27FC236}">
-                <a16:creationId xmlns:a16="http://schemas.microsoft.com/office/drawing/2014/main" id="{AA3780FE-A12D-4978-8625-B5CECDA91DFF}"/>
-              </a:ext>
-            </a:extLst>
-          </p:cNvPr>
-          <p:cNvGraphicFramePr>
-            <a:graphicFrameLocks noGrp="1"/>
-          </p:cNvGraphicFramePr>
-          <p:nvPr>
-            <p:extLst>
-              <p:ext uri="{D42A27DB-BD31-4B8C-83A1-F6EECF244321}">
-                <p14:modId xmlns:p14="http://schemas.microsoft.com/office/powerpoint/2010/main" val="271465752"/>
-              </p:ext>
-            </p:extLst>
-          </p:nvPr>
-        </p:nvGraphicFramePr>
-        <p:xfrm>
-          <a:off x="3318417" y="870290"/>
-          <a:ext cx="8544909" cy="5782179"/>
-        </p:xfrm>
-        <a:graphic>
-          <a:graphicData uri="http://schemas.openxmlformats.org/drawingml/2006/table">
-            <a:tbl>
-              <a:tblPr firstRow="1" bandRow="1">
-                <a:tableStyleId>{5C22544A-7EE6-4342-B048-85BDC9FD1C3A}</a:tableStyleId>
-              </a:tblPr>
-              <a:tblGrid>
-                <a:gridCol w="2848303">
-                  <a:extLst>
-                    <a:ext uri="{9D8B030D-6E8A-4147-A177-3AD203B41FA5}">
-                      <a16:colId xmlns:a16="http://schemas.microsoft.com/office/drawing/2014/main" val="2598443847"/>
-                    </a:ext>
-                  </a:extLst>
-                </a:gridCol>
-                <a:gridCol w="2848303">
-                  <a:extLst>
-                    <a:ext uri="{9D8B030D-6E8A-4147-A177-3AD203B41FA5}">
-                      <a16:colId xmlns:a16="http://schemas.microsoft.com/office/drawing/2014/main" val="2935347366"/>
-                    </a:ext>
-                  </a:extLst>
-                </a:gridCol>
-                <a:gridCol w="2848303">
-                  <a:extLst>
-                    <a:ext uri="{9D8B030D-6E8A-4147-A177-3AD203B41FA5}">
-                      <a16:colId xmlns:a16="http://schemas.microsoft.com/office/drawing/2014/main" val="2368300544"/>
-                    </a:ext>
-                  </a:extLst>
-                </a:gridCol>
-              </a:tblGrid>
-              <a:tr h="517070">
-                <a:tc>
-                  <a:txBody>
-                    <a:bodyPr/>
-                    <a:lstStyle/>
-                    <a:p>
-                      <a:pPr algn="ctr"/>
-                      <a:r>
-                        <a:rPr lang="hu-HU" sz="1600" b="1" dirty="0">
-                          <a:solidFill>
-                            <a:schemeClr val="bg1">
-                              <a:lumMod val="95000"/>
-                            </a:schemeClr>
-                          </a:solidFill>
-                          <a:latin typeface="Consolas" panose="020B0609020204030204" pitchFamily="49" charset="0"/>
-                        </a:rPr>
-                        <a:t>Azonosító</a:t>
-                      </a:r>
-                      <a:endParaRPr lang="en-US" sz="1800" b="1" dirty="0">
-                        <a:solidFill>
-                          <a:schemeClr val="bg1">
-                            <a:lumMod val="95000"/>
-                          </a:schemeClr>
-                        </a:solidFill>
-                        <a:latin typeface="Consolas" panose="020B0609020204030204" pitchFamily="49" charset="0"/>
-                      </a:endParaRPr>
-                    </a:p>
-                  </a:txBody>
-                  <a:tcPr>
-                    <a:lnL w="12700" cap="flat" cmpd="sng" algn="ctr">
-                      <a:solidFill>
-                        <a:schemeClr val="bg1">
-                          <a:lumMod val="95000"/>
-                        </a:schemeClr>
-                      </a:solidFill>
-                      <a:prstDash val="solid"/>
-                      <a:round/>
-                      <a:headEnd type="none" w="med" len="med"/>
-                      <a:tailEnd type="none" w="med" len="med"/>
-                    </a:lnL>
-                    <a:lnR w="12700" cap="flat" cmpd="sng" algn="ctr">
-                      <a:solidFill>
-                        <a:schemeClr val="bg1">
-                          <a:lumMod val="95000"/>
-                        </a:schemeClr>
-                      </a:solidFill>
-                      <a:prstDash val="solid"/>
-                      <a:round/>
-                      <a:headEnd type="none" w="med" len="med"/>
-                      <a:tailEnd type="none" w="med" len="med"/>
-                    </a:lnR>
-                    <a:lnT w="12700" cap="flat" cmpd="sng" algn="ctr">
-                      <a:solidFill>
-                        <a:schemeClr val="bg1">
-                          <a:lumMod val="95000"/>
-                        </a:schemeClr>
-                      </a:solidFill>
-                      <a:prstDash val="solid"/>
-                      <a:round/>
-                      <a:headEnd type="none" w="med" len="med"/>
-                      <a:tailEnd type="none" w="med" len="med"/>
-                    </a:lnT>
-                    <a:lnB w="12700" cap="flat" cmpd="sng" algn="ctr">
-                      <a:solidFill>
-                        <a:schemeClr val="bg1">
-                          <a:lumMod val="95000"/>
-                        </a:schemeClr>
-                      </a:solidFill>
-                      <a:prstDash val="solid"/>
-                      <a:round/>
-                      <a:headEnd type="none" w="med" len="med"/>
-                      <a:tailEnd type="none" w="med" len="med"/>
-                    </a:lnB>
-                    <a:solidFill>
-                      <a:schemeClr val="tx1">
-                        <a:lumMod val="65000"/>
-                        <a:lumOff val="35000"/>
-                      </a:schemeClr>
-                    </a:solidFill>
-                  </a:tcPr>
-                </a:tc>
-                <a:tc>
-                  <a:txBody>
-                    <a:bodyPr/>
-                    <a:lstStyle/>
-                    <a:p>
-                      <a:pPr algn="ctr"/>
-                      <a:r>
-                        <a:rPr lang="hu-HU" sz="1600" dirty="0">
-                          <a:solidFill>
-                            <a:schemeClr val="bg1">
-                              <a:lumMod val="95000"/>
-                            </a:schemeClr>
-                          </a:solidFill>
-                          <a:latin typeface="Consolas" panose="020B0609020204030204" pitchFamily="49" charset="0"/>
-                        </a:rPr>
-                        <a:t>Korház neve</a:t>
-                      </a:r>
-                      <a:endParaRPr lang="en-US" sz="1800" dirty="0">
-                        <a:solidFill>
-                          <a:schemeClr val="bg1">
-                            <a:lumMod val="95000"/>
-                          </a:schemeClr>
-                        </a:solidFill>
-                        <a:latin typeface="Consolas" panose="020B0609020204030204" pitchFamily="49" charset="0"/>
-                      </a:endParaRPr>
-                    </a:p>
-                  </a:txBody>
-                  <a:tcPr>
-                    <a:lnL w="12700" cap="flat" cmpd="sng" algn="ctr">
-                      <a:solidFill>
-                        <a:schemeClr val="bg1">
-                          <a:lumMod val="95000"/>
-                        </a:schemeClr>
-                      </a:solidFill>
-                      <a:prstDash val="solid"/>
-                      <a:round/>
-                      <a:headEnd type="none" w="med" len="med"/>
-                      <a:tailEnd type="none" w="med" len="med"/>
-                    </a:lnL>
-                    <a:lnR w="12700" cap="flat" cmpd="sng" algn="ctr">
-                      <a:solidFill>
-                        <a:schemeClr val="bg1">
-                          <a:lumMod val="95000"/>
-                        </a:schemeClr>
-                      </a:solidFill>
-                      <a:prstDash val="solid"/>
-                      <a:round/>
-                      <a:headEnd type="none" w="med" len="med"/>
-                      <a:tailEnd type="none" w="med" len="med"/>
-                    </a:lnR>
-                    <a:lnT w="12700" cap="flat" cmpd="sng" algn="ctr">
-                      <a:solidFill>
-                        <a:schemeClr val="bg1">
-                          <a:lumMod val="95000"/>
-                        </a:schemeClr>
-                      </a:solidFill>
-                      <a:prstDash val="solid"/>
-                      <a:round/>
-                      <a:headEnd type="none" w="med" len="med"/>
-                      <a:tailEnd type="none" w="med" len="med"/>
-                    </a:lnT>
-                    <a:lnB w="12700" cap="flat" cmpd="sng" algn="ctr">
-                      <a:solidFill>
-                        <a:schemeClr val="bg1">
-                          <a:lumMod val="95000"/>
-                        </a:schemeClr>
-                      </a:solidFill>
-                      <a:prstDash val="solid"/>
-                      <a:round/>
-                      <a:headEnd type="none" w="med" len="med"/>
-                      <a:tailEnd type="none" w="med" len="med"/>
-                    </a:lnB>
-                    <a:solidFill>
-                      <a:schemeClr val="tx1">
-                        <a:lumMod val="65000"/>
-                        <a:lumOff val="35000"/>
-                      </a:schemeClr>
-                    </a:solidFill>
-                  </a:tcPr>
-                </a:tc>
-                <a:tc>
-                  <a:txBody>
-                    <a:bodyPr/>
-                    <a:lstStyle/>
-                    <a:p>
-                      <a:pPr algn="ctr"/>
-                      <a:r>
-                        <a:rPr lang="hu-HU" sz="1600" dirty="0">
-                          <a:solidFill>
-                            <a:schemeClr val="bg1">
-                              <a:lumMod val="95000"/>
-                            </a:schemeClr>
-                          </a:solidFill>
-                          <a:latin typeface="Consolas" panose="020B0609020204030204" pitchFamily="49" charset="0"/>
-                        </a:rPr>
-                        <a:t>Nyitvatartás</a:t>
-                      </a:r>
-                      <a:endParaRPr lang="en-US" sz="1800" dirty="0">
-                        <a:solidFill>
-                          <a:schemeClr val="bg1">
-                            <a:lumMod val="95000"/>
-                          </a:schemeClr>
-                        </a:solidFill>
-                        <a:latin typeface="Consolas" panose="020B0609020204030204" pitchFamily="49" charset="0"/>
-                      </a:endParaRPr>
-                    </a:p>
-                  </a:txBody>
-                  <a:tcPr>
-                    <a:lnL w="12700" cap="flat" cmpd="sng" algn="ctr">
-                      <a:solidFill>
-                        <a:schemeClr val="bg1">
-                          <a:lumMod val="95000"/>
-                        </a:schemeClr>
-                      </a:solidFill>
-                      <a:prstDash val="solid"/>
-                      <a:round/>
-                      <a:headEnd type="none" w="med" len="med"/>
-                      <a:tailEnd type="none" w="med" len="med"/>
-                    </a:lnL>
-                    <a:lnR w="12700" cap="flat" cmpd="sng" algn="ctr">
-                      <a:solidFill>
-                        <a:schemeClr val="bg1">
-                          <a:lumMod val="95000"/>
-                        </a:schemeClr>
-                      </a:solidFill>
-                      <a:prstDash val="solid"/>
-                      <a:round/>
-                      <a:headEnd type="none" w="med" len="med"/>
-                      <a:tailEnd type="none" w="med" len="med"/>
-                    </a:lnR>
-                    <a:lnT w="12700" cap="flat" cmpd="sng" algn="ctr">
-                      <a:solidFill>
-                        <a:schemeClr val="bg1">
-                          <a:lumMod val="95000"/>
-                        </a:schemeClr>
-                      </a:solidFill>
-                      <a:prstDash val="solid"/>
-                      <a:round/>
-                      <a:headEnd type="none" w="med" len="med"/>
-                      <a:tailEnd type="none" w="med" len="med"/>
-                    </a:lnT>
-                    <a:lnB w="12700" cap="flat" cmpd="sng" algn="ctr">
-                      <a:solidFill>
-                        <a:schemeClr val="bg1">
-                          <a:lumMod val="95000"/>
-                        </a:schemeClr>
-                      </a:solidFill>
-                      <a:prstDash val="solid"/>
-                      <a:round/>
-                      <a:headEnd type="none" w="med" len="med"/>
-                      <a:tailEnd type="none" w="med" len="med"/>
-                    </a:lnB>
-                    <a:solidFill>
-                      <a:schemeClr val="tx1">
-                        <a:lumMod val="65000"/>
-                        <a:lumOff val="35000"/>
-                      </a:schemeClr>
-                    </a:solidFill>
-                  </a:tcPr>
-                </a:tc>
-                <a:extLst>
-                  <a:ext uri="{0D108BD9-81ED-4DB2-BD59-A6C34878D82A}">
-                    <a16:rowId xmlns:a16="http://schemas.microsoft.com/office/drawing/2014/main" val="2965694189"/>
-                  </a:ext>
-                </a:extLst>
-              </a:tr>
-              <a:tr h="5265109">
-                <a:tc>
-                  <a:txBody>
-                    <a:bodyPr/>
-                    <a:lstStyle/>
-                    <a:p>
-                      <a:endParaRPr lang="en-US" dirty="0"/>
-                    </a:p>
-                  </a:txBody>
-                  <a:tcPr>
-                    <a:lnL w="12700" cap="flat" cmpd="sng" algn="ctr">
-                      <a:solidFill>
-                        <a:schemeClr val="bg1">
-                          <a:lumMod val="95000"/>
-                        </a:schemeClr>
-                      </a:solidFill>
-                      <a:prstDash val="solid"/>
-                      <a:round/>
-                      <a:headEnd type="none" w="med" len="med"/>
-                      <a:tailEnd type="none" w="med" len="med"/>
-                    </a:lnL>
-                    <a:lnR w="12700" cap="flat" cmpd="sng" algn="ctr">
-                      <a:solidFill>
-                        <a:schemeClr val="bg1">
-                          <a:lumMod val="95000"/>
-                        </a:schemeClr>
-                      </a:solidFill>
-                      <a:prstDash val="solid"/>
-                      <a:round/>
-                      <a:headEnd type="none" w="med" len="med"/>
-                      <a:tailEnd type="none" w="med" len="med"/>
-                    </a:lnR>
-                    <a:lnT w="12700" cap="flat" cmpd="sng" algn="ctr">
-                      <a:solidFill>
-                        <a:schemeClr val="bg1">
-                          <a:lumMod val="95000"/>
-                        </a:schemeClr>
-                      </a:solidFill>
-                      <a:prstDash val="solid"/>
-                      <a:round/>
-                      <a:headEnd type="none" w="med" len="med"/>
-                      <a:tailEnd type="none" w="med" len="med"/>
-                    </a:lnT>
-                    <a:lnB w="12700" cap="flat" cmpd="sng" algn="ctr">
-                      <a:solidFill>
-                        <a:schemeClr val="bg1">
-                          <a:lumMod val="95000"/>
-                        </a:schemeClr>
-                      </a:solidFill>
-                      <a:prstDash val="solid"/>
-                      <a:round/>
-                      <a:headEnd type="none" w="med" len="med"/>
-                      <a:tailEnd type="none" w="med" len="med"/>
-                    </a:lnB>
-                    <a:solidFill>
-                      <a:schemeClr val="tx1">
-                        <a:lumMod val="65000"/>
-                        <a:lumOff val="35000"/>
-                      </a:schemeClr>
-                    </a:solidFill>
-                  </a:tcPr>
-                </a:tc>
-                <a:tc>
-                  <a:txBody>
-                    <a:bodyPr/>
-                    <a:lstStyle/>
-                    <a:p>
-                      <a:endParaRPr lang="en-US" dirty="0"/>
-                    </a:p>
-                  </a:txBody>
-                  <a:tcPr>
-                    <a:lnL w="12700" cap="flat" cmpd="sng" algn="ctr">
-                      <a:solidFill>
-                        <a:schemeClr val="bg1">
-                          <a:lumMod val="95000"/>
-                        </a:schemeClr>
-                      </a:solidFill>
-                      <a:prstDash val="solid"/>
-                      <a:round/>
-                      <a:headEnd type="none" w="med" len="med"/>
-                      <a:tailEnd type="none" w="med" len="med"/>
-                    </a:lnL>
-                    <a:lnR w="12700" cap="flat" cmpd="sng" algn="ctr">
-                      <a:solidFill>
-                        <a:schemeClr val="bg1">
-                          <a:lumMod val="95000"/>
-                        </a:schemeClr>
-                      </a:solidFill>
-                      <a:prstDash val="solid"/>
-                      <a:round/>
-                      <a:headEnd type="none" w="med" len="med"/>
-                      <a:tailEnd type="none" w="med" len="med"/>
-                    </a:lnR>
-                    <a:lnT w="12700" cap="flat" cmpd="sng" algn="ctr">
-                      <a:solidFill>
-                        <a:schemeClr val="bg1">
-                          <a:lumMod val="95000"/>
-                        </a:schemeClr>
-                      </a:solidFill>
-                      <a:prstDash val="solid"/>
-                      <a:round/>
-                      <a:headEnd type="none" w="med" len="med"/>
-                      <a:tailEnd type="none" w="med" len="med"/>
-                    </a:lnT>
-                    <a:lnB w="12700" cap="flat" cmpd="sng" algn="ctr">
-                      <a:solidFill>
-                        <a:schemeClr val="bg1">
-                          <a:lumMod val="95000"/>
-                        </a:schemeClr>
-                      </a:solidFill>
-                      <a:prstDash val="solid"/>
-                      <a:round/>
-                      <a:headEnd type="none" w="med" len="med"/>
-                      <a:tailEnd type="none" w="med" len="med"/>
-                    </a:lnB>
-                    <a:solidFill>
-                      <a:schemeClr val="tx1">
-                        <a:lumMod val="65000"/>
-                        <a:lumOff val="35000"/>
-                      </a:schemeClr>
-                    </a:solidFill>
-                  </a:tcPr>
-                </a:tc>
-                <a:tc>
-                  <a:txBody>
-                    <a:bodyPr/>
-                    <a:lstStyle/>
-                    <a:p>
-                      <a:endParaRPr lang="en-US" dirty="0"/>
-                    </a:p>
-                  </a:txBody>
-                  <a:tcPr>
-                    <a:lnL w="12700" cap="flat" cmpd="sng" algn="ctr">
-                      <a:solidFill>
-                        <a:schemeClr val="bg1">
-                          <a:lumMod val="95000"/>
-                        </a:schemeClr>
-                      </a:solidFill>
-                      <a:prstDash val="solid"/>
-                      <a:round/>
-                      <a:headEnd type="none" w="med" len="med"/>
-                      <a:tailEnd type="none" w="med" len="med"/>
-                    </a:lnL>
-                    <a:lnR w="12700" cap="flat" cmpd="sng" algn="ctr">
-                      <a:solidFill>
-                        <a:schemeClr val="bg1">
-                          <a:lumMod val="95000"/>
-                        </a:schemeClr>
-                      </a:solidFill>
-                      <a:prstDash val="solid"/>
-                      <a:round/>
-                      <a:headEnd type="none" w="med" len="med"/>
-                      <a:tailEnd type="none" w="med" len="med"/>
-                    </a:lnR>
-                    <a:lnT w="12700" cap="flat" cmpd="sng" algn="ctr">
-                      <a:solidFill>
-                        <a:schemeClr val="bg1">
-                          <a:lumMod val="95000"/>
-                        </a:schemeClr>
-                      </a:solidFill>
-                      <a:prstDash val="solid"/>
-                      <a:round/>
-                      <a:headEnd type="none" w="med" len="med"/>
-                      <a:tailEnd type="none" w="med" len="med"/>
-                    </a:lnT>
-                    <a:lnB w="12700" cap="flat" cmpd="sng" algn="ctr">
-                      <a:solidFill>
-                        <a:schemeClr val="bg1">
-                          <a:lumMod val="95000"/>
-                        </a:schemeClr>
-                      </a:solidFill>
-                      <a:prstDash val="solid"/>
-                      <a:round/>
-                      <a:headEnd type="none" w="med" len="med"/>
-                      <a:tailEnd type="none" w="med" len="med"/>
-                    </a:lnB>
-                    <a:solidFill>
-                      <a:schemeClr val="tx1">
-                        <a:lumMod val="65000"/>
-                        <a:lumOff val="35000"/>
-                      </a:schemeClr>
-                    </a:solidFill>
-                  </a:tcPr>
-                </a:tc>
-                <a:extLst>
-                  <a:ext uri="{0D108BD9-81ED-4DB2-BD59-A6C34878D82A}">
-                    <a16:rowId xmlns:a16="http://schemas.microsoft.com/office/drawing/2014/main" val="3713266130"/>
-                  </a:ext>
-                </a:extLst>
-              </a:tr>
-            </a:tbl>
-          </a:graphicData>
-        </a:graphic>
-      </p:graphicFrame>
-      <p:sp>
-        <p:nvSpPr>
-          <p:cNvPr id="16" name="Téglalap 15">
-            <a:extLst>
-              <a:ext uri="{FF2B5EF4-FFF2-40B4-BE49-F238E27FC236}">
-                <a16:creationId xmlns:a16="http://schemas.microsoft.com/office/drawing/2014/main" id="{314190A6-6BD7-4298-AB6D-D10DBAD7A3AA}"/>
-              </a:ext>
-            </a:extLst>
-          </p:cNvPr>
-          <p:cNvSpPr/>
-          <p:nvPr/>
-        </p:nvSpPr>
-        <p:spPr>
-          <a:xfrm>
-            <a:off x="0" y="704675"/>
-            <a:ext cx="133349" cy="6153325"/>
-          </a:xfrm>
-          <a:prstGeom prst="rect">
-            <a:avLst/>
-          </a:prstGeom>
-          <a:solidFill>
-            <a:srgbClr val="BD0D18"/>
-          </a:solidFill>
-          <a:ln>
-            <a:noFill/>
-          </a:ln>
-        </p:spPr>
-        <p:style>
-          <a:lnRef idx="2">
-            <a:schemeClr val="accent1">
-              <a:shade val="50000"/>
-            </a:schemeClr>
-          </a:lnRef>
-          <a:fillRef idx="1">
-            <a:schemeClr val="accent1"/>
-          </a:fillRef>
-          <a:effectRef idx="0">
-            <a:schemeClr val="accent1"/>
-          </a:effectRef>
-          <a:fontRef idx="minor">
-            <a:schemeClr val="lt1"/>
-          </a:fontRef>
-        </p:style>
-        <p:txBody>
-          <a:bodyPr rtlCol="0" anchor="ctr"/>
-          <a:lstStyle/>
-          <a:p>
-            <a:pPr algn="ctr"/>
-            <a:endParaRPr lang="en-US"/>
-          </a:p>
-        </p:txBody>
-      </p:sp>
-      <p:sp>
-        <p:nvSpPr>
-          <p:cNvPr id="17" name="Téglalap 16">
-            <a:extLst>
-              <a:ext uri="{FF2B5EF4-FFF2-40B4-BE49-F238E27FC236}">
-                <a16:creationId xmlns:a16="http://schemas.microsoft.com/office/drawing/2014/main" id="{40301329-4F36-46D4-8946-B36A3EB2EA09}"/>
-              </a:ext>
-            </a:extLst>
-          </p:cNvPr>
-          <p:cNvSpPr/>
-          <p:nvPr/>
-        </p:nvSpPr>
-        <p:spPr>
-          <a:xfrm>
-            <a:off x="12058449" y="708343"/>
-            <a:ext cx="133349" cy="6153325"/>
-          </a:xfrm>
-          <a:prstGeom prst="rect">
-            <a:avLst/>
-          </a:prstGeom>
-          <a:solidFill>
-            <a:srgbClr val="BD0D18"/>
-          </a:solidFill>
-          <a:ln>
-            <a:noFill/>
-          </a:ln>
-        </p:spPr>
-        <p:style>
-          <a:lnRef idx="2">
-            <a:schemeClr val="accent1">
-              <a:shade val="50000"/>
-            </a:schemeClr>
-          </a:lnRef>
-          <a:fillRef idx="1">
-            <a:schemeClr val="accent1"/>
-          </a:fillRef>
-          <a:effectRef idx="0">
-            <a:schemeClr val="accent1"/>
-          </a:effectRef>
-          <a:fontRef idx="minor">
-            <a:schemeClr val="lt1"/>
-          </a:fontRef>
-        </p:style>
-        <p:txBody>
-          <a:bodyPr rtlCol="0" anchor="ctr"/>
-          <a:lstStyle/>
-          <a:p>
-            <a:pPr algn="ctr"/>
-            <a:endParaRPr lang="en-US"/>
-          </a:p>
-        </p:txBody>
-      </p:sp>
-      <p:sp>
-        <p:nvSpPr>
-          <p:cNvPr id="18" name="Téglalap 17">
-            <a:extLst>
-              <a:ext uri="{FF2B5EF4-FFF2-40B4-BE49-F238E27FC236}">
-                <a16:creationId xmlns:a16="http://schemas.microsoft.com/office/drawing/2014/main" id="{CE1557B0-0A2A-49E5-8882-BEB7ED996FAF}"/>
-              </a:ext>
-            </a:extLst>
-          </p:cNvPr>
-          <p:cNvSpPr/>
-          <p:nvPr/>
-        </p:nvSpPr>
-        <p:spPr>
-          <a:xfrm>
-            <a:off x="0" y="6715125"/>
-            <a:ext cx="12191798" cy="142875"/>
-          </a:xfrm>
-          <a:prstGeom prst="rect">
-            <a:avLst/>
-          </a:prstGeom>
-          <a:solidFill>
-            <a:srgbClr val="C00000"/>
-          </a:solidFill>
-          <a:ln>
-            <a:noFill/>
-          </a:ln>
-        </p:spPr>
-        <p:style>
-          <a:lnRef idx="2">
-            <a:schemeClr val="accent1">
-              <a:shade val="50000"/>
-            </a:schemeClr>
-          </a:lnRef>
-          <a:fillRef idx="1">
-            <a:schemeClr val="accent1"/>
-          </a:fillRef>
-          <a:effectRef idx="0">
-            <a:schemeClr val="accent1"/>
-          </a:effectRef>
-          <a:fontRef idx="minor">
-            <a:schemeClr val="lt1"/>
-          </a:fontRef>
-        </p:style>
-        <p:txBody>
-          <a:bodyPr rtlCol="0" anchor="ctr"/>
-          <a:lstStyle/>
-          <a:p>
-            <a:pPr algn="ctr"/>
-            <a:endParaRPr lang="en-US"/>
-          </a:p>
-        </p:txBody>
-      </p:sp>
-      <p:grpSp>
-        <p:nvGrpSpPr>
-          <p:cNvPr id="21" name="Csoportba foglalás 20">
-            <a:extLst>
-              <a:ext uri="{FF2B5EF4-FFF2-40B4-BE49-F238E27FC236}">
-                <a16:creationId xmlns:a16="http://schemas.microsoft.com/office/drawing/2014/main" id="{89FB0E39-1E09-4702-B237-853511944CA5}"/>
-              </a:ext>
-            </a:extLst>
-          </p:cNvPr>
-          <p:cNvGrpSpPr/>
-          <p:nvPr/>
-        </p:nvGrpSpPr>
-        <p:grpSpPr>
-          <a:xfrm>
-            <a:off x="6133860" y="533100"/>
-            <a:ext cx="360" cy="360"/>
-            <a:chOff x="6133860" y="533100"/>
-            <a:chExt cx="360" cy="360"/>
-          </a:xfrm>
-        </p:grpSpPr>
-        <mc:AlternateContent xmlns:mc="http://schemas.openxmlformats.org/markup-compatibility/2006" xmlns:p14="http://schemas.microsoft.com/office/powerpoint/2010/main">
-          <mc:Choice Requires="p14">
-            <p:contentPart p14:bwMode="auto" r:id="rId2">
-              <p14:nvContentPartPr>
-                <p14:cNvPr id="19" name="Szabadkéz 18">
-                  <a:extLst>
-                    <a:ext uri="{FF2B5EF4-FFF2-40B4-BE49-F238E27FC236}">
-                      <a16:creationId xmlns:a16="http://schemas.microsoft.com/office/drawing/2014/main" id="{AF11586B-6D51-4B04-83E2-922685EB1E34}"/>
-                    </a:ext>
-                  </a:extLst>
-                </p14:cNvPr>
-                <p14:cNvContentPartPr/>
-                <p14:nvPr/>
-              </p14:nvContentPartPr>
-              <p14:xfrm>
-                <a:off x="6133860" y="533100"/>
-                <a:ext cx="360" cy="360"/>
-              </p14:xfrm>
-            </p:contentPart>
-          </mc:Choice>
-          <mc:Fallback xmlns="">
-            <p:pic>
-              <p:nvPicPr>
-                <p:cNvPr id="19" name="Szabadkéz 18">
-                  <a:extLst>
-                    <a:ext uri="{FF2B5EF4-FFF2-40B4-BE49-F238E27FC236}">
-                      <a16:creationId xmlns:a16="http://schemas.microsoft.com/office/drawing/2014/main" id="{AF11586B-6D51-4B04-83E2-922685EB1E34}"/>
-                    </a:ext>
-                  </a:extLst>
-                </p:cNvPr>
-                <p:cNvPicPr/>
-                <p:nvPr/>
-              </p:nvPicPr>
-              <p:blipFill>
-                <a:blip r:embed="rId3"/>
-                <a:stretch>
-                  <a:fillRect/>
-                </a:stretch>
-              </p:blipFill>
-              <p:spPr>
-                <a:xfrm>
-                  <a:off x="6129540" y="528780"/>
-                  <a:ext cx="9000" cy="9000"/>
-                </a:xfrm>
-                <a:prstGeom prst="rect">
-                  <a:avLst/>
-                </a:prstGeom>
-              </p:spPr>
-            </p:pic>
-          </mc:Fallback>
-        </mc:AlternateContent>
-        <mc:AlternateContent xmlns:mc="http://schemas.openxmlformats.org/markup-compatibility/2006" xmlns:p14="http://schemas.microsoft.com/office/powerpoint/2010/main">
-          <mc:Choice Requires="p14">
-            <p:contentPart p14:bwMode="auto" r:id="rId4">
-              <p14:nvContentPartPr>
-                <p14:cNvPr id="20" name="Szabadkéz 19">
-                  <a:extLst>
-                    <a:ext uri="{FF2B5EF4-FFF2-40B4-BE49-F238E27FC236}">
-                      <a16:creationId xmlns:a16="http://schemas.microsoft.com/office/drawing/2014/main" id="{EBC8D880-CC2D-4B0D-A5EE-1FB5382C3CF7}"/>
-                    </a:ext>
-                  </a:extLst>
-                </p14:cNvPr>
-                <p14:cNvContentPartPr/>
-                <p14:nvPr/>
-              </p14:nvContentPartPr>
-              <p14:xfrm>
-                <a:off x="6133860" y="533100"/>
-                <a:ext cx="360" cy="360"/>
-              </p14:xfrm>
-            </p:contentPart>
-          </mc:Choice>
-          <mc:Fallback xmlns="">
-            <p:pic>
-              <p:nvPicPr>
-                <p:cNvPr id="20" name="Szabadkéz 19">
-                  <a:extLst>
-                    <a:ext uri="{FF2B5EF4-FFF2-40B4-BE49-F238E27FC236}">
-                      <a16:creationId xmlns:a16="http://schemas.microsoft.com/office/drawing/2014/main" id="{EBC8D880-CC2D-4B0D-A5EE-1FB5382C3CF7}"/>
-                    </a:ext>
-                  </a:extLst>
-                </p:cNvPr>
-                <p:cNvPicPr/>
-                <p:nvPr/>
-              </p:nvPicPr>
-              <p:blipFill>
-                <a:blip r:embed="rId3"/>
-                <a:stretch>
-                  <a:fillRect/>
-                </a:stretch>
-              </p:blipFill>
-              <p:spPr>
-                <a:xfrm>
-                  <a:off x="6129540" y="528780"/>
-                  <a:ext cx="9000" cy="9000"/>
-                </a:xfrm>
-                <a:prstGeom prst="rect">
-                  <a:avLst/>
-                </a:prstGeom>
-              </p:spPr>
-            </p:pic>
-          </mc:Fallback>
-        </mc:AlternateContent>
-      </p:grpSp>
-      <mc:AlternateContent xmlns:mc="http://schemas.openxmlformats.org/markup-compatibility/2006" xmlns:p14="http://schemas.microsoft.com/office/powerpoint/2010/main">
-        <mc:Choice Requires="p14">
-          <p:contentPart p14:bwMode="auto" r:id="rId5">
-            <p14:nvContentPartPr>
-              <p14:cNvPr id="22" name="Szabadkéz 21">
-                <a:extLst>
-                  <a:ext uri="{FF2B5EF4-FFF2-40B4-BE49-F238E27FC236}">
-                    <a16:creationId xmlns:a16="http://schemas.microsoft.com/office/drawing/2014/main" id="{FED63D43-5ACE-48BB-800F-E06FB46D7575}"/>
-                  </a:ext>
-                </a:extLst>
-              </p14:cNvPr>
-              <p14:cNvContentPartPr/>
-              <p14:nvPr/>
-            </p14:nvContentPartPr>
-            <p14:xfrm>
-              <a:off x="6514740" y="289020"/>
-              <a:ext cx="360" cy="360"/>
-            </p14:xfrm>
-          </p:contentPart>
-        </mc:Choice>
-        <mc:Fallback xmlns="">
-          <p:pic>
-            <p:nvPicPr>
-              <p:cNvPr id="22" name="Szabadkéz 21">
-                <a:extLst>
-                  <a:ext uri="{FF2B5EF4-FFF2-40B4-BE49-F238E27FC236}">
-                    <a16:creationId xmlns:a16="http://schemas.microsoft.com/office/drawing/2014/main" id="{FED63D43-5ACE-48BB-800F-E06FB46D7575}"/>
-                  </a:ext>
-                </a:extLst>
-              </p:cNvPr>
-              <p:cNvPicPr/>
-              <p:nvPr/>
-            </p:nvPicPr>
-            <p:blipFill>
-              <a:blip r:embed="rId3"/>
-              <a:stretch>
-                <a:fillRect/>
-              </a:stretch>
-            </p:blipFill>
-            <p:spPr>
-              <a:xfrm>
-                <a:off x="6510420" y="284700"/>
-                <a:ext cx="9000" cy="9000"/>
-              </a:xfrm>
-              <a:prstGeom prst="rect">
-                <a:avLst/>
-              </a:prstGeom>
-            </p:spPr>
-          </p:pic>
-        </mc:Fallback>
-      </mc:AlternateContent>
-      <p:sp>
-        <p:nvSpPr>
-          <p:cNvPr id="23" name="Téglalap: lekerekített 22">
-            <a:extLst>
-              <a:ext uri="{FF2B5EF4-FFF2-40B4-BE49-F238E27FC236}">
-                <a16:creationId xmlns:a16="http://schemas.microsoft.com/office/drawing/2014/main" id="{E9F041D1-17E3-4737-8584-EA050431A911}"/>
-              </a:ext>
-            </a:extLst>
-          </p:cNvPr>
-          <p:cNvSpPr/>
-          <p:nvPr/>
-        </p:nvSpPr>
-        <p:spPr>
-          <a:xfrm>
-            <a:off x="222455" y="906759"/>
-            <a:ext cx="2929699" cy="635540"/>
-          </a:xfrm>
-          <a:prstGeom prst="roundRect">
-            <a:avLst/>
-          </a:prstGeom>
-          <a:solidFill>
-            <a:schemeClr val="tx1">
-              <a:lumMod val="65000"/>
-              <a:lumOff val="35000"/>
-            </a:schemeClr>
-          </a:solidFill>
-          <a:ln w="25400">
-            <a:noFill/>
-          </a:ln>
-        </p:spPr>
-        <p:style>
-          <a:lnRef idx="2">
-            <a:schemeClr val="accent1">
-              <a:shade val="50000"/>
-            </a:schemeClr>
-          </a:lnRef>
-          <a:fillRef idx="1">
-            <a:schemeClr val="accent1"/>
-          </a:fillRef>
-          <a:effectRef idx="0">
-            <a:schemeClr val="accent1"/>
-          </a:effectRef>
-          <a:fontRef idx="minor">
-            <a:schemeClr val="lt1"/>
-          </a:fontRef>
-        </p:style>
-        <p:txBody>
-          <a:bodyPr rtlCol="0" anchor="ctr"/>
-          <a:lstStyle/>
-          <a:p>
-            <a:r>
-              <a:rPr lang="hu-HU" sz="2400" dirty="0">
                 <a:solidFill>
                   <a:schemeClr val="bg1">
                     <a:lumMod val="95000"/>
                   </a:schemeClr>
                 </a:solidFill>
-                <a:latin typeface="Consolas" panose="020B0609020204030204" pitchFamily="49" charset="0"/>
               </a:rPr>
-              <a:t>Név módosítása</a:t>
+              <a:t>véradópont</a:t>
             </a:r>
-            <a:endParaRPr lang="en-US" sz="2400" dirty="0">
+            <a:endParaRPr lang="en-US" dirty="0">
               <a:solidFill>
                 <a:schemeClr val="bg1">
                   <a:lumMod val="95000"/>
                 </a:schemeClr>
               </a:solidFill>
-              <a:latin typeface="Consolas" panose="020B0609020204030204" pitchFamily="49" charset="0"/>
-            </a:endParaRPr>
-          </a:p>
-        </p:txBody>
-      </p:sp>
-      <p:sp>
-        <p:nvSpPr>
-          <p:cNvPr id="24" name="Téglalap: lekerekített 23">
-            <a:extLst>
-              <a:ext uri="{FF2B5EF4-FFF2-40B4-BE49-F238E27FC236}">
-                <a16:creationId xmlns:a16="http://schemas.microsoft.com/office/drawing/2014/main" id="{8BD877FE-B909-4D5A-8971-D383A6640832}"/>
-              </a:ext>
-            </a:extLst>
-          </p:cNvPr>
-          <p:cNvSpPr/>
-          <p:nvPr/>
-        </p:nvSpPr>
-        <p:spPr>
-          <a:xfrm>
-            <a:off x="222455" y="1747056"/>
-            <a:ext cx="2929699" cy="635540"/>
-          </a:xfrm>
-          <a:prstGeom prst="roundRect">
-            <a:avLst/>
-          </a:prstGeom>
-          <a:solidFill>
-            <a:schemeClr val="tx1">
-              <a:lumMod val="65000"/>
-              <a:lumOff val="35000"/>
-            </a:schemeClr>
-          </a:solidFill>
-          <a:ln w="25400">
-            <a:noFill/>
-          </a:ln>
-        </p:spPr>
-        <p:style>
-          <a:lnRef idx="2">
-            <a:schemeClr val="accent1">
-              <a:shade val="50000"/>
-            </a:schemeClr>
-          </a:lnRef>
-          <a:fillRef idx="1">
-            <a:schemeClr val="accent1"/>
-          </a:fillRef>
-          <a:effectRef idx="0">
-            <a:schemeClr val="accent1"/>
-          </a:effectRef>
-          <a:fontRef idx="minor">
-            <a:schemeClr val="lt1"/>
-          </a:fontRef>
-        </p:style>
-        <p:txBody>
-          <a:bodyPr rtlCol="0" anchor="ctr"/>
-          <a:lstStyle/>
-          <a:p>
-            <a:r>
-              <a:rPr lang="hu-HU" sz="1600" dirty="0">
-                <a:solidFill>
-                  <a:schemeClr val="bg1">
-                    <a:lumMod val="95000"/>
-                  </a:schemeClr>
-                </a:solidFill>
-                <a:latin typeface="Consolas" panose="020B0609020204030204" pitchFamily="49" charset="0"/>
-              </a:rPr>
-              <a:t>Nyitvatartás módosítása</a:t>
-            </a:r>
-            <a:endParaRPr lang="en-US" sz="1600" dirty="0">
-              <a:solidFill>
-                <a:schemeClr val="bg1">
-                  <a:lumMod val="95000"/>
-                </a:schemeClr>
-              </a:solidFill>
-              <a:latin typeface="Consolas" panose="020B0609020204030204" pitchFamily="49" charset="0"/>
-            </a:endParaRPr>
-          </a:p>
-        </p:txBody>
-      </p:sp>
-      <p:pic>
-        <p:nvPicPr>
-          <p:cNvPr id="25" name="Tartalom helye 4">
-            <a:extLst>
-              <a:ext uri="{FF2B5EF4-FFF2-40B4-BE49-F238E27FC236}">
-                <a16:creationId xmlns:a16="http://schemas.microsoft.com/office/drawing/2014/main" id="{3A0FB02A-9EE3-4964-9391-3B9D8431CCF3}"/>
-              </a:ext>
-            </a:extLst>
-          </p:cNvPr>
-          <p:cNvPicPr>
-            <a:picLocks noChangeAspect="1"/>
-          </p:cNvPicPr>
-          <p:nvPr/>
-        </p:nvPicPr>
-        <p:blipFill>
-          <a:blip r:embed="rId6" cstate="hqprint">
-            <a:extLst>
-              <a:ext uri="{28A0092B-C50C-407E-A947-70E740481C1C}">
-                <a14:useLocalDpi xmlns:a14="http://schemas.microsoft.com/office/drawing/2010/main" val="0"/>
-              </a:ext>
-            </a:extLst>
-          </a:blip>
-          <a:stretch>
-            <a:fillRect/>
-          </a:stretch>
-        </p:blipFill>
-        <p:spPr>
-          <a:xfrm>
-            <a:off x="11067070" y="-137834"/>
-            <a:ext cx="973029" cy="973029"/>
-          </a:xfrm>
-          <a:prstGeom prst="rect">
-            <a:avLst/>
-          </a:prstGeom>
-        </p:spPr>
-      </p:pic>
-      <p:sp>
-        <p:nvSpPr>
-          <p:cNvPr id="26" name="Téglalap: lekerekített 6">
-            <a:extLst>
-              <a:ext uri="{FF2B5EF4-FFF2-40B4-BE49-F238E27FC236}">
-                <a16:creationId xmlns:a16="http://schemas.microsoft.com/office/drawing/2014/main" id="{1D2B0348-42C5-4CAC-ADE0-3D07B740285F}"/>
-              </a:ext>
-            </a:extLst>
-          </p:cNvPr>
-          <p:cNvSpPr/>
-          <p:nvPr/>
-        </p:nvSpPr>
-        <p:spPr>
-          <a:xfrm>
-            <a:off x="5618632" y="134938"/>
-            <a:ext cx="2192781" cy="378365"/>
-          </a:xfrm>
-          <a:prstGeom prst="roundRect">
-            <a:avLst/>
-          </a:prstGeom>
-          <a:solidFill>
-            <a:schemeClr val="tx1"/>
-          </a:solidFill>
-          <a:ln w="3175">
-            <a:noFill/>
-          </a:ln>
-        </p:spPr>
-        <p:style>
-          <a:lnRef idx="2">
-            <a:schemeClr val="accent1">
-              <a:shade val="50000"/>
-            </a:schemeClr>
-          </a:lnRef>
-          <a:fillRef idx="1">
-            <a:schemeClr val="accent1"/>
-          </a:fillRef>
-          <a:effectRef idx="0">
-            <a:schemeClr val="accent1"/>
-          </a:effectRef>
-          <a:fontRef idx="minor">
-            <a:schemeClr val="lt1"/>
-          </a:fontRef>
-        </p:style>
-        <p:txBody>
-          <a:bodyPr rtlCol="0" anchor="ctr"/>
-          <a:lstStyle/>
-          <a:p>
-            <a:pPr algn="ctr"/>
-            <a:r>
-              <a:rPr lang="hu-HU" sz="1600" dirty="0" smtClean="0">
-                <a:solidFill>
-                  <a:schemeClr val="bg1"/>
-                </a:solidFill>
-                <a:latin typeface="Corbel" panose="020B0503020204020204" pitchFamily="34" charset="0"/>
-              </a:rPr>
-              <a:t>Kórház adatok</a:t>
-            </a:r>
-            <a:endParaRPr lang="en-US" sz="1600" dirty="0">
-              <a:solidFill>
-                <a:schemeClr val="bg1"/>
-              </a:solidFill>
-              <a:latin typeface="Corbel" panose="020B0503020204020204" pitchFamily="34" charset="0"/>
             </a:endParaRPr>
           </a:p>
         </p:txBody>
